--- a/Presentation/Vue入门.pptx
+++ b/Presentation/Vue入门.pptx
@@ -1,51 +1,28 @@
 
 <file path=ppt/presentation.xml><?xml version="1.0" encoding="utf-8"?>
-<p:presentation xmlns:a="http://schemas.openxmlformats.org/drawingml/2006/main" xmlns:r="http://schemas.openxmlformats.org/officeDocument/2006/relationships" xmlns:p="http://schemas.openxmlformats.org/presentationml/2006/main" embedTrueTypeFonts="1" saveSubsetFonts="1">
+<p:presentation xmlns:a="http://schemas.openxmlformats.org/drawingml/2006/main" xmlns:r="http://schemas.openxmlformats.org/officeDocument/2006/relationships" xmlns:p="http://schemas.openxmlformats.org/presentationml/2006/main" saveSubsetFonts="1">
   <p:sldMasterIdLst>
     <p:sldMasterId id="2147483780" r:id="rId1"/>
   </p:sldMasterIdLst>
   <p:notesMasterIdLst>
-    <p:notesMasterId r:id="rId7"/>
+    <p:notesMasterId r:id="rId11"/>
   </p:notesMasterIdLst>
   <p:handoutMasterIdLst>
-    <p:handoutMasterId r:id="rId8"/>
+    <p:handoutMasterId r:id="rId12"/>
   </p:handoutMasterIdLst>
   <p:sldIdLst>
     <p:sldId id="257" r:id="rId2"/>
     <p:sldId id="260" r:id="rId3"/>
     <p:sldId id="261" r:id="rId4"/>
     <p:sldId id="262" r:id="rId5"/>
-    <p:sldId id="259" r:id="rId6"/>
+    <p:sldId id="263" r:id="rId6"/>
+    <p:sldId id="264" r:id="rId7"/>
+    <p:sldId id="265" r:id="rId8"/>
+    <p:sldId id="266" r:id="rId9"/>
+    <p:sldId id="259" r:id="rId10"/>
   </p:sldIdLst>
   <p:sldSz cx="12192000" cy="6858000"/>
   <p:notesSz cx="6858000" cy="9144000"/>
-  <p:embeddedFontLst>
-    <p:embeddedFont>
-      <p:font typeface="方正风雅宋简体" panose="02010600030101010101" charset="-122"/>
-      <p:regular r:id="rId9"/>
-    </p:embeddedFont>
-    <p:embeddedFont>
-      <p:font typeface="微软雅黑" panose="020B0503020204020204" pitchFamily="34" charset="-122"/>
-      <p:regular r:id="rId10"/>
-      <p:bold r:id="rId11"/>
-    </p:embeddedFont>
-    <p:embeddedFont>
-      <p:font typeface="方正铁筋隶书简体" panose="03000509000000000000" pitchFamily="65" charset="-122"/>
-      <p:regular r:id="rId12"/>
-    </p:embeddedFont>
-    <p:embeddedFont>
-      <p:font typeface="Calibri" panose="020F0502020204030204" pitchFamily="34" charset="0"/>
-      <p:regular r:id="rId13"/>
-      <p:bold r:id="rId14"/>
-      <p:italic r:id="rId15"/>
-      <p:boldItalic r:id="rId16"/>
-    </p:embeddedFont>
-    <p:embeddedFont>
-      <p:font typeface="Microsoft YaHei UI" panose="020B0703020204020201" charset="-122"/>
-      <p:regular r:id="rId17"/>
-      <p:bold r:id="rId18"/>
-    </p:embeddedFont>
-  </p:embeddedFontLst>
   <p:defaultTextStyle>
     <a:defPPr>
       <a:defRPr lang="zh-CN"/>
@@ -143,7 +120,7 @@
   </p:defaultTextStyle>
   <p:extLst>
     <p:ext uri="{EFAFB233-063F-42B5-8137-9DF3F51BA10A}">
-      <p15:sldGuideLst xmlns:p15="http://schemas.microsoft.com/office/powerpoint/2012/main" xmlns="">
+      <p15:sldGuideLst xmlns:p15="http://schemas.microsoft.com/office/powerpoint/2012/main">
         <p15:guide id="1" pos="3840" userDrawn="1">
           <p15:clr>
             <a:srgbClr val="A4A3A4"/>
@@ -157,7 +134,7 @@
       </p15:sldGuideLst>
     </p:ext>
     <p:ext uri="{2D200454-40CA-4A62-9FC3-DE9A4176ACB9}">
-      <p15:notesGuideLst xmlns:p15="http://schemas.microsoft.com/office/powerpoint/2012/main" xmlns=""/>
+      <p15:notesGuideLst xmlns:p15="http://schemas.microsoft.com/office/powerpoint/2012/main"/>
     </p:ext>
   </p:extLst>
 </p:presentation>
@@ -245,7 +222,7 @@
           <a:p>
             <a:fld id="{1DE6DDE5-00DC-4011-AAAC-1E3AEC5EBBB7}" type="datetimeFigureOut">
               <a:rPr lang="zh-CN" altLang="en-US" smtClean="0"/>
-              <a:t>2017/7/8</a:t>
+              <a:t>2017/7/10</a:t>
             </a:fld>
             <a:endParaRPr lang="zh-CN" altLang="en-US"/>
           </a:p>
@@ -410,7 +387,7 @@
           <a:p>
             <a:fld id="{05C67124-AD51-4EAA-B479-FB695B5F6809}" type="datetimeFigureOut">
               <a:rPr lang="zh-CN" altLang="en-US" smtClean="0"/>
-              <a:t>2017/7/8</a:t>
+              <a:t>2017/7/10</a:t>
             </a:fld>
             <a:endParaRPr lang="zh-CN" altLang="en-US"/>
           </a:p>
@@ -851,7 +828,7 @@
           <a:p>
             <a:fld id="{624A9BF4-B422-4A26-A5B5-57536F7ECFCE}" type="slidenum">
               <a:rPr lang="zh-CN" altLang="en-US" smtClean="0"/>
-              <a:t>5</a:t>
+              <a:t>9</a:t>
             </a:fld>
             <a:endParaRPr lang="zh-CN" altLang="en-US"/>
           </a:p>
@@ -1051,7 +1028,7 @@
           <a:p>
             <a:fld id="{DD8D4CDC-0B6F-49BB-989D-1F44EF11D580}" type="datetimeFigureOut">
               <a:rPr lang="zh-CN" altLang="en-US" smtClean="0"/>
-              <a:t>2017/7/8</a:t>
+              <a:t>2017/7/10</a:t>
             </a:fld>
             <a:endParaRPr lang="zh-CN" altLang="en-US"/>
           </a:p>
@@ -1221,7 +1198,7 @@
           <a:p>
             <a:fld id="{DD8D4CDC-0B6F-49BB-989D-1F44EF11D580}" type="datetimeFigureOut">
               <a:rPr lang="zh-CN" altLang="en-US" smtClean="0"/>
-              <a:t>2017/7/8</a:t>
+              <a:t>2017/7/10</a:t>
             </a:fld>
             <a:endParaRPr lang="zh-CN" altLang="en-US"/>
           </a:p>
@@ -1401,7 +1378,7 @@
           <a:p>
             <a:fld id="{DD8D4CDC-0B6F-49BB-989D-1F44EF11D580}" type="datetimeFigureOut">
               <a:rPr lang="zh-CN" altLang="en-US" smtClean="0"/>
-              <a:t>2017/7/8</a:t>
+              <a:t>2017/7/10</a:t>
             </a:fld>
             <a:endParaRPr lang="zh-CN" altLang="en-US"/>
           </a:p>
@@ -1732,7 +1709,7 @@
           <a:p>
             <a:fld id="{DD8D4CDC-0B6F-49BB-989D-1F44EF11D580}" type="datetimeFigureOut">
               <a:rPr lang="zh-CN" altLang="en-US" smtClean="0"/>
-              <a:t>2017/7/8</a:t>
+              <a:t>2017/7/10</a:t>
             </a:fld>
             <a:endParaRPr lang="zh-CN" altLang="en-US"/>
           </a:p>
@@ -1978,7 +1955,7 @@
           <a:p>
             <a:fld id="{DD8D4CDC-0B6F-49BB-989D-1F44EF11D580}" type="datetimeFigureOut">
               <a:rPr lang="zh-CN" altLang="en-US" smtClean="0"/>
-              <a:t>2017/7/8</a:t>
+              <a:t>2017/7/10</a:t>
             </a:fld>
             <a:endParaRPr lang="zh-CN" altLang="en-US"/>
           </a:p>
@@ -2266,7 +2243,7 @@
           <a:p>
             <a:fld id="{DD8D4CDC-0B6F-49BB-989D-1F44EF11D580}" type="datetimeFigureOut">
               <a:rPr lang="zh-CN" altLang="en-US" smtClean="0"/>
-              <a:t>2017/7/8</a:t>
+              <a:t>2017/7/10</a:t>
             </a:fld>
             <a:endParaRPr lang="zh-CN" altLang="en-US"/>
           </a:p>
@@ -2693,7 +2670,7 @@
           <a:p>
             <a:fld id="{DD8D4CDC-0B6F-49BB-989D-1F44EF11D580}" type="datetimeFigureOut">
               <a:rPr lang="zh-CN" altLang="en-US" smtClean="0"/>
-              <a:t>2017/7/8</a:t>
+              <a:t>2017/7/10</a:t>
             </a:fld>
             <a:endParaRPr lang="zh-CN" altLang="en-US"/>
           </a:p>
@@ -2811,7 +2788,7 @@
           <a:p>
             <a:fld id="{DD8D4CDC-0B6F-49BB-989D-1F44EF11D580}" type="datetimeFigureOut">
               <a:rPr lang="zh-CN" altLang="en-US" smtClean="0"/>
-              <a:t>2017/7/8</a:t>
+              <a:t>2017/7/10</a:t>
             </a:fld>
             <a:endParaRPr lang="zh-CN" altLang="en-US"/>
           </a:p>
@@ -2907,7 +2884,7 @@
             <a:fld id="{AE3EC3ED-7435-49F9-84C8-03CCA2F8DEDB}" type="datetime4">
               <a:rPr lang="en-US" smtClean="0"/>
               <a:pPr/>
-              <a:t>July 8, 2017</a:t>
+              <a:t>July 10, 2017</a:t>
             </a:fld>
             <a:endParaRPr lang="en-US"/>
           </a:p>
@@ -4068,7 +4045,7 @@
           <a:p>
             <a:fld id="{DD8D4CDC-0B6F-49BB-989D-1F44EF11D580}" type="datetimeFigureOut">
               <a:rPr lang="zh-CN" altLang="en-US" smtClean="0"/>
-              <a:t>2017/7/8</a:t>
+              <a:t>2017/7/10</a:t>
             </a:fld>
             <a:endParaRPr lang="zh-CN" altLang="en-US"/>
           </a:p>
@@ -4321,7 +4298,7 @@
           <a:p>
             <a:fld id="{DD8D4CDC-0B6F-49BB-989D-1F44EF11D580}" type="datetimeFigureOut">
               <a:rPr lang="zh-CN" altLang="en-US" smtClean="0"/>
-              <a:t>2017/7/8</a:t>
+              <a:t>2017/7/10</a:t>
             </a:fld>
             <a:endParaRPr lang="zh-CN" altLang="en-US"/>
           </a:p>
@@ -4534,7 +4511,7 @@
           <a:p>
             <a:fld id="{DD8D4CDC-0B6F-49BB-989D-1F44EF11D580}" type="datetimeFigureOut">
               <a:rPr lang="zh-CN" altLang="en-US" smtClean="0"/>
-              <a:t>2017/7/8</a:t>
+              <a:t>2017/7/10</a:t>
             </a:fld>
             <a:endParaRPr lang="zh-CN" altLang="en-US"/>
           </a:p>
@@ -7530,7 +7507,7 @@
               <a:t>目录</a:t>
             </a:r>
             <a:r>
-              <a:rPr lang="en-US" altLang="zh-CN" dirty="0">
+              <a:rPr lang="en-US" altLang="zh-CN">
                 <a:solidFill>
                   <a:schemeClr val="bg1">
                     <a:lumMod val="50000"/>
@@ -7542,7 +7519,7 @@
               <a:t> </a:t>
             </a:r>
             <a:r>
-              <a:rPr lang="en-US" altLang="zh-CN" dirty="0" smtClean="0">
+              <a:rPr lang="en-US" altLang="zh-CN" smtClean="0">
                 <a:solidFill>
                   <a:schemeClr val="bg1">
                     <a:lumMod val="50000"/>
@@ -7551,7 +7528,7 @@
                 <a:latin typeface="微软雅黑" panose="020B0503020204020204" pitchFamily="34" charset="-122"/>
                 <a:ea typeface="微软雅黑" panose="020B0503020204020204" pitchFamily="34" charset="-122"/>
               </a:rPr>
-              <a:t>Directory </a:t>
+              <a:t>Contents </a:t>
             </a:r>
             <a:endParaRPr lang="zh-CN" altLang="en-US" dirty="0">
               <a:solidFill>
@@ -7748,11 +7725,11 @@
   <p:clrMapOvr>
     <a:masterClrMapping/>
   </p:clrMapOvr>
-  <mc:AlternateContent xmlns:mc="http://schemas.openxmlformats.org/markup-compatibility/2006">
-    <mc:Choice xmlns:p14="http://schemas.microsoft.com/office/powerpoint/2010/main" Requires="p14">
+  <mc:AlternateContent xmlns:mc="http://schemas.openxmlformats.org/markup-compatibility/2006" xmlns:p14="http://schemas.microsoft.com/office/powerpoint/2010/main">
+    <mc:Choice Requires="p14">
       <p:transition p14:dur="10"/>
     </mc:Choice>
-    <mc:Fallback>
+    <mc:Fallback xmlns="">
       <p:transition/>
     </mc:Fallback>
   </mc:AlternateContent>
@@ -9489,11 +9466,11 @@
   <p:clrMapOvr>
     <a:masterClrMapping/>
   </p:clrMapOvr>
-  <mc:AlternateContent xmlns:mc="http://schemas.openxmlformats.org/markup-compatibility/2006">
-    <mc:Choice xmlns:p14="http://schemas.microsoft.com/office/powerpoint/2010/main" Requires="p14">
+  <mc:AlternateContent xmlns:mc="http://schemas.openxmlformats.org/markup-compatibility/2006" xmlns:p14="http://schemas.microsoft.com/office/powerpoint/2010/main">
+    <mc:Choice Requires="p14">
       <p:transition p14:dur="10"/>
     </mc:Choice>
-    <mc:Fallback>
+    <mc:Fallback xmlns="">
       <p:transition/>
     </mc:Fallback>
   </mc:AlternateContent>
@@ -10367,7 +10344,7 @@
           <a:lstStyle/>
           <a:p>
             <a:r>
-              <a:rPr lang="en-US" altLang="zh-CN" dirty="0" smtClean="0">
+              <a:rPr lang="en-US" altLang="zh-CN" dirty="0" err="1" smtClean="0">
                 <a:solidFill>
                   <a:schemeClr val="bg1">
                     <a:lumMod val="50000"/>
@@ -10376,7 +10353,31 @@
                 <a:latin typeface="微软雅黑" panose="020B0503020204020204" pitchFamily="34" charset="-122"/>
                 <a:ea typeface="微软雅黑" panose="020B0503020204020204" pitchFamily="34" charset="-122"/>
               </a:rPr>
-              <a:t>Hello World!</a:t>
+              <a:t>Vue</a:t>
+            </a:r>
+            <a:r>
+              <a:rPr lang="zh-CN" altLang="en-US" dirty="0" smtClean="0">
+                <a:solidFill>
+                  <a:schemeClr val="bg1">
+                    <a:lumMod val="50000"/>
+                  </a:schemeClr>
+                </a:solidFill>
+                <a:latin typeface="微软雅黑" panose="020B0503020204020204" pitchFamily="34" charset="-122"/>
+                <a:ea typeface="微软雅黑" panose="020B0503020204020204" pitchFamily="34" charset="-122"/>
+              </a:rPr>
+              <a:t> </a:t>
+            </a:r>
+            <a:r>
+              <a:rPr lang="zh-CN" altLang="en-US" dirty="0" smtClean="0">
+                <a:solidFill>
+                  <a:schemeClr val="bg1">
+                    <a:lumMod val="50000"/>
+                  </a:schemeClr>
+                </a:solidFill>
+                <a:latin typeface="微软雅黑" panose="020B0503020204020204" pitchFamily="34" charset="-122"/>
+                <a:ea typeface="微软雅黑" panose="020B0503020204020204" pitchFamily="34" charset="-122"/>
+              </a:rPr>
+              <a:t>实例</a:t>
             </a:r>
             <a:endParaRPr lang="zh-CN" altLang="en-US" dirty="0">
               <a:solidFill>
@@ -10573,11 +10574,11 @@
   <p:clrMapOvr>
     <a:masterClrMapping/>
   </p:clrMapOvr>
-  <mc:AlternateContent xmlns:mc="http://schemas.openxmlformats.org/markup-compatibility/2006">
-    <mc:Choice xmlns:p14="http://schemas.microsoft.com/office/powerpoint/2010/main" Requires="p14">
+  <mc:AlternateContent xmlns:mc="http://schemas.openxmlformats.org/markup-compatibility/2006" xmlns:p14="http://schemas.microsoft.com/office/powerpoint/2010/main">
+    <mc:Choice Requires="p14">
       <p:transition p14:dur="10"/>
     </mc:Choice>
-    <mc:Fallback>
+    <mc:Fallback xmlns="">
       <p:transition/>
     </mc:Fallback>
   </mc:AlternateContent>
@@ -10592,6 +10593,4354 @@
 </file>
 
 <file path=ppt/slides/slide5.xml><?xml version="1.0" encoding="utf-8"?>
+<p:sld xmlns:a="http://schemas.openxmlformats.org/drawingml/2006/main" xmlns:r="http://schemas.openxmlformats.org/officeDocument/2006/relationships" xmlns:p="http://schemas.openxmlformats.org/presentationml/2006/main">
+  <p:cSld>
+    <p:spTree>
+      <p:nvGrpSpPr>
+        <p:cNvPr id="1" name=""/>
+        <p:cNvGrpSpPr/>
+        <p:nvPr/>
+      </p:nvGrpSpPr>
+      <p:grpSpPr>
+        <a:xfrm>
+          <a:off x="0" y="0"/>
+          <a:ext cx="0" cy="0"/>
+          <a:chOff x="0" y="0"/>
+          <a:chExt cx="0" cy="0"/>
+        </a:xfrm>
+      </p:grpSpPr>
+      <p:pic>
+        <p:nvPicPr>
+          <p:cNvPr id="4" name="Picture 2" descr="C:\Users\yepanmeng\Desktop\logo.png"/>
+          <p:cNvPicPr>
+            <a:picLocks noChangeAspect="1" noChangeArrowheads="1"/>
+          </p:cNvPicPr>
+          <p:nvPr/>
+        </p:nvPicPr>
+        <p:blipFill>
+          <a:blip r:embed="rId2" cstate="print">
+            <a:extLst>
+              <a:ext uri="{28A0092B-C50C-407E-A947-70E740481C1C}">
+                <a14:useLocalDpi xmlns:a14="http://schemas.microsoft.com/office/drawing/2010/main" val="0"/>
+              </a:ext>
+            </a:extLst>
+          </a:blip>
+          <a:srcRect/>
+          <a:stretch>
+            <a:fillRect/>
+          </a:stretch>
+        </p:blipFill>
+        <p:spPr bwMode="auto">
+          <a:xfrm rot="16200000">
+            <a:off x="-47617" y="373486"/>
+            <a:ext cx="592429" cy="592429"/>
+          </a:xfrm>
+          <a:prstGeom prst="rect">
+            <a:avLst/>
+          </a:prstGeom>
+          <a:noFill/>
+          <a:extLst>
+            <a:ext uri="{909E8E84-426E-40DD-AFC4-6F175D3DCCD1}">
+              <a14:hiddenFill xmlns:a14="http://schemas.microsoft.com/office/drawing/2010/main">
+                <a:solidFill>
+                  <a:srgbClr val="FFFFFF"/>
+                </a:solidFill>
+              </a14:hiddenFill>
+            </a:ext>
+          </a:extLst>
+        </p:spPr>
+      </p:pic>
+      <p:sp>
+        <p:nvSpPr>
+          <p:cNvPr id="5" name="等腰三角形 4"/>
+          <p:cNvSpPr/>
+          <p:nvPr/>
+        </p:nvSpPr>
+        <p:spPr>
+          <a:xfrm rot="16200000">
+            <a:off x="9600001" y="-320993"/>
+            <a:ext cx="736941" cy="635294"/>
+          </a:xfrm>
+          <a:prstGeom prst="triangle">
+            <a:avLst/>
+          </a:prstGeom>
+          <a:solidFill>
+            <a:schemeClr val="bg2">
+              <a:lumMod val="90000"/>
+              <a:alpha val="50196"/>
+            </a:schemeClr>
+          </a:solidFill>
+          <a:ln>
+            <a:noFill/>
+          </a:ln>
+        </p:spPr>
+        <p:style>
+          <a:lnRef idx="2">
+            <a:schemeClr val="accent1">
+              <a:shade val="50000"/>
+            </a:schemeClr>
+          </a:lnRef>
+          <a:fillRef idx="1">
+            <a:schemeClr val="accent1"/>
+          </a:fillRef>
+          <a:effectRef idx="0">
+            <a:schemeClr val="accent1"/>
+          </a:effectRef>
+          <a:fontRef idx="minor">
+            <a:schemeClr val="lt1"/>
+          </a:fontRef>
+        </p:style>
+        <p:txBody>
+          <a:bodyPr rtlCol="0" anchor="ctr"/>
+          <a:lstStyle/>
+          <a:p>
+            <a:pPr algn="ctr"/>
+            <a:endParaRPr lang="zh-CN" altLang="en-US"/>
+          </a:p>
+        </p:txBody>
+      </p:sp>
+      <p:sp>
+        <p:nvSpPr>
+          <p:cNvPr id="6" name="等腰三角形 5"/>
+          <p:cNvSpPr/>
+          <p:nvPr/>
+        </p:nvSpPr>
+        <p:spPr>
+          <a:xfrm rot="5400000">
+            <a:off x="10235294" y="-320993"/>
+            <a:ext cx="736941" cy="635294"/>
+          </a:xfrm>
+          <a:prstGeom prst="triangle">
+            <a:avLst/>
+          </a:prstGeom>
+          <a:solidFill>
+            <a:schemeClr val="bg1">
+              <a:lumMod val="85000"/>
+              <a:alpha val="50196"/>
+            </a:schemeClr>
+          </a:solidFill>
+          <a:ln>
+            <a:noFill/>
+          </a:ln>
+        </p:spPr>
+        <p:style>
+          <a:lnRef idx="2">
+            <a:schemeClr val="accent1">
+              <a:shade val="50000"/>
+            </a:schemeClr>
+          </a:lnRef>
+          <a:fillRef idx="1">
+            <a:schemeClr val="accent1"/>
+          </a:fillRef>
+          <a:effectRef idx="0">
+            <a:schemeClr val="accent1"/>
+          </a:effectRef>
+          <a:fontRef idx="minor">
+            <a:schemeClr val="lt1"/>
+          </a:fontRef>
+        </p:style>
+        <p:txBody>
+          <a:bodyPr rtlCol="0" anchor="ctr"/>
+          <a:lstStyle/>
+          <a:p>
+            <a:pPr algn="ctr"/>
+            <a:endParaRPr lang="zh-CN" altLang="en-US"/>
+          </a:p>
+        </p:txBody>
+      </p:sp>
+      <p:sp>
+        <p:nvSpPr>
+          <p:cNvPr id="7" name="等腰三角形 6"/>
+          <p:cNvSpPr/>
+          <p:nvPr/>
+        </p:nvSpPr>
+        <p:spPr>
+          <a:xfrm rot="16200000">
+            <a:off x="10870588" y="-320993"/>
+            <a:ext cx="736941" cy="635294"/>
+          </a:xfrm>
+          <a:prstGeom prst="triangle">
+            <a:avLst/>
+          </a:prstGeom>
+          <a:solidFill>
+            <a:schemeClr val="bg1">
+              <a:lumMod val="95000"/>
+              <a:alpha val="50196"/>
+            </a:schemeClr>
+          </a:solidFill>
+          <a:ln>
+            <a:noFill/>
+          </a:ln>
+        </p:spPr>
+        <p:style>
+          <a:lnRef idx="2">
+            <a:schemeClr val="accent1">
+              <a:shade val="50000"/>
+            </a:schemeClr>
+          </a:lnRef>
+          <a:fillRef idx="1">
+            <a:schemeClr val="accent1"/>
+          </a:fillRef>
+          <a:effectRef idx="0">
+            <a:schemeClr val="accent1"/>
+          </a:effectRef>
+          <a:fontRef idx="minor">
+            <a:schemeClr val="lt1"/>
+          </a:fontRef>
+        </p:style>
+        <p:txBody>
+          <a:bodyPr rtlCol="0" anchor="ctr"/>
+          <a:lstStyle/>
+          <a:p>
+            <a:pPr algn="ctr"/>
+            <a:endParaRPr lang="zh-CN" altLang="en-US"/>
+          </a:p>
+        </p:txBody>
+      </p:sp>
+      <p:sp>
+        <p:nvSpPr>
+          <p:cNvPr id="8" name="等腰三角形 7"/>
+          <p:cNvSpPr/>
+          <p:nvPr/>
+        </p:nvSpPr>
+        <p:spPr>
+          <a:xfrm rot="5400000">
+            <a:off x="11505882" y="-320993"/>
+            <a:ext cx="736941" cy="635294"/>
+          </a:xfrm>
+          <a:prstGeom prst="triangle">
+            <a:avLst/>
+          </a:prstGeom>
+          <a:solidFill>
+            <a:schemeClr val="bg2">
+              <a:alpha val="50196"/>
+            </a:schemeClr>
+          </a:solidFill>
+          <a:ln>
+            <a:noFill/>
+          </a:ln>
+        </p:spPr>
+        <p:style>
+          <a:lnRef idx="2">
+            <a:schemeClr val="accent1">
+              <a:shade val="50000"/>
+            </a:schemeClr>
+          </a:lnRef>
+          <a:fillRef idx="1">
+            <a:schemeClr val="accent1"/>
+          </a:fillRef>
+          <a:effectRef idx="0">
+            <a:schemeClr val="accent1"/>
+          </a:effectRef>
+          <a:fontRef idx="minor">
+            <a:schemeClr val="lt1"/>
+          </a:fontRef>
+        </p:style>
+        <p:txBody>
+          <a:bodyPr rtlCol="0" anchor="ctr"/>
+          <a:lstStyle/>
+          <a:p>
+            <a:pPr algn="ctr"/>
+            <a:endParaRPr lang="zh-CN" altLang="en-US"/>
+          </a:p>
+        </p:txBody>
+      </p:sp>
+      <p:sp>
+        <p:nvSpPr>
+          <p:cNvPr id="9" name="等腰三角形 8"/>
+          <p:cNvSpPr/>
+          <p:nvPr/>
+        </p:nvSpPr>
+        <p:spPr>
+          <a:xfrm rot="5400000">
+            <a:off x="9600001" y="47478"/>
+            <a:ext cx="736941" cy="635294"/>
+          </a:xfrm>
+          <a:prstGeom prst="triangle">
+            <a:avLst/>
+          </a:prstGeom>
+          <a:solidFill>
+            <a:schemeClr val="bg2">
+              <a:alpha val="50196"/>
+            </a:schemeClr>
+          </a:solidFill>
+          <a:ln>
+            <a:noFill/>
+          </a:ln>
+        </p:spPr>
+        <p:style>
+          <a:lnRef idx="2">
+            <a:schemeClr val="accent1">
+              <a:shade val="50000"/>
+            </a:schemeClr>
+          </a:lnRef>
+          <a:fillRef idx="1">
+            <a:schemeClr val="accent1"/>
+          </a:fillRef>
+          <a:effectRef idx="0">
+            <a:schemeClr val="accent1"/>
+          </a:effectRef>
+          <a:fontRef idx="minor">
+            <a:schemeClr val="lt1"/>
+          </a:fontRef>
+        </p:style>
+        <p:txBody>
+          <a:bodyPr rtlCol="0" anchor="ctr"/>
+          <a:lstStyle/>
+          <a:p>
+            <a:pPr algn="ctr"/>
+            <a:endParaRPr lang="zh-CN" altLang="en-US"/>
+          </a:p>
+        </p:txBody>
+      </p:sp>
+      <p:sp>
+        <p:nvSpPr>
+          <p:cNvPr id="10" name="等腰三角形 9"/>
+          <p:cNvSpPr/>
+          <p:nvPr/>
+        </p:nvSpPr>
+        <p:spPr>
+          <a:xfrm rot="16200000">
+            <a:off x="10235294" y="47478"/>
+            <a:ext cx="736941" cy="635294"/>
+          </a:xfrm>
+          <a:prstGeom prst="triangle">
+            <a:avLst/>
+          </a:prstGeom>
+          <a:solidFill>
+            <a:schemeClr val="bg1">
+              <a:lumMod val="95000"/>
+              <a:alpha val="50196"/>
+            </a:schemeClr>
+          </a:solidFill>
+          <a:ln>
+            <a:noFill/>
+          </a:ln>
+        </p:spPr>
+        <p:style>
+          <a:lnRef idx="2">
+            <a:schemeClr val="accent1">
+              <a:shade val="50000"/>
+            </a:schemeClr>
+          </a:lnRef>
+          <a:fillRef idx="1">
+            <a:schemeClr val="accent1"/>
+          </a:fillRef>
+          <a:effectRef idx="0">
+            <a:schemeClr val="accent1"/>
+          </a:effectRef>
+          <a:fontRef idx="minor">
+            <a:schemeClr val="lt1"/>
+          </a:fontRef>
+        </p:style>
+        <p:txBody>
+          <a:bodyPr rtlCol="0" anchor="ctr"/>
+          <a:lstStyle/>
+          <a:p>
+            <a:pPr algn="ctr"/>
+            <a:endParaRPr lang="zh-CN" altLang="en-US"/>
+          </a:p>
+        </p:txBody>
+      </p:sp>
+      <p:sp>
+        <p:nvSpPr>
+          <p:cNvPr id="11" name="等腰三角形 10"/>
+          <p:cNvSpPr/>
+          <p:nvPr/>
+        </p:nvSpPr>
+        <p:spPr>
+          <a:xfrm rot="5400000">
+            <a:off x="10870588" y="47478"/>
+            <a:ext cx="736941" cy="635294"/>
+          </a:xfrm>
+          <a:prstGeom prst="triangle">
+            <a:avLst/>
+          </a:prstGeom>
+          <a:solidFill>
+            <a:schemeClr val="bg1">
+              <a:alpha val="50196"/>
+            </a:schemeClr>
+          </a:solidFill>
+          <a:ln>
+            <a:noFill/>
+          </a:ln>
+        </p:spPr>
+        <p:style>
+          <a:lnRef idx="2">
+            <a:schemeClr val="accent1">
+              <a:shade val="50000"/>
+            </a:schemeClr>
+          </a:lnRef>
+          <a:fillRef idx="1">
+            <a:schemeClr val="accent1"/>
+          </a:fillRef>
+          <a:effectRef idx="0">
+            <a:schemeClr val="accent1"/>
+          </a:effectRef>
+          <a:fontRef idx="minor">
+            <a:schemeClr val="lt1"/>
+          </a:fontRef>
+        </p:style>
+        <p:txBody>
+          <a:bodyPr rtlCol="0" anchor="ctr"/>
+          <a:lstStyle/>
+          <a:p>
+            <a:pPr algn="ctr"/>
+            <a:endParaRPr lang="zh-CN" altLang="en-US"/>
+          </a:p>
+        </p:txBody>
+      </p:sp>
+      <p:sp>
+        <p:nvSpPr>
+          <p:cNvPr id="12" name="等腰三角形 11"/>
+          <p:cNvSpPr/>
+          <p:nvPr/>
+        </p:nvSpPr>
+        <p:spPr>
+          <a:xfrm rot="12600000">
+            <a:off x="10059450" y="490026"/>
+            <a:ext cx="736941" cy="635294"/>
+          </a:xfrm>
+          <a:prstGeom prst="triangle">
+            <a:avLst/>
+          </a:prstGeom>
+          <a:solidFill>
+            <a:schemeClr val="bg1">
+              <a:lumMod val="85000"/>
+              <a:alpha val="50196"/>
+            </a:schemeClr>
+          </a:solidFill>
+          <a:ln>
+            <a:noFill/>
+          </a:ln>
+        </p:spPr>
+        <p:style>
+          <a:lnRef idx="2">
+            <a:schemeClr val="accent1">
+              <a:shade val="50000"/>
+            </a:schemeClr>
+          </a:lnRef>
+          <a:fillRef idx="1">
+            <a:schemeClr val="accent1"/>
+          </a:fillRef>
+          <a:effectRef idx="0">
+            <a:schemeClr val="accent1"/>
+          </a:effectRef>
+          <a:fontRef idx="minor">
+            <a:schemeClr val="lt1"/>
+          </a:fontRef>
+        </p:style>
+        <p:txBody>
+          <a:bodyPr rtlCol="0" anchor="ctr"/>
+          <a:lstStyle/>
+          <a:p>
+            <a:pPr algn="ctr"/>
+            <a:endParaRPr lang="zh-CN" altLang="en-US"/>
+          </a:p>
+        </p:txBody>
+      </p:sp>
+      <p:sp>
+        <p:nvSpPr>
+          <p:cNvPr id="13" name="等腰三角形 12"/>
+          <p:cNvSpPr/>
+          <p:nvPr/>
+        </p:nvSpPr>
+        <p:spPr>
+          <a:xfrm rot="16200000">
+            <a:off x="10870588" y="415948"/>
+            <a:ext cx="736941" cy="635294"/>
+          </a:xfrm>
+          <a:prstGeom prst="triangle">
+            <a:avLst/>
+          </a:prstGeom>
+          <a:solidFill>
+            <a:schemeClr val="bg2">
+              <a:alpha val="50196"/>
+            </a:schemeClr>
+          </a:solidFill>
+          <a:ln>
+            <a:noFill/>
+          </a:ln>
+        </p:spPr>
+        <p:style>
+          <a:lnRef idx="2">
+            <a:schemeClr val="accent1">
+              <a:shade val="50000"/>
+            </a:schemeClr>
+          </a:lnRef>
+          <a:fillRef idx="1">
+            <a:schemeClr val="accent1"/>
+          </a:fillRef>
+          <a:effectRef idx="0">
+            <a:schemeClr val="accent1"/>
+          </a:effectRef>
+          <a:fontRef idx="minor">
+            <a:schemeClr val="lt1"/>
+          </a:fontRef>
+        </p:style>
+        <p:txBody>
+          <a:bodyPr rtlCol="0" anchor="ctr"/>
+          <a:lstStyle/>
+          <a:p>
+            <a:pPr algn="ctr"/>
+            <a:endParaRPr lang="zh-CN" altLang="en-US"/>
+          </a:p>
+        </p:txBody>
+      </p:sp>
+      <p:sp>
+        <p:nvSpPr>
+          <p:cNvPr id="14" name="等腰三角形 13"/>
+          <p:cNvSpPr/>
+          <p:nvPr/>
+        </p:nvSpPr>
+        <p:spPr>
+          <a:xfrm rot="5400000">
+            <a:off x="11505882" y="415948"/>
+            <a:ext cx="736941" cy="635294"/>
+          </a:xfrm>
+          <a:prstGeom prst="triangle">
+            <a:avLst/>
+          </a:prstGeom>
+          <a:solidFill>
+            <a:schemeClr val="bg2">
+              <a:lumMod val="90000"/>
+              <a:alpha val="50196"/>
+            </a:schemeClr>
+          </a:solidFill>
+          <a:ln>
+            <a:noFill/>
+          </a:ln>
+        </p:spPr>
+        <p:style>
+          <a:lnRef idx="2">
+            <a:schemeClr val="accent1">
+              <a:shade val="50000"/>
+            </a:schemeClr>
+          </a:lnRef>
+          <a:fillRef idx="1">
+            <a:schemeClr val="accent1"/>
+          </a:fillRef>
+          <a:effectRef idx="0">
+            <a:schemeClr val="accent1"/>
+          </a:effectRef>
+          <a:fontRef idx="minor">
+            <a:schemeClr val="lt1"/>
+          </a:fontRef>
+        </p:style>
+        <p:txBody>
+          <a:bodyPr rtlCol="0" anchor="ctr"/>
+          <a:lstStyle/>
+          <a:p>
+            <a:pPr algn="ctr"/>
+            <a:endParaRPr lang="zh-CN" altLang="en-US"/>
+          </a:p>
+        </p:txBody>
+      </p:sp>
+      <p:sp>
+        <p:nvSpPr>
+          <p:cNvPr id="15" name="等腰三角形 14"/>
+          <p:cNvSpPr/>
+          <p:nvPr/>
+        </p:nvSpPr>
+        <p:spPr>
+          <a:xfrm rot="5400000">
+            <a:off x="10870588" y="784418"/>
+            <a:ext cx="736941" cy="635294"/>
+          </a:xfrm>
+          <a:prstGeom prst="triangle">
+            <a:avLst/>
+          </a:prstGeom>
+          <a:solidFill>
+            <a:schemeClr val="bg1">
+              <a:lumMod val="95000"/>
+              <a:alpha val="50196"/>
+            </a:schemeClr>
+          </a:solidFill>
+          <a:ln>
+            <a:noFill/>
+          </a:ln>
+        </p:spPr>
+        <p:style>
+          <a:lnRef idx="2">
+            <a:schemeClr val="accent1">
+              <a:shade val="50000"/>
+            </a:schemeClr>
+          </a:lnRef>
+          <a:fillRef idx="1">
+            <a:schemeClr val="accent1"/>
+          </a:fillRef>
+          <a:effectRef idx="0">
+            <a:schemeClr val="accent1"/>
+          </a:effectRef>
+          <a:fontRef idx="minor">
+            <a:schemeClr val="lt1"/>
+          </a:fontRef>
+        </p:style>
+        <p:txBody>
+          <a:bodyPr rtlCol="0" anchor="ctr"/>
+          <a:lstStyle/>
+          <a:p>
+            <a:pPr algn="ctr"/>
+            <a:endParaRPr lang="zh-CN" altLang="en-US"/>
+          </a:p>
+        </p:txBody>
+      </p:sp>
+      <p:sp>
+        <p:nvSpPr>
+          <p:cNvPr id="16" name="等腰三角形 15"/>
+          <p:cNvSpPr/>
+          <p:nvPr/>
+        </p:nvSpPr>
+        <p:spPr>
+          <a:xfrm rot="16200000">
+            <a:off x="11505882" y="784418"/>
+            <a:ext cx="736941" cy="635294"/>
+          </a:xfrm>
+          <a:prstGeom prst="triangle">
+            <a:avLst/>
+          </a:prstGeom>
+          <a:solidFill>
+            <a:schemeClr val="bg1">
+              <a:lumMod val="95000"/>
+              <a:alpha val="50196"/>
+            </a:schemeClr>
+          </a:solidFill>
+          <a:ln>
+            <a:noFill/>
+          </a:ln>
+        </p:spPr>
+        <p:style>
+          <a:lnRef idx="2">
+            <a:schemeClr val="accent1">
+              <a:shade val="50000"/>
+            </a:schemeClr>
+          </a:lnRef>
+          <a:fillRef idx="1">
+            <a:schemeClr val="accent1"/>
+          </a:fillRef>
+          <a:effectRef idx="0">
+            <a:schemeClr val="accent1"/>
+          </a:effectRef>
+          <a:fontRef idx="minor">
+            <a:schemeClr val="lt1"/>
+          </a:fontRef>
+        </p:style>
+        <p:txBody>
+          <a:bodyPr rtlCol="0" anchor="ctr"/>
+          <a:lstStyle/>
+          <a:p>
+            <a:pPr algn="ctr"/>
+            <a:endParaRPr lang="zh-CN" altLang="en-US"/>
+          </a:p>
+        </p:txBody>
+      </p:sp>
+      <p:sp>
+        <p:nvSpPr>
+          <p:cNvPr id="17" name="等腰三角形 16"/>
+          <p:cNvSpPr/>
+          <p:nvPr/>
+        </p:nvSpPr>
+        <p:spPr>
+          <a:xfrm rot="16200000">
+            <a:off x="8964706" y="39089"/>
+            <a:ext cx="736941" cy="635294"/>
+          </a:xfrm>
+          <a:prstGeom prst="triangle">
+            <a:avLst/>
+          </a:prstGeom>
+          <a:solidFill>
+            <a:schemeClr val="bg1">
+              <a:lumMod val="95000"/>
+              <a:alpha val="50196"/>
+            </a:schemeClr>
+          </a:solidFill>
+          <a:ln>
+            <a:noFill/>
+          </a:ln>
+        </p:spPr>
+        <p:style>
+          <a:lnRef idx="2">
+            <a:schemeClr val="accent1">
+              <a:shade val="50000"/>
+            </a:schemeClr>
+          </a:lnRef>
+          <a:fillRef idx="1">
+            <a:schemeClr val="accent1"/>
+          </a:fillRef>
+          <a:effectRef idx="0">
+            <a:schemeClr val="accent1"/>
+          </a:effectRef>
+          <a:fontRef idx="minor">
+            <a:schemeClr val="lt1"/>
+          </a:fontRef>
+        </p:style>
+        <p:txBody>
+          <a:bodyPr rtlCol="0" anchor="ctr"/>
+          <a:lstStyle/>
+          <a:p>
+            <a:pPr algn="ctr"/>
+            <a:endParaRPr lang="zh-CN" altLang="en-US"/>
+          </a:p>
+        </p:txBody>
+      </p:sp>
+      <p:sp>
+        <p:nvSpPr>
+          <p:cNvPr id="18" name="等腰三角形 17"/>
+          <p:cNvSpPr/>
+          <p:nvPr/>
+        </p:nvSpPr>
+        <p:spPr>
+          <a:xfrm rot="5400000">
+            <a:off x="11505882" y="1152888"/>
+            <a:ext cx="736941" cy="635294"/>
+          </a:xfrm>
+          <a:prstGeom prst="triangle">
+            <a:avLst/>
+          </a:prstGeom>
+          <a:solidFill>
+            <a:schemeClr val="bg2">
+              <a:alpha val="50196"/>
+            </a:schemeClr>
+          </a:solidFill>
+          <a:ln>
+            <a:noFill/>
+          </a:ln>
+        </p:spPr>
+        <p:style>
+          <a:lnRef idx="2">
+            <a:schemeClr val="accent1">
+              <a:shade val="50000"/>
+            </a:schemeClr>
+          </a:lnRef>
+          <a:fillRef idx="1">
+            <a:schemeClr val="accent1"/>
+          </a:fillRef>
+          <a:effectRef idx="0">
+            <a:schemeClr val="accent1"/>
+          </a:effectRef>
+          <a:fontRef idx="minor">
+            <a:schemeClr val="lt1"/>
+          </a:fontRef>
+        </p:style>
+        <p:txBody>
+          <a:bodyPr rtlCol="0" anchor="ctr"/>
+          <a:lstStyle/>
+          <a:p>
+            <a:pPr algn="ctr"/>
+            <a:endParaRPr lang="zh-CN" altLang="en-US"/>
+          </a:p>
+        </p:txBody>
+      </p:sp>
+      <p:sp>
+        <p:nvSpPr>
+          <p:cNvPr id="19" name="等腰三角形 18"/>
+          <p:cNvSpPr/>
+          <p:nvPr/>
+        </p:nvSpPr>
+        <p:spPr>
+          <a:xfrm rot="16200000">
+            <a:off x="11505882" y="1521358"/>
+            <a:ext cx="736941" cy="635294"/>
+          </a:xfrm>
+          <a:prstGeom prst="triangle">
+            <a:avLst/>
+          </a:prstGeom>
+          <a:solidFill>
+            <a:schemeClr val="bg1">
+              <a:lumMod val="95000"/>
+              <a:alpha val="50196"/>
+            </a:schemeClr>
+          </a:solidFill>
+          <a:ln>
+            <a:noFill/>
+          </a:ln>
+        </p:spPr>
+        <p:style>
+          <a:lnRef idx="2">
+            <a:schemeClr val="accent1">
+              <a:shade val="50000"/>
+            </a:schemeClr>
+          </a:lnRef>
+          <a:fillRef idx="1">
+            <a:schemeClr val="accent1"/>
+          </a:fillRef>
+          <a:effectRef idx="0">
+            <a:schemeClr val="accent1"/>
+          </a:effectRef>
+          <a:fontRef idx="minor">
+            <a:schemeClr val="lt1"/>
+          </a:fontRef>
+        </p:style>
+        <p:txBody>
+          <a:bodyPr rtlCol="0" anchor="ctr"/>
+          <a:lstStyle/>
+          <a:p>
+            <a:pPr algn="ctr"/>
+            <a:endParaRPr lang="zh-CN" altLang="en-US"/>
+          </a:p>
+        </p:txBody>
+      </p:sp>
+      <p:sp>
+        <p:nvSpPr>
+          <p:cNvPr id="20" name="等腰三角形 19"/>
+          <p:cNvSpPr/>
+          <p:nvPr/>
+        </p:nvSpPr>
+        <p:spPr>
+          <a:xfrm rot="16200000">
+            <a:off x="11505883" y="1521356"/>
+            <a:ext cx="736941" cy="635294"/>
+          </a:xfrm>
+          <a:prstGeom prst="triangle">
+            <a:avLst/>
+          </a:prstGeom>
+          <a:solidFill>
+            <a:schemeClr val="bg1">
+              <a:lumMod val="85000"/>
+              <a:alpha val="50196"/>
+            </a:schemeClr>
+          </a:solidFill>
+          <a:ln>
+            <a:noFill/>
+          </a:ln>
+        </p:spPr>
+        <p:style>
+          <a:lnRef idx="2">
+            <a:schemeClr val="accent1">
+              <a:shade val="50000"/>
+            </a:schemeClr>
+          </a:lnRef>
+          <a:fillRef idx="1">
+            <a:schemeClr val="accent1"/>
+          </a:fillRef>
+          <a:effectRef idx="0">
+            <a:schemeClr val="accent1"/>
+          </a:effectRef>
+          <a:fontRef idx="minor">
+            <a:schemeClr val="lt1"/>
+          </a:fontRef>
+        </p:style>
+        <p:txBody>
+          <a:bodyPr rtlCol="0" anchor="ctr"/>
+          <a:lstStyle/>
+          <a:p>
+            <a:pPr algn="ctr"/>
+            <a:endParaRPr lang="zh-CN" altLang="en-US"/>
+          </a:p>
+        </p:txBody>
+      </p:sp>
+      <p:sp>
+        <p:nvSpPr>
+          <p:cNvPr id="63" name="TextBox 62"/>
+          <p:cNvSpPr txBox="1"/>
+          <p:nvPr/>
+        </p:nvSpPr>
+        <p:spPr>
+          <a:xfrm>
+            <a:off x="544812" y="300368"/>
+            <a:ext cx="3422709" cy="369332"/>
+          </a:xfrm>
+          <a:prstGeom prst="rect">
+            <a:avLst/>
+          </a:prstGeom>
+          <a:noFill/>
+        </p:spPr>
+        <p:txBody>
+          <a:bodyPr wrap="square" rtlCol="0">
+            <a:spAutoFit/>
+          </a:bodyPr>
+          <a:lstStyle/>
+          <a:p>
+            <a:r>
+              <a:rPr lang="en-US" altLang="zh-CN" dirty="0" err="1" smtClean="0">
+                <a:solidFill>
+                  <a:schemeClr val="bg1">
+                    <a:lumMod val="50000"/>
+                  </a:schemeClr>
+                </a:solidFill>
+                <a:latin typeface="微软雅黑" panose="020B0503020204020204" pitchFamily="34" charset="-122"/>
+                <a:ea typeface="微软雅黑" panose="020B0503020204020204" pitchFamily="34" charset="-122"/>
+              </a:rPr>
+              <a:t>Vue</a:t>
+            </a:r>
+            <a:r>
+              <a:rPr lang="zh-CN" altLang="en-US" dirty="0" smtClean="0">
+                <a:solidFill>
+                  <a:schemeClr val="bg1">
+                    <a:lumMod val="50000"/>
+                  </a:schemeClr>
+                </a:solidFill>
+                <a:latin typeface="微软雅黑" panose="020B0503020204020204" pitchFamily="34" charset="-122"/>
+                <a:ea typeface="微软雅黑" panose="020B0503020204020204" pitchFamily="34" charset="-122"/>
+              </a:rPr>
+              <a:t> 模板</a:t>
+            </a:r>
+            <a:endParaRPr lang="zh-CN" altLang="en-US" dirty="0">
+              <a:solidFill>
+                <a:schemeClr val="bg1">
+                  <a:lumMod val="50000"/>
+                </a:schemeClr>
+              </a:solidFill>
+              <a:latin typeface="微软雅黑" panose="020B0503020204020204" pitchFamily="34" charset="-122"/>
+              <a:ea typeface="微软雅黑" panose="020B0503020204020204" pitchFamily="34" charset="-122"/>
+            </a:endParaRPr>
+          </a:p>
+        </p:txBody>
+      </p:sp>
+      <p:cxnSp>
+        <p:nvCxnSpPr>
+          <p:cNvPr id="65" name="直接连接符 64"/>
+          <p:cNvCxnSpPr/>
+          <p:nvPr/>
+        </p:nvCxnSpPr>
+        <p:spPr>
+          <a:xfrm>
+            <a:off x="544812" y="669700"/>
+            <a:ext cx="2827562" cy="0"/>
+          </a:xfrm>
+          <a:prstGeom prst="line">
+            <a:avLst/>
+          </a:prstGeom>
+          <a:ln>
+            <a:solidFill>
+              <a:schemeClr val="bg1">
+                <a:lumMod val="85000"/>
+              </a:schemeClr>
+            </a:solidFill>
+          </a:ln>
+        </p:spPr>
+        <p:style>
+          <a:lnRef idx="1">
+            <a:schemeClr val="accent4"/>
+          </a:lnRef>
+          <a:fillRef idx="0">
+            <a:schemeClr val="accent4"/>
+          </a:fillRef>
+          <a:effectRef idx="0">
+            <a:schemeClr val="accent4"/>
+          </a:effectRef>
+          <a:fontRef idx="minor">
+            <a:schemeClr val="tx1"/>
+          </a:fontRef>
+        </p:style>
+      </p:cxnSp>
+      <p:pic>
+        <p:nvPicPr>
+          <p:cNvPr id="66" name="Picture 2" descr="C:\Users\yepanmeng\Desktop\logo.png"/>
+          <p:cNvPicPr>
+            <a:picLocks noChangeAspect="1" noChangeArrowheads="1"/>
+          </p:cNvPicPr>
+          <p:nvPr/>
+        </p:nvPicPr>
+        <p:blipFill>
+          <a:blip r:embed="rId3" cstate="print">
+            <a:extLst>
+              <a:ext uri="{28A0092B-C50C-407E-A947-70E740481C1C}">
+                <a14:useLocalDpi xmlns:a14="http://schemas.microsoft.com/office/drawing/2010/main" val="0"/>
+              </a:ext>
+            </a:extLst>
+          </a:blip>
+          <a:srcRect/>
+          <a:stretch>
+            <a:fillRect/>
+          </a:stretch>
+        </p:blipFill>
+        <p:spPr bwMode="auto">
+          <a:xfrm rot="5400000">
+            <a:off x="11853862" y="6367223"/>
+            <a:ext cx="371695" cy="371695"/>
+          </a:xfrm>
+          <a:prstGeom prst="rect">
+            <a:avLst/>
+          </a:prstGeom>
+          <a:noFill/>
+          <a:extLst>
+            <a:ext uri="{909E8E84-426E-40DD-AFC4-6F175D3DCCD1}">
+              <a14:hiddenFill xmlns:a14="http://schemas.microsoft.com/office/drawing/2010/main">
+                <a:solidFill>
+                  <a:srgbClr val="FFFFFF"/>
+                </a:solidFill>
+              </a14:hiddenFill>
+            </a:ext>
+          </a:extLst>
+        </p:spPr>
+      </p:pic>
+      <p:sp>
+        <p:nvSpPr>
+          <p:cNvPr id="74" name="TextBox 73"/>
+          <p:cNvSpPr txBox="1"/>
+          <p:nvPr/>
+        </p:nvSpPr>
+        <p:spPr>
+          <a:xfrm>
+            <a:off x="11247447" y="6325278"/>
+            <a:ext cx="584961" cy="253916"/>
+          </a:xfrm>
+          <a:prstGeom prst="rect">
+            <a:avLst/>
+          </a:prstGeom>
+          <a:noFill/>
+        </p:spPr>
+        <p:txBody>
+          <a:bodyPr wrap="square" rtlCol="0">
+            <a:spAutoFit/>
+          </a:bodyPr>
+          <a:lstStyle/>
+          <a:p>
+            <a:r>
+              <a:rPr lang="en-US" altLang="zh-CN" sz="1050" dirty="0">
+                <a:solidFill>
+                  <a:schemeClr val="bg1">
+                    <a:lumMod val="50000"/>
+                  </a:schemeClr>
+                </a:solidFill>
+                <a:latin typeface="Microsoft YaHei UI" panose="020B0703020204020201" charset="-122"/>
+                <a:ea typeface="Microsoft YaHei UI" panose="020B0703020204020201" charset="-122"/>
+              </a:rPr>
+              <a:t>3</a:t>
+            </a:r>
+            <a:r>
+              <a:rPr lang="en-US" altLang="zh-CN" sz="1050" dirty="0" smtClean="0">
+                <a:solidFill>
+                  <a:schemeClr val="bg1">
+                    <a:lumMod val="50000"/>
+                  </a:schemeClr>
+                </a:solidFill>
+                <a:latin typeface="Microsoft YaHei UI" panose="020B0703020204020201" charset="-122"/>
+                <a:ea typeface="Microsoft YaHei UI" panose="020B0703020204020201" charset="-122"/>
+              </a:rPr>
+              <a:t> / 11</a:t>
+            </a:r>
+            <a:endParaRPr lang="zh-CN" altLang="en-US" sz="1050" dirty="0">
+              <a:solidFill>
+                <a:schemeClr val="bg1">
+                  <a:lumMod val="50000"/>
+                </a:schemeClr>
+              </a:solidFill>
+              <a:latin typeface="Microsoft YaHei UI" panose="020B0703020204020201" charset="-122"/>
+              <a:ea typeface="Microsoft YaHei UI" panose="020B0703020204020201" charset="-122"/>
+            </a:endParaRPr>
+          </a:p>
+        </p:txBody>
+      </p:sp>
+      <p:cxnSp>
+        <p:nvCxnSpPr>
+          <p:cNvPr id="80" name="直接连接符 79"/>
+          <p:cNvCxnSpPr/>
+          <p:nvPr/>
+        </p:nvCxnSpPr>
+        <p:spPr>
+          <a:xfrm flipH="1" flipV="1">
+            <a:off x="11289392" y="6553071"/>
+            <a:ext cx="480580" cy="1"/>
+          </a:xfrm>
+          <a:prstGeom prst="line">
+            <a:avLst/>
+          </a:prstGeom>
+          <a:ln>
+            <a:solidFill>
+              <a:schemeClr val="bg1">
+                <a:lumMod val="85000"/>
+              </a:schemeClr>
+            </a:solidFill>
+          </a:ln>
+        </p:spPr>
+        <p:style>
+          <a:lnRef idx="1">
+            <a:schemeClr val="accent1"/>
+          </a:lnRef>
+          <a:fillRef idx="0">
+            <a:schemeClr val="accent1"/>
+          </a:fillRef>
+          <a:effectRef idx="0">
+            <a:schemeClr val="accent1"/>
+          </a:effectRef>
+          <a:fontRef idx="minor">
+            <a:schemeClr val="tx1"/>
+          </a:fontRef>
+        </p:style>
+      </p:cxnSp>
+    </p:spTree>
+    <p:extLst>
+      <p:ext uri="{BB962C8B-B14F-4D97-AF65-F5344CB8AC3E}">
+        <p14:creationId xmlns:p14="http://schemas.microsoft.com/office/powerpoint/2010/main" val="569743439"/>
+      </p:ext>
+    </p:extLst>
+  </p:cSld>
+  <p:clrMapOvr>
+    <a:masterClrMapping/>
+  </p:clrMapOvr>
+  <mc:AlternateContent xmlns:mc="http://schemas.openxmlformats.org/markup-compatibility/2006" xmlns:p14="http://schemas.microsoft.com/office/powerpoint/2010/main">
+    <mc:Choice Requires="p14">
+      <p:transition p14:dur="10"/>
+    </mc:Choice>
+    <mc:Fallback xmlns="">
+      <p:transition/>
+    </mc:Fallback>
+  </mc:AlternateContent>
+  <p:timing>
+    <p:tnLst>
+      <p:par>
+        <p:cTn id="1" dur="indefinite" restart="never" nodeType="tmRoot"/>
+      </p:par>
+    </p:tnLst>
+  </p:timing>
+</p:sld>
+</file>
+
+<file path=ppt/slides/slide6.xml><?xml version="1.0" encoding="utf-8"?>
+<p:sld xmlns:a="http://schemas.openxmlformats.org/drawingml/2006/main" xmlns:r="http://schemas.openxmlformats.org/officeDocument/2006/relationships" xmlns:p="http://schemas.openxmlformats.org/presentationml/2006/main">
+  <p:cSld>
+    <p:spTree>
+      <p:nvGrpSpPr>
+        <p:cNvPr id="1" name=""/>
+        <p:cNvGrpSpPr/>
+        <p:nvPr/>
+      </p:nvGrpSpPr>
+      <p:grpSpPr>
+        <a:xfrm>
+          <a:off x="0" y="0"/>
+          <a:ext cx="0" cy="0"/>
+          <a:chOff x="0" y="0"/>
+          <a:chExt cx="0" cy="0"/>
+        </a:xfrm>
+      </p:grpSpPr>
+      <p:pic>
+        <p:nvPicPr>
+          <p:cNvPr id="4" name="Picture 2" descr="C:\Users\yepanmeng\Desktop\logo.png"/>
+          <p:cNvPicPr>
+            <a:picLocks noChangeAspect="1" noChangeArrowheads="1"/>
+          </p:cNvPicPr>
+          <p:nvPr/>
+        </p:nvPicPr>
+        <p:blipFill>
+          <a:blip r:embed="rId2" cstate="print">
+            <a:extLst>
+              <a:ext uri="{28A0092B-C50C-407E-A947-70E740481C1C}">
+                <a14:useLocalDpi xmlns:a14="http://schemas.microsoft.com/office/drawing/2010/main" val="0"/>
+              </a:ext>
+            </a:extLst>
+          </a:blip>
+          <a:srcRect/>
+          <a:stretch>
+            <a:fillRect/>
+          </a:stretch>
+        </p:blipFill>
+        <p:spPr bwMode="auto">
+          <a:xfrm rot="16200000">
+            <a:off x="-47617" y="373486"/>
+            <a:ext cx="592429" cy="592429"/>
+          </a:xfrm>
+          <a:prstGeom prst="rect">
+            <a:avLst/>
+          </a:prstGeom>
+          <a:noFill/>
+          <a:extLst>
+            <a:ext uri="{909E8E84-426E-40DD-AFC4-6F175D3DCCD1}">
+              <a14:hiddenFill xmlns:a14="http://schemas.microsoft.com/office/drawing/2010/main">
+                <a:solidFill>
+                  <a:srgbClr val="FFFFFF"/>
+                </a:solidFill>
+              </a14:hiddenFill>
+            </a:ext>
+          </a:extLst>
+        </p:spPr>
+      </p:pic>
+      <p:sp>
+        <p:nvSpPr>
+          <p:cNvPr id="5" name="等腰三角形 4"/>
+          <p:cNvSpPr/>
+          <p:nvPr/>
+        </p:nvSpPr>
+        <p:spPr>
+          <a:xfrm rot="16200000">
+            <a:off x="9600001" y="-320993"/>
+            <a:ext cx="736941" cy="635294"/>
+          </a:xfrm>
+          <a:prstGeom prst="triangle">
+            <a:avLst/>
+          </a:prstGeom>
+          <a:solidFill>
+            <a:schemeClr val="bg2">
+              <a:lumMod val="90000"/>
+              <a:alpha val="50196"/>
+            </a:schemeClr>
+          </a:solidFill>
+          <a:ln>
+            <a:noFill/>
+          </a:ln>
+        </p:spPr>
+        <p:style>
+          <a:lnRef idx="2">
+            <a:schemeClr val="accent1">
+              <a:shade val="50000"/>
+            </a:schemeClr>
+          </a:lnRef>
+          <a:fillRef idx="1">
+            <a:schemeClr val="accent1"/>
+          </a:fillRef>
+          <a:effectRef idx="0">
+            <a:schemeClr val="accent1"/>
+          </a:effectRef>
+          <a:fontRef idx="minor">
+            <a:schemeClr val="lt1"/>
+          </a:fontRef>
+        </p:style>
+        <p:txBody>
+          <a:bodyPr rtlCol="0" anchor="ctr"/>
+          <a:lstStyle/>
+          <a:p>
+            <a:pPr algn="ctr"/>
+            <a:endParaRPr lang="zh-CN" altLang="en-US"/>
+          </a:p>
+        </p:txBody>
+      </p:sp>
+      <p:sp>
+        <p:nvSpPr>
+          <p:cNvPr id="6" name="等腰三角形 5"/>
+          <p:cNvSpPr/>
+          <p:nvPr/>
+        </p:nvSpPr>
+        <p:spPr>
+          <a:xfrm rot="5400000">
+            <a:off x="10235294" y="-320993"/>
+            <a:ext cx="736941" cy="635294"/>
+          </a:xfrm>
+          <a:prstGeom prst="triangle">
+            <a:avLst/>
+          </a:prstGeom>
+          <a:solidFill>
+            <a:schemeClr val="bg1">
+              <a:lumMod val="85000"/>
+              <a:alpha val="50196"/>
+            </a:schemeClr>
+          </a:solidFill>
+          <a:ln>
+            <a:noFill/>
+          </a:ln>
+        </p:spPr>
+        <p:style>
+          <a:lnRef idx="2">
+            <a:schemeClr val="accent1">
+              <a:shade val="50000"/>
+            </a:schemeClr>
+          </a:lnRef>
+          <a:fillRef idx="1">
+            <a:schemeClr val="accent1"/>
+          </a:fillRef>
+          <a:effectRef idx="0">
+            <a:schemeClr val="accent1"/>
+          </a:effectRef>
+          <a:fontRef idx="minor">
+            <a:schemeClr val="lt1"/>
+          </a:fontRef>
+        </p:style>
+        <p:txBody>
+          <a:bodyPr rtlCol="0" anchor="ctr"/>
+          <a:lstStyle/>
+          <a:p>
+            <a:pPr algn="ctr"/>
+            <a:endParaRPr lang="zh-CN" altLang="en-US"/>
+          </a:p>
+        </p:txBody>
+      </p:sp>
+      <p:sp>
+        <p:nvSpPr>
+          <p:cNvPr id="7" name="等腰三角形 6"/>
+          <p:cNvSpPr/>
+          <p:nvPr/>
+        </p:nvSpPr>
+        <p:spPr>
+          <a:xfrm rot="16200000">
+            <a:off x="10870588" y="-320993"/>
+            <a:ext cx="736941" cy="635294"/>
+          </a:xfrm>
+          <a:prstGeom prst="triangle">
+            <a:avLst/>
+          </a:prstGeom>
+          <a:solidFill>
+            <a:schemeClr val="bg1">
+              <a:lumMod val="95000"/>
+              <a:alpha val="50196"/>
+            </a:schemeClr>
+          </a:solidFill>
+          <a:ln>
+            <a:noFill/>
+          </a:ln>
+        </p:spPr>
+        <p:style>
+          <a:lnRef idx="2">
+            <a:schemeClr val="accent1">
+              <a:shade val="50000"/>
+            </a:schemeClr>
+          </a:lnRef>
+          <a:fillRef idx="1">
+            <a:schemeClr val="accent1"/>
+          </a:fillRef>
+          <a:effectRef idx="0">
+            <a:schemeClr val="accent1"/>
+          </a:effectRef>
+          <a:fontRef idx="minor">
+            <a:schemeClr val="lt1"/>
+          </a:fontRef>
+        </p:style>
+        <p:txBody>
+          <a:bodyPr rtlCol="0" anchor="ctr"/>
+          <a:lstStyle/>
+          <a:p>
+            <a:pPr algn="ctr"/>
+            <a:endParaRPr lang="zh-CN" altLang="en-US"/>
+          </a:p>
+        </p:txBody>
+      </p:sp>
+      <p:sp>
+        <p:nvSpPr>
+          <p:cNvPr id="8" name="等腰三角形 7"/>
+          <p:cNvSpPr/>
+          <p:nvPr/>
+        </p:nvSpPr>
+        <p:spPr>
+          <a:xfrm rot="5400000">
+            <a:off x="11505882" y="-320993"/>
+            <a:ext cx="736941" cy="635294"/>
+          </a:xfrm>
+          <a:prstGeom prst="triangle">
+            <a:avLst/>
+          </a:prstGeom>
+          <a:solidFill>
+            <a:schemeClr val="bg2">
+              <a:alpha val="50196"/>
+            </a:schemeClr>
+          </a:solidFill>
+          <a:ln>
+            <a:noFill/>
+          </a:ln>
+        </p:spPr>
+        <p:style>
+          <a:lnRef idx="2">
+            <a:schemeClr val="accent1">
+              <a:shade val="50000"/>
+            </a:schemeClr>
+          </a:lnRef>
+          <a:fillRef idx="1">
+            <a:schemeClr val="accent1"/>
+          </a:fillRef>
+          <a:effectRef idx="0">
+            <a:schemeClr val="accent1"/>
+          </a:effectRef>
+          <a:fontRef idx="minor">
+            <a:schemeClr val="lt1"/>
+          </a:fontRef>
+        </p:style>
+        <p:txBody>
+          <a:bodyPr rtlCol="0" anchor="ctr"/>
+          <a:lstStyle/>
+          <a:p>
+            <a:pPr algn="ctr"/>
+            <a:endParaRPr lang="zh-CN" altLang="en-US"/>
+          </a:p>
+        </p:txBody>
+      </p:sp>
+      <p:sp>
+        <p:nvSpPr>
+          <p:cNvPr id="9" name="等腰三角形 8"/>
+          <p:cNvSpPr/>
+          <p:nvPr/>
+        </p:nvSpPr>
+        <p:spPr>
+          <a:xfrm rot="5400000">
+            <a:off x="9600001" y="47478"/>
+            <a:ext cx="736941" cy="635294"/>
+          </a:xfrm>
+          <a:prstGeom prst="triangle">
+            <a:avLst/>
+          </a:prstGeom>
+          <a:solidFill>
+            <a:schemeClr val="bg2">
+              <a:alpha val="50196"/>
+            </a:schemeClr>
+          </a:solidFill>
+          <a:ln>
+            <a:noFill/>
+          </a:ln>
+        </p:spPr>
+        <p:style>
+          <a:lnRef idx="2">
+            <a:schemeClr val="accent1">
+              <a:shade val="50000"/>
+            </a:schemeClr>
+          </a:lnRef>
+          <a:fillRef idx="1">
+            <a:schemeClr val="accent1"/>
+          </a:fillRef>
+          <a:effectRef idx="0">
+            <a:schemeClr val="accent1"/>
+          </a:effectRef>
+          <a:fontRef idx="minor">
+            <a:schemeClr val="lt1"/>
+          </a:fontRef>
+        </p:style>
+        <p:txBody>
+          <a:bodyPr rtlCol="0" anchor="ctr"/>
+          <a:lstStyle/>
+          <a:p>
+            <a:pPr algn="ctr"/>
+            <a:endParaRPr lang="zh-CN" altLang="en-US"/>
+          </a:p>
+        </p:txBody>
+      </p:sp>
+      <p:sp>
+        <p:nvSpPr>
+          <p:cNvPr id="10" name="等腰三角形 9"/>
+          <p:cNvSpPr/>
+          <p:nvPr/>
+        </p:nvSpPr>
+        <p:spPr>
+          <a:xfrm rot="16200000">
+            <a:off x="10235294" y="47478"/>
+            <a:ext cx="736941" cy="635294"/>
+          </a:xfrm>
+          <a:prstGeom prst="triangle">
+            <a:avLst/>
+          </a:prstGeom>
+          <a:solidFill>
+            <a:schemeClr val="bg1">
+              <a:lumMod val="95000"/>
+              <a:alpha val="50196"/>
+            </a:schemeClr>
+          </a:solidFill>
+          <a:ln>
+            <a:noFill/>
+          </a:ln>
+        </p:spPr>
+        <p:style>
+          <a:lnRef idx="2">
+            <a:schemeClr val="accent1">
+              <a:shade val="50000"/>
+            </a:schemeClr>
+          </a:lnRef>
+          <a:fillRef idx="1">
+            <a:schemeClr val="accent1"/>
+          </a:fillRef>
+          <a:effectRef idx="0">
+            <a:schemeClr val="accent1"/>
+          </a:effectRef>
+          <a:fontRef idx="minor">
+            <a:schemeClr val="lt1"/>
+          </a:fontRef>
+        </p:style>
+        <p:txBody>
+          <a:bodyPr rtlCol="0" anchor="ctr"/>
+          <a:lstStyle/>
+          <a:p>
+            <a:pPr algn="ctr"/>
+            <a:endParaRPr lang="zh-CN" altLang="en-US"/>
+          </a:p>
+        </p:txBody>
+      </p:sp>
+      <p:sp>
+        <p:nvSpPr>
+          <p:cNvPr id="11" name="等腰三角形 10"/>
+          <p:cNvSpPr/>
+          <p:nvPr/>
+        </p:nvSpPr>
+        <p:spPr>
+          <a:xfrm rot="5400000">
+            <a:off x="10870588" y="47478"/>
+            <a:ext cx="736941" cy="635294"/>
+          </a:xfrm>
+          <a:prstGeom prst="triangle">
+            <a:avLst/>
+          </a:prstGeom>
+          <a:solidFill>
+            <a:schemeClr val="bg1">
+              <a:alpha val="50196"/>
+            </a:schemeClr>
+          </a:solidFill>
+          <a:ln>
+            <a:noFill/>
+          </a:ln>
+        </p:spPr>
+        <p:style>
+          <a:lnRef idx="2">
+            <a:schemeClr val="accent1">
+              <a:shade val="50000"/>
+            </a:schemeClr>
+          </a:lnRef>
+          <a:fillRef idx="1">
+            <a:schemeClr val="accent1"/>
+          </a:fillRef>
+          <a:effectRef idx="0">
+            <a:schemeClr val="accent1"/>
+          </a:effectRef>
+          <a:fontRef idx="minor">
+            <a:schemeClr val="lt1"/>
+          </a:fontRef>
+        </p:style>
+        <p:txBody>
+          <a:bodyPr rtlCol="0" anchor="ctr"/>
+          <a:lstStyle/>
+          <a:p>
+            <a:pPr algn="ctr"/>
+            <a:endParaRPr lang="zh-CN" altLang="en-US"/>
+          </a:p>
+        </p:txBody>
+      </p:sp>
+      <p:sp>
+        <p:nvSpPr>
+          <p:cNvPr id="12" name="等腰三角形 11"/>
+          <p:cNvSpPr/>
+          <p:nvPr/>
+        </p:nvSpPr>
+        <p:spPr>
+          <a:xfrm rot="12600000">
+            <a:off x="10059450" y="490026"/>
+            <a:ext cx="736941" cy="635294"/>
+          </a:xfrm>
+          <a:prstGeom prst="triangle">
+            <a:avLst/>
+          </a:prstGeom>
+          <a:solidFill>
+            <a:schemeClr val="bg1">
+              <a:lumMod val="85000"/>
+              <a:alpha val="50196"/>
+            </a:schemeClr>
+          </a:solidFill>
+          <a:ln>
+            <a:noFill/>
+          </a:ln>
+        </p:spPr>
+        <p:style>
+          <a:lnRef idx="2">
+            <a:schemeClr val="accent1">
+              <a:shade val="50000"/>
+            </a:schemeClr>
+          </a:lnRef>
+          <a:fillRef idx="1">
+            <a:schemeClr val="accent1"/>
+          </a:fillRef>
+          <a:effectRef idx="0">
+            <a:schemeClr val="accent1"/>
+          </a:effectRef>
+          <a:fontRef idx="minor">
+            <a:schemeClr val="lt1"/>
+          </a:fontRef>
+        </p:style>
+        <p:txBody>
+          <a:bodyPr rtlCol="0" anchor="ctr"/>
+          <a:lstStyle/>
+          <a:p>
+            <a:pPr algn="ctr"/>
+            <a:endParaRPr lang="zh-CN" altLang="en-US"/>
+          </a:p>
+        </p:txBody>
+      </p:sp>
+      <p:sp>
+        <p:nvSpPr>
+          <p:cNvPr id="13" name="等腰三角形 12"/>
+          <p:cNvSpPr/>
+          <p:nvPr/>
+        </p:nvSpPr>
+        <p:spPr>
+          <a:xfrm rot="16200000">
+            <a:off x="10870588" y="415948"/>
+            <a:ext cx="736941" cy="635294"/>
+          </a:xfrm>
+          <a:prstGeom prst="triangle">
+            <a:avLst/>
+          </a:prstGeom>
+          <a:solidFill>
+            <a:schemeClr val="bg2">
+              <a:alpha val="50196"/>
+            </a:schemeClr>
+          </a:solidFill>
+          <a:ln>
+            <a:noFill/>
+          </a:ln>
+        </p:spPr>
+        <p:style>
+          <a:lnRef idx="2">
+            <a:schemeClr val="accent1">
+              <a:shade val="50000"/>
+            </a:schemeClr>
+          </a:lnRef>
+          <a:fillRef idx="1">
+            <a:schemeClr val="accent1"/>
+          </a:fillRef>
+          <a:effectRef idx="0">
+            <a:schemeClr val="accent1"/>
+          </a:effectRef>
+          <a:fontRef idx="minor">
+            <a:schemeClr val="lt1"/>
+          </a:fontRef>
+        </p:style>
+        <p:txBody>
+          <a:bodyPr rtlCol="0" anchor="ctr"/>
+          <a:lstStyle/>
+          <a:p>
+            <a:pPr algn="ctr"/>
+            <a:endParaRPr lang="zh-CN" altLang="en-US"/>
+          </a:p>
+        </p:txBody>
+      </p:sp>
+      <p:sp>
+        <p:nvSpPr>
+          <p:cNvPr id="14" name="等腰三角形 13"/>
+          <p:cNvSpPr/>
+          <p:nvPr/>
+        </p:nvSpPr>
+        <p:spPr>
+          <a:xfrm rot="5400000">
+            <a:off x="11505882" y="415948"/>
+            <a:ext cx="736941" cy="635294"/>
+          </a:xfrm>
+          <a:prstGeom prst="triangle">
+            <a:avLst/>
+          </a:prstGeom>
+          <a:solidFill>
+            <a:schemeClr val="bg2">
+              <a:lumMod val="90000"/>
+              <a:alpha val="50196"/>
+            </a:schemeClr>
+          </a:solidFill>
+          <a:ln>
+            <a:noFill/>
+          </a:ln>
+        </p:spPr>
+        <p:style>
+          <a:lnRef idx="2">
+            <a:schemeClr val="accent1">
+              <a:shade val="50000"/>
+            </a:schemeClr>
+          </a:lnRef>
+          <a:fillRef idx="1">
+            <a:schemeClr val="accent1"/>
+          </a:fillRef>
+          <a:effectRef idx="0">
+            <a:schemeClr val="accent1"/>
+          </a:effectRef>
+          <a:fontRef idx="minor">
+            <a:schemeClr val="lt1"/>
+          </a:fontRef>
+        </p:style>
+        <p:txBody>
+          <a:bodyPr rtlCol="0" anchor="ctr"/>
+          <a:lstStyle/>
+          <a:p>
+            <a:pPr algn="ctr"/>
+            <a:endParaRPr lang="zh-CN" altLang="en-US"/>
+          </a:p>
+        </p:txBody>
+      </p:sp>
+      <p:sp>
+        <p:nvSpPr>
+          <p:cNvPr id="15" name="等腰三角形 14"/>
+          <p:cNvSpPr/>
+          <p:nvPr/>
+        </p:nvSpPr>
+        <p:spPr>
+          <a:xfrm rot="5400000">
+            <a:off x="10870588" y="784418"/>
+            <a:ext cx="736941" cy="635294"/>
+          </a:xfrm>
+          <a:prstGeom prst="triangle">
+            <a:avLst/>
+          </a:prstGeom>
+          <a:solidFill>
+            <a:schemeClr val="bg1">
+              <a:lumMod val="95000"/>
+              <a:alpha val="50196"/>
+            </a:schemeClr>
+          </a:solidFill>
+          <a:ln>
+            <a:noFill/>
+          </a:ln>
+        </p:spPr>
+        <p:style>
+          <a:lnRef idx="2">
+            <a:schemeClr val="accent1">
+              <a:shade val="50000"/>
+            </a:schemeClr>
+          </a:lnRef>
+          <a:fillRef idx="1">
+            <a:schemeClr val="accent1"/>
+          </a:fillRef>
+          <a:effectRef idx="0">
+            <a:schemeClr val="accent1"/>
+          </a:effectRef>
+          <a:fontRef idx="minor">
+            <a:schemeClr val="lt1"/>
+          </a:fontRef>
+        </p:style>
+        <p:txBody>
+          <a:bodyPr rtlCol="0" anchor="ctr"/>
+          <a:lstStyle/>
+          <a:p>
+            <a:pPr algn="ctr"/>
+            <a:endParaRPr lang="zh-CN" altLang="en-US"/>
+          </a:p>
+        </p:txBody>
+      </p:sp>
+      <p:sp>
+        <p:nvSpPr>
+          <p:cNvPr id="16" name="等腰三角形 15"/>
+          <p:cNvSpPr/>
+          <p:nvPr/>
+        </p:nvSpPr>
+        <p:spPr>
+          <a:xfrm rot="16200000">
+            <a:off x="11505882" y="784418"/>
+            <a:ext cx="736941" cy="635294"/>
+          </a:xfrm>
+          <a:prstGeom prst="triangle">
+            <a:avLst/>
+          </a:prstGeom>
+          <a:solidFill>
+            <a:schemeClr val="bg1">
+              <a:lumMod val="95000"/>
+              <a:alpha val="50196"/>
+            </a:schemeClr>
+          </a:solidFill>
+          <a:ln>
+            <a:noFill/>
+          </a:ln>
+        </p:spPr>
+        <p:style>
+          <a:lnRef idx="2">
+            <a:schemeClr val="accent1">
+              <a:shade val="50000"/>
+            </a:schemeClr>
+          </a:lnRef>
+          <a:fillRef idx="1">
+            <a:schemeClr val="accent1"/>
+          </a:fillRef>
+          <a:effectRef idx="0">
+            <a:schemeClr val="accent1"/>
+          </a:effectRef>
+          <a:fontRef idx="minor">
+            <a:schemeClr val="lt1"/>
+          </a:fontRef>
+        </p:style>
+        <p:txBody>
+          <a:bodyPr rtlCol="0" anchor="ctr"/>
+          <a:lstStyle/>
+          <a:p>
+            <a:pPr algn="ctr"/>
+            <a:endParaRPr lang="zh-CN" altLang="en-US"/>
+          </a:p>
+        </p:txBody>
+      </p:sp>
+      <p:sp>
+        <p:nvSpPr>
+          <p:cNvPr id="17" name="等腰三角形 16"/>
+          <p:cNvSpPr/>
+          <p:nvPr/>
+        </p:nvSpPr>
+        <p:spPr>
+          <a:xfrm rot="16200000">
+            <a:off x="8964706" y="39089"/>
+            <a:ext cx="736941" cy="635294"/>
+          </a:xfrm>
+          <a:prstGeom prst="triangle">
+            <a:avLst/>
+          </a:prstGeom>
+          <a:solidFill>
+            <a:schemeClr val="bg1">
+              <a:lumMod val="95000"/>
+              <a:alpha val="50196"/>
+            </a:schemeClr>
+          </a:solidFill>
+          <a:ln>
+            <a:noFill/>
+          </a:ln>
+        </p:spPr>
+        <p:style>
+          <a:lnRef idx="2">
+            <a:schemeClr val="accent1">
+              <a:shade val="50000"/>
+            </a:schemeClr>
+          </a:lnRef>
+          <a:fillRef idx="1">
+            <a:schemeClr val="accent1"/>
+          </a:fillRef>
+          <a:effectRef idx="0">
+            <a:schemeClr val="accent1"/>
+          </a:effectRef>
+          <a:fontRef idx="minor">
+            <a:schemeClr val="lt1"/>
+          </a:fontRef>
+        </p:style>
+        <p:txBody>
+          <a:bodyPr rtlCol="0" anchor="ctr"/>
+          <a:lstStyle/>
+          <a:p>
+            <a:pPr algn="ctr"/>
+            <a:endParaRPr lang="zh-CN" altLang="en-US"/>
+          </a:p>
+        </p:txBody>
+      </p:sp>
+      <p:sp>
+        <p:nvSpPr>
+          <p:cNvPr id="18" name="等腰三角形 17"/>
+          <p:cNvSpPr/>
+          <p:nvPr/>
+        </p:nvSpPr>
+        <p:spPr>
+          <a:xfrm rot="5400000">
+            <a:off x="11505882" y="1152888"/>
+            <a:ext cx="736941" cy="635294"/>
+          </a:xfrm>
+          <a:prstGeom prst="triangle">
+            <a:avLst/>
+          </a:prstGeom>
+          <a:solidFill>
+            <a:schemeClr val="bg2">
+              <a:alpha val="50196"/>
+            </a:schemeClr>
+          </a:solidFill>
+          <a:ln>
+            <a:noFill/>
+          </a:ln>
+        </p:spPr>
+        <p:style>
+          <a:lnRef idx="2">
+            <a:schemeClr val="accent1">
+              <a:shade val="50000"/>
+            </a:schemeClr>
+          </a:lnRef>
+          <a:fillRef idx="1">
+            <a:schemeClr val="accent1"/>
+          </a:fillRef>
+          <a:effectRef idx="0">
+            <a:schemeClr val="accent1"/>
+          </a:effectRef>
+          <a:fontRef idx="minor">
+            <a:schemeClr val="lt1"/>
+          </a:fontRef>
+        </p:style>
+        <p:txBody>
+          <a:bodyPr rtlCol="0" anchor="ctr"/>
+          <a:lstStyle/>
+          <a:p>
+            <a:pPr algn="ctr"/>
+            <a:endParaRPr lang="zh-CN" altLang="en-US"/>
+          </a:p>
+        </p:txBody>
+      </p:sp>
+      <p:sp>
+        <p:nvSpPr>
+          <p:cNvPr id="19" name="等腰三角形 18"/>
+          <p:cNvSpPr/>
+          <p:nvPr/>
+        </p:nvSpPr>
+        <p:spPr>
+          <a:xfrm rot="16200000">
+            <a:off x="11505882" y="1521358"/>
+            <a:ext cx="736941" cy="635294"/>
+          </a:xfrm>
+          <a:prstGeom prst="triangle">
+            <a:avLst/>
+          </a:prstGeom>
+          <a:solidFill>
+            <a:schemeClr val="bg1">
+              <a:lumMod val="95000"/>
+              <a:alpha val="50196"/>
+            </a:schemeClr>
+          </a:solidFill>
+          <a:ln>
+            <a:noFill/>
+          </a:ln>
+        </p:spPr>
+        <p:style>
+          <a:lnRef idx="2">
+            <a:schemeClr val="accent1">
+              <a:shade val="50000"/>
+            </a:schemeClr>
+          </a:lnRef>
+          <a:fillRef idx="1">
+            <a:schemeClr val="accent1"/>
+          </a:fillRef>
+          <a:effectRef idx="0">
+            <a:schemeClr val="accent1"/>
+          </a:effectRef>
+          <a:fontRef idx="minor">
+            <a:schemeClr val="lt1"/>
+          </a:fontRef>
+        </p:style>
+        <p:txBody>
+          <a:bodyPr rtlCol="0" anchor="ctr"/>
+          <a:lstStyle/>
+          <a:p>
+            <a:pPr algn="ctr"/>
+            <a:endParaRPr lang="zh-CN" altLang="en-US"/>
+          </a:p>
+        </p:txBody>
+      </p:sp>
+      <p:sp>
+        <p:nvSpPr>
+          <p:cNvPr id="20" name="等腰三角形 19"/>
+          <p:cNvSpPr/>
+          <p:nvPr/>
+        </p:nvSpPr>
+        <p:spPr>
+          <a:xfrm rot="16200000">
+            <a:off x="11505883" y="1521356"/>
+            <a:ext cx="736941" cy="635294"/>
+          </a:xfrm>
+          <a:prstGeom prst="triangle">
+            <a:avLst/>
+          </a:prstGeom>
+          <a:solidFill>
+            <a:schemeClr val="bg1">
+              <a:lumMod val="85000"/>
+              <a:alpha val="50196"/>
+            </a:schemeClr>
+          </a:solidFill>
+          <a:ln>
+            <a:noFill/>
+          </a:ln>
+        </p:spPr>
+        <p:style>
+          <a:lnRef idx="2">
+            <a:schemeClr val="accent1">
+              <a:shade val="50000"/>
+            </a:schemeClr>
+          </a:lnRef>
+          <a:fillRef idx="1">
+            <a:schemeClr val="accent1"/>
+          </a:fillRef>
+          <a:effectRef idx="0">
+            <a:schemeClr val="accent1"/>
+          </a:effectRef>
+          <a:fontRef idx="minor">
+            <a:schemeClr val="lt1"/>
+          </a:fontRef>
+        </p:style>
+        <p:txBody>
+          <a:bodyPr rtlCol="0" anchor="ctr"/>
+          <a:lstStyle/>
+          <a:p>
+            <a:pPr algn="ctr"/>
+            <a:endParaRPr lang="zh-CN" altLang="en-US"/>
+          </a:p>
+        </p:txBody>
+      </p:sp>
+      <p:sp>
+        <p:nvSpPr>
+          <p:cNvPr id="63" name="TextBox 62"/>
+          <p:cNvSpPr txBox="1"/>
+          <p:nvPr/>
+        </p:nvSpPr>
+        <p:spPr>
+          <a:xfrm>
+            <a:off x="544812" y="300368"/>
+            <a:ext cx="3422709" cy="369332"/>
+          </a:xfrm>
+          <a:prstGeom prst="rect">
+            <a:avLst/>
+          </a:prstGeom>
+          <a:noFill/>
+        </p:spPr>
+        <p:txBody>
+          <a:bodyPr wrap="square" rtlCol="0">
+            <a:spAutoFit/>
+          </a:bodyPr>
+          <a:lstStyle/>
+          <a:p>
+            <a:r>
+              <a:rPr lang="en-US" altLang="zh-CN" dirty="0" smtClean="0">
+                <a:solidFill>
+                  <a:schemeClr val="bg1">
+                    <a:lumMod val="50000"/>
+                  </a:schemeClr>
+                </a:solidFill>
+                <a:latin typeface="微软雅黑" panose="020B0503020204020204" pitchFamily="34" charset="-122"/>
+                <a:ea typeface="微软雅黑" panose="020B0503020204020204" pitchFamily="34" charset="-122"/>
+              </a:rPr>
+              <a:t>Hello World!</a:t>
+            </a:r>
+            <a:endParaRPr lang="zh-CN" altLang="en-US" dirty="0">
+              <a:solidFill>
+                <a:schemeClr val="bg1">
+                  <a:lumMod val="50000"/>
+                </a:schemeClr>
+              </a:solidFill>
+              <a:latin typeface="微软雅黑" panose="020B0503020204020204" pitchFamily="34" charset="-122"/>
+              <a:ea typeface="微软雅黑" panose="020B0503020204020204" pitchFamily="34" charset="-122"/>
+            </a:endParaRPr>
+          </a:p>
+        </p:txBody>
+      </p:sp>
+      <p:cxnSp>
+        <p:nvCxnSpPr>
+          <p:cNvPr id="65" name="直接连接符 64"/>
+          <p:cNvCxnSpPr/>
+          <p:nvPr/>
+        </p:nvCxnSpPr>
+        <p:spPr>
+          <a:xfrm>
+            <a:off x="637091" y="669700"/>
+            <a:ext cx="2827562" cy="0"/>
+          </a:xfrm>
+          <a:prstGeom prst="line">
+            <a:avLst/>
+          </a:prstGeom>
+          <a:ln>
+            <a:solidFill>
+              <a:schemeClr val="bg1">
+                <a:lumMod val="85000"/>
+              </a:schemeClr>
+            </a:solidFill>
+          </a:ln>
+        </p:spPr>
+        <p:style>
+          <a:lnRef idx="1">
+            <a:schemeClr val="accent4"/>
+          </a:lnRef>
+          <a:fillRef idx="0">
+            <a:schemeClr val="accent4"/>
+          </a:fillRef>
+          <a:effectRef idx="0">
+            <a:schemeClr val="accent4"/>
+          </a:effectRef>
+          <a:fontRef idx="minor">
+            <a:schemeClr val="tx1"/>
+          </a:fontRef>
+        </p:style>
+      </p:cxnSp>
+      <p:pic>
+        <p:nvPicPr>
+          <p:cNvPr id="66" name="Picture 2" descr="C:\Users\yepanmeng\Desktop\logo.png"/>
+          <p:cNvPicPr>
+            <a:picLocks noChangeAspect="1" noChangeArrowheads="1"/>
+          </p:cNvPicPr>
+          <p:nvPr/>
+        </p:nvPicPr>
+        <p:blipFill>
+          <a:blip r:embed="rId3" cstate="print">
+            <a:extLst>
+              <a:ext uri="{28A0092B-C50C-407E-A947-70E740481C1C}">
+                <a14:useLocalDpi xmlns:a14="http://schemas.microsoft.com/office/drawing/2010/main" val="0"/>
+              </a:ext>
+            </a:extLst>
+          </a:blip>
+          <a:srcRect/>
+          <a:stretch>
+            <a:fillRect/>
+          </a:stretch>
+        </p:blipFill>
+        <p:spPr bwMode="auto">
+          <a:xfrm rot="5400000">
+            <a:off x="11853862" y="6367223"/>
+            <a:ext cx="371695" cy="371695"/>
+          </a:xfrm>
+          <a:prstGeom prst="rect">
+            <a:avLst/>
+          </a:prstGeom>
+          <a:noFill/>
+          <a:extLst>
+            <a:ext uri="{909E8E84-426E-40DD-AFC4-6F175D3DCCD1}">
+              <a14:hiddenFill xmlns:a14="http://schemas.microsoft.com/office/drawing/2010/main">
+                <a:solidFill>
+                  <a:srgbClr val="FFFFFF"/>
+                </a:solidFill>
+              </a14:hiddenFill>
+            </a:ext>
+          </a:extLst>
+        </p:spPr>
+      </p:pic>
+      <p:sp>
+        <p:nvSpPr>
+          <p:cNvPr id="74" name="TextBox 73"/>
+          <p:cNvSpPr txBox="1"/>
+          <p:nvPr/>
+        </p:nvSpPr>
+        <p:spPr>
+          <a:xfrm>
+            <a:off x="11247447" y="6325278"/>
+            <a:ext cx="584961" cy="253916"/>
+          </a:xfrm>
+          <a:prstGeom prst="rect">
+            <a:avLst/>
+          </a:prstGeom>
+          <a:noFill/>
+        </p:spPr>
+        <p:txBody>
+          <a:bodyPr wrap="square" rtlCol="0">
+            <a:spAutoFit/>
+          </a:bodyPr>
+          <a:lstStyle/>
+          <a:p>
+            <a:r>
+              <a:rPr lang="en-US" altLang="zh-CN" sz="1050" dirty="0">
+                <a:solidFill>
+                  <a:schemeClr val="bg1">
+                    <a:lumMod val="50000"/>
+                  </a:schemeClr>
+                </a:solidFill>
+                <a:latin typeface="Microsoft YaHei UI" panose="020B0703020204020201" charset="-122"/>
+                <a:ea typeface="Microsoft YaHei UI" panose="020B0703020204020201" charset="-122"/>
+              </a:rPr>
+              <a:t>3</a:t>
+            </a:r>
+            <a:r>
+              <a:rPr lang="en-US" altLang="zh-CN" sz="1050" dirty="0" smtClean="0">
+                <a:solidFill>
+                  <a:schemeClr val="bg1">
+                    <a:lumMod val="50000"/>
+                  </a:schemeClr>
+                </a:solidFill>
+                <a:latin typeface="Microsoft YaHei UI" panose="020B0703020204020201" charset="-122"/>
+                <a:ea typeface="Microsoft YaHei UI" panose="020B0703020204020201" charset="-122"/>
+              </a:rPr>
+              <a:t> / 11</a:t>
+            </a:r>
+            <a:endParaRPr lang="zh-CN" altLang="en-US" sz="1050" dirty="0">
+              <a:solidFill>
+                <a:schemeClr val="bg1">
+                  <a:lumMod val="50000"/>
+                </a:schemeClr>
+              </a:solidFill>
+              <a:latin typeface="Microsoft YaHei UI" panose="020B0703020204020201" charset="-122"/>
+              <a:ea typeface="Microsoft YaHei UI" panose="020B0703020204020201" charset="-122"/>
+            </a:endParaRPr>
+          </a:p>
+        </p:txBody>
+      </p:sp>
+      <p:cxnSp>
+        <p:nvCxnSpPr>
+          <p:cNvPr id="80" name="直接连接符 79"/>
+          <p:cNvCxnSpPr/>
+          <p:nvPr/>
+        </p:nvCxnSpPr>
+        <p:spPr>
+          <a:xfrm flipH="1" flipV="1">
+            <a:off x="11289392" y="6553071"/>
+            <a:ext cx="480580" cy="1"/>
+          </a:xfrm>
+          <a:prstGeom prst="line">
+            <a:avLst/>
+          </a:prstGeom>
+          <a:ln>
+            <a:solidFill>
+              <a:schemeClr val="bg1">
+                <a:lumMod val="85000"/>
+              </a:schemeClr>
+            </a:solidFill>
+          </a:ln>
+        </p:spPr>
+        <p:style>
+          <a:lnRef idx="1">
+            <a:schemeClr val="accent1"/>
+          </a:lnRef>
+          <a:fillRef idx="0">
+            <a:schemeClr val="accent1"/>
+          </a:fillRef>
+          <a:effectRef idx="0">
+            <a:schemeClr val="accent1"/>
+          </a:effectRef>
+          <a:fontRef idx="minor">
+            <a:schemeClr val="tx1"/>
+          </a:fontRef>
+        </p:style>
+      </p:cxnSp>
+    </p:spTree>
+    <p:extLst>
+      <p:ext uri="{BB962C8B-B14F-4D97-AF65-F5344CB8AC3E}">
+        <p14:creationId xmlns:p14="http://schemas.microsoft.com/office/powerpoint/2010/main" val="987562621"/>
+      </p:ext>
+    </p:extLst>
+  </p:cSld>
+  <p:clrMapOvr>
+    <a:masterClrMapping/>
+  </p:clrMapOvr>
+  <mc:AlternateContent xmlns:mc="http://schemas.openxmlformats.org/markup-compatibility/2006" xmlns:p14="http://schemas.microsoft.com/office/powerpoint/2010/main">
+    <mc:Choice Requires="p14">
+      <p:transition p14:dur="10"/>
+    </mc:Choice>
+    <mc:Fallback xmlns="">
+      <p:transition/>
+    </mc:Fallback>
+  </mc:AlternateContent>
+  <p:timing>
+    <p:tnLst>
+      <p:par>
+        <p:cTn id="1" dur="indefinite" restart="never" nodeType="tmRoot"/>
+      </p:par>
+    </p:tnLst>
+  </p:timing>
+</p:sld>
+</file>
+
+<file path=ppt/slides/slide7.xml><?xml version="1.0" encoding="utf-8"?>
+<p:sld xmlns:a="http://schemas.openxmlformats.org/drawingml/2006/main" xmlns:r="http://schemas.openxmlformats.org/officeDocument/2006/relationships" xmlns:p="http://schemas.openxmlformats.org/presentationml/2006/main">
+  <p:cSld>
+    <p:spTree>
+      <p:nvGrpSpPr>
+        <p:cNvPr id="1" name=""/>
+        <p:cNvGrpSpPr/>
+        <p:nvPr/>
+      </p:nvGrpSpPr>
+      <p:grpSpPr>
+        <a:xfrm>
+          <a:off x="0" y="0"/>
+          <a:ext cx="0" cy="0"/>
+          <a:chOff x="0" y="0"/>
+          <a:chExt cx="0" cy="0"/>
+        </a:xfrm>
+      </p:grpSpPr>
+      <p:pic>
+        <p:nvPicPr>
+          <p:cNvPr id="4" name="Picture 2" descr="C:\Users\yepanmeng\Desktop\logo.png"/>
+          <p:cNvPicPr>
+            <a:picLocks noChangeAspect="1" noChangeArrowheads="1"/>
+          </p:cNvPicPr>
+          <p:nvPr/>
+        </p:nvPicPr>
+        <p:blipFill>
+          <a:blip r:embed="rId2" cstate="print">
+            <a:extLst>
+              <a:ext uri="{28A0092B-C50C-407E-A947-70E740481C1C}">
+                <a14:useLocalDpi xmlns:a14="http://schemas.microsoft.com/office/drawing/2010/main" val="0"/>
+              </a:ext>
+            </a:extLst>
+          </a:blip>
+          <a:srcRect/>
+          <a:stretch>
+            <a:fillRect/>
+          </a:stretch>
+        </p:blipFill>
+        <p:spPr bwMode="auto">
+          <a:xfrm rot="16200000">
+            <a:off x="-47617" y="373486"/>
+            <a:ext cx="592429" cy="592429"/>
+          </a:xfrm>
+          <a:prstGeom prst="rect">
+            <a:avLst/>
+          </a:prstGeom>
+          <a:noFill/>
+          <a:extLst>
+            <a:ext uri="{909E8E84-426E-40DD-AFC4-6F175D3DCCD1}">
+              <a14:hiddenFill xmlns:a14="http://schemas.microsoft.com/office/drawing/2010/main">
+                <a:solidFill>
+                  <a:srgbClr val="FFFFFF"/>
+                </a:solidFill>
+              </a14:hiddenFill>
+            </a:ext>
+          </a:extLst>
+        </p:spPr>
+      </p:pic>
+      <p:sp>
+        <p:nvSpPr>
+          <p:cNvPr id="5" name="等腰三角形 4"/>
+          <p:cNvSpPr/>
+          <p:nvPr/>
+        </p:nvSpPr>
+        <p:spPr>
+          <a:xfrm rot="16200000">
+            <a:off x="9600001" y="-320993"/>
+            <a:ext cx="736941" cy="635294"/>
+          </a:xfrm>
+          <a:prstGeom prst="triangle">
+            <a:avLst/>
+          </a:prstGeom>
+          <a:solidFill>
+            <a:schemeClr val="bg2">
+              <a:lumMod val="90000"/>
+              <a:alpha val="50196"/>
+            </a:schemeClr>
+          </a:solidFill>
+          <a:ln>
+            <a:noFill/>
+          </a:ln>
+        </p:spPr>
+        <p:style>
+          <a:lnRef idx="2">
+            <a:schemeClr val="accent1">
+              <a:shade val="50000"/>
+            </a:schemeClr>
+          </a:lnRef>
+          <a:fillRef idx="1">
+            <a:schemeClr val="accent1"/>
+          </a:fillRef>
+          <a:effectRef idx="0">
+            <a:schemeClr val="accent1"/>
+          </a:effectRef>
+          <a:fontRef idx="minor">
+            <a:schemeClr val="lt1"/>
+          </a:fontRef>
+        </p:style>
+        <p:txBody>
+          <a:bodyPr rtlCol="0" anchor="ctr"/>
+          <a:lstStyle/>
+          <a:p>
+            <a:pPr algn="ctr"/>
+            <a:endParaRPr lang="zh-CN" altLang="en-US"/>
+          </a:p>
+        </p:txBody>
+      </p:sp>
+      <p:sp>
+        <p:nvSpPr>
+          <p:cNvPr id="6" name="等腰三角形 5"/>
+          <p:cNvSpPr/>
+          <p:nvPr/>
+        </p:nvSpPr>
+        <p:spPr>
+          <a:xfrm rot="5400000">
+            <a:off x="10235294" y="-320993"/>
+            <a:ext cx="736941" cy="635294"/>
+          </a:xfrm>
+          <a:prstGeom prst="triangle">
+            <a:avLst/>
+          </a:prstGeom>
+          <a:solidFill>
+            <a:schemeClr val="bg1">
+              <a:lumMod val="85000"/>
+              <a:alpha val="50196"/>
+            </a:schemeClr>
+          </a:solidFill>
+          <a:ln>
+            <a:noFill/>
+          </a:ln>
+        </p:spPr>
+        <p:style>
+          <a:lnRef idx="2">
+            <a:schemeClr val="accent1">
+              <a:shade val="50000"/>
+            </a:schemeClr>
+          </a:lnRef>
+          <a:fillRef idx="1">
+            <a:schemeClr val="accent1"/>
+          </a:fillRef>
+          <a:effectRef idx="0">
+            <a:schemeClr val="accent1"/>
+          </a:effectRef>
+          <a:fontRef idx="minor">
+            <a:schemeClr val="lt1"/>
+          </a:fontRef>
+        </p:style>
+        <p:txBody>
+          <a:bodyPr rtlCol="0" anchor="ctr"/>
+          <a:lstStyle/>
+          <a:p>
+            <a:pPr algn="ctr"/>
+            <a:endParaRPr lang="zh-CN" altLang="en-US"/>
+          </a:p>
+        </p:txBody>
+      </p:sp>
+      <p:sp>
+        <p:nvSpPr>
+          <p:cNvPr id="7" name="等腰三角形 6"/>
+          <p:cNvSpPr/>
+          <p:nvPr/>
+        </p:nvSpPr>
+        <p:spPr>
+          <a:xfrm rot="16200000">
+            <a:off x="10870588" y="-320993"/>
+            <a:ext cx="736941" cy="635294"/>
+          </a:xfrm>
+          <a:prstGeom prst="triangle">
+            <a:avLst/>
+          </a:prstGeom>
+          <a:solidFill>
+            <a:schemeClr val="bg1">
+              <a:lumMod val="95000"/>
+              <a:alpha val="50196"/>
+            </a:schemeClr>
+          </a:solidFill>
+          <a:ln>
+            <a:noFill/>
+          </a:ln>
+        </p:spPr>
+        <p:style>
+          <a:lnRef idx="2">
+            <a:schemeClr val="accent1">
+              <a:shade val="50000"/>
+            </a:schemeClr>
+          </a:lnRef>
+          <a:fillRef idx="1">
+            <a:schemeClr val="accent1"/>
+          </a:fillRef>
+          <a:effectRef idx="0">
+            <a:schemeClr val="accent1"/>
+          </a:effectRef>
+          <a:fontRef idx="minor">
+            <a:schemeClr val="lt1"/>
+          </a:fontRef>
+        </p:style>
+        <p:txBody>
+          <a:bodyPr rtlCol="0" anchor="ctr"/>
+          <a:lstStyle/>
+          <a:p>
+            <a:pPr algn="ctr"/>
+            <a:endParaRPr lang="zh-CN" altLang="en-US"/>
+          </a:p>
+        </p:txBody>
+      </p:sp>
+      <p:sp>
+        <p:nvSpPr>
+          <p:cNvPr id="8" name="等腰三角形 7"/>
+          <p:cNvSpPr/>
+          <p:nvPr/>
+        </p:nvSpPr>
+        <p:spPr>
+          <a:xfrm rot="5400000">
+            <a:off x="11505882" y="-320993"/>
+            <a:ext cx="736941" cy="635294"/>
+          </a:xfrm>
+          <a:prstGeom prst="triangle">
+            <a:avLst/>
+          </a:prstGeom>
+          <a:solidFill>
+            <a:schemeClr val="bg2">
+              <a:alpha val="50196"/>
+            </a:schemeClr>
+          </a:solidFill>
+          <a:ln>
+            <a:noFill/>
+          </a:ln>
+        </p:spPr>
+        <p:style>
+          <a:lnRef idx="2">
+            <a:schemeClr val="accent1">
+              <a:shade val="50000"/>
+            </a:schemeClr>
+          </a:lnRef>
+          <a:fillRef idx="1">
+            <a:schemeClr val="accent1"/>
+          </a:fillRef>
+          <a:effectRef idx="0">
+            <a:schemeClr val="accent1"/>
+          </a:effectRef>
+          <a:fontRef idx="minor">
+            <a:schemeClr val="lt1"/>
+          </a:fontRef>
+        </p:style>
+        <p:txBody>
+          <a:bodyPr rtlCol="0" anchor="ctr"/>
+          <a:lstStyle/>
+          <a:p>
+            <a:pPr algn="ctr"/>
+            <a:endParaRPr lang="zh-CN" altLang="en-US"/>
+          </a:p>
+        </p:txBody>
+      </p:sp>
+      <p:sp>
+        <p:nvSpPr>
+          <p:cNvPr id="9" name="等腰三角形 8"/>
+          <p:cNvSpPr/>
+          <p:nvPr/>
+        </p:nvSpPr>
+        <p:spPr>
+          <a:xfrm rot="5400000">
+            <a:off x="9600001" y="47478"/>
+            <a:ext cx="736941" cy="635294"/>
+          </a:xfrm>
+          <a:prstGeom prst="triangle">
+            <a:avLst/>
+          </a:prstGeom>
+          <a:solidFill>
+            <a:schemeClr val="bg2">
+              <a:alpha val="50196"/>
+            </a:schemeClr>
+          </a:solidFill>
+          <a:ln>
+            <a:noFill/>
+          </a:ln>
+        </p:spPr>
+        <p:style>
+          <a:lnRef idx="2">
+            <a:schemeClr val="accent1">
+              <a:shade val="50000"/>
+            </a:schemeClr>
+          </a:lnRef>
+          <a:fillRef idx="1">
+            <a:schemeClr val="accent1"/>
+          </a:fillRef>
+          <a:effectRef idx="0">
+            <a:schemeClr val="accent1"/>
+          </a:effectRef>
+          <a:fontRef idx="minor">
+            <a:schemeClr val="lt1"/>
+          </a:fontRef>
+        </p:style>
+        <p:txBody>
+          <a:bodyPr rtlCol="0" anchor="ctr"/>
+          <a:lstStyle/>
+          <a:p>
+            <a:pPr algn="ctr"/>
+            <a:endParaRPr lang="zh-CN" altLang="en-US"/>
+          </a:p>
+        </p:txBody>
+      </p:sp>
+      <p:sp>
+        <p:nvSpPr>
+          <p:cNvPr id="10" name="等腰三角形 9"/>
+          <p:cNvSpPr/>
+          <p:nvPr/>
+        </p:nvSpPr>
+        <p:spPr>
+          <a:xfrm rot="16200000">
+            <a:off x="10235294" y="47478"/>
+            <a:ext cx="736941" cy="635294"/>
+          </a:xfrm>
+          <a:prstGeom prst="triangle">
+            <a:avLst/>
+          </a:prstGeom>
+          <a:solidFill>
+            <a:schemeClr val="bg1">
+              <a:lumMod val="95000"/>
+              <a:alpha val="50196"/>
+            </a:schemeClr>
+          </a:solidFill>
+          <a:ln>
+            <a:noFill/>
+          </a:ln>
+        </p:spPr>
+        <p:style>
+          <a:lnRef idx="2">
+            <a:schemeClr val="accent1">
+              <a:shade val="50000"/>
+            </a:schemeClr>
+          </a:lnRef>
+          <a:fillRef idx="1">
+            <a:schemeClr val="accent1"/>
+          </a:fillRef>
+          <a:effectRef idx="0">
+            <a:schemeClr val="accent1"/>
+          </a:effectRef>
+          <a:fontRef idx="minor">
+            <a:schemeClr val="lt1"/>
+          </a:fontRef>
+        </p:style>
+        <p:txBody>
+          <a:bodyPr rtlCol="0" anchor="ctr"/>
+          <a:lstStyle/>
+          <a:p>
+            <a:pPr algn="ctr"/>
+            <a:endParaRPr lang="zh-CN" altLang="en-US"/>
+          </a:p>
+        </p:txBody>
+      </p:sp>
+      <p:sp>
+        <p:nvSpPr>
+          <p:cNvPr id="11" name="等腰三角形 10"/>
+          <p:cNvSpPr/>
+          <p:nvPr/>
+        </p:nvSpPr>
+        <p:spPr>
+          <a:xfrm rot="5400000">
+            <a:off x="10870588" y="47478"/>
+            <a:ext cx="736941" cy="635294"/>
+          </a:xfrm>
+          <a:prstGeom prst="triangle">
+            <a:avLst/>
+          </a:prstGeom>
+          <a:solidFill>
+            <a:schemeClr val="bg1">
+              <a:alpha val="50196"/>
+            </a:schemeClr>
+          </a:solidFill>
+          <a:ln>
+            <a:noFill/>
+          </a:ln>
+        </p:spPr>
+        <p:style>
+          <a:lnRef idx="2">
+            <a:schemeClr val="accent1">
+              <a:shade val="50000"/>
+            </a:schemeClr>
+          </a:lnRef>
+          <a:fillRef idx="1">
+            <a:schemeClr val="accent1"/>
+          </a:fillRef>
+          <a:effectRef idx="0">
+            <a:schemeClr val="accent1"/>
+          </a:effectRef>
+          <a:fontRef idx="minor">
+            <a:schemeClr val="lt1"/>
+          </a:fontRef>
+        </p:style>
+        <p:txBody>
+          <a:bodyPr rtlCol="0" anchor="ctr"/>
+          <a:lstStyle/>
+          <a:p>
+            <a:pPr algn="ctr"/>
+            <a:endParaRPr lang="zh-CN" altLang="en-US"/>
+          </a:p>
+        </p:txBody>
+      </p:sp>
+      <p:sp>
+        <p:nvSpPr>
+          <p:cNvPr id="12" name="等腰三角形 11"/>
+          <p:cNvSpPr/>
+          <p:nvPr/>
+        </p:nvSpPr>
+        <p:spPr>
+          <a:xfrm rot="12600000">
+            <a:off x="10059450" y="490026"/>
+            <a:ext cx="736941" cy="635294"/>
+          </a:xfrm>
+          <a:prstGeom prst="triangle">
+            <a:avLst/>
+          </a:prstGeom>
+          <a:solidFill>
+            <a:schemeClr val="bg1">
+              <a:lumMod val="85000"/>
+              <a:alpha val="50196"/>
+            </a:schemeClr>
+          </a:solidFill>
+          <a:ln>
+            <a:noFill/>
+          </a:ln>
+        </p:spPr>
+        <p:style>
+          <a:lnRef idx="2">
+            <a:schemeClr val="accent1">
+              <a:shade val="50000"/>
+            </a:schemeClr>
+          </a:lnRef>
+          <a:fillRef idx="1">
+            <a:schemeClr val="accent1"/>
+          </a:fillRef>
+          <a:effectRef idx="0">
+            <a:schemeClr val="accent1"/>
+          </a:effectRef>
+          <a:fontRef idx="minor">
+            <a:schemeClr val="lt1"/>
+          </a:fontRef>
+        </p:style>
+        <p:txBody>
+          <a:bodyPr rtlCol="0" anchor="ctr"/>
+          <a:lstStyle/>
+          <a:p>
+            <a:pPr algn="ctr"/>
+            <a:endParaRPr lang="zh-CN" altLang="en-US"/>
+          </a:p>
+        </p:txBody>
+      </p:sp>
+      <p:sp>
+        <p:nvSpPr>
+          <p:cNvPr id="13" name="等腰三角形 12"/>
+          <p:cNvSpPr/>
+          <p:nvPr/>
+        </p:nvSpPr>
+        <p:spPr>
+          <a:xfrm rot="16200000">
+            <a:off x="10870588" y="415948"/>
+            <a:ext cx="736941" cy="635294"/>
+          </a:xfrm>
+          <a:prstGeom prst="triangle">
+            <a:avLst/>
+          </a:prstGeom>
+          <a:solidFill>
+            <a:schemeClr val="bg2">
+              <a:alpha val="50196"/>
+            </a:schemeClr>
+          </a:solidFill>
+          <a:ln>
+            <a:noFill/>
+          </a:ln>
+        </p:spPr>
+        <p:style>
+          <a:lnRef idx="2">
+            <a:schemeClr val="accent1">
+              <a:shade val="50000"/>
+            </a:schemeClr>
+          </a:lnRef>
+          <a:fillRef idx="1">
+            <a:schemeClr val="accent1"/>
+          </a:fillRef>
+          <a:effectRef idx="0">
+            <a:schemeClr val="accent1"/>
+          </a:effectRef>
+          <a:fontRef idx="minor">
+            <a:schemeClr val="lt1"/>
+          </a:fontRef>
+        </p:style>
+        <p:txBody>
+          <a:bodyPr rtlCol="0" anchor="ctr"/>
+          <a:lstStyle/>
+          <a:p>
+            <a:pPr algn="ctr"/>
+            <a:endParaRPr lang="zh-CN" altLang="en-US"/>
+          </a:p>
+        </p:txBody>
+      </p:sp>
+      <p:sp>
+        <p:nvSpPr>
+          <p:cNvPr id="14" name="等腰三角形 13"/>
+          <p:cNvSpPr/>
+          <p:nvPr/>
+        </p:nvSpPr>
+        <p:spPr>
+          <a:xfrm rot="5400000">
+            <a:off x="11505882" y="415948"/>
+            <a:ext cx="736941" cy="635294"/>
+          </a:xfrm>
+          <a:prstGeom prst="triangle">
+            <a:avLst/>
+          </a:prstGeom>
+          <a:solidFill>
+            <a:schemeClr val="bg2">
+              <a:lumMod val="90000"/>
+              <a:alpha val="50196"/>
+            </a:schemeClr>
+          </a:solidFill>
+          <a:ln>
+            <a:noFill/>
+          </a:ln>
+        </p:spPr>
+        <p:style>
+          <a:lnRef idx="2">
+            <a:schemeClr val="accent1">
+              <a:shade val="50000"/>
+            </a:schemeClr>
+          </a:lnRef>
+          <a:fillRef idx="1">
+            <a:schemeClr val="accent1"/>
+          </a:fillRef>
+          <a:effectRef idx="0">
+            <a:schemeClr val="accent1"/>
+          </a:effectRef>
+          <a:fontRef idx="minor">
+            <a:schemeClr val="lt1"/>
+          </a:fontRef>
+        </p:style>
+        <p:txBody>
+          <a:bodyPr rtlCol="0" anchor="ctr"/>
+          <a:lstStyle/>
+          <a:p>
+            <a:pPr algn="ctr"/>
+            <a:endParaRPr lang="zh-CN" altLang="en-US"/>
+          </a:p>
+        </p:txBody>
+      </p:sp>
+      <p:sp>
+        <p:nvSpPr>
+          <p:cNvPr id="15" name="等腰三角形 14"/>
+          <p:cNvSpPr/>
+          <p:nvPr/>
+        </p:nvSpPr>
+        <p:spPr>
+          <a:xfrm rot="5400000">
+            <a:off x="10870588" y="784418"/>
+            <a:ext cx="736941" cy="635294"/>
+          </a:xfrm>
+          <a:prstGeom prst="triangle">
+            <a:avLst/>
+          </a:prstGeom>
+          <a:solidFill>
+            <a:schemeClr val="bg1">
+              <a:lumMod val="95000"/>
+              <a:alpha val="50196"/>
+            </a:schemeClr>
+          </a:solidFill>
+          <a:ln>
+            <a:noFill/>
+          </a:ln>
+        </p:spPr>
+        <p:style>
+          <a:lnRef idx="2">
+            <a:schemeClr val="accent1">
+              <a:shade val="50000"/>
+            </a:schemeClr>
+          </a:lnRef>
+          <a:fillRef idx="1">
+            <a:schemeClr val="accent1"/>
+          </a:fillRef>
+          <a:effectRef idx="0">
+            <a:schemeClr val="accent1"/>
+          </a:effectRef>
+          <a:fontRef idx="minor">
+            <a:schemeClr val="lt1"/>
+          </a:fontRef>
+        </p:style>
+        <p:txBody>
+          <a:bodyPr rtlCol="0" anchor="ctr"/>
+          <a:lstStyle/>
+          <a:p>
+            <a:pPr algn="ctr"/>
+            <a:endParaRPr lang="zh-CN" altLang="en-US"/>
+          </a:p>
+        </p:txBody>
+      </p:sp>
+      <p:sp>
+        <p:nvSpPr>
+          <p:cNvPr id="16" name="等腰三角形 15"/>
+          <p:cNvSpPr/>
+          <p:nvPr/>
+        </p:nvSpPr>
+        <p:spPr>
+          <a:xfrm rot="16200000">
+            <a:off x="11505882" y="784418"/>
+            <a:ext cx="736941" cy="635294"/>
+          </a:xfrm>
+          <a:prstGeom prst="triangle">
+            <a:avLst/>
+          </a:prstGeom>
+          <a:solidFill>
+            <a:schemeClr val="bg1">
+              <a:lumMod val="95000"/>
+              <a:alpha val="50196"/>
+            </a:schemeClr>
+          </a:solidFill>
+          <a:ln>
+            <a:noFill/>
+          </a:ln>
+        </p:spPr>
+        <p:style>
+          <a:lnRef idx="2">
+            <a:schemeClr val="accent1">
+              <a:shade val="50000"/>
+            </a:schemeClr>
+          </a:lnRef>
+          <a:fillRef idx="1">
+            <a:schemeClr val="accent1"/>
+          </a:fillRef>
+          <a:effectRef idx="0">
+            <a:schemeClr val="accent1"/>
+          </a:effectRef>
+          <a:fontRef idx="minor">
+            <a:schemeClr val="lt1"/>
+          </a:fontRef>
+        </p:style>
+        <p:txBody>
+          <a:bodyPr rtlCol="0" anchor="ctr"/>
+          <a:lstStyle/>
+          <a:p>
+            <a:pPr algn="ctr"/>
+            <a:endParaRPr lang="zh-CN" altLang="en-US"/>
+          </a:p>
+        </p:txBody>
+      </p:sp>
+      <p:sp>
+        <p:nvSpPr>
+          <p:cNvPr id="17" name="等腰三角形 16"/>
+          <p:cNvSpPr/>
+          <p:nvPr/>
+        </p:nvSpPr>
+        <p:spPr>
+          <a:xfrm rot="16200000">
+            <a:off x="8964706" y="39089"/>
+            <a:ext cx="736941" cy="635294"/>
+          </a:xfrm>
+          <a:prstGeom prst="triangle">
+            <a:avLst/>
+          </a:prstGeom>
+          <a:solidFill>
+            <a:schemeClr val="bg1">
+              <a:lumMod val="95000"/>
+              <a:alpha val="50196"/>
+            </a:schemeClr>
+          </a:solidFill>
+          <a:ln>
+            <a:noFill/>
+          </a:ln>
+        </p:spPr>
+        <p:style>
+          <a:lnRef idx="2">
+            <a:schemeClr val="accent1">
+              <a:shade val="50000"/>
+            </a:schemeClr>
+          </a:lnRef>
+          <a:fillRef idx="1">
+            <a:schemeClr val="accent1"/>
+          </a:fillRef>
+          <a:effectRef idx="0">
+            <a:schemeClr val="accent1"/>
+          </a:effectRef>
+          <a:fontRef idx="minor">
+            <a:schemeClr val="lt1"/>
+          </a:fontRef>
+        </p:style>
+        <p:txBody>
+          <a:bodyPr rtlCol="0" anchor="ctr"/>
+          <a:lstStyle/>
+          <a:p>
+            <a:pPr algn="ctr"/>
+            <a:endParaRPr lang="zh-CN" altLang="en-US"/>
+          </a:p>
+        </p:txBody>
+      </p:sp>
+      <p:sp>
+        <p:nvSpPr>
+          <p:cNvPr id="18" name="等腰三角形 17"/>
+          <p:cNvSpPr/>
+          <p:nvPr/>
+        </p:nvSpPr>
+        <p:spPr>
+          <a:xfrm rot="5400000">
+            <a:off x="11505882" y="1152888"/>
+            <a:ext cx="736941" cy="635294"/>
+          </a:xfrm>
+          <a:prstGeom prst="triangle">
+            <a:avLst/>
+          </a:prstGeom>
+          <a:solidFill>
+            <a:schemeClr val="bg2">
+              <a:alpha val="50196"/>
+            </a:schemeClr>
+          </a:solidFill>
+          <a:ln>
+            <a:noFill/>
+          </a:ln>
+        </p:spPr>
+        <p:style>
+          <a:lnRef idx="2">
+            <a:schemeClr val="accent1">
+              <a:shade val="50000"/>
+            </a:schemeClr>
+          </a:lnRef>
+          <a:fillRef idx="1">
+            <a:schemeClr val="accent1"/>
+          </a:fillRef>
+          <a:effectRef idx="0">
+            <a:schemeClr val="accent1"/>
+          </a:effectRef>
+          <a:fontRef idx="minor">
+            <a:schemeClr val="lt1"/>
+          </a:fontRef>
+        </p:style>
+        <p:txBody>
+          <a:bodyPr rtlCol="0" anchor="ctr"/>
+          <a:lstStyle/>
+          <a:p>
+            <a:pPr algn="ctr"/>
+            <a:endParaRPr lang="zh-CN" altLang="en-US"/>
+          </a:p>
+        </p:txBody>
+      </p:sp>
+      <p:sp>
+        <p:nvSpPr>
+          <p:cNvPr id="19" name="等腰三角形 18"/>
+          <p:cNvSpPr/>
+          <p:nvPr/>
+        </p:nvSpPr>
+        <p:spPr>
+          <a:xfrm rot="16200000">
+            <a:off x="11505882" y="1521358"/>
+            <a:ext cx="736941" cy="635294"/>
+          </a:xfrm>
+          <a:prstGeom prst="triangle">
+            <a:avLst/>
+          </a:prstGeom>
+          <a:solidFill>
+            <a:schemeClr val="bg1">
+              <a:lumMod val="95000"/>
+              <a:alpha val="50196"/>
+            </a:schemeClr>
+          </a:solidFill>
+          <a:ln>
+            <a:noFill/>
+          </a:ln>
+        </p:spPr>
+        <p:style>
+          <a:lnRef idx="2">
+            <a:schemeClr val="accent1">
+              <a:shade val="50000"/>
+            </a:schemeClr>
+          </a:lnRef>
+          <a:fillRef idx="1">
+            <a:schemeClr val="accent1"/>
+          </a:fillRef>
+          <a:effectRef idx="0">
+            <a:schemeClr val="accent1"/>
+          </a:effectRef>
+          <a:fontRef idx="minor">
+            <a:schemeClr val="lt1"/>
+          </a:fontRef>
+        </p:style>
+        <p:txBody>
+          <a:bodyPr rtlCol="0" anchor="ctr"/>
+          <a:lstStyle/>
+          <a:p>
+            <a:pPr algn="ctr"/>
+            <a:endParaRPr lang="zh-CN" altLang="en-US"/>
+          </a:p>
+        </p:txBody>
+      </p:sp>
+      <p:sp>
+        <p:nvSpPr>
+          <p:cNvPr id="20" name="等腰三角形 19"/>
+          <p:cNvSpPr/>
+          <p:nvPr/>
+        </p:nvSpPr>
+        <p:spPr>
+          <a:xfrm rot="16200000">
+            <a:off x="11505883" y="1521356"/>
+            <a:ext cx="736941" cy="635294"/>
+          </a:xfrm>
+          <a:prstGeom prst="triangle">
+            <a:avLst/>
+          </a:prstGeom>
+          <a:solidFill>
+            <a:schemeClr val="bg1">
+              <a:lumMod val="85000"/>
+              <a:alpha val="50196"/>
+            </a:schemeClr>
+          </a:solidFill>
+          <a:ln>
+            <a:noFill/>
+          </a:ln>
+        </p:spPr>
+        <p:style>
+          <a:lnRef idx="2">
+            <a:schemeClr val="accent1">
+              <a:shade val="50000"/>
+            </a:schemeClr>
+          </a:lnRef>
+          <a:fillRef idx="1">
+            <a:schemeClr val="accent1"/>
+          </a:fillRef>
+          <a:effectRef idx="0">
+            <a:schemeClr val="accent1"/>
+          </a:effectRef>
+          <a:fontRef idx="minor">
+            <a:schemeClr val="lt1"/>
+          </a:fontRef>
+        </p:style>
+        <p:txBody>
+          <a:bodyPr rtlCol="0" anchor="ctr"/>
+          <a:lstStyle/>
+          <a:p>
+            <a:pPr algn="ctr"/>
+            <a:endParaRPr lang="zh-CN" altLang="en-US"/>
+          </a:p>
+        </p:txBody>
+      </p:sp>
+      <p:sp>
+        <p:nvSpPr>
+          <p:cNvPr id="63" name="TextBox 62"/>
+          <p:cNvSpPr txBox="1"/>
+          <p:nvPr/>
+        </p:nvSpPr>
+        <p:spPr>
+          <a:xfrm>
+            <a:off x="544812" y="300368"/>
+            <a:ext cx="3422709" cy="369332"/>
+          </a:xfrm>
+          <a:prstGeom prst="rect">
+            <a:avLst/>
+          </a:prstGeom>
+          <a:noFill/>
+        </p:spPr>
+        <p:txBody>
+          <a:bodyPr wrap="square" rtlCol="0">
+            <a:spAutoFit/>
+          </a:bodyPr>
+          <a:lstStyle/>
+          <a:p>
+            <a:r>
+              <a:rPr lang="en-US" altLang="zh-CN" dirty="0" smtClean="0">
+                <a:solidFill>
+                  <a:schemeClr val="bg1">
+                    <a:lumMod val="50000"/>
+                  </a:schemeClr>
+                </a:solidFill>
+                <a:latin typeface="微软雅黑" panose="020B0503020204020204" pitchFamily="34" charset="-122"/>
+                <a:ea typeface="微软雅黑" panose="020B0503020204020204" pitchFamily="34" charset="-122"/>
+              </a:rPr>
+              <a:t>Hello World!</a:t>
+            </a:r>
+            <a:endParaRPr lang="zh-CN" altLang="en-US" dirty="0">
+              <a:solidFill>
+                <a:schemeClr val="bg1">
+                  <a:lumMod val="50000"/>
+                </a:schemeClr>
+              </a:solidFill>
+              <a:latin typeface="微软雅黑" panose="020B0503020204020204" pitchFamily="34" charset="-122"/>
+              <a:ea typeface="微软雅黑" panose="020B0503020204020204" pitchFamily="34" charset="-122"/>
+            </a:endParaRPr>
+          </a:p>
+        </p:txBody>
+      </p:sp>
+      <p:cxnSp>
+        <p:nvCxnSpPr>
+          <p:cNvPr id="65" name="直接连接符 64"/>
+          <p:cNvCxnSpPr/>
+          <p:nvPr/>
+        </p:nvCxnSpPr>
+        <p:spPr>
+          <a:xfrm>
+            <a:off x="637091" y="669700"/>
+            <a:ext cx="2827562" cy="0"/>
+          </a:xfrm>
+          <a:prstGeom prst="line">
+            <a:avLst/>
+          </a:prstGeom>
+          <a:ln>
+            <a:solidFill>
+              <a:schemeClr val="bg1">
+                <a:lumMod val="85000"/>
+              </a:schemeClr>
+            </a:solidFill>
+          </a:ln>
+        </p:spPr>
+        <p:style>
+          <a:lnRef idx="1">
+            <a:schemeClr val="accent4"/>
+          </a:lnRef>
+          <a:fillRef idx="0">
+            <a:schemeClr val="accent4"/>
+          </a:fillRef>
+          <a:effectRef idx="0">
+            <a:schemeClr val="accent4"/>
+          </a:effectRef>
+          <a:fontRef idx="minor">
+            <a:schemeClr val="tx1"/>
+          </a:fontRef>
+        </p:style>
+      </p:cxnSp>
+      <p:pic>
+        <p:nvPicPr>
+          <p:cNvPr id="66" name="Picture 2" descr="C:\Users\yepanmeng\Desktop\logo.png"/>
+          <p:cNvPicPr>
+            <a:picLocks noChangeAspect="1" noChangeArrowheads="1"/>
+          </p:cNvPicPr>
+          <p:nvPr/>
+        </p:nvPicPr>
+        <p:blipFill>
+          <a:blip r:embed="rId3" cstate="print">
+            <a:extLst>
+              <a:ext uri="{28A0092B-C50C-407E-A947-70E740481C1C}">
+                <a14:useLocalDpi xmlns:a14="http://schemas.microsoft.com/office/drawing/2010/main" val="0"/>
+              </a:ext>
+            </a:extLst>
+          </a:blip>
+          <a:srcRect/>
+          <a:stretch>
+            <a:fillRect/>
+          </a:stretch>
+        </p:blipFill>
+        <p:spPr bwMode="auto">
+          <a:xfrm rot="5400000">
+            <a:off x="11853862" y="6367223"/>
+            <a:ext cx="371695" cy="371695"/>
+          </a:xfrm>
+          <a:prstGeom prst="rect">
+            <a:avLst/>
+          </a:prstGeom>
+          <a:noFill/>
+          <a:extLst>
+            <a:ext uri="{909E8E84-426E-40DD-AFC4-6F175D3DCCD1}">
+              <a14:hiddenFill xmlns:a14="http://schemas.microsoft.com/office/drawing/2010/main">
+                <a:solidFill>
+                  <a:srgbClr val="FFFFFF"/>
+                </a:solidFill>
+              </a14:hiddenFill>
+            </a:ext>
+          </a:extLst>
+        </p:spPr>
+      </p:pic>
+      <p:sp>
+        <p:nvSpPr>
+          <p:cNvPr id="74" name="TextBox 73"/>
+          <p:cNvSpPr txBox="1"/>
+          <p:nvPr/>
+        </p:nvSpPr>
+        <p:spPr>
+          <a:xfrm>
+            <a:off x="11247447" y="6325278"/>
+            <a:ext cx="584961" cy="253916"/>
+          </a:xfrm>
+          <a:prstGeom prst="rect">
+            <a:avLst/>
+          </a:prstGeom>
+          <a:noFill/>
+        </p:spPr>
+        <p:txBody>
+          <a:bodyPr wrap="square" rtlCol="0">
+            <a:spAutoFit/>
+          </a:bodyPr>
+          <a:lstStyle/>
+          <a:p>
+            <a:r>
+              <a:rPr lang="en-US" altLang="zh-CN" sz="1050" dirty="0">
+                <a:solidFill>
+                  <a:schemeClr val="bg1">
+                    <a:lumMod val="50000"/>
+                  </a:schemeClr>
+                </a:solidFill>
+                <a:latin typeface="Microsoft YaHei UI" panose="020B0703020204020201" charset="-122"/>
+                <a:ea typeface="Microsoft YaHei UI" panose="020B0703020204020201" charset="-122"/>
+              </a:rPr>
+              <a:t>3</a:t>
+            </a:r>
+            <a:r>
+              <a:rPr lang="en-US" altLang="zh-CN" sz="1050" dirty="0" smtClean="0">
+                <a:solidFill>
+                  <a:schemeClr val="bg1">
+                    <a:lumMod val="50000"/>
+                  </a:schemeClr>
+                </a:solidFill>
+                <a:latin typeface="Microsoft YaHei UI" panose="020B0703020204020201" charset="-122"/>
+                <a:ea typeface="Microsoft YaHei UI" panose="020B0703020204020201" charset="-122"/>
+              </a:rPr>
+              <a:t> / 11</a:t>
+            </a:r>
+            <a:endParaRPr lang="zh-CN" altLang="en-US" sz="1050" dirty="0">
+              <a:solidFill>
+                <a:schemeClr val="bg1">
+                  <a:lumMod val="50000"/>
+                </a:schemeClr>
+              </a:solidFill>
+              <a:latin typeface="Microsoft YaHei UI" panose="020B0703020204020201" charset="-122"/>
+              <a:ea typeface="Microsoft YaHei UI" panose="020B0703020204020201" charset="-122"/>
+            </a:endParaRPr>
+          </a:p>
+        </p:txBody>
+      </p:sp>
+      <p:cxnSp>
+        <p:nvCxnSpPr>
+          <p:cNvPr id="80" name="直接连接符 79"/>
+          <p:cNvCxnSpPr/>
+          <p:nvPr/>
+        </p:nvCxnSpPr>
+        <p:spPr>
+          <a:xfrm flipH="1" flipV="1">
+            <a:off x="11289392" y="6553071"/>
+            <a:ext cx="480580" cy="1"/>
+          </a:xfrm>
+          <a:prstGeom prst="line">
+            <a:avLst/>
+          </a:prstGeom>
+          <a:ln>
+            <a:solidFill>
+              <a:schemeClr val="bg1">
+                <a:lumMod val="85000"/>
+              </a:schemeClr>
+            </a:solidFill>
+          </a:ln>
+        </p:spPr>
+        <p:style>
+          <a:lnRef idx="1">
+            <a:schemeClr val="accent1"/>
+          </a:lnRef>
+          <a:fillRef idx="0">
+            <a:schemeClr val="accent1"/>
+          </a:fillRef>
+          <a:effectRef idx="0">
+            <a:schemeClr val="accent1"/>
+          </a:effectRef>
+          <a:fontRef idx="minor">
+            <a:schemeClr val="tx1"/>
+          </a:fontRef>
+        </p:style>
+      </p:cxnSp>
+    </p:spTree>
+    <p:extLst>
+      <p:ext uri="{BB962C8B-B14F-4D97-AF65-F5344CB8AC3E}">
+        <p14:creationId xmlns:p14="http://schemas.microsoft.com/office/powerpoint/2010/main" val="1759235735"/>
+      </p:ext>
+    </p:extLst>
+  </p:cSld>
+  <p:clrMapOvr>
+    <a:masterClrMapping/>
+  </p:clrMapOvr>
+  <mc:AlternateContent xmlns:mc="http://schemas.openxmlformats.org/markup-compatibility/2006" xmlns:p14="http://schemas.microsoft.com/office/powerpoint/2010/main">
+    <mc:Choice Requires="p14">
+      <p:transition p14:dur="10"/>
+    </mc:Choice>
+    <mc:Fallback xmlns="">
+      <p:transition/>
+    </mc:Fallback>
+  </mc:AlternateContent>
+  <p:timing>
+    <p:tnLst>
+      <p:par>
+        <p:cTn id="1" dur="indefinite" restart="never" nodeType="tmRoot"/>
+      </p:par>
+    </p:tnLst>
+  </p:timing>
+</p:sld>
+</file>
+
+<file path=ppt/slides/slide8.xml><?xml version="1.0" encoding="utf-8"?>
+<p:sld xmlns:a="http://schemas.openxmlformats.org/drawingml/2006/main" xmlns:r="http://schemas.openxmlformats.org/officeDocument/2006/relationships" xmlns:p="http://schemas.openxmlformats.org/presentationml/2006/main">
+  <p:cSld>
+    <p:spTree>
+      <p:nvGrpSpPr>
+        <p:cNvPr id="1" name=""/>
+        <p:cNvGrpSpPr/>
+        <p:nvPr/>
+      </p:nvGrpSpPr>
+      <p:grpSpPr>
+        <a:xfrm>
+          <a:off x="0" y="0"/>
+          <a:ext cx="0" cy="0"/>
+          <a:chOff x="0" y="0"/>
+          <a:chExt cx="0" cy="0"/>
+        </a:xfrm>
+      </p:grpSpPr>
+      <p:pic>
+        <p:nvPicPr>
+          <p:cNvPr id="4" name="Picture 2" descr="C:\Users\yepanmeng\Desktop\logo.png"/>
+          <p:cNvPicPr>
+            <a:picLocks noChangeAspect="1" noChangeArrowheads="1"/>
+          </p:cNvPicPr>
+          <p:nvPr/>
+        </p:nvPicPr>
+        <p:blipFill>
+          <a:blip r:embed="rId2" cstate="print">
+            <a:extLst>
+              <a:ext uri="{28A0092B-C50C-407E-A947-70E740481C1C}">
+                <a14:useLocalDpi xmlns:a14="http://schemas.microsoft.com/office/drawing/2010/main" val="0"/>
+              </a:ext>
+            </a:extLst>
+          </a:blip>
+          <a:srcRect/>
+          <a:stretch>
+            <a:fillRect/>
+          </a:stretch>
+        </p:blipFill>
+        <p:spPr bwMode="auto">
+          <a:xfrm rot="16200000">
+            <a:off x="-47617" y="373486"/>
+            <a:ext cx="592429" cy="592429"/>
+          </a:xfrm>
+          <a:prstGeom prst="rect">
+            <a:avLst/>
+          </a:prstGeom>
+          <a:noFill/>
+          <a:extLst>
+            <a:ext uri="{909E8E84-426E-40DD-AFC4-6F175D3DCCD1}">
+              <a14:hiddenFill xmlns:a14="http://schemas.microsoft.com/office/drawing/2010/main">
+                <a:solidFill>
+                  <a:srgbClr val="FFFFFF"/>
+                </a:solidFill>
+              </a14:hiddenFill>
+            </a:ext>
+          </a:extLst>
+        </p:spPr>
+      </p:pic>
+      <p:sp>
+        <p:nvSpPr>
+          <p:cNvPr id="5" name="等腰三角形 4"/>
+          <p:cNvSpPr/>
+          <p:nvPr/>
+        </p:nvSpPr>
+        <p:spPr>
+          <a:xfrm rot="16200000">
+            <a:off x="9600001" y="-320993"/>
+            <a:ext cx="736941" cy="635294"/>
+          </a:xfrm>
+          <a:prstGeom prst="triangle">
+            <a:avLst/>
+          </a:prstGeom>
+          <a:solidFill>
+            <a:schemeClr val="bg2">
+              <a:lumMod val="90000"/>
+              <a:alpha val="50196"/>
+            </a:schemeClr>
+          </a:solidFill>
+          <a:ln>
+            <a:noFill/>
+          </a:ln>
+        </p:spPr>
+        <p:style>
+          <a:lnRef idx="2">
+            <a:schemeClr val="accent1">
+              <a:shade val="50000"/>
+            </a:schemeClr>
+          </a:lnRef>
+          <a:fillRef idx="1">
+            <a:schemeClr val="accent1"/>
+          </a:fillRef>
+          <a:effectRef idx="0">
+            <a:schemeClr val="accent1"/>
+          </a:effectRef>
+          <a:fontRef idx="minor">
+            <a:schemeClr val="lt1"/>
+          </a:fontRef>
+        </p:style>
+        <p:txBody>
+          <a:bodyPr rtlCol="0" anchor="ctr"/>
+          <a:lstStyle/>
+          <a:p>
+            <a:pPr algn="ctr"/>
+            <a:endParaRPr lang="zh-CN" altLang="en-US"/>
+          </a:p>
+        </p:txBody>
+      </p:sp>
+      <p:sp>
+        <p:nvSpPr>
+          <p:cNvPr id="6" name="等腰三角形 5"/>
+          <p:cNvSpPr/>
+          <p:nvPr/>
+        </p:nvSpPr>
+        <p:spPr>
+          <a:xfrm rot="5400000">
+            <a:off x="10235294" y="-320993"/>
+            <a:ext cx="736941" cy="635294"/>
+          </a:xfrm>
+          <a:prstGeom prst="triangle">
+            <a:avLst/>
+          </a:prstGeom>
+          <a:solidFill>
+            <a:schemeClr val="bg1">
+              <a:lumMod val="85000"/>
+              <a:alpha val="50196"/>
+            </a:schemeClr>
+          </a:solidFill>
+          <a:ln>
+            <a:noFill/>
+          </a:ln>
+        </p:spPr>
+        <p:style>
+          <a:lnRef idx="2">
+            <a:schemeClr val="accent1">
+              <a:shade val="50000"/>
+            </a:schemeClr>
+          </a:lnRef>
+          <a:fillRef idx="1">
+            <a:schemeClr val="accent1"/>
+          </a:fillRef>
+          <a:effectRef idx="0">
+            <a:schemeClr val="accent1"/>
+          </a:effectRef>
+          <a:fontRef idx="minor">
+            <a:schemeClr val="lt1"/>
+          </a:fontRef>
+        </p:style>
+        <p:txBody>
+          <a:bodyPr rtlCol="0" anchor="ctr"/>
+          <a:lstStyle/>
+          <a:p>
+            <a:pPr algn="ctr"/>
+            <a:endParaRPr lang="zh-CN" altLang="en-US"/>
+          </a:p>
+        </p:txBody>
+      </p:sp>
+      <p:sp>
+        <p:nvSpPr>
+          <p:cNvPr id="7" name="等腰三角形 6"/>
+          <p:cNvSpPr/>
+          <p:nvPr/>
+        </p:nvSpPr>
+        <p:spPr>
+          <a:xfrm rot="16200000">
+            <a:off x="10870588" y="-320993"/>
+            <a:ext cx="736941" cy="635294"/>
+          </a:xfrm>
+          <a:prstGeom prst="triangle">
+            <a:avLst/>
+          </a:prstGeom>
+          <a:solidFill>
+            <a:schemeClr val="bg1">
+              <a:lumMod val="95000"/>
+              <a:alpha val="50196"/>
+            </a:schemeClr>
+          </a:solidFill>
+          <a:ln>
+            <a:noFill/>
+          </a:ln>
+        </p:spPr>
+        <p:style>
+          <a:lnRef idx="2">
+            <a:schemeClr val="accent1">
+              <a:shade val="50000"/>
+            </a:schemeClr>
+          </a:lnRef>
+          <a:fillRef idx="1">
+            <a:schemeClr val="accent1"/>
+          </a:fillRef>
+          <a:effectRef idx="0">
+            <a:schemeClr val="accent1"/>
+          </a:effectRef>
+          <a:fontRef idx="minor">
+            <a:schemeClr val="lt1"/>
+          </a:fontRef>
+        </p:style>
+        <p:txBody>
+          <a:bodyPr rtlCol="0" anchor="ctr"/>
+          <a:lstStyle/>
+          <a:p>
+            <a:pPr algn="ctr"/>
+            <a:endParaRPr lang="zh-CN" altLang="en-US"/>
+          </a:p>
+        </p:txBody>
+      </p:sp>
+      <p:sp>
+        <p:nvSpPr>
+          <p:cNvPr id="8" name="等腰三角形 7"/>
+          <p:cNvSpPr/>
+          <p:nvPr/>
+        </p:nvSpPr>
+        <p:spPr>
+          <a:xfrm rot="5400000">
+            <a:off x="11505882" y="-320993"/>
+            <a:ext cx="736941" cy="635294"/>
+          </a:xfrm>
+          <a:prstGeom prst="triangle">
+            <a:avLst/>
+          </a:prstGeom>
+          <a:solidFill>
+            <a:schemeClr val="bg2">
+              <a:alpha val="50196"/>
+            </a:schemeClr>
+          </a:solidFill>
+          <a:ln>
+            <a:noFill/>
+          </a:ln>
+        </p:spPr>
+        <p:style>
+          <a:lnRef idx="2">
+            <a:schemeClr val="accent1">
+              <a:shade val="50000"/>
+            </a:schemeClr>
+          </a:lnRef>
+          <a:fillRef idx="1">
+            <a:schemeClr val="accent1"/>
+          </a:fillRef>
+          <a:effectRef idx="0">
+            <a:schemeClr val="accent1"/>
+          </a:effectRef>
+          <a:fontRef idx="minor">
+            <a:schemeClr val="lt1"/>
+          </a:fontRef>
+        </p:style>
+        <p:txBody>
+          <a:bodyPr rtlCol="0" anchor="ctr"/>
+          <a:lstStyle/>
+          <a:p>
+            <a:pPr algn="ctr"/>
+            <a:endParaRPr lang="zh-CN" altLang="en-US"/>
+          </a:p>
+        </p:txBody>
+      </p:sp>
+      <p:sp>
+        <p:nvSpPr>
+          <p:cNvPr id="9" name="等腰三角形 8"/>
+          <p:cNvSpPr/>
+          <p:nvPr/>
+        </p:nvSpPr>
+        <p:spPr>
+          <a:xfrm rot="5400000">
+            <a:off x="9600001" y="47478"/>
+            <a:ext cx="736941" cy="635294"/>
+          </a:xfrm>
+          <a:prstGeom prst="triangle">
+            <a:avLst/>
+          </a:prstGeom>
+          <a:solidFill>
+            <a:schemeClr val="bg2">
+              <a:alpha val="50196"/>
+            </a:schemeClr>
+          </a:solidFill>
+          <a:ln>
+            <a:noFill/>
+          </a:ln>
+        </p:spPr>
+        <p:style>
+          <a:lnRef idx="2">
+            <a:schemeClr val="accent1">
+              <a:shade val="50000"/>
+            </a:schemeClr>
+          </a:lnRef>
+          <a:fillRef idx="1">
+            <a:schemeClr val="accent1"/>
+          </a:fillRef>
+          <a:effectRef idx="0">
+            <a:schemeClr val="accent1"/>
+          </a:effectRef>
+          <a:fontRef idx="minor">
+            <a:schemeClr val="lt1"/>
+          </a:fontRef>
+        </p:style>
+        <p:txBody>
+          <a:bodyPr rtlCol="0" anchor="ctr"/>
+          <a:lstStyle/>
+          <a:p>
+            <a:pPr algn="ctr"/>
+            <a:endParaRPr lang="zh-CN" altLang="en-US"/>
+          </a:p>
+        </p:txBody>
+      </p:sp>
+      <p:sp>
+        <p:nvSpPr>
+          <p:cNvPr id="10" name="等腰三角形 9"/>
+          <p:cNvSpPr/>
+          <p:nvPr/>
+        </p:nvSpPr>
+        <p:spPr>
+          <a:xfrm rot="16200000">
+            <a:off x="10235294" y="47478"/>
+            <a:ext cx="736941" cy="635294"/>
+          </a:xfrm>
+          <a:prstGeom prst="triangle">
+            <a:avLst/>
+          </a:prstGeom>
+          <a:solidFill>
+            <a:schemeClr val="bg1">
+              <a:lumMod val="95000"/>
+              <a:alpha val="50196"/>
+            </a:schemeClr>
+          </a:solidFill>
+          <a:ln>
+            <a:noFill/>
+          </a:ln>
+        </p:spPr>
+        <p:style>
+          <a:lnRef idx="2">
+            <a:schemeClr val="accent1">
+              <a:shade val="50000"/>
+            </a:schemeClr>
+          </a:lnRef>
+          <a:fillRef idx="1">
+            <a:schemeClr val="accent1"/>
+          </a:fillRef>
+          <a:effectRef idx="0">
+            <a:schemeClr val="accent1"/>
+          </a:effectRef>
+          <a:fontRef idx="minor">
+            <a:schemeClr val="lt1"/>
+          </a:fontRef>
+        </p:style>
+        <p:txBody>
+          <a:bodyPr rtlCol="0" anchor="ctr"/>
+          <a:lstStyle/>
+          <a:p>
+            <a:pPr algn="ctr"/>
+            <a:endParaRPr lang="zh-CN" altLang="en-US"/>
+          </a:p>
+        </p:txBody>
+      </p:sp>
+      <p:sp>
+        <p:nvSpPr>
+          <p:cNvPr id="11" name="等腰三角形 10"/>
+          <p:cNvSpPr/>
+          <p:nvPr/>
+        </p:nvSpPr>
+        <p:spPr>
+          <a:xfrm rot="5400000">
+            <a:off x="10870588" y="47478"/>
+            <a:ext cx="736941" cy="635294"/>
+          </a:xfrm>
+          <a:prstGeom prst="triangle">
+            <a:avLst/>
+          </a:prstGeom>
+          <a:solidFill>
+            <a:schemeClr val="bg1">
+              <a:alpha val="50196"/>
+            </a:schemeClr>
+          </a:solidFill>
+          <a:ln>
+            <a:noFill/>
+          </a:ln>
+        </p:spPr>
+        <p:style>
+          <a:lnRef idx="2">
+            <a:schemeClr val="accent1">
+              <a:shade val="50000"/>
+            </a:schemeClr>
+          </a:lnRef>
+          <a:fillRef idx="1">
+            <a:schemeClr val="accent1"/>
+          </a:fillRef>
+          <a:effectRef idx="0">
+            <a:schemeClr val="accent1"/>
+          </a:effectRef>
+          <a:fontRef idx="minor">
+            <a:schemeClr val="lt1"/>
+          </a:fontRef>
+        </p:style>
+        <p:txBody>
+          <a:bodyPr rtlCol="0" anchor="ctr"/>
+          <a:lstStyle/>
+          <a:p>
+            <a:pPr algn="ctr"/>
+            <a:endParaRPr lang="zh-CN" altLang="en-US"/>
+          </a:p>
+        </p:txBody>
+      </p:sp>
+      <p:sp>
+        <p:nvSpPr>
+          <p:cNvPr id="12" name="等腰三角形 11"/>
+          <p:cNvSpPr/>
+          <p:nvPr/>
+        </p:nvSpPr>
+        <p:spPr>
+          <a:xfrm rot="12600000">
+            <a:off x="10059450" y="490026"/>
+            <a:ext cx="736941" cy="635294"/>
+          </a:xfrm>
+          <a:prstGeom prst="triangle">
+            <a:avLst/>
+          </a:prstGeom>
+          <a:solidFill>
+            <a:schemeClr val="bg1">
+              <a:lumMod val="85000"/>
+              <a:alpha val="50196"/>
+            </a:schemeClr>
+          </a:solidFill>
+          <a:ln>
+            <a:noFill/>
+          </a:ln>
+        </p:spPr>
+        <p:style>
+          <a:lnRef idx="2">
+            <a:schemeClr val="accent1">
+              <a:shade val="50000"/>
+            </a:schemeClr>
+          </a:lnRef>
+          <a:fillRef idx="1">
+            <a:schemeClr val="accent1"/>
+          </a:fillRef>
+          <a:effectRef idx="0">
+            <a:schemeClr val="accent1"/>
+          </a:effectRef>
+          <a:fontRef idx="minor">
+            <a:schemeClr val="lt1"/>
+          </a:fontRef>
+        </p:style>
+        <p:txBody>
+          <a:bodyPr rtlCol="0" anchor="ctr"/>
+          <a:lstStyle/>
+          <a:p>
+            <a:pPr algn="ctr"/>
+            <a:endParaRPr lang="zh-CN" altLang="en-US"/>
+          </a:p>
+        </p:txBody>
+      </p:sp>
+      <p:sp>
+        <p:nvSpPr>
+          <p:cNvPr id="13" name="等腰三角形 12"/>
+          <p:cNvSpPr/>
+          <p:nvPr/>
+        </p:nvSpPr>
+        <p:spPr>
+          <a:xfrm rot="16200000">
+            <a:off x="10870588" y="415948"/>
+            <a:ext cx="736941" cy="635294"/>
+          </a:xfrm>
+          <a:prstGeom prst="triangle">
+            <a:avLst/>
+          </a:prstGeom>
+          <a:solidFill>
+            <a:schemeClr val="bg2">
+              <a:alpha val="50196"/>
+            </a:schemeClr>
+          </a:solidFill>
+          <a:ln>
+            <a:noFill/>
+          </a:ln>
+        </p:spPr>
+        <p:style>
+          <a:lnRef idx="2">
+            <a:schemeClr val="accent1">
+              <a:shade val="50000"/>
+            </a:schemeClr>
+          </a:lnRef>
+          <a:fillRef idx="1">
+            <a:schemeClr val="accent1"/>
+          </a:fillRef>
+          <a:effectRef idx="0">
+            <a:schemeClr val="accent1"/>
+          </a:effectRef>
+          <a:fontRef idx="minor">
+            <a:schemeClr val="lt1"/>
+          </a:fontRef>
+        </p:style>
+        <p:txBody>
+          <a:bodyPr rtlCol="0" anchor="ctr"/>
+          <a:lstStyle/>
+          <a:p>
+            <a:pPr algn="ctr"/>
+            <a:endParaRPr lang="zh-CN" altLang="en-US"/>
+          </a:p>
+        </p:txBody>
+      </p:sp>
+      <p:sp>
+        <p:nvSpPr>
+          <p:cNvPr id="14" name="等腰三角形 13"/>
+          <p:cNvSpPr/>
+          <p:nvPr/>
+        </p:nvSpPr>
+        <p:spPr>
+          <a:xfrm rot="5400000">
+            <a:off x="11505882" y="415948"/>
+            <a:ext cx="736941" cy="635294"/>
+          </a:xfrm>
+          <a:prstGeom prst="triangle">
+            <a:avLst/>
+          </a:prstGeom>
+          <a:solidFill>
+            <a:schemeClr val="bg2">
+              <a:lumMod val="90000"/>
+              <a:alpha val="50196"/>
+            </a:schemeClr>
+          </a:solidFill>
+          <a:ln>
+            <a:noFill/>
+          </a:ln>
+        </p:spPr>
+        <p:style>
+          <a:lnRef idx="2">
+            <a:schemeClr val="accent1">
+              <a:shade val="50000"/>
+            </a:schemeClr>
+          </a:lnRef>
+          <a:fillRef idx="1">
+            <a:schemeClr val="accent1"/>
+          </a:fillRef>
+          <a:effectRef idx="0">
+            <a:schemeClr val="accent1"/>
+          </a:effectRef>
+          <a:fontRef idx="minor">
+            <a:schemeClr val="lt1"/>
+          </a:fontRef>
+        </p:style>
+        <p:txBody>
+          <a:bodyPr rtlCol="0" anchor="ctr"/>
+          <a:lstStyle/>
+          <a:p>
+            <a:pPr algn="ctr"/>
+            <a:endParaRPr lang="zh-CN" altLang="en-US"/>
+          </a:p>
+        </p:txBody>
+      </p:sp>
+      <p:sp>
+        <p:nvSpPr>
+          <p:cNvPr id="15" name="等腰三角形 14"/>
+          <p:cNvSpPr/>
+          <p:nvPr/>
+        </p:nvSpPr>
+        <p:spPr>
+          <a:xfrm rot="5400000">
+            <a:off x="10870588" y="784418"/>
+            <a:ext cx="736941" cy="635294"/>
+          </a:xfrm>
+          <a:prstGeom prst="triangle">
+            <a:avLst/>
+          </a:prstGeom>
+          <a:solidFill>
+            <a:schemeClr val="bg1">
+              <a:lumMod val="95000"/>
+              <a:alpha val="50196"/>
+            </a:schemeClr>
+          </a:solidFill>
+          <a:ln>
+            <a:noFill/>
+          </a:ln>
+        </p:spPr>
+        <p:style>
+          <a:lnRef idx="2">
+            <a:schemeClr val="accent1">
+              <a:shade val="50000"/>
+            </a:schemeClr>
+          </a:lnRef>
+          <a:fillRef idx="1">
+            <a:schemeClr val="accent1"/>
+          </a:fillRef>
+          <a:effectRef idx="0">
+            <a:schemeClr val="accent1"/>
+          </a:effectRef>
+          <a:fontRef idx="minor">
+            <a:schemeClr val="lt1"/>
+          </a:fontRef>
+        </p:style>
+        <p:txBody>
+          <a:bodyPr rtlCol="0" anchor="ctr"/>
+          <a:lstStyle/>
+          <a:p>
+            <a:pPr algn="ctr"/>
+            <a:endParaRPr lang="zh-CN" altLang="en-US"/>
+          </a:p>
+        </p:txBody>
+      </p:sp>
+      <p:sp>
+        <p:nvSpPr>
+          <p:cNvPr id="16" name="等腰三角形 15"/>
+          <p:cNvSpPr/>
+          <p:nvPr/>
+        </p:nvSpPr>
+        <p:spPr>
+          <a:xfrm rot="16200000">
+            <a:off x="11505882" y="784418"/>
+            <a:ext cx="736941" cy="635294"/>
+          </a:xfrm>
+          <a:prstGeom prst="triangle">
+            <a:avLst/>
+          </a:prstGeom>
+          <a:solidFill>
+            <a:schemeClr val="bg1">
+              <a:lumMod val="95000"/>
+              <a:alpha val="50196"/>
+            </a:schemeClr>
+          </a:solidFill>
+          <a:ln>
+            <a:noFill/>
+          </a:ln>
+        </p:spPr>
+        <p:style>
+          <a:lnRef idx="2">
+            <a:schemeClr val="accent1">
+              <a:shade val="50000"/>
+            </a:schemeClr>
+          </a:lnRef>
+          <a:fillRef idx="1">
+            <a:schemeClr val="accent1"/>
+          </a:fillRef>
+          <a:effectRef idx="0">
+            <a:schemeClr val="accent1"/>
+          </a:effectRef>
+          <a:fontRef idx="minor">
+            <a:schemeClr val="lt1"/>
+          </a:fontRef>
+        </p:style>
+        <p:txBody>
+          <a:bodyPr rtlCol="0" anchor="ctr"/>
+          <a:lstStyle/>
+          <a:p>
+            <a:pPr algn="ctr"/>
+            <a:endParaRPr lang="zh-CN" altLang="en-US"/>
+          </a:p>
+        </p:txBody>
+      </p:sp>
+      <p:sp>
+        <p:nvSpPr>
+          <p:cNvPr id="17" name="等腰三角形 16"/>
+          <p:cNvSpPr/>
+          <p:nvPr/>
+        </p:nvSpPr>
+        <p:spPr>
+          <a:xfrm rot="16200000">
+            <a:off x="8964706" y="39089"/>
+            <a:ext cx="736941" cy="635294"/>
+          </a:xfrm>
+          <a:prstGeom prst="triangle">
+            <a:avLst/>
+          </a:prstGeom>
+          <a:solidFill>
+            <a:schemeClr val="bg1">
+              <a:lumMod val="95000"/>
+              <a:alpha val="50196"/>
+            </a:schemeClr>
+          </a:solidFill>
+          <a:ln>
+            <a:noFill/>
+          </a:ln>
+        </p:spPr>
+        <p:style>
+          <a:lnRef idx="2">
+            <a:schemeClr val="accent1">
+              <a:shade val="50000"/>
+            </a:schemeClr>
+          </a:lnRef>
+          <a:fillRef idx="1">
+            <a:schemeClr val="accent1"/>
+          </a:fillRef>
+          <a:effectRef idx="0">
+            <a:schemeClr val="accent1"/>
+          </a:effectRef>
+          <a:fontRef idx="minor">
+            <a:schemeClr val="lt1"/>
+          </a:fontRef>
+        </p:style>
+        <p:txBody>
+          <a:bodyPr rtlCol="0" anchor="ctr"/>
+          <a:lstStyle/>
+          <a:p>
+            <a:pPr algn="ctr"/>
+            <a:endParaRPr lang="zh-CN" altLang="en-US"/>
+          </a:p>
+        </p:txBody>
+      </p:sp>
+      <p:sp>
+        <p:nvSpPr>
+          <p:cNvPr id="18" name="等腰三角形 17"/>
+          <p:cNvSpPr/>
+          <p:nvPr/>
+        </p:nvSpPr>
+        <p:spPr>
+          <a:xfrm rot="5400000">
+            <a:off x="11505882" y="1152888"/>
+            <a:ext cx="736941" cy="635294"/>
+          </a:xfrm>
+          <a:prstGeom prst="triangle">
+            <a:avLst/>
+          </a:prstGeom>
+          <a:solidFill>
+            <a:schemeClr val="bg2">
+              <a:alpha val="50196"/>
+            </a:schemeClr>
+          </a:solidFill>
+          <a:ln>
+            <a:noFill/>
+          </a:ln>
+        </p:spPr>
+        <p:style>
+          <a:lnRef idx="2">
+            <a:schemeClr val="accent1">
+              <a:shade val="50000"/>
+            </a:schemeClr>
+          </a:lnRef>
+          <a:fillRef idx="1">
+            <a:schemeClr val="accent1"/>
+          </a:fillRef>
+          <a:effectRef idx="0">
+            <a:schemeClr val="accent1"/>
+          </a:effectRef>
+          <a:fontRef idx="minor">
+            <a:schemeClr val="lt1"/>
+          </a:fontRef>
+        </p:style>
+        <p:txBody>
+          <a:bodyPr rtlCol="0" anchor="ctr"/>
+          <a:lstStyle/>
+          <a:p>
+            <a:pPr algn="ctr"/>
+            <a:endParaRPr lang="zh-CN" altLang="en-US"/>
+          </a:p>
+        </p:txBody>
+      </p:sp>
+      <p:sp>
+        <p:nvSpPr>
+          <p:cNvPr id="19" name="等腰三角形 18"/>
+          <p:cNvSpPr/>
+          <p:nvPr/>
+        </p:nvSpPr>
+        <p:spPr>
+          <a:xfrm rot="16200000">
+            <a:off x="11505882" y="1521358"/>
+            <a:ext cx="736941" cy="635294"/>
+          </a:xfrm>
+          <a:prstGeom prst="triangle">
+            <a:avLst/>
+          </a:prstGeom>
+          <a:solidFill>
+            <a:schemeClr val="bg1">
+              <a:lumMod val="95000"/>
+              <a:alpha val="50196"/>
+            </a:schemeClr>
+          </a:solidFill>
+          <a:ln>
+            <a:noFill/>
+          </a:ln>
+        </p:spPr>
+        <p:style>
+          <a:lnRef idx="2">
+            <a:schemeClr val="accent1">
+              <a:shade val="50000"/>
+            </a:schemeClr>
+          </a:lnRef>
+          <a:fillRef idx="1">
+            <a:schemeClr val="accent1"/>
+          </a:fillRef>
+          <a:effectRef idx="0">
+            <a:schemeClr val="accent1"/>
+          </a:effectRef>
+          <a:fontRef idx="minor">
+            <a:schemeClr val="lt1"/>
+          </a:fontRef>
+        </p:style>
+        <p:txBody>
+          <a:bodyPr rtlCol="0" anchor="ctr"/>
+          <a:lstStyle/>
+          <a:p>
+            <a:pPr algn="ctr"/>
+            <a:endParaRPr lang="zh-CN" altLang="en-US"/>
+          </a:p>
+        </p:txBody>
+      </p:sp>
+      <p:sp>
+        <p:nvSpPr>
+          <p:cNvPr id="20" name="等腰三角形 19"/>
+          <p:cNvSpPr/>
+          <p:nvPr/>
+        </p:nvSpPr>
+        <p:spPr>
+          <a:xfrm rot="16200000">
+            <a:off x="11505883" y="1521356"/>
+            <a:ext cx="736941" cy="635294"/>
+          </a:xfrm>
+          <a:prstGeom prst="triangle">
+            <a:avLst/>
+          </a:prstGeom>
+          <a:solidFill>
+            <a:schemeClr val="bg1">
+              <a:lumMod val="85000"/>
+              <a:alpha val="50196"/>
+            </a:schemeClr>
+          </a:solidFill>
+          <a:ln>
+            <a:noFill/>
+          </a:ln>
+        </p:spPr>
+        <p:style>
+          <a:lnRef idx="2">
+            <a:schemeClr val="accent1">
+              <a:shade val="50000"/>
+            </a:schemeClr>
+          </a:lnRef>
+          <a:fillRef idx="1">
+            <a:schemeClr val="accent1"/>
+          </a:fillRef>
+          <a:effectRef idx="0">
+            <a:schemeClr val="accent1"/>
+          </a:effectRef>
+          <a:fontRef idx="minor">
+            <a:schemeClr val="lt1"/>
+          </a:fontRef>
+        </p:style>
+        <p:txBody>
+          <a:bodyPr rtlCol="0" anchor="ctr"/>
+          <a:lstStyle/>
+          <a:p>
+            <a:pPr algn="ctr"/>
+            <a:endParaRPr lang="zh-CN" altLang="en-US"/>
+          </a:p>
+        </p:txBody>
+      </p:sp>
+      <p:sp>
+        <p:nvSpPr>
+          <p:cNvPr id="63" name="TextBox 62"/>
+          <p:cNvSpPr txBox="1"/>
+          <p:nvPr/>
+        </p:nvSpPr>
+        <p:spPr>
+          <a:xfrm>
+            <a:off x="544812" y="300368"/>
+            <a:ext cx="3422709" cy="369332"/>
+          </a:xfrm>
+          <a:prstGeom prst="rect">
+            <a:avLst/>
+          </a:prstGeom>
+          <a:noFill/>
+        </p:spPr>
+        <p:txBody>
+          <a:bodyPr wrap="square" rtlCol="0">
+            <a:spAutoFit/>
+          </a:bodyPr>
+          <a:lstStyle/>
+          <a:p>
+            <a:r>
+              <a:rPr lang="en-US" altLang="zh-CN" dirty="0" smtClean="0">
+                <a:solidFill>
+                  <a:schemeClr val="bg1">
+                    <a:lumMod val="50000"/>
+                  </a:schemeClr>
+                </a:solidFill>
+                <a:latin typeface="微软雅黑" panose="020B0503020204020204" pitchFamily="34" charset="-122"/>
+                <a:ea typeface="微软雅黑" panose="020B0503020204020204" pitchFamily="34" charset="-122"/>
+              </a:rPr>
+              <a:t>Hello World!</a:t>
+            </a:r>
+            <a:endParaRPr lang="zh-CN" altLang="en-US" dirty="0">
+              <a:solidFill>
+                <a:schemeClr val="bg1">
+                  <a:lumMod val="50000"/>
+                </a:schemeClr>
+              </a:solidFill>
+              <a:latin typeface="微软雅黑" panose="020B0503020204020204" pitchFamily="34" charset="-122"/>
+              <a:ea typeface="微软雅黑" panose="020B0503020204020204" pitchFamily="34" charset="-122"/>
+            </a:endParaRPr>
+          </a:p>
+        </p:txBody>
+      </p:sp>
+      <p:cxnSp>
+        <p:nvCxnSpPr>
+          <p:cNvPr id="65" name="直接连接符 64"/>
+          <p:cNvCxnSpPr/>
+          <p:nvPr/>
+        </p:nvCxnSpPr>
+        <p:spPr>
+          <a:xfrm>
+            <a:off x="637091" y="669700"/>
+            <a:ext cx="2827562" cy="0"/>
+          </a:xfrm>
+          <a:prstGeom prst="line">
+            <a:avLst/>
+          </a:prstGeom>
+          <a:ln>
+            <a:solidFill>
+              <a:schemeClr val="bg1">
+                <a:lumMod val="85000"/>
+              </a:schemeClr>
+            </a:solidFill>
+          </a:ln>
+        </p:spPr>
+        <p:style>
+          <a:lnRef idx="1">
+            <a:schemeClr val="accent4"/>
+          </a:lnRef>
+          <a:fillRef idx="0">
+            <a:schemeClr val="accent4"/>
+          </a:fillRef>
+          <a:effectRef idx="0">
+            <a:schemeClr val="accent4"/>
+          </a:effectRef>
+          <a:fontRef idx="minor">
+            <a:schemeClr val="tx1"/>
+          </a:fontRef>
+        </p:style>
+      </p:cxnSp>
+      <p:pic>
+        <p:nvPicPr>
+          <p:cNvPr id="66" name="Picture 2" descr="C:\Users\yepanmeng\Desktop\logo.png"/>
+          <p:cNvPicPr>
+            <a:picLocks noChangeAspect="1" noChangeArrowheads="1"/>
+          </p:cNvPicPr>
+          <p:nvPr/>
+        </p:nvPicPr>
+        <p:blipFill>
+          <a:blip r:embed="rId3" cstate="print">
+            <a:extLst>
+              <a:ext uri="{28A0092B-C50C-407E-A947-70E740481C1C}">
+                <a14:useLocalDpi xmlns:a14="http://schemas.microsoft.com/office/drawing/2010/main" val="0"/>
+              </a:ext>
+            </a:extLst>
+          </a:blip>
+          <a:srcRect/>
+          <a:stretch>
+            <a:fillRect/>
+          </a:stretch>
+        </p:blipFill>
+        <p:spPr bwMode="auto">
+          <a:xfrm rot="5400000">
+            <a:off x="11853862" y="6367223"/>
+            <a:ext cx="371695" cy="371695"/>
+          </a:xfrm>
+          <a:prstGeom prst="rect">
+            <a:avLst/>
+          </a:prstGeom>
+          <a:noFill/>
+          <a:extLst>
+            <a:ext uri="{909E8E84-426E-40DD-AFC4-6F175D3DCCD1}">
+              <a14:hiddenFill xmlns:a14="http://schemas.microsoft.com/office/drawing/2010/main">
+                <a:solidFill>
+                  <a:srgbClr val="FFFFFF"/>
+                </a:solidFill>
+              </a14:hiddenFill>
+            </a:ext>
+          </a:extLst>
+        </p:spPr>
+      </p:pic>
+      <p:sp>
+        <p:nvSpPr>
+          <p:cNvPr id="74" name="TextBox 73"/>
+          <p:cNvSpPr txBox="1"/>
+          <p:nvPr/>
+        </p:nvSpPr>
+        <p:spPr>
+          <a:xfrm>
+            <a:off x="11247447" y="6325278"/>
+            <a:ext cx="584961" cy="253916"/>
+          </a:xfrm>
+          <a:prstGeom prst="rect">
+            <a:avLst/>
+          </a:prstGeom>
+          <a:noFill/>
+        </p:spPr>
+        <p:txBody>
+          <a:bodyPr wrap="square" rtlCol="0">
+            <a:spAutoFit/>
+          </a:bodyPr>
+          <a:lstStyle/>
+          <a:p>
+            <a:r>
+              <a:rPr lang="en-US" altLang="zh-CN" sz="1050" dirty="0">
+                <a:solidFill>
+                  <a:schemeClr val="bg1">
+                    <a:lumMod val="50000"/>
+                  </a:schemeClr>
+                </a:solidFill>
+                <a:latin typeface="Microsoft YaHei UI" panose="020B0703020204020201" charset="-122"/>
+                <a:ea typeface="Microsoft YaHei UI" panose="020B0703020204020201" charset="-122"/>
+              </a:rPr>
+              <a:t>3</a:t>
+            </a:r>
+            <a:r>
+              <a:rPr lang="en-US" altLang="zh-CN" sz="1050" dirty="0" smtClean="0">
+                <a:solidFill>
+                  <a:schemeClr val="bg1">
+                    <a:lumMod val="50000"/>
+                  </a:schemeClr>
+                </a:solidFill>
+                <a:latin typeface="Microsoft YaHei UI" panose="020B0703020204020201" charset="-122"/>
+                <a:ea typeface="Microsoft YaHei UI" panose="020B0703020204020201" charset="-122"/>
+              </a:rPr>
+              <a:t> / 11</a:t>
+            </a:r>
+            <a:endParaRPr lang="zh-CN" altLang="en-US" sz="1050" dirty="0">
+              <a:solidFill>
+                <a:schemeClr val="bg1">
+                  <a:lumMod val="50000"/>
+                </a:schemeClr>
+              </a:solidFill>
+              <a:latin typeface="Microsoft YaHei UI" panose="020B0703020204020201" charset="-122"/>
+              <a:ea typeface="Microsoft YaHei UI" panose="020B0703020204020201" charset="-122"/>
+            </a:endParaRPr>
+          </a:p>
+        </p:txBody>
+      </p:sp>
+      <p:cxnSp>
+        <p:nvCxnSpPr>
+          <p:cNvPr id="80" name="直接连接符 79"/>
+          <p:cNvCxnSpPr/>
+          <p:nvPr/>
+        </p:nvCxnSpPr>
+        <p:spPr>
+          <a:xfrm flipH="1" flipV="1">
+            <a:off x="11289392" y="6553071"/>
+            <a:ext cx="480580" cy="1"/>
+          </a:xfrm>
+          <a:prstGeom prst="line">
+            <a:avLst/>
+          </a:prstGeom>
+          <a:ln>
+            <a:solidFill>
+              <a:schemeClr val="bg1">
+                <a:lumMod val="85000"/>
+              </a:schemeClr>
+            </a:solidFill>
+          </a:ln>
+        </p:spPr>
+        <p:style>
+          <a:lnRef idx="1">
+            <a:schemeClr val="accent1"/>
+          </a:lnRef>
+          <a:fillRef idx="0">
+            <a:schemeClr val="accent1"/>
+          </a:fillRef>
+          <a:effectRef idx="0">
+            <a:schemeClr val="accent1"/>
+          </a:effectRef>
+          <a:fontRef idx="minor">
+            <a:schemeClr val="tx1"/>
+          </a:fontRef>
+        </p:style>
+      </p:cxnSp>
+    </p:spTree>
+    <p:extLst>
+      <p:ext uri="{BB962C8B-B14F-4D97-AF65-F5344CB8AC3E}">
+        <p14:creationId xmlns:p14="http://schemas.microsoft.com/office/powerpoint/2010/main" val="868264896"/>
+      </p:ext>
+    </p:extLst>
+  </p:cSld>
+  <p:clrMapOvr>
+    <a:masterClrMapping/>
+  </p:clrMapOvr>
+  <mc:AlternateContent xmlns:mc="http://schemas.openxmlformats.org/markup-compatibility/2006" xmlns:p14="http://schemas.microsoft.com/office/powerpoint/2010/main">
+    <mc:Choice Requires="p14">
+      <p:transition p14:dur="10"/>
+    </mc:Choice>
+    <mc:Fallback xmlns="">
+      <p:transition/>
+    </mc:Fallback>
+  </mc:AlternateContent>
+  <p:timing>
+    <p:tnLst>
+      <p:par>
+        <p:cTn id="1" dur="indefinite" restart="never" nodeType="tmRoot"/>
+      </p:par>
+    </p:tnLst>
+  </p:timing>
+</p:sld>
+</file>
+
+<file path=ppt/slides/slide9.xml><?xml version="1.0" encoding="utf-8"?>
 <p:sld xmlns:a="http://schemas.openxmlformats.org/drawingml/2006/main" xmlns:r="http://schemas.openxmlformats.org/officeDocument/2006/relationships" xmlns:p="http://schemas.openxmlformats.org/presentationml/2006/main">
   <p:cSld>
     <p:spTree>
@@ -11289,7 +15638,7 @@
   <a:extraClrSchemeLst/>
   <a:extLst>
     <a:ext uri="{05A4C25C-085E-4340-85A3-A5531E510DB2}">
-      <thm15:themeFamily xmlns:thm15="http://schemas.microsoft.com/office/thememl/2012/main" xmlns="" name="Office Theme" id="{62F939B6-93AF-4DB8-9C6B-D6C7DFDC589F}" vid="{4A3C46E8-61CC-4603-A589-7422A47A8E4A}"/>
+      <thm15:themeFamily xmlns:thm15="http://schemas.microsoft.com/office/thememl/2012/main" name="Office Theme" id="{62F939B6-93AF-4DB8-9C6B-D6C7DFDC589F}" vid="{4A3C46E8-61CC-4603-A589-7422A47A8E4A}"/>
     </a:ext>
   </a:extLst>
 </a:theme>
@@ -11550,7 +15899,7 @@
   <a:extraClrSchemeLst/>
   <a:extLst>
     <a:ext uri="{05A4C25C-085E-4340-85A3-A5531E510DB2}">
-      <thm15:themeFamily xmlns:thm15="http://schemas.microsoft.com/office/thememl/2012/main" xmlns="" name="Office Theme" id="{62F939B6-93AF-4DB8-9C6B-D6C7DFDC589F}" vid="{4A3C46E8-61CC-4603-A589-7422A47A8E4A}"/>
+      <thm15:themeFamily xmlns:thm15="http://schemas.microsoft.com/office/thememl/2012/main" name="Office Theme" id="{62F939B6-93AF-4DB8-9C6B-D6C7DFDC589F}" vid="{4A3C46E8-61CC-4603-A589-7422A47A8E4A}"/>
     </a:ext>
   </a:extLst>
 </a:theme>

--- a/Presentation/Vue入门.pptx
+++ b/Presentation/Vue入门.pptx
@@ -5,45 +5,49 @@
     <p:sldMasterId id="2147483780" r:id="rId1"/>
   </p:sldMasterIdLst>
   <p:notesMasterIdLst>
-    <p:notesMasterId r:id="rId7"/>
+    <p:notesMasterId r:id="rId11"/>
   </p:notesMasterIdLst>
   <p:handoutMasterIdLst>
-    <p:handoutMasterId r:id="rId8"/>
+    <p:handoutMasterId r:id="rId12"/>
   </p:handoutMasterIdLst>
   <p:sldIdLst>
     <p:sldId id="257" r:id="rId2"/>
     <p:sldId id="260" r:id="rId3"/>
     <p:sldId id="261" r:id="rId4"/>
     <p:sldId id="262" r:id="rId5"/>
-    <p:sldId id="259" r:id="rId6"/>
+    <p:sldId id="263" r:id="rId6"/>
+    <p:sldId id="266" r:id="rId7"/>
+    <p:sldId id="264" r:id="rId8"/>
+    <p:sldId id="265" r:id="rId9"/>
+    <p:sldId id="259" r:id="rId10"/>
   </p:sldIdLst>
   <p:sldSz cx="12192000" cy="6858000"/>
   <p:notesSz cx="6858000" cy="9144000"/>
   <p:embeddedFontLst>
     <p:embeddedFont>
       <p:font typeface="方正风雅宋简体" panose="02010600030101010101" charset="-122"/>
-      <p:regular r:id="rId9"/>
+      <p:regular r:id="rId13"/>
+    </p:embeddedFont>
+    <p:embeddedFont>
+      <p:font typeface="Calibri" panose="020F0502020204030204" pitchFamily="34" charset="0"/>
+      <p:regular r:id="rId14"/>
+      <p:bold r:id="rId15"/>
+      <p:italic r:id="rId16"/>
+      <p:boldItalic r:id="rId17"/>
+    </p:embeddedFont>
+    <p:embeddedFont>
+      <p:font typeface="方正铁筋隶书简体" panose="03000509000000000000" pitchFamily="65" charset="-122"/>
+      <p:regular r:id="rId18"/>
+    </p:embeddedFont>
+    <p:embeddedFont>
+      <p:font typeface="Microsoft YaHei UI" panose="020B0703020204020201" charset="-122"/>
+      <p:regular r:id="rId19"/>
+      <p:bold r:id="rId20"/>
     </p:embeddedFont>
     <p:embeddedFont>
       <p:font typeface="微软雅黑" panose="020B0503020204020204" pitchFamily="34" charset="-122"/>
-      <p:regular r:id="rId10"/>
-      <p:bold r:id="rId11"/>
-    </p:embeddedFont>
-    <p:embeddedFont>
-      <p:font typeface="方正铁筋隶书简体" panose="03000509000000000000" pitchFamily="65" charset="-122"/>
-      <p:regular r:id="rId12"/>
-    </p:embeddedFont>
-    <p:embeddedFont>
-      <p:font typeface="Calibri" panose="020F0502020204030204" pitchFamily="34" charset="0"/>
-      <p:regular r:id="rId13"/>
-      <p:bold r:id="rId14"/>
-      <p:italic r:id="rId15"/>
-      <p:boldItalic r:id="rId16"/>
-    </p:embeddedFont>
-    <p:embeddedFont>
-      <p:font typeface="Microsoft YaHei UI" panose="020B0703020204020201" charset="-122"/>
-      <p:regular r:id="rId17"/>
-      <p:bold r:id="rId18"/>
+      <p:regular r:id="rId21"/>
+      <p:bold r:id="rId22"/>
     </p:embeddedFont>
   </p:embeddedFontLst>
   <p:defaultTextStyle>
@@ -143,7 +147,7 @@
   </p:defaultTextStyle>
   <p:extLst>
     <p:ext uri="{EFAFB233-063F-42B5-8137-9DF3F51BA10A}">
-      <p15:sldGuideLst xmlns:p15="http://schemas.microsoft.com/office/powerpoint/2012/main" xmlns="">
+      <p15:sldGuideLst xmlns="" xmlns:p15="http://schemas.microsoft.com/office/powerpoint/2012/main">
         <p15:guide id="1" pos="3840" userDrawn="1">
           <p15:clr>
             <a:srgbClr val="A4A3A4"/>
@@ -157,7 +161,7 @@
       </p15:sldGuideLst>
     </p:ext>
     <p:ext uri="{2D200454-40CA-4A62-9FC3-DE9A4176ACB9}">
-      <p15:notesGuideLst xmlns:p15="http://schemas.microsoft.com/office/powerpoint/2012/main" xmlns=""/>
+      <p15:notesGuideLst xmlns="" xmlns:p15="http://schemas.microsoft.com/office/powerpoint/2012/main"/>
     </p:ext>
   </p:extLst>
 </p:presentation>
@@ -245,7 +249,7 @@
           <a:p>
             <a:fld id="{1DE6DDE5-00DC-4011-AAAC-1E3AEC5EBBB7}" type="datetimeFigureOut">
               <a:rPr lang="zh-CN" altLang="en-US" smtClean="0"/>
-              <a:t>2017/7/8</a:t>
+              <a:t>2017/7/10</a:t>
             </a:fld>
             <a:endParaRPr lang="zh-CN" altLang="en-US"/>
           </a:p>
@@ -410,7 +414,7 @@
           <a:p>
             <a:fld id="{05C67124-AD51-4EAA-B479-FB695B5F6809}" type="datetimeFigureOut">
               <a:rPr lang="zh-CN" altLang="en-US" smtClean="0"/>
-              <a:t>2017/7/8</a:t>
+              <a:t>2017/7/10</a:t>
             </a:fld>
             <a:endParaRPr lang="zh-CN" altLang="en-US"/>
           </a:p>
@@ -851,7 +855,7 @@
           <a:p>
             <a:fld id="{624A9BF4-B422-4A26-A5B5-57536F7ECFCE}" type="slidenum">
               <a:rPr lang="zh-CN" altLang="en-US" smtClean="0"/>
-              <a:t>5</a:t>
+              <a:t>9</a:t>
             </a:fld>
             <a:endParaRPr lang="zh-CN" altLang="en-US"/>
           </a:p>
@@ -1051,7 +1055,7 @@
           <a:p>
             <a:fld id="{DD8D4CDC-0B6F-49BB-989D-1F44EF11D580}" type="datetimeFigureOut">
               <a:rPr lang="zh-CN" altLang="en-US" smtClean="0"/>
-              <a:t>2017/7/8</a:t>
+              <a:t>2017/7/10</a:t>
             </a:fld>
             <a:endParaRPr lang="zh-CN" altLang="en-US"/>
           </a:p>
@@ -1221,7 +1225,7 @@
           <a:p>
             <a:fld id="{DD8D4CDC-0B6F-49BB-989D-1F44EF11D580}" type="datetimeFigureOut">
               <a:rPr lang="zh-CN" altLang="en-US" smtClean="0"/>
-              <a:t>2017/7/8</a:t>
+              <a:t>2017/7/10</a:t>
             </a:fld>
             <a:endParaRPr lang="zh-CN" altLang="en-US"/>
           </a:p>
@@ -1401,7 +1405,7 @@
           <a:p>
             <a:fld id="{DD8D4CDC-0B6F-49BB-989D-1F44EF11D580}" type="datetimeFigureOut">
               <a:rPr lang="zh-CN" altLang="en-US" smtClean="0"/>
-              <a:t>2017/7/8</a:t>
+              <a:t>2017/7/10</a:t>
             </a:fld>
             <a:endParaRPr lang="zh-CN" altLang="en-US"/>
           </a:p>
@@ -1732,7 +1736,7 @@
           <a:p>
             <a:fld id="{DD8D4CDC-0B6F-49BB-989D-1F44EF11D580}" type="datetimeFigureOut">
               <a:rPr lang="zh-CN" altLang="en-US" smtClean="0"/>
-              <a:t>2017/7/8</a:t>
+              <a:t>2017/7/10</a:t>
             </a:fld>
             <a:endParaRPr lang="zh-CN" altLang="en-US"/>
           </a:p>
@@ -1978,7 +1982,7 @@
           <a:p>
             <a:fld id="{DD8D4CDC-0B6F-49BB-989D-1F44EF11D580}" type="datetimeFigureOut">
               <a:rPr lang="zh-CN" altLang="en-US" smtClean="0"/>
-              <a:t>2017/7/8</a:t>
+              <a:t>2017/7/10</a:t>
             </a:fld>
             <a:endParaRPr lang="zh-CN" altLang="en-US"/>
           </a:p>
@@ -2266,7 +2270,7 @@
           <a:p>
             <a:fld id="{DD8D4CDC-0B6F-49BB-989D-1F44EF11D580}" type="datetimeFigureOut">
               <a:rPr lang="zh-CN" altLang="en-US" smtClean="0"/>
-              <a:t>2017/7/8</a:t>
+              <a:t>2017/7/10</a:t>
             </a:fld>
             <a:endParaRPr lang="zh-CN" altLang="en-US"/>
           </a:p>
@@ -2693,7 +2697,7 @@
           <a:p>
             <a:fld id="{DD8D4CDC-0B6F-49BB-989D-1F44EF11D580}" type="datetimeFigureOut">
               <a:rPr lang="zh-CN" altLang="en-US" smtClean="0"/>
-              <a:t>2017/7/8</a:t>
+              <a:t>2017/7/10</a:t>
             </a:fld>
             <a:endParaRPr lang="zh-CN" altLang="en-US"/>
           </a:p>
@@ -2811,7 +2815,7 @@
           <a:p>
             <a:fld id="{DD8D4CDC-0B6F-49BB-989D-1F44EF11D580}" type="datetimeFigureOut">
               <a:rPr lang="zh-CN" altLang="en-US" smtClean="0"/>
-              <a:t>2017/7/8</a:t>
+              <a:t>2017/7/10</a:t>
             </a:fld>
             <a:endParaRPr lang="zh-CN" altLang="en-US"/>
           </a:p>
@@ -2907,7 +2911,7 @@
             <a:fld id="{AE3EC3ED-7435-49F9-84C8-03CCA2F8DEDB}" type="datetime4">
               <a:rPr lang="en-US" smtClean="0"/>
               <a:pPr/>
-              <a:t>July 8, 2017</a:t>
+              <a:t>July 10, 2017</a:t>
             </a:fld>
             <a:endParaRPr lang="en-US"/>
           </a:p>
@@ -4068,7 +4072,7 @@
           <a:p>
             <a:fld id="{DD8D4CDC-0B6F-49BB-989D-1F44EF11D580}" type="datetimeFigureOut">
               <a:rPr lang="zh-CN" altLang="en-US" smtClean="0"/>
-              <a:t>2017/7/8</a:t>
+              <a:t>2017/7/10</a:t>
             </a:fld>
             <a:endParaRPr lang="zh-CN" altLang="en-US"/>
           </a:p>
@@ -4321,7 +4325,7 @@
           <a:p>
             <a:fld id="{DD8D4CDC-0B6F-49BB-989D-1F44EF11D580}" type="datetimeFigureOut">
               <a:rPr lang="zh-CN" altLang="en-US" smtClean="0"/>
-              <a:t>2017/7/8</a:t>
+              <a:t>2017/7/10</a:t>
             </a:fld>
             <a:endParaRPr lang="zh-CN" altLang="en-US"/>
           </a:p>
@@ -4534,7 +4538,7 @@
           <a:p>
             <a:fld id="{DD8D4CDC-0B6F-49BB-989D-1F44EF11D580}" type="datetimeFigureOut">
               <a:rPr lang="zh-CN" altLang="en-US" smtClean="0"/>
-              <a:t>2017/7/8</a:t>
+              <a:t>2017/7/10</a:t>
             </a:fld>
             <a:endParaRPr lang="zh-CN" altLang="en-US"/>
           </a:p>
@@ -7542,7 +7546,7 @@
               <a:t> </a:t>
             </a:r>
             <a:r>
-              <a:rPr lang="en-US" altLang="zh-CN" dirty="0" smtClean="0">
+              <a:rPr lang="en-US" altLang="zh-CN" dirty="0">
                 <a:solidFill>
                   <a:schemeClr val="bg1">
                     <a:lumMod val="50000"/>
@@ -7551,7 +7555,7 @@
                 <a:latin typeface="微软雅黑" panose="020B0503020204020204" pitchFamily="34" charset="-122"/>
                 <a:ea typeface="微软雅黑" panose="020B0503020204020204" pitchFamily="34" charset="-122"/>
               </a:rPr>
-              <a:t>Directory </a:t>
+              <a:t>Contents</a:t>
             </a:r>
             <a:endParaRPr lang="zh-CN" altLang="en-US" dirty="0">
               <a:solidFill>
@@ -7748,11 +7752,11 @@
   <p:clrMapOvr>
     <a:masterClrMapping/>
   </p:clrMapOvr>
-  <mc:AlternateContent xmlns:mc="http://schemas.openxmlformats.org/markup-compatibility/2006">
-    <mc:Choice xmlns:p14="http://schemas.microsoft.com/office/powerpoint/2010/main" Requires="p14">
+  <mc:AlternateContent xmlns:mc="http://schemas.openxmlformats.org/markup-compatibility/2006" xmlns:p14="http://schemas.microsoft.com/office/powerpoint/2010/main">
+    <mc:Choice Requires="p14">
       <p:transition p14:dur="10"/>
     </mc:Choice>
-    <mc:Fallback>
+    <mc:Fallback xmlns="">
       <p:transition/>
     </mc:Fallback>
   </mc:AlternateContent>
@@ -9076,19 +9080,6 @@
               <a:t>构造函数 </a:t>
             </a:r>
             <a:r>
-              <a:rPr lang="en-US" altLang="zh-CN" dirty="0" err="1">
-                <a:solidFill>
-                  <a:schemeClr val="tx1">
-                    <a:lumMod val="65000"/>
-                    <a:lumOff val="35000"/>
-                  </a:schemeClr>
-                </a:solidFill>
-                <a:latin typeface="微软雅黑" panose="020B0503020204020204" pitchFamily="34" charset="-122"/>
-                <a:ea typeface="微软雅黑" panose="020B0503020204020204" pitchFamily="34" charset="-122"/>
-              </a:rPr>
-              <a:t>Vue</a:t>
-            </a:r>
-            <a:r>
               <a:rPr lang="en-US" altLang="zh-CN" dirty="0">
                 <a:solidFill>
                   <a:schemeClr val="tx1">
@@ -9099,7 +9090,7 @@
                 <a:latin typeface="微软雅黑" panose="020B0503020204020204" pitchFamily="34" charset="-122"/>
                 <a:ea typeface="微软雅黑" panose="020B0503020204020204" pitchFamily="34" charset="-122"/>
               </a:rPr>
-              <a:t> </a:t>
+              <a:t>Vue </a:t>
             </a:r>
             <a:r>
               <a:rPr lang="zh-CN" altLang="en-US" dirty="0">
@@ -9115,19 +9106,6 @@
               <a:t>创建一个 </a:t>
             </a:r>
             <a:r>
-              <a:rPr lang="en-US" altLang="zh-CN" dirty="0" err="1">
-                <a:solidFill>
-                  <a:schemeClr val="tx1">
-                    <a:lumMod val="65000"/>
-                    <a:lumOff val="35000"/>
-                  </a:schemeClr>
-                </a:solidFill>
-                <a:latin typeface="微软雅黑" panose="020B0503020204020204" pitchFamily="34" charset="-122"/>
-                <a:ea typeface="微软雅黑" panose="020B0503020204020204" pitchFamily="34" charset="-122"/>
-              </a:rPr>
-              <a:t>Vue</a:t>
-            </a:r>
-            <a:r>
               <a:rPr lang="en-US" altLang="zh-CN" dirty="0">
                 <a:solidFill>
                   <a:schemeClr val="tx1">
@@ -9138,7 +9116,7 @@
                 <a:latin typeface="微软雅黑" panose="020B0503020204020204" pitchFamily="34" charset="-122"/>
                 <a:ea typeface="微软雅黑" panose="020B0503020204020204" pitchFamily="34" charset="-122"/>
               </a:rPr>
-              <a:t> </a:t>
+              <a:t>Vue </a:t>
             </a:r>
             <a:r>
               <a:rPr lang="zh-CN" altLang="en-US" dirty="0" smtClean="0">
@@ -9489,11 +9467,11 @@
   <p:clrMapOvr>
     <a:masterClrMapping/>
   </p:clrMapOvr>
-  <mc:AlternateContent xmlns:mc="http://schemas.openxmlformats.org/markup-compatibility/2006">
-    <mc:Choice xmlns:p14="http://schemas.microsoft.com/office/powerpoint/2010/main" Requires="p14">
+  <mc:AlternateContent xmlns:mc="http://schemas.openxmlformats.org/markup-compatibility/2006" xmlns:p14="http://schemas.microsoft.com/office/powerpoint/2010/main">
+    <mc:Choice Requires="p14">
       <p:transition p14:dur="10"/>
     </mc:Choice>
-    <mc:Fallback>
+    <mc:Fallback xmlns="">
       <p:transition/>
     </mc:Fallback>
   </mc:AlternateContent>
@@ -10376,7 +10354,19 @@
                 <a:latin typeface="微软雅黑" panose="020B0503020204020204" pitchFamily="34" charset="-122"/>
                 <a:ea typeface="微软雅黑" panose="020B0503020204020204" pitchFamily="34" charset="-122"/>
               </a:rPr>
-              <a:t>Hello World!</a:t>
+              <a:t>Vue </a:t>
+            </a:r>
+            <a:r>
+              <a:rPr lang="zh-CN" altLang="en-US" dirty="0" smtClean="0">
+                <a:solidFill>
+                  <a:schemeClr val="bg1">
+                    <a:lumMod val="50000"/>
+                  </a:schemeClr>
+                </a:solidFill>
+                <a:latin typeface="微软雅黑" panose="020B0503020204020204" pitchFamily="34" charset="-122"/>
+                <a:ea typeface="微软雅黑" panose="020B0503020204020204" pitchFamily="34" charset="-122"/>
+              </a:rPr>
+              <a:t>实例</a:t>
             </a:r>
             <a:endParaRPr lang="zh-CN" altLang="en-US" dirty="0">
               <a:solidFill>
@@ -10573,11 +10563,11 @@
   <p:clrMapOvr>
     <a:masterClrMapping/>
   </p:clrMapOvr>
-  <mc:AlternateContent xmlns:mc="http://schemas.openxmlformats.org/markup-compatibility/2006">
-    <mc:Choice xmlns:p14="http://schemas.microsoft.com/office/powerpoint/2010/main" Requires="p14">
+  <mc:AlternateContent xmlns:mc="http://schemas.openxmlformats.org/markup-compatibility/2006" xmlns:p14="http://schemas.microsoft.com/office/powerpoint/2010/main">
+    <mc:Choice Requires="p14">
       <p:transition p14:dur="10"/>
     </mc:Choice>
-    <mc:Fallback>
+    <mc:Fallback xmlns="">
       <p:transition/>
     </mc:Fallback>
   </mc:AlternateContent>
@@ -10592,6 +10582,4410 @@
 </file>
 
 <file path=ppt/slides/slide5.xml><?xml version="1.0" encoding="utf-8"?>
+<p:sld xmlns:a="http://schemas.openxmlformats.org/drawingml/2006/main" xmlns:r="http://schemas.openxmlformats.org/officeDocument/2006/relationships" xmlns:p="http://schemas.openxmlformats.org/presentationml/2006/main">
+  <p:cSld>
+    <p:spTree>
+      <p:nvGrpSpPr>
+        <p:cNvPr id="1" name=""/>
+        <p:cNvGrpSpPr/>
+        <p:nvPr/>
+      </p:nvGrpSpPr>
+      <p:grpSpPr>
+        <a:xfrm>
+          <a:off x="0" y="0"/>
+          <a:ext cx="0" cy="0"/>
+          <a:chOff x="0" y="0"/>
+          <a:chExt cx="0" cy="0"/>
+        </a:xfrm>
+      </p:grpSpPr>
+      <p:pic>
+        <p:nvPicPr>
+          <p:cNvPr id="4" name="Picture 2" descr="C:\Users\yepanmeng\Desktop\logo.png"/>
+          <p:cNvPicPr>
+            <a:picLocks noChangeAspect="1" noChangeArrowheads="1"/>
+          </p:cNvPicPr>
+          <p:nvPr/>
+        </p:nvPicPr>
+        <p:blipFill>
+          <a:blip r:embed="rId2" cstate="print">
+            <a:extLst>
+              <a:ext uri="{28A0092B-C50C-407E-A947-70E740481C1C}">
+                <a14:useLocalDpi xmlns:a14="http://schemas.microsoft.com/office/drawing/2010/main" val="0"/>
+              </a:ext>
+            </a:extLst>
+          </a:blip>
+          <a:srcRect/>
+          <a:stretch>
+            <a:fillRect/>
+          </a:stretch>
+        </p:blipFill>
+        <p:spPr bwMode="auto">
+          <a:xfrm rot="16200000">
+            <a:off x="-47617" y="373486"/>
+            <a:ext cx="592429" cy="592429"/>
+          </a:xfrm>
+          <a:prstGeom prst="rect">
+            <a:avLst/>
+          </a:prstGeom>
+          <a:noFill/>
+          <a:extLst>
+            <a:ext uri="{909E8E84-426E-40DD-AFC4-6F175D3DCCD1}">
+              <a14:hiddenFill xmlns:a14="http://schemas.microsoft.com/office/drawing/2010/main">
+                <a:solidFill>
+                  <a:srgbClr val="FFFFFF"/>
+                </a:solidFill>
+              </a14:hiddenFill>
+            </a:ext>
+          </a:extLst>
+        </p:spPr>
+      </p:pic>
+      <p:sp>
+        <p:nvSpPr>
+          <p:cNvPr id="5" name="等腰三角形 4"/>
+          <p:cNvSpPr/>
+          <p:nvPr/>
+        </p:nvSpPr>
+        <p:spPr>
+          <a:xfrm rot="16200000">
+            <a:off x="9600001" y="-320993"/>
+            <a:ext cx="736941" cy="635294"/>
+          </a:xfrm>
+          <a:prstGeom prst="triangle">
+            <a:avLst/>
+          </a:prstGeom>
+          <a:solidFill>
+            <a:schemeClr val="bg2">
+              <a:lumMod val="90000"/>
+              <a:alpha val="50196"/>
+            </a:schemeClr>
+          </a:solidFill>
+          <a:ln>
+            <a:noFill/>
+          </a:ln>
+        </p:spPr>
+        <p:style>
+          <a:lnRef idx="2">
+            <a:schemeClr val="accent1">
+              <a:shade val="50000"/>
+            </a:schemeClr>
+          </a:lnRef>
+          <a:fillRef idx="1">
+            <a:schemeClr val="accent1"/>
+          </a:fillRef>
+          <a:effectRef idx="0">
+            <a:schemeClr val="accent1"/>
+          </a:effectRef>
+          <a:fontRef idx="minor">
+            <a:schemeClr val="lt1"/>
+          </a:fontRef>
+        </p:style>
+        <p:txBody>
+          <a:bodyPr rtlCol="0" anchor="ctr"/>
+          <a:lstStyle/>
+          <a:p>
+            <a:pPr algn="ctr"/>
+            <a:endParaRPr lang="zh-CN" altLang="en-US"/>
+          </a:p>
+        </p:txBody>
+      </p:sp>
+      <p:sp>
+        <p:nvSpPr>
+          <p:cNvPr id="6" name="等腰三角形 5"/>
+          <p:cNvSpPr/>
+          <p:nvPr/>
+        </p:nvSpPr>
+        <p:spPr>
+          <a:xfrm rot="5400000">
+            <a:off x="10235294" y="-320993"/>
+            <a:ext cx="736941" cy="635294"/>
+          </a:xfrm>
+          <a:prstGeom prst="triangle">
+            <a:avLst/>
+          </a:prstGeom>
+          <a:solidFill>
+            <a:schemeClr val="bg1">
+              <a:lumMod val="85000"/>
+              <a:alpha val="50196"/>
+            </a:schemeClr>
+          </a:solidFill>
+          <a:ln>
+            <a:noFill/>
+          </a:ln>
+        </p:spPr>
+        <p:style>
+          <a:lnRef idx="2">
+            <a:schemeClr val="accent1">
+              <a:shade val="50000"/>
+            </a:schemeClr>
+          </a:lnRef>
+          <a:fillRef idx="1">
+            <a:schemeClr val="accent1"/>
+          </a:fillRef>
+          <a:effectRef idx="0">
+            <a:schemeClr val="accent1"/>
+          </a:effectRef>
+          <a:fontRef idx="minor">
+            <a:schemeClr val="lt1"/>
+          </a:fontRef>
+        </p:style>
+        <p:txBody>
+          <a:bodyPr rtlCol="0" anchor="ctr"/>
+          <a:lstStyle/>
+          <a:p>
+            <a:pPr algn="ctr"/>
+            <a:endParaRPr lang="zh-CN" altLang="en-US"/>
+          </a:p>
+        </p:txBody>
+      </p:sp>
+      <p:sp>
+        <p:nvSpPr>
+          <p:cNvPr id="7" name="等腰三角形 6"/>
+          <p:cNvSpPr/>
+          <p:nvPr/>
+        </p:nvSpPr>
+        <p:spPr>
+          <a:xfrm rot="16200000">
+            <a:off x="10870588" y="-320993"/>
+            <a:ext cx="736941" cy="635294"/>
+          </a:xfrm>
+          <a:prstGeom prst="triangle">
+            <a:avLst/>
+          </a:prstGeom>
+          <a:solidFill>
+            <a:schemeClr val="bg1">
+              <a:lumMod val="95000"/>
+              <a:alpha val="50196"/>
+            </a:schemeClr>
+          </a:solidFill>
+          <a:ln>
+            <a:noFill/>
+          </a:ln>
+        </p:spPr>
+        <p:style>
+          <a:lnRef idx="2">
+            <a:schemeClr val="accent1">
+              <a:shade val="50000"/>
+            </a:schemeClr>
+          </a:lnRef>
+          <a:fillRef idx="1">
+            <a:schemeClr val="accent1"/>
+          </a:fillRef>
+          <a:effectRef idx="0">
+            <a:schemeClr val="accent1"/>
+          </a:effectRef>
+          <a:fontRef idx="minor">
+            <a:schemeClr val="lt1"/>
+          </a:fontRef>
+        </p:style>
+        <p:txBody>
+          <a:bodyPr rtlCol="0" anchor="ctr"/>
+          <a:lstStyle/>
+          <a:p>
+            <a:pPr algn="ctr"/>
+            <a:endParaRPr lang="zh-CN" altLang="en-US"/>
+          </a:p>
+        </p:txBody>
+      </p:sp>
+      <p:sp>
+        <p:nvSpPr>
+          <p:cNvPr id="8" name="等腰三角形 7"/>
+          <p:cNvSpPr/>
+          <p:nvPr/>
+        </p:nvSpPr>
+        <p:spPr>
+          <a:xfrm rot="5400000">
+            <a:off x="11505882" y="-320993"/>
+            <a:ext cx="736941" cy="635294"/>
+          </a:xfrm>
+          <a:prstGeom prst="triangle">
+            <a:avLst/>
+          </a:prstGeom>
+          <a:solidFill>
+            <a:schemeClr val="bg2">
+              <a:alpha val="50196"/>
+            </a:schemeClr>
+          </a:solidFill>
+          <a:ln>
+            <a:noFill/>
+          </a:ln>
+        </p:spPr>
+        <p:style>
+          <a:lnRef idx="2">
+            <a:schemeClr val="accent1">
+              <a:shade val="50000"/>
+            </a:schemeClr>
+          </a:lnRef>
+          <a:fillRef idx="1">
+            <a:schemeClr val="accent1"/>
+          </a:fillRef>
+          <a:effectRef idx="0">
+            <a:schemeClr val="accent1"/>
+          </a:effectRef>
+          <a:fontRef idx="minor">
+            <a:schemeClr val="lt1"/>
+          </a:fontRef>
+        </p:style>
+        <p:txBody>
+          <a:bodyPr rtlCol="0" anchor="ctr"/>
+          <a:lstStyle/>
+          <a:p>
+            <a:pPr algn="ctr"/>
+            <a:endParaRPr lang="zh-CN" altLang="en-US"/>
+          </a:p>
+        </p:txBody>
+      </p:sp>
+      <p:sp>
+        <p:nvSpPr>
+          <p:cNvPr id="9" name="等腰三角形 8"/>
+          <p:cNvSpPr/>
+          <p:nvPr/>
+        </p:nvSpPr>
+        <p:spPr>
+          <a:xfrm rot="5400000">
+            <a:off x="9600001" y="47478"/>
+            <a:ext cx="736941" cy="635294"/>
+          </a:xfrm>
+          <a:prstGeom prst="triangle">
+            <a:avLst/>
+          </a:prstGeom>
+          <a:solidFill>
+            <a:schemeClr val="bg2">
+              <a:alpha val="50196"/>
+            </a:schemeClr>
+          </a:solidFill>
+          <a:ln>
+            <a:noFill/>
+          </a:ln>
+        </p:spPr>
+        <p:style>
+          <a:lnRef idx="2">
+            <a:schemeClr val="accent1">
+              <a:shade val="50000"/>
+            </a:schemeClr>
+          </a:lnRef>
+          <a:fillRef idx="1">
+            <a:schemeClr val="accent1"/>
+          </a:fillRef>
+          <a:effectRef idx="0">
+            <a:schemeClr val="accent1"/>
+          </a:effectRef>
+          <a:fontRef idx="minor">
+            <a:schemeClr val="lt1"/>
+          </a:fontRef>
+        </p:style>
+        <p:txBody>
+          <a:bodyPr rtlCol="0" anchor="ctr"/>
+          <a:lstStyle/>
+          <a:p>
+            <a:pPr algn="ctr"/>
+            <a:endParaRPr lang="zh-CN" altLang="en-US"/>
+          </a:p>
+        </p:txBody>
+      </p:sp>
+      <p:sp>
+        <p:nvSpPr>
+          <p:cNvPr id="10" name="等腰三角形 9"/>
+          <p:cNvSpPr/>
+          <p:nvPr/>
+        </p:nvSpPr>
+        <p:spPr>
+          <a:xfrm rot="16200000">
+            <a:off x="10235294" y="47478"/>
+            <a:ext cx="736941" cy="635294"/>
+          </a:xfrm>
+          <a:prstGeom prst="triangle">
+            <a:avLst/>
+          </a:prstGeom>
+          <a:solidFill>
+            <a:schemeClr val="bg1">
+              <a:lumMod val="95000"/>
+              <a:alpha val="50196"/>
+            </a:schemeClr>
+          </a:solidFill>
+          <a:ln>
+            <a:noFill/>
+          </a:ln>
+        </p:spPr>
+        <p:style>
+          <a:lnRef idx="2">
+            <a:schemeClr val="accent1">
+              <a:shade val="50000"/>
+            </a:schemeClr>
+          </a:lnRef>
+          <a:fillRef idx="1">
+            <a:schemeClr val="accent1"/>
+          </a:fillRef>
+          <a:effectRef idx="0">
+            <a:schemeClr val="accent1"/>
+          </a:effectRef>
+          <a:fontRef idx="minor">
+            <a:schemeClr val="lt1"/>
+          </a:fontRef>
+        </p:style>
+        <p:txBody>
+          <a:bodyPr rtlCol="0" anchor="ctr"/>
+          <a:lstStyle/>
+          <a:p>
+            <a:pPr algn="ctr"/>
+            <a:endParaRPr lang="zh-CN" altLang="en-US"/>
+          </a:p>
+        </p:txBody>
+      </p:sp>
+      <p:sp>
+        <p:nvSpPr>
+          <p:cNvPr id="11" name="等腰三角形 10"/>
+          <p:cNvSpPr/>
+          <p:nvPr/>
+        </p:nvSpPr>
+        <p:spPr>
+          <a:xfrm rot="5400000">
+            <a:off x="10870588" y="47478"/>
+            <a:ext cx="736941" cy="635294"/>
+          </a:xfrm>
+          <a:prstGeom prst="triangle">
+            <a:avLst/>
+          </a:prstGeom>
+          <a:solidFill>
+            <a:schemeClr val="bg1">
+              <a:alpha val="50196"/>
+            </a:schemeClr>
+          </a:solidFill>
+          <a:ln>
+            <a:noFill/>
+          </a:ln>
+        </p:spPr>
+        <p:style>
+          <a:lnRef idx="2">
+            <a:schemeClr val="accent1">
+              <a:shade val="50000"/>
+            </a:schemeClr>
+          </a:lnRef>
+          <a:fillRef idx="1">
+            <a:schemeClr val="accent1"/>
+          </a:fillRef>
+          <a:effectRef idx="0">
+            <a:schemeClr val="accent1"/>
+          </a:effectRef>
+          <a:fontRef idx="minor">
+            <a:schemeClr val="lt1"/>
+          </a:fontRef>
+        </p:style>
+        <p:txBody>
+          <a:bodyPr rtlCol="0" anchor="ctr"/>
+          <a:lstStyle/>
+          <a:p>
+            <a:pPr algn="ctr"/>
+            <a:endParaRPr lang="zh-CN" altLang="en-US"/>
+          </a:p>
+        </p:txBody>
+      </p:sp>
+      <p:sp>
+        <p:nvSpPr>
+          <p:cNvPr id="12" name="等腰三角形 11"/>
+          <p:cNvSpPr/>
+          <p:nvPr/>
+        </p:nvSpPr>
+        <p:spPr>
+          <a:xfrm rot="12600000">
+            <a:off x="10059450" y="490026"/>
+            <a:ext cx="736941" cy="635294"/>
+          </a:xfrm>
+          <a:prstGeom prst="triangle">
+            <a:avLst/>
+          </a:prstGeom>
+          <a:solidFill>
+            <a:schemeClr val="bg1">
+              <a:lumMod val="85000"/>
+              <a:alpha val="50196"/>
+            </a:schemeClr>
+          </a:solidFill>
+          <a:ln>
+            <a:noFill/>
+          </a:ln>
+        </p:spPr>
+        <p:style>
+          <a:lnRef idx="2">
+            <a:schemeClr val="accent1">
+              <a:shade val="50000"/>
+            </a:schemeClr>
+          </a:lnRef>
+          <a:fillRef idx="1">
+            <a:schemeClr val="accent1"/>
+          </a:fillRef>
+          <a:effectRef idx="0">
+            <a:schemeClr val="accent1"/>
+          </a:effectRef>
+          <a:fontRef idx="minor">
+            <a:schemeClr val="lt1"/>
+          </a:fontRef>
+        </p:style>
+        <p:txBody>
+          <a:bodyPr rtlCol="0" anchor="ctr"/>
+          <a:lstStyle/>
+          <a:p>
+            <a:pPr algn="ctr"/>
+            <a:endParaRPr lang="zh-CN" altLang="en-US"/>
+          </a:p>
+        </p:txBody>
+      </p:sp>
+      <p:sp>
+        <p:nvSpPr>
+          <p:cNvPr id="13" name="等腰三角形 12"/>
+          <p:cNvSpPr/>
+          <p:nvPr/>
+        </p:nvSpPr>
+        <p:spPr>
+          <a:xfrm rot="16200000">
+            <a:off x="10870588" y="415948"/>
+            <a:ext cx="736941" cy="635294"/>
+          </a:xfrm>
+          <a:prstGeom prst="triangle">
+            <a:avLst/>
+          </a:prstGeom>
+          <a:solidFill>
+            <a:schemeClr val="bg2">
+              <a:alpha val="50196"/>
+            </a:schemeClr>
+          </a:solidFill>
+          <a:ln>
+            <a:noFill/>
+          </a:ln>
+        </p:spPr>
+        <p:style>
+          <a:lnRef idx="2">
+            <a:schemeClr val="accent1">
+              <a:shade val="50000"/>
+            </a:schemeClr>
+          </a:lnRef>
+          <a:fillRef idx="1">
+            <a:schemeClr val="accent1"/>
+          </a:fillRef>
+          <a:effectRef idx="0">
+            <a:schemeClr val="accent1"/>
+          </a:effectRef>
+          <a:fontRef idx="minor">
+            <a:schemeClr val="lt1"/>
+          </a:fontRef>
+        </p:style>
+        <p:txBody>
+          <a:bodyPr rtlCol="0" anchor="ctr"/>
+          <a:lstStyle/>
+          <a:p>
+            <a:pPr algn="ctr"/>
+            <a:endParaRPr lang="zh-CN" altLang="en-US"/>
+          </a:p>
+        </p:txBody>
+      </p:sp>
+      <p:sp>
+        <p:nvSpPr>
+          <p:cNvPr id="14" name="等腰三角形 13"/>
+          <p:cNvSpPr/>
+          <p:nvPr/>
+        </p:nvSpPr>
+        <p:spPr>
+          <a:xfrm rot="5400000">
+            <a:off x="11505882" y="415948"/>
+            <a:ext cx="736941" cy="635294"/>
+          </a:xfrm>
+          <a:prstGeom prst="triangle">
+            <a:avLst/>
+          </a:prstGeom>
+          <a:solidFill>
+            <a:schemeClr val="bg2">
+              <a:lumMod val="90000"/>
+              <a:alpha val="50196"/>
+            </a:schemeClr>
+          </a:solidFill>
+          <a:ln>
+            <a:noFill/>
+          </a:ln>
+        </p:spPr>
+        <p:style>
+          <a:lnRef idx="2">
+            <a:schemeClr val="accent1">
+              <a:shade val="50000"/>
+            </a:schemeClr>
+          </a:lnRef>
+          <a:fillRef idx="1">
+            <a:schemeClr val="accent1"/>
+          </a:fillRef>
+          <a:effectRef idx="0">
+            <a:schemeClr val="accent1"/>
+          </a:effectRef>
+          <a:fontRef idx="minor">
+            <a:schemeClr val="lt1"/>
+          </a:fontRef>
+        </p:style>
+        <p:txBody>
+          <a:bodyPr rtlCol="0" anchor="ctr"/>
+          <a:lstStyle/>
+          <a:p>
+            <a:pPr algn="ctr"/>
+            <a:endParaRPr lang="zh-CN" altLang="en-US"/>
+          </a:p>
+        </p:txBody>
+      </p:sp>
+      <p:sp>
+        <p:nvSpPr>
+          <p:cNvPr id="15" name="等腰三角形 14"/>
+          <p:cNvSpPr/>
+          <p:nvPr/>
+        </p:nvSpPr>
+        <p:spPr>
+          <a:xfrm rot="5400000">
+            <a:off x="10870588" y="784418"/>
+            <a:ext cx="736941" cy="635294"/>
+          </a:xfrm>
+          <a:prstGeom prst="triangle">
+            <a:avLst/>
+          </a:prstGeom>
+          <a:solidFill>
+            <a:schemeClr val="bg1">
+              <a:lumMod val="95000"/>
+              <a:alpha val="50196"/>
+            </a:schemeClr>
+          </a:solidFill>
+          <a:ln>
+            <a:noFill/>
+          </a:ln>
+        </p:spPr>
+        <p:style>
+          <a:lnRef idx="2">
+            <a:schemeClr val="accent1">
+              <a:shade val="50000"/>
+            </a:schemeClr>
+          </a:lnRef>
+          <a:fillRef idx="1">
+            <a:schemeClr val="accent1"/>
+          </a:fillRef>
+          <a:effectRef idx="0">
+            <a:schemeClr val="accent1"/>
+          </a:effectRef>
+          <a:fontRef idx="minor">
+            <a:schemeClr val="lt1"/>
+          </a:fontRef>
+        </p:style>
+        <p:txBody>
+          <a:bodyPr rtlCol="0" anchor="ctr"/>
+          <a:lstStyle/>
+          <a:p>
+            <a:pPr algn="ctr"/>
+            <a:endParaRPr lang="zh-CN" altLang="en-US"/>
+          </a:p>
+        </p:txBody>
+      </p:sp>
+      <p:sp>
+        <p:nvSpPr>
+          <p:cNvPr id="16" name="等腰三角形 15"/>
+          <p:cNvSpPr/>
+          <p:nvPr/>
+        </p:nvSpPr>
+        <p:spPr>
+          <a:xfrm rot="16200000">
+            <a:off x="11505882" y="784418"/>
+            <a:ext cx="736941" cy="635294"/>
+          </a:xfrm>
+          <a:prstGeom prst="triangle">
+            <a:avLst/>
+          </a:prstGeom>
+          <a:solidFill>
+            <a:schemeClr val="bg1">
+              <a:lumMod val="95000"/>
+              <a:alpha val="50196"/>
+            </a:schemeClr>
+          </a:solidFill>
+          <a:ln>
+            <a:noFill/>
+          </a:ln>
+        </p:spPr>
+        <p:style>
+          <a:lnRef idx="2">
+            <a:schemeClr val="accent1">
+              <a:shade val="50000"/>
+            </a:schemeClr>
+          </a:lnRef>
+          <a:fillRef idx="1">
+            <a:schemeClr val="accent1"/>
+          </a:fillRef>
+          <a:effectRef idx="0">
+            <a:schemeClr val="accent1"/>
+          </a:effectRef>
+          <a:fontRef idx="minor">
+            <a:schemeClr val="lt1"/>
+          </a:fontRef>
+        </p:style>
+        <p:txBody>
+          <a:bodyPr rtlCol="0" anchor="ctr"/>
+          <a:lstStyle/>
+          <a:p>
+            <a:pPr algn="ctr"/>
+            <a:endParaRPr lang="zh-CN" altLang="en-US"/>
+          </a:p>
+        </p:txBody>
+      </p:sp>
+      <p:sp>
+        <p:nvSpPr>
+          <p:cNvPr id="17" name="等腰三角形 16"/>
+          <p:cNvSpPr/>
+          <p:nvPr/>
+        </p:nvSpPr>
+        <p:spPr>
+          <a:xfrm rot="16200000">
+            <a:off x="8964706" y="39089"/>
+            <a:ext cx="736941" cy="635294"/>
+          </a:xfrm>
+          <a:prstGeom prst="triangle">
+            <a:avLst/>
+          </a:prstGeom>
+          <a:solidFill>
+            <a:schemeClr val="bg1">
+              <a:lumMod val="95000"/>
+              <a:alpha val="50196"/>
+            </a:schemeClr>
+          </a:solidFill>
+          <a:ln>
+            <a:noFill/>
+          </a:ln>
+        </p:spPr>
+        <p:style>
+          <a:lnRef idx="2">
+            <a:schemeClr val="accent1">
+              <a:shade val="50000"/>
+            </a:schemeClr>
+          </a:lnRef>
+          <a:fillRef idx="1">
+            <a:schemeClr val="accent1"/>
+          </a:fillRef>
+          <a:effectRef idx="0">
+            <a:schemeClr val="accent1"/>
+          </a:effectRef>
+          <a:fontRef idx="minor">
+            <a:schemeClr val="lt1"/>
+          </a:fontRef>
+        </p:style>
+        <p:txBody>
+          <a:bodyPr rtlCol="0" anchor="ctr"/>
+          <a:lstStyle/>
+          <a:p>
+            <a:pPr algn="ctr"/>
+            <a:endParaRPr lang="zh-CN" altLang="en-US"/>
+          </a:p>
+        </p:txBody>
+      </p:sp>
+      <p:sp>
+        <p:nvSpPr>
+          <p:cNvPr id="18" name="等腰三角形 17"/>
+          <p:cNvSpPr/>
+          <p:nvPr/>
+        </p:nvSpPr>
+        <p:spPr>
+          <a:xfrm rot="5400000">
+            <a:off x="11505882" y="1152888"/>
+            <a:ext cx="736941" cy="635294"/>
+          </a:xfrm>
+          <a:prstGeom prst="triangle">
+            <a:avLst/>
+          </a:prstGeom>
+          <a:solidFill>
+            <a:schemeClr val="bg2">
+              <a:alpha val="50196"/>
+            </a:schemeClr>
+          </a:solidFill>
+          <a:ln>
+            <a:noFill/>
+          </a:ln>
+        </p:spPr>
+        <p:style>
+          <a:lnRef idx="2">
+            <a:schemeClr val="accent1">
+              <a:shade val="50000"/>
+            </a:schemeClr>
+          </a:lnRef>
+          <a:fillRef idx="1">
+            <a:schemeClr val="accent1"/>
+          </a:fillRef>
+          <a:effectRef idx="0">
+            <a:schemeClr val="accent1"/>
+          </a:effectRef>
+          <a:fontRef idx="minor">
+            <a:schemeClr val="lt1"/>
+          </a:fontRef>
+        </p:style>
+        <p:txBody>
+          <a:bodyPr rtlCol="0" anchor="ctr"/>
+          <a:lstStyle/>
+          <a:p>
+            <a:pPr algn="ctr"/>
+            <a:endParaRPr lang="zh-CN" altLang="en-US"/>
+          </a:p>
+        </p:txBody>
+      </p:sp>
+      <p:sp>
+        <p:nvSpPr>
+          <p:cNvPr id="19" name="等腰三角形 18"/>
+          <p:cNvSpPr/>
+          <p:nvPr/>
+        </p:nvSpPr>
+        <p:spPr>
+          <a:xfrm rot="16200000">
+            <a:off x="11505882" y="1521358"/>
+            <a:ext cx="736941" cy="635294"/>
+          </a:xfrm>
+          <a:prstGeom prst="triangle">
+            <a:avLst/>
+          </a:prstGeom>
+          <a:solidFill>
+            <a:schemeClr val="bg1">
+              <a:lumMod val="95000"/>
+              <a:alpha val="50196"/>
+            </a:schemeClr>
+          </a:solidFill>
+          <a:ln>
+            <a:noFill/>
+          </a:ln>
+        </p:spPr>
+        <p:style>
+          <a:lnRef idx="2">
+            <a:schemeClr val="accent1">
+              <a:shade val="50000"/>
+            </a:schemeClr>
+          </a:lnRef>
+          <a:fillRef idx="1">
+            <a:schemeClr val="accent1"/>
+          </a:fillRef>
+          <a:effectRef idx="0">
+            <a:schemeClr val="accent1"/>
+          </a:effectRef>
+          <a:fontRef idx="minor">
+            <a:schemeClr val="lt1"/>
+          </a:fontRef>
+        </p:style>
+        <p:txBody>
+          <a:bodyPr rtlCol="0" anchor="ctr"/>
+          <a:lstStyle/>
+          <a:p>
+            <a:pPr algn="ctr"/>
+            <a:endParaRPr lang="zh-CN" altLang="en-US"/>
+          </a:p>
+        </p:txBody>
+      </p:sp>
+      <p:sp>
+        <p:nvSpPr>
+          <p:cNvPr id="20" name="等腰三角形 19"/>
+          <p:cNvSpPr/>
+          <p:nvPr/>
+        </p:nvSpPr>
+        <p:spPr>
+          <a:xfrm rot="16200000">
+            <a:off x="11505883" y="1521356"/>
+            <a:ext cx="736941" cy="635294"/>
+          </a:xfrm>
+          <a:prstGeom prst="triangle">
+            <a:avLst/>
+          </a:prstGeom>
+          <a:solidFill>
+            <a:schemeClr val="bg1">
+              <a:lumMod val="85000"/>
+              <a:alpha val="50196"/>
+            </a:schemeClr>
+          </a:solidFill>
+          <a:ln>
+            <a:noFill/>
+          </a:ln>
+        </p:spPr>
+        <p:style>
+          <a:lnRef idx="2">
+            <a:schemeClr val="accent1">
+              <a:shade val="50000"/>
+            </a:schemeClr>
+          </a:lnRef>
+          <a:fillRef idx="1">
+            <a:schemeClr val="accent1"/>
+          </a:fillRef>
+          <a:effectRef idx="0">
+            <a:schemeClr val="accent1"/>
+          </a:effectRef>
+          <a:fontRef idx="minor">
+            <a:schemeClr val="lt1"/>
+          </a:fontRef>
+        </p:style>
+        <p:txBody>
+          <a:bodyPr rtlCol="0" anchor="ctr"/>
+          <a:lstStyle/>
+          <a:p>
+            <a:pPr algn="ctr"/>
+            <a:endParaRPr lang="zh-CN" altLang="en-US"/>
+          </a:p>
+        </p:txBody>
+      </p:sp>
+      <p:sp>
+        <p:nvSpPr>
+          <p:cNvPr id="63" name="TextBox 62"/>
+          <p:cNvSpPr txBox="1"/>
+          <p:nvPr/>
+        </p:nvSpPr>
+        <p:spPr>
+          <a:xfrm>
+            <a:off x="544812" y="300368"/>
+            <a:ext cx="3422709" cy="369332"/>
+          </a:xfrm>
+          <a:prstGeom prst="rect">
+            <a:avLst/>
+          </a:prstGeom>
+          <a:noFill/>
+        </p:spPr>
+        <p:txBody>
+          <a:bodyPr wrap="square" rtlCol="0">
+            <a:spAutoFit/>
+          </a:bodyPr>
+          <a:lstStyle/>
+          <a:p>
+            <a:r>
+              <a:rPr lang="zh-CN" altLang="en-US" dirty="0" smtClean="0">
+                <a:solidFill>
+                  <a:schemeClr val="bg1">
+                    <a:lumMod val="50000"/>
+                  </a:schemeClr>
+                </a:solidFill>
+                <a:latin typeface="微软雅黑" panose="020B0503020204020204" pitchFamily="34" charset="-122"/>
+                <a:ea typeface="微软雅黑" panose="020B0503020204020204" pitchFamily="34" charset="-122"/>
+              </a:rPr>
+              <a:t>模板语法</a:t>
+            </a:r>
+            <a:endParaRPr lang="zh-CN" altLang="en-US" dirty="0">
+              <a:solidFill>
+                <a:schemeClr val="bg1">
+                  <a:lumMod val="50000"/>
+                </a:schemeClr>
+              </a:solidFill>
+              <a:latin typeface="微软雅黑" panose="020B0503020204020204" pitchFamily="34" charset="-122"/>
+              <a:ea typeface="微软雅黑" panose="020B0503020204020204" pitchFamily="34" charset="-122"/>
+            </a:endParaRPr>
+          </a:p>
+        </p:txBody>
+      </p:sp>
+      <p:cxnSp>
+        <p:nvCxnSpPr>
+          <p:cNvPr id="65" name="直接连接符 64"/>
+          <p:cNvCxnSpPr/>
+          <p:nvPr/>
+        </p:nvCxnSpPr>
+        <p:spPr>
+          <a:xfrm>
+            <a:off x="637091" y="669700"/>
+            <a:ext cx="2827562" cy="0"/>
+          </a:xfrm>
+          <a:prstGeom prst="line">
+            <a:avLst/>
+          </a:prstGeom>
+          <a:ln>
+            <a:solidFill>
+              <a:schemeClr val="bg1">
+                <a:lumMod val="85000"/>
+              </a:schemeClr>
+            </a:solidFill>
+          </a:ln>
+        </p:spPr>
+        <p:style>
+          <a:lnRef idx="1">
+            <a:schemeClr val="accent4"/>
+          </a:lnRef>
+          <a:fillRef idx="0">
+            <a:schemeClr val="accent4"/>
+          </a:fillRef>
+          <a:effectRef idx="0">
+            <a:schemeClr val="accent4"/>
+          </a:effectRef>
+          <a:fontRef idx="minor">
+            <a:schemeClr val="tx1"/>
+          </a:fontRef>
+        </p:style>
+      </p:cxnSp>
+      <p:pic>
+        <p:nvPicPr>
+          <p:cNvPr id="66" name="Picture 2" descr="C:\Users\yepanmeng\Desktop\logo.png"/>
+          <p:cNvPicPr>
+            <a:picLocks noChangeAspect="1" noChangeArrowheads="1"/>
+          </p:cNvPicPr>
+          <p:nvPr/>
+        </p:nvPicPr>
+        <p:blipFill>
+          <a:blip r:embed="rId3" cstate="print">
+            <a:extLst>
+              <a:ext uri="{28A0092B-C50C-407E-A947-70E740481C1C}">
+                <a14:useLocalDpi xmlns:a14="http://schemas.microsoft.com/office/drawing/2010/main" val="0"/>
+              </a:ext>
+            </a:extLst>
+          </a:blip>
+          <a:srcRect/>
+          <a:stretch>
+            <a:fillRect/>
+          </a:stretch>
+        </p:blipFill>
+        <p:spPr bwMode="auto">
+          <a:xfrm rot="5400000">
+            <a:off x="11853862" y="6367223"/>
+            <a:ext cx="371695" cy="371695"/>
+          </a:xfrm>
+          <a:prstGeom prst="rect">
+            <a:avLst/>
+          </a:prstGeom>
+          <a:noFill/>
+          <a:extLst>
+            <a:ext uri="{909E8E84-426E-40DD-AFC4-6F175D3DCCD1}">
+              <a14:hiddenFill xmlns:a14="http://schemas.microsoft.com/office/drawing/2010/main">
+                <a:solidFill>
+                  <a:srgbClr val="FFFFFF"/>
+                </a:solidFill>
+              </a14:hiddenFill>
+            </a:ext>
+          </a:extLst>
+        </p:spPr>
+      </p:pic>
+      <p:sp>
+        <p:nvSpPr>
+          <p:cNvPr id="74" name="TextBox 73"/>
+          <p:cNvSpPr txBox="1"/>
+          <p:nvPr/>
+        </p:nvSpPr>
+        <p:spPr>
+          <a:xfrm>
+            <a:off x="11247447" y="6325278"/>
+            <a:ext cx="584961" cy="253916"/>
+          </a:xfrm>
+          <a:prstGeom prst="rect">
+            <a:avLst/>
+          </a:prstGeom>
+          <a:noFill/>
+        </p:spPr>
+        <p:txBody>
+          <a:bodyPr wrap="square" rtlCol="0">
+            <a:spAutoFit/>
+          </a:bodyPr>
+          <a:lstStyle/>
+          <a:p>
+            <a:r>
+              <a:rPr lang="en-US" altLang="zh-CN" sz="1050" dirty="0">
+                <a:solidFill>
+                  <a:schemeClr val="bg1">
+                    <a:lumMod val="50000"/>
+                  </a:schemeClr>
+                </a:solidFill>
+                <a:latin typeface="Microsoft YaHei UI" panose="020B0703020204020201" charset="-122"/>
+                <a:ea typeface="Microsoft YaHei UI" panose="020B0703020204020201" charset="-122"/>
+              </a:rPr>
+              <a:t>3</a:t>
+            </a:r>
+            <a:r>
+              <a:rPr lang="en-US" altLang="zh-CN" sz="1050" dirty="0" smtClean="0">
+                <a:solidFill>
+                  <a:schemeClr val="bg1">
+                    <a:lumMod val="50000"/>
+                  </a:schemeClr>
+                </a:solidFill>
+                <a:latin typeface="Microsoft YaHei UI" panose="020B0703020204020201" charset="-122"/>
+                <a:ea typeface="Microsoft YaHei UI" panose="020B0703020204020201" charset="-122"/>
+              </a:rPr>
+              <a:t> / 11</a:t>
+            </a:r>
+            <a:endParaRPr lang="zh-CN" altLang="en-US" sz="1050" dirty="0">
+              <a:solidFill>
+                <a:schemeClr val="bg1">
+                  <a:lumMod val="50000"/>
+                </a:schemeClr>
+              </a:solidFill>
+              <a:latin typeface="Microsoft YaHei UI" panose="020B0703020204020201" charset="-122"/>
+              <a:ea typeface="Microsoft YaHei UI" panose="020B0703020204020201" charset="-122"/>
+            </a:endParaRPr>
+          </a:p>
+        </p:txBody>
+      </p:sp>
+      <p:cxnSp>
+        <p:nvCxnSpPr>
+          <p:cNvPr id="80" name="直接连接符 79"/>
+          <p:cNvCxnSpPr/>
+          <p:nvPr/>
+        </p:nvCxnSpPr>
+        <p:spPr>
+          <a:xfrm flipH="1" flipV="1">
+            <a:off x="11289392" y="6553071"/>
+            <a:ext cx="480580" cy="1"/>
+          </a:xfrm>
+          <a:prstGeom prst="line">
+            <a:avLst/>
+          </a:prstGeom>
+          <a:ln>
+            <a:solidFill>
+              <a:schemeClr val="bg1">
+                <a:lumMod val="85000"/>
+              </a:schemeClr>
+            </a:solidFill>
+          </a:ln>
+        </p:spPr>
+        <p:style>
+          <a:lnRef idx="1">
+            <a:schemeClr val="accent1"/>
+          </a:lnRef>
+          <a:fillRef idx="0">
+            <a:schemeClr val="accent1"/>
+          </a:fillRef>
+          <a:effectRef idx="0">
+            <a:schemeClr val="accent1"/>
+          </a:effectRef>
+          <a:fontRef idx="minor">
+            <a:schemeClr val="tx1"/>
+          </a:fontRef>
+        </p:style>
+      </p:cxnSp>
+      <p:sp>
+        <p:nvSpPr>
+          <p:cNvPr id="2" name="矩形 1"/>
+          <p:cNvSpPr/>
+          <p:nvPr/>
+        </p:nvSpPr>
+        <p:spPr>
+          <a:xfrm>
+            <a:off x="1885520" y="1699304"/>
+            <a:ext cx="8082951" cy="1206119"/>
+          </a:xfrm>
+          <a:prstGeom prst="rect">
+            <a:avLst/>
+          </a:prstGeom>
+          <a:solidFill>
+            <a:schemeClr val="bg2"/>
+          </a:solidFill>
+          <a:ln>
+            <a:noFill/>
+          </a:ln>
+        </p:spPr>
+        <p:style>
+          <a:lnRef idx="2">
+            <a:schemeClr val="accent1">
+              <a:shade val="50000"/>
+            </a:schemeClr>
+          </a:lnRef>
+          <a:fillRef idx="1">
+            <a:schemeClr val="accent1"/>
+          </a:fillRef>
+          <a:effectRef idx="0">
+            <a:schemeClr val="accent1"/>
+          </a:effectRef>
+          <a:fontRef idx="minor">
+            <a:schemeClr val="lt1"/>
+          </a:fontRef>
+        </p:style>
+        <p:txBody>
+          <a:bodyPr rtlCol="0" anchor="ctr"/>
+          <a:lstStyle/>
+          <a:p>
+            <a:pPr algn="ctr"/>
+            <a:r>
+              <a:rPr lang="en-US" altLang="zh-CN" sz="2400" b="1" dirty="0">
+                <a:solidFill>
+                  <a:schemeClr val="tx1">
+                    <a:lumMod val="50000"/>
+                    <a:lumOff val="50000"/>
+                  </a:schemeClr>
+                </a:solidFill>
+                <a:latin typeface="Microsoft YaHei UI" panose="020B0703020204020201" charset="-122"/>
+                <a:ea typeface="Microsoft YaHei UI" panose="020B0703020204020201" charset="-122"/>
+              </a:rPr>
+              <a:t>&lt;span&gt;Message: {{ msg }}&lt;/span&gt;</a:t>
+            </a:r>
+            <a:endParaRPr lang="zh-CN" altLang="en-US" sz="2400" b="1" dirty="0">
+              <a:solidFill>
+                <a:schemeClr val="tx1">
+                  <a:lumMod val="50000"/>
+                  <a:lumOff val="50000"/>
+                </a:schemeClr>
+              </a:solidFill>
+              <a:latin typeface="Microsoft YaHei UI" panose="020B0703020204020201" charset="-122"/>
+              <a:ea typeface="Microsoft YaHei UI" panose="020B0703020204020201" charset="-122"/>
+            </a:endParaRPr>
+          </a:p>
+        </p:txBody>
+      </p:sp>
+    </p:spTree>
+    <p:extLst>
+      <p:ext uri="{BB962C8B-B14F-4D97-AF65-F5344CB8AC3E}">
+        <p14:creationId xmlns:p14="http://schemas.microsoft.com/office/powerpoint/2010/main" val="3263741874"/>
+      </p:ext>
+    </p:extLst>
+  </p:cSld>
+  <p:clrMapOvr>
+    <a:masterClrMapping/>
+  </p:clrMapOvr>
+  <mc:AlternateContent xmlns:mc="http://schemas.openxmlformats.org/markup-compatibility/2006" xmlns:p14="http://schemas.microsoft.com/office/powerpoint/2010/main">
+    <mc:Choice Requires="p14">
+      <p:transition p14:dur="10"/>
+    </mc:Choice>
+    <mc:Fallback xmlns="">
+      <p:transition/>
+    </mc:Fallback>
+  </mc:AlternateContent>
+  <p:timing>
+    <p:tnLst>
+      <p:par>
+        <p:cTn id="1" dur="indefinite" restart="never" nodeType="tmRoot"/>
+      </p:par>
+    </p:tnLst>
+  </p:timing>
+</p:sld>
+</file>
+
+<file path=ppt/slides/slide6.xml><?xml version="1.0" encoding="utf-8"?>
+<p:sld xmlns:a="http://schemas.openxmlformats.org/drawingml/2006/main" xmlns:r="http://schemas.openxmlformats.org/officeDocument/2006/relationships" xmlns:p="http://schemas.openxmlformats.org/presentationml/2006/main">
+  <p:cSld>
+    <p:spTree>
+      <p:nvGrpSpPr>
+        <p:cNvPr id="1" name=""/>
+        <p:cNvGrpSpPr/>
+        <p:nvPr/>
+      </p:nvGrpSpPr>
+      <p:grpSpPr>
+        <a:xfrm>
+          <a:off x="0" y="0"/>
+          <a:ext cx="0" cy="0"/>
+          <a:chOff x="0" y="0"/>
+          <a:chExt cx="0" cy="0"/>
+        </a:xfrm>
+      </p:grpSpPr>
+      <p:pic>
+        <p:nvPicPr>
+          <p:cNvPr id="4" name="Picture 2" descr="C:\Users\yepanmeng\Desktop\logo.png"/>
+          <p:cNvPicPr>
+            <a:picLocks noChangeAspect="1" noChangeArrowheads="1"/>
+          </p:cNvPicPr>
+          <p:nvPr/>
+        </p:nvPicPr>
+        <p:blipFill>
+          <a:blip r:embed="rId2" cstate="print">
+            <a:extLst>
+              <a:ext uri="{28A0092B-C50C-407E-A947-70E740481C1C}">
+                <a14:useLocalDpi xmlns:a14="http://schemas.microsoft.com/office/drawing/2010/main" val="0"/>
+              </a:ext>
+            </a:extLst>
+          </a:blip>
+          <a:srcRect/>
+          <a:stretch>
+            <a:fillRect/>
+          </a:stretch>
+        </p:blipFill>
+        <p:spPr bwMode="auto">
+          <a:xfrm rot="16200000">
+            <a:off x="-47617" y="373486"/>
+            <a:ext cx="592429" cy="592429"/>
+          </a:xfrm>
+          <a:prstGeom prst="rect">
+            <a:avLst/>
+          </a:prstGeom>
+          <a:noFill/>
+          <a:extLst>
+            <a:ext uri="{909E8E84-426E-40DD-AFC4-6F175D3DCCD1}">
+              <a14:hiddenFill xmlns:a14="http://schemas.microsoft.com/office/drawing/2010/main">
+                <a:solidFill>
+                  <a:srgbClr val="FFFFFF"/>
+                </a:solidFill>
+              </a14:hiddenFill>
+            </a:ext>
+          </a:extLst>
+        </p:spPr>
+      </p:pic>
+      <p:sp>
+        <p:nvSpPr>
+          <p:cNvPr id="5" name="等腰三角形 4"/>
+          <p:cNvSpPr/>
+          <p:nvPr/>
+        </p:nvSpPr>
+        <p:spPr>
+          <a:xfrm rot="16200000">
+            <a:off x="9600001" y="-320993"/>
+            <a:ext cx="736941" cy="635294"/>
+          </a:xfrm>
+          <a:prstGeom prst="triangle">
+            <a:avLst/>
+          </a:prstGeom>
+          <a:solidFill>
+            <a:schemeClr val="bg2">
+              <a:lumMod val="90000"/>
+              <a:alpha val="50196"/>
+            </a:schemeClr>
+          </a:solidFill>
+          <a:ln>
+            <a:noFill/>
+          </a:ln>
+        </p:spPr>
+        <p:style>
+          <a:lnRef idx="2">
+            <a:schemeClr val="accent1">
+              <a:shade val="50000"/>
+            </a:schemeClr>
+          </a:lnRef>
+          <a:fillRef idx="1">
+            <a:schemeClr val="accent1"/>
+          </a:fillRef>
+          <a:effectRef idx="0">
+            <a:schemeClr val="accent1"/>
+          </a:effectRef>
+          <a:fontRef idx="minor">
+            <a:schemeClr val="lt1"/>
+          </a:fontRef>
+        </p:style>
+        <p:txBody>
+          <a:bodyPr rtlCol="0" anchor="ctr"/>
+          <a:lstStyle/>
+          <a:p>
+            <a:pPr algn="ctr"/>
+            <a:endParaRPr lang="zh-CN" altLang="en-US"/>
+          </a:p>
+        </p:txBody>
+      </p:sp>
+      <p:sp>
+        <p:nvSpPr>
+          <p:cNvPr id="6" name="等腰三角形 5"/>
+          <p:cNvSpPr/>
+          <p:nvPr/>
+        </p:nvSpPr>
+        <p:spPr>
+          <a:xfrm rot="5400000">
+            <a:off x="10235294" y="-320993"/>
+            <a:ext cx="736941" cy="635294"/>
+          </a:xfrm>
+          <a:prstGeom prst="triangle">
+            <a:avLst/>
+          </a:prstGeom>
+          <a:solidFill>
+            <a:schemeClr val="bg1">
+              <a:lumMod val="85000"/>
+              <a:alpha val="50196"/>
+            </a:schemeClr>
+          </a:solidFill>
+          <a:ln>
+            <a:noFill/>
+          </a:ln>
+        </p:spPr>
+        <p:style>
+          <a:lnRef idx="2">
+            <a:schemeClr val="accent1">
+              <a:shade val="50000"/>
+            </a:schemeClr>
+          </a:lnRef>
+          <a:fillRef idx="1">
+            <a:schemeClr val="accent1"/>
+          </a:fillRef>
+          <a:effectRef idx="0">
+            <a:schemeClr val="accent1"/>
+          </a:effectRef>
+          <a:fontRef idx="minor">
+            <a:schemeClr val="lt1"/>
+          </a:fontRef>
+        </p:style>
+        <p:txBody>
+          <a:bodyPr rtlCol="0" anchor="ctr"/>
+          <a:lstStyle/>
+          <a:p>
+            <a:pPr algn="ctr"/>
+            <a:endParaRPr lang="zh-CN" altLang="en-US"/>
+          </a:p>
+        </p:txBody>
+      </p:sp>
+      <p:sp>
+        <p:nvSpPr>
+          <p:cNvPr id="7" name="等腰三角形 6"/>
+          <p:cNvSpPr/>
+          <p:nvPr/>
+        </p:nvSpPr>
+        <p:spPr>
+          <a:xfrm rot="16200000">
+            <a:off x="10870588" y="-320993"/>
+            <a:ext cx="736941" cy="635294"/>
+          </a:xfrm>
+          <a:prstGeom prst="triangle">
+            <a:avLst/>
+          </a:prstGeom>
+          <a:solidFill>
+            <a:schemeClr val="bg1">
+              <a:lumMod val="95000"/>
+              <a:alpha val="50196"/>
+            </a:schemeClr>
+          </a:solidFill>
+          <a:ln>
+            <a:noFill/>
+          </a:ln>
+        </p:spPr>
+        <p:style>
+          <a:lnRef idx="2">
+            <a:schemeClr val="accent1">
+              <a:shade val="50000"/>
+            </a:schemeClr>
+          </a:lnRef>
+          <a:fillRef idx="1">
+            <a:schemeClr val="accent1"/>
+          </a:fillRef>
+          <a:effectRef idx="0">
+            <a:schemeClr val="accent1"/>
+          </a:effectRef>
+          <a:fontRef idx="minor">
+            <a:schemeClr val="lt1"/>
+          </a:fontRef>
+        </p:style>
+        <p:txBody>
+          <a:bodyPr rtlCol="0" anchor="ctr"/>
+          <a:lstStyle/>
+          <a:p>
+            <a:pPr algn="ctr"/>
+            <a:endParaRPr lang="zh-CN" altLang="en-US"/>
+          </a:p>
+        </p:txBody>
+      </p:sp>
+      <p:sp>
+        <p:nvSpPr>
+          <p:cNvPr id="8" name="等腰三角形 7"/>
+          <p:cNvSpPr/>
+          <p:nvPr/>
+        </p:nvSpPr>
+        <p:spPr>
+          <a:xfrm rot="5400000">
+            <a:off x="11505882" y="-320993"/>
+            <a:ext cx="736941" cy="635294"/>
+          </a:xfrm>
+          <a:prstGeom prst="triangle">
+            <a:avLst/>
+          </a:prstGeom>
+          <a:solidFill>
+            <a:schemeClr val="bg2">
+              <a:alpha val="50196"/>
+            </a:schemeClr>
+          </a:solidFill>
+          <a:ln>
+            <a:noFill/>
+          </a:ln>
+        </p:spPr>
+        <p:style>
+          <a:lnRef idx="2">
+            <a:schemeClr val="accent1">
+              <a:shade val="50000"/>
+            </a:schemeClr>
+          </a:lnRef>
+          <a:fillRef idx="1">
+            <a:schemeClr val="accent1"/>
+          </a:fillRef>
+          <a:effectRef idx="0">
+            <a:schemeClr val="accent1"/>
+          </a:effectRef>
+          <a:fontRef idx="minor">
+            <a:schemeClr val="lt1"/>
+          </a:fontRef>
+        </p:style>
+        <p:txBody>
+          <a:bodyPr rtlCol="0" anchor="ctr"/>
+          <a:lstStyle/>
+          <a:p>
+            <a:pPr algn="ctr"/>
+            <a:endParaRPr lang="zh-CN" altLang="en-US"/>
+          </a:p>
+        </p:txBody>
+      </p:sp>
+      <p:sp>
+        <p:nvSpPr>
+          <p:cNvPr id="9" name="等腰三角形 8"/>
+          <p:cNvSpPr/>
+          <p:nvPr/>
+        </p:nvSpPr>
+        <p:spPr>
+          <a:xfrm rot="5400000">
+            <a:off x="9600001" y="47478"/>
+            <a:ext cx="736941" cy="635294"/>
+          </a:xfrm>
+          <a:prstGeom prst="triangle">
+            <a:avLst/>
+          </a:prstGeom>
+          <a:solidFill>
+            <a:schemeClr val="bg2">
+              <a:alpha val="50196"/>
+            </a:schemeClr>
+          </a:solidFill>
+          <a:ln>
+            <a:noFill/>
+          </a:ln>
+        </p:spPr>
+        <p:style>
+          <a:lnRef idx="2">
+            <a:schemeClr val="accent1">
+              <a:shade val="50000"/>
+            </a:schemeClr>
+          </a:lnRef>
+          <a:fillRef idx="1">
+            <a:schemeClr val="accent1"/>
+          </a:fillRef>
+          <a:effectRef idx="0">
+            <a:schemeClr val="accent1"/>
+          </a:effectRef>
+          <a:fontRef idx="minor">
+            <a:schemeClr val="lt1"/>
+          </a:fontRef>
+        </p:style>
+        <p:txBody>
+          <a:bodyPr rtlCol="0" anchor="ctr"/>
+          <a:lstStyle/>
+          <a:p>
+            <a:pPr algn="ctr"/>
+            <a:endParaRPr lang="zh-CN" altLang="en-US"/>
+          </a:p>
+        </p:txBody>
+      </p:sp>
+      <p:sp>
+        <p:nvSpPr>
+          <p:cNvPr id="10" name="等腰三角形 9"/>
+          <p:cNvSpPr/>
+          <p:nvPr/>
+        </p:nvSpPr>
+        <p:spPr>
+          <a:xfrm rot="16200000">
+            <a:off x="10235294" y="47478"/>
+            <a:ext cx="736941" cy="635294"/>
+          </a:xfrm>
+          <a:prstGeom prst="triangle">
+            <a:avLst/>
+          </a:prstGeom>
+          <a:solidFill>
+            <a:schemeClr val="bg1">
+              <a:lumMod val="95000"/>
+              <a:alpha val="50196"/>
+            </a:schemeClr>
+          </a:solidFill>
+          <a:ln>
+            <a:noFill/>
+          </a:ln>
+        </p:spPr>
+        <p:style>
+          <a:lnRef idx="2">
+            <a:schemeClr val="accent1">
+              <a:shade val="50000"/>
+            </a:schemeClr>
+          </a:lnRef>
+          <a:fillRef idx="1">
+            <a:schemeClr val="accent1"/>
+          </a:fillRef>
+          <a:effectRef idx="0">
+            <a:schemeClr val="accent1"/>
+          </a:effectRef>
+          <a:fontRef idx="minor">
+            <a:schemeClr val="lt1"/>
+          </a:fontRef>
+        </p:style>
+        <p:txBody>
+          <a:bodyPr rtlCol="0" anchor="ctr"/>
+          <a:lstStyle/>
+          <a:p>
+            <a:pPr algn="ctr"/>
+            <a:endParaRPr lang="zh-CN" altLang="en-US"/>
+          </a:p>
+        </p:txBody>
+      </p:sp>
+      <p:sp>
+        <p:nvSpPr>
+          <p:cNvPr id="11" name="等腰三角形 10"/>
+          <p:cNvSpPr/>
+          <p:nvPr/>
+        </p:nvSpPr>
+        <p:spPr>
+          <a:xfrm rot="5400000">
+            <a:off x="10870588" y="47478"/>
+            <a:ext cx="736941" cy="635294"/>
+          </a:xfrm>
+          <a:prstGeom prst="triangle">
+            <a:avLst/>
+          </a:prstGeom>
+          <a:solidFill>
+            <a:schemeClr val="bg1">
+              <a:alpha val="50196"/>
+            </a:schemeClr>
+          </a:solidFill>
+          <a:ln>
+            <a:noFill/>
+          </a:ln>
+        </p:spPr>
+        <p:style>
+          <a:lnRef idx="2">
+            <a:schemeClr val="accent1">
+              <a:shade val="50000"/>
+            </a:schemeClr>
+          </a:lnRef>
+          <a:fillRef idx="1">
+            <a:schemeClr val="accent1"/>
+          </a:fillRef>
+          <a:effectRef idx="0">
+            <a:schemeClr val="accent1"/>
+          </a:effectRef>
+          <a:fontRef idx="minor">
+            <a:schemeClr val="lt1"/>
+          </a:fontRef>
+        </p:style>
+        <p:txBody>
+          <a:bodyPr rtlCol="0" anchor="ctr"/>
+          <a:lstStyle/>
+          <a:p>
+            <a:pPr algn="ctr"/>
+            <a:endParaRPr lang="zh-CN" altLang="en-US"/>
+          </a:p>
+        </p:txBody>
+      </p:sp>
+      <p:sp>
+        <p:nvSpPr>
+          <p:cNvPr id="12" name="等腰三角形 11"/>
+          <p:cNvSpPr/>
+          <p:nvPr/>
+        </p:nvSpPr>
+        <p:spPr>
+          <a:xfrm rot="12600000">
+            <a:off x="10059450" y="490026"/>
+            <a:ext cx="736941" cy="635294"/>
+          </a:xfrm>
+          <a:prstGeom prst="triangle">
+            <a:avLst/>
+          </a:prstGeom>
+          <a:solidFill>
+            <a:schemeClr val="bg1">
+              <a:lumMod val="85000"/>
+              <a:alpha val="50196"/>
+            </a:schemeClr>
+          </a:solidFill>
+          <a:ln>
+            <a:noFill/>
+          </a:ln>
+        </p:spPr>
+        <p:style>
+          <a:lnRef idx="2">
+            <a:schemeClr val="accent1">
+              <a:shade val="50000"/>
+            </a:schemeClr>
+          </a:lnRef>
+          <a:fillRef idx="1">
+            <a:schemeClr val="accent1"/>
+          </a:fillRef>
+          <a:effectRef idx="0">
+            <a:schemeClr val="accent1"/>
+          </a:effectRef>
+          <a:fontRef idx="minor">
+            <a:schemeClr val="lt1"/>
+          </a:fontRef>
+        </p:style>
+        <p:txBody>
+          <a:bodyPr rtlCol="0" anchor="ctr"/>
+          <a:lstStyle/>
+          <a:p>
+            <a:pPr algn="ctr"/>
+            <a:endParaRPr lang="zh-CN" altLang="en-US"/>
+          </a:p>
+        </p:txBody>
+      </p:sp>
+      <p:sp>
+        <p:nvSpPr>
+          <p:cNvPr id="13" name="等腰三角形 12"/>
+          <p:cNvSpPr/>
+          <p:nvPr/>
+        </p:nvSpPr>
+        <p:spPr>
+          <a:xfrm rot="16200000">
+            <a:off x="10870588" y="415948"/>
+            <a:ext cx="736941" cy="635294"/>
+          </a:xfrm>
+          <a:prstGeom prst="triangle">
+            <a:avLst/>
+          </a:prstGeom>
+          <a:solidFill>
+            <a:schemeClr val="bg2">
+              <a:alpha val="50196"/>
+            </a:schemeClr>
+          </a:solidFill>
+          <a:ln>
+            <a:noFill/>
+          </a:ln>
+        </p:spPr>
+        <p:style>
+          <a:lnRef idx="2">
+            <a:schemeClr val="accent1">
+              <a:shade val="50000"/>
+            </a:schemeClr>
+          </a:lnRef>
+          <a:fillRef idx="1">
+            <a:schemeClr val="accent1"/>
+          </a:fillRef>
+          <a:effectRef idx="0">
+            <a:schemeClr val="accent1"/>
+          </a:effectRef>
+          <a:fontRef idx="minor">
+            <a:schemeClr val="lt1"/>
+          </a:fontRef>
+        </p:style>
+        <p:txBody>
+          <a:bodyPr rtlCol="0" anchor="ctr"/>
+          <a:lstStyle/>
+          <a:p>
+            <a:pPr algn="ctr"/>
+            <a:endParaRPr lang="zh-CN" altLang="en-US"/>
+          </a:p>
+        </p:txBody>
+      </p:sp>
+      <p:sp>
+        <p:nvSpPr>
+          <p:cNvPr id="14" name="等腰三角形 13"/>
+          <p:cNvSpPr/>
+          <p:nvPr/>
+        </p:nvSpPr>
+        <p:spPr>
+          <a:xfrm rot="5400000">
+            <a:off x="11505882" y="415948"/>
+            <a:ext cx="736941" cy="635294"/>
+          </a:xfrm>
+          <a:prstGeom prst="triangle">
+            <a:avLst/>
+          </a:prstGeom>
+          <a:solidFill>
+            <a:schemeClr val="bg2">
+              <a:lumMod val="90000"/>
+              <a:alpha val="50196"/>
+            </a:schemeClr>
+          </a:solidFill>
+          <a:ln>
+            <a:noFill/>
+          </a:ln>
+        </p:spPr>
+        <p:style>
+          <a:lnRef idx="2">
+            <a:schemeClr val="accent1">
+              <a:shade val="50000"/>
+            </a:schemeClr>
+          </a:lnRef>
+          <a:fillRef idx="1">
+            <a:schemeClr val="accent1"/>
+          </a:fillRef>
+          <a:effectRef idx="0">
+            <a:schemeClr val="accent1"/>
+          </a:effectRef>
+          <a:fontRef idx="minor">
+            <a:schemeClr val="lt1"/>
+          </a:fontRef>
+        </p:style>
+        <p:txBody>
+          <a:bodyPr rtlCol="0" anchor="ctr"/>
+          <a:lstStyle/>
+          <a:p>
+            <a:pPr algn="ctr"/>
+            <a:endParaRPr lang="zh-CN" altLang="en-US"/>
+          </a:p>
+        </p:txBody>
+      </p:sp>
+      <p:sp>
+        <p:nvSpPr>
+          <p:cNvPr id="15" name="等腰三角形 14"/>
+          <p:cNvSpPr/>
+          <p:nvPr/>
+        </p:nvSpPr>
+        <p:spPr>
+          <a:xfrm rot="5400000">
+            <a:off x="10870588" y="784418"/>
+            <a:ext cx="736941" cy="635294"/>
+          </a:xfrm>
+          <a:prstGeom prst="triangle">
+            <a:avLst/>
+          </a:prstGeom>
+          <a:solidFill>
+            <a:schemeClr val="bg1">
+              <a:lumMod val="95000"/>
+              <a:alpha val="50196"/>
+            </a:schemeClr>
+          </a:solidFill>
+          <a:ln>
+            <a:noFill/>
+          </a:ln>
+        </p:spPr>
+        <p:style>
+          <a:lnRef idx="2">
+            <a:schemeClr val="accent1">
+              <a:shade val="50000"/>
+            </a:schemeClr>
+          </a:lnRef>
+          <a:fillRef idx="1">
+            <a:schemeClr val="accent1"/>
+          </a:fillRef>
+          <a:effectRef idx="0">
+            <a:schemeClr val="accent1"/>
+          </a:effectRef>
+          <a:fontRef idx="minor">
+            <a:schemeClr val="lt1"/>
+          </a:fontRef>
+        </p:style>
+        <p:txBody>
+          <a:bodyPr rtlCol="0" anchor="ctr"/>
+          <a:lstStyle/>
+          <a:p>
+            <a:pPr algn="ctr"/>
+            <a:endParaRPr lang="zh-CN" altLang="en-US"/>
+          </a:p>
+        </p:txBody>
+      </p:sp>
+      <p:sp>
+        <p:nvSpPr>
+          <p:cNvPr id="16" name="等腰三角形 15"/>
+          <p:cNvSpPr/>
+          <p:nvPr/>
+        </p:nvSpPr>
+        <p:spPr>
+          <a:xfrm rot="16200000">
+            <a:off x="11505882" y="784418"/>
+            <a:ext cx="736941" cy="635294"/>
+          </a:xfrm>
+          <a:prstGeom prst="triangle">
+            <a:avLst/>
+          </a:prstGeom>
+          <a:solidFill>
+            <a:schemeClr val="bg1">
+              <a:lumMod val="95000"/>
+              <a:alpha val="50196"/>
+            </a:schemeClr>
+          </a:solidFill>
+          <a:ln>
+            <a:noFill/>
+          </a:ln>
+        </p:spPr>
+        <p:style>
+          <a:lnRef idx="2">
+            <a:schemeClr val="accent1">
+              <a:shade val="50000"/>
+            </a:schemeClr>
+          </a:lnRef>
+          <a:fillRef idx="1">
+            <a:schemeClr val="accent1"/>
+          </a:fillRef>
+          <a:effectRef idx="0">
+            <a:schemeClr val="accent1"/>
+          </a:effectRef>
+          <a:fontRef idx="minor">
+            <a:schemeClr val="lt1"/>
+          </a:fontRef>
+        </p:style>
+        <p:txBody>
+          <a:bodyPr rtlCol="0" anchor="ctr"/>
+          <a:lstStyle/>
+          <a:p>
+            <a:pPr algn="ctr"/>
+            <a:endParaRPr lang="zh-CN" altLang="en-US"/>
+          </a:p>
+        </p:txBody>
+      </p:sp>
+      <p:sp>
+        <p:nvSpPr>
+          <p:cNvPr id="17" name="等腰三角形 16"/>
+          <p:cNvSpPr/>
+          <p:nvPr/>
+        </p:nvSpPr>
+        <p:spPr>
+          <a:xfrm rot="16200000">
+            <a:off x="8964706" y="39089"/>
+            <a:ext cx="736941" cy="635294"/>
+          </a:xfrm>
+          <a:prstGeom prst="triangle">
+            <a:avLst/>
+          </a:prstGeom>
+          <a:solidFill>
+            <a:schemeClr val="bg1">
+              <a:lumMod val="95000"/>
+              <a:alpha val="50196"/>
+            </a:schemeClr>
+          </a:solidFill>
+          <a:ln>
+            <a:noFill/>
+          </a:ln>
+        </p:spPr>
+        <p:style>
+          <a:lnRef idx="2">
+            <a:schemeClr val="accent1">
+              <a:shade val="50000"/>
+            </a:schemeClr>
+          </a:lnRef>
+          <a:fillRef idx="1">
+            <a:schemeClr val="accent1"/>
+          </a:fillRef>
+          <a:effectRef idx="0">
+            <a:schemeClr val="accent1"/>
+          </a:effectRef>
+          <a:fontRef idx="minor">
+            <a:schemeClr val="lt1"/>
+          </a:fontRef>
+        </p:style>
+        <p:txBody>
+          <a:bodyPr rtlCol="0" anchor="ctr"/>
+          <a:lstStyle/>
+          <a:p>
+            <a:pPr algn="ctr"/>
+            <a:endParaRPr lang="zh-CN" altLang="en-US"/>
+          </a:p>
+        </p:txBody>
+      </p:sp>
+      <p:sp>
+        <p:nvSpPr>
+          <p:cNvPr id="18" name="等腰三角形 17"/>
+          <p:cNvSpPr/>
+          <p:nvPr/>
+        </p:nvSpPr>
+        <p:spPr>
+          <a:xfrm rot="5400000">
+            <a:off x="11505882" y="1152888"/>
+            <a:ext cx="736941" cy="635294"/>
+          </a:xfrm>
+          <a:prstGeom prst="triangle">
+            <a:avLst/>
+          </a:prstGeom>
+          <a:solidFill>
+            <a:schemeClr val="bg2">
+              <a:alpha val="50196"/>
+            </a:schemeClr>
+          </a:solidFill>
+          <a:ln>
+            <a:noFill/>
+          </a:ln>
+        </p:spPr>
+        <p:style>
+          <a:lnRef idx="2">
+            <a:schemeClr val="accent1">
+              <a:shade val="50000"/>
+            </a:schemeClr>
+          </a:lnRef>
+          <a:fillRef idx="1">
+            <a:schemeClr val="accent1"/>
+          </a:fillRef>
+          <a:effectRef idx="0">
+            <a:schemeClr val="accent1"/>
+          </a:effectRef>
+          <a:fontRef idx="minor">
+            <a:schemeClr val="lt1"/>
+          </a:fontRef>
+        </p:style>
+        <p:txBody>
+          <a:bodyPr rtlCol="0" anchor="ctr"/>
+          <a:lstStyle/>
+          <a:p>
+            <a:pPr algn="ctr"/>
+            <a:endParaRPr lang="zh-CN" altLang="en-US"/>
+          </a:p>
+        </p:txBody>
+      </p:sp>
+      <p:sp>
+        <p:nvSpPr>
+          <p:cNvPr id="19" name="等腰三角形 18"/>
+          <p:cNvSpPr/>
+          <p:nvPr/>
+        </p:nvSpPr>
+        <p:spPr>
+          <a:xfrm rot="16200000">
+            <a:off x="11505882" y="1521358"/>
+            <a:ext cx="736941" cy="635294"/>
+          </a:xfrm>
+          <a:prstGeom prst="triangle">
+            <a:avLst/>
+          </a:prstGeom>
+          <a:solidFill>
+            <a:schemeClr val="bg1">
+              <a:lumMod val="95000"/>
+              <a:alpha val="50196"/>
+            </a:schemeClr>
+          </a:solidFill>
+          <a:ln>
+            <a:noFill/>
+          </a:ln>
+        </p:spPr>
+        <p:style>
+          <a:lnRef idx="2">
+            <a:schemeClr val="accent1">
+              <a:shade val="50000"/>
+            </a:schemeClr>
+          </a:lnRef>
+          <a:fillRef idx="1">
+            <a:schemeClr val="accent1"/>
+          </a:fillRef>
+          <a:effectRef idx="0">
+            <a:schemeClr val="accent1"/>
+          </a:effectRef>
+          <a:fontRef idx="minor">
+            <a:schemeClr val="lt1"/>
+          </a:fontRef>
+        </p:style>
+        <p:txBody>
+          <a:bodyPr rtlCol="0" anchor="ctr"/>
+          <a:lstStyle/>
+          <a:p>
+            <a:pPr algn="ctr"/>
+            <a:endParaRPr lang="zh-CN" altLang="en-US"/>
+          </a:p>
+        </p:txBody>
+      </p:sp>
+      <p:sp>
+        <p:nvSpPr>
+          <p:cNvPr id="20" name="等腰三角形 19"/>
+          <p:cNvSpPr/>
+          <p:nvPr/>
+        </p:nvSpPr>
+        <p:spPr>
+          <a:xfrm rot="16200000">
+            <a:off x="11505883" y="1521356"/>
+            <a:ext cx="736941" cy="635294"/>
+          </a:xfrm>
+          <a:prstGeom prst="triangle">
+            <a:avLst/>
+          </a:prstGeom>
+          <a:solidFill>
+            <a:schemeClr val="bg1">
+              <a:lumMod val="85000"/>
+              <a:alpha val="50196"/>
+            </a:schemeClr>
+          </a:solidFill>
+          <a:ln>
+            <a:noFill/>
+          </a:ln>
+        </p:spPr>
+        <p:style>
+          <a:lnRef idx="2">
+            <a:schemeClr val="accent1">
+              <a:shade val="50000"/>
+            </a:schemeClr>
+          </a:lnRef>
+          <a:fillRef idx="1">
+            <a:schemeClr val="accent1"/>
+          </a:fillRef>
+          <a:effectRef idx="0">
+            <a:schemeClr val="accent1"/>
+          </a:effectRef>
+          <a:fontRef idx="minor">
+            <a:schemeClr val="lt1"/>
+          </a:fontRef>
+        </p:style>
+        <p:txBody>
+          <a:bodyPr rtlCol="0" anchor="ctr"/>
+          <a:lstStyle/>
+          <a:p>
+            <a:pPr algn="ctr"/>
+            <a:endParaRPr lang="zh-CN" altLang="en-US"/>
+          </a:p>
+        </p:txBody>
+      </p:sp>
+      <p:sp>
+        <p:nvSpPr>
+          <p:cNvPr id="63" name="TextBox 62"/>
+          <p:cNvSpPr txBox="1"/>
+          <p:nvPr/>
+        </p:nvSpPr>
+        <p:spPr>
+          <a:xfrm>
+            <a:off x="544812" y="300368"/>
+            <a:ext cx="3422709" cy="369332"/>
+          </a:xfrm>
+          <a:prstGeom prst="rect">
+            <a:avLst/>
+          </a:prstGeom>
+          <a:noFill/>
+        </p:spPr>
+        <p:txBody>
+          <a:bodyPr wrap="square" rtlCol="0">
+            <a:spAutoFit/>
+          </a:bodyPr>
+          <a:lstStyle/>
+          <a:p>
+            <a:r>
+              <a:rPr lang="en-US" altLang="zh-CN" dirty="0" smtClean="0">
+                <a:solidFill>
+                  <a:schemeClr val="bg1">
+                    <a:lumMod val="50000"/>
+                  </a:schemeClr>
+                </a:solidFill>
+                <a:latin typeface="微软雅黑" panose="020B0503020204020204" pitchFamily="34" charset="-122"/>
+                <a:ea typeface="微软雅黑" panose="020B0503020204020204" pitchFamily="34" charset="-122"/>
+              </a:rPr>
+              <a:t>Hello World!</a:t>
+            </a:r>
+            <a:endParaRPr lang="zh-CN" altLang="en-US" dirty="0">
+              <a:solidFill>
+                <a:schemeClr val="bg1">
+                  <a:lumMod val="50000"/>
+                </a:schemeClr>
+              </a:solidFill>
+              <a:latin typeface="微软雅黑" panose="020B0503020204020204" pitchFamily="34" charset="-122"/>
+              <a:ea typeface="微软雅黑" panose="020B0503020204020204" pitchFamily="34" charset="-122"/>
+            </a:endParaRPr>
+          </a:p>
+        </p:txBody>
+      </p:sp>
+      <p:cxnSp>
+        <p:nvCxnSpPr>
+          <p:cNvPr id="65" name="直接连接符 64"/>
+          <p:cNvCxnSpPr/>
+          <p:nvPr/>
+        </p:nvCxnSpPr>
+        <p:spPr>
+          <a:xfrm>
+            <a:off x="637091" y="669700"/>
+            <a:ext cx="2827562" cy="0"/>
+          </a:xfrm>
+          <a:prstGeom prst="line">
+            <a:avLst/>
+          </a:prstGeom>
+          <a:ln>
+            <a:solidFill>
+              <a:schemeClr val="bg1">
+                <a:lumMod val="85000"/>
+              </a:schemeClr>
+            </a:solidFill>
+          </a:ln>
+        </p:spPr>
+        <p:style>
+          <a:lnRef idx="1">
+            <a:schemeClr val="accent4"/>
+          </a:lnRef>
+          <a:fillRef idx="0">
+            <a:schemeClr val="accent4"/>
+          </a:fillRef>
+          <a:effectRef idx="0">
+            <a:schemeClr val="accent4"/>
+          </a:effectRef>
+          <a:fontRef idx="minor">
+            <a:schemeClr val="tx1"/>
+          </a:fontRef>
+        </p:style>
+      </p:cxnSp>
+      <p:pic>
+        <p:nvPicPr>
+          <p:cNvPr id="66" name="Picture 2" descr="C:\Users\yepanmeng\Desktop\logo.png"/>
+          <p:cNvPicPr>
+            <a:picLocks noChangeAspect="1" noChangeArrowheads="1"/>
+          </p:cNvPicPr>
+          <p:nvPr/>
+        </p:nvPicPr>
+        <p:blipFill>
+          <a:blip r:embed="rId3" cstate="print">
+            <a:extLst>
+              <a:ext uri="{28A0092B-C50C-407E-A947-70E740481C1C}">
+                <a14:useLocalDpi xmlns:a14="http://schemas.microsoft.com/office/drawing/2010/main" val="0"/>
+              </a:ext>
+            </a:extLst>
+          </a:blip>
+          <a:srcRect/>
+          <a:stretch>
+            <a:fillRect/>
+          </a:stretch>
+        </p:blipFill>
+        <p:spPr bwMode="auto">
+          <a:xfrm rot="5400000">
+            <a:off x="11853862" y="6367223"/>
+            <a:ext cx="371695" cy="371695"/>
+          </a:xfrm>
+          <a:prstGeom prst="rect">
+            <a:avLst/>
+          </a:prstGeom>
+          <a:noFill/>
+          <a:extLst>
+            <a:ext uri="{909E8E84-426E-40DD-AFC4-6F175D3DCCD1}">
+              <a14:hiddenFill xmlns:a14="http://schemas.microsoft.com/office/drawing/2010/main">
+                <a:solidFill>
+                  <a:srgbClr val="FFFFFF"/>
+                </a:solidFill>
+              </a14:hiddenFill>
+            </a:ext>
+          </a:extLst>
+        </p:spPr>
+      </p:pic>
+      <p:sp>
+        <p:nvSpPr>
+          <p:cNvPr id="74" name="TextBox 73"/>
+          <p:cNvSpPr txBox="1"/>
+          <p:nvPr/>
+        </p:nvSpPr>
+        <p:spPr>
+          <a:xfrm>
+            <a:off x="11247447" y="6325278"/>
+            <a:ext cx="584961" cy="253916"/>
+          </a:xfrm>
+          <a:prstGeom prst="rect">
+            <a:avLst/>
+          </a:prstGeom>
+          <a:noFill/>
+        </p:spPr>
+        <p:txBody>
+          <a:bodyPr wrap="square" rtlCol="0">
+            <a:spAutoFit/>
+          </a:bodyPr>
+          <a:lstStyle/>
+          <a:p>
+            <a:r>
+              <a:rPr lang="en-US" altLang="zh-CN" sz="1050" dirty="0">
+                <a:solidFill>
+                  <a:schemeClr val="bg1">
+                    <a:lumMod val="50000"/>
+                  </a:schemeClr>
+                </a:solidFill>
+                <a:latin typeface="Microsoft YaHei UI" panose="020B0703020204020201" charset="-122"/>
+                <a:ea typeface="Microsoft YaHei UI" panose="020B0703020204020201" charset="-122"/>
+              </a:rPr>
+              <a:t>3</a:t>
+            </a:r>
+            <a:r>
+              <a:rPr lang="en-US" altLang="zh-CN" sz="1050" dirty="0" smtClean="0">
+                <a:solidFill>
+                  <a:schemeClr val="bg1">
+                    <a:lumMod val="50000"/>
+                  </a:schemeClr>
+                </a:solidFill>
+                <a:latin typeface="Microsoft YaHei UI" panose="020B0703020204020201" charset="-122"/>
+                <a:ea typeface="Microsoft YaHei UI" panose="020B0703020204020201" charset="-122"/>
+              </a:rPr>
+              <a:t> / 11</a:t>
+            </a:r>
+            <a:endParaRPr lang="zh-CN" altLang="en-US" sz="1050" dirty="0">
+              <a:solidFill>
+                <a:schemeClr val="bg1">
+                  <a:lumMod val="50000"/>
+                </a:schemeClr>
+              </a:solidFill>
+              <a:latin typeface="Microsoft YaHei UI" panose="020B0703020204020201" charset="-122"/>
+              <a:ea typeface="Microsoft YaHei UI" panose="020B0703020204020201" charset="-122"/>
+            </a:endParaRPr>
+          </a:p>
+        </p:txBody>
+      </p:sp>
+      <p:cxnSp>
+        <p:nvCxnSpPr>
+          <p:cNvPr id="80" name="直接连接符 79"/>
+          <p:cNvCxnSpPr/>
+          <p:nvPr/>
+        </p:nvCxnSpPr>
+        <p:spPr>
+          <a:xfrm flipH="1" flipV="1">
+            <a:off x="11289392" y="6553071"/>
+            <a:ext cx="480580" cy="1"/>
+          </a:xfrm>
+          <a:prstGeom prst="line">
+            <a:avLst/>
+          </a:prstGeom>
+          <a:ln>
+            <a:solidFill>
+              <a:schemeClr val="bg1">
+                <a:lumMod val="85000"/>
+              </a:schemeClr>
+            </a:solidFill>
+          </a:ln>
+        </p:spPr>
+        <p:style>
+          <a:lnRef idx="1">
+            <a:schemeClr val="accent1"/>
+          </a:lnRef>
+          <a:fillRef idx="0">
+            <a:schemeClr val="accent1"/>
+          </a:fillRef>
+          <a:effectRef idx="0">
+            <a:schemeClr val="accent1"/>
+          </a:effectRef>
+          <a:fontRef idx="minor">
+            <a:schemeClr val="tx1"/>
+          </a:fontRef>
+        </p:style>
+      </p:cxnSp>
+    </p:spTree>
+    <p:extLst>
+      <p:ext uri="{BB962C8B-B14F-4D97-AF65-F5344CB8AC3E}">
+        <p14:creationId xmlns:p14="http://schemas.microsoft.com/office/powerpoint/2010/main" val="627836459"/>
+      </p:ext>
+    </p:extLst>
+  </p:cSld>
+  <p:clrMapOvr>
+    <a:masterClrMapping/>
+  </p:clrMapOvr>
+  <mc:AlternateContent xmlns:mc="http://schemas.openxmlformats.org/markup-compatibility/2006" xmlns:p14="http://schemas.microsoft.com/office/powerpoint/2010/main">
+    <mc:Choice Requires="p14">
+      <p:transition p14:dur="10"/>
+    </mc:Choice>
+    <mc:Fallback xmlns="">
+      <p:transition/>
+    </mc:Fallback>
+  </mc:AlternateContent>
+  <p:timing>
+    <p:tnLst>
+      <p:par>
+        <p:cTn id="1" dur="indefinite" restart="never" nodeType="tmRoot"/>
+      </p:par>
+    </p:tnLst>
+  </p:timing>
+</p:sld>
+</file>
+
+<file path=ppt/slides/slide7.xml><?xml version="1.0" encoding="utf-8"?>
+<p:sld xmlns:a="http://schemas.openxmlformats.org/drawingml/2006/main" xmlns:r="http://schemas.openxmlformats.org/officeDocument/2006/relationships" xmlns:p="http://schemas.openxmlformats.org/presentationml/2006/main">
+  <p:cSld>
+    <p:spTree>
+      <p:nvGrpSpPr>
+        <p:cNvPr id="1" name=""/>
+        <p:cNvGrpSpPr/>
+        <p:nvPr/>
+      </p:nvGrpSpPr>
+      <p:grpSpPr>
+        <a:xfrm>
+          <a:off x="0" y="0"/>
+          <a:ext cx="0" cy="0"/>
+          <a:chOff x="0" y="0"/>
+          <a:chExt cx="0" cy="0"/>
+        </a:xfrm>
+      </p:grpSpPr>
+      <p:pic>
+        <p:nvPicPr>
+          <p:cNvPr id="4" name="Picture 2" descr="C:\Users\yepanmeng\Desktop\logo.png"/>
+          <p:cNvPicPr>
+            <a:picLocks noChangeAspect="1" noChangeArrowheads="1"/>
+          </p:cNvPicPr>
+          <p:nvPr/>
+        </p:nvPicPr>
+        <p:blipFill>
+          <a:blip r:embed="rId2" cstate="print">
+            <a:extLst>
+              <a:ext uri="{28A0092B-C50C-407E-A947-70E740481C1C}">
+                <a14:useLocalDpi xmlns:a14="http://schemas.microsoft.com/office/drawing/2010/main" val="0"/>
+              </a:ext>
+            </a:extLst>
+          </a:blip>
+          <a:srcRect/>
+          <a:stretch>
+            <a:fillRect/>
+          </a:stretch>
+        </p:blipFill>
+        <p:spPr bwMode="auto">
+          <a:xfrm rot="16200000">
+            <a:off x="-47617" y="373486"/>
+            <a:ext cx="592429" cy="592429"/>
+          </a:xfrm>
+          <a:prstGeom prst="rect">
+            <a:avLst/>
+          </a:prstGeom>
+          <a:noFill/>
+          <a:extLst>
+            <a:ext uri="{909E8E84-426E-40DD-AFC4-6F175D3DCCD1}">
+              <a14:hiddenFill xmlns:a14="http://schemas.microsoft.com/office/drawing/2010/main">
+                <a:solidFill>
+                  <a:srgbClr val="FFFFFF"/>
+                </a:solidFill>
+              </a14:hiddenFill>
+            </a:ext>
+          </a:extLst>
+        </p:spPr>
+      </p:pic>
+      <p:sp>
+        <p:nvSpPr>
+          <p:cNvPr id="5" name="等腰三角形 4"/>
+          <p:cNvSpPr/>
+          <p:nvPr/>
+        </p:nvSpPr>
+        <p:spPr>
+          <a:xfrm rot="16200000">
+            <a:off x="9600001" y="-320993"/>
+            <a:ext cx="736941" cy="635294"/>
+          </a:xfrm>
+          <a:prstGeom prst="triangle">
+            <a:avLst/>
+          </a:prstGeom>
+          <a:solidFill>
+            <a:schemeClr val="bg2">
+              <a:lumMod val="90000"/>
+              <a:alpha val="50196"/>
+            </a:schemeClr>
+          </a:solidFill>
+          <a:ln>
+            <a:noFill/>
+          </a:ln>
+        </p:spPr>
+        <p:style>
+          <a:lnRef idx="2">
+            <a:schemeClr val="accent1">
+              <a:shade val="50000"/>
+            </a:schemeClr>
+          </a:lnRef>
+          <a:fillRef idx="1">
+            <a:schemeClr val="accent1"/>
+          </a:fillRef>
+          <a:effectRef idx="0">
+            <a:schemeClr val="accent1"/>
+          </a:effectRef>
+          <a:fontRef idx="minor">
+            <a:schemeClr val="lt1"/>
+          </a:fontRef>
+        </p:style>
+        <p:txBody>
+          <a:bodyPr rtlCol="0" anchor="ctr"/>
+          <a:lstStyle/>
+          <a:p>
+            <a:pPr algn="ctr"/>
+            <a:endParaRPr lang="zh-CN" altLang="en-US"/>
+          </a:p>
+        </p:txBody>
+      </p:sp>
+      <p:sp>
+        <p:nvSpPr>
+          <p:cNvPr id="6" name="等腰三角形 5"/>
+          <p:cNvSpPr/>
+          <p:nvPr/>
+        </p:nvSpPr>
+        <p:spPr>
+          <a:xfrm rot="5400000">
+            <a:off x="10235294" y="-320993"/>
+            <a:ext cx="736941" cy="635294"/>
+          </a:xfrm>
+          <a:prstGeom prst="triangle">
+            <a:avLst/>
+          </a:prstGeom>
+          <a:solidFill>
+            <a:schemeClr val="bg1">
+              <a:lumMod val="85000"/>
+              <a:alpha val="50196"/>
+            </a:schemeClr>
+          </a:solidFill>
+          <a:ln>
+            <a:noFill/>
+          </a:ln>
+        </p:spPr>
+        <p:style>
+          <a:lnRef idx="2">
+            <a:schemeClr val="accent1">
+              <a:shade val="50000"/>
+            </a:schemeClr>
+          </a:lnRef>
+          <a:fillRef idx="1">
+            <a:schemeClr val="accent1"/>
+          </a:fillRef>
+          <a:effectRef idx="0">
+            <a:schemeClr val="accent1"/>
+          </a:effectRef>
+          <a:fontRef idx="minor">
+            <a:schemeClr val="lt1"/>
+          </a:fontRef>
+        </p:style>
+        <p:txBody>
+          <a:bodyPr rtlCol="0" anchor="ctr"/>
+          <a:lstStyle/>
+          <a:p>
+            <a:pPr algn="ctr"/>
+            <a:endParaRPr lang="zh-CN" altLang="en-US"/>
+          </a:p>
+        </p:txBody>
+      </p:sp>
+      <p:sp>
+        <p:nvSpPr>
+          <p:cNvPr id="7" name="等腰三角形 6"/>
+          <p:cNvSpPr/>
+          <p:nvPr/>
+        </p:nvSpPr>
+        <p:spPr>
+          <a:xfrm rot="16200000">
+            <a:off x="10870588" y="-320993"/>
+            <a:ext cx="736941" cy="635294"/>
+          </a:xfrm>
+          <a:prstGeom prst="triangle">
+            <a:avLst/>
+          </a:prstGeom>
+          <a:solidFill>
+            <a:schemeClr val="bg1">
+              <a:lumMod val="95000"/>
+              <a:alpha val="50196"/>
+            </a:schemeClr>
+          </a:solidFill>
+          <a:ln>
+            <a:noFill/>
+          </a:ln>
+        </p:spPr>
+        <p:style>
+          <a:lnRef idx="2">
+            <a:schemeClr val="accent1">
+              <a:shade val="50000"/>
+            </a:schemeClr>
+          </a:lnRef>
+          <a:fillRef idx="1">
+            <a:schemeClr val="accent1"/>
+          </a:fillRef>
+          <a:effectRef idx="0">
+            <a:schemeClr val="accent1"/>
+          </a:effectRef>
+          <a:fontRef idx="minor">
+            <a:schemeClr val="lt1"/>
+          </a:fontRef>
+        </p:style>
+        <p:txBody>
+          <a:bodyPr rtlCol="0" anchor="ctr"/>
+          <a:lstStyle/>
+          <a:p>
+            <a:pPr algn="ctr"/>
+            <a:endParaRPr lang="zh-CN" altLang="en-US"/>
+          </a:p>
+        </p:txBody>
+      </p:sp>
+      <p:sp>
+        <p:nvSpPr>
+          <p:cNvPr id="8" name="等腰三角形 7"/>
+          <p:cNvSpPr/>
+          <p:nvPr/>
+        </p:nvSpPr>
+        <p:spPr>
+          <a:xfrm rot="5400000">
+            <a:off x="11505882" y="-320993"/>
+            <a:ext cx="736941" cy="635294"/>
+          </a:xfrm>
+          <a:prstGeom prst="triangle">
+            <a:avLst/>
+          </a:prstGeom>
+          <a:solidFill>
+            <a:schemeClr val="bg2">
+              <a:alpha val="50196"/>
+            </a:schemeClr>
+          </a:solidFill>
+          <a:ln>
+            <a:noFill/>
+          </a:ln>
+        </p:spPr>
+        <p:style>
+          <a:lnRef idx="2">
+            <a:schemeClr val="accent1">
+              <a:shade val="50000"/>
+            </a:schemeClr>
+          </a:lnRef>
+          <a:fillRef idx="1">
+            <a:schemeClr val="accent1"/>
+          </a:fillRef>
+          <a:effectRef idx="0">
+            <a:schemeClr val="accent1"/>
+          </a:effectRef>
+          <a:fontRef idx="minor">
+            <a:schemeClr val="lt1"/>
+          </a:fontRef>
+        </p:style>
+        <p:txBody>
+          <a:bodyPr rtlCol="0" anchor="ctr"/>
+          <a:lstStyle/>
+          <a:p>
+            <a:pPr algn="ctr"/>
+            <a:endParaRPr lang="zh-CN" altLang="en-US"/>
+          </a:p>
+        </p:txBody>
+      </p:sp>
+      <p:sp>
+        <p:nvSpPr>
+          <p:cNvPr id="9" name="等腰三角形 8"/>
+          <p:cNvSpPr/>
+          <p:nvPr/>
+        </p:nvSpPr>
+        <p:spPr>
+          <a:xfrm rot="5400000">
+            <a:off x="9600001" y="47478"/>
+            <a:ext cx="736941" cy="635294"/>
+          </a:xfrm>
+          <a:prstGeom prst="triangle">
+            <a:avLst/>
+          </a:prstGeom>
+          <a:solidFill>
+            <a:schemeClr val="bg2">
+              <a:alpha val="50196"/>
+            </a:schemeClr>
+          </a:solidFill>
+          <a:ln>
+            <a:noFill/>
+          </a:ln>
+        </p:spPr>
+        <p:style>
+          <a:lnRef idx="2">
+            <a:schemeClr val="accent1">
+              <a:shade val="50000"/>
+            </a:schemeClr>
+          </a:lnRef>
+          <a:fillRef idx="1">
+            <a:schemeClr val="accent1"/>
+          </a:fillRef>
+          <a:effectRef idx="0">
+            <a:schemeClr val="accent1"/>
+          </a:effectRef>
+          <a:fontRef idx="minor">
+            <a:schemeClr val="lt1"/>
+          </a:fontRef>
+        </p:style>
+        <p:txBody>
+          <a:bodyPr rtlCol="0" anchor="ctr"/>
+          <a:lstStyle/>
+          <a:p>
+            <a:pPr algn="ctr"/>
+            <a:endParaRPr lang="zh-CN" altLang="en-US"/>
+          </a:p>
+        </p:txBody>
+      </p:sp>
+      <p:sp>
+        <p:nvSpPr>
+          <p:cNvPr id="10" name="等腰三角形 9"/>
+          <p:cNvSpPr/>
+          <p:nvPr/>
+        </p:nvSpPr>
+        <p:spPr>
+          <a:xfrm rot="16200000">
+            <a:off x="10235294" y="47478"/>
+            <a:ext cx="736941" cy="635294"/>
+          </a:xfrm>
+          <a:prstGeom prst="triangle">
+            <a:avLst/>
+          </a:prstGeom>
+          <a:solidFill>
+            <a:schemeClr val="bg1">
+              <a:lumMod val="95000"/>
+              <a:alpha val="50196"/>
+            </a:schemeClr>
+          </a:solidFill>
+          <a:ln>
+            <a:noFill/>
+          </a:ln>
+        </p:spPr>
+        <p:style>
+          <a:lnRef idx="2">
+            <a:schemeClr val="accent1">
+              <a:shade val="50000"/>
+            </a:schemeClr>
+          </a:lnRef>
+          <a:fillRef idx="1">
+            <a:schemeClr val="accent1"/>
+          </a:fillRef>
+          <a:effectRef idx="0">
+            <a:schemeClr val="accent1"/>
+          </a:effectRef>
+          <a:fontRef idx="minor">
+            <a:schemeClr val="lt1"/>
+          </a:fontRef>
+        </p:style>
+        <p:txBody>
+          <a:bodyPr rtlCol="0" anchor="ctr"/>
+          <a:lstStyle/>
+          <a:p>
+            <a:pPr algn="ctr"/>
+            <a:endParaRPr lang="zh-CN" altLang="en-US"/>
+          </a:p>
+        </p:txBody>
+      </p:sp>
+      <p:sp>
+        <p:nvSpPr>
+          <p:cNvPr id="11" name="等腰三角形 10"/>
+          <p:cNvSpPr/>
+          <p:nvPr/>
+        </p:nvSpPr>
+        <p:spPr>
+          <a:xfrm rot="5400000">
+            <a:off x="10870588" y="47478"/>
+            <a:ext cx="736941" cy="635294"/>
+          </a:xfrm>
+          <a:prstGeom prst="triangle">
+            <a:avLst/>
+          </a:prstGeom>
+          <a:solidFill>
+            <a:schemeClr val="bg1">
+              <a:alpha val="50196"/>
+            </a:schemeClr>
+          </a:solidFill>
+          <a:ln>
+            <a:noFill/>
+          </a:ln>
+        </p:spPr>
+        <p:style>
+          <a:lnRef idx="2">
+            <a:schemeClr val="accent1">
+              <a:shade val="50000"/>
+            </a:schemeClr>
+          </a:lnRef>
+          <a:fillRef idx="1">
+            <a:schemeClr val="accent1"/>
+          </a:fillRef>
+          <a:effectRef idx="0">
+            <a:schemeClr val="accent1"/>
+          </a:effectRef>
+          <a:fontRef idx="minor">
+            <a:schemeClr val="lt1"/>
+          </a:fontRef>
+        </p:style>
+        <p:txBody>
+          <a:bodyPr rtlCol="0" anchor="ctr"/>
+          <a:lstStyle/>
+          <a:p>
+            <a:pPr algn="ctr"/>
+            <a:endParaRPr lang="zh-CN" altLang="en-US"/>
+          </a:p>
+        </p:txBody>
+      </p:sp>
+      <p:sp>
+        <p:nvSpPr>
+          <p:cNvPr id="12" name="等腰三角形 11"/>
+          <p:cNvSpPr/>
+          <p:nvPr/>
+        </p:nvSpPr>
+        <p:spPr>
+          <a:xfrm rot="12600000">
+            <a:off x="10059450" y="490026"/>
+            <a:ext cx="736941" cy="635294"/>
+          </a:xfrm>
+          <a:prstGeom prst="triangle">
+            <a:avLst/>
+          </a:prstGeom>
+          <a:solidFill>
+            <a:schemeClr val="bg1">
+              <a:lumMod val="85000"/>
+              <a:alpha val="50196"/>
+            </a:schemeClr>
+          </a:solidFill>
+          <a:ln>
+            <a:noFill/>
+          </a:ln>
+        </p:spPr>
+        <p:style>
+          <a:lnRef idx="2">
+            <a:schemeClr val="accent1">
+              <a:shade val="50000"/>
+            </a:schemeClr>
+          </a:lnRef>
+          <a:fillRef idx="1">
+            <a:schemeClr val="accent1"/>
+          </a:fillRef>
+          <a:effectRef idx="0">
+            <a:schemeClr val="accent1"/>
+          </a:effectRef>
+          <a:fontRef idx="minor">
+            <a:schemeClr val="lt1"/>
+          </a:fontRef>
+        </p:style>
+        <p:txBody>
+          <a:bodyPr rtlCol="0" anchor="ctr"/>
+          <a:lstStyle/>
+          <a:p>
+            <a:pPr algn="ctr"/>
+            <a:endParaRPr lang="zh-CN" altLang="en-US"/>
+          </a:p>
+        </p:txBody>
+      </p:sp>
+      <p:sp>
+        <p:nvSpPr>
+          <p:cNvPr id="13" name="等腰三角形 12"/>
+          <p:cNvSpPr/>
+          <p:nvPr/>
+        </p:nvSpPr>
+        <p:spPr>
+          <a:xfrm rot="16200000">
+            <a:off x="10870588" y="415948"/>
+            <a:ext cx="736941" cy="635294"/>
+          </a:xfrm>
+          <a:prstGeom prst="triangle">
+            <a:avLst/>
+          </a:prstGeom>
+          <a:solidFill>
+            <a:schemeClr val="bg2">
+              <a:alpha val="50196"/>
+            </a:schemeClr>
+          </a:solidFill>
+          <a:ln>
+            <a:noFill/>
+          </a:ln>
+        </p:spPr>
+        <p:style>
+          <a:lnRef idx="2">
+            <a:schemeClr val="accent1">
+              <a:shade val="50000"/>
+            </a:schemeClr>
+          </a:lnRef>
+          <a:fillRef idx="1">
+            <a:schemeClr val="accent1"/>
+          </a:fillRef>
+          <a:effectRef idx="0">
+            <a:schemeClr val="accent1"/>
+          </a:effectRef>
+          <a:fontRef idx="minor">
+            <a:schemeClr val="lt1"/>
+          </a:fontRef>
+        </p:style>
+        <p:txBody>
+          <a:bodyPr rtlCol="0" anchor="ctr"/>
+          <a:lstStyle/>
+          <a:p>
+            <a:pPr algn="ctr"/>
+            <a:endParaRPr lang="zh-CN" altLang="en-US"/>
+          </a:p>
+        </p:txBody>
+      </p:sp>
+      <p:sp>
+        <p:nvSpPr>
+          <p:cNvPr id="14" name="等腰三角形 13"/>
+          <p:cNvSpPr/>
+          <p:nvPr/>
+        </p:nvSpPr>
+        <p:spPr>
+          <a:xfrm rot="5400000">
+            <a:off x="11505882" y="415948"/>
+            <a:ext cx="736941" cy="635294"/>
+          </a:xfrm>
+          <a:prstGeom prst="triangle">
+            <a:avLst/>
+          </a:prstGeom>
+          <a:solidFill>
+            <a:schemeClr val="bg2">
+              <a:lumMod val="90000"/>
+              <a:alpha val="50196"/>
+            </a:schemeClr>
+          </a:solidFill>
+          <a:ln>
+            <a:noFill/>
+          </a:ln>
+        </p:spPr>
+        <p:style>
+          <a:lnRef idx="2">
+            <a:schemeClr val="accent1">
+              <a:shade val="50000"/>
+            </a:schemeClr>
+          </a:lnRef>
+          <a:fillRef idx="1">
+            <a:schemeClr val="accent1"/>
+          </a:fillRef>
+          <a:effectRef idx="0">
+            <a:schemeClr val="accent1"/>
+          </a:effectRef>
+          <a:fontRef idx="minor">
+            <a:schemeClr val="lt1"/>
+          </a:fontRef>
+        </p:style>
+        <p:txBody>
+          <a:bodyPr rtlCol="0" anchor="ctr"/>
+          <a:lstStyle/>
+          <a:p>
+            <a:pPr algn="ctr"/>
+            <a:endParaRPr lang="zh-CN" altLang="en-US"/>
+          </a:p>
+        </p:txBody>
+      </p:sp>
+      <p:sp>
+        <p:nvSpPr>
+          <p:cNvPr id="15" name="等腰三角形 14"/>
+          <p:cNvSpPr/>
+          <p:nvPr/>
+        </p:nvSpPr>
+        <p:spPr>
+          <a:xfrm rot="5400000">
+            <a:off x="10870588" y="784418"/>
+            <a:ext cx="736941" cy="635294"/>
+          </a:xfrm>
+          <a:prstGeom prst="triangle">
+            <a:avLst/>
+          </a:prstGeom>
+          <a:solidFill>
+            <a:schemeClr val="bg1">
+              <a:lumMod val="95000"/>
+              <a:alpha val="50196"/>
+            </a:schemeClr>
+          </a:solidFill>
+          <a:ln>
+            <a:noFill/>
+          </a:ln>
+        </p:spPr>
+        <p:style>
+          <a:lnRef idx="2">
+            <a:schemeClr val="accent1">
+              <a:shade val="50000"/>
+            </a:schemeClr>
+          </a:lnRef>
+          <a:fillRef idx="1">
+            <a:schemeClr val="accent1"/>
+          </a:fillRef>
+          <a:effectRef idx="0">
+            <a:schemeClr val="accent1"/>
+          </a:effectRef>
+          <a:fontRef idx="minor">
+            <a:schemeClr val="lt1"/>
+          </a:fontRef>
+        </p:style>
+        <p:txBody>
+          <a:bodyPr rtlCol="0" anchor="ctr"/>
+          <a:lstStyle/>
+          <a:p>
+            <a:pPr algn="ctr"/>
+            <a:endParaRPr lang="zh-CN" altLang="en-US"/>
+          </a:p>
+        </p:txBody>
+      </p:sp>
+      <p:sp>
+        <p:nvSpPr>
+          <p:cNvPr id="16" name="等腰三角形 15"/>
+          <p:cNvSpPr/>
+          <p:nvPr/>
+        </p:nvSpPr>
+        <p:spPr>
+          <a:xfrm rot="16200000">
+            <a:off x="11505882" y="784418"/>
+            <a:ext cx="736941" cy="635294"/>
+          </a:xfrm>
+          <a:prstGeom prst="triangle">
+            <a:avLst/>
+          </a:prstGeom>
+          <a:solidFill>
+            <a:schemeClr val="bg1">
+              <a:lumMod val="95000"/>
+              <a:alpha val="50196"/>
+            </a:schemeClr>
+          </a:solidFill>
+          <a:ln>
+            <a:noFill/>
+          </a:ln>
+        </p:spPr>
+        <p:style>
+          <a:lnRef idx="2">
+            <a:schemeClr val="accent1">
+              <a:shade val="50000"/>
+            </a:schemeClr>
+          </a:lnRef>
+          <a:fillRef idx="1">
+            <a:schemeClr val="accent1"/>
+          </a:fillRef>
+          <a:effectRef idx="0">
+            <a:schemeClr val="accent1"/>
+          </a:effectRef>
+          <a:fontRef idx="minor">
+            <a:schemeClr val="lt1"/>
+          </a:fontRef>
+        </p:style>
+        <p:txBody>
+          <a:bodyPr rtlCol="0" anchor="ctr"/>
+          <a:lstStyle/>
+          <a:p>
+            <a:pPr algn="ctr"/>
+            <a:endParaRPr lang="zh-CN" altLang="en-US"/>
+          </a:p>
+        </p:txBody>
+      </p:sp>
+      <p:sp>
+        <p:nvSpPr>
+          <p:cNvPr id="17" name="等腰三角形 16"/>
+          <p:cNvSpPr/>
+          <p:nvPr/>
+        </p:nvSpPr>
+        <p:spPr>
+          <a:xfrm rot="16200000">
+            <a:off x="8964706" y="39089"/>
+            <a:ext cx="736941" cy="635294"/>
+          </a:xfrm>
+          <a:prstGeom prst="triangle">
+            <a:avLst/>
+          </a:prstGeom>
+          <a:solidFill>
+            <a:schemeClr val="bg1">
+              <a:lumMod val="95000"/>
+              <a:alpha val="50196"/>
+            </a:schemeClr>
+          </a:solidFill>
+          <a:ln>
+            <a:noFill/>
+          </a:ln>
+        </p:spPr>
+        <p:style>
+          <a:lnRef idx="2">
+            <a:schemeClr val="accent1">
+              <a:shade val="50000"/>
+            </a:schemeClr>
+          </a:lnRef>
+          <a:fillRef idx="1">
+            <a:schemeClr val="accent1"/>
+          </a:fillRef>
+          <a:effectRef idx="0">
+            <a:schemeClr val="accent1"/>
+          </a:effectRef>
+          <a:fontRef idx="minor">
+            <a:schemeClr val="lt1"/>
+          </a:fontRef>
+        </p:style>
+        <p:txBody>
+          <a:bodyPr rtlCol="0" anchor="ctr"/>
+          <a:lstStyle/>
+          <a:p>
+            <a:pPr algn="ctr"/>
+            <a:endParaRPr lang="zh-CN" altLang="en-US"/>
+          </a:p>
+        </p:txBody>
+      </p:sp>
+      <p:sp>
+        <p:nvSpPr>
+          <p:cNvPr id="18" name="等腰三角形 17"/>
+          <p:cNvSpPr/>
+          <p:nvPr/>
+        </p:nvSpPr>
+        <p:spPr>
+          <a:xfrm rot="5400000">
+            <a:off x="11505882" y="1152888"/>
+            <a:ext cx="736941" cy="635294"/>
+          </a:xfrm>
+          <a:prstGeom prst="triangle">
+            <a:avLst/>
+          </a:prstGeom>
+          <a:solidFill>
+            <a:schemeClr val="bg2">
+              <a:alpha val="50196"/>
+            </a:schemeClr>
+          </a:solidFill>
+          <a:ln>
+            <a:noFill/>
+          </a:ln>
+        </p:spPr>
+        <p:style>
+          <a:lnRef idx="2">
+            <a:schemeClr val="accent1">
+              <a:shade val="50000"/>
+            </a:schemeClr>
+          </a:lnRef>
+          <a:fillRef idx="1">
+            <a:schemeClr val="accent1"/>
+          </a:fillRef>
+          <a:effectRef idx="0">
+            <a:schemeClr val="accent1"/>
+          </a:effectRef>
+          <a:fontRef idx="minor">
+            <a:schemeClr val="lt1"/>
+          </a:fontRef>
+        </p:style>
+        <p:txBody>
+          <a:bodyPr rtlCol="0" anchor="ctr"/>
+          <a:lstStyle/>
+          <a:p>
+            <a:pPr algn="ctr"/>
+            <a:endParaRPr lang="zh-CN" altLang="en-US"/>
+          </a:p>
+        </p:txBody>
+      </p:sp>
+      <p:sp>
+        <p:nvSpPr>
+          <p:cNvPr id="19" name="等腰三角形 18"/>
+          <p:cNvSpPr/>
+          <p:nvPr/>
+        </p:nvSpPr>
+        <p:spPr>
+          <a:xfrm rot="16200000">
+            <a:off x="11505882" y="1521358"/>
+            <a:ext cx="736941" cy="635294"/>
+          </a:xfrm>
+          <a:prstGeom prst="triangle">
+            <a:avLst/>
+          </a:prstGeom>
+          <a:solidFill>
+            <a:schemeClr val="bg1">
+              <a:lumMod val="95000"/>
+              <a:alpha val="50196"/>
+            </a:schemeClr>
+          </a:solidFill>
+          <a:ln>
+            <a:noFill/>
+          </a:ln>
+        </p:spPr>
+        <p:style>
+          <a:lnRef idx="2">
+            <a:schemeClr val="accent1">
+              <a:shade val="50000"/>
+            </a:schemeClr>
+          </a:lnRef>
+          <a:fillRef idx="1">
+            <a:schemeClr val="accent1"/>
+          </a:fillRef>
+          <a:effectRef idx="0">
+            <a:schemeClr val="accent1"/>
+          </a:effectRef>
+          <a:fontRef idx="minor">
+            <a:schemeClr val="lt1"/>
+          </a:fontRef>
+        </p:style>
+        <p:txBody>
+          <a:bodyPr rtlCol="0" anchor="ctr"/>
+          <a:lstStyle/>
+          <a:p>
+            <a:pPr algn="ctr"/>
+            <a:endParaRPr lang="zh-CN" altLang="en-US"/>
+          </a:p>
+        </p:txBody>
+      </p:sp>
+      <p:sp>
+        <p:nvSpPr>
+          <p:cNvPr id="20" name="等腰三角形 19"/>
+          <p:cNvSpPr/>
+          <p:nvPr/>
+        </p:nvSpPr>
+        <p:spPr>
+          <a:xfrm rot="16200000">
+            <a:off x="11505883" y="1521356"/>
+            <a:ext cx="736941" cy="635294"/>
+          </a:xfrm>
+          <a:prstGeom prst="triangle">
+            <a:avLst/>
+          </a:prstGeom>
+          <a:solidFill>
+            <a:schemeClr val="bg1">
+              <a:lumMod val="85000"/>
+              <a:alpha val="50196"/>
+            </a:schemeClr>
+          </a:solidFill>
+          <a:ln>
+            <a:noFill/>
+          </a:ln>
+        </p:spPr>
+        <p:style>
+          <a:lnRef idx="2">
+            <a:schemeClr val="accent1">
+              <a:shade val="50000"/>
+            </a:schemeClr>
+          </a:lnRef>
+          <a:fillRef idx="1">
+            <a:schemeClr val="accent1"/>
+          </a:fillRef>
+          <a:effectRef idx="0">
+            <a:schemeClr val="accent1"/>
+          </a:effectRef>
+          <a:fontRef idx="minor">
+            <a:schemeClr val="lt1"/>
+          </a:fontRef>
+        </p:style>
+        <p:txBody>
+          <a:bodyPr rtlCol="0" anchor="ctr"/>
+          <a:lstStyle/>
+          <a:p>
+            <a:pPr algn="ctr"/>
+            <a:endParaRPr lang="zh-CN" altLang="en-US"/>
+          </a:p>
+        </p:txBody>
+      </p:sp>
+      <p:sp>
+        <p:nvSpPr>
+          <p:cNvPr id="63" name="TextBox 62"/>
+          <p:cNvSpPr txBox="1"/>
+          <p:nvPr/>
+        </p:nvSpPr>
+        <p:spPr>
+          <a:xfrm>
+            <a:off x="544812" y="300368"/>
+            <a:ext cx="3422709" cy="369332"/>
+          </a:xfrm>
+          <a:prstGeom prst="rect">
+            <a:avLst/>
+          </a:prstGeom>
+          <a:noFill/>
+        </p:spPr>
+        <p:txBody>
+          <a:bodyPr wrap="square" rtlCol="0">
+            <a:spAutoFit/>
+          </a:bodyPr>
+          <a:lstStyle/>
+          <a:p>
+            <a:r>
+              <a:rPr lang="en-US" altLang="zh-CN" dirty="0" smtClean="0">
+                <a:solidFill>
+                  <a:schemeClr val="bg1">
+                    <a:lumMod val="50000"/>
+                  </a:schemeClr>
+                </a:solidFill>
+                <a:latin typeface="微软雅黑" panose="020B0503020204020204" pitchFamily="34" charset="-122"/>
+                <a:ea typeface="微软雅黑" panose="020B0503020204020204" pitchFamily="34" charset="-122"/>
+              </a:rPr>
+              <a:t>Hello World!</a:t>
+            </a:r>
+            <a:endParaRPr lang="zh-CN" altLang="en-US" dirty="0">
+              <a:solidFill>
+                <a:schemeClr val="bg1">
+                  <a:lumMod val="50000"/>
+                </a:schemeClr>
+              </a:solidFill>
+              <a:latin typeface="微软雅黑" panose="020B0503020204020204" pitchFamily="34" charset="-122"/>
+              <a:ea typeface="微软雅黑" panose="020B0503020204020204" pitchFamily="34" charset="-122"/>
+            </a:endParaRPr>
+          </a:p>
+        </p:txBody>
+      </p:sp>
+      <p:cxnSp>
+        <p:nvCxnSpPr>
+          <p:cNvPr id="65" name="直接连接符 64"/>
+          <p:cNvCxnSpPr/>
+          <p:nvPr/>
+        </p:nvCxnSpPr>
+        <p:spPr>
+          <a:xfrm>
+            <a:off x="637091" y="669700"/>
+            <a:ext cx="2827562" cy="0"/>
+          </a:xfrm>
+          <a:prstGeom prst="line">
+            <a:avLst/>
+          </a:prstGeom>
+          <a:ln>
+            <a:solidFill>
+              <a:schemeClr val="bg1">
+                <a:lumMod val="85000"/>
+              </a:schemeClr>
+            </a:solidFill>
+          </a:ln>
+        </p:spPr>
+        <p:style>
+          <a:lnRef idx="1">
+            <a:schemeClr val="accent4"/>
+          </a:lnRef>
+          <a:fillRef idx="0">
+            <a:schemeClr val="accent4"/>
+          </a:fillRef>
+          <a:effectRef idx="0">
+            <a:schemeClr val="accent4"/>
+          </a:effectRef>
+          <a:fontRef idx="minor">
+            <a:schemeClr val="tx1"/>
+          </a:fontRef>
+        </p:style>
+      </p:cxnSp>
+      <p:pic>
+        <p:nvPicPr>
+          <p:cNvPr id="66" name="Picture 2" descr="C:\Users\yepanmeng\Desktop\logo.png"/>
+          <p:cNvPicPr>
+            <a:picLocks noChangeAspect="1" noChangeArrowheads="1"/>
+          </p:cNvPicPr>
+          <p:nvPr/>
+        </p:nvPicPr>
+        <p:blipFill>
+          <a:blip r:embed="rId3" cstate="print">
+            <a:extLst>
+              <a:ext uri="{28A0092B-C50C-407E-A947-70E740481C1C}">
+                <a14:useLocalDpi xmlns:a14="http://schemas.microsoft.com/office/drawing/2010/main" val="0"/>
+              </a:ext>
+            </a:extLst>
+          </a:blip>
+          <a:srcRect/>
+          <a:stretch>
+            <a:fillRect/>
+          </a:stretch>
+        </p:blipFill>
+        <p:spPr bwMode="auto">
+          <a:xfrm rot="5400000">
+            <a:off x="11853862" y="6367223"/>
+            <a:ext cx="371695" cy="371695"/>
+          </a:xfrm>
+          <a:prstGeom prst="rect">
+            <a:avLst/>
+          </a:prstGeom>
+          <a:noFill/>
+          <a:extLst>
+            <a:ext uri="{909E8E84-426E-40DD-AFC4-6F175D3DCCD1}">
+              <a14:hiddenFill xmlns:a14="http://schemas.microsoft.com/office/drawing/2010/main">
+                <a:solidFill>
+                  <a:srgbClr val="FFFFFF"/>
+                </a:solidFill>
+              </a14:hiddenFill>
+            </a:ext>
+          </a:extLst>
+        </p:spPr>
+      </p:pic>
+      <p:sp>
+        <p:nvSpPr>
+          <p:cNvPr id="74" name="TextBox 73"/>
+          <p:cNvSpPr txBox="1"/>
+          <p:nvPr/>
+        </p:nvSpPr>
+        <p:spPr>
+          <a:xfrm>
+            <a:off x="11247447" y="6325278"/>
+            <a:ext cx="584961" cy="253916"/>
+          </a:xfrm>
+          <a:prstGeom prst="rect">
+            <a:avLst/>
+          </a:prstGeom>
+          <a:noFill/>
+        </p:spPr>
+        <p:txBody>
+          <a:bodyPr wrap="square" rtlCol="0">
+            <a:spAutoFit/>
+          </a:bodyPr>
+          <a:lstStyle/>
+          <a:p>
+            <a:r>
+              <a:rPr lang="en-US" altLang="zh-CN" sz="1050" dirty="0">
+                <a:solidFill>
+                  <a:schemeClr val="bg1">
+                    <a:lumMod val="50000"/>
+                  </a:schemeClr>
+                </a:solidFill>
+                <a:latin typeface="Microsoft YaHei UI" panose="020B0703020204020201" charset="-122"/>
+                <a:ea typeface="Microsoft YaHei UI" panose="020B0703020204020201" charset="-122"/>
+              </a:rPr>
+              <a:t>3</a:t>
+            </a:r>
+            <a:r>
+              <a:rPr lang="en-US" altLang="zh-CN" sz="1050" dirty="0" smtClean="0">
+                <a:solidFill>
+                  <a:schemeClr val="bg1">
+                    <a:lumMod val="50000"/>
+                  </a:schemeClr>
+                </a:solidFill>
+                <a:latin typeface="Microsoft YaHei UI" panose="020B0703020204020201" charset="-122"/>
+                <a:ea typeface="Microsoft YaHei UI" panose="020B0703020204020201" charset="-122"/>
+              </a:rPr>
+              <a:t> / 11</a:t>
+            </a:r>
+            <a:endParaRPr lang="zh-CN" altLang="en-US" sz="1050" dirty="0">
+              <a:solidFill>
+                <a:schemeClr val="bg1">
+                  <a:lumMod val="50000"/>
+                </a:schemeClr>
+              </a:solidFill>
+              <a:latin typeface="Microsoft YaHei UI" panose="020B0703020204020201" charset="-122"/>
+              <a:ea typeface="Microsoft YaHei UI" panose="020B0703020204020201" charset="-122"/>
+            </a:endParaRPr>
+          </a:p>
+        </p:txBody>
+      </p:sp>
+      <p:cxnSp>
+        <p:nvCxnSpPr>
+          <p:cNvPr id="80" name="直接连接符 79"/>
+          <p:cNvCxnSpPr/>
+          <p:nvPr/>
+        </p:nvCxnSpPr>
+        <p:spPr>
+          <a:xfrm flipH="1" flipV="1">
+            <a:off x="11289392" y="6553071"/>
+            <a:ext cx="480580" cy="1"/>
+          </a:xfrm>
+          <a:prstGeom prst="line">
+            <a:avLst/>
+          </a:prstGeom>
+          <a:ln>
+            <a:solidFill>
+              <a:schemeClr val="bg1">
+                <a:lumMod val="85000"/>
+              </a:schemeClr>
+            </a:solidFill>
+          </a:ln>
+        </p:spPr>
+        <p:style>
+          <a:lnRef idx="1">
+            <a:schemeClr val="accent1"/>
+          </a:lnRef>
+          <a:fillRef idx="0">
+            <a:schemeClr val="accent1"/>
+          </a:fillRef>
+          <a:effectRef idx="0">
+            <a:schemeClr val="accent1"/>
+          </a:effectRef>
+          <a:fontRef idx="minor">
+            <a:schemeClr val="tx1"/>
+          </a:fontRef>
+        </p:style>
+      </p:cxnSp>
+    </p:spTree>
+    <p:extLst>
+      <p:ext uri="{BB962C8B-B14F-4D97-AF65-F5344CB8AC3E}">
+        <p14:creationId xmlns:p14="http://schemas.microsoft.com/office/powerpoint/2010/main" val="2044832661"/>
+      </p:ext>
+    </p:extLst>
+  </p:cSld>
+  <p:clrMapOvr>
+    <a:masterClrMapping/>
+  </p:clrMapOvr>
+  <mc:AlternateContent xmlns:mc="http://schemas.openxmlformats.org/markup-compatibility/2006" xmlns:p14="http://schemas.microsoft.com/office/powerpoint/2010/main">
+    <mc:Choice Requires="p14">
+      <p:transition p14:dur="10"/>
+    </mc:Choice>
+    <mc:Fallback xmlns="">
+      <p:transition/>
+    </mc:Fallback>
+  </mc:AlternateContent>
+  <p:timing>
+    <p:tnLst>
+      <p:par>
+        <p:cTn id="1" dur="indefinite" restart="never" nodeType="tmRoot"/>
+      </p:par>
+    </p:tnLst>
+  </p:timing>
+</p:sld>
+</file>
+
+<file path=ppt/slides/slide8.xml><?xml version="1.0" encoding="utf-8"?>
+<p:sld xmlns:a="http://schemas.openxmlformats.org/drawingml/2006/main" xmlns:r="http://schemas.openxmlformats.org/officeDocument/2006/relationships" xmlns:p="http://schemas.openxmlformats.org/presentationml/2006/main">
+  <p:cSld>
+    <p:spTree>
+      <p:nvGrpSpPr>
+        <p:cNvPr id="1" name=""/>
+        <p:cNvGrpSpPr/>
+        <p:nvPr/>
+      </p:nvGrpSpPr>
+      <p:grpSpPr>
+        <a:xfrm>
+          <a:off x="0" y="0"/>
+          <a:ext cx="0" cy="0"/>
+          <a:chOff x="0" y="0"/>
+          <a:chExt cx="0" cy="0"/>
+        </a:xfrm>
+      </p:grpSpPr>
+      <p:pic>
+        <p:nvPicPr>
+          <p:cNvPr id="4" name="Picture 2" descr="C:\Users\yepanmeng\Desktop\logo.png"/>
+          <p:cNvPicPr>
+            <a:picLocks noChangeAspect="1" noChangeArrowheads="1"/>
+          </p:cNvPicPr>
+          <p:nvPr/>
+        </p:nvPicPr>
+        <p:blipFill>
+          <a:blip r:embed="rId2" cstate="print">
+            <a:extLst>
+              <a:ext uri="{28A0092B-C50C-407E-A947-70E740481C1C}">
+                <a14:useLocalDpi xmlns:a14="http://schemas.microsoft.com/office/drawing/2010/main" val="0"/>
+              </a:ext>
+            </a:extLst>
+          </a:blip>
+          <a:srcRect/>
+          <a:stretch>
+            <a:fillRect/>
+          </a:stretch>
+        </p:blipFill>
+        <p:spPr bwMode="auto">
+          <a:xfrm rot="16200000">
+            <a:off x="-47617" y="373486"/>
+            <a:ext cx="592429" cy="592429"/>
+          </a:xfrm>
+          <a:prstGeom prst="rect">
+            <a:avLst/>
+          </a:prstGeom>
+          <a:noFill/>
+          <a:extLst>
+            <a:ext uri="{909E8E84-426E-40DD-AFC4-6F175D3DCCD1}">
+              <a14:hiddenFill xmlns:a14="http://schemas.microsoft.com/office/drawing/2010/main">
+                <a:solidFill>
+                  <a:srgbClr val="FFFFFF"/>
+                </a:solidFill>
+              </a14:hiddenFill>
+            </a:ext>
+          </a:extLst>
+        </p:spPr>
+      </p:pic>
+      <p:sp>
+        <p:nvSpPr>
+          <p:cNvPr id="5" name="等腰三角形 4"/>
+          <p:cNvSpPr/>
+          <p:nvPr/>
+        </p:nvSpPr>
+        <p:spPr>
+          <a:xfrm rot="16200000">
+            <a:off x="9600001" y="-320993"/>
+            <a:ext cx="736941" cy="635294"/>
+          </a:xfrm>
+          <a:prstGeom prst="triangle">
+            <a:avLst/>
+          </a:prstGeom>
+          <a:solidFill>
+            <a:schemeClr val="bg2">
+              <a:lumMod val="90000"/>
+              <a:alpha val="50196"/>
+            </a:schemeClr>
+          </a:solidFill>
+          <a:ln>
+            <a:noFill/>
+          </a:ln>
+        </p:spPr>
+        <p:style>
+          <a:lnRef idx="2">
+            <a:schemeClr val="accent1">
+              <a:shade val="50000"/>
+            </a:schemeClr>
+          </a:lnRef>
+          <a:fillRef idx="1">
+            <a:schemeClr val="accent1"/>
+          </a:fillRef>
+          <a:effectRef idx="0">
+            <a:schemeClr val="accent1"/>
+          </a:effectRef>
+          <a:fontRef idx="minor">
+            <a:schemeClr val="lt1"/>
+          </a:fontRef>
+        </p:style>
+        <p:txBody>
+          <a:bodyPr rtlCol="0" anchor="ctr"/>
+          <a:lstStyle/>
+          <a:p>
+            <a:pPr algn="ctr"/>
+            <a:endParaRPr lang="zh-CN" altLang="en-US"/>
+          </a:p>
+        </p:txBody>
+      </p:sp>
+      <p:sp>
+        <p:nvSpPr>
+          <p:cNvPr id="6" name="等腰三角形 5"/>
+          <p:cNvSpPr/>
+          <p:nvPr/>
+        </p:nvSpPr>
+        <p:spPr>
+          <a:xfrm rot="5400000">
+            <a:off x="10235294" y="-320993"/>
+            <a:ext cx="736941" cy="635294"/>
+          </a:xfrm>
+          <a:prstGeom prst="triangle">
+            <a:avLst/>
+          </a:prstGeom>
+          <a:solidFill>
+            <a:schemeClr val="bg1">
+              <a:lumMod val="85000"/>
+              <a:alpha val="50196"/>
+            </a:schemeClr>
+          </a:solidFill>
+          <a:ln>
+            <a:noFill/>
+          </a:ln>
+        </p:spPr>
+        <p:style>
+          <a:lnRef idx="2">
+            <a:schemeClr val="accent1">
+              <a:shade val="50000"/>
+            </a:schemeClr>
+          </a:lnRef>
+          <a:fillRef idx="1">
+            <a:schemeClr val="accent1"/>
+          </a:fillRef>
+          <a:effectRef idx="0">
+            <a:schemeClr val="accent1"/>
+          </a:effectRef>
+          <a:fontRef idx="minor">
+            <a:schemeClr val="lt1"/>
+          </a:fontRef>
+        </p:style>
+        <p:txBody>
+          <a:bodyPr rtlCol="0" anchor="ctr"/>
+          <a:lstStyle/>
+          <a:p>
+            <a:pPr algn="ctr"/>
+            <a:endParaRPr lang="zh-CN" altLang="en-US"/>
+          </a:p>
+        </p:txBody>
+      </p:sp>
+      <p:sp>
+        <p:nvSpPr>
+          <p:cNvPr id="7" name="等腰三角形 6"/>
+          <p:cNvSpPr/>
+          <p:nvPr/>
+        </p:nvSpPr>
+        <p:spPr>
+          <a:xfrm rot="16200000">
+            <a:off x="10870588" y="-320993"/>
+            <a:ext cx="736941" cy="635294"/>
+          </a:xfrm>
+          <a:prstGeom prst="triangle">
+            <a:avLst/>
+          </a:prstGeom>
+          <a:solidFill>
+            <a:schemeClr val="bg1">
+              <a:lumMod val="95000"/>
+              <a:alpha val="50196"/>
+            </a:schemeClr>
+          </a:solidFill>
+          <a:ln>
+            <a:noFill/>
+          </a:ln>
+        </p:spPr>
+        <p:style>
+          <a:lnRef idx="2">
+            <a:schemeClr val="accent1">
+              <a:shade val="50000"/>
+            </a:schemeClr>
+          </a:lnRef>
+          <a:fillRef idx="1">
+            <a:schemeClr val="accent1"/>
+          </a:fillRef>
+          <a:effectRef idx="0">
+            <a:schemeClr val="accent1"/>
+          </a:effectRef>
+          <a:fontRef idx="minor">
+            <a:schemeClr val="lt1"/>
+          </a:fontRef>
+        </p:style>
+        <p:txBody>
+          <a:bodyPr rtlCol="0" anchor="ctr"/>
+          <a:lstStyle/>
+          <a:p>
+            <a:pPr algn="ctr"/>
+            <a:endParaRPr lang="zh-CN" altLang="en-US"/>
+          </a:p>
+        </p:txBody>
+      </p:sp>
+      <p:sp>
+        <p:nvSpPr>
+          <p:cNvPr id="8" name="等腰三角形 7"/>
+          <p:cNvSpPr/>
+          <p:nvPr/>
+        </p:nvSpPr>
+        <p:spPr>
+          <a:xfrm rot="5400000">
+            <a:off x="11505882" y="-320993"/>
+            <a:ext cx="736941" cy="635294"/>
+          </a:xfrm>
+          <a:prstGeom prst="triangle">
+            <a:avLst/>
+          </a:prstGeom>
+          <a:solidFill>
+            <a:schemeClr val="bg2">
+              <a:alpha val="50196"/>
+            </a:schemeClr>
+          </a:solidFill>
+          <a:ln>
+            <a:noFill/>
+          </a:ln>
+        </p:spPr>
+        <p:style>
+          <a:lnRef idx="2">
+            <a:schemeClr val="accent1">
+              <a:shade val="50000"/>
+            </a:schemeClr>
+          </a:lnRef>
+          <a:fillRef idx="1">
+            <a:schemeClr val="accent1"/>
+          </a:fillRef>
+          <a:effectRef idx="0">
+            <a:schemeClr val="accent1"/>
+          </a:effectRef>
+          <a:fontRef idx="minor">
+            <a:schemeClr val="lt1"/>
+          </a:fontRef>
+        </p:style>
+        <p:txBody>
+          <a:bodyPr rtlCol="0" anchor="ctr"/>
+          <a:lstStyle/>
+          <a:p>
+            <a:pPr algn="ctr"/>
+            <a:endParaRPr lang="zh-CN" altLang="en-US"/>
+          </a:p>
+        </p:txBody>
+      </p:sp>
+      <p:sp>
+        <p:nvSpPr>
+          <p:cNvPr id="9" name="等腰三角形 8"/>
+          <p:cNvSpPr/>
+          <p:nvPr/>
+        </p:nvSpPr>
+        <p:spPr>
+          <a:xfrm rot="5400000">
+            <a:off x="9600001" y="47478"/>
+            <a:ext cx="736941" cy="635294"/>
+          </a:xfrm>
+          <a:prstGeom prst="triangle">
+            <a:avLst/>
+          </a:prstGeom>
+          <a:solidFill>
+            <a:schemeClr val="bg2">
+              <a:alpha val="50196"/>
+            </a:schemeClr>
+          </a:solidFill>
+          <a:ln>
+            <a:noFill/>
+          </a:ln>
+        </p:spPr>
+        <p:style>
+          <a:lnRef idx="2">
+            <a:schemeClr val="accent1">
+              <a:shade val="50000"/>
+            </a:schemeClr>
+          </a:lnRef>
+          <a:fillRef idx="1">
+            <a:schemeClr val="accent1"/>
+          </a:fillRef>
+          <a:effectRef idx="0">
+            <a:schemeClr val="accent1"/>
+          </a:effectRef>
+          <a:fontRef idx="minor">
+            <a:schemeClr val="lt1"/>
+          </a:fontRef>
+        </p:style>
+        <p:txBody>
+          <a:bodyPr rtlCol="0" anchor="ctr"/>
+          <a:lstStyle/>
+          <a:p>
+            <a:pPr algn="ctr"/>
+            <a:endParaRPr lang="zh-CN" altLang="en-US"/>
+          </a:p>
+        </p:txBody>
+      </p:sp>
+      <p:sp>
+        <p:nvSpPr>
+          <p:cNvPr id="10" name="等腰三角形 9"/>
+          <p:cNvSpPr/>
+          <p:nvPr/>
+        </p:nvSpPr>
+        <p:spPr>
+          <a:xfrm rot="16200000">
+            <a:off x="10235294" y="47478"/>
+            <a:ext cx="736941" cy="635294"/>
+          </a:xfrm>
+          <a:prstGeom prst="triangle">
+            <a:avLst/>
+          </a:prstGeom>
+          <a:solidFill>
+            <a:schemeClr val="bg1">
+              <a:lumMod val="95000"/>
+              <a:alpha val="50196"/>
+            </a:schemeClr>
+          </a:solidFill>
+          <a:ln>
+            <a:noFill/>
+          </a:ln>
+        </p:spPr>
+        <p:style>
+          <a:lnRef idx="2">
+            <a:schemeClr val="accent1">
+              <a:shade val="50000"/>
+            </a:schemeClr>
+          </a:lnRef>
+          <a:fillRef idx="1">
+            <a:schemeClr val="accent1"/>
+          </a:fillRef>
+          <a:effectRef idx="0">
+            <a:schemeClr val="accent1"/>
+          </a:effectRef>
+          <a:fontRef idx="minor">
+            <a:schemeClr val="lt1"/>
+          </a:fontRef>
+        </p:style>
+        <p:txBody>
+          <a:bodyPr rtlCol="0" anchor="ctr"/>
+          <a:lstStyle/>
+          <a:p>
+            <a:pPr algn="ctr"/>
+            <a:endParaRPr lang="zh-CN" altLang="en-US"/>
+          </a:p>
+        </p:txBody>
+      </p:sp>
+      <p:sp>
+        <p:nvSpPr>
+          <p:cNvPr id="11" name="等腰三角形 10"/>
+          <p:cNvSpPr/>
+          <p:nvPr/>
+        </p:nvSpPr>
+        <p:spPr>
+          <a:xfrm rot="5400000">
+            <a:off x="10870588" y="47478"/>
+            <a:ext cx="736941" cy="635294"/>
+          </a:xfrm>
+          <a:prstGeom prst="triangle">
+            <a:avLst/>
+          </a:prstGeom>
+          <a:solidFill>
+            <a:schemeClr val="bg1">
+              <a:alpha val="50196"/>
+            </a:schemeClr>
+          </a:solidFill>
+          <a:ln>
+            <a:noFill/>
+          </a:ln>
+        </p:spPr>
+        <p:style>
+          <a:lnRef idx="2">
+            <a:schemeClr val="accent1">
+              <a:shade val="50000"/>
+            </a:schemeClr>
+          </a:lnRef>
+          <a:fillRef idx="1">
+            <a:schemeClr val="accent1"/>
+          </a:fillRef>
+          <a:effectRef idx="0">
+            <a:schemeClr val="accent1"/>
+          </a:effectRef>
+          <a:fontRef idx="minor">
+            <a:schemeClr val="lt1"/>
+          </a:fontRef>
+        </p:style>
+        <p:txBody>
+          <a:bodyPr rtlCol="0" anchor="ctr"/>
+          <a:lstStyle/>
+          <a:p>
+            <a:pPr algn="ctr"/>
+            <a:endParaRPr lang="zh-CN" altLang="en-US"/>
+          </a:p>
+        </p:txBody>
+      </p:sp>
+      <p:sp>
+        <p:nvSpPr>
+          <p:cNvPr id="12" name="等腰三角形 11"/>
+          <p:cNvSpPr/>
+          <p:nvPr/>
+        </p:nvSpPr>
+        <p:spPr>
+          <a:xfrm rot="12600000">
+            <a:off x="10059450" y="490026"/>
+            <a:ext cx="736941" cy="635294"/>
+          </a:xfrm>
+          <a:prstGeom prst="triangle">
+            <a:avLst/>
+          </a:prstGeom>
+          <a:solidFill>
+            <a:schemeClr val="bg1">
+              <a:lumMod val="85000"/>
+              <a:alpha val="50196"/>
+            </a:schemeClr>
+          </a:solidFill>
+          <a:ln>
+            <a:noFill/>
+          </a:ln>
+        </p:spPr>
+        <p:style>
+          <a:lnRef idx="2">
+            <a:schemeClr val="accent1">
+              <a:shade val="50000"/>
+            </a:schemeClr>
+          </a:lnRef>
+          <a:fillRef idx="1">
+            <a:schemeClr val="accent1"/>
+          </a:fillRef>
+          <a:effectRef idx="0">
+            <a:schemeClr val="accent1"/>
+          </a:effectRef>
+          <a:fontRef idx="minor">
+            <a:schemeClr val="lt1"/>
+          </a:fontRef>
+        </p:style>
+        <p:txBody>
+          <a:bodyPr rtlCol="0" anchor="ctr"/>
+          <a:lstStyle/>
+          <a:p>
+            <a:pPr algn="ctr"/>
+            <a:endParaRPr lang="zh-CN" altLang="en-US"/>
+          </a:p>
+        </p:txBody>
+      </p:sp>
+      <p:sp>
+        <p:nvSpPr>
+          <p:cNvPr id="13" name="等腰三角形 12"/>
+          <p:cNvSpPr/>
+          <p:nvPr/>
+        </p:nvSpPr>
+        <p:spPr>
+          <a:xfrm rot="16200000">
+            <a:off x="10870588" y="415948"/>
+            <a:ext cx="736941" cy="635294"/>
+          </a:xfrm>
+          <a:prstGeom prst="triangle">
+            <a:avLst/>
+          </a:prstGeom>
+          <a:solidFill>
+            <a:schemeClr val="bg2">
+              <a:alpha val="50196"/>
+            </a:schemeClr>
+          </a:solidFill>
+          <a:ln>
+            <a:noFill/>
+          </a:ln>
+        </p:spPr>
+        <p:style>
+          <a:lnRef idx="2">
+            <a:schemeClr val="accent1">
+              <a:shade val="50000"/>
+            </a:schemeClr>
+          </a:lnRef>
+          <a:fillRef idx="1">
+            <a:schemeClr val="accent1"/>
+          </a:fillRef>
+          <a:effectRef idx="0">
+            <a:schemeClr val="accent1"/>
+          </a:effectRef>
+          <a:fontRef idx="minor">
+            <a:schemeClr val="lt1"/>
+          </a:fontRef>
+        </p:style>
+        <p:txBody>
+          <a:bodyPr rtlCol="0" anchor="ctr"/>
+          <a:lstStyle/>
+          <a:p>
+            <a:pPr algn="ctr"/>
+            <a:endParaRPr lang="zh-CN" altLang="en-US"/>
+          </a:p>
+        </p:txBody>
+      </p:sp>
+      <p:sp>
+        <p:nvSpPr>
+          <p:cNvPr id="14" name="等腰三角形 13"/>
+          <p:cNvSpPr/>
+          <p:nvPr/>
+        </p:nvSpPr>
+        <p:spPr>
+          <a:xfrm rot="5400000">
+            <a:off x="11505882" y="415948"/>
+            <a:ext cx="736941" cy="635294"/>
+          </a:xfrm>
+          <a:prstGeom prst="triangle">
+            <a:avLst/>
+          </a:prstGeom>
+          <a:solidFill>
+            <a:schemeClr val="bg2">
+              <a:lumMod val="90000"/>
+              <a:alpha val="50196"/>
+            </a:schemeClr>
+          </a:solidFill>
+          <a:ln>
+            <a:noFill/>
+          </a:ln>
+        </p:spPr>
+        <p:style>
+          <a:lnRef idx="2">
+            <a:schemeClr val="accent1">
+              <a:shade val="50000"/>
+            </a:schemeClr>
+          </a:lnRef>
+          <a:fillRef idx="1">
+            <a:schemeClr val="accent1"/>
+          </a:fillRef>
+          <a:effectRef idx="0">
+            <a:schemeClr val="accent1"/>
+          </a:effectRef>
+          <a:fontRef idx="minor">
+            <a:schemeClr val="lt1"/>
+          </a:fontRef>
+        </p:style>
+        <p:txBody>
+          <a:bodyPr rtlCol="0" anchor="ctr"/>
+          <a:lstStyle/>
+          <a:p>
+            <a:pPr algn="ctr"/>
+            <a:endParaRPr lang="zh-CN" altLang="en-US"/>
+          </a:p>
+        </p:txBody>
+      </p:sp>
+      <p:sp>
+        <p:nvSpPr>
+          <p:cNvPr id="15" name="等腰三角形 14"/>
+          <p:cNvSpPr/>
+          <p:nvPr/>
+        </p:nvSpPr>
+        <p:spPr>
+          <a:xfrm rot="5400000">
+            <a:off x="10870588" y="784418"/>
+            <a:ext cx="736941" cy="635294"/>
+          </a:xfrm>
+          <a:prstGeom prst="triangle">
+            <a:avLst/>
+          </a:prstGeom>
+          <a:solidFill>
+            <a:schemeClr val="bg1">
+              <a:lumMod val="95000"/>
+              <a:alpha val="50196"/>
+            </a:schemeClr>
+          </a:solidFill>
+          <a:ln>
+            <a:noFill/>
+          </a:ln>
+        </p:spPr>
+        <p:style>
+          <a:lnRef idx="2">
+            <a:schemeClr val="accent1">
+              <a:shade val="50000"/>
+            </a:schemeClr>
+          </a:lnRef>
+          <a:fillRef idx="1">
+            <a:schemeClr val="accent1"/>
+          </a:fillRef>
+          <a:effectRef idx="0">
+            <a:schemeClr val="accent1"/>
+          </a:effectRef>
+          <a:fontRef idx="minor">
+            <a:schemeClr val="lt1"/>
+          </a:fontRef>
+        </p:style>
+        <p:txBody>
+          <a:bodyPr rtlCol="0" anchor="ctr"/>
+          <a:lstStyle/>
+          <a:p>
+            <a:pPr algn="ctr"/>
+            <a:endParaRPr lang="zh-CN" altLang="en-US"/>
+          </a:p>
+        </p:txBody>
+      </p:sp>
+      <p:sp>
+        <p:nvSpPr>
+          <p:cNvPr id="16" name="等腰三角形 15"/>
+          <p:cNvSpPr/>
+          <p:nvPr/>
+        </p:nvSpPr>
+        <p:spPr>
+          <a:xfrm rot="16200000">
+            <a:off x="11505882" y="784418"/>
+            <a:ext cx="736941" cy="635294"/>
+          </a:xfrm>
+          <a:prstGeom prst="triangle">
+            <a:avLst/>
+          </a:prstGeom>
+          <a:solidFill>
+            <a:schemeClr val="bg1">
+              <a:lumMod val="95000"/>
+              <a:alpha val="50196"/>
+            </a:schemeClr>
+          </a:solidFill>
+          <a:ln>
+            <a:noFill/>
+          </a:ln>
+        </p:spPr>
+        <p:style>
+          <a:lnRef idx="2">
+            <a:schemeClr val="accent1">
+              <a:shade val="50000"/>
+            </a:schemeClr>
+          </a:lnRef>
+          <a:fillRef idx="1">
+            <a:schemeClr val="accent1"/>
+          </a:fillRef>
+          <a:effectRef idx="0">
+            <a:schemeClr val="accent1"/>
+          </a:effectRef>
+          <a:fontRef idx="minor">
+            <a:schemeClr val="lt1"/>
+          </a:fontRef>
+        </p:style>
+        <p:txBody>
+          <a:bodyPr rtlCol="0" anchor="ctr"/>
+          <a:lstStyle/>
+          <a:p>
+            <a:pPr algn="ctr"/>
+            <a:endParaRPr lang="zh-CN" altLang="en-US"/>
+          </a:p>
+        </p:txBody>
+      </p:sp>
+      <p:sp>
+        <p:nvSpPr>
+          <p:cNvPr id="17" name="等腰三角形 16"/>
+          <p:cNvSpPr/>
+          <p:nvPr/>
+        </p:nvSpPr>
+        <p:spPr>
+          <a:xfrm rot="16200000">
+            <a:off x="8964706" y="39089"/>
+            <a:ext cx="736941" cy="635294"/>
+          </a:xfrm>
+          <a:prstGeom prst="triangle">
+            <a:avLst/>
+          </a:prstGeom>
+          <a:solidFill>
+            <a:schemeClr val="bg1">
+              <a:lumMod val="95000"/>
+              <a:alpha val="50196"/>
+            </a:schemeClr>
+          </a:solidFill>
+          <a:ln>
+            <a:noFill/>
+          </a:ln>
+        </p:spPr>
+        <p:style>
+          <a:lnRef idx="2">
+            <a:schemeClr val="accent1">
+              <a:shade val="50000"/>
+            </a:schemeClr>
+          </a:lnRef>
+          <a:fillRef idx="1">
+            <a:schemeClr val="accent1"/>
+          </a:fillRef>
+          <a:effectRef idx="0">
+            <a:schemeClr val="accent1"/>
+          </a:effectRef>
+          <a:fontRef idx="minor">
+            <a:schemeClr val="lt1"/>
+          </a:fontRef>
+        </p:style>
+        <p:txBody>
+          <a:bodyPr rtlCol="0" anchor="ctr"/>
+          <a:lstStyle/>
+          <a:p>
+            <a:pPr algn="ctr"/>
+            <a:endParaRPr lang="zh-CN" altLang="en-US"/>
+          </a:p>
+        </p:txBody>
+      </p:sp>
+      <p:sp>
+        <p:nvSpPr>
+          <p:cNvPr id="18" name="等腰三角形 17"/>
+          <p:cNvSpPr/>
+          <p:nvPr/>
+        </p:nvSpPr>
+        <p:spPr>
+          <a:xfrm rot="5400000">
+            <a:off x="11505882" y="1152888"/>
+            <a:ext cx="736941" cy="635294"/>
+          </a:xfrm>
+          <a:prstGeom prst="triangle">
+            <a:avLst/>
+          </a:prstGeom>
+          <a:solidFill>
+            <a:schemeClr val="bg2">
+              <a:alpha val="50196"/>
+            </a:schemeClr>
+          </a:solidFill>
+          <a:ln>
+            <a:noFill/>
+          </a:ln>
+        </p:spPr>
+        <p:style>
+          <a:lnRef idx="2">
+            <a:schemeClr val="accent1">
+              <a:shade val="50000"/>
+            </a:schemeClr>
+          </a:lnRef>
+          <a:fillRef idx="1">
+            <a:schemeClr val="accent1"/>
+          </a:fillRef>
+          <a:effectRef idx="0">
+            <a:schemeClr val="accent1"/>
+          </a:effectRef>
+          <a:fontRef idx="minor">
+            <a:schemeClr val="lt1"/>
+          </a:fontRef>
+        </p:style>
+        <p:txBody>
+          <a:bodyPr rtlCol="0" anchor="ctr"/>
+          <a:lstStyle/>
+          <a:p>
+            <a:pPr algn="ctr"/>
+            <a:endParaRPr lang="zh-CN" altLang="en-US"/>
+          </a:p>
+        </p:txBody>
+      </p:sp>
+      <p:sp>
+        <p:nvSpPr>
+          <p:cNvPr id="19" name="等腰三角形 18"/>
+          <p:cNvSpPr/>
+          <p:nvPr/>
+        </p:nvSpPr>
+        <p:spPr>
+          <a:xfrm rot="16200000">
+            <a:off x="11505882" y="1521358"/>
+            <a:ext cx="736941" cy="635294"/>
+          </a:xfrm>
+          <a:prstGeom prst="triangle">
+            <a:avLst/>
+          </a:prstGeom>
+          <a:solidFill>
+            <a:schemeClr val="bg1">
+              <a:lumMod val="95000"/>
+              <a:alpha val="50196"/>
+            </a:schemeClr>
+          </a:solidFill>
+          <a:ln>
+            <a:noFill/>
+          </a:ln>
+        </p:spPr>
+        <p:style>
+          <a:lnRef idx="2">
+            <a:schemeClr val="accent1">
+              <a:shade val="50000"/>
+            </a:schemeClr>
+          </a:lnRef>
+          <a:fillRef idx="1">
+            <a:schemeClr val="accent1"/>
+          </a:fillRef>
+          <a:effectRef idx="0">
+            <a:schemeClr val="accent1"/>
+          </a:effectRef>
+          <a:fontRef idx="minor">
+            <a:schemeClr val="lt1"/>
+          </a:fontRef>
+        </p:style>
+        <p:txBody>
+          <a:bodyPr rtlCol="0" anchor="ctr"/>
+          <a:lstStyle/>
+          <a:p>
+            <a:pPr algn="ctr"/>
+            <a:endParaRPr lang="zh-CN" altLang="en-US"/>
+          </a:p>
+        </p:txBody>
+      </p:sp>
+      <p:sp>
+        <p:nvSpPr>
+          <p:cNvPr id="20" name="等腰三角形 19"/>
+          <p:cNvSpPr/>
+          <p:nvPr/>
+        </p:nvSpPr>
+        <p:spPr>
+          <a:xfrm rot="16200000">
+            <a:off x="11505883" y="1521356"/>
+            <a:ext cx="736941" cy="635294"/>
+          </a:xfrm>
+          <a:prstGeom prst="triangle">
+            <a:avLst/>
+          </a:prstGeom>
+          <a:solidFill>
+            <a:schemeClr val="bg1">
+              <a:lumMod val="85000"/>
+              <a:alpha val="50196"/>
+            </a:schemeClr>
+          </a:solidFill>
+          <a:ln>
+            <a:noFill/>
+          </a:ln>
+        </p:spPr>
+        <p:style>
+          <a:lnRef idx="2">
+            <a:schemeClr val="accent1">
+              <a:shade val="50000"/>
+            </a:schemeClr>
+          </a:lnRef>
+          <a:fillRef idx="1">
+            <a:schemeClr val="accent1"/>
+          </a:fillRef>
+          <a:effectRef idx="0">
+            <a:schemeClr val="accent1"/>
+          </a:effectRef>
+          <a:fontRef idx="minor">
+            <a:schemeClr val="lt1"/>
+          </a:fontRef>
+        </p:style>
+        <p:txBody>
+          <a:bodyPr rtlCol="0" anchor="ctr"/>
+          <a:lstStyle/>
+          <a:p>
+            <a:pPr algn="ctr"/>
+            <a:endParaRPr lang="zh-CN" altLang="en-US"/>
+          </a:p>
+        </p:txBody>
+      </p:sp>
+      <p:sp>
+        <p:nvSpPr>
+          <p:cNvPr id="63" name="TextBox 62"/>
+          <p:cNvSpPr txBox="1"/>
+          <p:nvPr/>
+        </p:nvSpPr>
+        <p:spPr>
+          <a:xfrm>
+            <a:off x="544812" y="300368"/>
+            <a:ext cx="3422709" cy="369332"/>
+          </a:xfrm>
+          <a:prstGeom prst="rect">
+            <a:avLst/>
+          </a:prstGeom>
+          <a:noFill/>
+        </p:spPr>
+        <p:txBody>
+          <a:bodyPr wrap="square" rtlCol="0">
+            <a:spAutoFit/>
+          </a:bodyPr>
+          <a:lstStyle/>
+          <a:p>
+            <a:r>
+              <a:rPr lang="en-US" altLang="zh-CN" dirty="0" smtClean="0">
+                <a:solidFill>
+                  <a:schemeClr val="bg1">
+                    <a:lumMod val="50000"/>
+                  </a:schemeClr>
+                </a:solidFill>
+                <a:latin typeface="微软雅黑" panose="020B0503020204020204" pitchFamily="34" charset="-122"/>
+                <a:ea typeface="微软雅黑" panose="020B0503020204020204" pitchFamily="34" charset="-122"/>
+              </a:rPr>
+              <a:t>Hello World!</a:t>
+            </a:r>
+            <a:endParaRPr lang="zh-CN" altLang="en-US" dirty="0">
+              <a:solidFill>
+                <a:schemeClr val="bg1">
+                  <a:lumMod val="50000"/>
+                </a:schemeClr>
+              </a:solidFill>
+              <a:latin typeface="微软雅黑" panose="020B0503020204020204" pitchFamily="34" charset="-122"/>
+              <a:ea typeface="微软雅黑" panose="020B0503020204020204" pitchFamily="34" charset="-122"/>
+            </a:endParaRPr>
+          </a:p>
+        </p:txBody>
+      </p:sp>
+      <p:cxnSp>
+        <p:nvCxnSpPr>
+          <p:cNvPr id="65" name="直接连接符 64"/>
+          <p:cNvCxnSpPr/>
+          <p:nvPr/>
+        </p:nvCxnSpPr>
+        <p:spPr>
+          <a:xfrm>
+            <a:off x="637091" y="669700"/>
+            <a:ext cx="2827562" cy="0"/>
+          </a:xfrm>
+          <a:prstGeom prst="line">
+            <a:avLst/>
+          </a:prstGeom>
+          <a:ln>
+            <a:solidFill>
+              <a:schemeClr val="bg1">
+                <a:lumMod val="85000"/>
+              </a:schemeClr>
+            </a:solidFill>
+          </a:ln>
+        </p:spPr>
+        <p:style>
+          <a:lnRef idx="1">
+            <a:schemeClr val="accent4"/>
+          </a:lnRef>
+          <a:fillRef idx="0">
+            <a:schemeClr val="accent4"/>
+          </a:fillRef>
+          <a:effectRef idx="0">
+            <a:schemeClr val="accent4"/>
+          </a:effectRef>
+          <a:fontRef idx="minor">
+            <a:schemeClr val="tx1"/>
+          </a:fontRef>
+        </p:style>
+      </p:cxnSp>
+      <p:pic>
+        <p:nvPicPr>
+          <p:cNvPr id="66" name="Picture 2" descr="C:\Users\yepanmeng\Desktop\logo.png"/>
+          <p:cNvPicPr>
+            <a:picLocks noChangeAspect="1" noChangeArrowheads="1"/>
+          </p:cNvPicPr>
+          <p:nvPr/>
+        </p:nvPicPr>
+        <p:blipFill>
+          <a:blip r:embed="rId3" cstate="print">
+            <a:extLst>
+              <a:ext uri="{28A0092B-C50C-407E-A947-70E740481C1C}">
+                <a14:useLocalDpi xmlns:a14="http://schemas.microsoft.com/office/drawing/2010/main" val="0"/>
+              </a:ext>
+            </a:extLst>
+          </a:blip>
+          <a:srcRect/>
+          <a:stretch>
+            <a:fillRect/>
+          </a:stretch>
+        </p:blipFill>
+        <p:spPr bwMode="auto">
+          <a:xfrm rot="5400000">
+            <a:off x="11853862" y="6367223"/>
+            <a:ext cx="371695" cy="371695"/>
+          </a:xfrm>
+          <a:prstGeom prst="rect">
+            <a:avLst/>
+          </a:prstGeom>
+          <a:noFill/>
+          <a:extLst>
+            <a:ext uri="{909E8E84-426E-40DD-AFC4-6F175D3DCCD1}">
+              <a14:hiddenFill xmlns:a14="http://schemas.microsoft.com/office/drawing/2010/main">
+                <a:solidFill>
+                  <a:srgbClr val="FFFFFF"/>
+                </a:solidFill>
+              </a14:hiddenFill>
+            </a:ext>
+          </a:extLst>
+        </p:spPr>
+      </p:pic>
+      <p:sp>
+        <p:nvSpPr>
+          <p:cNvPr id="74" name="TextBox 73"/>
+          <p:cNvSpPr txBox="1"/>
+          <p:nvPr/>
+        </p:nvSpPr>
+        <p:spPr>
+          <a:xfrm>
+            <a:off x="11247447" y="6325278"/>
+            <a:ext cx="584961" cy="253916"/>
+          </a:xfrm>
+          <a:prstGeom prst="rect">
+            <a:avLst/>
+          </a:prstGeom>
+          <a:noFill/>
+        </p:spPr>
+        <p:txBody>
+          <a:bodyPr wrap="square" rtlCol="0">
+            <a:spAutoFit/>
+          </a:bodyPr>
+          <a:lstStyle/>
+          <a:p>
+            <a:r>
+              <a:rPr lang="en-US" altLang="zh-CN" sz="1050" dirty="0">
+                <a:solidFill>
+                  <a:schemeClr val="bg1">
+                    <a:lumMod val="50000"/>
+                  </a:schemeClr>
+                </a:solidFill>
+                <a:latin typeface="Microsoft YaHei UI" panose="020B0703020204020201" charset="-122"/>
+                <a:ea typeface="Microsoft YaHei UI" panose="020B0703020204020201" charset="-122"/>
+              </a:rPr>
+              <a:t>3</a:t>
+            </a:r>
+            <a:r>
+              <a:rPr lang="en-US" altLang="zh-CN" sz="1050" dirty="0" smtClean="0">
+                <a:solidFill>
+                  <a:schemeClr val="bg1">
+                    <a:lumMod val="50000"/>
+                  </a:schemeClr>
+                </a:solidFill>
+                <a:latin typeface="Microsoft YaHei UI" panose="020B0703020204020201" charset="-122"/>
+                <a:ea typeface="Microsoft YaHei UI" panose="020B0703020204020201" charset="-122"/>
+              </a:rPr>
+              <a:t> / 11</a:t>
+            </a:r>
+            <a:endParaRPr lang="zh-CN" altLang="en-US" sz="1050" dirty="0">
+              <a:solidFill>
+                <a:schemeClr val="bg1">
+                  <a:lumMod val="50000"/>
+                </a:schemeClr>
+              </a:solidFill>
+              <a:latin typeface="Microsoft YaHei UI" panose="020B0703020204020201" charset="-122"/>
+              <a:ea typeface="Microsoft YaHei UI" panose="020B0703020204020201" charset="-122"/>
+            </a:endParaRPr>
+          </a:p>
+        </p:txBody>
+      </p:sp>
+      <p:cxnSp>
+        <p:nvCxnSpPr>
+          <p:cNvPr id="80" name="直接连接符 79"/>
+          <p:cNvCxnSpPr/>
+          <p:nvPr/>
+        </p:nvCxnSpPr>
+        <p:spPr>
+          <a:xfrm flipH="1" flipV="1">
+            <a:off x="11289392" y="6553071"/>
+            <a:ext cx="480580" cy="1"/>
+          </a:xfrm>
+          <a:prstGeom prst="line">
+            <a:avLst/>
+          </a:prstGeom>
+          <a:ln>
+            <a:solidFill>
+              <a:schemeClr val="bg1">
+                <a:lumMod val="85000"/>
+              </a:schemeClr>
+            </a:solidFill>
+          </a:ln>
+        </p:spPr>
+        <p:style>
+          <a:lnRef idx="1">
+            <a:schemeClr val="accent1"/>
+          </a:lnRef>
+          <a:fillRef idx="0">
+            <a:schemeClr val="accent1"/>
+          </a:fillRef>
+          <a:effectRef idx="0">
+            <a:schemeClr val="accent1"/>
+          </a:effectRef>
+          <a:fontRef idx="minor">
+            <a:schemeClr val="tx1"/>
+          </a:fontRef>
+        </p:style>
+      </p:cxnSp>
+    </p:spTree>
+    <p:extLst>
+      <p:ext uri="{BB962C8B-B14F-4D97-AF65-F5344CB8AC3E}">
+        <p14:creationId xmlns:p14="http://schemas.microsoft.com/office/powerpoint/2010/main" val="3808333112"/>
+      </p:ext>
+    </p:extLst>
+  </p:cSld>
+  <p:clrMapOvr>
+    <a:masterClrMapping/>
+  </p:clrMapOvr>
+  <mc:AlternateContent xmlns:mc="http://schemas.openxmlformats.org/markup-compatibility/2006" xmlns:p14="http://schemas.microsoft.com/office/powerpoint/2010/main">
+    <mc:Choice Requires="p14">
+      <p:transition p14:dur="10"/>
+    </mc:Choice>
+    <mc:Fallback xmlns="">
+      <p:transition/>
+    </mc:Fallback>
+  </mc:AlternateContent>
+  <p:timing>
+    <p:tnLst>
+      <p:par>
+        <p:cTn id="1" dur="indefinite" restart="never" nodeType="tmRoot"/>
+      </p:par>
+    </p:tnLst>
+  </p:timing>
+</p:sld>
+</file>
+
+<file path=ppt/slides/slide9.xml><?xml version="1.0" encoding="utf-8"?>
 <p:sld xmlns:a="http://schemas.openxmlformats.org/drawingml/2006/main" xmlns:r="http://schemas.openxmlformats.org/officeDocument/2006/relationships" xmlns:p="http://schemas.openxmlformats.org/presentationml/2006/main">
   <p:cSld>
     <p:spTree>
@@ -11289,7 +15683,7 @@
   <a:extraClrSchemeLst/>
   <a:extLst>
     <a:ext uri="{05A4C25C-085E-4340-85A3-A5531E510DB2}">
-      <thm15:themeFamily xmlns:thm15="http://schemas.microsoft.com/office/thememl/2012/main" xmlns="" name="Office Theme" id="{62F939B6-93AF-4DB8-9C6B-D6C7DFDC589F}" vid="{4A3C46E8-61CC-4603-A589-7422A47A8E4A}"/>
+      <thm15:themeFamily xmlns="" xmlns:thm15="http://schemas.microsoft.com/office/thememl/2012/main" name="Office Theme" id="{62F939B6-93AF-4DB8-9C6B-D6C7DFDC589F}" vid="{4A3C46E8-61CC-4603-A589-7422A47A8E4A}"/>
     </a:ext>
   </a:extLst>
 </a:theme>
@@ -11550,7 +15944,7 @@
   <a:extraClrSchemeLst/>
   <a:extLst>
     <a:ext uri="{05A4C25C-085E-4340-85A3-A5531E510DB2}">
-      <thm15:themeFamily xmlns:thm15="http://schemas.microsoft.com/office/thememl/2012/main" xmlns="" name="Office Theme" id="{62F939B6-93AF-4DB8-9C6B-D6C7DFDC589F}" vid="{4A3C46E8-61CC-4603-A589-7422A47A8E4A}"/>
+      <thm15:themeFamily xmlns="" xmlns:thm15="http://schemas.microsoft.com/office/thememl/2012/main" name="Office Theme" id="{62F939B6-93AF-4DB8-9C6B-D6C7DFDC589F}" vid="{4A3C46E8-61CC-4603-A589-7422A47A8E4A}"/>
     </a:ext>
   </a:extLst>
 </a:theme>

--- a/Presentation/Vue入门.pptx
+++ b/Presentation/Vue入门.pptx
@@ -5,10 +5,10 @@
     <p:sldMasterId id="2147483780" r:id="rId1"/>
   </p:sldMasterIdLst>
   <p:notesMasterIdLst>
-    <p:notesMasterId r:id="rId11"/>
+    <p:notesMasterId r:id="rId14"/>
   </p:notesMasterIdLst>
   <p:handoutMasterIdLst>
-    <p:handoutMasterId r:id="rId12"/>
+    <p:handoutMasterId r:id="rId15"/>
   </p:handoutMasterIdLst>
   <p:sldIdLst>
     <p:sldId id="257" r:id="rId2"/>
@@ -16,28 +16,25 @@
     <p:sldId id="261" r:id="rId4"/>
     <p:sldId id="262" r:id="rId5"/>
     <p:sldId id="263" r:id="rId6"/>
-    <p:sldId id="266" r:id="rId7"/>
-    <p:sldId id="264" r:id="rId8"/>
-    <p:sldId id="265" r:id="rId9"/>
-    <p:sldId id="259" r:id="rId10"/>
+    <p:sldId id="267" r:id="rId7"/>
+    <p:sldId id="268" r:id="rId8"/>
+    <p:sldId id="269" r:id="rId9"/>
+    <p:sldId id="266" r:id="rId10"/>
+    <p:sldId id="264" r:id="rId11"/>
+    <p:sldId id="265" r:id="rId12"/>
+    <p:sldId id="259" r:id="rId13"/>
   </p:sldIdLst>
   <p:sldSz cx="12192000" cy="6858000"/>
   <p:notesSz cx="6858000" cy="9144000"/>
   <p:embeddedFontLst>
     <p:embeddedFont>
-      <p:font typeface="方正风雅宋简体" panose="02010600030101010101" charset="-122"/>
-      <p:regular r:id="rId13"/>
+      <p:font typeface="方正铁筋隶书简体" panose="03000509000000000000" pitchFamily="65" charset="-122"/>
+      <p:regular r:id="rId16"/>
     </p:embeddedFont>
     <p:embeddedFont>
-      <p:font typeface="Calibri" panose="020F0502020204030204" pitchFamily="34" charset="0"/>
-      <p:regular r:id="rId14"/>
-      <p:bold r:id="rId15"/>
-      <p:italic r:id="rId16"/>
-      <p:boldItalic r:id="rId17"/>
-    </p:embeddedFont>
-    <p:embeddedFont>
-      <p:font typeface="方正铁筋隶书简体" panose="03000509000000000000" pitchFamily="65" charset="-122"/>
-      <p:regular r:id="rId18"/>
+      <p:font typeface="微软雅黑" panose="020B0503020204020204" pitchFamily="34" charset="-122"/>
+      <p:regular r:id="rId17"/>
+      <p:bold r:id="rId18"/>
     </p:embeddedFont>
     <p:embeddedFont>
       <p:font typeface="Microsoft YaHei UI" panose="020B0703020204020201" charset="-122"/>
@@ -45,9 +42,15 @@
       <p:bold r:id="rId20"/>
     </p:embeddedFont>
     <p:embeddedFont>
-      <p:font typeface="微软雅黑" panose="020B0503020204020204" pitchFamily="34" charset="-122"/>
+      <p:font typeface="方正风雅宋简体" panose="02010600030101010101" charset="-122"/>
       <p:regular r:id="rId21"/>
-      <p:bold r:id="rId22"/>
+    </p:embeddedFont>
+    <p:embeddedFont>
+      <p:font typeface="Calibri" panose="020F0502020204030204" pitchFamily="34" charset="0"/>
+      <p:regular r:id="rId22"/>
+      <p:bold r:id="rId23"/>
+      <p:italic r:id="rId24"/>
+      <p:boldItalic r:id="rId25"/>
     </p:embeddedFont>
   </p:embeddedFontLst>
   <p:defaultTextStyle>
@@ -147,7 +150,7 @@
   </p:defaultTextStyle>
   <p:extLst>
     <p:ext uri="{EFAFB233-063F-42B5-8137-9DF3F51BA10A}">
-      <p15:sldGuideLst xmlns="" xmlns:p15="http://schemas.microsoft.com/office/powerpoint/2012/main">
+      <p15:sldGuideLst xmlns:p15="http://schemas.microsoft.com/office/powerpoint/2012/main" xmlns="">
         <p15:guide id="1" pos="3840" userDrawn="1">
           <p15:clr>
             <a:srgbClr val="A4A3A4"/>
@@ -161,7 +164,7 @@
       </p15:sldGuideLst>
     </p:ext>
     <p:ext uri="{2D200454-40CA-4A62-9FC3-DE9A4176ACB9}">
-      <p15:notesGuideLst xmlns="" xmlns:p15="http://schemas.microsoft.com/office/powerpoint/2012/main"/>
+      <p15:notesGuideLst xmlns:p15="http://schemas.microsoft.com/office/powerpoint/2012/main" xmlns=""/>
     </p:ext>
   </p:extLst>
 </p:presentation>
@@ -216,7 +219,9 @@
             </a:lvl1pPr>
           </a:lstStyle>
           <a:p>
-            <a:endParaRPr lang="zh-CN" altLang="en-US"/>
+            <a:endParaRPr lang="zh-CN" altLang="en-US" dirty="0">
+              <a:ea typeface="微软雅黑" panose="020B0503020204020204" pitchFamily="34" charset="-122"/>
+            </a:endParaRPr>
           </a:p>
         </p:txBody>
       </p:sp>
@@ -248,10 +253,14 @@
           </a:lstStyle>
           <a:p>
             <a:fld id="{1DE6DDE5-00DC-4011-AAAC-1E3AEC5EBBB7}" type="datetimeFigureOut">
-              <a:rPr lang="zh-CN" altLang="en-US" smtClean="0"/>
-              <a:t>2017/7/10</a:t>
+              <a:rPr lang="zh-CN" altLang="en-US" smtClean="0">
+                <a:ea typeface="微软雅黑" panose="020B0503020204020204" pitchFamily="34" charset="-122"/>
+              </a:rPr>
+              <a:t>2017/7/12</a:t>
             </a:fld>
-            <a:endParaRPr lang="zh-CN" altLang="en-US"/>
+            <a:endParaRPr lang="zh-CN" altLang="en-US" dirty="0">
+              <a:ea typeface="微软雅黑" panose="020B0503020204020204" pitchFamily="34" charset="-122"/>
+            </a:endParaRPr>
           </a:p>
         </p:txBody>
       </p:sp>
@@ -282,7 +291,9 @@
             </a:lvl1pPr>
           </a:lstStyle>
           <a:p>
-            <a:endParaRPr lang="zh-CN" altLang="en-US"/>
+            <a:endParaRPr lang="zh-CN" altLang="en-US" dirty="0">
+              <a:ea typeface="微软雅黑" panose="020B0503020204020204" pitchFamily="34" charset="-122"/>
+            </a:endParaRPr>
           </a:p>
         </p:txBody>
       </p:sp>
@@ -314,10 +325,14 @@
           </a:lstStyle>
           <a:p>
             <a:fld id="{737AA973-BCB2-4916-B2EE-DE41DE6FDDFC}" type="slidenum">
-              <a:rPr lang="zh-CN" altLang="en-US" smtClean="0"/>
+              <a:rPr lang="zh-CN" altLang="en-US" smtClean="0">
+                <a:ea typeface="微软雅黑" panose="020B0503020204020204" pitchFamily="34" charset="-122"/>
+              </a:rPr>
               <a:t>‹#›</a:t>
             </a:fld>
-            <a:endParaRPr lang="zh-CN" altLang="en-US"/>
+            <a:endParaRPr lang="zh-CN" altLang="en-US" dirty="0">
+              <a:ea typeface="微软雅黑" panose="020B0503020204020204" pitchFamily="34" charset="-122"/>
+            </a:endParaRPr>
           </a:p>
         </p:txBody>
       </p:sp>
@@ -377,11 +392,13 @@
           <a:bodyPr vert="horz" lIns="91440" tIns="45720" rIns="91440" bIns="45720" rtlCol="0"/>
           <a:lstStyle>
             <a:lvl1pPr algn="l">
-              <a:defRPr sz="1200"/>
+              <a:defRPr sz="1200">
+                <a:ea typeface="微软雅黑" panose="020B0503020204020204" pitchFamily="34" charset="-122"/>
+              </a:defRPr>
             </a:lvl1pPr>
           </a:lstStyle>
           <a:p>
-            <a:endParaRPr lang="zh-CN" altLang="en-US"/>
+            <a:endParaRPr lang="zh-CN" altLang="en-US" dirty="0"/>
           </a:p>
         </p:txBody>
       </p:sp>
@@ -408,15 +425,18 @@
           <a:bodyPr vert="horz" lIns="91440" tIns="45720" rIns="91440" bIns="45720" rtlCol="0"/>
           <a:lstStyle>
             <a:lvl1pPr algn="r">
-              <a:defRPr sz="1200"/>
+              <a:defRPr sz="1200">
+                <a:ea typeface="微软雅黑" panose="020B0503020204020204" pitchFamily="34" charset="-122"/>
+              </a:defRPr>
             </a:lvl1pPr>
           </a:lstStyle>
           <a:p>
             <a:fld id="{05C67124-AD51-4EAA-B479-FB695B5F6809}" type="datetimeFigureOut">
               <a:rPr lang="zh-CN" altLang="en-US" smtClean="0"/>
-              <a:t>2017/7/10</a:t>
+              <a:pPr/>
+              <a:t>2017/7/12</a:t>
             </a:fld>
-            <a:endParaRPr lang="zh-CN" altLang="en-US"/>
+            <a:endParaRPr lang="zh-CN" altLang="en-US" dirty="0"/>
           </a:p>
         </p:txBody>
       </p:sp>
@@ -449,7 +469,7 @@
           <a:bodyPr vert="horz" lIns="91440" tIns="45720" rIns="91440" bIns="45720" rtlCol="0" anchor="ctr"/>
           <a:lstStyle/>
           <a:p>
-            <a:endParaRPr lang="zh-CN" altLang="en-US"/>
+            <a:endParaRPr lang="zh-CN" altLang="en-US" dirty="0"/>
           </a:p>
         </p:txBody>
       </p:sp>
@@ -478,38 +498,38 @@
           <a:p>
             <a:pPr lvl="0"/>
             <a:r>
-              <a:rPr lang="zh-CN" altLang="en-US" smtClean="0"/>
+              <a:rPr lang="zh-CN" altLang="en-US" dirty="0" smtClean="0"/>
               <a:t>单击此处编辑母版文本样式</a:t>
             </a:r>
           </a:p>
           <a:p>
             <a:pPr lvl="1"/>
             <a:r>
-              <a:rPr lang="zh-CN" altLang="en-US" smtClean="0"/>
+              <a:rPr lang="zh-CN" altLang="en-US" dirty="0" smtClean="0"/>
               <a:t>第二级</a:t>
             </a:r>
           </a:p>
           <a:p>
             <a:pPr lvl="2"/>
             <a:r>
-              <a:rPr lang="zh-CN" altLang="en-US" smtClean="0"/>
+              <a:rPr lang="zh-CN" altLang="en-US" dirty="0" smtClean="0"/>
               <a:t>第三级</a:t>
             </a:r>
           </a:p>
           <a:p>
             <a:pPr lvl="3"/>
             <a:r>
-              <a:rPr lang="zh-CN" altLang="en-US" smtClean="0"/>
+              <a:rPr lang="zh-CN" altLang="en-US" dirty="0" smtClean="0"/>
               <a:t>第四级</a:t>
             </a:r>
           </a:p>
           <a:p>
             <a:pPr lvl="4"/>
             <a:r>
-              <a:rPr lang="zh-CN" altLang="en-US" smtClean="0"/>
+              <a:rPr lang="zh-CN" altLang="en-US" dirty="0" smtClean="0"/>
               <a:t>第五级</a:t>
             </a:r>
-            <a:endParaRPr lang="zh-CN" altLang="en-US"/>
+            <a:endParaRPr lang="zh-CN" altLang="en-US" dirty="0"/>
           </a:p>
         </p:txBody>
       </p:sp>
@@ -536,11 +556,13 @@
           <a:bodyPr vert="horz" lIns="91440" tIns="45720" rIns="91440" bIns="45720" rtlCol="0" anchor="b"/>
           <a:lstStyle>
             <a:lvl1pPr algn="l">
-              <a:defRPr sz="1200"/>
+              <a:defRPr sz="1200">
+                <a:ea typeface="微软雅黑" panose="020B0503020204020204" pitchFamily="34" charset="-122"/>
+              </a:defRPr>
             </a:lvl1pPr>
           </a:lstStyle>
           <a:p>
-            <a:endParaRPr lang="zh-CN" altLang="en-US"/>
+            <a:endParaRPr lang="zh-CN" altLang="en-US" dirty="0"/>
           </a:p>
         </p:txBody>
       </p:sp>
@@ -567,15 +589,18 @@
           <a:bodyPr vert="horz" lIns="91440" tIns="45720" rIns="91440" bIns="45720" rtlCol="0" anchor="b"/>
           <a:lstStyle>
             <a:lvl1pPr algn="r">
-              <a:defRPr sz="1200"/>
+              <a:defRPr sz="1200">
+                <a:ea typeface="微软雅黑" panose="020B0503020204020204" pitchFamily="34" charset="-122"/>
+              </a:defRPr>
             </a:lvl1pPr>
           </a:lstStyle>
           <a:p>
             <a:fld id="{624A9BF4-B422-4A26-A5B5-57536F7ECFCE}" type="slidenum">
               <a:rPr lang="zh-CN" altLang="en-US" smtClean="0"/>
+              <a:pPr/>
               <a:t>‹#›</a:t>
             </a:fld>
-            <a:endParaRPr lang="zh-CN" altLang="en-US"/>
+            <a:endParaRPr lang="zh-CN" altLang="en-US" dirty="0"/>
           </a:p>
         </p:txBody>
       </p:sp>
@@ -594,7 +619,7 @@
           <a:schemeClr val="tx1"/>
         </a:solidFill>
         <a:latin typeface="+mn-lt"/>
-        <a:ea typeface="+mn-ea"/>
+        <a:ea typeface="微软雅黑" panose="020B0503020204020204" pitchFamily="34" charset="-122"/>
         <a:cs typeface="+mn-cs"/>
       </a:defRPr>
     </a:lvl1pPr>
@@ -604,7 +629,7 @@
           <a:schemeClr val="tx1"/>
         </a:solidFill>
         <a:latin typeface="+mn-lt"/>
-        <a:ea typeface="+mn-ea"/>
+        <a:ea typeface="微软雅黑" panose="020B0503020204020204" pitchFamily="34" charset="-122"/>
         <a:cs typeface="+mn-cs"/>
       </a:defRPr>
     </a:lvl2pPr>
@@ -614,7 +639,7 @@
           <a:schemeClr val="tx1"/>
         </a:solidFill>
         <a:latin typeface="+mn-lt"/>
-        <a:ea typeface="+mn-ea"/>
+        <a:ea typeface="微软雅黑" panose="020B0503020204020204" pitchFamily="34" charset="-122"/>
         <a:cs typeface="+mn-cs"/>
       </a:defRPr>
     </a:lvl3pPr>
@@ -624,7 +649,7 @@
           <a:schemeClr val="tx1"/>
         </a:solidFill>
         <a:latin typeface="+mn-lt"/>
-        <a:ea typeface="+mn-ea"/>
+        <a:ea typeface="微软雅黑" panose="020B0503020204020204" pitchFamily="34" charset="-122"/>
         <a:cs typeface="+mn-cs"/>
       </a:defRPr>
     </a:lvl4pPr>
@@ -634,7 +659,7 @@
           <a:schemeClr val="tx1"/>
         </a:solidFill>
         <a:latin typeface="+mn-lt"/>
-        <a:ea typeface="+mn-ea"/>
+        <a:ea typeface="微软雅黑" panose="020B0503020204020204" pitchFamily="34" charset="-122"/>
         <a:cs typeface="+mn-cs"/>
       </a:defRPr>
     </a:lvl5pPr>
@@ -855,7 +880,7 @@
           <a:p>
             <a:fld id="{624A9BF4-B422-4A26-A5B5-57536F7ECFCE}" type="slidenum">
               <a:rPr lang="zh-CN" altLang="en-US" smtClean="0"/>
-              <a:t>9</a:t>
+              <a:t>12</a:t>
             </a:fld>
             <a:endParaRPr lang="zh-CN" altLang="en-US"/>
           </a:p>
@@ -1055,7 +1080,7 @@
           <a:p>
             <a:fld id="{DD8D4CDC-0B6F-49BB-989D-1F44EF11D580}" type="datetimeFigureOut">
               <a:rPr lang="zh-CN" altLang="en-US" smtClean="0"/>
-              <a:t>2017/7/10</a:t>
+              <a:t>2017/7/12</a:t>
             </a:fld>
             <a:endParaRPr lang="zh-CN" altLang="en-US"/>
           </a:p>
@@ -1225,7 +1250,7 @@
           <a:p>
             <a:fld id="{DD8D4CDC-0B6F-49BB-989D-1F44EF11D580}" type="datetimeFigureOut">
               <a:rPr lang="zh-CN" altLang="en-US" smtClean="0"/>
-              <a:t>2017/7/10</a:t>
+              <a:t>2017/7/12</a:t>
             </a:fld>
             <a:endParaRPr lang="zh-CN" altLang="en-US"/>
           </a:p>
@@ -1405,7 +1430,7 @@
           <a:p>
             <a:fld id="{DD8D4CDC-0B6F-49BB-989D-1F44EF11D580}" type="datetimeFigureOut">
               <a:rPr lang="zh-CN" altLang="en-US" smtClean="0"/>
-              <a:t>2017/7/10</a:t>
+              <a:t>2017/7/12</a:t>
             </a:fld>
             <a:endParaRPr lang="zh-CN" altLang="en-US"/>
           </a:p>
@@ -1603,14 +1628,20 @@
           <a:lstStyle/>
           <a:p>
             <a:r>
-              <a:rPr lang="en-US" altLang="zh-CN" dirty="0" smtClean="0"/>
+              <a:rPr lang="en-US" altLang="zh-CN" dirty="0" smtClean="0">
+                <a:ea typeface="微软雅黑" panose="020B0503020204020204" pitchFamily="34" charset="-122"/>
+              </a:rPr>
               <a:t>Design by </a:t>
             </a:r>
             <a:r>
-              <a:rPr lang="en-US" altLang="zh-CN" dirty="0" err="1" smtClean="0"/>
+              <a:rPr lang="en-US" altLang="zh-CN" dirty="0" err="1" smtClean="0">
+                <a:ea typeface="微软雅黑" panose="020B0503020204020204" pitchFamily="34" charset="-122"/>
+              </a:rPr>
               <a:t>yinchuan</a:t>
             </a:r>
-            <a:endParaRPr lang="zh-CN" altLang="en-US" dirty="0"/>
+            <a:endParaRPr lang="zh-CN" altLang="en-US" dirty="0">
+              <a:ea typeface="微软雅黑" panose="020B0503020204020204" pitchFamily="34" charset="-122"/>
+            </a:endParaRPr>
           </a:p>
         </p:txBody>
       </p:sp>
@@ -1736,7 +1767,7 @@
           <a:p>
             <a:fld id="{DD8D4CDC-0B6F-49BB-989D-1F44EF11D580}" type="datetimeFigureOut">
               <a:rPr lang="zh-CN" altLang="en-US" smtClean="0"/>
-              <a:t>2017/7/10</a:t>
+              <a:t>2017/7/12</a:t>
             </a:fld>
             <a:endParaRPr lang="zh-CN" altLang="en-US"/>
           </a:p>
@@ -1982,7 +2013,7 @@
           <a:p>
             <a:fld id="{DD8D4CDC-0B6F-49BB-989D-1F44EF11D580}" type="datetimeFigureOut">
               <a:rPr lang="zh-CN" altLang="en-US" smtClean="0"/>
-              <a:t>2017/7/10</a:t>
+              <a:t>2017/7/12</a:t>
             </a:fld>
             <a:endParaRPr lang="zh-CN" altLang="en-US"/>
           </a:p>
@@ -2270,7 +2301,7 @@
           <a:p>
             <a:fld id="{DD8D4CDC-0B6F-49BB-989D-1F44EF11D580}" type="datetimeFigureOut">
               <a:rPr lang="zh-CN" altLang="en-US" smtClean="0"/>
-              <a:t>2017/7/10</a:t>
+              <a:t>2017/7/12</a:t>
             </a:fld>
             <a:endParaRPr lang="zh-CN" altLang="en-US"/>
           </a:p>
@@ -2697,7 +2728,7 @@
           <a:p>
             <a:fld id="{DD8D4CDC-0B6F-49BB-989D-1F44EF11D580}" type="datetimeFigureOut">
               <a:rPr lang="zh-CN" altLang="en-US" smtClean="0"/>
-              <a:t>2017/7/10</a:t>
+              <a:t>2017/7/12</a:t>
             </a:fld>
             <a:endParaRPr lang="zh-CN" altLang="en-US"/>
           </a:p>
@@ -2815,7 +2846,7 @@
           <a:p>
             <a:fld id="{DD8D4CDC-0B6F-49BB-989D-1F44EF11D580}" type="datetimeFigureOut">
               <a:rPr lang="zh-CN" altLang="en-US" smtClean="0"/>
-              <a:t>2017/7/10</a:t>
+              <a:t>2017/7/12</a:t>
             </a:fld>
             <a:endParaRPr lang="zh-CN" altLang="en-US"/>
           </a:p>
@@ -2911,7 +2942,7 @@
             <a:fld id="{AE3EC3ED-7435-49F9-84C8-03CCA2F8DEDB}" type="datetime4">
               <a:rPr lang="en-US" smtClean="0"/>
               <a:pPr/>
-              <a:t>July 10, 2017</a:t>
+              <a:t>July 12, 2017</a:t>
             </a:fld>
             <a:endParaRPr lang="en-US"/>
           </a:p>
@@ -3022,7 +3053,9 @@
             <a:lstStyle/>
             <a:p>
               <a:pPr algn="ctr"/>
-              <a:endParaRPr lang="zh-CN" altLang="en-US"/>
+              <a:endParaRPr lang="zh-CN" altLang="en-US" dirty="0">
+                <a:ea typeface="微软雅黑" panose="020B0503020204020204" pitchFamily="34" charset="-122"/>
+              </a:endParaRPr>
             </a:p>
           </p:txBody>
         </p:sp>
@@ -3793,10 +3826,11 @@
             <a:lstStyle/>
             <a:p>
               <a:pPr algn="ctr"/>
-              <a:endParaRPr lang="zh-CN" altLang="en-US">
+              <a:endParaRPr lang="zh-CN" altLang="en-US" dirty="0">
                 <a:solidFill>
                   <a:schemeClr val="lt1"/>
                 </a:solidFill>
+                <a:ea typeface="微软雅黑" panose="020B0503020204020204" pitchFamily="34" charset="-122"/>
               </a:endParaRPr>
             </a:p>
           </p:txBody>
@@ -4072,7 +4106,7 @@
           <a:p>
             <a:fld id="{DD8D4CDC-0B6F-49BB-989D-1F44EF11D580}" type="datetimeFigureOut">
               <a:rPr lang="zh-CN" altLang="en-US" smtClean="0"/>
-              <a:t>2017/7/10</a:t>
+              <a:t>2017/7/12</a:t>
             </a:fld>
             <a:endParaRPr lang="zh-CN" altLang="en-US"/>
           </a:p>
@@ -4325,7 +4359,7 @@
           <a:p>
             <a:fld id="{DD8D4CDC-0B6F-49BB-989D-1F44EF11D580}" type="datetimeFigureOut">
               <a:rPr lang="zh-CN" altLang="en-US" smtClean="0"/>
-              <a:t>2017/7/10</a:t>
+              <a:t>2017/7/12</a:t>
             </a:fld>
             <a:endParaRPr lang="zh-CN" altLang="en-US"/>
           </a:p>
@@ -4434,10 +4468,10 @@
           <a:lstStyle/>
           <a:p>
             <a:r>
-              <a:rPr lang="zh-CN" altLang="en-US" smtClean="0"/>
+              <a:rPr lang="zh-CN" altLang="en-US" dirty="0" smtClean="0"/>
               <a:t>单击此处编辑母版标题样式</a:t>
             </a:r>
-            <a:endParaRPr lang="zh-CN" altLang="en-US"/>
+            <a:endParaRPr lang="zh-CN" altLang="en-US" dirty="0"/>
           </a:p>
         </p:txBody>
       </p:sp>
@@ -4468,38 +4502,38 @@
           <a:p>
             <a:pPr lvl="0"/>
             <a:r>
-              <a:rPr lang="zh-CN" altLang="en-US" smtClean="0"/>
+              <a:rPr lang="zh-CN" altLang="en-US" dirty="0" smtClean="0"/>
               <a:t>单击此处编辑母版文本样式</a:t>
             </a:r>
           </a:p>
           <a:p>
             <a:pPr lvl="1"/>
             <a:r>
-              <a:rPr lang="zh-CN" altLang="en-US" smtClean="0"/>
+              <a:rPr lang="zh-CN" altLang="en-US" dirty="0" smtClean="0"/>
               <a:t>第二级</a:t>
             </a:r>
           </a:p>
           <a:p>
             <a:pPr lvl="2"/>
             <a:r>
-              <a:rPr lang="zh-CN" altLang="en-US" smtClean="0"/>
+              <a:rPr lang="zh-CN" altLang="en-US" dirty="0" smtClean="0"/>
               <a:t>第三级</a:t>
             </a:r>
           </a:p>
           <a:p>
             <a:pPr lvl="3"/>
             <a:r>
-              <a:rPr lang="zh-CN" altLang="en-US" smtClean="0"/>
+              <a:rPr lang="zh-CN" altLang="en-US" dirty="0" smtClean="0"/>
               <a:t>第四级</a:t>
             </a:r>
           </a:p>
           <a:p>
             <a:pPr lvl="4"/>
             <a:r>
-              <a:rPr lang="zh-CN" altLang="en-US" smtClean="0"/>
+              <a:rPr lang="zh-CN" altLang="en-US" dirty="0" smtClean="0"/>
               <a:t>第五级</a:t>
             </a:r>
-            <a:endParaRPr lang="zh-CN" altLang="en-US"/>
+            <a:endParaRPr lang="zh-CN" altLang="en-US" dirty="0"/>
           </a:p>
         </p:txBody>
       </p:sp>
@@ -4532,15 +4566,17 @@
                     <a:tint val="75000"/>
                   </a:schemeClr>
                 </a:solidFill>
+                <a:ea typeface="微软雅黑" panose="020B0503020204020204" pitchFamily="34" charset="-122"/>
               </a:defRPr>
             </a:lvl1pPr>
           </a:lstStyle>
           <a:p>
             <a:fld id="{DD8D4CDC-0B6F-49BB-989D-1F44EF11D580}" type="datetimeFigureOut">
               <a:rPr lang="zh-CN" altLang="en-US" smtClean="0"/>
-              <a:t>2017/7/10</a:t>
+              <a:pPr/>
+              <a:t>2017/7/12</a:t>
             </a:fld>
-            <a:endParaRPr lang="zh-CN" altLang="en-US"/>
+            <a:endParaRPr lang="zh-CN" altLang="en-US" dirty="0"/>
           </a:p>
         </p:txBody>
       </p:sp>
@@ -4573,11 +4609,12 @@
                     <a:tint val="75000"/>
                   </a:schemeClr>
                 </a:solidFill>
+                <a:ea typeface="微软雅黑" panose="020B0503020204020204" pitchFamily="34" charset="-122"/>
               </a:defRPr>
             </a:lvl1pPr>
           </a:lstStyle>
           <a:p>
-            <a:endParaRPr lang="zh-CN" altLang="en-US"/>
+            <a:endParaRPr lang="zh-CN" altLang="en-US" dirty="0"/>
           </a:p>
         </p:txBody>
       </p:sp>
@@ -4610,15 +4647,17 @@
                     <a:tint val="75000"/>
                   </a:schemeClr>
                 </a:solidFill>
+                <a:ea typeface="微软雅黑" panose="020B0503020204020204" pitchFamily="34" charset="-122"/>
               </a:defRPr>
             </a:lvl1pPr>
           </a:lstStyle>
           <a:p>
             <a:fld id="{4E360D50-E520-4AC7-B890-6F73E2030F7C}" type="slidenum">
               <a:rPr lang="zh-CN" altLang="en-US" smtClean="0"/>
+              <a:pPr/>
               <a:t>‹#›</a:t>
             </a:fld>
-            <a:endParaRPr lang="zh-CN" altLang="en-US"/>
+            <a:endParaRPr lang="zh-CN" altLang="en-US" dirty="0"/>
           </a:p>
         </p:txBody>
       </p:sp>
@@ -4656,7 +4695,7 @@
             <a:schemeClr val="tx1"/>
           </a:solidFill>
           <a:latin typeface="+mj-lt"/>
-          <a:ea typeface="+mj-ea"/>
+          <a:ea typeface="微软雅黑" panose="020B0503020204020204" pitchFamily="34" charset="-122"/>
           <a:cs typeface="+mj-cs"/>
         </a:defRPr>
       </a:lvl1pPr>
@@ -4673,7 +4712,7 @@
             <a:schemeClr val="tx1"/>
           </a:solidFill>
           <a:latin typeface="+mn-lt"/>
-          <a:ea typeface="+mn-ea"/>
+          <a:ea typeface="微软雅黑" panose="020B0503020204020204" pitchFamily="34" charset="-122"/>
           <a:cs typeface="+mn-cs"/>
         </a:defRPr>
       </a:lvl1pPr>
@@ -4688,7 +4727,7 @@
             <a:schemeClr val="tx1"/>
           </a:solidFill>
           <a:latin typeface="+mn-lt"/>
-          <a:ea typeface="+mn-ea"/>
+          <a:ea typeface="微软雅黑" panose="020B0503020204020204" pitchFamily="34" charset="-122"/>
           <a:cs typeface="+mn-cs"/>
         </a:defRPr>
       </a:lvl2pPr>
@@ -4703,7 +4742,7 @@
             <a:schemeClr val="tx1"/>
           </a:solidFill>
           <a:latin typeface="+mn-lt"/>
-          <a:ea typeface="+mn-ea"/>
+          <a:ea typeface="微软雅黑" panose="020B0503020204020204" pitchFamily="34" charset="-122"/>
           <a:cs typeface="+mn-cs"/>
         </a:defRPr>
       </a:lvl3pPr>
@@ -4718,7 +4757,7 @@
             <a:schemeClr val="tx1"/>
           </a:solidFill>
           <a:latin typeface="+mn-lt"/>
-          <a:ea typeface="+mn-ea"/>
+          <a:ea typeface="微软雅黑" panose="020B0503020204020204" pitchFamily="34" charset="-122"/>
           <a:cs typeface="+mn-cs"/>
         </a:defRPr>
       </a:lvl4pPr>
@@ -4733,7 +4772,7 @@
             <a:schemeClr val="tx1"/>
           </a:solidFill>
           <a:latin typeface="+mn-lt"/>
-          <a:ea typeface="+mn-ea"/>
+          <a:ea typeface="微软雅黑" panose="020B0503020204020204" pitchFamily="34" charset="-122"/>
           <a:cs typeface="+mn-cs"/>
         </a:defRPr>
       </a:lvl5pPr>
@@ -6198,10 +6237,11 @@
             <a:lstStyle/>
             <a:p>
               <a:pPr algn="ctr"/>
-              <a:endParaRPr lang="zh-CN" altLang="en-US">
+              <a:endParaRPr lang="zh-CN" altLang="en-US" dirty="0">
                 <a:solidFill>
                   <a:schemeClr val="lt1"/>
                 </a:solidFill>
+                <a:ea typeface="微软雅黑" panose="020B0503020204020204" pitchFamily="34" charset="-122"/>
               </a:endParaRPr>
             </a:p>
           </p:txBody>
@@ -6312,7 +6352,9 @@
             <a:lstStyle/>
             <a:p>
               <a:pPr algn="ctr"/>
-              <a:endParaRPr lang="zh-CN" altLang="en-US"/>
+              <a:endParaRPr lang="zh-CN" altLang="en-US" dirty="0">
+                <a:ea typeface="微软雅黑" panose="020B0503020204020204" pitchFamily="34" charset="-122"/>
+              </a:endParaRPr>
             </a:p>
           </p:txBody>
         </p:sp>
@@ -6590,13 +6632,14 @@
           <a:lstStyle/>
           <a:p>
             <a:pPr algn="ctr"/>
-            <a:endParaRPr lang="zh-CN" altLang="en-US" sz="1801">
+            <a:endParaRPr lang="zh-CN" altLang="en-US" sz="1801" dirty="0">
               <a:solidFill>
                 <a:schemeClr val="tx1">
                   <a:lumMod val="65000"/>
                   <a:lumOff val="35000"/>
                 </a:schemeClr>
               </a:solidFill>
+              <a:ea typeface="微软雅黑" panose="020B0503020204020204" pitchFamily="34" charset="-122"/>
             </a:endParaRPr>
           </a:p>
         </p:txBody>
@@ -6646,6 +6689,2573 @@
     <p:extLst>
       <p:ext uri="{BB962C8B-B14F-4D97-AF65-F5344CB8AC3E}">
         <p14:creationId xmlns:p14="http://schemas.microsoft.com/office/powerpoint/2010/main" val="102183385"/>
+      </p:ext>
+    </p:extLst>
+  </p:cSld>
+  <p:clrMapOvr>
+    <a:masterClrMapping/>
+  </p:clrMapOvr>
+  <p:timing>
+    <p:tnLst>
+      <p:par>
+        <p:cTn id="1" dur="indefinite" restart="never" nodeType="tmRoot"/>
+      </p:par>
+    </p:tnLst>
+  </p:timing>
+</p:sld>
+</file>
+
+<file path=ppt/slides/slide10.xml><?xml version="1.0" encoding="utf-8"?>
+<p:sld xmlns:a="http://schemas.openxmlformats.org/drawingml/2006/main" xmlns:r="http://schemas.openxmlformats.org/officeDocument/2006/relationships" xmlns:p="http://schemas.openxmlformats.org/presentationml/2006/main">
+  <p:cSld>
+    <p:spTree>
+      <p:nvGrpSpPr>
+        <p:cNvPr id="1" name=""/>
+        <p:cNvGrpSpPr/>
+        <p:nvPr/>
+      </p:nvGrpSpPr>
+      <p:grpSpPr>
+        <a:xfrm>
+          <a:off x="0" y="0"/>
+          <a:ext cx="0" cy="0"/>
+          <a:chOff x="0" y="0"/>
+          <a:chExt cx="0" cy="0"/>
+        </a:xfrm>
+      </p:grpSpPr>
+      <p:pic>
+        <p:nvPicPr>
+          <p:cNvPr id="4" name="Picture 2" descr="C:\Users\yepanmeng\Desktop\logo.png"/>
+          <p:cNvPicPr>
+            <a:picLocks noChangeAspect="1" noChangeArrowheads="1"/>
+          </p:cNvPicPr>
+          <p:nvPr/>
+        </p:nvPicPr>
+        <p:blipFill>
+          <a:blip r:embed="rId2" cstate="print">
+            <a:extLst>
+              <a:ext uri="{28A0092B-C50C-407E-A947-70E740481C1C}">
+                <a14:useLocalDpi xmlns:a14="http://schemas.microsoft.com/office/drawing/2010/main" val="0"/>
+              </a:ext>
+            </a:extLst>
+          </a:blip>
+          <a:srcRect/>
+          <a:stretch>
+            <a:fillRect/>
+          </a:stretch>
+        </p:blipFill>
+        <p:spPr bwMode="auto">
+          <a:xfrm rot="16200000">
+            <a:off x="-47617" y="373486"/>
+            <a:ext cx="592429" cy="592429"/>
+          </a:xfrm>
+          <a:prstGeom prst="rect">
+            <a:avLst/>
+          </a:prstGeom>
+          <a:noFill/>
+          <a:extLst>
+            <a:ext uri="{909E8E84-426E-40DD-AFC4-6F175D3DCCD1}">
+              <a14:hiddenFill xmlns:a14="http://schemas.microsoft.com/office/drawing/2010/main">
+                <a:solidFill>
+                  <a:srgbClr val="FFFFFF"/>
+                </a:solidFill>
+              </a14:hiddenFill>
+            </a:ext>
+          </a:extLst>
+        </p:spPr>
+      </p:pic>
+      <p:sp>
+        <p:nvSpPr>
+          <p:cNvPr id="5" name="等腰三角形 4"/>
+          <p:cNvSpPr/>
+          <p:nvPr/>
+        </p:nvSpPr>
+        <p:spPr>
+          <a:xfrm rot="16200000">
+            <a:off x="9600001" y="-320993"/>
+            <a:ext cx="736941" cy="635294"/>
+          </a:xfrm>
+          <a:prstGeom prst="triangle">
+            <a:avLst/>
+          </a:prstGeom>
+          <a:solidFill>
+            <a:schemeClr val="bg2">
+              <a:lumMod val="90000"/>
+              <a:alpha val="50196"/>
+            </a:schemeClr>
+          </a:solidFill>
+          <a:ln>
+            <a:noFill/>
+          </a:ln>
+        </p:spPr>
+        <p:style>
+          <a:lnRef idx="2">
+            <a:schemeClr val="accent1">
+              <a:shade val="50000"/>
+            </a:schemeClr>
+          </a:lnRef>
+          <a:fillRef idx="1">
+            <a:schemeClr val="accent1"/>
+          </a:fillRef>
+          <a:effectRef idx="0">
+            <a:schemeClr val="accent1"/>
+          </a:effectRef>
+          <a:fontRef idx="minor">
+            <a:schemeClr val="lt1"/>
+          </a:fontRef>
+        </p:style>
+        <p:txBody>
+          <a:bodyPr rtlCol="0" anchor="ctr"/>
+          <a:lstStyle/>
+          <a:p>
+            <a:pPr algn="ctr"/>
+            <a:endParaRPr lang="zh-CN" altLang="en-US" dirty="0">
+              <a:ea typeface="微软雅黑" panose="020B0503020204020204" pitchFamily="34" charset="-122"/>
+            </a:endParaRPr>
+          </a:p>
+        </p:txBody>
+      </p:sp>
+      <p:sp>
+        <p:nvSpPr>
+          <p:cNvPr id="6" name="等腰三角形 5"/>
+          <p:cNvSpPr/>
+          <p:nvPr/>
+        </p:nvSpPr>
+        <p:spPr>
+          <a:xfrm rot="5400000">
+            <a:off x="10235294" y="-320993"/>
+            <a:ext cx="736941" cy="635294"/>
+          </a:xfrm>
+          <a:prstGeom prst="triangle">
+            <a:avLst/>
+          </a:prstGeom>
+          <a:solidFill>
+            <a:schemeClr val="bg1">
+              <a:lumMod val="85000"/>
+              <a:alpha val="50196"/>
+            </a:schemeClr>
+          </a:solidFill>
+          <a:ln>
+            <a:noFill/>
+          </a:ln>
+        </p:spPr>
+        <p:style>
+          <a:lnRef idx="2">
+            <a:schemeClr val="accent1">
+              <a:shade val="50000"/>
+            </a:schemeClr>
+          </a:lnRef>
+          <a:fillRef idx="1">
+            <a:schemeClr val="accent1"/>
+          </a:fillRef>
+          <a:effectRef idx="0">
+            <a:schemeClr val="accent1"/>
+          </a:effectRef>
+          <a:fontRef idx="minor">
+            <a:schemeClr val="lt1"/>
+          </a:fontRef>
+        </p:style>
+        <p:txBody>
+          <a:bodyPr rtlCol="0" anchor="ctr"/>
+          <a:lstStyle/>
+          <a:p>
+            <a:pPr algn="ctr"/>
+            <a:endParaRPr lang="zh-CN" altLang="en-US" dirty="0">
+              <a:ea typeface="微软雅黑" panose="020B0503020204020204" pitchFamily="34" charset="-122"/>
+            </a:endParaRPr>
+          </a:p>
+        </p:txBody>
+      </p:sp>
+      <p:sp>
+        <p:nvSpPr>
+          <p:cNvPr id="7" name="等腰三角形 6"/>
+          <p:cNvSpPr/>
+          <p:nvPr/>
+        </p:nvSpPr>
+        <p:spPr>
+          <a:xfrm rot="16200000">
+            <a:off x="10870588" y="-320993"/>
+            <a:ext cx="736941" cy="635294"/>
+          </a:xfrm>
+          <a:prstGeom prst="triangle">
+            <a:avLst/>
+          </a:prstGeom>
+          <a:solidFill>
+            <a:schemeClr val="bg1">
+              <a:lumMod val="95000"/>
+              <a:alpha val="50196"/>
+            </a:schemeClr>
+          </a:solidFill>
+          <a:ln>
+            <a:noFill/>
+          </a:ln>
+        </p:spPr>
+        <p:style>
+          <a:lnRef idx="2">
+            <a:schemeClr val="accent1">
+              <a:shade val="50000"/>
+            </a:schemeClr>
+          </a:lnRef>
+          <a:fillRef idx="1">
+            <a:schemeClr val="accent1"/>
+          </a:fillRef>
+          <a:effectRef idx="0">
+            <a:schemeClr val="accent1"/>
+          </a:effectRef>
+          <a:fontRef idx="minor">
+            <a:schemeClr val="lt1"/>
+          </a:fontRef>
+        </p:style>
+        <p:txBody>
+          <a:bodyPr rtlCol="0" anchor="ctr"/>
+          <a:lstStyle/>
+          <a:p>
+            <a:pPr algn="ctr"/>
+            <a:endParaRPr lang="zh-CN" altLang="en-US" dirty="0">
+              <a:ea typeface="微软雅黑" panose="020B0503020204020204" pitchFamily="34" charset="-122"/>
+            </a:endParaRPr>
+          </a:p>
+        </p:txBody>
+      </p:sp>
+      <p:sp>
+        <p:nvSpPr>
+          <p:cNvPr id="8" name="等腰三角形 7"/>
+          <p:cNvSpPr/>
+          <p:nvPr/>
+        </p:nvSpPr>
+        <p:spPr>
+          <a:xfrm rot="5400000">
+            <a:off x="11505882" y="-320993"/>
+            <a:ext cx="736941" cy="635294"/>
+          </a:xfrm>
+          <a:prstGeom prst="triangle">
+            <a:avLst/>
+          </a:prstGeom>
+          <a:solidFill>
+            <a:schemeClr val="bg2">
+              <a:alpha val="50196"/>
+            </a:schemeClr>
+          </a:solidFill>
+          <a:ln>
+            <a:noFill/>
+          </a:ln>
+        </p:spPr>
+        <p:style>
+          <a:lnRef idx="2">
+            <a:schemeClr val="accent1">
+              <a:shade val="50000"/>
+            </a:schemeClr>
+          </a:lnRef>
+          <a:fillRef idx="1">
+            <a:schemeClr val="accent1"/>
+          </a:fillRef>
+          <a:effectRef idx="0">
+            <a:schemeClr val="accent1"/>
+          </a:effectRef>
+          <a:fontRef idx="minor">
+            <a:schemeClr val="lt1"/>
+          </a:fontRef>
+        </p:style>
+        <p:txBody>
+          <a:bodyPr rtlCol="0" anchor="ctr"/>
+          <a:lstStyle/>
+          <a:p>
+            <a:pPr algn="ctr"/>
+            <a:endParaRPr lang="zh-CN" altLang="en-US" dirty="0">
+              <a:ea typeface="微软雅黑" panose="020B0503020204020204" pitchFamily="34" charset="-122"/>
+            </a:endParaRPr>
+          </a:p>
+        </p:txBody>
+      </p:sp>
+      <p:sp>
+        <p:nvSpPr>
+          <p:cNvPr id="9" name="等腰三角形 8"/>
+          <p:cNvSpPr/>
+          <p:nvPr/>
+        </p:nvSpPr>
+        <p:spPr>
+          <a:xfrm rot="5400000">
+            <a:off x="9600001" y="47478"/>
+            <a:ext cx="736941" cy="635294"/>
+          </a:xfrm>
+          <a:prstGeom prst="triangle">
+            <a:avLst/>
+          </a:prstGeom>
+          <a:solidFill>
+            <a:schemeClr val="bg2">
+              <a:alpha val="50196"/>
+            </a:schemeClr>
+          </a:solidFill>
+          <a:ln>
+            <a:noFill/>
+          </a:ln>
+        </p:spPr>
+        <p:style>
+          <a:lnRef idx="2">
+            <a:schemeClr val="accent1">
+              <a:shade val="50000"/>
+            </a:schemeClr>
+          </a:lnRef>
+          <a:fillRef idx="1">
+            <a:schemeClr val="accent1"/>
+          </a:fillRef>
+          <a:effectRef idx="0">
+            <a:schemeClr val="accent1"/>
+          </a:effectRef>
+          <a:fontRef idx="minor">
+            <a:schemeClr val="lt1"/>
+          </a:fontRef>
+        </p:style>
+        <p:txBody>
+          <a:bodyPr rtlCol="0" anchor="ctr"/>
+          <a:lstStyle/>
+          <a:p>
+            <a:pPr algn="ctr"/>
+            <a:endParaRPr lang="zh-CN" altLang="en-US" dirty="0">
+              <a:ea typeface="微软雅黑" panose="020B0503020204020204" pitchFamily="34" charset="-122"/>
+            </a:endParaRPr>
+          </a:p>
+        </p:txBody>
+      </p:sp>
+      <p:sp>
+        <p:nvSpPr>
+          <p:cNvPr id="10" name="等腰三角形 9"/>
+          <p:cNvSpPr/>
+          <p:nvPr/>
+        </p:nvSpPr>
+        <p:spPr>
+          <a:xfrm rot="16200000">
+            <a:off x="10235294" y="47478"/>
+            <a:ext cx="736941" cy="635294"/>
+          </a:xfrm>
+          <a:prstGeom prst="triangle">
+            <a:avLst/>
+          </a:prstGeom>
+          <a:solidFill>
+            <a:schemeClr val="bg1">
+              <a:lumMod val="95000"/>
+              <a:alpha val="50196"/>
+            </a:schemeClr>
+          </a:solidFill>
+          <a:ln>
+            <a:noFill/>
+          </a:ln>
+        </p:spPr>
+        <p:style>
+          <a:lnRef idx="2">
+            <a:schemeClr val="accent1">
+              <a:shade val="50000"/>
+            </a:schemeClr>
+          </a:lnRef>
+          <a:fillRef idx="1">
+            <a:schemeClr val="accent1"/>
+          </a:fillRef>
+          <a:effectRef idx="0">
+            <a:schemeClr val="accent1"/>
+          </a:effectRef>
+          <a:fontRef idx="minor">
+            <a:schemeClr val="lt1"/>
+          </a:fontRef>
+        </p:style>
+        <p:txBody>
+          <a:bodyPr rtlCol="0" anchor="ctr"/>
+          <a:lstStyle/>
+          <a:p>
+            <a:pPr algn="ctr"/>
+            <a:endParaRPr lang="zh-CN" altLang="en-US" dirty="0">
+              <a:ea typeface="微软雅黑" panose="020B0503020204020204" pitchFamily="34" charset="-122"/>
+            </a:endParaRPr>
+          </a:p>
+        </p:txBody>
+      </p:sp>
+      <p:sp>
+        <p:nvSpPr>
+          <p:cNvPr id="11" name="等腰三角形 10"/>
+          <p:cNvSpPr/>
+          <p:nvPr/>
+        </p:nvSpPr>
+        <p:spPr>
+          <a:xfrm rot="5400000">
+            <a:off x="10870588" y="47478"/>
+            <a:ext cx="736941" cy="635294"/>
+          </a:xfrm>
+          <a:prstGeom prst="triangle">
+            <a:avLst/>
+          </a:prstGeom>
+          <a:solidFill>
+            <a:schemeClr val="bg1">
+              <a:alpha val="50196"/>
+            </a:schemeClr>
+          </a:solidFill>
+          <a:ln>
+            <a:noFill/>
+          </a:ln>
+        </p:spPr>
+        <p:style>
+          <a:lnRef idx="2">
+            <a:schemeClr val="accent1">
+              <a:shade val="50000"/>
+            </a:schemeClr>
+          </a:lnRef>
+          <a:fillRef idx="1">
+            <a:schemeClr val="accent1"/>
+          </a:fillRef>
+          <a:effectRef idx="0">
+            <a:schemeClr val="accent1"/>
+          </a:effectRef>
+          <a:fontRef idx="minor">
+            <a:schemeClr val="lt1"/>
+          </a:fontRef>
+        </p:style>
+        <p:txBody>
+          <a:bodyPr rtlCol="0" anchor="ctr"/>
+          <a:lstStyle/>
+          <a:p>
+            <a:pPr algn="ctr"/>
+            <a:endParaRPr lang="zh-CN" altLang="en-US" dirty="0">
+              <a:ea typeface="微软雅黑" panose="020B0503020204020204" pitchFamily="34" charset="-122"/>
+            </a:endParaRPr>
+          </a:p>
+        </p:txBody>
+      </p:sp>
+      <p:sp>
+        <p:nvSpPr>
+          <p:cNvPr id="12" name="等腰三角形 11"/>
+          <p:cNvSpPr/>
+          <p:nvPr/>
+        </p:nvSpPr>
+        <p:spPr>
+          <a:xfrm rot="12600000">
+            <a:off x="10059450" y="490026"/>
+            <a:ext cx="736941" cy="635294"/>
+          </a:xfrm>
+          <a:prstGeom prst="triangle">
+            <a:avLst/>
+          </a:prstGeom>
+          <a:solidFill>
+            <a:schemeClr val="bg1">
+              <a:lumMod val="85000"/>
+              <a:alpha val="50196"/>
+            </a:schemeClr>
+          </a:solidFill>
+          <a:ln>
+            <a:noFill/>
+          </a:ln>
+        </p:spPr>
+        <p:style>
+          <a:lnRef idx="2">
+            <a:schemeClr val="accent1">
+              <a:shade val="50000"/>
+            </a:schemeClr>
+          </a:lnRef>
+          <a:fillRef idx="1">
+            <a:schemeClr val="accent1"/>
+          </a:fillRef>
+          <a:effectRef idx="0">
+            <a:schemeClr val="accent1"/>
+          </a:effectRef>
+          <a:fontRef idx="minor">
+            <a:schemeClr val="lt1"/>
+          </a:fontRef>
+        </p:style>
+        <p:txBody>
+          <a:bodyPr rtlCol="0" anchor="ctr"/>
+          <a:lstStyle/>
+          <a:p>
+            <a:pPr algn="ctr"/>
+            <a:endParaRPr lang="zh-CN" altLang="en-US" dirty="0">
+              <a:ea typeface="微软雅黑" panose="020B0503020204020204" pitchFamily="34" charset="-122"/>
+            </a:endParaRPr>
+          </a:p>
+        </p:txBody>
+      </p:sp>
+      <p:sp>
+        <p:nvSpPr>
+          <p:cNvPr id="13" name="等腰三角形 12"/>
+          <p:cNvSpPr/>
+          <p:nvPr/>
+        </p:nvSpPr>
+        <p:spPr>
+          <a:xfrm rot="16200000">
+            <a:off x="10870588" y="415948"/>
+            <a:ext cx="736941" cy="635294"/>
+          </a:xfrm>
+          <a:prstGeom prst="triangle">
+            <a:avLst/>
+          </a:prstGeom>
+          <a:solidFill>
+            <a:schemeClr val="bg2">
+              <a:alpha val="50196"/>
+            </a:schemeClr>
+          </a:solidFill>
+          <a:ln>
+            <a:noFill/>
+          </a:ln>
+        </p:spPr>
+        <p:style>
+          <a:lnRef idx="2">
+            <a:schemeClr val="accent1">
+              <a:shade val="50000"/>
+            </a:schemeClr>
+          </a:lnRef>
+          <a:fillRef idx="1">
+            <a:schemeClr val="accent1"/>
+          </a:fillRef>
+          <a:effectRef idx="0">
+            <a:schemeClr val="accent1"/>
+          </a:effectRef>
+          <a:fontRef idx="minor">
+            <a:schemeClr val="lt1"/>
+          </a:fontRef>
+        </p:style>
+        <p:txBody>
+          <a:bodyPr rtlCol="0" anchor="ctr"/>
+          <a:lstStyle/>
+          <a:p>
+            <a:pPr algn="ctr"/>
+            <a:endParaRPr lang="zh-CN" altLang="en-US" dirty="0">
+              <a:ea typeface="微软雅黑" panose="020B0503020204020204" pitchFamily="34" charset="-122"/>
+            </a:endParaRPr>
+          </a:p>
+        </p:txBody>
+      </p:sp>
+      <p:sp>
+        <p:nvSpPr>
+          <p:cNvPr id="14" name="等腰三角形 13"/>
+          <p:cNvSpPr/>
+          <p:nvPr/>
+        </p:nvSpPr>
+        <p:spPr>
+          <a:xfrm rot="5400000">
+            <a:off x="11505882" y="415948"/>
+            <a:ext cx="736941" cy="635294"/>
+          </a:xfrm>
+          <a:prstGeom prst="triangle">
+            <a:avLst/>
+          </a:prstGeom>
+          <a:solidFill>
+            <a:schemeClr val="bg2">
+              <a:lumMod val="90000"/>
+              <a:alpha val="50196"/>
+            </a:schemeClr>
+          </a:solidFill>
+          <a:ln>
+            <a:noFill/>
+          </a:ln>
+        </p:spPr>
+        <p:style>
+          <a:lnRef idx="2">
+            <a:schemeClr val="accent1">
+              <a:shade val="50000"/>
+            </a:schemeClr>
+          </a:lnRef>
+          <a:fillRef idx="1">
+            <a:schemeClr val="accent1"/>
+          </a:fillRef>
+          <a:effectRef idx="0">
+            <a:schemeClr val="accent1"/>
+          </a:effectRef>
+          <a:fontRef idx="minor">
+            <a:schemeClr val="lt1"/>
+          </a:fontRef>
+        </p:style>
+        <p:txBody>
+          <a:bodyPr rtlCol="0" anchor="ctr"/>
+          <a:lstStyle/>
+          <a:p>
+            <a:pPr algn="ctr"/>
+            <a:endParaRPr lang="zh-CN" altLang="en-US" dirty="0">
+              <a:ea typeface="微软雅黑" panose="020B0503020204020204" pitchFamily="34" charset="-122"/>
+            </a:endParaRPr>
+          </a:p>
+        </p:txBody>
+      </p:sp>
+      <p:sp>
+        <p:nvSpPr>
+          <p:cNvPr id="15" name="等腰三角形 14"/>
+          <p:cNvSpPr/>
+          <p:nvPr/>
+        </p:nvSpPr>
+        <p:spPr>
+          <a:xfrm rot="5400000">
+            <a:off x="10870588" y="784418"/>
+            <a:ext cx="736941" cy="635294"/>
+          </a:xfrm>
+          <a:prstGeom prst="triangle">
+            <a:avLst/>
+          </a:prstGeom>
+          <a:solidFill>
+            <a:schemeClr val="bg1">
+              <a:lumMod val="95000"/>
+              <a:alpha val="50196"/>
+            </a:schemeClr>
+          </a:solidFill>
+          <a:ln>
+            <a:noFill/>
+          </a:ln>
+        </p:spPr>
+        <p:style>
+          <a:lnRef idx="2">
+            <a:schemeClr val="accent1">
+              <a:shade val="50000"/>
+            </a:schemeClr>
+          </a:lnRef>
+          <a:fillRef idx="1">
+            <a:schemeClr val="accent1"/>
+          </a:fillRef>
+          <a:effectRef idx="0">
+            <a:schemeClr val="accent1"/>
+          </a:effectRef>
+          <a:fontRef idx="minor">
+            <a:schemeClr val="lt1"/>
+          </a:fontRef>
+        </p:style>
+        <p:txBody>
+          <a:bodyPr rtlCol="0" anchor="ctr"/>
+          <a:lstStyle/>
+          <a:p>
+            <a:pPr algn="ctr"/>
+            <a:endParaRPr lang="zh-CN" altLang="en-US" dirty="0">
+              <a:ea typeface="微软雅黑" panose="020B0503020204020204" pitchFamily="34" charset="-122"/>
+            </a:endParaRPr>
+          </a:p>
+        </p:txBody>
+      </p:sp>
+      <p:sp>
+        <p:nvSpPr>
+          <p:cNvPr id="16" name="等腰三角形 15"/>
+          <p:cNvSpPr/>
+          <p:nvPr/>
+        </p:nvSpPr>
+        <p:spPr>
+          <a:xfrm rot="16200000">
+            <a:off x="11505882" y="784418"/>
+            <a:ext cx="736941" cy="635294"/>
+          </a:xfrm>
+          <a:prstGeom prst="triangle">
+            <a:avLst/>
+          </a:prstGeom>
+          <a:solidFill>
+            <a:schemeClr val="bg1">
+              <a:lumMod val="95000"/>
+              <a:alpha val="50196"/>
+            </a:schemeClr>
+          </a:solidFill>
+          <a:ln>
+            <a:noFill/>
+          </a:ln>
+        </p:spPr>
+        <p:style>
+          <a:lnRef idx="2">
+            <a:schemeClr val="accent1">
+              <a:shade val="50000"/>
+            </a:schemeClr>
+          </a:lnRef>
+          <a:fillRef idx="1">
+            <a:schemeClr val="accent1"/>
+          </a:fillRef>
+          <a:effectRef idx="0">
+            <a:schemeClr val="accent1"/>
+          </a:effectRef>
+          <a:fontRef idx="minor">
+            <a:schemeClr val="lt1"/>
+          </a:fontRef>
+        </p:style>
+        <p:txBody>
+          <a:bodyPr rtlCol="0" anchor="ctr"/>
+          <a:lstStyle/>
+          <a:p>
+            <a:pPr algn="ctr"/>
+            <a:endParaRPr lang="zh-CN" altLang="en-US" dirty="0">
+              <a:ea typeface="微软雅黑" panose="020B0503020204020204" pitchFamily="34" charset="-122"/>
+            </a:endParaRPr>
+          </a:p>
+        </p:txBody>
+      </p:sp>
+      <p:sp>
+        <p:nvSpPr>
+          <p:cNvPr id="17" name="等腰三角形 16"/>
+          <p:cNvSpPr/>
+          <p:nvPr/>
+        </p:nvSpPr>
+        <p:spPr>
+          <a:xfrm rot="16200000">
+            <a:off x="8964706" y="39089"/>
+            <a:ext cx="736941" cy="635294"/>
+          </a:xfrm>
+          <a:prstGeom prst="triangle">
+            <a:avLst/>
+          </a:prstGeom>
+          <a:solidFill>
+            <a:schemeClr val="bg1">
+              <a:lumMod val="95000"/>
+              <a:alpha val="50196"/>
+            </a:schemeClr>
+          </a:solidFill>
+          <a:ln>
+            <a:noFill/>
+          </a:ln>
+        </p:spPr>
+        <p:style>
+          <a:lnRef idx="2">
+            <a:schemeClr val="accent1">
+              <a:shade val="50000"/>
+            </a:schemeClr>
+          </a:lnRef>
+          <a:fillRef idx="1">
+            <a:schemeClr val="accent1"/>
+          </a:fillRef>
+          <a:effectRef idx="0">
+            <a:schemeClr val="accent1"/>
+          </a:effectRef>
+          <a:fontRef idx="minor">
+            <a:schemeClr val="lt1"/>
+          </a:fontRef>
+        </p:style>
+        <p:txBody>
+          <a:bodyPr rtlCol="0" anchor="ctr"/>
+          <a:lstStyle/>
+          <a:p>
+            <a:pPr algn="ctr"/>
+            <a:endParaRPr lang="zh-CN" altLang="en-US" dirty="0">
+              <a:ea typeface="微软雅黑" panose="020B0503020204020204" pitchFamily="34" charset="-122"/>
+            </a:endParaRPr>
+          </a:p>
+        </p:txBody>
+      </p:sp>
+      <p:sp>
+        <p:nvSpPr>
+          <p:cNvPr id="18" name="等腰三角形 17"/>
+          <p:cNvSpPr/>
+          <p:nvPr/>
+        </p:nvSpPr>
+        <p:spPr>
+          <a:xfrm rot="5400000">
+            <a:off x="11505882" y="1152888"/>
+            <a:ext cx="736941" cy="635294"/>
+          </a:xfrm>
+          <a:prstGeom prst="triangle">
+            <a:avLst/>
+          </a:prstGeom>
+          <a:solidFill>
+            <a:schemeClr val="bg2">
+              <a:alpha val="50196"/>
+            </a:schemeClr>
+          </a:solidFill>
+          <a:ln>
+            <a:noFill/>
+          </a:ln>
+        </p:spPr>
+        <p:style>
+          <a:lnRef idx="2">
+            <a:schemeClr val="accent1">
+              <a:shade val="50000"/>
+            </a:schemeClr>
+          </a:lnRef>
+          <a:fillRef idx="1">
+            <a:schemeClr val="accent1"/>
+          </a:fillRef>
+          <a:effectRef idx="0">
+            <a:schemeClr val="accent1"/>
+          </a:effectRef>
+          <a:fontRef idx="minor">
+            <a:schemeClr val="lt1"/>
+          </a:fontRef>
+        </p:style>
+        <p:txBody>
+          <a:bodyPr rtlCol="0" anchor="ctr"/>
+          <a:lstStyle/>
+          <a:p>
+            <a:pPr algn="ctr"/>
+            <a:endParaRPr lang="zh-CN" altLang="en-US" dirty="0">
+              <a:ea typeface="微软雅黑" panose="020B0503020204020204" pitchFamily="34" charset="-122"/>
+            </a:endParaRPr>
+          </a:p>
+        </p:txBody>
+      </p:sp>
+      <p:sp>
+        <p:nvSpPr>
+          <p:cNvPr id="19" name="等腰三角形 18"/>
+          <p:cNvSpPr/>
+          <p:nvPr/>
+        </p:nvSpPr>
+        <p:spPr>
+          <a:xfrm rot="16200000">
+            <a:off x="11505882" y="1521358"/>
+            <a:ext cx="736941" cy="635294"/>
+          </a:xfrm>
+          <a:prstGeom prst="triangle">
+            <a:avLst/>
+          </a:prstGeom>
+          <a:solidFill>
+            <a:schemeClr val="bg1">
+              <a:lumMod val="95000"/>
+              <a:alpha val="50196"/>
+            </a:schemeClr>
+          </a:solidFill>
+          <a:ln>
+            <a:noFill/>
+          </a:ln>
+        </p:spPr>
+        <p:style>
+          <a:lnRef idx="2">
+            <a:schemeClr val="accent1">
+              <a:shade val="50000"/>
+            </a:schemeClr>
+          </a:lnRef>
+          <a:fillRef idx="1">
+            <a:schemeClr val="accent1"/>
+          </a:fillRef>
+          <a:effectRef idx="0">
+            <a:schemeClr val="accent1"/>
+          </a:effectRef>
+          <a:fontRef idx="minor">
+            <a:schemeClr val="lt1"/>
+          </a:fontRef>
+        </p:style>
+        <p:txBody>
+          <a:bodyPr rtlCol="0" anchor="ctr"/>
+          <a:lstStyle/>
+          <a:p>
+            <a:pPr algn="ctr"/>
+            <a:endParaRPr lang="zh-CN" altLang="en-US" dirty="0">
+              <a:ea typeface="微软雅黑" panose="020B0503020204020204" pitchFamily="34" charset="-122"/>
+            </a:endParaRPr>
+          </a:p>
+        </p:txBody>
+      </p:sp>
+      <p:sp>
+        <p:nvSpPr>
+          <p:cNvPr id="20" name="等腰三角形 19"/>
+          <p:cNvSpPr/>
+          <p:nvPr/>
+        </p:nvSpPr>
+        <p:spPr>
+          <a:xfrm rot="16200000">
+            <a:off x="11505883" y="1521356"/>
+            <a:ext cx="736941" cy="635294"/>
+          </a:xfrm>
+          <a:prstGeom prst="triangle">
+            <a:avLst/>
+          </a:prstGeom>
+          <a:solidFill>
+            <a:schemeClr val="bg1">
+              <a:lumMod val="85000"/>
+              <a:alpha val="50196"/>
+            </a:schemeClr>
+          </a:solidFill>
+          <a:ln>
+            <a:noFill/>
+          </a:ln>
+        </p:spPr>
+        <p:style>
+          <a:lnRef idx="2">
+            <a:schemeClr val="accent1">
+              <a:shade val="50000"/>
+            </a:schemeClr>
+          </a:lnRef>
+          <a:fillRef idx="1">
+            <a:schemeClr val="accent1"/>
+          </a:fillRef>
+          <a:effectRef idx="0">
+            <a:schemeClr val="accent1"/>
+          </a:effectRef>
+          <a:fontRef idx="minor">
+            <a:schemeClr val="lt1"/>
+          </a:fontRef>
+        </p:style>
+        <p:txBody>
+          <a:bodyPr rtlCol="0" anchor="ctr"/>
+          <a:lstStyle/>
+          <a:p>
+            <a:pPr algn="ctr"/>
+            <a:endParaRPr lang="zh-CN" altLang="en-US" dirty="0">
+              <a:ea typeface="微软雅黑" panose="020B0503020204020204" pitchFamily="34" charset="-122"/>
+            </a:endParaRPr>
+          </a:p>
+        </p:txBody>
+      </p:sp>
+      <p:sp>
+        <p:nvSpPr>
+          <p:cNvPr id="63" name="TextBox 62"/>
+          <p:cNvSpPr txBox="1"/>
+          <p:nvPr/>
+        </p:nvSpPr>
+        <p:spPr>
+          <a:xfrm>
+            <a:off x="544812" y="300368"/>
+            <a:ext cx="3422709" cy="369332"/>
+          </a:xfrm>
+          <a:prstGeom prst="rect">
+            <a:avLst/>
+          </a:prstGeom>
+          <a:noFill/>
+        </p:spPr>
+        <p:txBody>
+          <a:bodyPr wrap="square" rtlCol="0">
+            <a:spAutoFit/>
+          </a:bodyPr>
+          <a:lstStyle/>
+          <a:p>
+            <a:r>
+              <a:rPr lang="en-US" altLang="zh-CN" dirty="0" smtClean="0">
+                <a:solidFill>
+                  <a:schemeClr val="bg1">
+                    <a:lumMod val="50000"/>
+                  </a:schemeClr>
+                </a:solidFill>
+                <a:latin typeface="微软雅黑" panose="020B0503020204020204" pitchFamily="34" charset="-122"/>
+                <a:ea typeface="微软雅黑" panose="020B0503020204020204" pitchFamily="34" charset="-122"/>
+              </a:rPr>
+              <a:t>Hello World!</a:t>
+            </a:r>
+            <a:endParaRPr lang="zh-CN" altLang="en-US" dirty="0">
+              <a:solidFill>
+                <a:schemeClr val="bg1">
+                  <a:lumMod val="50000"/>
+                </a:schemeClr>
+              </a:solidFill>
+              <a:latin typeface="微软雅黑" panose="020B0503020204020204" pitchFamily="34" charset="-122"/>
+              <a:ea typeface="微软雅黑" panose="020B0503020204020204" pitchFamily="34" charset="-122"/>
+            </a:endParaRPr>
+          </a:p>
+        </p:txBody>
+      </p:sp>
+      <p:cxnSp>
+        <p:nvCxnSpPr>
+          <p:cNvPr id="65" name="直接连接符 64"/>
+          <p:cNvCxnSpPr/>
+          <p:nvPr/>
+        </p:nvCxnSpPr>
+        <p:spPr>
+          <a:xfrm>
+            <a:off x="637091" y="669700"/>
+            <a:ext cx="2827562" cy="0"/>
+          </a:xfrm>
+          <a:prstGeom prst="line">
+            <a:avLst/>
+          </a:prstGeom>
+          <a:ln>
+            <a:solidFill>
+              <a:schemeClr val="bg1">
+                <a:lumMod val="85000"/>
+              </a:schemeClr>
+            </a:solidFill>
+          </a:ln>
+        </p:spPr>
+        <p:style>
+          <a:lnRef idx="1">
+            <a:schemeClr val="accent4"/>
+          </a:lnRef>
+          <a:fillRef idx="0">
+            <a:schemeClr val="accent4"/>
+          </a:fillRef>
+          <a:effectRef idx="0">
+            <a:schemeClr val="accent4"/>
+          </a:effectRef>
+          <a:fontRef idx="minor">
+            <a:schemeClr val="tx1"/>
+          </a:fontRef>
+        </p:style>
+      </p:cxnSp>
+      <p:pic>
+        <p:nvPicPr>
+          <p:cNvPr id="66" name="Picture 2" descr="C:\Users\yepanmeng\Desktop\logo.png"/>
+          <p:cNvPicPr>
+            <a:picLocks noChangeAspect="1" noChangeArrowheads="1"/>
+          </p:cNvPicPr>
+          <p:nvPr/>
+        </p:nvPicPr>
+        <p:blipFill>
+          <a:blip r:embed="rId3" cstate="print">
+            <a:extLst>
+              <a:ext uri="{28A0092B-C50C-407E-A947-70E740481C1C}">
+                <a14:useLocalDpi xmlns:a14="http://schemas.microsoft.com/office/drawing/2010/main" val="0"/>
+              </a:ext>
+            </a:extLst>
+          </a:blip>
+          <a:srcRect/>
+          <a:stretch>
+            <a:fillRect/>
+          </a:stretch>
+        </p:blipFill>
+        <p:spPr bwMode="auto">
+          <a:xfrm rot="5400000">
+            <a:off x="11853862" y="6367223"/>
+            <a:ext cx="371695" cy="371695"/>
+          </a:xfrm>
+          <a:prstGeom prst="rect">
+            <a:avLst/>
+          </a:prstGeom>
+          <a:noFill/>
+          <a:extLst>
+            <a:ext uri="{909E8E84-426E-40DD-AFC4-6F175D3DCCD1}">
+              <a14:hiddenFill xmlns:a14="http://schemas.microsoft.com/office/drawing/2010/main">
+                <a:solidFill>
+                  <a:srgbClr val="FFFFFF"/>
+                </a:solidFill>
+              </a14:hiddenFill>
+            </a:ext>
+          </a:extLst>
+        </p:spPr>
+      </p:pic>
+      <p:sp>
+        <p:nvSpPr>
+          <p:cNvPr id="74" name="TextBox 73"/>
+          <p:cNvSpPr txBox="1"/>
+          <p:nvPr/>
+        </p:nvSpPr>
+        <p:spPr>
+          <a:xfrm>
+            <a:off x="11247447" y="6325278"/>
+            <a:ext cx="584961" cy="253916"/>
+          </a:xfrm>
+          <a:prstGeom prst="rect">
+            <a:avLst/>
+          </a:prstGeom>
+          <a:noFill/>
+        </p:spPr>
+        <p:txBody>
+          <a:bodyPr wrap="square" rtlCol="0">
+            <a:spAutoFit/>
+          </a:bodyPr>
+          <a:lstStyle/>
+          <a:p>
+            <a:r>
+              <a:rPr lang="en-US" altLang="zh-CN" sz="1050" dirty="0">
+                <a:solidFill>
+                  <a:schemeClr val="bg1">
+                    <a:lumMod val="50000"/>
+                  </a:schemeClr>
+                </a:solidFill>
+                <a:latin typeface="Microsoft YaHei UI" panose="020B0703020204020201" charset="-122"/>
+                <a:ea typeface="Microsoft YaHei UI" panose="020B0703020204020201" charset="-122"/>
+              </a:rPr>
+              <a:t>3</a:t>
+            </a:r>
+            <a:r>
+              <a:rPr lang="en-US" altLang="zh-CN" sz="1050" dirty="0" smtClean="0">
+                <a:solidFill>
+                  <a:schemeClr val="bg1">
+                    <a:lumMod val="50000"/>
+                  </a:schemeClr>
+                </a:solidFill>
+                <a:latin typeface="Microsoft YaHei UI" panose="020B0703020204020201" charset="-122"/>
+                <a:ea typeface="Microsoft YaHei UI" panose="020B0703020204020201" charset="-122"/>
+              </a:rPr>
+              <a:t> / 11</a:t>
+            </a:r>
+            <a:endParaRPr lang="zh-CN" altLang="en-US" sz="1050" dirty="0">
+              <a:solidFill>
+                <a:schemeClr val="bg1">
+                  <a:lumMod val="50000"/>
+                </a:schemeClr>
+              </a:solidFill>
+              <a:latin typeface="Microsoft YaHei UI" panose="020B0703020204020201" charset="-122"/>
+              <a:ea typeface="Microsoft YaHei UI" panose="020B0703020204020201" charset="-122"/>
+            </a:endParaRPr>
+          </a:p>
+        </p:txBody>
+      </p:sp>
+      <p:cxnSp>
+        <p:nvCxnSpPr>
+          <p:cNvPr id="80" name="直接连接符 79"/>
+          <p:cNvCxnSpPr/>
+          <p:nvPr/>
+        </p:nvCxnSpPr>
+        <p:spPr>
+          <a:xfrm flipH="1" flipV="1">
+            <a:off x="11289392" y="6553071"/>
+            <a:ext cx="480580" cy="1"/>
+          </a:xfrm>
+          <a:prstGeom prst="line">
+            <a:avLst/>
+          </a:prstGeom>
+          <a:ln>
+            <a:solidFill>
+              <a:schemeClr val="bg1">
+                <a:lumMod val="85000"/>
+              </a:schemeClr>
+            </a:solidFill>
+          </a:ln>
+        </p:spPr>
+        <p:style>
+          <a:lnRef idx="1">
+            <a:schemeClr val="accent1"/>
+          </a:lnRef>
+          <a:fillRef idx="0">
+            <a:schemeClr val="accent1"/>
+          </a:fillRef>
+          <a:effectRef idx="0">
+            <a:schemeClr val="accent1"/>
+          </a:effectRef>
+          <a:fontRef idx="minor">
+            <a:schemeClr val="tx1"/>
+          </a:fontRef>
+        </p:style>
+      </p:cxnSp>
+      <p:grpSp>
+        <p:nvGrpSpPr>
+          <p:cNvPr id="24" name="组合 23"/>
+          <p:cNvGrpSpPr/>
+          <p:nvPr/>
+        </p:nvGrpSpPr>
+        <p:grpSpPr>
+          <a:xfrm>
+            <a:off x="753847" y="3259943"/>
+            <a:ext cx="9256527" cy="436598"/>
+            <a:chOff x="753847" y="3259943"/>
+            <a:chExt cx="9256527" cy="436598"/>
+          </a:xfrm>
+        </p:grpSpPr>
+        <p:sp>
+          <p:nvSpPr>
+            <p:cNvPr id="25" name="TextBox 24"/>
+            <p:cNvSpPr txBox="1"/>
+            <p:nvPr/>
+          </p:nvSpPr>
+          <p:spPr>
+            <a:xfrm>
+              <a:off x="1080771" y="3304061"/>
+              <a:ext cx="8929603" cy="369332"/>
+            </a:xfrm>
+            <a:prstGeom prst="rect">
+              <a:avLst/>
+            </a:prstGeom>
+            <a:noFill/>
+          </p:spPr>
+          <p:txBody>
+            <a:bodyPr wrap="square" rtlCol="0">
+              <a:spAutoFit/>
+            </a:bodyPr>
+            <a:lstStyle/>
+            <a:p>
+              <a:r>
+                <a:rPr lang="zh-CN" altLang="en-US" b="1" dirty="0" smtClean="0">
+                  <a:solidFill>
+                    <a:schemeClr val="tx1">
+                      <a:lumMod val="65000"/>
+                      <a:lumOff val="35000"/>
+                    </a:schemeClr>
+                  </a:solidFill>
+                  <a:ea typeface="微软雅黑" panose="020B0503020204020204" pitchFamily="34" charset="-122"/>
+                </a:rPr>
+                <a:t>思考</a:t>
+              </a:r>
+              <a:r>
+                <a:rPr lang="en-US" altLang="zh-CN" b="1" dirty="0" smtClean="0">
+                  <a:solidFill>
+                    <a:schemeClr val="tx1">
+                      <a:lumMod val="65000"/>
+                      <a:lumOff val="35000"/>
+                    </a:schemeClr>
+                  </a:solidFill>
+                  <a:ea typeface="微软雅黑" panose="020B0503020204020204" pitchFamily="34" charset="-122"/>
+                </a:rPr>
+                <a:t>:</a:t>
+              </a:r>
+              <a:r>
+                <a:rPr lang="en-US" altLang="zh-CN" dirty="0" smtClean="0">
+                  <a:solidFill>
+                    <a:schemeClr val="tx1">
+                      <a:lumMod val="65000"/>
+                      <a:lumOff val="35000"/>
+                    </a:schemeClr>
+                  </a:solidFill>
+                  <a:ea typeface="微软雅黑" panose="020B0503020204020204" pitchFamily="34" charset="-122"/>
+                </a:rPr>
+                <a:t> </a:t>
+              </a:r>
+              <a:endParaRPr lang="zh-CN" altLang="en-US" dirty="0">
+                <a:solidFill>
+                  <a:schemeClr val="tx1">
+                    <a:lumMod val="65000"/>
+                    <a:lumOff val="35000"/>
+                  </a:schemeClr>
+                </a:solidFill>
+                <a:ea typeface="微软雅黑" panose="020B0503020204020204" pitchFamily="34" charset="-122"/>
+              </a:endParaRPr>
+            </a:p>
+          </p:txBody>
+        </p:sp>
+        <p:pic>
+          <p:nvPicPr>
+            <p:cNvPr id="26" name="Picture 2" descr="C:\Users\yepanmeng\Desktop\logo.png"/>
+            <p:cNvPicPr>
+              <a:picLocks noChangeAspect="1" noChangeArrowheads="1"/>
+            </p:cNvPicPr>
+            <p:nvPr/>
+          </p:nvPicPr>
+          <p:blipFill>
+            <a:blip r:embed="rId4" cstate="print">
+              <a:duotone>
+                <a:schemeClr val="accent2">
+                  <a:shade val="45000"/>
+                  <a:satMod val="135000"/>
+                </a:schemeClr>
+                <a:prstClr val="white"/>
+              </a:duotone>
+              <a:extLst>
+                <a:ext uri="{BEBA8EAE-BF5A-486C-A8C5-ECC9F3942E4B}">
+                  <a14:imgProps xmlns:a14="http://schemas.microsoft.com/office/drawing/2010/main">
+                    <a14:imgLayer r:embed="rId5">
+                      <a14:imgEffect>
+                        <a14:brightnessContrast bright="-20000" contrast="40000"/>
+                      </a14:imgEffect>
+                    </a14:imgLayer>
+                  </a14:imgProps>
+                </a:ext>
+                <a:ext uri="{28A0092B-C50C-407E-A947-70E740481C1C}">
+                  <a14:useLocalDpi xmlns:a14="http://schemas.microsoft.com/office/drawing/2010/main" val="0"/>
+                </a:ext>
+              </a:extLst>
+            </a:blip>
+            <a:srcRect/>
+            <a:stretch>
+              <a:fillRect/>
+            </a:stretch>
+          </p:blipFill>
+          <p:spPr bwMode="auto">
+            <a:xfrm>
+              <a:off x="753847" y="3259943"/>
+              <a:ext cx="436598" cy="436598"/>
+            </a:xfrm>
+            <a:prstGeom prst="rect">
+              <a:avLst/>
+            </a:prstGeom>
+            <a:noFill/>
+            <a:extLst>
+              <a:ext uri="{909E8E84-426E-40DD-AFC4-6F175D3DCCD1}">
+                <a14:hiddenFill xmlns:a14="http://schemas.microsoft.com/office/drawing/2010/main">
+                  <a:solidFill>
+                    <a:srgbClr val="FFFFFF"/>
+                  </a:solidFill>
+                </a14:hiddenFill>
+              </a:ext>
+            </a:extLst>
+          </p:spPr>
+        </p:pic>
+        <p:cxnSp>
+          <p:nvCxnSpPr>
+            <p:cNvPr id="27" name="直接连接符 26"/>
+            <p:cNvCxnSpPr/>
+            <p:nvPr/>
+          </p:nvCxnSpPr>
+          <p:spPr>
+            <a:xfrm>
+              <a:off x="972146" y="3662037"/>
+              <a:ext cx="718631" cy="0"/>
+            </a:xfrm>
+            <a:prstGeom prst="line">
+              <a:avLst/>
+            </a:prstGeom>
+            <a:ln>
+              <a:solidFill>
+                <a:srgbClr val="FF0000"/>
+              </a:solidFill>
+            </a:ln>
+          </p:spPr>
+          <p:style>
+            <a:lnRef idx="1">
+              <a:schemeClr val="accent1"/>
+            </a:lnRef>
+            <a:fillRef idx="0">
+              <a:schemeClr val="accent1"/>
+            </a:fillRef>
+            <a:effectRef idx="0">
+              <a:schemeClr val="accent1"/>
+            </a:effectRef>
+            <a:fontRef idx="minor">
+              <a:schemeClr val="tx1"/>
+            </a:fontRef>
+          </p:style>
+        </p:cxnSp>
+      </p:grpSp>
+    </p:spTree>
+    <p:extLst>
+      <p:ext uri="{BB962C8B-B14F-4D97-AF65-F5344CB8AC3E}">
+        <p14:creationId xmlns:p14="http://schemas.microsoft.com/office/powerpoint/2010/main" val="2044832661"/>
+      </p:ext>
+    </p:extLst>
+  </p:cSld>
+  <p:clrMapOvr>
+    <a:masterClrMapping/>
+  </p:clrMapOvr>
+  <mc:AlternateContent xmlns:mc="http://schemas.openxmlformats.org/markup-compatibility/2006" xmlns:p14="http://schemas.microsoft.com/office/powerpoint/2010/main">
+    <mc:Choice Requires="p14">
+      <p:transition p14:dur="10"/>
+    </mc:Choice>
+    <mc:Fallback xmlns="">
+      <p:transition/>
+    </mc:Fallback>
+  </mc:AlternateContent>
+  <p:timing>
+    <p:tnLst>
+      <p:par>
+        <p:cTn id="1" dur="indefinite" restart="never" nodeType="tmRoot"/>
+      </p:par>
+    </p:tnLst>
+  </p:timing>
+</p:sld>
+</file>
+
+<file path=ppt/slides/slide11.xml><?xml version="1.0" encoding="utf-8"?>
+<p:sld xmlns:a="http://schemas.openxmlformats.org/drawingml/2006/main" xmlns:r="http://schemas.openxmlformats.org/officeDocument/2006/relationships" xmlns:p="http://schemas.openxmlformats.org/presentationml/2006/main">
+  <p:cSld>
+    <p:spTree>
+      <p:nvGrpSpPr>
+        <p:cNvPr id="1" name=""/>
+        <p:cNvGrpSpPr/>
+        <p:nvPr/>
+      </p:nvGrpSpPr>
+      <p:grpSpPr>
+        <a:xfrm>
+          <a:off x="0" y="0"/>
+          <a:ext cx="0" cy="0"/>
+          <a:chOff x="0" y="0"/>
+          <a:chExt cx="0" cy="0"/>
+        </a:xfrm>
+      </p:grpSpPr>
+      <p:pic>
+        <p:nvPicPr>
+          <p:cNvPr id="4" name="Picture 2" descr="C:\Users\yepanmeng\Desktop\logo.png"/>
+          <p:cNvPicPr>
+            <a:picLocks noChangeAspect="1" noChangeArrowheads="1"/>
+          </p:cNvPicPr>
+          <p:nvPr/>
+        </p:nvPicPr>
+        <p:blipFill>
+          <a:blip r:embed="rId2" cstate="print">
+            <a:extLst>
+              <a:ext uri="{28A0092B-C50C-407E-A947-70E740481C1C}">
+                <a14:useLocalDpi xmlns:a14="http://schemas.microsoft.com/office/drawing/2010/main" val="0"/>
+              </a:ext>
+            </a:extLst>
+          </a:blip>
+          <a:srcRect/>
+          <a:stretch>
+            <a:fillRect/>
+          </a:stretch>
+        </p:blipFill>
+        <p:spPr bwMode="auto">
+          <a:xfrm rot="16200000">
+            <a:off x="-47617" y="373486"/>
+            <a:ext cx="592429" cy="592429"/>
+          </a:xfrm>
+          <a:prstGeom prst="rect">
+            <a:avLst/>
+          </a:prstGeom>
+          <a:noFill/>
+          <a:extLst>
+            <a:ext uri="{909E8E84-426E-40DD-AFC4-6F175D3DCCD1}">
+              <a14:hiddenFill xmlns:a14="http://schemas.microsoft.com/office/drawing/2010/main">
+                <a:solidFill>
+                  <a:srgbClr val="FFFFFF"/>
+                </a:solidFill>
+              </a14:hiddenFill>
+            </a:ext>
+          </a:extLst>
+        </p:spPr>
+      </p:pic>
+      <p:sp>
+        <p:nvSpPr>
+          <p:cNvPr id="5" name="等腰三角形 4"/>
+          <p:cNvSpPr/>
+          <p:nvPr/>
+        </p:nvSpPr>
+        <p:spPr>
+          <a:xfrm rot="16200000">
+            <a:off x="9600001" y="-320993"/>
+            <a:ext cx="736941" cy="635294"/>
+          </a:xfrm>
+          <a:prstGeom prst="triangle">
+            <a:avLst/>
+          </a:prstGeom>
+          <a:solidFill>
+            <a:schemeClr val="bg2">
+              <a:lumMod val="90000"/>
+              <a:alpha val="50196"/>
+            </a:schemeClr>
+          </a:solidFill>
+          <a:ln>
+            <a:noFill/>
+          </a:ln>
+        </p:spPr>
+        <p:style>
+          <a:lnRef idx="2">
+            <a:schemeClr val="accent1">
+              <a:shade val="50000"/>
+            </a:schemeClr>
+          </a:lnRef>
+          <a:fillRef idx="1">
+            <a:schemeClr val="accent1"/>
+          </a:fillRef>
+          <a:effectRef idx="0">
+            <a:schemeClr val="accent1"/>
+          </a:effectRef>
+          <a:fontRef idx="minor">
+            <a:schemeClr val="lt1"/>
+          </a:fontRef>
+        </p:style>
+        <p:txBody>
+          <a:bodyPr rtlCol="0" anchor="ctr"/>
+          <a:lstStyle/>
+          <a:p>
+            <a:pPr algn="ctr"/>
+            <a:endParaRPr lang="zh-CN" altLang="en-US" dirty="0">
+              <a:ea typeface="微软雅黑" panose="020B0503020204020204" pitchFamily="34" charset="-122"/>
+            </a:endParaRPr>
+          </a:p>
+        </p:txBody>
+      </p:sp>
+      <p:sp>
+        <p:nvSpPr>
+          <p:cNvPr id="6" name="等腰三角形 5"/>
+          <p:cNvSpPr/>
+          <p:nvPr/>
+        </p:nvSpPr>
+        <p:spPr>
+          <a:xfrm rot="5400000">
+            <a:off x="10235294" y="-320993"/>
+            <a:ext cx="736941" cy="635294"/>
+          </a:xfrm>
+          <a:prstGeom prst="triangle">
+            <a:avLst/>
+          </a:prstGeom>
+          <a:solidFill>
+            <a:schemeClr val="bg1">
+              <a:lumMod val="85000"/>
+              <a:alpha val="50196"/>
+            </a:schemeClr>
+          </a:solidFill>
+          <a:ln>
+            <a:noFill/>
+          </a:ln>
+        </p:spPr>
+        <p:style>
+          <a:lnRef idx="2">
+            <a:schemeClr val="accent1">
+              <a:shade val="50000"/>
+            </a:schemeClr>
+          </a:lnRef>
+          <a:fillRef idx="1">
+            <a:schemeClr val="accent1"/>
+          </a:fillRef>
+          <a:effectRef idx="0">
+            <a:schemeClr val="accent1"/>
+          </a:effectRef>
+          <a:fontRef idx="minor">
+            <a:schemeClr val="lt1"/>
+          </a:fontRef>
+        </p:style>
+        <p:txBody>
+          <a:bodyPr rtlCol="0" anchor="ctr"/>
+          <a:lstStyle/>
+          <a:p>
+            <a:pPr algn="ctr"/>
+            <a:endParaRPr lang="zh-CN" altLang="en-US" dirty="0">
+              <a:ea typeface="微软雅黑" panose="020B0503020204020204" pitchFamily="34" charset="-122"/>
+            </a:endParaRPr>
+          </a:p>
+        </p:txBody>
+      </p:sp>
+      <p:sp>
+        <p:nvSpPr>
+          <p:cNvPr id="7" name="等腰三角形 6"/>
+          <p:cNvSpPr/>
+          <p:nvPr/>
+        </p:nvSpPr>
+        <p:spPr>
+          <a:xfrm rot="16200000">
+            <a:off x="10870588" y="-320993"/>
+            <a:ext cx="736941" cy="635294"/>
+          </a:xfrm>
+          <a:prstGeom prst="triangle">
+            <a:avLst/>
+          </a:prstGeom>
+          <a:solidFill>
+            <a:schemeClr val="bg1">
+              <a:lumMod val="95000"/>
+              <a:alpha val="50196"/>
+            </a:schemeClr>
+          </a:solidFill>
+          <a:ln>
+            <a:noFill/>
+          </a:ln>
+        </p:spPr>
+        <p:style>
+          <a:lnRef idx="2">
+            <a:schemeClr val="accent1">
+              <a:shade val="50000"/>
+            </a:schemeClr>
+          </a:lnRef>
+          <a:fillRef idx="1">
+            <a:schemeClr val="accent1"/>
+          </a:fillRef>
+          <a:effectRef idx="0">
+            <a:schemeClr val="accent1"/>
+          </a:effectRef>
+          <a:fontRef idx="minor">
+            <a:schemeClr val="lt1"/>
+          </a:fontRef>
+        </p:style>
+        <p:txBody>
+          <a:bodyPr rtlCol="0" anchor="ctr"/>
+          <a:lstStyle/>
+          <a:p>
+            <a:pPr algn="ctr"/>
+            <a:endParaRPr lang="zh-CN" altLang="en-US" dirty="0">
+              <a:ea typeface="微软雅黑" panose="020B0503020204020204" pitchFamily="34" charset="-122"/>
+            </a:endParaRPr>
+          </a:p>
+        </p:txBody>
+      </p:sp>
+      <p:sp>
+        <p:nvSpPr>
+          <p:cNvPr id="8" name="等腰三角形 7"/>
+          <p:cNvSpPr/>
+          <p:nvPr/>
+        </p:nvSpPr>
+        <p:spPr>
+          <a:xfrm rot="5400000">
+            <a:off x="11505882" y="-320993"/>
+            <a:ext cx="736941" cy="635294"/>
+          </a:xfrm>
+          <a:prstGeom prst="triangle">
+            <a:avLst/>
+          </a:prstGeom>
+          <a:solidFill>
+            <a:schemeClr val="bg2">
+              <a:alpha val="50196"/>
+            </a:schemeClr>
+          </a:solidFill>
+          <a:ln>
+            <a:noFill/>
+          </a:ln>
+        </p:spPr>
+        <p:style>
+          <a:lnRef idx="2">
+            <a:schemeClr val="accent1">
+              <a:shade val="50000"/>
+            </a:schemeClr>
+          </a:lnRef>
+          <a:fillRef idx="1">
+            <a:schemeClr val="accent1"/>
+          </a:fillRef>
+          <a:effectRef idx="0">
+            <a:schemeClr val="accent1"/>
+          </a:effectRef>
+          <a:fontRef idx="minor">
+            <a:schemeClr val="lt1"/>
+          </a:fontRef>
+        </p:style>
+        <p:txBody>
+          <a:bodyPr rtlCol="0" anchor="ctr"/>
+          <a:lstStyle/>
+          <a:p>
+            <a:pPr algn="ctr"/>
+            <a:endParaRPr lang="zh-CN" altLang="en-US" dirty="0">
+              <a:ea typeface="微软雅黑" panose="020B0503020204020204" pitchFamily="34" charset="-122"/>
+            </a:endParaRPr>
+          </a:p>
+        </p:txBody>
+      </p:sp>
+      <p:sp>
+        <p:nvSpPr>
+          <p:cNvPr id="9" name="等腰三角形 8"/>
+          <p:cNvSpPr/>
+          <p:nvPr/>
+        </p:nvSpPr>
+        <p:spPr>
+          <a:xfrm rot="5400000">
+            <a:off x="9600001" y="47478"/>
+            <a:ext cx="736941" cy="635294"/>
+          </a:xfrm>
+          <a:prstGeom prst="triangle">
+            <a:avLst/>
+          </a:prstGeom>
+          <a:solidFill>
+            <a:schemeClr val="bg2">
+              <a:alpha val="50196"/>
+            </a:schemeClr>
+          </a:solidFill>
+          <a:ln>
+            <a:noFill/>
+          </a:ln>
+        </p:spPr>
+        <p:style>
+          <a:lnRef idx="2">
+            <a:schemeClr val="accent1">
+              <a:shade val="50000"/>
+            </a:schemeClr>
+          </a:lnRef>
+          <a:fillRef idx="1">
+            <a:schemeClr val="accent1"/>
+          </a:fillRef>
+          <a:effectRef idx="0">
+            <a:schemeClr val="accent1"/>
+          </a:effectRef>
+          <a:fontRef idx="minor">
+            <a:schemeClr val="lt1"/>
+          </a:fontRef>
+        </p:style>
+        <p:txBody>
+          <a:bodyPr rtlCol="0" anchor="ctr"/>
+          <a:lstStyle/>
+          <a:p>
+            <a:pPr algn="ctr"/>
+            <a:endParaRPr lang="zh-CN" altLang="en-US" dirty="0">
+              <a:ea typeface="微软雅黑" panose="020B0503020204020204" pitchFamily="34" charset="-122"/>
+            </a:endParaRPr>
+          </a:p>
+        </p:txBody>
+      </p:sp>
+      <p:sp>
+        <p:nvSpPr>
+          <p:cNvPr id="10" name="等腰三角形 9"/>
+          <p:cNvSpPr/>
+          <p:nvPr/>
+        </p:nvSpPr>
+        <p:spPr>
+          <a:xfrm rot="16200000">
+            <a:off x="10235294" y="47478"/>
+            <a:ext cx="736941" cy="635294"/>
+          </a:xfrm>
+          <a:prstGeom prst="triangle">
+            <a:avLst/>
+          </a:prstGeom>
+          <a:solidFill>
+            <a:schemeClr val="bg1">
+              <a:lumMod val="95000"/>
+              <a:alpha val="50196"/>
+            </a:schemeClr>
+          </a:solidFill>
+          <a:ln>
+            <a:noFill/>
+          </a:ln>
+        </p:spPr>
+        <p:style>
+          <a:lnRef idx="2">
+            <a:schemeClr val="accent1">
+              <a:shade val="50000"/>
+            </a:schemeClr>
+          </a:lnRef>
+          <a:fillRef idx="1">
+            <a:schemeClr val="accent1"/>
+          </a:fillRef>
+          <a:effectRef idx="0">
+            <a:schemeClr val="accent1"/>
+          </a:effectRef>
+          <a:fontRef idx="minor">
+            <a:schemeClr val="lt1"/>
+          </a:fontRef>
+        </p:style>
+        <p:txBody>
+          <a:bodyPr rtlCol="0" anchor="ctr"/>
+          <a:lstStyle/>
+          <a:p>
+            <a:pPr algn="ctr"/>
+            <a:endParaRPr lang="zh-CN" altLang="en-US" dirty="0">
+              <a:ea typeface="微软雅黑" panose="020B0503020204020204" pitchFamily="34" charset="-122"/>
+            </a:endParaRPr>
+          </a:p>
+        </p:txBody>
+      </p:sp>
+      <p:sp>
+        <p:nvSpPr>
+          <p:cNvPr id="11" name="等腰三角形 10"/>
+          <p:cNvSpPr/>
+          <p:nvPr/>
+        </p:nvSpPr>
+        <p:spPr>
+          <a:xfrm rot="5400000">
+            <a:off x="10870588" y="47478"/>
+            <a:ext cx="736941" cy="635294"/>
+          </a:xfrm>
+          <a:prstGeom prst="triangle">
+            <a:avLst/>
+          </a:prstGeom>
+          <a:solidFill>
+            <a:schemeClr val="bg1">
+              <a:alpha val="50196"/>
+            </a:schemeClr>
+          </a:solidFill>
+          <a:ln>
+            <a:noFill/>
+          </a:ln>
+        </p:spPr>
+        <p:style>
+          <a:lnRef idx="2">
+            <a:schemeClr val="accent1">
+              <a:shade val="50000"/>
+            </a:schemeClr>
+          </a:lnRef>
+          <a:fillRef idx="1">
+            <a:schemeClr val="accent1"/>
+          </a:fillRef>
+          <a:effectRef idx="0">
+            <a:schemeClr val="accent1"/>
+          </a:effectRef>
+          <a:fontRef idx="minor">
+            <a:schemeClr val="lt1"/>
+          </a:fontRef>
+        </p:style>
+        <p:txBody>
+          <a:bodyPr rtlCol="0" anchor="ctr"/>
+          <a:lstStyle/>
+          <a:p>
+            <a:pPr algn="ctr"/>
+            <a:endParaRPr lang="zh-CN" altLang="en-US" dirty="0">
+              <a:ea typeface="微软雅黑" panose="020B0503020204020204" pitchFamily="34" charset="-122"/>
+            </a:endParaRPr>
+          </a:p>
+        </p:txBody>
+      </p:sp>
+      <p:sp>
+        <p:nvSpPr>
+          <p:cNvPr id="12" name="等腰三角形 11"/>
+          <p:cNvSpPr/>
+          <p:nvPr/>
+        </p:nvSpPr>
+        <p:spPr>
+          <a:xfrm rot="12600000">
+            <a:off x="10059450" y="490026"/>
+            <a:ext cx="736941" cy="635294"/>
+          </a:xfrm>
+          <a:prstGeom prst="triangle">
+            <a:avLst/>
+          </a:prstGeom>
+          <a:solidFill>
+            <a:schemeClr val="bg1">
+              <a:lumMod val="85000"/>
+              <a:alpha val="50196"/>
+            </a:schemeClr>
+          </a:solidFill>
+          <a:ln>
+            <a:noFill/>
+          </a:ln>
+        </p:spPr>
+        <p:style>
+          <a:lnRef idx="2">
+            <a:schemeClr val="accent1">
+              <a:shade val="50000"/>
+            </a:schemeClr>
+          </a:lnRef>
+          <a:fillRef idx="1">
+            <a:schemeClr val="accent1"/>
+          </a:fillRef>
+          <a:effectRef idx="0">
+            <a:schemeClr val="accent1"/>
+          </a:effectRef>
+          <a:fontRef idx="minor">
+            <a:schemeClr val="lt1"/>
+          </a:fontRef>
+        </p:style>
+        <p:txBody>
+          <a:bodyPr rtlCol="0" anchor="ctr"/>
+          <a:lstStyle/>
+          <a:p>
+            <a:pPr algn="ctr"/>
+            <a:endParaRPr lang="zh-CN" altLang="en-US" dirty="0">
+              <a:ea typeface="微软雅黑" panose="020B0503020204020204" pitchFamily="34" charset="-122"/>
+            </a:endParaRPr>
+          </a:p>
+        </p:txBody>
+      </p:sp>
+      <p:sp>
+        <p:nvSpPr>
+          <p:cNvPr id="13" name="等腰三角形 12"/>
+          <p:cNvSpPr/>
+          <p:nvPr/>
+        </p:nvSpPr>
+        <p:spPr>
+          <a:xfrm rot="16200000">
+            <a:off x="10870588" y="415948"/>
+            <a:ext cx="736941" cy="635294"/>
+          </a:xfrm>
+          <a:prstGeom prst="triangle">
+            <a:avLst/>
+          </a:prstGeom>
+          <a:solidFill>
+            <a:schemeClr val="bg2">
+              <a:alpha val="50196"/>
+            </a:schemeClr>
+          </a:solidFill>
+          <a:ln>
+            <a:noFill/>
+          </a:ln>
+        </p:spPr>
+        <p:style>
+          <a:lnRef idx="2">
+            <a:schemeClr val="accent1">
+              <a:shade val="50000"/>
+            </a:schemeClr>
+          </a:lnRef>
+          <a:fillRef idx="1">
+            <a:schemeClr val="accent1"/>
+          </a:fillRef>
+          <a:effectRef idx="0">
+            <a:schemeClr val="accent1"/>
+          </a:effectRef>
+          <a:fontRef idx="minor">
+            <a:schemeClr val="lt1"/>
+          </a:fontRef>
+        </p:style>
+        <p:txBody>
+          <a:bodyPr rtlCol="0" anchor="ctr"/>
+          <a:lstStyle/>
+          <a:p>
+            <a:pPr algn="ctr"/>
+            <a:endParaRPr lang="zh-CN" altLang="en-US" dirty="0">
+              <a:ea typeface="微软雅黑" panose="020B0503020204020204" pitchFamily="34" charset="-122"/>
+            </a:endParaRPr>
+          </a:p>
+        </p:txBody>
+      </p:sp>
+      <p:sp>
+        <p:nvSpPr>
+          <p:cNvPr id="14" name="等腰三角形 13"/>
+          <p:cNvSpPr/>
+          <p:nvPr/>
+        </p:nvSpPr>
+        <p:spPr>
+          <a:xfrm rot="5400000">
+            <a:off x="11505882" y="415948"/>
+            <a:ext cx="736941" cy="635294"/>
+          </a:xfrm>
+          <a:prstGeom prst="triangle">
+            <a:avLst/>
+          </a:prstGeom>
+          <a:solidFill>
+            <a:schemeClr val="bg2">
+              <a:lumMod val="90000"/>
+              <a:alpha val="50196"/>
+            </a:schemeClr>
+          </a:solidFill>
+          <a:ln>
+            <a:noFill/>
+          </a:ln>
+        </p:spPr>
+        <p:style>
+          <a:lnRef idx="2">
+            <a:schemeClr val="accent1">
+              <a:shade val="50000"/>
+            </a:schemeClr>
+          </a:lnRef>
+          <a:fillRef idx="1">
+            <a:schemeClr val="accent1"/>
+          </a:fillRef>
+          <a:effectRef idx="0">
+            <a:schemeClr val="accent1"/>
+          </a:effectRef>
+          <a:fontRef idx="minor">
+            <a:schemeClr val="lt1"/>
+          </a:fontRef>
+        </p:style>
+        <p:txBody>
+          <a:bodyPr rtlCol="0" anchor="ctr"/>
+          <a:lstStyle/>
+          <a:p>
+            <a:pPr algn="ctr"/>
+            <a:endParaRPr lang="zh-CN" altLang="en-US" dirty="0">
+              <a:ea typeface="微软雅黑" panose="020B0503020204020204" pitchFamily="34" charset="-122"/>
+            </a:endParaRPr>
+          </a:p>
+        </p:txBody>
+      </p:sp>
+      <p:sp>
+        <p:nvSpPr>
+          <p:cNvPr id="15" name="等腰三角形 14"/>
+          <p:cNvSpPr/>
+          <p:nvPr/>
+        </p:nvSpPr>
+        <p:spPr>
+          <a:xfrm rot="5400000">
+            <a:off x="10870588" y="784418"/>
+            <a:ext cx="736941" cy="635294"/>
+          </a:xfrm>
+          <a:prstGeom prst="triangle">
+            <a:avLst/>
+          </a:prstGeom>
+          <a:solidFill>
+            <a:schemeClr val="bg1">
+              <a:lumMod val="95000"/>
+              <a:alpha val="50196"/>
+            </a:schemeClr>
+          </a:solidFill>
+          <a:ln>
+            <a:noFill/>
+          </a:ln>
+        </p:spPr>
+        <p:style>
+          <a:lnRef idx="2">
+            <a:schemeClr val="accent1">
+              <a:shade val="50000"/>
+            </a:schemeClr>
+          </a:lnRef>
+          <a:fillRef idx="1">
+            <a:schemeClr val="accent1"/>
+          </a:fillRef>
+          <a:effectRef idx="0">
+            <a:schemeClr val="accent1"/>
+          </a:effectRef>
+          <a:fontRef idx="minor">
+            <a:schemeClr val="lt1"/>
+          </a:fontRef>
+        </p:style>
+        <p:txBody>
+          <a:bodyPr rtlCol="0" anchor="ctr"/>
+          <a:lstStyle/>
+          <a:p>
+            <a:pPr algn="ctr"/>
+            <a:endParaRPr lang="zh-CN" altLang="en-US" dirty="0">
+              <a:ea typeface="微软雅黑" panose="020B0503020204020204" pitchFamily="34" charset="-122"/>
+            </a:endParaRPr>
+          </a:p>
+        </p:txBody>
+      </p:sp>
+      <p:sp>
+        <p:nvSpPr>
+          <p:cNvPr id="16" name="等腰三角形 15"/>
+          <p:cNvSpPr/>
+          <p:nvPr/>
+        </p:nvSpPr>
+        <p:spPr>
+          <a:xfrm rot="16200000">
+            <a:off x="11505882" y="784418"/>
+            <a:ext cx="736941" cy="635294"/>
+          </a:xfrm>
+          <a:prstGeom prst="triangle">
+            <a:avLst/>
+          </a:prstGeom>
+          <a:solidFill>
+            <a:schemeClr val="bg1">
+              <a:lumMod val="95000"/>
+              <a:alpha val="50196"/>
+            </a:schemeClr>
+          </a:solidFill>
+          <a:ln>
+            <a:noFill/>
+          </a:ln>
+        </p:spPr>
+        <p:style>
+          <a:lnRef idx="2">
+            <a:schemeClr val="accent1">
+              <a:shade val="50000"/>
+            </a:schemeClr>
+          </a:lnRef>
+          <a:fillRef idx="1">
+            <a:schemeClr val="accent1"/>
+          </a:fillRef>
+          <a:effectRef idx="0">
+            <a:schemeClr val="accent1"/>
+          </a:effectRef>
+          <a:fontRef idx="minor">
+            <a:schemeClr val="lt1"/>
+          </a:fontRef>
+        </p:style>
+        <p:txBody>
+          <a:bodyPr rtlCol="0" anchor="ctr"/>
+          <a:lstStyle/>
+          <a:p>
+            <a:pPr algn="ctr"/>
+            <a:endParaRPr lang="zh-CN" altLang="en-US" dirty="0">
+              <a:ea typeface="微软雅黑" panose="020B0503020204020204" pitchFamily="34" charset="-122"/>
+            </a:endParaRPr>
+          </a:p>
+        </p:txBody>
+      </p:sp>
+      <p:sp>
+        <p:nvSpPr>
+          <p:cNvPr id="17" name="等腰三角形 16"/>
+          <p:cNvSpPr/>
+          <p:nvPr/>
+        </p:nvSpPr>
+        <p:spPr>
+          <a:xfrm rot="16200000">
+            <a:off x="8964706" y="39089"/>
+            <a:ext cx="736941" cy="635294"/>
+          </a:xfrm>
+          <a:prstGeom prst="triangle">
+            <a:avLst/>
+          </a:prstGeom>
+          <a:solidFill>
+            <a:schemeClr val="bg1">
+              <a:lumMod val="95000"/>
+              <a:alpha val="50196"/>
+            </a:schemeClr>
+          </a:solidFill>
+          <a:ln>
+            <a:noFill/>
+          </a:ln>
+        </p:spPr>
+        <p:style>
+          <a:lnRef idx="2">
+            <a:schemeClr val="accent1">
+              <a:shade val="50000"/>
+            </a:schemeClr>
+          </a:lnRef>
+          <a:fillRef idx="1">
+            <a:schemeClr val="accent1"/>
+          </a:fillRef>
+          <a:effectRef idx="0">
+            <a:schemeClr val="accent1"/>
+          </a:effectRef>
+          <a:fontRef idx="minor">
+            <a:schemeClr val="lt1"/>
+          </a:fontRef>
+        </p:style>
+        <p:txBody>
+          <a:bodyPr rtlCol="0" anchor="ctr"/>
+          <a:lstStyle/>
+          <a:p>
+            <a:pPr algn="ctr"/>
+            <a:endParaRPr lang="zh-CN" altLang="en-US" dirty="0">
+              <a:ea typeface="微软雅黑" panose="020B0503020204020204" pitchFamily="34" charset="-122"/>
+            </a:endParaRPr>
+          </a:p>
+        </p:txBody>
+      </p:sp>
+      <p:sp>
+        <p:nvSpPr>
+          <p:cNvPr id="18" name="等腰三角形 17"/>
+          <p:cNvSpPr/>
+          <p:nvPr/>
+        </p:nvSpPr>
+        <p:spPr>
+          <a:xfrm rot="5400000">
+            <a:off x="11505882" y="1152888"/>
+            <a:ext cx="736941" cy="635294"/>
+          </a:xfrm>
+          <a:prstGeom prst="triangle">
+            <a:avLst/>
+          </a:prstGeom>
+          <a:solidFill>
+            <a:schemeClr val="bg2">
+              <a:alpha val="50196"/>
+            </a:schemeClr>
+          </a:solidFill>
+          <a:ln>
+            <a:noFill/>
+          </a:ln>
+        </p:spPr>
+        <p:style>
+          <a:lnRef idx="2">
+            <a:schemeClr val="accent1">
+              <a:shade val="50000"/>
+            </a:schemeClr>
+          </a:lnRef>
+          <a:fillRef idx="1">
+            <a:schemeClr val="accent1"/>
+          </a:fillRef>
+          <a:effectRef idx="0">
+            <a:schemeClr val="accent1"/>
+          </a:effectRef>
+          <a:fontRef idx="minor">
+            <a:schemeClr val="lt1"/>
+          </a:fontRef>
+        </p:style>
+        <p:txBody>
+          <a:bodyPr rtlCol="0" anchor="ctr"/>
+          <a:lstStyle/>
+          <a:p>
+            <a:pPr algn="ctr"/>
+            <a:endParaRPr lang="zh-CN" altLang="en-US" dirty="0">
+              <a:ea typeface="微软雅黑" panose="020B0503020204020204" pitchFamily="34" charset="-122"/>
+            </a:endParaRPr>
+          </a:p>
+        </p:txBody>
+      </p:sp>
+      <p:sp>
+        <p:nvSpPr>
+          <p:cNvPr id="19" name="等腰三角形 18"/>
+          <p:cNvSpPr/>
+          <p:nvPr/>
+        </p:nvSpPr>
+        <p:spPr>
+          <a:xfrm rot="16200000">
+            <a:off x="11505882" y="1521358"/>
+            <a:ext cx="736941" cy="635294"/>
+          </a:xfrm>
+          <a:prstGeom prst="triangle">
+            <a:avLst/>
+          </a:prstGeom>
+          <a:solidFill>
+            <a:schemeClr val="bg1">
+              <a:lumMod val="95000"/>
+              <a:alpha val="50196"/>
+            </a:schemeClr>
+          </a:solidFill>
+          <a:ln>
+            <a:noFill/>
+          </a:ln>
+        </p:spPr>
+        <p:style>
+          <a:lnRef idx="2">
+            <a:schemeClr val="accent1">
+              <a:shade val="50000"/>
+            </a:schemeClr>
+          </a:lnRef>
+          <a:fillRef idx="1">
+            <a:schemeClr val="accent1"/>
+          </a:fillRef>
+          <a:effectRef idx="0">
+            <a:schemeClr val="accent1"/>
+          </a:effectRef>
+          <a:fontRef idx="minor">
+            <a:schemeClr val="lt1"/>
+          </a:fontRef>
+        </p:style>
+        <p:txBody>
+          <a:bodyPr rtlCol="0" anchor="ctr"/>
+          <a:lstStyle/>
+          <a:p>
+            <a:pPr algn="ctr"/>
+            <a:endParaRPr lang="zh-CN" altLang="en-US" dirty="0">
+              <a:ea typeface="微软雅黑" panose="020B0503020204020204" pitchFamily="34" charset="-122"/>
+            </a:endParaRPr>
+          </a:p>
+        </p:txBody>
+      </p:sp>
+      <p:sp>
+        <p:nvSpPr>
+          <p:cNvPr id="20" name="等腰三角形 19"/>
+          <p:cNvSpPr/>
+          <p:nvPr/>
+        </p:nvSpPr>
+        <p:spPr>
+          <a:xfrm rot="16200000">
+            <a:off x="11505883" y="1521356"/>
+            <a:ext cx="736941" cy="635294"/>
+          </a:xfrm>
+          <a:prstGeom prst="triangle">
+            <a:avLst/>
+          </a:prstGeom>
+          <a:solidFill>
+            <a:schemeClr val="bg1">
+              <a:lumMod val="85000"/>
+              <a:alpha val="50196"/>
+            </a:schemeClr>
+          </a:solidFill>
+          <a:ln>
+            <a:noFill/>
+          </a:ln>
+        </p:spPr>
+        <p:style>
+          <a:lnRef idx="2">
+            <a:schemeClr val="accent1">
+              <a:shade val="50000"/>
+            </a:schemeClr>
+          </a:lnRef>
+          <a:fillRef idx="1">
+            <a:schemeClr val="accent1"/>
+          </a:fillRef>
+          <a:effectRef idx="0">
+            <a:schemeClr val="accent1"/>
+          </a:effectRef>
+          <a:fontRef idx="minor">
+            <a:schemeClr val="lt1"/>
+          </a:fontRef>
+        </p:style>
+        <p:txBody>
+          <a:bodyPr rtlCol="0" anchor="ctr"/>
+          <a:lstStyle/>
+          <a:p>
+            <a:pPr algn="ctr"/>
+            <a:endParaRPr lang="zh-CN" altLang="en-US" dirty="0">
+              <a:ea typeface="微软雅黑" panose="020B0503020204020204" pitchFamily="34" charset="-122"/>
+            </a:endParaRPr>
+          </a:p>
+        </p:txBody>
+      </p:sp>
+      <p:sp>
+        <p:nvSpPr>
+          <p:cNvPr id="63" name="TextBox 62"/>
+          <p:cNvSpPr txBox="1"/>
+          <p:nvPr/>
+        </p:nvSpPr>
+        <p:spPr>
+          <a:xfrm>
+            <a:off x="544812" y="300368"/>
+            <a:ext cx="3422709" cy="369332"/>
+          </a:xfrm>
+          <a:prstGeom prst="rect">
+            <a:avLst/>
+          </a:prstGeom>
+          <a:noFill/>
+        </p:spPr>
+        <p:txBody>
+          <a:bodyPr wrap="square" rtlCol="0">
+            <a:spAutoFit/>
+          </a:bodyPr>
+          <a:lstStyle/>
+          <a:p>
+            <a:r>
+              <a:rPr lang="en-US" altLang="zh-CN" dirty="0" smtClean="0">
+                <a:solidFill>
+                  <a:schemeClr val="bg1">
+                    <a:lumMod val="50000"/>
+                  </a:schemeClr>
+                </a:solidFill>
+                <a:latin typeface="微软雅黑" panose="020B0503020204020204" pitchFamily="34" charset="-122"/>
+                <a:ea typeface="微软雅黑" panose="020B0503020204020204" pitchFamily="34" charset="-122"/>
+              </a:rPr>
+              <a:t>Hello World!</a:t>
+            </a:r>
+            <a:endParaRPr lang="zh-CN" altLang="en-US" dirty="0">
+              <a:solidFill>
+                <a:schemeClr val="bg1">
+                  <a:lumMod val="50000"/>
+                </a:schemeClr>
+              </a:solidFill>
+              <a:latin typeface="微软雅黑" panose="020B0503020204020204" pitchFamily="34" charset="-122"/>
+              <a:ea typeface="微软雅黑" panose="020B0503020204020204" pitchFamily="34" charset="-122"/>
+            </a:endParaRPr>
+          </a:p>
+        </p:txBody>
+      </p:sp>
+      <p:cxnSp>
+        <p:nvCxnSpPr>
+          <p:cNvPr id="65" name="直接连接符 64"/>
+          <p:cNvCxnSpPr/>
+          <p:nvPr/>
+        </p:nvCxnSpPr>
+        <p:spPr>
+          <a:xfrm>
+            <a:off x="637091" y="669700"/>
+            <a:ext cx="2827562" cy="0"/>
+          </a:xfrm>
+          <a:prstGeom prst="line">
+            <a:avLst/>
+          </a:prstGeom>
+          <a:ln>
+            <a:solidFill>
+              <a:schemeClr val="bg1">
+                <a:lumMod val="85000"/>
+              </a:schemeClr>
+            </a:solidFill>
+          </a:ln>
+        </p:spPr>
+        <p:style>
+          <a:lnRef idx="1">
+            <a:schemeClr val="accent4"/>
+          </a:lnRef>
+          <a:fillRef idx="0">
+            <a:schemeClr val="accent4"/>
+          </a:fillRef>
+          <a:effectRef idx="0">
+            <a:schemeClr val="accent4"/>
+          </a:effectRef>
+          <a:fontRef idx="minor">
+            <a:schemeClr val="tx1"/>
+          </a:fontRef>
+        </p:style>
+      </p:cxnSp>
+      <p:pic>
+        <p:nvPicPr>
+          <p:cNvPr id="66" name="Picture 2" descr="C:\Users\yepanmeng\Desktop\logo.png"/>
+          <p:cNvPicPr>
+            <a:picLocks noChangeAspect="1" noChangeArrowheads="1"/>
+          </p:cNvPicPr>
+          <p:nvPr/>
+        </p:nvPicPr>
+        <p:blipFill>
+          <a:blip r:embed="rId3" cstate="print">
+            <a:extLst>
+              <a:ext uri="{28A0092B-C50C-407E-A947-70E740481C1C}">
+                <a14:useLocalDpi xmlns:a14="http://schemas.microsoft.com/office/drawing/2010/main" val="0"/>
+              </a:ext>
+            </a:extLst>
+          </a:blip>
+          <a:srcRect/>
+          <a:stretch>
+            <a:fillRect/>
+          </a:stretch>
+        </p:blipFill>
+        <p:spPr bwMode="auto">
+          <a:xfrm rot="5400000">
+            <a:off x="11853862" y="6367223"/>
+            <a:ext cx="371695" cy="371695"/>
+          </a:xfrm>
+          <a:prstGeom prst="rect">
+            <a:avLst/>
+          </a:prstGeom>
+          <a:noFill/>
+          <a:extLst>
+            <a:ext uri="{909E8E84-426E-40DD-AFC4-6F175D3DCCD1}">
+              <a14:hiddenFill xmlns:a14="http://schemas.microsoft.com/office/drawing/2010/main">
+                <a:solidFill>
+                  <a:srgbClr val="FFFFFF"/>
+                </a:solidFill>
+              </a14:hiddenFill>
+            </a:ext>
+          </a:extLst>
+        </p:spPr>
+      </p:pic>
+      <p:sp>
+        <p:nvSpPr>
+          <p:cNvPr id="74" name="TextBox 73"/>
+          <p:cNvSpPr txBox="1"/>
+          <p:nvPr/>
+        </p:nvSpPr>
+        <p:spPr>
+          <a:xfrm>
+            <a:off x="11247447" y="6325278"/>
+            <a:ext cx="584961" cy="253916"/>
+          </a:xfrm>
+          <a:prstGeom prst="rect">
+            <a:avLst/>
+          </a:prstGeom>
+          <a:noFill/>
+        </p:spPr>
+        <p:txBody>
+          <a:bodyPr wrap="square" rtlCol="0">
+            <a:spAutoFit/>
+          </a:bodyPr>
+          <a:lstStyle/>
+          <a:p>
+            <a:r>
+              <a:rPr lang="en-US" altLang="zh-CN" sz="1050" dirty="0">
+                <a:solidFill>
+                  <a:schemeClr val="bg1">
+                    <a:lumMod val="50000"/>
+                  </a:schemeClr>
+                </a:solidFill>
+                <a:latin typeface="Microsoft YaHei UI" panose="020B0703020204020201" charset="-122"/>
+                <a:ea typeface="Microsoft YaHei UI" panose="020B0703020204020201" charset="-122"/>
+              </a:rPr>
+              <a:t>3</a:t>
+            </a:r>
+            <a:r>
+              <a:rPr lang="en-US" altLang="zh-CN" sz="1050" dirty="0" smtClean="0">
+                <a:solidFill>
+                  <a:schemeClr val="bg1">
+                    <a:lumMod val="50000"/>
+                  </a:schemeClr>
+                </a:solidFill>
+                <a:latin typeface="Microsoft YaHei UI" panose="020B0703020204020201" charset="-122"/>
+                <a:ea typeface="Microsoft YaHei UI" panose="020B0703020204020201" charset="-122"/>
+              </a:rPr>
+              <a:t> / 11</a:t>
+            </a:r>
+            <a:endParaRPr lang="zh-CN" altLang="en-US" sz="1050" dirty="0">
+              <a:solidFill>
+                <a:schemeClr val="bg1">
+                  <a:lumMod val="50000"/>
+                </a:schemeClr>
+              </a:solidFill>
+              <a:latin typeface="Microsoft YaHei UI" panose="020B0703020204020201" charset="-122"/>
+              <a:ea typeface="Microsoft YaHei UI" panose="020B0703020204020201" charset="-122"/>
+            </a:endParaRPr>
+          </a:p>
+        </p:txBody>
+      </p:sp>
+      <p:cxnSp>
+        <p:nvCxnSpPr>
+          <p:cNvPr id="80" name="直接连接符 79"/>
+          <p:cNvCxnSpPr/>
+          <p:nvPr/>
+        </p:nvCxnSpPr>
+        <p:spPr>
+          <a:xfrm flipH="1" flipV="1">
+            <a:off x="11289392" y="6553071"/>
+            <a:ext cx="480580" cy="1"/>
+          </a:xfrm>
+          <a:prstGeom prst="line">
+            <a:avLst/>
+          </a:prstGeom>
+          <a:ln>
+            <a:solidFill>
+              <a:schemeClr val="bg1">
+                <a:lumMod val="85000"/>
+              </a:schemeClr>
+            </a:solidFill>
+          </a:ln>
+        </p:spPr>
+        <p:style>
+          <a:lnRef idx="1">
+            <a:schemeClr val="accent1"/>
+          </a:lnRef>
+          <a:fillRef idx="0">
+            <a:schemeClr val="accent1"/>
+          </a:fillRef>
+          <a:effectRef idx="0">
+            <a:schemeClr val="accent1"/>
+          </a:effectRef>
+          <a:fontRef idx="minor">
+            <a:schemeClr val="tx1"/>
+          </a:fontRef>
+        </p:style>
+      </p:cxnSp>
+    </p:spTree>
+    <p:extLst>
+      <p:ext uri="{BB962C8B-B14F-4D97-AF65-F5344CB8AC3E}">
+        <p14:creationId xmlns:p14="http://schemas.microsoft.com/office/powerpoint/2010/main" val="3808333112"/>
+      </p:ext>
+    </p:extLst>
+  </p:cSld>
+  <p:clrMapOvr>
+    <a:masterClrMapping/>
+  </p:clrMapOvr>
+  <mc:AlternateContent xmlns:mc="http://schemas.openxmlformats.org/markup-compatibility/2006" xmlns:p14="http://schemas.microsoft.com/office/powerpoint/2010/main">
+    <mc:Choice Requires="p14">
+      <p:transition p14:dur="10"/>
+    </mc:Choice>
+    <mc:Fallback xmlns="">
+      <p:transition/>
+    </mc:Fallback>
+  </mc:AlternateContent>
+  <p:timing>
+    <p:tnLst>
+      <p:par>
+        <p:cTn id="1" dur="indefinite" restart="never" nodeType="tmRoot"/>
+      </p:par>
+    </p:tnLst>
+  </p:timing>
+</p:sld>
+</file>
+
+<file path=ppt/slides/slide12.xml><?xml version="1.0" encoding="utf-8"?>
+<p:sld xmlns:a="http://schemas.openxmlformats.org/drawingml/2006/main" xmlns:r="http://schemas.openxmlformats.org/officeDocument/2006/relationships" xmlns:p="http://schemas.openxmlformats.org/presentationml/2006/main">
+  <p:cSld>
+    <p:spTree>
+      <p:nvGrpSpPr>
+        <p:cNvPr id="1" name=""/>
+        <p:cNvGrpSpPr/>
+        <p:nvPr/>
+      </p:nvGrpSpPr>
+      <p:grpSpPr>
+        <a:xfrm>
+          <a:off x="0" y="0"/>
+          <a:ext cx="0" cy="0"/>
+          <a:chOff x="0" y="0"/>
+          <a:chExt cx="0" cy="0"/>
+        </a:xfrm>
+      </p:grpSpPr>
+      <p:cxnSp>
+        <p:nvCxnSpPr>
+          <p:cNvPr id="9" name="直接连接符 8"/>
+          <p:cNvCxnSpPr/>
+          <p:nvPr/>
+        </p:nvCxnSpPr>
+        <p:spPr>
+          <a:xfrm flipH="1">
+            <a:off x="6037943" y="5177164"/>
+            <a:ext cx="6154058" cy="0"/>
+          </a:xfrm>
+          <a:prstGeom prst="line">
+            <a:avLst/>
+          </a:prstGeom>
+          <a:ln w="9525">
+            <a:solidFill>
+              <a:schemeClr val="tx1">
+                <a:alpha val="90000"/>
+              </a:schemeClr>
+            </a:solidFill>
+          </a:ln>
+        </p:spPr>
+        <p:style>
+          <a:lnRef idx="1">
+            <a:schemeClr val="accent1"/>
+          </a:lnRef>
+          <a:fillRef idx="0">
+            <a:schemeClr val="accent1"/>
+          </a:fillRef>
+          <a:effectRef idx="0">
+            <a:schemeClr val="accent1"/>
+          </a:effectRef>
+          <a:fontRef idx="minor">
+            <a:schemeClr val="tx1"/>
+          </a:fontRef>
+        </p:style>
+      </p:cxnSp>
+      <p:sp>
+        <p:nvSpPr>
+          <p:cNvPr id="12" name="文本框 11"/>
+          <p:cNvSpPr txBox="1"/>
+          <p:nvPr/>
+        </p:nvSpPr>
+        <p:spPr>
+          <a:xfrm>
+            <a:off x="5933990" y="3994618"/>
+            <a:ext cx="5079596" cy="923330"/>
+          </a:xfrm>
+          <a:prstGeom prst="rect">
+            <a:avLst/>
+          </a:prstGeom>
+          <a:noFill/>
+        </p:spPr>
+        <p:txBody>
+          <a:bodyPr wrap="none" rtlCol="0">
+            <a:spAutoFit/>
+          </a:bodyPr>
+          <a:lstStyle/>
+          <a:p>
+            <a:r>
+              <a:rPr lang="en-US" altLang="zh-CN" sz="5400" b="1" spc="-100" dirty="0" smtClean="0">
+                <a:latin typeface="Microsoft YaHei UI" panose="020B0503020204020204" pitchFamily="34" charset="-122"/>
+                <a:ea typeface="Microsoft YaHei UI" panose="020B0503020204020204" pitchFamily="34" charset="-122"/>
+              </a:rPr>
+              <a:t>THANK YOU</a:t>
+            </a:r>
+            <a:r>
+              <a:rPr lang="zh-CN" altLang="en-US" sz="5400" b="1" spc="-100" dirty="0" smtClean="0">
+                <a:latin typeface="Microsoft YaHei UI" panose="020B0503020204020204" pitchFamily="34" charset="-122"/>
+                <a:ea typeface="Microsoft YaHei UI" panose="020B0503020204020204" pitchFamily="34" charset="-122"/>
+              </a:rPr>
+              <a:t>！</a:t>
+            </a:r>
+            <a:endParaRPr lang="zh-CN" altLang="en-US" sz="5400" b="1" spc="-100" dirty="0">
+              <a:latin typeface="Microsoft YaHei UI" panose="020B0503020204020204" pitchFamily="34" charset="-122"/>
+              <a:ea typeface="Microsoft YaHei UI" panose="020B0503020204020204" pitchFamily="34" charset="-122"/>
+            </a:endParaRPr>
+          </a:p>
+        </p:txBody>
+      </p:sp>
+      <p:pic>
+        <p:nvPicPr>
+          <p:cNvPr id="4" name="Picture 2" descr="C:\Users\yepanmeng\Desktop\logo.png"/>
+          <p:cNvPicPr>
+            <a:picLocks noChangeAspect="1" noChangeArrowheads="1"/>
+          </p:cNvPicPr>
+          <p:nvPr/>
+        </p:nvPicPr>
+        <p:blipFill>
+          <a:blip r:embed="rId3" cstate="print">
+            <a:extLst>
+              <a:ext uri="{28A0092B-C50C-407E-A947-70E740481C1C}">
+                <a14:useLocalDpi xmlns:a14="http://schemas.microsoft.com/office/drawing/2010/main" val="0"/>
+              </a:ext>
+            </a:extLst>
+          </a:blip>
+          <a:srcRect/>
+          <a:stretch>
+            <a:fillRect/>
+          </a:stretch>
+        </p:blipFill>
+        <p:spPr bwMode="auto">
+          <a:xfrm>
+            <a:off x="8676144" y="4135970"/>
+            <a:ext cx="534967" cy="534967"/>
+          </a:xfrm>
+          <a:prstGeom prst="rect">
+            <a:avLst/>
+          </a:prstGeom>
+          <a:noFill/>
+          <a:extLst>
+            <a:ext uri="{909E8E84-426E-40DD-AFC4-6F175D3DCCD1}">
+              <a14:hiddenFill xmlns:a14="http://schemas.microsoft.com/office/drawing/2010/main">
+                <a:solidFill>
+                  <a:srgbClr val="FFFFFF"/>
+                </a:solidFill>
+              </a14:hiddenFill>
+            </a:ext>
+          </a:extLst>
+        </p:spPr>
+      </p:pic>
+    </p:spTree>
+    <p:extLst>
+      <p:ext uri="{BB962C8B-B14F-4D97-AF65-F5344CB8AC3E}">
+        <p14:creationId xmlns:p14="http://schemas.microsoft.com/office/powerpoint/2010/main" val="4210012164"/>
       </p:ext>
     </p:extLst>
   </p:cSld>
@@ -6765,7 +9375,9 @@
           <a:lstStyle/>
           <a:p>
             <a:pPr algn="ctr"/>
-            <a:endParaRPr lang="zh-CN" altLang="en-US"/>
+            <a:endParaRPr lang="zh-CN" altLang="en-US" dirty="0">
+              <a:ea typeface="微软雅黑" panose="020B0503020204020204" pitchFamily="34" charset="-122"/>
+            </a:endParaRPr>
           </a:p>
         </p:txBody>
       </p:sp>
@@ -6814,7 +9426,9 @@
           <a:lstStyle/>
           <a:p>
             <a:pPr algn="ctr"/>
-            <a:endParaRPr lang="zh-CN" altLang="en-US"/>
+            <a:endParaRPr lang="zh-CN" altLang="en-US" dirty="0">
+              <a:ea typeface="微软雅黑" panose="020B0503020204020204" pitchFamily="34" charset="-122"/>
+            </a:endParaRPr>
           </a:p>
         </p:txBody>
       </p:sp>
@@ -6863,7 +9477,9 @@
           <a:lstStyle/>
           <a:p>
             <a:pPr algn="ctr"/>
-            <a:endParaRPr lang="zh-CN" altLang="en-US"/>
+            <a:endParaRPr lang="zh-CN" altLang="en-US" dirty="0">
+              <a:ea typeface="微软雅黑" panose="020B0503020204020204" pitchFamily="34" charset="-122"/>
+            </a:endParaRPr>
           </a:p>
         </p:txBody>
       </p:sp>
@@ -6911,7 +9527,9 @@
           <a:lstStyle/>
           <a:p>
             <a:pPr algn="ctr"/>
-            <a:endParaRPr lang="zh-CN" altLang="en-US"/>
+            <a:endParaRPr lang="zh-CN" altLang="en-US" dirty="0">
+              <a:ea typeface="微软雅黑" panose="020B0503020204020204" pitchFamily="34" charset="-122"/>
+            </a:endParaRPr>
           </a:p>
         </p:txBody>
       </p:sp>
@@ -6959,7 +9577,9 @@
           <a:lstStyle/>
           <a:p>
             <a:pPr algn="ctr"/>
-            <a:endParaRPr lang="zh-CN" altLang="en-US"/>
+            <a:endParaRPr lang="zh-CN" altLang="en-US" dirty="0">
+              <a:ea typeface="微软雅黑" panose="020B0503020204020204" pitchFamily="34" charset="-122"/>
+            </a:endParaRPr>
           </a:p>
         </p:txBody>
       </p:sp>
@@ -7008,7 +9628,9 @@
           <a:lstStyle/>
           <a:p>
             <a:pPr algn="ctr"/>
-            <a:endParaRPr lang="zh-CN" altLang="en-US"/>
+            <a:endParaRPr lang="zh-CN" altLang="en-US" dirty="0">
+              <a:ea typeface="微软雅黑" panose="020B0503020204020204" pitchFamily="34" charset="-122"/>
+            </a:endParaRPr>
           </a:p>
         </p:txBody>
       </p:sp>
@@ -7056,7 +9678,9 @@
           <a:lstStyle/>
           <a:p>
             <a:pPr algn="ctr"/>
-            <a:endParaRPr lang="zh-CN" altLang="en-US"/>
+            <a:endParaRPr lang="zh-CN" altLang="en-US" dirty="0">
+              <a:ea typeface="微软雅黑" panose="020B0503020204020204" pitchFamily="34" charset="-122"/>
+            </a:endParaRPr>
           </a:p>
         </p:txBody>
       </p:sp>
@@ -7105,7 +9729,9 @@
           <a:lstStyle/>
           <a:p>
             <a:pPr algn="ctr"/>
-            <a:endParaRPr lang="zh-CN" altLang="en-US"/>
+            <a:endParaRPr lang="zh-CN" altLang="en-US" dirty="0">
+              <a:ea typeface="微软雅黑" panose="020B0503020204020204" pitchFamily="34" charset="-122"/>
+            </a:endParaRPr>
           </a:p>
         </p:txBody>
       </p:sp>
@@ -7153,7 +9779,9 @@
           <a:lstStyle/>
           <a:p>
             <a:pPr algn="ctr"/>
-            <a:endParaRPr lang="zh-CN" altLang="en-US"/>
+            <a:endParaRPr lang="zh-CN" altLang="en-US" dirty="0">
+              <a:ea typeface="微软雅黑" panose="020B0503020204020204" pitchFamily="34" charset="-122"/>
+            </a:endParaRPr>
           </a:p>
         </p:txBody>
       </p:sp>
@@ -7202,7 +9830,9 @@
           <a:lstStyle/>
           <a:p>
             <a:pPr algn="ctr"/>
-            <a:endParaRPr lang="zh-CN" altLang="en-US"/>
+            <a:endParaRPr lang="zh-CN" altLang="en-US" dirty="0">
+              <a:ea typeface="微软雅黑" panose="020B0503020204020204" pitchFamily="34" charset="-122"/>
+            </a:endParaRPr>
           </a:p>
         </p:txBody>
       </p:sp>
@@ -7251,7 +9881,9 @@
           <a:lstStyle/>
           <a:p>
             <a:pPr algn="ctr"/>
-            <a:endParaRPr lang="zh-CN" altLang="en-US"/>
+            <a:endParaRPr lang="zh-CN" altLang="en-US" dirty="0">
+              <a:ea typeface="微软雅黑" panose="020B0503020204020204" pitchFamily="34" charset="-122"/>
+            </a:endParaRPr>
           </a:p>
         </p:txBody>
       </p:sp>
@@ -7300,7 +9932,9 @@
           <a:lstStyle/>
           <a:p>
             <a:pPr algn="ctr"/>
-            <a:endParaRPr lang="zh-CN" altLang="en-US"/>
+            <a:endParaRPr lang="zh-CN" altLang="en-US" dirty="0">
+              <a:ea typeface="微软雅黑" panose="020B0503020204020204" pitchFamily="34" charset="-122"/>
+            </a:endParaRPr>
           </a:p>
         </p:txBody>
       </p:sp>
@@ -7349,7 +9983,9 @@
           <a:lstStyle/>
           <a:p>
             <a:pPr algn="ctr"/>
-            <a:endParaRPr lang="zh-CN" altLang="en-US"/>
+            <a:endParaRPr lang="zh-CN" altLang="en-US" dirty="0">
+              <a:ea typeface="微软雅黑" panose="020B0503020204020204" pitchFamily="34" charset="-122"/>
+            </a:endParaRPr>
           </a:p>
         </p:txBody>
       </p:sp>
@@ -7397,7 +10033,9 @@
           <a:lstStyle/>
           <a:p>
             <a:pPr algn="ctr"/>
-            <a:endParaRPr lang="zh-CN" altLang="en-US"/>
+            <a:endParaRPr lang="zh-CN" altLang="en-US" dirty="0">
+              <a:ea typeface="微软雅黑" panose="020B0503020204020204" pitchFamily="34" charset="-122"/>
+            </a:endParaRPr>
           </a:p>
         </p:txBody>
       </p:sp>
@@ -7446,7 +10084,9 @@
           <a:lstStyle/>
           <a:p>
             <a:pPr algn="ctr"/>
-            <a:endParaRPr lang="zh-CN" altLang="en-US"/>
+            <a:endParaRPr lang="zh-CN" altLang="en-US" dirty="0">
+              <a:ea typeface="微软雅黑" panose="020B0503020204020204" pitchFamily="34" charset="-122"/>
+            </a:endParaRPr>
           </a:p>
         </p:txBody>
       </p:sp>
@@ -7495,7 +10135,9 @@
           <a:lstStyle/>
           <a:p>
             <a:pPr algn="ctr"/>
-            <a:endParaRPr lang="zh-CN" altLang="en-US"/>
+            <a:endParaRPr lang="zh-CN" altLang="en-US" dirty="0">
+              <a:ea typeface="微软雅黑" panose="020B0503020204020204" pitchFamily="34" charset="-122"/>
+            </a:endParaRPr>
           </a:p>
         </p:txBody>
       </p:sp>
@@ -7543,19 +10185,7 @@
                 <a:latin typeface="微软雅黑" panose="020B0503020204020204" pitchFamily="34" charset="-122"/>
                 <a:ea typeface="微软雅黑" panose="020B0503020204020204" pitchFamily="34" charset="-122"/>
               </a:rPr>
-              <a:t> </a:t>
-            </a:r>
-            <a:r>
-              <a:rPr lang="en-US" altLang="zh-CN" dirty="0">
-                <a:solidFill>
-                  <a:schemeClr val="bg1">
-                    <a:lumMod val="50000"/>
-                  </a:schemeClr>
-                </a:solidFill>
-                <a:latin typeface="微软雅黑" panose="020B0503020204020204" pitchFamily="34" charset="-122"/>
-                <a:ea typeface="微软雅黑" panose="020B0503020204020204" pitchFamily="34" charset="-122"/>
-              </a:rPr>
-              <a:t>Contents</a:t>
+              <a:t> Contents</a:t>
             </a:r>
             <a:endParaRPr lang="zh-CN" altLang="en-US" dirty="0">
               <a:solidFill>
@@ -7873,7 +10503,9 @@
           <a:lstStyle/>
           <a:p>
             <a:pPr algn="ctr"/>
-            <a:endParaRPr lang="zh-CN" altLang="en-US"/>
+            <a:endParaRPr lang="zh-CN" altLang="en-US" dirty="0">
+              <a:ea typeface="微软雅黑" panose="020B0503020204020204" pitchFamily="34" charset="-122"/>
+            </a:endParaRPr>
           </a:p>
         </p:txBody>
       </p:sp>
@@ -7922,7 +10554,9 @@
           <a:lstStyle/>
           <a:p>
             <a:pPr algn="ctr"/>
-            <a:endParaRPr lang="zh-CN" altLang="en-US"/>
+            <a:endParaRPr lang="zh-CN" altLang="en-US" dirty="0">
+              <a:ea typeface="微软雅黑" panose="020B0503020204020204" pitchFamily="34" charset="-122"/>
+            </a:endParaRPr>
           </a:p>
         </p:txBody>
       </p:sp>
@@ -7971,7 +10605,9 @@
           <a:lstStyle/>
           <a:p>
             <a:pPr algn="ctr"/>
-            <a:endParaRPr lang="zh-CN" altLang="en-US"/>
+            <a:endParaRPr lang="zh-CN" altLang="en-US" dirty="0">
+              <a:ea typeface="微软雅黑" panose="020B0503020204020204" pitchFamily="34" charset="-122"/>
+            </a:endParaRPr>
           </a:p>
         </p:txBody>
       </p:sp>
@@ -8019,7 +10655,9 @@
           <a:lstStyle/>
           <a:p>
             <a:pPr algn="ctr"/>
-            <a:endParaRPr lang="zh-CN" altLang="en-US"/>
+            <a:endParaRPr lang="zh-CN" altLang="en-US" dirty="0">
+              <a:ea typeface="微软雅黑" panose="020B0503020204020204" pitchFamily="34" charset="-122"/>
+            </a:endParaRPr>
           </a:p>
         </p:txBody>
       </p:sp>
@@ -8067,7 +10705,9 @@
           <a:lstStyle/>
           <a:p>
             <a:pPr algn="ctr"/>
-            <a:endParaRPr lang="zh-CN" altLang="en-US"/>
+            <a:endParaRPr lang="zh-CN" altLang="en-US" dirty="0">
+              <a:ea typeface="微软雅黑" panose="020B0503020204020204" pitchFamily="34" charset="-122"/>
+            </a:endParaRPr>
           </a:p>
         </p:txBody>
       </p:sp>
@@ -8116,7 +10756,9 @@
           <a:lstStyle/>
           <a:p>
             <a:pPr algn="ctr"/>
-            <a:endParaRPr lang="zh-CN" altLang="en-US"/>
+            <a:endParaRPr lang="zh-CN" altLang="en-US" dirty="0">
+              <a:ea typeface="微软雅黑" panose="020B0503020204020204" pitchFamily="34" charset="-122"/>
+            </a:endParaRPr>
           </a:p>
         </p:txBody>
       </p:sp>
@@ -8164,7 +10806,9 @@
           <a:lstStyle/>
           <a:p>
             <a:pPr algn="ctr"/>
-            <a:endParaRPr lang="zh-CN" altLang="en-US"/>
+            <a:endParaRPr lang="zh-CN" altLang="en-US" dirty="0">
+              <a:ea typeface="微软雅黑" panose="020B0503020204020204" pitchFamily="34" charset="-122"/>
+            </a:endParaRPr>
           </a:p>
         </p:txBody>
       </p:sp>
@@ -8213,7 +10857,9 @@
           <a:lstStyle/>
           <a:p>
             <a:pPr algn="ctr"/>
-            <a:endParaRPr lang="zh-CN" altLang="en-US"/>
+            <a:endParaRPr lang="zh-CN" altLang="en-US" dirty="0">
+              <a:ea typeface="微软雅黑" panose="020B0503020204020204" pitchFamily="34" charset="-122"/>
+            </a:endParaRPr>
           </a:p>
         </p:txBody>
       </p:sp>
@@ -8261,7 +10907,9 @@
           <a:lstStyle/>
           <a:p>
             <a:pPr algn="ctr"/>
-            <a:endParaRPr lang="zh-CN" altLang="en-US"/>
+            <a:endParaRPr lang="zh-CN" altLang="en-US" dirty="0">
+              <a:ea typeface="微软雅黑" panose="020B0503020204020204" pitchFamily="34" charset="-122"/>
+            </a:endParaRPr>
           </a:p>
         </p:txBody>
       </p:sp>
@@ -8310,7 +10958,9 @@
           <a:lstStyle/>
           <a:p>
             <a:pPr algn="ctr"/>
-            <a:endParaRPr lang="zh-CN" altLang="en-US"/>
+            <a:endParaRPr lang="zh-CN" altLang="en-US" dirty="0">
+              <a:ea typeface="微软雅黑" panose="020B0503020204020204" pitchFamily="34" charset="-122"/>
+            </a:endParaRPr>
           </a:p>
         </p:txBody>
       </p:sp>
@@ -8359,7 +11009,9 @@
           <a:lstStyle/>
           <a:p>
             <a:pPr algn="ctr"/>
-            <a:endParaRPr lang="zh-CN" altLang="en-US"/>
+            <a:endParaRPr lang="zh-CN" altLang="en-US" dirty="0">
+              <a:ea typeface="微软雅黑" panose="020B0503020204020204" pitchFamily="34" charset="-122"/>
+            </a:endParaRPr>
           </a:p>
         </p:txBody>
       </p:sp>
@@ -8408,7 +11060,9 @@
           <a:lstStyle/>
           <a:p>
             <a:pPr algn="ctr"/>
-            <a:endParaRPr lang="zh-CN" altLang="en-US"/>
+            <a:endParaRPr lang="zh-CN" altLang="en-US" dirty="0">
+              <a:ea typeface="微软雅黑" panose="020B0503020204020204" pitchFamily="34" charset="-122"/>
+            </a:endParaRPr>
           </a:p>
         </p:txBody>
       </p:sp>
@@ -8457,7 +11111,9 @@
           <a:lstStyle/>
           <a:p>
             <a:pPr algn="ctr"/>
-            <a:endParaRPr lang="zh-CN" altLang="en-US"/>
+            <a:endParaRPr lang="zh-CN" altLang="en-US" dirty="0">
+              <a:ea typeface="微软雅黑" panose="020B0503020204020204" pitchFamily="34" charset="-122"/>
+            </a:endParaRPr>
           </a:p>
         </p:txBody>
       </p:sp>
@@ -8505,7 +11161,9 @@
           <a:lstStyle/>
           <a:p>
             <a:pPr algn="ctr"/>
-            <a:endParaRPr lang="zh-CN" altLang="en-US"/>
+            <a:endParaRPr lang="zh-CN" altLang="en-US" dirty="0">
+              <a:ea typeface="微软雅黑" panose="020B0503020204020204" pitchFamily="34" charset="-122"/>
+            </a:endParaRPr>
           </a:p>
         </p:txBody>
       </p:sp>
@@ -8554,7 +11212,9 @@
           <a:lstStyle/>
           <a:p>
             <a:pPr algn="ctr"/>
-            <a:endParaRPr lang="zh-CN" altLang="en-US"/>
+            <a:endParaRPr lang="zh-CN" altLang="en-US" dirty="0">
+              <a:ea typeface="微软雅黑" panose="020B0503020204020204" pitchFamily="34" charset="-122"/>
+            </a:endParaRPr>
           </a:p>
         </p:txBody>
       </p:sp>
@@ -8603,7 +11263,9 @@
           <a:lstStyle/>
           <a:p>
             <a:pPr algn="ctr"/>
-            <a:endParaRPr lang="zh-CN" altLang="en-US"/>
+            <a:endParaRPr lang="zh-CN" altLang="en-US" dirty="0">
+              <a:ea typeface="微软雅黑" panose="020B0503020204020204" pitchFamily="34" charset="-122"/>
+            </a:endParaRPr>
           </a:p>
         </p:txBody>
       </p:sp>
@@ -9588,7 +12250,9 @@
           <a:lstStyle/>
           <a:p>
             <a:pPr algn="ctr"/>
-            <a:endParaRPr lang="zh-CN" altLang="en-US"/>
+            <a:endParaRPr lang="zh-CN" altLang="en-US" dirty="0">
+              <a:ea typeface="微软雅黑" panose="020B0503020204020204" pitchFamily="34" charset="-122"/>
+            </a:endParaRPr>
           </a:p>
         </p:txBody>
       </p:sp>
@@ -9637,7 +12301,9 @@
           <a:lstStyle/>
           <a:p>
             <a:pPr algn="ctr"/>
-            <a:endParaRPr lang="zh-CN" altLang="en-US"/>
+            <a:endParaRPr lang="zh-CN" altLang="en-US" dirty="0">
+              <a:ea typeface="微软雅黑" panose="020B0503020204020204" pitchFamily="34" charset="-122"/>
+            </a:endParaRPr>
           </a:p>
         </p:txBody>
       </p:sp>
@@ -9686,7 +12352,9 @@
           <a:lstStyle/>
           <a:p>
             <a:pPr algn="ctr"/>
-            <a:endParaRPr lang="zh-CN" altLang="en-US"/>
+            <a:endParaRPr lang="zh-CN" altLang="en-US" dirty="0">
+              <a:ea typeface="微软雅黑" panose="020B0503020204020204" pitchFamily="34" charset="-122"/>
+            </a:endParaRPr>
           </a:p>
         </p:txBody>
       </p:sp>
@@ -9734,7 +12402,9 @@
           <a:lstStyle/>
           <a:p>
             <a:pPr algn="ctr"/>
-            <a:endParaRPr lang="zh-CN" altLang="en-US"/>
+            <a:endParaRPr lang="zh-CN" altLang="en-US" dirty="0">
+              <a:ea typeface="微软雅黑" panose="020B0503020204020204" pitchFamily="34" charset="-122"/>
+            </a:endParaRPr>
           </a:p>
         </p:txBody>
       </p:sp>
@@ -9782,7 +12452,9 @@
           <a:lstStyle/>
           <a:p>
             <a:pPr algn="ctr"/>
-            <a:endParaRPr lang="zh-CN" altLang="en-US"/>
+            <a:endParaRPr lang="zh-CN" altLang="en-US" dirty="0">
+              <a:ea typeface="微软雅黑" panose="020B0503020204020204" pitchFamily="34" charset="-122"/>
+            </a:endParaRPr>
           </a:p>
         </p:txBody>
       </p:sp>
@@ -9831,7 +12503,9 @@
           <a:lstStyle/>
           <a:p>
             <a:pPr algn="ctr"/>
-            <a:endParaRPr lang="zh-CN" altLang="en-US"/>
+            <a:endParaRPr lang="zh-CN" altLang="en-US" dirty="0">
+              <a:ea typeface="微软雅黑" panose="020B0503020204020204" pitchFamily="34" charset="-122"/>
+            </a:endParaRPr>
           </a:p>
         </p:txBody>
       </p:sp>
@@ -9879,7 +12553,9 @@
           <a:lstStyle/>
           <a:p>
             <a:pPr algn="ctr"/>
-            <a:endParaRPr lang="zh-CN" altLang="en-US"/>
+            <a:endParaRPr lang="zh-CN" altLang="en-US" dirty="0">
+              <a:ea typeface="微软雅黑" panose="020B0503020204020204" pitchFamily="34" charset="-122"/>
+            </a:endParaRPr>
           </a:p>
         </p:txBody>
       </p:sp>
@@ -9928,7 +12604,9 @@
           <a:lstStyle/>
           <a:p>
             <a:pPr algn="ctr"/>
-            <a:endParaRPr lang="zh-CN" altLang="en-US"/>
+            <a:endParaRPr lang="zh-CN" altLang="en-US" dirty="0">
+              <a:ea typeface="微软雅黑" panose="020B0503020204020204" pitchFamily="34" charset="-122"/>
+            </a:endParaRPr>
           </a:p>
         </p:txBody>
       </p:sp>
@@ -9976,7 +12654,9 @@
           <a:lstStyle/>
           <a:p>
             <a:pPr algn="ctr"/>
-            <a:endParaRPr lang="zh-CN" altLang="en-US"/>
+            <a:endParaRPr lang="zh-CN" altLang="en-US" dirty="0">
+              <a:ea typeface="微软雅黑" panose="020B0503020204020204" pitchFamily="34" charset="-122"/>
+            </a:endParaRPr>
           </a:p>
         </p:txBody>
       </p:sp>
@@ -10025,7 +12705,9 @@
           <a:lstStyle/>
           <a:p>
             <a:pPr algn="ctr"/>
-            <a:endParaRPr lang="zh-CN" altLang="en-US"/>
+            <a:endParaRPr lang="zh-CN" altLang="en-US" dirty="0">
+              <a:ea typeface="微软雅黑" panose="020B0503020204020204" pitchFamily="34" charset="-122"/>
+            </a:endParaRPr>
           </a:p>
         </p:txBody>
       </p:sp>
@@ -10074,7 +12756,9 @@
           <a:lstStyle/>
           <a:p>
             <a:pPr algn="ctr"/>
-            <a:endParaRPr lang="zh-CN" altLang="en-US"/>
+            <a:endParaRPr lang="zh-CN" altLang="en-US" dirty="0">
+              <a:ea typeface="微软雅黑" panose="020B0503020204020204" pitchFamily="34" charset="-122"/>
+            </a:endParaRPr>
           </a:p>
         </p:txBody>
       </p:sp>
@@ -10123,7 +12807,9 @@
           <a:lstStyle/>
           <a:p>
             <a:pPr algn="ctr"/>
-            <a:endParaRPr lang="zh-CN" altLang="en-US"/>
+            <a:endParaRPr lang="zh-CN" altLang="en-US" dirty="0">
+              <a:ea typeface="微软雅黑" panose="020B0503020204020204" pitchFamily="34" charset="-122"/>
+            </a:endParaRPr>
           </a:p>
         </p:txBody>
       </p:sp>
@@ -10172,7 +12858,9 @@
           <a:lstStyle/>
           <a:p>
             <a:pPr algn="ctr"/>
-            <a:endParaRPr lang="zh-CN" altLang="en-US"/>
+            <a:endParaRPr lang="zh-CN" altLang="en-US" dirty="0">
+              <a:ea typeface="微软雅黑" panose="020B0503020204020204" pitchFamily="34" charset="-122"/>
+            </a:endParaRPr>
           </a:p>
         </p:txBody>
       </p:sp>
@@ -10220,7 +12908,9 @@
           <a:lstStyle/>
           <a:p>
             <a:pPr algn="ctr"/>
-            <a:endParaRPr lang="zh-CN" altLang="en-US"/>
+            <a:endParaRPr lang="zh-CN" altLang="en-US" dirty="0">
+              <a:ea typeface="微软雅黑" panose="020B0503020204020204" pitchFamily="34" charset="-122"/>
+            </a:endParaRPr>
           </a:p>
         </p:txBody>
       </p:sp>
@@ -10269,7 +12959,9 @@
           <a:lstStyle/>
           <a:p>
             <a:pPr algn="ctr"/>
-            <a:endParaRPr lang="zh-CN" altLang="en-US"/>
+            <a:endParaRPr lang="zh-CN" altLang="en-US" dirty="0">
+              <a:ea typeface="微软雅黑" panose="020B0503020204020204" pitchFamily="34" charset="-122"/>
+            </a:endParaRPr>
           </a:p>
         </p:txBody>
       </p:sp>
@@ -10318,7 +13010,9 @@
           <a:lstStyle/>
           <a:p>
             <a:pPr algn="ctr"/>
-            <a:endParaRPr lang="zh-CN" altLang="en-US"/>
+            <a:endParaRPr lang="zh-CN" altLang="en-US" dirty="0">
+              <a:ea typeface="微软雅黑" panose="020B0503020204020204" pitchFamily="34" charset="-122"/>
+            </a:endParaRPr>
           </a:p>
         </p:txBody>
       </p:sp>
@@ -10684,7 +13378,9 @@
           <a:lstStyle/>
           <a:p>
             <a:pPr algn="ctr"/>
-            <a:endParaRPr lang="zh-CN" altLang="en-US"/>
+            <a:endParaRPr lang="zh-CN" altLang="en-US" dirty="0">
+              <a:ea typeface="微软雅黑" panose="020B0503020204020204" pitchFamily="34" charset="-122"/>
+            </a:endParaRPr>
           </a:p>
         </p:txBody>
       </p:sp>
@@ -10733,7 +13429,9 @@
           <a:lstStyle/>
           <a:p>
             <a:pPr algn="ctr"/>
-            <a:endParaRPr lang="zh-CN" altLang="en-US"/>
+            <a:endParaRPr lang="zh-CN" altLang="en-US" dirty="0">
+              <a:ea typeface="微软雅黑" panose="020B0503020204020204" pitchFamily="34" charset="-122"/>
+            </a:endParaRPr>
           </a:p>
         </p:txBody>
       </p:sp>
@@ -10782,7 +13480,9 @@
           <a:lstStyle/>
           <a:p>
             <a:pPr algn="ctr"/>
-            <a:endParaRPr lang="zh-CN" altLang="en-US"/>
+            <a:endParaRPr lang="zh-CN" altLang="en-US" dirty="0">
+              <a:ea typeface="微软雅黑" panose="020B0503020204020204" pitchFamily="34" charset="-122"/>
+            </a:endParaRPr>
           </a:p>
         </p:txBody>
       </p:sp>
@@ -10830,7 +13530,9 @@
           <a:lstStyle/>
           <a:p>
             <a:pPr algn="ctr"/>
-            <a:endParaRPr lang="zh-CN" altLang="en-US"/>
+            <a:endParaRPr lang="zh-CN" altLang="en-US" dirty="0">
+              <a:ea typeface="微软雅黑" panose="020B0503020204020204" pitchFamily="34" charset="-122"/>
+            </a:endParaRPr>
           </a:p>
         </p:txBody>
       </p:sp>
@@ -10878,7 +13580,9 @@
           <a:lstStyle/>
           <a:p>
             <a:pPr algn="ctr"/>
-            <a:endParaRPr lang="zh-CN" altLang="en-US"/>
+            <a:endParaRPr lang="zh-CN" altLang="en-US" dirty="0">
+              <a:ea typeface="微软雅黑" panose="020B0503020204020204" pitchFamily="34" charset="-122"/>
+            </a:endParaRPr>
           </a:p>
         </p:txBody>
       </p:sp>
@@ -10927,7 +13631,9 @@
           <a:lstStyle/>
           <a:p>
             <a:pPr algn="ctr"/>
-            <a:endParaRPr lang="zh-CN" altLang="en-US"/>
+            <a:endParaRPr lang="zh-CN" altLang="en-US" dirty="0">
+              <a:ea typeface="微软雅黑" panose="020B0503020204020204" pitchFamily="34" charset="-122"/>
+            </a:endParaRPr>
           </a:p>
         </p:txBody>
       </p:sp>
@@ -10975,7 +13681,9 @@
           <a:lstStyle/>
           <a:p>
             <a:pPr algn="ctr"/>
-            <a:endParaRPr lang="zh-CN" altLang="en-US"/>
+            <a:endParaRPr lang="zh-CN" altLang="en-US" dirty="0">
+              <a:ea typeface="微软雅黑" panose="020B0503020204020204" pitchFamily="34" charset="-122"/>
+            </a:endParaRPr>
           </a:p>
         </p:txBody>
       </p:sp>
@@ -11024,7 +13732,9 @@
           <a:lstStyle/>
           <a:p>
             <a:pPr algn="ctr"/>
-            <a:endParaRPr lang="zh-CN" altLang="en-US"/>
+            <a:endParaRPr lang="zh-CN" altLang="en-US" dirty="0">
+              <a:ea typeface="微软雅黑" panose="020B0503020204020204" pitchFamily="34" charset="-122"/>
+            </a:endParaRPr>
           </a:p>
         </p:txBody>
       </p:sp>
@@ -11072,7 +13782,9 @@
           <a:lstStyle/>
           <a:p>
             <a:pPr algn="ctr"/>
-            <a:endParaRPr lang="zh-CN" altLang="en-US"/>
+            <a:endParaRPr lang="zh-CN" altLang="en-US" dirty="0">
+              <a:ea typeface="微软雅黑" panose="020B0503020204020204" pitchFamily="34" charset="-122"/>
+            </a:endParaRPr>
           </a:p>
         </p:txBody>
       </p:sp>
@@ -11121,7 +13833,9 @@
           <a:lstStyle/>
           <a:p>
             <a:pPr algn="ctr"/>
-            <a:endParaRPr lang="zh-CN" altLang="en-US"/>
+            <a:endParaRPr lang="zh-CN" altLang="en-US" dirty="0">
+              <a:ea typeface="微软雅黑" panose="020B0503020204020204" pitchFamily="34" charset="-122"/>
+            </a:endParaRPr>
           </a:p>
         </p:txBody>
       </p:sp>
@@ -11170,7 +13884,9 @@
           <a:lstStyle/>
           <a:p>
             <a:pPr algn="ctr"/>
-            <a:endParaRPr lang="zh-CN" altLang="en-US"/>
+            <a:endParaRPr lang="zh-CN" altLang="en-US" dirty="0">
+              <a:ea typeface="微软雅黑" panose="020B0503020204020204" pitchFamily="34" charset="-122"/>
+            </a:endParaRPr>
           </a:p>
         </p:txBody>
       </p:sp>
@@ -11219,7 +13935,9 @@
           <a:lstStyle/>
           <a:p>
             <a:pPr algn="ctr"/>
-            <a:endParaRPr lang="zh-CN" altLang="en-US"/>
+            <a:endParaRPr lang="zh-CN" altLang="en-US" dirty="0">
+              <a:ea typeface="微软雅黑" panose="020B0503020204020204" pitchFamily="34" charset="-122"/>
+            </a:endParaRPr>
           </a:p>
         </p:txBody>
       </p:sp>
@@ -11268,7 +13986,9 @@
           <a:lstStyle/>
           <a:p>
             <a:pPr algn="ctr"/>
-            <a:endParaRPr lang="zh-CN" altLang="en-US"/>
+            <a:endParaRPr lang="zh-CN" altLang="en-US" dirty="0">
+              <a:ea typeface="微软雅黑" panose="020B0503020204020204" pitchFamily="34" charset="-122"/>
+            </a:endParaRPr>
           </a:p>
         </p:txBody>
       </p:sp>
@@ -11316,7 +14036,9 @@
           <a:lstStyle/>
           <a:p>
             <a:pPr algn="ctr"/>
-            <a:endParaRPr lang="zh-CN" altLang="en-US"/>
+            <a:endParaRPr lang="zh-CN" altLang="en-US" dirty="0">
+              <a:ea typeface="微软雅黑" panose="020B0503020204020204" pitchFamily="34" charset="-122"/>
+            </a:endParaRPr>
           </a:p>
         </p:txBody>
       </p:sp>
@@ -11365,7 +14087,9 @@
           <a:lstStyle/>
           <a:p>
             <a:pPr algn="ctr"/>
-            <a:endParaRPr lang="zh-CN" altLang="en-US"/>
+            <a:endParaRPr lang="zh-CN" altLang="en-US" dirty="0">
+              <a:ea typeface="微软雅黑" panose="020B0503020204020204" pitchFamily="34" charset="-122"/>
+            </a:endParaRPr>
           </a:p>
         </p:txBody>
       </p:sp>
@@ -11414,7 +14138,9 @@
           <a:lstStyle/>
           <a:p>
             <a:pPr algn="ctr"/>
-            <a:endParaRPr lang="zh-CN" altLang="en-US"/>
+            <a:endParaRPr lang="zh-CN" altLang="en-US" dirty="0">
+              <a:ea typeface="微软雅黑" panose="020B0503020204020204" pitchFamily="34" charset="-122"/>
+            </a:endParaRPr>
           </a:p>
         </p:txBody>
       </p:sp>
@@ -11639,68 +14365,766 @@
       </p:cxnSp>
       <p:sp>
         <p:nvSpPr>
-          <p:cNvPr id="2" name="矩形 1"/>
-          <p:cNvSpPr/>
+          <p:cNvPr id="3" name="TextBox 2"/>
+          <p:cNvSpPr txBox="1"/>
           <p:nvPr/>
         </p:nvSpPr>
         <p:spPr>
           <a:xfrm>
-            <a:off x="1885520" y="1699304"/>
-            <a:ext cx="8082951" cy="1206119"/>
+            <a:off x="544812" y="1102066"/>
+            <a:ext cx="8929603" cy="923330"/>
           </a:xfrm>
           <a:prstGeom prst="rect">
             <a:avLst/>
           </a:prstGeom>
-          <a:solidFill>
-            <a:schemeClr val="bg2"/>
-          </a:solidFill>
-          <a:ln>
-            <a:noFill/>
-          </a:ln>
-        </p:spPr>
-        <p:style>
-          <a:lnRef idx="2">
-            <a:schemeClr val="accent1">
-              <a:shade val="50000"/>
-            </a:schemeClr>
-          </a:lnRef>
-          <a:fillRef idx="1">
-            <a:schemeClr val="accent1"/>
-          </a:fillRef>
-          <a:effectRef idx="0">
-            <a:schemeClr val="accent1"/>
-          </a:effectRef>
-          <a:fontRef idx="minor">
-            <a:schemeClr val="lt1"/>
-          </a:fontRef>
-        </p:style>
-        <p:txBody>
-          <a:bodyPr rtlCol="0" anchor="ctr"/>
-          <a:lstStyle/>
-          <a:p>
-            <a:pPr algn="ctr"/>
-            <a:r>
-              <a:rPr lang="en-US" altLang="zh-CN" sz="2400" b="1" dirty="0">
+          <a:noFill/>
+        </p:spPr>
+        <p:txBody>
+          <a:bodyPr wrap="square" rtlCol="0">
+            <a:spAutoFit/>
+          </a:bodyPr>
+          <a:lstStyle/>
+          <a:p>
+            <a:r>
+              <a:rPr lang="en-US" altLang="zh-CN" dirty="0">
                 <a:solidFill>
                   <a:schemeClr val="tx1">
-                    <a:lumMod val="50000"/>
-                    <a:lumOff val="50000"/>
-                  </a:schemeClr>
-                </a:solidFill>
-                <a:latin typeface="Microsoft YaHei UI" panose="020B0703020204020201" charset="-122"/>
-                <a:ea typeface="Microsoft YaHei UI" panose="020B0703020204020201" charset="-122"/>
+                    <a:lumMod val="65000"/>
+                    <a:lumOff val="35000"/>
+                  </a:schemeClr>
+                </a:solidFill>
+                <a:latin typeface="微软雅黑" panose="020B0503020204020204" pitchFamily="34" charset="-122"/>
+                <a:ea typeface="微软雅黑" panose="020B0503020204020204" pitchFamily="34" charset="-122"/>
               </a:rPr>
-              <a:t>&lt;span&gt;Message: {{ msg }}&lt;/span&gt;</a:t>
-            </a:r>
-            <a:endParaRPr lang="zh-CN" altLang="en-US" sz="2400" b="1" dirty="0">
+              <a:t>Vue.js </a:t>
+            </a:r>
+            <a:r>
+              <a:rPr lang="zh-CN" altLang="en-US" dirty="0">
+                <a:solidFill>
+                  <a:schemeClr val="tx1">
+                    <a:lumMod val="65000"/>
+                    <a:lumOff val="35000"/>
+                  </a:schemeClr>
+                </a:solidFill>
+                <a:latin typeface="微软雅黑" panose="020B0503020204020204" pitchFamily="34" charset="-122"/>
+                <a:ea typeface="微软雅黑" panose="020B0503020204020204" pitchFamily="34" charset="-122"/>
+              </a:rPr>
+              <a:t>使用了基于 </a:t>
+            </a:r>
+            <a:r>
+              <a:rPr lang="en-US" altLang="zh-CN" dirty="0">
+                <a:solidFill>
+                  <a:schemeClr val="tx1">
+                    <a:lumMod val="65000"/>
+                    <a:lumOff val="35000"/>
+                  </a:schemeClr>
+                </a:solidFill>
+                <a:latin typeface="微软雅黑" panose="020B0503020204020204" pitchFamily="34" charset="-122"/>
+                <a:ea typeface="微软雅黑" panose="020B0503020204020204" pitchFamily="34" charset="-122"/>
+              </a:rPr>
+              <a:t>HTML </a:t>
+            </a:r>
+            <a:r>
+              <a:rPr lang="zh-CN" altLang="en-US" dirty="0">
+                <a:solidFill>
+                  <a:schemeClr val="tx1">
+                    <a:lumMod val="65000"/>
+                    <a:lumOff val="35000"/>
+                  </a:schemeClr>
+                </a:solidFill>
+                <a:latin typeface="微软雅黑" panose="020B0503020204020204" pitchFamily="34" charset="-122"/>
+                <a:ea typeface="微软雅黑" panose="020B0503020204020204" pitchFamily="34" charset="-122"/>
+              </a:rPr>
+              <a:t>的模板语法，允许开发者声明式地将 </a:t>
+            </a:r>
+            <a:r>
+              <a:rPr lang="en-US" altLang="zh-CN" dirty="0">
+                <a:solidFill>
+                  <a:schemeClr val="tx1">
+                    <a:lumMod val="65000"/>
+                    <a:lumOff val="35000"/>
+                  </a:schemeClr>
+                </a:solidFill>
+                <a:latin typeface="微软雅黑" panose="020B0503020204020204" pitchFamily="34" charset="-122"/>
+                <a:ea typeface="微软雅黑" panose="020B0503020204020204" pitchFamily="34" charset="-122"/>
+              </a:rPr>
+              <a:t>DOM </a:t>
+            </a:r>
+            <a:r>
+              <a:rPr lang="zh-CN" altLang="en-US" dirty="0">
+                <a:solidFill>
+                  <a:schemeClr val="tx1">
+                    <a:lumMod val="65000"/>
+                    <a:lumOff val="35000"/>
+                  </a:schemeClr>
+                </a:solidFill>
+                <a:latin typeface="微软雅黑" panose="020B0503020204020204" pitchFamily="34" charset="-122"/>
+                <a:ea typeface="微软雅黑" panose="020B0503020204020204" pitchFamily="34" charset="-122"/>
+              </a:rPr>
+              <a:t>绑定至底层 </a:t>
+            </a:r>
+            <a:r>
+              <a:rPr lang="en-US" altLang="zh-CN" dirty="0">
+                <a:solidFill>
+                  <a:schemeClr val="tx1">
+                    <a:lumMod val="65000"/>
+                    <a:lumOff val="35000"/>
+                  </a:schemeClr>
+                </a:solidFill>
+                <a:latin typeface="微软雅黑" panose="020B0503020204020204" pitchFamily="34" charset="-122"/>
+                <a:ea typeface="微软雅黑" panose="020B0503020204020204" pitchFamily="34" charset="-122"/>
+              </a:rPr>
+              <a:t>Vue </a:t>
+            </a:r>
+            <a:r>
+              <a:rPr lang="zh-CN" altLang="en-US" dirty="0">
+                <a:solidFill>
+                  <a:schemeClr val="tx1">
+                    <a:lumMod val="65000"/>
+                    <a:lumOff val="35000"/>
+                  </a:schemeClr>
+                </a:solidFill>
+                <a:latin typeface="微软雅黑" panose="020B0503020204020204" pitchFamily="34" charset="-122"/>
+                <a:ea typeface="微软雅黑" panose="020B0503020204020204" pitchFamily="34" charset="-122"/>
+              </a:rPr>
+              <a:t>实例的数据。所有 </a:t>
+            </a:r>
+            <a:r>
+              <a:rPr lang="en-US" altLang="zh-CN" dirty="0">
+                <a:solidFill>
+                  <a:schemeClr val="tx1">
+                    <a:lumMod val="65000"/>
+                    <a:lumOff val="35000"/>
+                  </a:schemeClr>
+                </a:solidFill>
+                <a:latin typeface="微软雅黑" panose="020B0503020204020204" pitchFamily="34" charset="-122"/>
+                <a:ea typeface="微软雅黑" panose="020B0503020204020204" pitchFamily="34" charset="-122"/>
+              </a:rPr>
+              <a:t>Vue.js </a:t>
+            </a:r>
+            <a:r>
+              <a:rPr lang="zh-CN" altLang="en-US" dirty="0">
+                <a:solidFill>
+                  <a:schemeClr val="tx1">
+                    <a:lumMod val="65000"/>
+                    <a:lumOff val="35000"/>
+                  </a:schemeClr>
+                </a:solidFill>
+                <a:latin typeface="微软雅黑" panose="020B0503020204020204" pitchFamily="34" charset="-122"/>
+                <a:ea typeface="微软雅黑" panose="020B0503020204020204" pitchFamily="34" charset="-122"/>
+              </a:rPr>
+              <a:t>的模板都是合法的 </a:t>
+            </a:r>
+            <a:r>
+              <a:rPr lang="en-US" altLang="zh-CN" dirty="0">
+                <a:solidFill>
+                  <a:schemeClr val="tx1">
+                    <a:lumMod val="65000"/>
+                    <a:lumOff val="35000"/>
+                  </a:schemeClr>
+                </a:solidFill>
+                <a:latin typeface="微软雅黑" panose="020B0503020204020204" pitchFamily="34" charset="-122"/>
+                <a:ea typeface="微软雅黑" panose="020B0503020204020204" pitchFamily="34" charset="-122"/>
+              </a:rPr>
+              <a:t>HTML </a:t>
+            </a:r>
+            <a:r>
+              <a:rPr lang="zh-CN" altLang="en-US" dirty="0">
+                <a:solidFill>
+                  <a:schemeClr val="tx1">
+                    <a:lumMod val="65000"/>
+                    <a:lumOff val="35000"/>
+                  </a:schemeClr>
+                </a:solidFill>
+                <a:latin typeface="微软雅黑" panose="020B0503020204020204" pitchFamily="34" charset="-122"/>
+                <a:ea typeface="微软雅黑" panose="020B0503020204020204" pitchFamily="34" charset="-122"/>
+              </a:rPr>
+              <a:t>，所以能被遵循规范的浏览器和 </a:t>
+            </a:r>
+            <a:r>
+              <a:rPr lang="en-US" altLang="zh-CN" dirty="0">
+                <a:solidFill>
+                  <a:schemeClr val="tx1">
+                    <a:lumMod val="65000"/>
+                    <a:lumOff val="35000"/>
+                  </a:schemeClr>
+                </a:solidFill>
+                <a:latin typeface="微软雅黑" panose="020B0503020204020204" pitchFamily="34" charset="-122"/>
+                <a:ea typeface="微软雅黑" panose="020B0503020204020204" pitchFamily="34" charset="-122"/>
+              </a:rPr>
+              <a:t>HTML </a:t>
+            </a:r>
+            <a:r>
+              <a:rPr lang="zh-CN" altLang="en-US" dirty="0">
+                <a:solidFill>
+                  <a:schemeClr val="tx1">
+                    <a:lumMod val="65000"/>
+                    <a:lumOff val="35000"/>
+                  </a:schemeClr>
+                </a:solidFill>
+                <a:latin typeface="微软雅黑" panose="020B0503020204020204" pitchFamily="34" charset="-122"/>
+                <a:ea typeface="微软雅黑" panose="020B0503020204020204" pitchFamily="34" charset="-122"/>
+              </a:rPr>
+              <a:t>解析器解析。</a:t>
+            </a:r>
+            <a:endParaRPr lang="zh-CN" altLang="en-US" dirty="0">
               <a:solidFill>
                 <a:schemeClr val="tx1">
-                  <a:lumMod val="50000"/>
-                  <a:lumOff val="50000"/>
+                  <a:lumMod val="65000"/>
+                  <a:lumOff val="35000"/>
                 </a:schemeClr>
               </a:solidFill>
-              <a:latin typeface="Microsoft YaHei UI" panose="020B0703020204020201" charset="-122"/>
-              <a:ea typeface="Microsoft YaHei UI" panose="020B0703020204020201" charset="-122"/>
+              <a:latin typeface="微软雅黑" panose="020B0503020204020204" pitchFamily="34" charset="-122"/>
+              <a:ea typeface="微软雅黑" panose="020B0503020204020204" pitchFamily="34" charset="-122"/>
+            </a:endParaRPr>
+          </a:p>
+        </p:txBody>
+      </p:sp>
+      <p:sp>
+        <p:nvSpPr>
+          <p:cNvPr id="26" name="TextBox 25"/>
+          <p:cNvSpPr txBox="1"/>
+          <p:nvPr/>
+        </p:nvSpPr>
+        <p:spPr>
+          <a:xfrm>
+            <a:off x="544812" y="2558093"/>
+            <a:ext cx="8929603" cy="646331"/>
+          </a:xfrm>
+          <a:prstGeom prst="rect">
+            <a:avLst/>
+          </a:prstGeom>
+          <a:noFill/>
+        </p:spPr>
+        <p:txBody>
+          <a:bodyPr wrap="square" rtlCol="0">
+            <a:spAutoFit/>
+          </a:bodyPr>
+          <a:lstStyle/>
+          <a:p>
+            <a:r>
+              <a:rPr lang="zh-CN" altLang="en-US" dirty="0">
+                <a:solidFill>
+                  <a:schemeClr val="tx1">
+                    <a:lumMod val="65000"/>
+                    <a:lumOff val="35000"/>
+                  </a:schemeClr>
+                </a:solidFill>
+                <a:ea typeface="微软雅黑" panose="020B0503020204020204" pitchFamily="34" charset="-122"/>
+              </a:rPr>
+              <a:t>在底层的实现上， </a:t>
+            </a:r>
+            <a:r>
+              <a:rPr lang="en-US" altLang="zh-CN" dirty="0">
+                <a:solidFill>
+                  <a:schemeClr val="tx1">
+                    <a:lumMod val="65000"/>
+                    <a:lumOff val="35000"/>
+                  </a:schemeClr>
+                </a:solidFill>
+                <a:ea typeface="微软雅黑" panose="020B0503020204020204" pitchFamily="34" charset="-122"/>
+              </a:rPr>
+              <a:t>Vue </a:t>
+            </a:r>
+            <a:r>
+              <a:rPr lang="zh-CN" altLang="en-US" dirty="0">
+                <a:solidFill>
+                  <a:schemeClr val="tx1">
+                    <a:lumMod val="65000"/>
+                    <a:lumOff val="35000"/>
+                  </a:schemeClr>
+                </a:solidFill>
+                <a:ea typeface="微软雅黑" panose="020B0503020204020204" pitchFamily="34" charset="-122"/>
+              </a:rPr>
+              <a:t>将模板编译成</a:t>
+            </a:r>
+            <a:r>
+              <a:rPr lang="zh-CN" altLang="en-US" b="1" dirty="0">
+                <a:solidFill>
+                  <a:schemeClr val="tx1">
+                    <a:lumMod val="65000"/>
+                    <a:lumOff val="35000"/>
+                  </a:schemeClr>
+                </a:solidFill>
+                <a:ea typeface="微软雅黑" panose="020B0503020204020204" pitchFamily="34" charset="-122"/>
+              </a:rPr>
+              <a:t>虚拟 </a:t>
+            </a:r>
+            <a:r>
+              <a:rPr lang="en-US" altLang="zh-CN" b="1" dirty="0">
+                <a:solidFill>
+                  <a:schemeClr val="tx1">
+                    <a:lumMod val="65000"/>
+                    <a:lumOff val="35000"/>
+                  </a:schemeClr>
+                </a:solidFill>
+                <a:ea typeface="微软雅黑" panose="020B0503020204020204" pitchFamily="34" charset="-122"/>
+              </a:rPr>
+              <a:t>DOM </a:t>
+            </a:r>
+            <a:r>
+              <a:rPr lang="zh-CN" altLang="en-US" dirty="0">
+                <a:solidFill>
+                  <a:schemeClr val="tx1">
+                    <a:lumMod val="65000"/>
+                    <a:lumOff val="35000"/>
+                  </a:schemeClr>
+                </a:solidFill>
+                <a:ea typeface="微软雅黑" panose="020B0503020204020204" pitchFamily="34" charset="-122"/>
+              </a:rPr>
+              <a:t>渲染函数。结合响应系统，在应用状态改变时， </a:t>
+            </a:r>
+            <a:r>
+              <a:rPr lang="en-US" altLang="zh-CN" dirty="0">
+                <a:solidFill>
+                  <a:schemeClr val="tx1">
+                    <a:lumMod val="65000"/>
+                    <a:lumOff val="35000"/>
+                  </a:schemeClr>
+                </a:solidFill>
+                <a:ea typeface="微软雅黑" panose="020B0503020204020204" pitchFamily="34" charset="-122"/>
+              </a:rPr>
+              <a:t>Vue </a:t>
+            </a:r>
+            <a:r>
+              <a:rPr lang="zh-CN" altLang="en-US" dirty="0">
+                <a:solidFill>
+                  <a:schemeClr val="tx1">
+                    <a:lumMod val="65000"/>
+                    <a:lumOff val="35000"/>
+                  </a:schemeClr>
+                </a:solidFill>
+                <a:ea typeface="微软雅黑" panose="020B0503020204020204" pitchFamily="34" charset="-122"/>
+              </a:rPr>
+              <a:t>能够智能地计算出重新渲染组件的</a:t>
+            </a:r>
+            <a:r>
+              <a:rPr lang="zh-CN" altLang="en-US" b="1" dirty="0">
+                <a:solidFill>
+                  <a:schemeClr val="tx1">
+                    <a:lumMod val="65000"/>
+                    <a:lumOff val="35000"/>
+                  </a:schemeClr>
+                </a:solidFill>
+                <a:ea typeface="微软雅黑" panose="020B0503020204020204" pitchFamily="34" charset="-122"/>
+              </a:rPr>
+              <a:t>最小代价</a:t>
+            </a:r>
+            <a:r>
+              <a:rPr lang="zh-CN" altLang="en-US" dirty="0">
+                <a:solidFill>
+                  <a:schemeClr val="tx1">
+                    <a:lumMod val="65000"/>
+                    <a:lumOff val="35000"/>
+                  </a:schemeClr>
+                </a:solidFill>
+                <a:ea typeface="微软雅黑" panose="020B0503020204020204" pitchFamily="34" charset="-122"/>
+              </a:rPr>
+              <a:t>并应用到 </a:t>
+            </a:r>
+            <a:r>
+              <a:rPr lang="en-US" altLang="zh-CN" dirty="0">
+                <a:solidFill>
+                  <a:schemeClr val="tx1">
+                    <a:lumMod val="65000"/>
+                    <a:lumOff val="35000"/>
+                  </a:schemeClr>
+                </a:solidFill>
+                <a:ea typeface="微软雅黑" panose="020B0503020204020204" pitchFamily="34" charset="-122"/>
+              </a:rPr>
+              <a:t>DOM </a:t>
+            </a:r>
+            <a:r>
+              <a:rPr lang="zh-CN" altLang="en-US" dirty="0">
+                <a:solidFill>
+                  <a:schemeClr val="tx1">
+                    <a:lumMod val="65000"/>
+                    <a:lumOff val="35000"/>
+                  </a:schemeClr>
+                </a:solidFill>
+                <a:ea typeface="微软雅黑" panose="020B0503020204020204" pitchFamily="34" charset="-122"/>
+              </a:rPr>
+              <a:t>操作上。</a:t>
+            </a:r>
+          </a:p>
+        </p:txBody>
+      </p:sp>
+      <p:grpSp>
+        <p:nvGrpSpPr>
+          <p:cNvPr id="30" name="组合 29"/>
+          <p:cNvGrpSpPr/>
+          <p:nvPr/>
+        </p:nvGrpSpPr>
+        <p:grpSpPr>
+          <a:xfrm>
+            <a:off x="693465" y="5403793"/>
+            <a:ext cx="9256527" cy="436598"/>
+            <a:chOff x="753847" y="3259943"/>
+            <a:chExt cx="9256527" cy="436598"/>
+          </a:xfrm>
+        </p:grpSpPr>
+        <p:sp>
+          <p:nvSpPr>
+            <p:cNvPr id="28" name="TextBox 27"/>
+            <p:cNvSpPr txBox="1"/>
+            <p:nvPr/>
+          </p:nvSpPr>
+          <p:spPr>
+            <a:xfrm>
+              <a:off x="1080771" y="3304061"/>
+              <a:ext cx="8929603" cy="369332"/>
+            </a:xfrm>
+            <a:prstGeom prst="rect">
+              <a:avLst/>
+            </a:prstGeom>
+            <a:noFill/>
+          </p:spPr>
+          <p:txBody>
+            <a:bodyPr wrap="square" rtlCol="0">
+              <a:spAutoFit/>
+            </a:bodyPr>
+            <a:lstStyle/>
+            <a:p>
+              <a:r>
+                <a:rPr lang="zh-CN" altLang="en-US" b="1" dirty="0" smtClean="0">
+                  <a:solidFill>
+                    <a:schemeClr val="tx1">
+                      <a:lumMod val="65000"/>
+                      <a:lumOff val="35000"/>
+                    </a:schemeClr>
+                  </a:solidFill>
+                  <a:ea typeface="微软雅黑" panose="020B0503020204020204" pitchFamily="34" charset="-122"/>
+                </a:rPr>
+                <a:t>思考</a:t>
+              </a:r>
+              <a:r>
+                <a:rPr lang="en-US" altLang="zh-CN" b="1" dirty="0" smtClean="0">
+                  <a:solidFill>
+                    <a:schemeClr val="tx1">
+                      <a:lumMod val="65000"/>
+                      <a:lumOff val="35000"/>
+                    </a:schemeClr>
+                  </a:solidFill>
+                  <a:ea typeface="微软雅黑" panose="020B0503020204020204" pitchFamily="34" charset="-122"/>
+                </a:rPr>
+                <a:t>:</a:t>
+              </a:r>
+              <a:r>
+                <a:rPr lang="en-US" altLang="zh-CN" dirty="0" smtClean="0">
+                  <a:solidFill>
+                    <a:schemeClr val="tx1">
+                      <a:lumMod val="65000"/>
+                      <a:lumOff val="35000"/>
+                    </a:schemeClr>
+                  </a:solidFill>
+                  <a:ea typeface="微软雅黑" panose="020B0503020204020204" pitchFamily="34" charset="-122"/>
+                </a:rPr>
+                <a:t>  </a:t>
+              </a:r>
+              <a:r>
+                <a:rPr lang="zh-CN" altLang="en-US" dirty="0" smtClean="0">
+                  <a:solidFill>
+                    <a:schemeClr val="tx1">
+                      <a:lumMod val="65000"/>
+                      <a:lumOff val="35000"/>
+                    </a:schemeClr>
+                  </a:solidFill>
+                  <a:ea typeface="微软雅黑" panose="020B0503020204020204" pitchFamily="34" charset="-122"/>
+                </a:rPr>
+                <a:t>虚拟 </a:t>
+              </a:r>
+              <a:r>
+                <a:rPr lang="en-US" altLang="zh-CN" dirty="0" smtClean="0">
+                  <a:solidFill>
+                    <a:schemeClr val="tx1">
+                      <a:lumMod val="65000"/>
+                      <a:lumOff val="35000"/>
+                    </a:schemeClr>
+                  </a:solidFill>
+                  <a:ea typeface="微软雅黑" panose="020B0503020204020204" pitchFamily="34" charset="-122"/>
+                </a:rPr>
+                <a:t>DOM (Virtual DOM) </a:t>
+              </a:r>
+              <a:r>
+                <a:rPr lang="zh-CN" altLang="en-US" dirty="0" smtClean="0">
+                  <a:solidFill>
+                    <a:schemeClr val="tx1">
+                      <a:lumMod val="65000"/>
+                      <a:lumOff val="35000"/>
+                    </a:schemeClr>
+                  </a:solidFill>
+                  <a:ea typeface="微软雅黑" panose="020B0503020204020204" pitchFamily="34" charset="-122"/>
+                </a:rPr>
+                <a:t>是什么</a:t>
+              </a:r>
+              <a:r>
+                <a:rPr lang="en-US" altLang="zh-CN" dirty="0" smtClean="0">
+                  <a:solidFill>
+                    <a:schemeClr val="tx1">
+                      <a:lumMod val="65000"/>
+                      <a:lumOff val="35000"/>
+                    </a:schemeClr>
+                  </a:solidFill>
+                  <a:ea typeface="微软雅黑" panose="020B0503020204020204" pitchFamily="34" charset="-122"/>
+                </a:rPr>
+                <a:t>? </a:t>
+              </a:r>
+              <a:r>
+                <a:rPr lang="zh-CN" altLang="en-US" dirty="0" smtClean="0">
+                  <a:solidFill>
+                    <a:schemeClr val="tx1">
+                      <a:lumMod val="65000"/>
+                      <a:lumOff val="35000"/>
+                    </a:schemeClr>
+                  </a:solidFill>
+                  <a:ea typeface="微软雅黑" panose="020B0503020204020204" pitchFamily="34" charset="-122"/>
+                </a:rPr>
+                <a:t>如何实现</a:t>
+              </a:r>
+              <a:r>
+                <a:rPr lang="en-US" altLang="zh-CN" dirty="0" smtClean="0">
+                  <a:solidFill>
+                    <a:schemeClr val="tx1">
+                      <a:lumMod val="65000"/>
+                      <a:lumOff val="35000"/>
+                    </a:schemeClr>
+                  </a:solidFill>
+                  <a:ea typeface="微软雅黑" panose="020B0503020204020204" pitchFamily="34" charset="-122"/>
+                </a:rPr>
+                <a:t>? </a:t>
+              </a:r>
+              <a:r>
+                <a:rPr lang="zh-CN" altLang="en-US" dirty="0" smtClean="0">
+                  <a:solidFill>
+                    <a:schemeClr val="tx1">
+                      <a:lumMod val="65000"/>
+                      <a:lumOff val="35000"/>
+                    </a:schemeClr>
+                  </a:solidFill>
+                  <a:ea typeface="微软雅黑" panose="020B0503020204020204" pitchFamily="34" charset="-122"/>
+                </a:rPr>
+                <a:t>有什么优势和劣势</a:t>
+              </a:r>
+              <a:r>
+                <a:rPr lang="en-US" altLang="zh-CN" dirty="0" smtClean="0">
+                  <a:solidFill>
+                    <a:schemeClr val="tx1">
+                      <a:lumMod val="65000"/>
+                      <a:lumOff val="35000"/>
+                    </a:schemeClr>
+                  </a:solidFill>
+                  <a:ea typeface="微软雅黑" panose="020B0503020204020204" pitchFamily="34" charset="-122"/>
+                </a:rPr>
+                <a:t>?</a:t>
+              </a:r>
+              <a:endParaRPr lang="zh-CN" altLang="en-US" dirty="0">
+                <a:solidFill>
+                  <a:schemeClr val="tx1">
+                    <a:lumMod val="65000"/>
+                    <a:lumOff val="35000"/>
+                  </a:schemeClr>
+                </a:solidFill>
+                <a:ea typeface="微软雅黑" panose="020B0503020204020204" pitchFamily="34" charset="-122"/>
+              </a:endParaRPr>
+            </a:p>
+          </p:txBody>
+        </p:sp>
+        <p:pic>
+          <p:nvPicPr>
+            <p:cNvPr id="29" name="Picture 2" descr="C:\Users\yepanmeng\Desktop\logo.png"/>
+            <p:cNvPicPr>
+              <a:picLocks noChangeAspect="1" noChangeArrowheads="1"/>
+            </p:cNvPicPr>
+            <p:nvPr/>
+          </p:nvPicPr>
+          <p:blipFill>
+            <a:blip r:embed="rId4" cstate="print">
+              <a:duotone>
+                <a:schemeClr val="accent2">
+                  <a:shade val="45000"/>
+                  <a:satMod val="135000"/>
+                </a:schemeClr>
+                <a:prstClr val="white"/>
+              </a:duotone>
+              <a:extLst>
+                <a:ext uri="{BEBA8EAE-BF5A-486C-A8C5-ECC9F3942E4B}">
+                  <a14:imgProps xmlns:a14="http://schemas.microsoft.com/office/drawing/2010/main">
+                    <a14:imgLayer r:embed="rId5">
+                      <a14:imgEffect>
+                        <a14:brightnessContrast bright="-20000" contrast="40000"/>
+                      </a14:imgEffect>
+                    </a14:imgLayer>
+                  </a14:imgProps>
+                </a:ext>
+                <a:ext uri="{28A0092B-C50C-407E-A947-70E740481C1C}">
+                  <a14:useLocalDpi xmlns:a14="http://schemas.microsoft.com/office/drawing/2010/main" val="0"/>
+                </a:ext>
+              </a:extLst>
+            </a:blip>
+            <a:srcRect/>
+            <a:stretch>
+              <a:fillRect/>
+            </a:stretch>
+          </p:blipFill>
+          <p:spPr bwMode="auto">
+            <a:xfrm>
+              <a:off x="753847" y="3259943"/>
+              <a:ext cx="436598" cy="436598"/>
+            </a:xfrm>
+            <a:prstGeom prst="rect">
+              <a:avLst/>
+            </a:prstGeom>
+            <a:noFill/>
+            <a:extLst>
+              <a:ext uri="{909E8E84-426E-40DD-AFC4-6F175D3DCCD1}">
+                <a14:hiddenFill xmlns:a14="http://schemas.microsoft.com/office/drawing/2010/main">
+                  <a:solidFill>
+                    <a:srgbClr val="FFFFFF"/>
+                  </a:solidFill>
+                </a14:hiddenFill>
+              </a:ext>
+            </a:extLst>
+          </p:spPr>
+        </p:pic>
+        <p:cxnSp>
+          <p:nvCxnSpPr>
+            <p:cNvPr id="24" name="直接连接符 23"/>
+            <p:cNvCxnSpPr/>
+            <p:nvPr/>
+          </p:nvCxnSpPr>
+          <p:spPr>
+            <a:xfrm>
+              <a:off x="972146" y="3662037"/>
+              <a:ext cx="718631" cy="0"/>
+            </a:xfrm>
+            <a:prstGeom prst="line">
+              <a:avLst/>
+            </a:prstGeom>
+            <a:ln w="12700">
+              <a:solidFill>
+                <a:srgbClr val="FF0000"/>
+              </a:solidFill>
+              <a:prstDash val="lgDash"/>
+            </a:ln>
+          </p:spPr>
+          <p:style>
+            <a:lnRef idx="1">
+              <a:schemeClr val="accent1"/>
+            </a:lnRef>
+            <a:fillRef idx="0">
+              <a:schemeClr val="accent1"/>
+            </a:fillRef>
+            <a:effectRef idx="0">
+              <a:schemeClr val="accent1"/>
+            </a:effectRef>
+            <a:fontRef idx="minor">
+              <a:schemeClr val="tx1"/>
+            </a:fontRef>
+          </p:style>
+        </p:cxnSp>
+      </p:grpSp>
+      <p:sp>
+        <p:nvSpPr>
+          <p:cNvPr id="36" name="TextBox 35"/>
+          <p:cNvSpPr txBox="1"/>
+          <p:nvPr/>
+        </p:nvSpPr>
+        <p:spPr>
+          <a:xfrm>
+            <a:off x="544812" y="3797421"/>
+            <a:ext cx="8929603" cy="923330"/>
+          </a:xfrm>
+          <a:prstGeom prst="rect">
+            <a:avLst/>
+          </a:prstGeom>
+          <a:noFill/>
+        </p:spPr>
+        <p:txBody>
+          <a:bodyPr wrap="square" rtlCol="0">
+            <a:spAutoFit/>
+          </a:bodyPr>
+          <a:lstStyle/>
+          <a:p>
+            <a:pPr algn="ctr"/>
+            <a:r>
+              <a:rPr lang="en-US" altLang="zh-CN" sz="3200" dirty="0" smtClean="0">
+                <a:solidFill>
+                  <a:schemeClr val="tx1">
+                    <a:lumMod val="65000"/>
+                    <a:lumOff val="35000"/>
+                  </a:schemeClr>
+                </a:solidFill>
+                <a:ea typeface="微软雅黑" panose="020B0503020204020204" pitchFamily="34" charset="-122"/>
+              </a:rPr>
+              <a:t>Vue.js 1.0  </a:t>
+            </a:r>
+            <a:r>
+              <a:rPr lang="en-US" altLang="zh-CN" sz="5400" dirty="0" smtClean="0">
+                <a:solidFill>
+                  <a:schemeClr val="bg2">
+                    <a:lumMod val="50000"/>
+                  </a:schemeClr>
+                </a:solidFill>
+                <a:ea typeface="微软雅黑" panose="020B0503020204020204" pitchFamily="34" charset="-122"/>
+              </a:rPr>
+              <a:t>VS</a:t>
+            </a:r>
+            <a:r>
+              <a:rPr lang="en-US" altLang="zh-CN" sz="4800" dirty="0">
+                <a:solidFill>
+                  <a:schemeClr val="tx1">
+                    <a:lumMod val="65000"/>
+                    <a:lumOff val="35000"/>
+                  </a:schemeClr>
+                </a:solidFill>
+                <a:ea typeface="微软雅黑" panose="020B0503020204020204" pitchFamily="34" charset="-122"/>
+              </a:rPr>
+              <a:t> </a:t>
+            </a:r>
+            <a:r>
+              <a:rPr lang="en-US" altLang="zh-CN" sz="3200" dirty="0" smtClean="0">
+                <a:solidFill>
+                  <a:schemeClr val="tx1">
+                    <a:lumMod val="65000"/>
+                    <a:lumOff val="35000"/>
+                  </a:schemeClr>
+                </a:solidFill>
+                <a:ea typeface="微软雅黑" panose="020B0503020204020204" pitchFamily="34" charset="-122"/>
+              </a:rPr>
+              <a:t>Vue.js </a:t>
+            </a:r>
+            <a:r>
+              <a:rPr lang="en-US" altLang="zh-CN" sz="3200" dirty="0">
+                <a:solidFill>
+                  <a:schemeClr val="tx1">
+                    <a:lumMod val="65000"/>
+                    <a:lumOff val="35000"/>
+                  </a:schemeClr>
+                </a:solidFill>
+                <a:ea typeface="微软雅黑" panose="020B0503020204020204" pitchFamily="34" charset="-122"/>
+              </a:rPr>
+              <a:t>2</a:t>
+            </a:r>
+            <a:r>
+              <a:rPr lang="en-US" altLang="zh-CN" sz="3200" dirty="0" smtClean="0">
+                <a:solidFill>
+                  <a:schemeClr val="tx1">
+                    <a:lumMod val="65000"/>
+                    <a:lumOff val="35000"/>
+                  </a:schemeClr>
+                </a:solidFill>
+                <a:ea typeface="微软雅黑" panose="020B0503020204020204" pitchFamily="34" charset="-122"/>
+              </a:rPr>
+              <a:t>.0  </a:t>
+            </a:r>
+            <a:endParaRPr lang="zh-CN" altLang="en-US" sz="3200" dirty="0">
+              <a:solidFill>
+                <a:schemeClr val="tx1">
+                  <a:lumMod val="65000"/>
+                  <a:lumOff val="35000"/>
+                </a:schemeClr>
+              </a:solidFill>
+              <a:ea typeface="微软雅黑" panose="020B0503020204020204" pitchFamily="34" charset="-122"/>
             </a:endParaRPr>
           </a:p>
         </p:txBody>
@@ -11836,7 +15260,9 @@
           <a:lstStyle/>
           <a:p>
             <a:pPr algn="ctr"/>
-            <a:endParaRPr lang="zh-CN" altLang="en-US"/>
+            <a:endParaRPr lang="zh-CN" altLang="en-US" dirty="0">
+              <a:ea typeface="微软雅黑" panose="020B0503020204020204" pitchFamily="34" charset="-122"/>
+            </a:endParaRPr>
           </a:p>
         </p:txBody>
       </p:sp>
@@ -11885,7 +15311,9 @@
           <a:lstStyle/>
           <a:p>
             <a:pPr algn="ctr"/>
-            <a:endParaRPr lang="zh-CN" altLang="en-US"/>
+            <a:endParaRPr lang="zh-CN" altLang="en-US" dirty="0">
+              <a:ea typeface="微软雅黑" panose="020B0503020204020204" pitchFamily="34" charset="-122"/>
+            </a:endParaRPr>
           </a:p>
         </p:txBody>
       </p:sp>
@@ -11934,7 +15362,9 @@
           <a:lstStyle/>
           <a:p>
             <a:pPr algn="ctr"/>
-            <a:endParaRPr lang="zh-CN" altLang="en-US"/>
+            <a:endParaRPr lang="zh-CN" altLang="en-US" dirty="0">
+              <a:ea typeface="微软雅黑" panose="020B0503020204020204" pitchFamily="34" charset="-122"/>
+            </a:endParaRPr>
           </a:p>
         </p:txBody>
       </p:sp>
@@ -11982,7 +15412,9 @@
           <a:lstStyle/>
           <a:p>
             <a:pPr algn="ctr"/>
-            <a:endParaRPr lang="zh-CN" altLang="en-US"/>
+            <a:endParaRPr lang="zh-CN" altLang="en-US" dirty="0">
+              <a:ea typeface="微软雅黑" panose="020B0503020204020204" pitchFamily="34" charset="-122"/>
+            </a:endParaRPr>
           </a:p>
         </p:txBody>
       </p:sp>
@@ -12030,7 +15462,9 @@
           <a:lstStyle/>
           <a:p>
             <a:pPr algn="ctr"/>
-            <a:endParaRPr lang="zh-CN" altLang="en-US"/>
+            <a:endParaRPr lang="zh-CN" altLang="en-US" dirty="0">
+              <a:ea typeface="微软雅黑" panose="020B0503020204020204" pitchFamily="34" charset="-122"/>
+            </a:endParaRPr>
           </a:p>
         </p:txBody>
       </p:sp>
@@ -12079,7 +15513,9 @@
           <a:lstStyle/>
           <a:p>
             <a:pPr algn="ctr"/>
-            <a:endParaRPr lang="zh-CN" altLang="en-US"/>
+            <a:endParaRPr lang="zh-CN" altLang="en-US" dirty="0">
+              <a:ea typeface="微软雅黑" panose="020B0503020204020204" pitchFamily="34" charset="-122"/>
+            </a:endParaRPr>
           </a:p>
         </p:txBody>
       </p:sp>
@@ -12127,7 +15563,9 @@
           <a:lstStyle/>
           <a:p>
             <a:pPr algn="ctr"/>
-            <a:endParaRPr lang="zh-CN" altLang="en-US"/>
+            <a:endParaRPr lang="zh-CN" altLang="en-US" dirty="0">
+              <a:ea typeface="微软雅黑" panose="020B0503020204020204" pitchFamily="34" charset="-122"/>
+            </a:endParaRPr>
           </a:p>
         </p:txBody>
       </p:sp>
@@ -12176,7 +15614,9 @@
           <a:lstStyle/>
           <a:p>
             <a:pPr algn="ctr"/>
-            <a:endParaRPr lang="zh-CN" altLang="en-US"/>
+            <a:endParaRPr lang="zh-CN" altLang="en-US" dirty="0">
+              <a:ea typeface="微软雅黑" panose="020B0503020204020204" pitchFamily="34" charset="-122"/>
+            </a:endParaRPr>
           </a:p>
         </p:txBody>
       </p:sp>
@@ -12224,7 +15664,9 @@
           <a:lstStyle/>
           <a:p>
             <a:pPr algn="ctr"/>
-            <a:endParaRPr lang="zh-CN" altLang="en-US"/>
+            <a:endParaRPr lang="zh-CN" altLang="en-US" dirty="0">
+              <a:ea typeface="微软雅黑" panose="020B0503020204020204" pitchFamily="34" charset="-122"/>
+            </a:endParaRPr>
           </a:p>
         </p:txBody>
       </p:sp>
@@ -12273,7 +15715,9 @@
           <a:lstStyle/>
           <a:p>
             <a:pPr algn="ctr"/>
-            <a:endParaRPr lang="zh-CN" altLang="en-US"/>
+            <a:endParaRPr lang="zh-CN" altLang="en-US" dirty="0">
+              <a:ea typeface="微软雅黑" panose="020B0503020204020204" pitchFamily="34" charset="-122"/>
+            </a:endParaRPr>
           </a:p>
         </p:txBody>
       </p:sp>
@@ -12322,7 +15766,9 @@
           <a:lstStyle/>
           <a:p>
             <a:pPr algn="ctr"/>
-            <a:endParaRPr lang="zh-CN" altLang="en-US"/>
+            <a:endParaRPr lang="zh-CN" altLang="en-US" dirty="0">
+              <a:ea typeface="微软雅黑" panose="020B0503020204020204" pitchFamily="34" charset="-122"/>
+            </a:endParaRPr>
           </a:p>
         </p:txBody>
       </p:sp>
@@ -12371,7 +15817,9 @@
           <a:lstStyle/>
           <a:p>
             <a:pPr algn="ctr"/>
-            <a:endParaRPr lang="zh-CN" altLang="en-US"/>
+            <a:endParaRPr lang="zh-CN" altLang="en-US" dirty="0">
+              <a:ea typeface="微软雅黑" panose="020B0503020204020204" pitchFamily="34" charset="-122"/>
+            </a:endParaRPr>
           </a:p>
         </p:txBody>
       </p:sp>
@@ -12420,7 +15868,9 @@
           <a:lstStyle/>
           <a:p>
             <a:pPr algn="ctr"/>
-            <a:endParaRPr lang="zh-CN" altLang="en-US"/>
+            <a:endParaRPr lang="zh-CN" altLang="en-US" dirty="0">
+              <a:ea typeface="微软雅黑" panose="020B0503020204020204" pitchFamily="34" charset="-122"/>
+            </a:endParaRPr>
           </a:p>
         </p:txBody>
       </p:sp>
@@ -12468,7 +15918,9 @@
           <a:lstStyle/>
           <a:p>
             <a:pPr algn="ctr"/>
-            <a:endParaRPr lang="zh-CN" altLang="en-US"/>
+            <a:endParaRPr lang="zh-CN" altLang="en-US" dirty="0">
+              <a:ea typeface="微软雅黑" panose="020B0503020204020204" pitchFamily="34" charset="-122"/>
+            </a:endParaRPr>
           </a:p>
         </p:txBody>
       </p:sp>
@@ -12517,7 +15969,9 @@
           <a:lstStyle/>
           <a:p>
             <a:pPr algn="ctr"/>
-            <a:endParaRPr lang="zh-CN" altLang="en-US"/>
+            <a:endParaRPr lang="zh-CN" altLang="en-US" dirty="0">
+              <a:ea typeface="微软雅黑" panose="020B0503020204020204" pitchFamily="34" charset="-122"/>
+            </a:endParaRPr>
           </a:p>
         </p:txBody>
       </p:sp>
@@ -12566,7 +16020,9 @@
           <a:lstStyle/>
           <a:p>
             <a:pPr algn="ctr"/>
-            <a:endParaRPr lang="zh-CN" altLang="en-US"/>
+            <a:endParaRPr lang="zh-CN" altLang="en-US" dirty="0">
+              <a:ea typeface="微软雅黑" panose="020B0503020204020204" pitchFamily="34" charset="-122"/>
+            </a:endParaRPr>
           </a:p>
         </p:txBody>
       </p:sp>
@@ -12593,7 +16049,7 @@
           <a:lstStyle/>
           <a:p>
             <a:r>
-              <a:rPr lang="en-US" altLang="zh-CN" dirty="0" smtClean="0">
+              <a:rPr lang="zh-CN" altLang="en-US" dirty="0" smtClean="0">
                 <a:solidFill>
                   <a:schemeClr val="bg1">
                     <a:lumMod val="50000"/>
@@ -12602,7 +16058,7 @@
                 <a:latin typeface="微软雅黑" panose="020B0503020204020204" pitchFamily="34" charset="-122"/>
                 <a:ea typeface="微软雅黑" panose="020B0503020204020204" pitchFamily="34" charset="-122"/>
               </a:rPr>
-              <a:t>Hello World!</a:t>
+              <a:t>模板语法</a:t>
             </a:r>
             <a:endParaRPr lang="zh-CN" altLang="en-US" dirty="0">
               <a:solidFill>
@@ -12789,10 +16245,899 @@
           </a:fontRef>
         </p:style>
       </p:cxnSp>
+      <p:grpSp>
+        <p:nvGrpSpPr>
+          <p:cNvPr id="30" name="组合 29"/>
+          <p:cNvGrpSpPr/>
+          <p:nvPr/>
+        </p:nvGrpSpPr>
+        <p:grpSpPr>
+          <a:xfrm>
+            <a:off x="645717" y="3651005"/>
+            <a:ext cx="9256527" cy="436598"/>
+            <a:chOff x="753847" y="3259943"/>
+            <a:chExt cx="9256527" cy="436598"/>
+          </a:xfrm>
+        </p:grpSpPr>
+        <p:sp>
+          <p:nvSpPr>
+            <p:cNvPr id="28" name="TextBox 27"/>
+            <p:cNvSpPr txBox="1"/>
+            <p:nvPr/>
+          </p:nvSpPr>
+          <p:spPr>
+            <a:xfrm>
+              <a:off x="1080771" y="3304061"/>
+              <a:ext cx="8929603" cy="369332"/>
+            </a:xfrm>
+            <a:prstGeom prst="rect">
+              <a:avLst/>
+            </a:prstGeom>
+            <a:noFill/>
+          </p:spPr>
+          <p:txBody>
+            <a:bodyPr wrap="square" rtlCol="0">
+              <a:spAutoFit/>
+            </a:bodyPr>
+            <a:lstStyle/>
+            <a:p>
+              <a:r>
+                <a:rPr lang="zh-CN" altLang="en-US" b="1" dirty="0" smtClean="0">
+                  <a:solidFill>
+                    <a:schemeClr val="tx1">
+                      <a:lumMod val="65000"/>
+                      <a:lumOff val="35000"/>
+                    </a:schemeClr>
+                  </a:solidFill>
+                  <a:ea typeface="微软雅黑" panose="020B0503020204020204" pitchFamily="34" charset="-122"/>
+                </a:rPr>
+                <a:t>思考</a:t>
+              </a:r>
+              <a:r>
+                <a:rPr lang="en-US" altLang="zh-CN" b="1" dirty="0" smtClean="0">
+                  <a:solidFill>
+                    <a:schemeClr val="tx1">
+                      <a:lumMod val="65000"/>
+                      <a:lumOff val="35000"/>
+                    </a:schemeClr>
+                  </a:solidFill>
+                  <a:ea typeface="微软雅黑" panose="020B0503020204020204" pitchFamily="34" charset="-122"/>
+                </a:rPr>
+                <a:t>:  </a:t>
+              </a:r>
+              <a:r>
+                <a:rPr lang="zh-CN" altLang="en-US" sz="1600" dirty="0" smtClean="0">
+                  <a:solidFill>
+                    <a:schemeClr val="tx1">
+                      <a:lumMod val="65000"/>
+                      <a:lumOff val="35000"/>
+                    </a:schemeClr>
+                  </a:solidFill>
+                  <a:latin typeface="微软雅黑" panose="020B0503020204020204" pitchFamily="34" charset="-122"/>
+                  <a:ea typeface="微软雅黑" panose="020B0503020204020204" pitchFamily="34" charset="-122"/>
+                </a:rPr>
+                <a:t>动态</a:t>
+              </a:r>
+              <a:r>
+                <a:rPr lang="zh-CN" altLang="en-US" sz="1600" dirty="0">
+                  <a:solidFill>
+                    <a:schemeClr val="tx1">
+                      <a:lumMod val="65000"/>
+                      <a:lumOff val="35000"/>
+                    </a:schemeClr>
+                  </a:solidFill>
+                  <a:latin typeface="微软雅黑" panose="020B0503020204020204" pitchFamily="34" charset="-122"/>
+                  <a:ea typeface="微软雅黑" panose="020B0503020204020204" pitchFamily="34" charset="-122"/>
+                </a:rPr>
+                <a:t>渲染的任意 </a:t>
+              </a:r>
+              <a:r>
+                <a:rPr lang="en-US" altLang="zh-CN" sz="1600" dirty="0">
+                  <a:solidFill>
+                    <a:schemeClr val="tx1">
+                      <a:lumMod val="65000"/>
+                      <a:lumOff val="35000"/>
+                    </a:schemeClr>
+                  </a:solidFill>
+                  <a:latin typeface="微软雅黑" panose="020B0503020204020204" pitchFamily="34" charset="-122"/>
+                  <a:ea typeface="微软雅黑" panose="020B0503020204020204" pitchFamily="34" charset="-122"/>
+                </a:rPr>
+                <a:t>HTML </a:t>
+              </a:r>
+              <a:r>
+                <a:rPr lang="zh-CN" altLang="en-US" sz="1600" dirty="0">
+                  <a:solidFill>
+                    <a:schemeClr val="tx1">
+                      <a:lumMod val="65000"/>
+                      <a:lumOff val="35000"/>
+                    </a:schemeClr>
+                  </a:solidFill>
+                  <a:latin typeface="微软雅黑" panose="020B0503020204020204" pitchFamily="34" charset="-122"/>
+                  <a:ea typeface="微软雅黑" panose="020B0503020204020204" pitchFamily="34" charset="-122"/>
+                </a:rPr>
+                <a:t>可能会非常危险，因为它很容易</a:t>
+              </a:r>
+              <a:r>
+                <a:rPr lang="zh-CN" altLang="en-US" sz="1600" dirty="0" smtClean="0">
+                  <a:solidFill>
+                    <a:schemeClr val="tx1">
+                      <a:lumMod val="65000"/>
+                      <a:lumOff val="35000"/>
+                    </a:schemeClr>
+                  </a:solidFill>
+                  <a:latin typeface="微软雅黑" panose="020B0503020204020204" pitchFamily="34" charset="-122"/>
+                  <a:ea typeface="微软雅黑" panose="020B0503020204020204" pitchFamily="34" charset="-122"/>
+                </a:rPr>
+                <a:t>导致 </a:t>
+              </a:r>
+              <a:r>
+                <a:rPr lang="en-US" altLang="zh-CN" sz="1600" b="1" dirty="0" smtClean="0">
+                  <a:solidFill>
+                    <a:schemeClr val="tx1">
+                      <a:lumMod val="65000"/>
+                      <a:lumOff val="35000"/>
+                    </a:schemeClr>
+                  </a:solidFill>
+                  <a:latin typeface="微软雅黑" panose="020B0503020204020204" pitchFamily="34" charset="-122"/>
+                  <a:ea typeface="微软雅黑" panose="020B0503020204020204" pitchFamily="34" charset="-122"/>
+                </a:rPr>
+                <a:t>XSS </a:t>
+              </a:r>
+              <a:r>
+                <a:rPr lang="zh-CN" altLang="en-US" sz="1600" b="1" dirty="0" smtClean="0">
+                  <a:solidFill>
+                    <a:schemeClr val="tx1">
+                      <a:lumMod val="65000"/>
+                      <a:lumOff val="35000"/>
+                    </a:schemeClr>
+                  </a:solidFill>
+                  <a:latin typeface="微软雅黑" panose="020B0503020204020204" pitchFamily="34" charset="-122"/>
+                  <a:ea typeface="微软雅黑" panose="020B0503020204020204" pitchFamily="34" charset="-122"/>
+                </a:rPr>
+                <a:t>攻击？？？</a:t>
+              </a:r>
+              <a:endParaRPr lang="zh-CN" altLang="en-US" sz="1600" b="1" dirty="0">
+                <a:solidFill>
+                  <a:schemeClr val="tx1">
+                    <a:lumMod val="65000"/>
+                    <a:lumOff val="35000"/>
+                  </a:schemeClr>
+                </a:solidFill>
+                <a:ea typeface="微软雅黑" panose="020B0503020204020204" pitchFamily="34" charset="-122"/>
+              </a:endParaRPr>
+            </a:p>
+          </p:txBody>
+        </p:sp>
+        <p:pic>
+          <p:nvPicPr>
+            <p:cNvPr id="29" name="Picture 2" descr="C:\Users\yepanmeng\Desktop\logo.png"/>
+            <p:cNvPicPr>
+              <a:picLocks noChangeAspect="1" noChangeArrowheads="1"/>
+            </p:cNvPicPr>
+            <p:nvPr/>
+          </p:nvPicPr>
+          <p:blipFill>
+            <a:blip r:embed="rId4" cstate="print">
+              <a:duotone>
+                <a:schemeClr val="accent2">
+                  <a:shade val="45000"/>
+                  <a:satMod val="135000"/>
+                </a:schemeClr>
+                <a:prstClr val="white"/>
+              </a:duotone>
+              <a:extLst>
+                <a:ext uri="{BEBA8EAE-BF5A-486C-A8C5-ECC9F3942E4B}">
+                  <a14:imgProps xmlns:a14="http://schemas.microsoft.com/office/drawing/2010/main">
+                    <a14:imgLayer r:embed="rId5">
+                      <a14:imgEffect>
+                        <a14:brightnessContrast bright="-20000" contrast="40000"/>
+                      </a14:imgEffect>
+                    </a14:imgLayer>
+                  </a14:imgProps>
+                </a:ext>
+                <a:ext uri="{28A0092B-C50C-407E-A947-70E740481C1C}">
+                  <a14:useLocalDpi xmlns:a14="http://schemas.microsoft.com/office/drawing/2010/main" val="0"/>
+                </a:ext>
+              </a:extLst>
+            </a:blip>
+            <a:srcRect/>
+            <a:stretch>
+              <a:fillRect/>
+            </a:stretch>
+          </p:blipFill>
+          <p:spPr bwMode="auto">
+            <a:xfrm>
+              <a:off x="753847" y="3259943"/>
+              <a:ext cx="436598" cy="436598"/>
+            </a:xfrm>
+            <a:prstGeom prst="rect">
+              <a:avLst/>
+            </a:prstGeom>
+            <a:noFill/>
+            <a:extLst>
+              <a:ext uri="{909E8E84-426E-40DD-AFC4-6F175D3DCCD1}">
+                <a14:hiddenFill xmlns:a14="http://schemas.microsoft.com/office/drawing/2010/main">
+                  <a:solidFill>
+                    <a:srgbClr val="FFFFFF"/>
+                  </a:solidFill>
+                </a14:hiddenFill>
+              </a:ext>
+            </a:extLst>
+          </p:spPr>
+        </p:pic>
+        <p:cxnSp>
+          <p:nvCxnSpPr>
+            <p:cNvPr id="24" name="直接连接符 23"/>
+            <p:cNvCxnSpPr/>
+            <p:nvPr/>
+          </p:nvCxnSpPr>
+          <p:spPr>
+            <a:xfrm>
+              <a:off x="972146" y="3662037"/>
+              <a:ext cx="718631" cy="0"/>
+            </a:xfrm>
+            <a:prstGeom prst="line">
+              <a:avLst/>
+            </a:prstGeom>
+            <a:ln w="12700">
+              <a:solidFill>
+                <a:srgbClr val="FF0000"/>
+              </a:solidFill>
+              <a:prstDash val="lgDash"/>
+            </a:ln>
+          </p:spPr>
+          <p:style>
+            <a:lnRef idx="1">
+              <a:schemeClr val="accent1"/>
+            </a:lnRef>
+            <a:fillRef idx="0">
+              <a:schemeClr val="accent1"/>
+            </a:fillRef>
+            <a:effectRef idx="0">
+              <a:schemeClr val="accent1"/>
+            </a:effectRef>
+            <a:fontRef idx="minor">
+              <a:schemeClr val="tx1"/>
+            </a:fontRef>
+          </p:style>
+        </p:cxnSp>
+      </p:grpSp>
+      <p:sp>
+        <p:nvSpPr>
+          <p:cNvPr id="2" name="TextBox 1"/>
+          <p:cNvSpPr txBox="1"/>
+          <p:nvPr/>
+        </p:nvSpPr>
+        <p:spPr>
+          <a:xfrm>
+            <a:off x="590415" y="917400"/>
+            <a:ext cx="2295890" cy="338554"/>
+          </a:xfrm>
+          <a:prstGeom prst="rect">
+            <a:avLst/>
+          </a:prstGeom>
+          <a:noFill/>
+        </p:spPr>
+        <p:txBody>
+          <a:bodyPr wrap="square" rtlCol="0">
+            <a:spAutoFit/>
+          </a:bodyPr>
+          <a:lstStyle/>
+          <a:p>
+            <a:r>
+              <a:rPr lang="en-US" altLang="zh-CN" sz="1600" dirty="0">
+                <a:solidFill>
+                  <a:schemeClr val="bg2">
+                    <a:lumMod val="50000"/>
+                  </a:schemeClr>
+                </a:solidFill>
+                <a:latin typeface="微软雅黑" panose="020B0503020204020204" pitchFamily="34" charset="-122"/>
+                <a:ea typeface="微软雅黑" panose="020B0503020204020204" pitchFamily="34" charset="-122"/>
+              </a:rPr>
+              <a:t>#</a:t>
+            </a:r>
+            <a:r>
+              <a:rPr lang="en-US" altLang="zh-CN" sz="1600" dirty="0">
+                <a:solidFill>
+                  <a:schemeClr val="tx1">
+                    <a:lumMod val="65000"/>
+                    <a:lumOff val="35000"/>
+                  </a:schemeClr>
+                </a:solidFill>
+                <a:latin typeface="微软雅黑" panose="020B0503020204020204" pitchFamily="34" charset="-122"/>
+                <a:ea typeface="微软雅黑" panose="020B0503020204020204" pitchFamily="34" charset="-122"/>
+              </a:rPr>
+              <a:t> </a:t>
+            </a:r>
+            <a:r>
+              <a:rPr lang="zh-CN" altLang="en-US" sz="1600" dirty="0">
+                <a:solidFill>
+                  <a:schemeClr val="tx1">
+                    <a:lumMod val="65000"/>
+                    <a:lumOff val="35000"/>
+                  </a:schemeClr>
+                </a:solidFill>
+                <a:latin typeface="微软雅黑" panose="020B0503020204020204" pitchFamily="34" charset="-122"/>
+                <a:ea typeface="微软雅黑" panose="020B0503020204020204" pitchFamily="34" charset="-122"/>
+              </a:rPr>
+              <a:t>文本插值</a:t>
+            </a:r>
+            <a:endParaRPr lang="zh-CN" altLang="en-US" sz="1600" dirty="0">
+              <a:solidFill>
+                <a:schemeClr val="tx1">
+                  <a:lumMod val="65000"/>
+                  <a:lumOff val="35000"/>
+                </a:schemeClr>
+              </a:solidFill>
+              <a:latin typeface="微软雅黑" panose="020B0503020204020204" pitchFamily="34" charset="-122"/>
+              <a:ea typeface="微软雅黑" panose="020B0503020204020204" pitchFamily="34" charset="-122"/>
+            </a:endParaRPr>
+          </a:p>
+        </p:txBody>
+      </p:sp>
+      <p:sp>
+        <p:nvSpPr>
+          <p:cNvPr id="32" name="TextBox 31"/>
+          <p:cNvSpPr txBox="1"/>
+          <p:nvPr/>
+        </p:nvSpPr>
+        <p:spPr>
+          <a:xfrm>
+            <a:off x="590415" y="2507161"/>
+            <a:ext cx="2295890" cy="338554"/>
+          </a:xfrm>
+          <a:prstGeom prst="rect">
+            <a:avLst/>
+          </a:prstGeom>
+          <a:noFill/>
+        </p:spPr>
+        <p:txBody>
+          <a:bodyPr wrap="square" rtlCol="0">
+            <a:spAutoFit/>
+          </a:bodyPr>
+          <a:lstStyle/>
+          <a:p>
+            <a:r>
+              <a:rPr lang="en-US" altLang="zh-CN" sz="1600" dirty="0">
+                <a:solidFill>
+                  <a:schemeClr val="bg2">
+                    <a:lumMod val="50000"/>
+                  </a:schemeClr>
+                </a:solidFill>
+                <a:latin typeface="微软雅黑" panose="020B0503020204020204" pitchFamily="34" charset="-122"/>
+                <a:ea typeface="微软雅黑" panose="020B0503020204020204" pitchFamily="34" charset="-122"/>
+              </a:rPr>
+              <a:t>#</a:t>
+            </a:r>
+            <a:r>
+              <a:rPr lang="en-US" altLang="zh-CN" sz="1600" dirty="0">
+                <a:solidFill>
+                  <a:schemeClr val="tx1">
+                    <a:lumMod val="65000"/>
+                    <a:lumOff val="35000"/>
+                  </a:schemeClr>
+                </a:solidFill>
+                <a:latin typeface="微软雅黑" panose="020B0503020204020204" pitchFamily="34" charset="-122"/>
+                <a:ea typeface="微软雅黑" panose="020B0503020204020204" pitchFamily="34" charset="-122"/>
+              </a:rPr>
+              <a:t> </a:t>
+            </a:r>
+            <a:r>
+              <a:rPr lang="zh-CN" altLang="en-US" sz="1600" dirty="0" smtClean="0">
+                <a:solidFill>
+                  <a:schemeClr val="tx1">
+                    <a:lumMod val="65000"/>
+                    <a:lumOff val="35000"/>
+                  </a:schemeClr>
+                </a:solidFill>
+                <a:latin typeface="微软雅黑" panose="020B0503020204020204" pitchFamily="34" charset="-122"/>
+                <a:ea typeface="微软雅黑" panose="020B0503020204020204" pitchFamily="34" charset="-122"/>
+              </a:rPr>
+              <a:t>纯</a:t>
+            </a:r>
+            <a:r>
+              <a:rPr lang="en-US" altLang="zh-CN" sz="1600" dirty="0" smtClean="0">
+                <a:solidFill>
+                  <a:schemeClr val="tx1">
+                    <a:lumMod val="65000"/>
+                    <a:lumOff val="35000"/>
+                  </a:schemeClr>
+                </a:solidFill>
+                <a:latin typeface="微软雅黑" panose="020B0503020204020204" pitchFamily="34" charset="-122"/>
+                <a:ea typeface="微软雅黑" panose="020B0503020204020204" pitchFamily="34" charset="-122"/>
+              </a:rPr>
+              <a:t>HTML </a:t>
+            </a:r>
+            <a:r>
+              <a:rPr lang="zh-CN" altLang="en-US" sz="1600" dirty="0" smtClean="0">
+                <a:solidFill>
+                  <a:schemeClr val="tx1">
+                    <a:lumMod val="65000"/>
+                    <a:lumOff val="35000"/>
+                  </a:schemeClr>
+                </a:solidFill>
+                <a:latin typeface="微软雅黑" panose="020B0503020204020204" pitchFamily="34" charset="-122"/>
+                <a:ea typeface="微软雅黑" panose="020B0503020204020204" pitchFamily="34" charset="-122"/>
+              </a:rPr>
+              <a:t>插值</a:t>
+            </a:r>
+            <a:endParaRPr lang="zh-CN" altLang="en-US" sz="1600" dirty="0">
+              <a:solidFill>
+                <a:schemeClr val="tx1">
+                  <a:lumMod val="65000"/>
+                  <a:lumOff val="35000"/>
+                </a:schemeClr>
+              </a:solidFill>
+              <a:latin typeface="微软雅黑" panose="020B0503020204020204" pitchFamily="34" charset="-122"/>
+              <a:ea typeface="微软雅黑" panose="020B0503020204020204" pitchFamily="34" charset="-122"/>
+            </a:endParaRPr>
+          </a:p>
+        </p:txBody>
+      </p:sp>
+      <p:sp>
+        <p:nvSpPr>
+          <p:cNvPr id="21" name="TextBox 20"/>
+          <p:cNvSpPr txBox="1"/>
+          <p:nvPr/>
+        </p:nvSpPr>
+        <p:spPr>
+          <a:xfrm>
+            <a:off x="637091" y="1303122"/>
+            <a:ext cx="9248781" cy="954107"/>
+          </a:xfrm>
+          <a:prstGeom prst="rect">
+            <a:avLst/>
+          </a:prstGeom>
+          <a:solidFill>
+            <a:schemeClr val="accent6">
+              <a:lumMod val="20000"/>
+              <a:lumOff val="80000"/>
+            </a:schemeClr>
+          </a:solidFill>
+        </p:spPr>
+        <p:txBody>
+          <a:bodyPr wrap="square" rtlCol="0" anchor="ctr">
+            <a:spAutoFit/>
+          </a:bodyPr>
+          <a:lstStyle/>
+          <a:p>
+            <a:r>
+              <a:rPr lang="en-US" altLang="zh-CN" sz="2800" dirty="0">
+                <a:solidFill>
+                  <a:schemeClr val="tx1">
+                    <a:lumMod val="65000"/>
+                    <a:lumOff val="35000"/>
+                  </a:schemeClr>
+                </a:solidFill>
+              </a:rPr>
+              <a:t>&lt;span&gt;Message: {{ </a:t>
+            </a:r>
+            <a:r>
+              <a:rPr lang="en-US" altLang="zh-CN" sz="2800" dirty="0" err="1">
+                <a:solidFill>
+                  <a:schemeClr val="tx1">
+                    <a:lumMod val="65000"/>
+                    <a:lumOff val="35000"/>
+                  </a:schemeClr>
+                </a:solidFill>
+              </a:rPr>
+              <a:t>msg</a:t>
+            </a:r>
+            <a:r>
+              <a:rPr lang="en-US" altLang="zh-CN" sz="2800" dirty="0">
+                <a:solidFill>
+                  <a:schemeClr val="tx1">
+                    <a:lumMod val="65000"/>
+                    <a:lumOff val="35000"/>
+                  </a:schemeClr>
+                </a:solidFill>
+              </a:rPr>
+              <a:t> }}&lt;/span</a:t>
+            </a:r>
+            <a:r>
+              <a:rPr lang="en-US" altLang="zh-CN" sz="2800" dirty="0">
+                <a:solidFill>
+                  <a:schemeClr val="tx1">
+                    <a:lumMod val="65000"/>
+                    <a:lumOff val="35000"/>
+                  </a:schemeClr>
+                </a:solidFill>
+              </a:rPr>
+              <a:t>&gt;</a:t>
+            </a:r>
+          </a:p>
+          <a:p>
+            <a:r>
+              <a:rPr lang="en-US" altLang="zh-CN" sz="2800" dirty="0">
+                <a:solidFill>
+                  <a:schemeClr val="tx1">
+                    <a:lumMod val="65000"/>
+                    <a:lumOff val="35000"/>
+                  </a:schemeClr>
+                </a:solidFill>
+              </a:rPr>
+              <a:t>&lt;span </a:t>
+            </a:r>
+            <a:r>
+              <a:rPr lang="en-US" altLang="zh-CN" sz="2800" dirty="0">
+                <a:solidFill>
+                  <a:srgbClr val="FF0000"/>
+                </a:solidFill>
+              </a:rPr>
+              <a:t>v-once</a:t>
+            </a:r>
+            <a:r>
+              <a:rPr lang="en-US" altLang="zh-CN" sz="2800" dirty="0">
+                <a:solidFill>
+                  <a:schemeClr val="tx1">
+                    <a:lumMod val="65000"/>
+                    <a:lumOff val="35000"/>
+                  </a:schemeClr>
+                </a:solidFill>
+              </a:rPr>
+              <a:t>&gt;This will never change: {{ </a:t>
+            </a:r>
+            <a:r>
+              <a:rPr lang="en-US" altLang="zh-CN" sz="2800" dirty="0" err="1">
+                <a:solidFill>
+                  <a:schemeClr val="tx1">
+                    <a:lumMod val="65000"/>
+                    <a:lumOff val="35000"/>
+                  </a:schemeClr>
+                </a:solidFill>
+              </a:rPr>
+              <a:t>msg</a:t>
+            </a:r>
+            <a:r>
+              <a:rPr lang="en-US" altLang="zh-CN" sz="2800" dirty="0">
+                <a:solidFill>
+                  <a:schemeClr val="tx1">
+                    <a:lumMod val="65000"/>
+                    <a:lumOff val="35000"/>
+                  </a:schemeClr>
+                </a:solidFill>
+              </a:rPr>
+              <a:t> }}&lt;/span&gt;</a:t>
+            </a:r>
+            <a:endParaRPr lang="zh-CN" altLang="en-US" sz="2800" dirty="0">
+              <a:solidFill>
+                <a:schemeClr val="tx1">
+                  <a:lumMod val="65000"/>
+                  <a:lumOff val="35000"/>
+                </a:schemeClr>
+              </a:solidFill>
+            </a:endParaRPr>
+          </a:p>
+        </p:txBody>
+      </p:sp>
+      <p:sp>
+        <p:nvSpPr>
+          <p:cNvPr id="34" name="TextBox 33"/>
+          <p:cNvSpPr txBox="1"/>
+          <p:nvPr/>
+        </p:nvSpPr>
+        <p:spPr>
+          <a:xfrm>
+            <a:off x="637091" y="2878686"/>
+            <a:ext cx="9248781" cy="523220"/>
+          </a:xfrm>
+          <a:prstGeom prst="rect">
+            <a:avLst/>
+          </a:prstGeom>
+          <a:solidFill>
+            <a:schemeClr val="accent6">
+              <a:lumMod val="20000"/>
+              <a:lumOff val="80000"/>
+            </a:schemeClr>
+          </a:solidFill>
+        </p:spPr>
+        <p:txBody>
+          <a:bodyPr wrap="square" rtlCol="0" anchor="ctr">
+            <a:spAutoFit/>
+          </a:bodyPr>
+          <a:lstStyle/>
+          <a:p>
+            <a:r>
+              <a:rPr lang="en-US" altLang="zh-CN" sz="2800" dirty="0">
+                <a:solidFill>
+                  <a:schemeClr val="tx1">
+                    <a:lumMod val="65000"/>
+                    <a:lumOff val="35000"/>
+                  </a:schemeClr>
+                </a:solidFill>
+              </a:rPr>
+              <a:t>&lt;div v-html="</a:t>
+            </a:r>
+            <a:r>
+              <a:rPr lang="en-US" altLang="zh-CN" sz="2800" dirty="0" err="1">
+                <a:solidFill>
+                  <a:schemeClr val="tx1">
+                    <a:lumMod val="65000"/>
+                    <a:lumOff val="35000"/>
+                  </a:schemeClr>
+                </a:solidFill>
+              </a:rPr>
+              <a:t>rawHtml</a:t>
+            </a:r>
+            <a:r>
+              <a:rPr lang="en-US" altLang="zh-CN" sz="2800" dirty="0">
+                <a:solidFill>
+                  <a:schemeClr val="tx1">
+                    <a:lumMod val="65000"/>
+                    <a:lumOff val="35000"/>
+                  </a:schemeClr>
+                </a:solidFill>
+              </a:rPr>
+              <a:t>"&gt;&lt;/div&gt;</a:t>
+            </a:r>
+            <a:endParaRPr lang="zh-CN" altLang="en-US" sz="2800" dirty="0">
+              <a:solidFill>
+                <a:schemeClr val="tx1">
+                  <a:lumMod val="65000"/>
+                  <a:lumOff val="35000"/>
+                </a:schemeClr>
+              </a:solidFill>
+            </a:endParaRPr>
+          </a:p>
+        </p:txBody>
+      </p:sp>
+      <p:sp>
+        <p:nvSpPr>
+          <p:cNvPr id="37" name="TextBox 36"/>
+          <p:cNvSpPr txBox="1"/>
+          <p:nvPr/>
+        </p:nvSpPr>
+        <p:spPr>
+          <a:xfrm>
+            <a:off x="619839" y="4313340"/>
+            <a:ext cx="2701332" cy="338554"/>
+          </a:xfrm>
+          <a:prstGeom prst="rect">
+            <a:avLst/>
+          </a:prstGeom>
+          <a:noFill/>
+        </p:spPr>
+        <p:txBody>
+          <a:bodyPr wrap="square" rtlCol="0">
+            <a:spAutoFit/>
+          </a:bodyPr>
+          <a:lstStyle/>
+          <a:p>
+            <a:r>
+              <a:rPr lang="en-US" altLang="zh-CN" sz="1600" dirty="0">
+                <a:solidFill>
+                  <a:schemeClr val="bg2">
+                    <a:lumMod val="50000"/>
+                  </a:schemeClr>
+                </a:solidFill>
+                <a:latin typeface="微软雅黑" panose="020B0503020204020204" pitchFamily="34" charset="-122"/>
+                <a:ea typeface="微软雅黑" panose="020B0503020204020204" pitchFamily="34" charset="-122"/>
+              </a:rPr>
+              <a:t>#</a:t>
+            </a:r>
+            <a:r>
+              <a:rPr lang="en-US" altLang="zh-CN" sz="1600" dirty="0">
+                <a:solidFill>
+                  <a:schemeClr val="tx1">
+                    <a:lumMod val="65000"/>
+                    <a:lumOff val="35000"/>
+                  </a:schemeClr>
+                </a:solidFill>
+                <a:latin typeface="微软雅黑" panose="020B0503020204020204" pitchFamily="34" charset="-122"/>
+                <a:ea typeface="微软雅黑" panose="020B0503020204020204" pitchFamily="34" charset="-122"/>
+              </a:rPr>
+              <a:t> </a:t>
+            </a:r>
+            <a:r>
+              <a:rPr lang="zh-CN" altLang="en-US" sz="1600" dirty="0" smtClean="0">
+                <a:solidFill>
+                  <a:schemeClr val="tx1">
+                    <a:lumMod val="65000"/>
+                    <a:lumOff val="35000"/>
+                  </a:schemeClr>
+                </a:solidFill>
+                <a:latin typeface="微软雅黑" panose="020B0503020204020204" pitchFamily="34" charset="-122"/>
+                <a:ea typeface="微软雅黑" panose="020B0503020204020204" pitchFamily="34" charset="-122"/>
+              </a:rPr>
+              <a:t>使用</a:t>
+            </a:r>
+            <a:r>
+              <a:rPr lang="en-US" altLang="zh-CN" sz="1600" dirty="0" smtClean="0">
+                <a:solidFill>
+                  <a:schemeClr val="tx1">
+                    <a:lumMod val="65000"/>
+                    <a:lumOff val="35000"/>
+                  </a:schemeClr>
+                </a:solidFill>
+                <a:latin typeface="微软雅黑" panose="020B0503020204020204" pitchFamily="34" charset="-122"/>
+                <a:ea typeface="微软雅黑" panose="020B0503020204020204" pitchFamily="34" charset="-122"/>
+              </a:rPr>
+              <a:t>JavaScript </a:t>
+            </a:r>
+            <a:r>
+              <a:rPr lang="zh-CN" altLang="en-US" sz="1600" dirty="0" smtClean="0">
+                <a:solidFill>
+                  <a:schemeClr val="tx1">
+                    <a:lumMod val="65000"/>
+                    <a:lumOff val="35000"/>
+                  </a:schemeClr>
+                </a:solidFill>
+                <a:latin typeface="微软雅黑" panose="020B0503020204020204" pitchFamily="34" charset="-122"/>
+                <a:ea typeface="微软雅黑" panose="020B0503020204020204" pitchFamily="34" charset="-122"/>
+              </a:rPr>
+              <a:t>表达式</a:t>
+            </a:r>
+            <a:endParaRPr lang="zh-CN" altLang="en-US" sz="1600" dirty="0">
+              <a:solidFill>
+                <a:schemeClr val="tx1">
+                  <a:lumMod val="65000"/>
+                  <a:lumOff val="35000"/>
+                </a:schemeClr>
+              </a:solidFill>
+              <a:latin typeface="微软雅黑" panose="020B0503020204020204" pitchFamily="34" charset="-122"/>
+              <a:ea typeface="微软雅黑" panose="020B0503020204020204" pitchFamily="34" charset="-122"/>
+            </a:endParaRPr>
+          </a:p>
+        </p:txBody>
+      </p:sp>
+      <p:sp>
+        <p:nvSpPr>
+          <p:cNvPr id="38" name="TextBox 37"/>
+          <p:cNvSpPr txBox="1"/>
+          <p:nvPr/>
+        </p:nvSpPr>
+        <p:spPr>
+          <a:xfrm>
+            <a:off x="649263" y="4708101"/>
+            <a:ext cx="9248781" cy="1815882"/>
+          </a:xfrm>
+          <a:prstGeom prst="rect">
+            <a:avLst/>
+          </a:prstGeom>
+          <a:solidFill>
+            <a:schemeClr val="accent6">
+              <a:lumMod val="20000"/>
+              <a:lumOff val="80000"/>
+            </a:schemeClr>
+          </a:solidFill>
+        </p:spPr>
+        <p:txBody>
+          <a:bodyPr wrap="square" rtlCol="0" anchor="ctr">
+            <a:spAutoFit/>
+          </a:bodyPr>
+          <a:lstStyle/>
+          <a:p>
+            <a:r>
+              <a:rPr lang="en-US" altLang="zh-CN" sz="2800" dirty="0" smtClean="0">
+                <a:solidFill>
+                  <a:schemeClr val="tx1">
+                    <a:lumMod val="65000"/>
+                    <a:lumOff val="35000"/>
+                  </a:schemeClr>
+                </a:solidFill>
+              </a:rPr>
+              <a:t>{{ </a:t>
+            </a:r>
+            <a:r>
+              <a:rPr lang="en-US" altLang="zh-CN" sz="2800" dirty="0">
+                <a:solidFill>
+                  <a:schemeClr val="tx1">
+                    <a:lumMod val="65000"/>
+                    <a:lumOff val="35000"/>
+                  </a:schemeClr>
+                </a:solidFill>
+              </a:rPr>
+              <a:t>number + 1 }}</a:t>
+            </a:r>
+          </a:p>
+          <a:p>
+            <a:r>
+              <a:rPr lang="en-US" altLang="zh-CN" sz="2800" dirty="0">
+                <a:solidFill>
+                  <a:schemeClr val="tx1">
+                    <a:lumMod val="65000"/>
+                    <a:lumOff val="35000"/>
+                  </a:schemeClr>
+                </a:solidFill>
+              </a:rPr>
+              <a:t>{{ ok ? 'YES' : 'NO' }}</a:t>
+            </a:r>
+          </a:p>
+          <a:p>
+            <a:r>
+              <a:rPr lang="en-US" altLang="zh-CN" sz="2800" dirty="0">
+                <a:solidFill>
+                  <a:schemeClr val="tx1">
+                    <a:lumMod val="65000"/>
+                    <a:lumOff val="35000"/>
+                  </a:schemeClr>
+                </a:solidFill>
+              </a:rPr>
+              <a:t>{{ </a:t>
+            </a:r>
+            <a:r>
+              <a:rPr lang="en-US" altLang="zh-CN" sz="2800" dirty="0" err="1">
+                <a:solidFill>
+                  <a:schemeClr val="tx1">
+                    <a:lumMod val="65000"/>
+                    <a:lumOff val="35000"/>
+                  </a:schemeClr>
+                </a:solidFill>
+              </a:rPr>
+              <a:t>message.split</a:t>
+            </a:r>
+            <a:r>
+              <a:rPr lang="en-US" altLang="zh-CN" sz="2800" dirty="0">
+                <a:solidFill>
+                  <a:schemeClr val="tx1">
+                    <a:lumMod val="65000"/>
+                    <a:lumOff val="35000"/>
+                  </a:schemeClr>
+                </a:solidFill>
+              </a:rPr>
+              <a:t>('').reverse().join('') }}</a:t>
+            </a:r>
+          </a:p>
+          <a:p>
+            <a:r>
+              <a:rPr lang="en-US" altLang="zh-CN" sz="2800" dirty="0">
+                <a:solidFill>
+                  <a:schemeClr val="tx1">
+                    <a:lumMod val="65000"/>
+                    <a:lumOff val="35000"/>
+                  </a:schemeClr>
+                </a:solidFill>
+              </a:rPr>
+              <a:t>&lt;div </a:t>
+            </a:r>
+            <a:r>
+              <a:rPr lang="en-US" altLang="zh-CN" sz="2800" dirty="0" err="1">
+                <a:solidFill>
+                  <a:schemeClr val="tx1">
+                    <a:lumMod val="65000"/>
+                    <a:lumOff val="35000"/>
+                  </a:schemeClr>
+                </a:solidFill>
+              </a:rPr>
+              <a:t>v-bind:id</a:t>
+            </a:r>
+            <a:r>
+              <a:rPr lang="en-US" altLang="zh-CN" sz="2800" dirty="0">
+                <a:solidFill>
+                  <a:schemeClr val="tx1">
+                    <a:lumMod val="65000"/>
+                    <a:lumOff val="35000"/>
+                  </a:schemeClr>
+                </a:solidFill>
+              </a:rPr>
+              <a:t>="'list-' + id"&gt;&lt;/div</a:t>
+            </a:r>
+            <a:r>
+              <a:rPr lang="en-US" altLang="zh-CN" sz="2800" dirty="0" smtClean="0">
+                <a:solidFill>
+                  <a:schemeClr val="tx1">
+                    <a:lumMod val="65000"/>
+                    <a:lumOff val="35000"/>
+                  </a:schemeClr>
+                </a:solidFill>
+              </a:rPr>
+              <a:t>&gt;</a:t>
+            </a:r>
+            <a:endParaRPr lang="en-US" altLang="zh-CN" sz="2800" dirty="0">
+              <a:solidFill>
+                <a:schemeClr val="tx1">
+                  <a:lumMod val="65000"/>
+                  <a:lumOff val="35000"/>
+                </a:schemeClr>
+              </a:solidFill>
+            </a:endParaRPr>
+          </a:p>
+        </p:txBody>
+      </p:sp>
     </p:spTree>
     <p:extLst>
       <p:ext uri="{BB962C8B-B14F-4D97-AF65-F5344CB8AC3E}">
-        <p14:creationId xmlns:p14="http://schemas.microsoft.com/office/powerpoint/2010/main" val="627836459"/>
+        <p14:creationId xmlns:p14="http://schemas.microsoft.com/office/powerpoint/2010/main" val="3636330341"/>
       </p:ext>
     </p:extLst>
   </p:cSld>
@@ -12920,7 +17265,9 @@
           <a:lstStyle/>
           <a:p>
             <a:pPr algn="ctr"/>
-            <a:endParaRPr lang="zh-CN" altLang="en-US"/>
+            <a:endParaRPr lang="zh-CN" altLang="en-US" dirty="0">
+              <a:ea typeface="微软雅黑" panose="020B0503020204020204" pitchFamily="34" charset="-122"/>
+            </a:endParaRPr>
           </a:p>
         </p:txBody>
       </p:sp>
@@ -12969,7 +17316,9 @@
           <a:lstStyle/>
           <a:p>
             <a:pPr algn="ctr"/>
-            <a:endParaRPr lang="zh-CN" altLang="en-US"/>
+            <a:endParaRPr lang="zh-CN" altLang="en-US" dirty="0">
+              <a:ea typeface="微软雅黑" panose="020B0503020204020204" pitchFamily="34" charset="-122"/>
+            </a:endParaRPr>
           </a:p>
         </p:txBody>
       </p:sp>
@@ -13018,7 +17367,9 @@
           <a:lstStyle/>
           <a:p>
             <a:pPr algn="ctr"/>
-            <a:endParaRPr lang="zh-CN" altLang="en-US"/>
+            <a:endParaRPr lang="zh-CN" altLang="en-US" dirty="0">
+              <a:ea typeface="微软雅黑" panose="020B0503020204020204" pitchFamily="34" charset="-122"/>
+            </a:endParaRPr>
           </a:p>
         </p:txBody>
       </p:sp>
@@ -13066,7 +17417,9 @@
           <a:lstStyle/>
           <a:p>
             <a:pPr algn="ctr"/>
-            <a:endParaRPr lang="zh-CN" altLang="en-US"/>
+            <a:endParaRPr lang="zh-CN" altLang="en-US" dirty="0">
+              <a:ea typeface="微软雅黑" panose="020B0503020204020204" pitchFamily="34" charset="-122"/>
+            </a:endParaRPr>
           </a:p>
         </p:txBody>
       </p:sp>
@@ -13114,7 +17467,9 @@
           <a:lstStyle/>
           <a:p>
             <a:pPr algn="ctr"/>
-            <a:endParaRPr lang="zh-CN" altLang="en-US"/>
+            <a:endParaRPr lang="zh-CN" altLang="en-US" dirty="0">
+              <a:ea typeface="微软雅黑" panose="020B0503020204020204" pitchFamily="34" charset="-122"/>
+            </a:endParaRPr>
           </a:p>
         </p:txBody>
       </p:sp>
@@ -13163,7 +17518,9 @@
           <a:lstStyle/>
           <a:p>
             <a:pPr algn="ctr"/>
-            <a:endParaRPr lang="zh-CN" altLang="en-US"/>
+            <a:endParaRPr lang="zh-CN" altLang="en-US" dirty="0">
+              <a:ea typeface="微软雅黑" panose="020B0503020204020204" pitchFamily="34" charset="-122"/>
+            </a:endParaRPr>
           </a:p>
         </p:txBody>
       </p:sp>
@@ -13211,7 +17568,9 @@
           <a:lstStyle/>
           <a:p>
             <a:pPr algn="ctr"/>
-            <a:endParaRPr lang="zh-CN" altLang="en-US"/>
+            <a:endParaRPr lang="zh-CN" altLang="en-US" dirty="0">
+              <a:ea typeface="微软雅黑" panose="020B0503020204020204" pitchFamily="34" charset="-122"/>
+            </a:endParaRPr>
           </a:p>
         </p:txBody>
       </p:sp>
@@ -13260,7 +17619,9 @@
           <a:lstStyle/>
           <a:p>
             <a:pPr algn="ctr"/>
-            <a:endParaRPr lang="zh-CN" altLang="en-US"/>
+            <a:endParaRPr lang="zh-CN" altLang="en-US" dirty="0">
+              <a:ea typeface="微软雅黑" panose="020B0503020204020204" pitchFamily="34" charset="-122"/>
+            </a:endParaRPr>
           </a:p>
         </p:txBody>
       </p:sp>
@@ -13308,7 +17669,9 @@
           <a:lstStyle/>
           <a:p>
             <a:pPr algn="ctr"/>
-            <a:endParaRPr lang="zh-CN" altLang="en-US"/>
+            <a:endParaRPr lang="zh-CN" altLang="en-US" dirty="0">
+              <a:ea typeface="微软雅黑" panose="020B0503020204020204" pitchFamily="34" charset="-122"/>
+            </a:endParaRPr>
           </a:p>
         </p:txBody>
       </p:sp>
@@ -13357,7 +17720,9 @@
           <a:lstStyle/>
           <a:p>
             <a:pPr algn="ctr"/>
-            <a:endParaRPr lang="zh-CN" altLang="en-US"/>
+            <a:endParaRPr lang="zh-CN" altLang="en-US" dirty="0">
+              <a:ea typeface="微软雅黑" panose="020B0503020204020204" pitchFamily="34" charset="-122"/>
+            </a:endParaRPr>
           </a:p>
         </p:txBody>
       </p:sp>
@@ -13406,7 +17771,9 @@
           <a:lstStyle/>
           <a:p>
             <a:pPr algn="ctr"/>
-            <a:endParaRPr lang="zh-CN" altLang="en-US"/>
+            <a:endParaRPr lang="zh-CN" altLang="en-US" dirty="0">
+              <a:ea typeface="微软雅黑" panose="020B0503020204020204" pitchFamily="34" charset="-122"/>
+            </a:endParaRPr>
           </a:p>
         </p:txBody>
       </p:sp>
@@ -13455,7 +17822,9 @@
           <a:lstStyle/>
           <a:p>
             <a:pPr algn="ctr"/>
-            <a:endParaRPr lang="zh-CN" altLang="en-US"/>
+            <a:endParaRPr lang="zh-CN" altLang="en-US" dirty="0">
+              <a:ea typeface="微软雅黑" panose="020B0503020204020204" pitchFamily="34" charset="-122"/>
+            </a:endParaRPr>
           </a:p>
         </p:txBody>
       </p:sp>
@@ -13504,7 +17873,9 @@
           <a:lstStyle/>
           <a:p>
             <a:pPr algn="ctr"/>
-            <a:endParaRPr lang="zh-CN" altLang="en-US"/>
+            <a:endParaRPr lang="zh-CN" altLang="en-US" dirty="0">
+              <a:ea typeface="微软雅黑" panose="020B0503020204020204" pitchFamily="34" charset="-122"/>
+            </a:endParaRPr>
           </a:p>
         </p:txBody>
       </p:sp>
@@ -13552,7 +17923,9 @@
           <a:lstStyle/>
           <a:p>
             <a:pPr algn="ctr"/>
-            <a:endParaRPr lang="zh-CN" altLang="en-US"/>
+            <a:endParaRPr lang="zh-CN" altLang="en-US" dirty="0">
+              <a:ea typeface="微软雅黑" panose="020B0503020204020204" pitchFamily="34" charset="-122"/>
+            </a:endParaRPr>
           </a:p>
         </p:txBody>
       </p:sp>
@@ -13601,7 +17974,9 @@
           <a:lstStyle/>
           <a:p>
             <a:pPr algn="ctr"/>
-            <a:endParaRPr lang="zh-CN" altLang="en-US"/>
+            <a:endParaRPr lang="zh-CN" altLang="en-US" dirty="0">
+              <a:ea typeface="微软雅黑" panose="020B0503020204020204" pitchFamily="34" charset="-122"/>
+            </a:endParaRPr>
           </a:p>
         </p:txBody>
       </p:sp>
@@ -13650,7 +18025,9 @@
           <a:lstStyle/>
           <a:p>
             <a:pPr algn="ctr"/>
-            <a:endParaRPr lang="zh-CN" altLang="en-US"/>
+            <a:endParaRPr lang="zh-CN" altLang="en-US" dirty="0">
+              <a:ea typeface="微软雅黑" panose="020B0503020204020204" pitchFamily="34" charset="-122"/>
+            </a:endParaRPr>
           </a:p>
         </p:txBody>
       </p:sp>
@@ -13677,7 +18054,7 @@
           <a:lstStyle/>
           <a:p>
             <a:r>
-              <a:rPr lang="en-US" altLang="zh-CN" dirty="0" smtClean="0">
+              <a:rPr lang="zh-CN" altLang="en-US" dirty="0" smtClean="0">
                 <a:solidFill>
                   <a:schemeClr val="bg1">
                     <a:lumMod val="50000"/>
@@ -13686,7 +18063,7 @@
                 <a:latin typeface="微软雅黑" panose="020B0503020204020204" pitchFamily="34" charset="-122"/>
                 <a:ea typeface="微软雅黑" panose="020B0503020204020204" pitchFamily="34" charset="-122"/>
               </a:rPr>
-              <a:t>Hello World!</a:t>
+              <a:t>模板语法</a:t>
             </a:r>
             <a:endParaRPr lang="zh-CN" altLang="en-US" dirty="0">
               <a:solidFill>
@@ -13873,10 +18250,1024 @@
           </a:fontRef>
         </p:style>
       </p:cxnSp>
+      <p:sp>
+        <p:nvSpPr>
+          <p:cNvPr id="2" name="TextBox 1"/>
+          <p:cNvSpPr txBox="1"/>
+          <p:nvPr/>
+        </p:nvSpPr>
+        <p:spPr>
+          <a:xfrm>
+            <a:off x="590415" y="917400"/>
+            <a:ext cx="2295890" cy="338554"/>
+          </a:xfrm>
+          <a:prstGeom prst="rect">
+            <a:avLst/>
+          </a:prstGeom>
+          <a:noFill/>
+        </p:spPr>
+        <p:txBody>
+          <a:bodyPr wrap="square" rtlCol="0">
+            <a:spAutoFit/>
+          </a:bodyPr>
+          <a:lstStyle/>
+          <a:p>
+            <a:r>
+              <a:rPr lang="en-US" altLang="zh-CN" sz="1600" dirty="0">
+                <a:solidFill>
+                  <a:schemeClr val="bg2">
+                    <a:lumMod val="50000"/>
+                  </a:schemeClr>
+                </a:solidFill>
+                <a:latin typeface="微软雅黑" panose="020B0503020204020204" pitchFamily="34" charset="-122"/>
+                <a:ea typeface="微软雅黑" panose="020B0503020204020204" pitchFamily="34" charset="-122"/>
+              </a:rPr>
+              <a:t>#</a:t>
+            </a:r>
+            <a:r>
+              <a:rPr lang="en-US" altLang="zh-CN" sz="1600" dirty="0">
+                <a:solidFill>
+                  <a:schemeClr val="tx1">
+                    <a:lumMod val="65000"/>
+                    <a:lumOff val="35000"/>
+                  </a:schemeClr>
+                </a:solidFill>
+                <a:latin typeface="微软雅黑" panose="020B0503020204020204" pitchFamily="34" charset="-122"/>
+                <a:ea typeface="微软雅黑" panose="020B0503020204020204" pitchFamily="34" charset="-122"/>
+              </a:rPr>
+              <a:t> </a:t>
+            </a:r>
+            <a:r>
+              <a:rPr lang="zh-CN" altLang="en-US" sz="1600" dirty="0">
+                <a:solidFill>
+                  <a:schemeClr val="tx1">
+                    <a:lumMod val="65000"/>
+                    <a:lumOff val="35000"/>
+                  </a:schemeClr>
+                </a:solidFill>
+                <a:latin typeface="微软雅黑" panose="020B0503020204020204" pitchFamily="34" charset="-122"/>
+                <a:ea typeface="微软雅黑" panose="020B0503020204020204" pitchFamily="34" charset="-122"/>
+              </a:rPr>
+              <a:t>指令</a:t>
+            </a:r>
+            <a:endParaRPr lang="zh-CN" altLang="en-US" sz="1600" dirty="0">
+              <a:solidFill>
+                <a:schemeClr val="tx1">
+                  <a:lumMod val="65000"/>
+                  <a:lumOff val="35000"/>
+                </a:schemeClr>
+              </a:solidFill>
+              <a:latin typeface="微软雅黑" panose="020B0503020204020204" pitchFamily="34" charset="-122"/>
+              <a:ea typeface="微软雅黑" panose="020B0503020204020204" pitchFamily="34" charset="-122"/>
+            </a:endParaRPr>
+          </a:p>
+        </p:txBody>
+      </p:sp>
+      <p:sp>
+        <p:nvSpPr>
+          <p:cNvPr id="21" name="TextBox 20"/>
+          <p:cNvSpPr txBox="1"/>
+          <p:nvPr/>
+        </p:nvSpPr>
+        <p:spPr>
+          <a:xfrm>
+            <a:off x="637091" y="1730422"/>
+            <a:ext cx="9248781" cy="954107"/>
+          </a:xfrm>
+          <a:prstGeom prst="rect">
+            <a:avLst/>
+          </a:prstGeom>
+          <a:solidFill>
+            <a:schemeClr val="accent6">
+              <a:lumMod val="20000"/>
+              <a:lumOff val="80000"/>
+            </a:schemeClr>
+          </a:solidFill>
+        </p:spPr>
+        <p:txBody>
+          <a:bodyPr wrap="square" rtlCol="0" anchor="ctr">
+            <a:spAutoFit/>
+          </a:bodyPr>
+          <a:lstStyle/>
+          <a:p>
+            <a:r>
+              <a:rPr lang="en-US" altLang="zh-CN" sz="2800" dirty="0">
+                <a:solidFill>
+                  <a:schemeClr val="tx1">
+                    <a:lumMod val="65000"/>
+                    <a:lumOff val="35000"/>
+                  </a:schemeClr>
+                </a:solidFill>
+              </a:rPr>
+              <a:t>&lt;p v-if</a:t>
+            </a:r>
+            <a:r>
+              <a:rPr lang="en-US" altLang="zh-CN" sz="2800" dirty="0">
+                <a:solidFill>
+                  <a:schemeClr val="tx1">
+                    <a:lumMod val="65000"/>
+                    <a:lumOff val="35000"/>
+                  </a:schemeClr>
+                </a:solidFill>
+              </a:rPr>
+              <a:t>=“true"&gt;</a:t>
+            </a:r>
+            <a:r>
+              <a:rPr lang="en-US" altLang="zh-CN" sz="2800" dirty="0">
+                <a:solidFill>
+                  <a:schemeClr val="tx1">
+                    <a:lumMod val="65000"/>
+                    <a:lumOff val="35000"/>
+                  </a:schemeClr>
+                </a:solidFill>
+              </a:rPr>
+              <a:t>Now you see </a:t>
+            </a:r>
+            <a:r>
+              <a:rPr lang="en-US" altLang="zh-CN" sz="2800" dirty="0">
+                <a:solidFill>
+                  <a:schemeClr val="tx1">
+                    <a:lumMod val="65000"/>
+                    <a:lumOff val="35000"/>
+                  </a:schemeClr>
+                </a:solidFill>
+              </a:rPr>
+              <a:t>me.&lt;/</a:t>
+            </a:r>
+            <a:r>
+              <a:rPr lang="en-US" altLang="zh-CN" sz="2800" dirty="0">
+                <a:solidFill>
+                  <a:schemeClr val="tx1">
+                    <a:lumMod val="65000"/>
+                    <a:lumOff val="35000"/>
+                  </a:schemeClr>
+                </a:solidFill>
+              </a:rPr>
+              <a:t>p</a:t>
+            </a:r>
+            <a:r>
+              <a:rPr lang="en-US" altLang="zh-CN" sz="2800" dirty="0">
+                <a:solidFill>
+                  <a:schemeClr val="tx1">
+                    <a:lumMod val="65000"/>
+                    <a:lumOff val="35000"/>
+                  </a:schemeClr>
+                </a:solidFill>
+              </a:rPr>
+              <a:t>&gt;</a:t>
+            </a:r>
+          </a:p>
+          <a:p>
+            <a:r>
+              <a:rPr lang="en-US" altLang="zh-CN" sz="2800" dirty="0">
+                <a:solidFill>
+                  <a:schemeClr val="tx1">
+                    <a:lumMod val="65000"/>
+                    <a:lumOff val="35000"/>
+                  </a:schemeClr>
+                </a:solidFill>
+              </a:rPr>
+              <a:t>&lt;p </a:t>
+            </a:r>
+            <a:r>
+              <a:rPr lang="en-US" altLang="zh-CN" sz="2800" dirty="0">
+                <a:solidFill>
+                  <a:schemeClr val="tx1">
+                    <a:lumMod val="65000"/>
+                    <a:lumOff val="35000"/>
+                  </a:schemeClr>
+                </a:solidFill>
+              </a:rPr>
+              <a:t>v-else&gt;there is else.&lt;/p&gt;</a:t>
+            </a:r>
+            <a:endParaRPr lang="zh-CN" altLang="en-US" sz="2800" dirty="0">
+              <a:solidFill>
+                <a:schemeClr val="tx1">
+                  <a:lumMod val="65000"/>
+                  <a:lumOff val="35000"/>
+                </a:schemeClr>
+              </a:solidFill>
+            </a:endParaRPr>
+          </a:p>
+        </p:txBody>
+      </p:sp>
+      <p:sp>
+        <p:nvSpPr>
+          <p:cNvPr id="35" name="TextBox 34"/>
+          <p:cNvSpPr txBox="1"/>
+          <p:nvPr/>
+        </p:nvSpPr>
+        <p:spPr>
+          <a:xfrm>
+            <a:off x="590415" y="1346563"/>
+            <a:ext cx="2295890" cy="307777"/>
+          </a:xfrm>
+          <a:prstGeom prst="rect">
+            <a:avLst/>
+          </a:prstGeom>
+          <a:noFill/>
+        </p:spPr>
+        <p:txBody>
+          <a:bodyPr wrap="square" rtlCol="0">
+            <a:spAutoFit/>
+          </a:bodyPr>
+          <a:lstStyle/>
+          <a:p>
+            <a:r>
+              <a:rPr lang="en-US" altLang="zh-CN" sz="1400" dirty="0" smtClean="0">
+                <a:solidFill>
+                  <a:schemeClr val="bg2">
+                    <a:lumMod val="50000"/>
+                  </a:schemeClr>
+                </a:solidFill>
+                <a:latin typeface="微软雅黑" panose="020B0503020204020204" pitchFamily="34" charset="-122"/>
+                <a:ea typeface="微软雅黑" panose="020B0503020204020204" pitchFamily="34" charset="-122"/>
+              </a:rPr>
+              <a:t>##</a:t>
+            </a:r>
+            <a:r>
+              <a:rPr lang="en-US" altLang="zh-CN" sz="1400" dirty="0" smtClean="0">
+                <a:solidFill>
+                  <a:schemeClr val="tx1">
+                    <a:lumMod val="65000"/>
+                    <a:lumOff val="35000"/>
+                  </a:schemeClr>
+                </a:solidFill>
+                <a:latin typeface="微软雅黑" panose="020B0503020204020204" pitchFamily="34" charset="-122"/>
+                <a:ea typeface="微软雅黑" panose="020B0503020204020204" pitchFamily="34" charset="-122"/>
+              </a:rPr>
+              <a:t> v-if/v-else </a:t>
+            </a:r>
+            <a:r>
+              <a:rPr lang="zh-CN" altLang="en-US" sz="1400" dirty="0" smtClean="0">
+                <a:solidFill>
+                  <a:schemeClr val="tx1">
+                    <a:lumMod val="65000"/>
+                    <a:lumOff val="35000"/>
+                  </a:schemeClr>
+                </a:solidFill>
+                <a:latin typeface="微软雅黑" panose="020B0503020204020204" pitchFamily="34" charset="-122"/>
+                <a:ea typeface="微软雅黑" panose="020B0503020204020204" pitchFamily="34" charset="-122"/>
+              </a:rPr>
+              <a:t>条件判断</a:t>
+            </a:r>
+            <a:endParaRPr lang="zh-CN" altLang="en-US" sz="1400" dirty="0">
+              <a:solidFill>
+                <a:schemeClr val="tx1">
+                  <a:lumMod val="65000"/>
+                  <a:lumOff val="35000"/>
+                </a:schemeClr>
+              </a:solidFill>
+              <a:latin typeface="微软雅黑" panose="020B0503020204020204" pitchFamily="34" charset="-122"/>
+              <a:ea typeface="微软雅黑" panose="020B0503020204020204" pitchFamily="34" charset="-122"/>
+            </a:endParaRPr>
+          </a:p>
+        </p:txBody>
+      </p:sp>
+      <p:sp>
+        <p:nvSpPr>
+          <p:cNvPr id="36" name="TextBox 35"/>
+          <p:cNvSpPr txBox="1"/>
+          <p:nvPr/>
+        </p:nvSpPr>
+        <p:spPr>
+          <a:xfrm>
+            <a:off x="651475" y="3297349"/>
+            <a:ext cx="9248781" cy="523220"/>
+          </a:xfrm>
+          <a:prstGeom prst="rect">
+            <a:avLst/>
+          </a:prstGeom>
+          <a:solidFill>
+            <a:schemeClr val="accent6">
+              <a:lumMod val="20000"/>
+              <a:lumOff val="80000"/>
+            </a:schemeClr>
+          </a:solidFill>
+        </p:spPr>
+        <p:txBody>
+          <a:bodyPr wrap="square" rtlCol="0" anchor="ctr">
+            <a:spAutoFit/>
+          </a:bodyPr>
+          <a:lstStyle/>
+          <a:p>
+            <a:r>
+              <a:rPr lang="en-US" altLang="zh-CN" sz="2800" dirty="0">
+                <a:solidFill>
+                  <a:schemeClr val="tx1">
+                    <a:lumMod val="65000"/>
+                    <a:lumOff val="35000"/>
+                  </a:schemeClr>
+                </a:solidFill>
+              </a:rPr>
+              <a:t>&lt;li v-for="item in items</a:t>
+            </a:r>
+            <a:r>
+              <a:rPr lang="en-US" altLang="zh-CN" sz="2800" dirty="0">
+                <a:solidFill>
+                  <a:schemeClr val="tx1">
+                    <a:lumMod val="65000"/>
+                    <a:lumOff val="35000"/>
+                  </a:schemeClr>
+                </a:solidFill>
+              </a:rPr>
+              <a:t>"&gt;{{ </a:t>
+            </a:r>
+            <a:r>
+              <a:rPr lang="en-US" altLang="zh-CN" sz="2800" dirty="0" err="1">
+                <a:solidFill>
+                  <a:schemeClr val="tx1">
+                    <a:lumMod val="65000"/>
+                    <a:lumOff val="35000"/>
+                  </a:schemeClr>
+                </a:solidFill>
+              </a:rPr>
+              <a:t>item.message</a:t>
+            </a:r>
+            <a:r>
+              <a:rPr lang="en-US" altLang="zh-CN" sz="2800" dirty="0">
+                <a:solidFill>
+                  <a:schemeClr val="tx1">
+                    <a:lumMod val="65000"/>
+                    <a:lumOff val="35000"/>
+                  </a:schemeClr>
+                </a:solidFill>
+              </a:rPr>
+              <a:t> </a:t>
+            </a:r>
+            <a:r>
+              <a:rPr lang="en-US" altLang="zh-CN" sz="2800" dirty="0">
+                <a:solidFill>
+                  <a:schemeClr val="tx1">
+                    <a:lumMod val="65000"/>
+                    <a:lumOff val="35000"/>
+                  </a:schemeClr>
+                </a:solidFill>
+              </a:rPr>
+              <a:t>}}&lt;/</a:t>
+            </a:r>
+            <a:r>
+              <a:rPr lang="en-US" altLang="zh-CN" sz="2800" dirty="0">
+                <a:solidFill>
+                  <a:schemeClr val="tx1">
+                    <a:lumMod val="65000"/>
+                    <a:lumOff val="35000"/>
+                  </a:schemeClr>
+                </a:solidFill>
+              </a:rPr>
+              <a:t>li&gt;</a:t>
+            </a:r>
+          </a:p>
+        </p:txBody>
+      </p:sp>
+      <p:sp>
+        <p:nvSpPr>
+          <p:cNvPr id="39" name="TextBox 38"/>
+          <p:cNvSpPr txBox="1"/>
+          <p:nvPr/>
+        </p:nvSpPr>
+        <p:spPr>
+          <a:xfrm>
+            <a:off x="604799" y="2922329"/>
+            <a:ext cx="2295890" cy="307777"/>
+          </a:xfrm>
+          <a:prstGeom prst="rect">
+            <a:avLst/>
+          </a:prstGeom>
+          <a:noFill/>
+        </p:spPr>
+        <p:txBody>
+          <a:bodyPr wrap="square" rtlCol="0">
+            <a:spAutoFit/>
+          </a:bodyPr>
+          <a:lstStyle/>
+          <a:p>
+            <a:r>
+              <a:rPr lang="en-US" altLang="zh-CN" sz="1400" dirty="0" smtClean="0">
+                <a:solidFill>
+                  <a:schemeClr val="bg2">
+                    <a:lumMod val="50000"/>
+                  </a:schemeClr>
+                </a:solidFill>
+                <a:latin typeface="微软雅黑" panose="020B0503020204020204" pitchFamily="34" charset="-122"/>
+                <a:ea typeface="微软雅黑" panose="020B0503020204020204" pitchFamily="34" charset="-122"/>
+              </a:rPr>
+              <a:t>##</a:t>
+            </a:r>
+            <a:r>
+              <a:rPr lang="en-US" altLang="zh-CN" sz="1400" dirty="0" smtClean="0">
+                <a:solidFill>
+                  <a:schemeClr val="tx1">
+                    <a:lumMod val="65000"/>
+                    <a:lumOff val="35000"/>
+                  </a:schemeClr>
+                </a:solidFill>
+                <a:latin typeface="微软雅黑" panose="020B0503020204020204" pitchFamily="34" charset="-122"/>
+                <a:ea typeface="微软雅黑" panose="020B0503020204020204" pitchFamily="34" charset="-122"/>
+              </a:rPr>
+              <a:t> v-for </a:t>
+            </a:r>
+            <a:r>
+              <a:rPr lang="zh-CN" altLang="en-US" sz="1400" dirty="0" smtClean="0">
+                <a:solidFill>
+                  <a:schemeClr val="tx1">
+                    <a:lumMod val="65000"/>
+                    <a:lumOff val="35000"/>
+                  </a:schemeClr>
+                </a:solidFill>
+                <a:latin typeface="微软雅黑" panose="020B0503020204020204" pitchFamily="34" charset="-122"/>
+                <a:ea typeface="微软雅黑" panose="020B0503020204020204" pitchFamily="34" charset="-122"/>
+              </a:rPr>
+              <a:t>列表渲染</a:t>
+            </a:r>
+            <a:endParaRPr lang="zh-CN" altLang="en-US" sz="1400" dirty="0">
+              <a:solidFill>
+                <a:schemeClr val="tx1">
+                  <a:lumMod val="65000"/>
+                  <a:lumOff val="35000"/>
+                </a:schemeClr>
+              </a:solidFill>
+              <a:latin typeface="微软雅黑" panose="020B0503020204020204" pitchFamily="34" charset="-122"/>
+              <a:ea typeface="微软雅黑" panose="020B0503020204020204" pitchFamily="34" charset="-122"/>
+            </a:endParaRPr>
+          </a:p>
+        </p:txBody>
+      </p:sp>
+      <p:sp>
+        <p:nvSpPr>
+          <p:cNvPr id="40" name="TextBox 39"/>
+          <p:cNvSpPr txBox="1"/>
+          <p:nvPr/>
+        </p:nvSpPr>
+        <p:spPr>
+          <a:xfrm>
+            <a:off x="637089" y="4623013"/>
+            <a:ext cx="9248781" cy="523220"/>
+          </a:xfrm>
+          <a:prstGeom prst="rect">
+            <a:avLst/>
+          </a:prstGeom>
+          <a:solidFill>
+            <a:schemeClr val="accent6">
+              <a:lumMod val="20000"/>
+              <a:lumOff val="80000"/>
+            </a:schemeClr>
+          </a:solidFill>
+        </p:spPr>
+        <p:txBody>
+          <a:bodyPr wrap="square" rtlCol="0" anchor="ctr">
+            <a:spAutoFit/>
+          </a:bodyPr>
+          <a:lstStyle/>
+          <a:p>
+            <a:r>
+              <a:rPr lang="en-US" altLang="zh-CN" sz="2800" dirty="0">
+                <a:solidFill>
+                  <a:schemeClr val="tx1">
+                    <a:lumMod val="65000"/>
+                    <a:lumOff val="35000"/>
+                  </a:schemeClr>
+                </a:solidFill>
+              </a:rPr>
+              <a:t>&lt;a </a:t>
+            </a:r>
+            <a:r>
+              <a:rPr lang="en-US" altLang="zh-CN" sz="2800" dirty="0" err="1">
+                <a:solidFill>
+                  <a:schemeClr val="tx1">
+                    <a:lumMod val="65000"/>
+                    <a:lumOff val="35000"/>
+                  </a:schemeClr>
+                </a:solidFill>
+              </a:rPr>
+              <a:t>v-bind:href</a:t>
+            </a:r>
+            <a:r>
+              <a:rPr lang="en-US" altLang="zh-CN" sz="2800" dirty="0">
+                <a:solidFill>
+                  <a:schemeClr val="tx1">
+                    <a:lumMod val="65000"/>
+                    <a:lumOff val="35000"/>
+                  </a:schemeClr>
+                </a:solidFill>
+              </a:rPr>
+              <a:t>="</a:t>
+            </a:r>
+            <a:r>
+              <a:rPr lang="en-US" altLang="zh-CN" sz="2800" dirty="0" err="1">
+                <a:solidFill>
+                  <a:schemeClr val="tx1">
+                    <a:lumMod val="65000"/>
+                    <a:lumOff val="35000"/>
+                  </a:schemeClr>
+                </a:solidFill>
+              </a:rPr>
+              <a:t>url</a:t>
+            </a:r>
+            <a:r>
+              <a:rPr lang="en-US" altLang="zh-CN" sz="2800" dirty="0">
+                <a:solidFill>
+                  <a:schemeClr val="tx1">
+                    <a:lumMod val="65000"/>
+                    <a:lumOff val="35000"/>
+                  </a:schemeClr>
+                </a:solidFill>
+              </a:rPr>
+              <a:t>"&gt;&lt;/a</a:t>
+            </a:r>
+            <a:r>
+              <a:rPr lang="en-US" altLang="zh-CN" sz="2800" dirty="0">
+                <a:solidFill>
+                  <a:schemeClr val="tx1">
+                    <a:lumMod val="65000"/>
+                    <a:lumOff val="35000"/>
+                  </a:schemeClr>
+                </a:solidFill>
+              </a:rPr>
+              <a:t>&gt; </a:t>
+            </a:r>
+            <a:r>
+              <a:rPr lang="en-US" altLang="zh-CN" sz="2800" dirty="0" smtClean="0">
+                <a:solidFill>
+                  <a:schemeClr val="tx1">
+                    <a:lumMod val="65000"/>
+                    <a:lumOff val="35000"/>
+                  </a:schemeClr>
+                </a:solidFill>
+              </a:rPr>
+              <a:t> &lt;</a:t>
+            </a:r>
+            <a:r>
+              <a:rPr lang="en-US" altLang="zh-CN" sz="2800" dirty="0">
+                <a:solidFill>
+                  <a:schemeClr val="tx1">
+                    <a:lumMod val="65000"/>
+                    <a:lumOff val="35000"/>
+                  </a:schemeClr>
+                </a:solidFill>
+              </a:rPr>
+              <a:t>a </a:t>
+            </a:r>
+            <a:r>
+              <a:rPr lang="en-US" altLang="zh-CN" sz="2800" dirty="0">
+                <a:solidFill>
+                  <a:schemeClr val="tx1">
+                    <a:lumMod val="65000"/>
+                    <a:lumOff val="35000"/>
+                  </a:schemeClr>
+                </a:solidFill>
+              </a:rPr>
+              <a:t>:</a:t>
+            </a:r>
+            <a:r>
+              <a:rPr lang="en-US" altLang="zh-CN" sz="2800" dirty="0" err="1">
+                <a:solidFill>
+                  <a:schemeClr val="tx1">
+                    <a:lumMod val="65000"/>
+                    <a:lumOff val="35000"/>
+                  </a:schemeClr>
+                </a:solidFill>
+              </a:rPr>
+              <a:t>href</a:t>
+            </a:r>
+            <a:r>
+              <a:rPr lang="en-US" altLang="zh-CN" sz="2800" dirty="0">
+                <a:solidFill>
+                  <a:schemeClr val="tx1">
+                    <a:lumMod val="65000"/>
+                    <a:lumOff val="35000"/>
+                  </a:schemeClr>
+                </a:solidFill>
+              </a:rPr>
+              <a:t>="</a:t>
+            </a:r>
+            <a:r>
+              <a:rPr lang="en-US" altLang="zh-CN" sz="2800" dirty="0" err="1">
+                <a:solidFill>
+                  <a:schemeClr val="tx1">
+                    <a:lumMod val="65000"/>
+                    <a:lumOff val="35000"/>
+                  </a:schemeClr>
+                </a:solidFill>
+              </a:rPr>
+              <a:t>url</a:t>
+            </a:r>
+            <a:r>
+              <a:rPr lang="en-US" altLang="zh-CN" sz="2800" dirty="0">
+                <a:solidFill>
+                  <a:schemeClr val="tx1">
+                    <a:lumMod val="65000"/>
+                    <a:lumOff val="35000"/>
+                  </a:schemeClr>
+                </a:solidFill>
+              </a:rPr>
+              <a:t>"&gt;&lt;/a</a:t>
+            </a:r>
+            <a:r>
+              <a:rPr lang="en-US" altLang="zh-CN" sz="2800" dirty="0">
+                <a:solidFill>
+                  <a:schemeClr val="tx1">
+                    <a:lumMod val="65000"/>
+                    <a:lumOff val="35000"/>
+                  </a:schemeClr>
+                </a:solidFill>
+              </a:rPr>
+              <a:t>&gt;</a:t>
+            </a:r>
+            <a:endParaRPr lang="zh-CN" altLang="en-US" sz="2800" dirty="0">
+              <a:solidFill>
+                <a:schemeClr val="tx1">
+                  <a:lumMod val="65000"/>
+                  <a:lumOff val="35000"/>
+                </a:schemeClr>
+              </a:solidFill>
+            </a:endParaRPr>
+          </a:p>
+        </p:txBody>
+      </p:sp>
+      <p:sp>
+        <p:nvSpPr>
+          <p:cNvPr id="41" name="TextBox 40"/>
+          <p:cNvSpPr txBox="1"/>
+          <p:nvPr/>
+        </p:nvSpPr>
+        <p:spPr>
+          <a:xfrm>
+            <a:off x="590413" y="4216313"/>
+            <a:ext cx="5655111" cy="307777"/>
+          </a:xfrm>
+          <a:prstGeom prst="rect">
+            <a:avLst/>
+          </a:prstGeom>
+          <a:noFill/>
+        </p:spPr>
+        <p:txBody>
+          <a:bodyPr wrap="square" rtlCol="0">
+            <a:spAutoFit/>
+          </a:bodyPr>
+          <a:lstStyle/>
+          <a:p>
+            <a:r>
+              <a:rPr lang="en-US" altLang="zh-CN" sz="1400" dirty="0" smtClean="0">
+                <a:solidFill>
+                  <a:schemeClr val="bg2">
+                    <a:lumMod val="50000"/>
+                  </a:schemeClr>
+                </a:solidFill>
+                <a:latin typeface="微软雅黑" panose="020B0503020204020204" pitchFamily="34" charset="-122"/>
+                <a:ea typeface="微软雅黑" panose="020B0503020204020204" pitchFamily="34" charset="-122"/>
+              </a:rPr>
+              <a:t>##</a:t>
+            </a:r>
+            <a:r>
+              <a:rPr lang="en-US" altLang="zh-CN" sz="1400" dirty="0" smtClean="0">
+                <a:solidFill>
+                  <a:schemeClr val="tx1">
+                    <a:lumMod val="65000"/>
+                    <a:lumOff val="35000"/>
+                  </a:schemeClr>
+                </a:solidFill>
+                <a:latin typeface="微软雅黑" panose="020B0503020204020204" pitchFamily="34" charset="-122"/>
+                <a:ea typeface="微软雅黑" panose="020B0503020204020204" pitchFamily="34" charset="-122"/>
+              </a:rPr>
+              <a:t> v-bind </a:t>
+            </a:r>
+            <a:r>
+              <a:rPr lang="zh-CN" altLang="en-US" sz="1400" dirty="0" smtClean="0">
+                <a:solidFill>
+                  <a:schemeClr val="tx1">
+                    <a:lumMod val="65000"/>
+                    <a:lumOff val="35000"/>
+                  </a:schemeClr>
+                </a:solidFill>
+                <a:latin typeface="微软雅黑" panose="020B0503020204020204" pitchFamily="34" charset="-122"/>
+                <a:ea typeface="微软雅黑" panose="020B0503020204020204" pitchFamily="34" charset="-122"/>
+              </a:rPr>
+              <a:t>属性绑定（缩写 ：）</a:t>
+            </a:r>
+            <a:endParaRPr lang="zh-CN" altLang="en-US" sz="1400" dirty="0">
+              <a:solidFill>
+                <a:schemeClr val="tx1">
+                  <a:lumMod val="65000"/>
+                  <a:lumOff val="35000"/>
+                </a:schemeClr>
+              </a:solidFill>
+              <a:latin typeface="微软雅黑" panose="020B0503020204020204" pitchFamily="34" charset="-122"/>
+              <a:ea typeface="微软雅黑" panose="020B0503020204020204" pitchFamily="34" charset="-122"/>
+            </a:endParaRPr>
+          </a:p>
+        </p:txBody>
+      </p:sp>
+      <p:sp>
+        <p:nvSpPr>
+          <p:cNvPr id="42" name="TextBox 41"/>
+          <p:cNvSpPr txBox="1"/>
+          <p:nvPr/>
+        </p:nvSpPr>
+        <p:spPr>
+          <a:xfrm>
+            <a:off x="642847" y="5983053"/>
+            <a:ext cx="9248781" cy="523220"/>
+          </a:xfrm>
+          <a:prstGeom prst="rect">
+            <a:avLst/>
+          </a:prstGeom>
+          <a:solidFill>
+            <a:schemeClr val="accent6">
+              <a:lumMod val="20000"/>
+              <a:lumOff val="80000"/>
+            </a:schemeClr>
+          </a:solidFill>
+        </p:spPr>
+        <p:txBody>
+          <a:bodyPr wrap="square" rtlCol="0" anchor="ctr">
+            <a:spAutoFit/>
+          </a:bodyPr>
+          <a:lstStyle/>
+          <a:p>
+            <a:r>
+              <a:rPr lang="en-US" altLang="zh-CN" sz="2800" dirty="0">
+                <a:solidFill>
+                  <a:schemeClr val="tx1">
+                    <a:lumMod val="65000"/>
+                    <a:lumOff val="35000"/>
+                  </a:schemeClr>
+                </a:solidFill>
+              </a:rPr>
+              <a:t>&lt;a </a:t>
+            </a:r>
+            <a:r>
+              <a:rPr lang="en-US" altLang="zh-CN" sz="2800" dirty="0" err="1">
+                <a:solidFill>
+                  <a:schemeClr val="tx1">
+                    <a:lumMod val="65000"/>
+                    <a:lumOff val="35000"/>
+                  </a:schemeClr>
+                </a:solidFill>
+              </a:rPr>
+              <a:t>v-on:click</a:t>
+            </a:r>
+            <a:r>
+              <a:rPr lang="en-US" altLang="zh-CN" sz="2800" dirty="0">
+                <a:solidFill>
+                  <a:schemeClr val="tx1">
+                    <a:lumMod val="65000"/>
+                    <a:lumOff val="35000"/>
+                  </a:schemeClr>
+                </a:solidFill>
+              </a:rPr>
+              <a:t>="</a:t>
+            </a:r>
+            <a:r>
+              <a:rPr lang="en-US" altLang="zh-CN" sz="2800" dirty="0" err="1">
+                <a:solidFill>
+                  <a:schemeClr val="tx1">
+                    <a:lumMod val="65000"/>
+                    <a:lumOff val="35000"/>
+                  </a:schemeClr>
+                </a:solidFill>
+              </a:rPr>
+              <a:t>doSth</a:t>
+            </a:r>
+            <a:r>
+              <a:rPr lang="en-US" altLang="zh-CN" sz="2800" dirty="0">
+                <a:solidFill>
+                  <a:schemeClr val="tx1">
+                    <a:lumMod val="65000"/>
+                    <a:lumOff val="35000"/>
+                  </a:schemeClr>
+                </a:solidFill>
+              </a:rPr>
+              <a:t>"&gt;&lt;/</a:t>
+            </a:r>
+            <a:r>
+              <a:rPr lang="en-US" altLang="zh-CN" sz="2800" dirty="0">
+                <a:solidFill>
+                  <a:schemeClr val="tx1">
+                    <a:lumMod val="65000"/>
+                    <a:lumOff val="35000"/>
+                  </a:schemeClr>
+                </a:solidFill>
+              </a:rPr>
+              <a:t>a</a:t>
+            </a:r>
+            <a:r>
+              <a:rPr lang="en-US" altLang="zh-CN" sz="2800" dirty="0" smtClean="0">
+                <a:solidFill>
+                  <a:schemeClr val="tx1">
+                    <a:lumMod val="65000"/>
+                    <a:lumOff val="35000"/>
+                  </a:schemeClr>
+                </a:solidFill>
+              </a:rPr>
+              <a:t>&gt;  &lt;</a:t>
+            </a:r>
+            <a:r>
+              <a:rPr lang="en-US" altLang="zh-CN" sz="2800" dirty="0">
+                <a:solidFill>
+                  <a:schemeClr val="tx1">
+                    <a:lumMod val="65000"/>
+                    <a:lumOff val="35000"/>
+                  </a:schemeClr>
+                </a:solidFill>
+              </a:rPr>
+              <a:t>a </a:t>
+            </a:r>
+            <a:r>
+              <a:rPr lang="en-US" altLang="zh-CN" sz="2800" dirty="0" smtClean="0">
+                <a:solidFill>
+                  <a:schemeClr val="tx1">
+                    <a:lumMod val="65000"/>
+                    <a:lumOff val="35000"/>
+                  </a:schemeClr>
+                </a:solidFill>
+              </a:rPr>
+              <a:t>@click</a:t>
+            </a:r>
+            <a:r>
+              <a:rPr lang="en-US" altLang="zh-CN" sz="2800" dirty="0">
+                <a:solidFill>
+                  <a:schemeClr val="tx1">
+                    <a:lumMod val="65000"/>
+                    <a:lumOff val="35000"/>
+                  </a:schemeClr>
+                </a:solidFill>
+              </a:rPr>
+              <a:t>="</a:t>
+            </a:r>
+            <a:r>
+              <a:rPr lang="en-US" altLang="zh-CN" sz="2800" dirty="0" err="1">
+                <a:solidFill>
+                  <a:schemeClr val="tx1">
+                    <a:lumMod val="65000"/>
+                    <a:lumOff val="35000"/>
+                  </a:schemeClr>
+                </a:solidFill>
+              </a:rPr>
+              <a:t>doSth</a:t>
+            </a:r>
+            <a:r>
+              <a:rPr lang="en-US" altLang="zh-CN" sz="2800" dirty="0">
+                <a:solidFill>
+                  <a:schemeClr val="tx1">
+                    <a:lumMod val="65000"/>
+                    <a:lumOff val="35000"/>
+                  </a:schemeClr>
+                </a:solidFill>
+              </a:rPr>
+              <a:t>"&gt;&lt;/</a:t>
+            </a:r>
+            <a:r>
+              <a:rPr lang="en-US" altLang="zh-CN" sz="2800" dirty="0">
+                <a:solidFill>
+                  <a:schemeClr val="tx1">
+                    <a:lumMod val="65000"/>
+                    <a:lumOff val="35000"/>
+                  </a:schemeClr>
+                </a:solidFill>
+              </a:rPr>
+              <a:t>a&gt;</a:t>
+            </a:r>
+            <a:endParaRPr lang="zh-CN" altLang="en-US" sz="2800" dirty="0">
+              <a:solidFill>
+                <a:schemeClr val="tx1">
+                  <a:lumMod val="65000"/>
+                  <a:lumOff val="35000"/>
+                </a:schemeClr>
+              </a:solidFill>
+            </a:endParaRPr>
+          </a:p>
+        </p:txBody>
+      </p:sp>
+      <p:sp>
+        <p:nvSpPr>
+          <p:cNvPr id="43" name="TextBox 42"/>
+          <p:cNvSpPr txBox="1"/>
+          <p:nvPr/>
+        </p:nvSpPr>
+        <p:spPr>
+          <a:xfrm>
+            <a:off x="596171" y="5550475"/>
+            <a:ext cx="5778749" cy="307777"/>
+          </a:xfrm>
+          <a:prstGeom prst="rect">
+            <a:avLst/>
+          </a:prstGeom>
+          <a:noFill/>
+        </p:spPr>
+        <p:txBody>
+          <a:bodyPr wrap="square" rtlCol="0">
+            <a:spAutoFit/>
+          </a:bodyPr>
+          <a:lstStyle/>
+          <a:p>
+            <a:r>
+              <a:rPr lang="en-US" altLang="zh-CN" sz="1400" dirty="0" smtClean="0">
+                <a:solidFill>
+                  <a:schemeClr val="bg2">
+                    <a:lumMod val="50000"/>
+                  </a:schemeClr>
+                </a:solidFill>
+                <a:latin typeface="微软雅黑" panose="020B0503020204020204" pitchFamily="34" charset="-122"/>
+                <a:ea typeface="微软雅黑" panose="020B0503020204020204" pitchFamily="34" charset="-122"/>
+              </a:rPr>
+              <a:t>##</a:t>
+            </a:r>
+            <a:r>
+              <a:rPr lang="en-US" altLang="zh-CN" sz="1400" dirty="0" smtClean="0">
+                <a:solidFill>
+                  <a:schemeClr val="tx1">
+                    <a:lumMod val="65000"/>
+                    <a:lumOff val="35000"/>
+                  </a:schemeClr>
+                </a:solidFill>
+                <a:latin typeface="微软雅黑" panose="020B0503020204020204" pitchFamily="34" charset="-122"/>
+                <a:ea typeface="微软雅黑" panose="020B0503020204020204" pitchFamily="34" charset="-122"/>
+              </a:rPr>
+              <a:t> v-on Dom</a:t>
+            </a:r>
+            <a:r>
+              <a:rPr lang="zh-CN" altLang="en-US" sz="1400" dirty="0">
+                <a:solidFill>
+                  <a:schemeClr val="tx1">
+                    <a:lumMod val="65000"/>
+                    <a:lumOff val="35000"/>
+                  </a:schemeClr>
+                </a:solidFill>
+                <a:latin typeface="微软雅黑" panose="020B0503020204020204" pitchFamily="34" charset="-122"/>
+                <a:ea typeface="微软雅黑" panose="020B0503020204020204" pitchFamily="34" charset="-122"/>
+              </a:rPr>
+              <a:t> </a:t>
+            </a:r>
+            <a:r>
+              <a:rPr lang="zh-CN" altLang="en-US" sz="1400" dirty="0" smtClean="0">
+                <a:solidFill>
+                  <a:schemeClr val="tx1">
+                    <a:lumMod val="65000"/>
+                    <a:lumOff val="35000"/>
+                  </a:schemeClr>
+                </a:solidFill>
+                <a:latin typeface="微软雅黑" panose="020B0503020204020204" pitchFamily="34" charset="-122"/>
+                <a:ea typeface="微软雅黑" panose="020B0503020204020204" pitchFamily="34" charset="-122"/>
+              </a:rPr>
+              <a:t>事件监听</a:t>
+            </a:r>
+            <a:r>
+              <a:rPr lang="zh-CN" altLang="en-US" sz="1400" dirty="0">
+                <a:solidFill>
+                  <a:schemeClr val="tx1">
+                    <a:lumMod val="65000"/>
+                    <a:lumOff val="35000"/>
+                  </a:schemeClr>
+                </a:solidFill>
+                <a:latin typeface="微软雅黑" panose="020B0503020204020204" pitchFamily="34" charset="-122"/>
+                <a:ea typeface="微软雅黑" panose="020B0503020204020204" pitchFamily="34" charset="-122"/>
+              </a:rPr>
+              <a:t>（缩写 </a:t>
+            </a:r>
+            <a:r>
+              <a:rPr lang="en-US" altLang="zh-CN" sz="1400" dirty="0" smtClean="0">
+                <a:solidFill>
+                  <a:schemeClr val="tx1">
+                    <a:lumMod val="65000"/>
+                    <a:lumOff val="35000"/>
+                  </a:schemeClr>
+                </a:solidFill>
+                <a:latin typeface="微软雅黑" panose="020B0503020204020204" pitchFamily="34" charset="-122"/>
+                <a:ea typeface="微软雅黑" panose="020B0503020204020204" pitchFamily="34" charset="-122"/>
+              </a:rPr>
+              <a:t>@</a:t>
+            </a:r>
+            <a:r>
+              <a:rPr lang="zh-CN" altLang="en-US" sz="1400" dirty="0" smtClean="0">
+                <a:solidFill>
+                  <a:schemeClr val="tx1">
+                    <a:lumMod val="65000"/>
+                    <a:lumOff val="35000"/>
+                  </a:schemeClr>
+                </a:solidFill>
+                <a:latin typeface="微软雅黑" panose="020B0503020204020204" pitchFamily="34" charset="-122"/>
+                <a:ea typeface="微软雅黑" panose="020B0503020204020204" pitchFamily="34" charset="-122"/>
+              </a:rPr>
+              <a:t>）</a:t>
+            </a:r>
+            <a:endParaRPr lang="zh-CN" altLang="en-US" sz="1400" dirty="0">
+              <a:solidFill>
+                <a:schemeClr val="tx1">
+                  <a:lumMod val="65000"/>
+                  <a:lumOff val="35000"/>
+                </a:schemeClr>
+              </a:solidFill>
+              <a:latin typeface="微软雅黑" panose="020B0503020204020204" pitchFamily="34" charset="-122"/>
+              <a:ea typeface="微软雅黑" panose="020B0503020204020204" pitchFamily="34" charset="-122"/>
+            </a:endParaRPr>
+          </a:p>
+        </p:txBody>
+      </p:sp>
     </p:spTree>
     <p:extLst>
       <p:ext uri="{BB962C8B-B14F-4D97-AF65-F5344CB8AC3E}">
-        <p14:creationId xmlns:p14="http://schemas.microsoft.com/office/powerpoint/2010/main" val="2044832661"/>
+        <p14:creationId xmlns:p14="http://schemas.microsoft.com/office/powerpoint/2010/main" val="161536472"/>
       </p:ext>
     </p:extLst>
   </p:cSld>
@@ -14004,7 +19395,9 @@
           <a:lstStyle/>
           <a:p>
             <a:pPr algn="ctr"/>
-            <a:endParaRPr lang="zh-CN" altLang="en-US"/>
+            <a:endParaRPr lang="zh-CN" altLang="en-US" dirty="0">
+              <a:ea typeface="微软雅黑" panose="020B0503020204020204" pitchFamily="34" charset="-122"/>
+            </a:endParaRPr>
           </a:p>
         </p:txBody>
       </p:sp>
@@ -14053,7 +19446,9 @@
           <a:lstStyle/>
           <a:p>
             <a:pPr algn="ctr"/>
-            <a:endParaRPr lang="zh-CN" altLang="en-US"/>
+            <a:endParaRPr lang="zh-CN" altLang="en-US" dirty="0">
+              <a:ea typeface="微软雅黑" panose="020B0503020204020204" pitchFamily="34" charset="-122"/>
+            </a:endParaRPr>
           </a:p>
         </p:txBody>
       </p:sp>
@@ -14102,7 +19497,9 @@
           <a:lstStyle/>
           <a:p>
             <a:pPr algn="ctr"/>
-            <a:endParaRPr lang="zh-CN" altLang="en-US"/>
+            <a:endParaRPr lang="zh-CN" altLang="en-US" dirty="0">
+              <a:ea typeface="微软雅黑" panose="020B0503020204020204" pitchFamily="34" charset="-122"/>
+            </a:endParaRPr>
           </a:p>
         </p:txBody>
       </p:sp>
@@ -14150,7 +19547,9 @@
           <a:lstStyle/>
           <a:p>
             <a:pPr algn="ctr"/>
-            <a:endParaRPr lang="zh-CN" altLang="en-US"/>
+            <a:endParaRPr lang="zh-CN" altLang="en-US" dirty="0">
+              <a:ea typeface="微软雅黑" panose="020B0503020204020204" pitchFamily="34" charset="-122"/>
+            </a:endParaRPr>
           </a:p>
         </p:txBody>
       </p:sp>
@@ -14198,7 +19597,9 @@
           <a:lstStyle/>
           <a:p>
             <a:pPr algn="ctr"/>
-            <a:endParaRPr lang="zh-CN" altLang="en-US"/>
+            <a:endParaRPr lang="zh-CN" altLang="en-US" dirty="0">
+              <a:ea typeface="微软雅黑" panose="020B0503020204020204" pitchFamily="34" charset="-122"/>
+            </a:endParaRPr>
           </a:p>
         </p:txBody>
       </p:sp>
@@ -14247,7 +19648,9 @@
           <a:lstStyle/>
           <a:p>
             <a:pPr algn="ctr"/>
-            <a:endParaRPr lang="zh-CN" altLang="en-US"/>
+            <a:endParaRPr lang="zh-CN" altLang="en-US" dirty="0">
+              <a:ea typeface="微软雅黑" panose="020B0503020204020204" pitchFamily="34" charset="-122"/>
+            </a:endParaRPr>
           </a:p>
         </p:txBody>
       </p:sp>
@@ -14295,7 +19698,9 @@
           <a:lstStyle/>
           <a:p>
             <a:pPr algn="ctr"/>
-            <a:endParaRPr lang="zh-CN" altLang="en-US"/>
+            <a:endParaRPr lang="zh-CN" altLang="en-US" dirty="0">
+              <a:ea typeface="微软雅黑" panose="020B0503020204020204" pitchFamily="34" charset="-122"/>
+            </a:endParaRPr>
           </a:p>
         </p:txBody>
       </p:sp>
@@ -14344,7 +19749,9 @@
           <a:lstStyle/>
           <a:p>
             <a:pPr algn="ctr"/>
-            <a:endParaRPr lang="zh-CN" altLang="en-US"/>
+            <a:endParaRPr lang="zh-CN" altLang="en-US" dirty="0">
+              <a:ea typeface="微软雅黑" panose="020B0503020204020204" pitchFamily="34" charset="-122"/>
+            </a:endParaRPr>
           </a:p>
         </p:txBody>
       </p:sp>
@@ -14392,7 +19799,9 @@
           <a:lstStyle/>
           <a:p>
             <a:pPr algn="ctr"/>
-            <a:endParaRPr lang="zh-CN" altLang="en-US"/>
+            <a:endParaRPr lang="zh-CN" altLang="en-US" dirty="0">
+              <a:ea typeface="微软雅黑" panose="020B0503020204020204" pitchFamily="34" charset="-122"/>
+            </a:endParaRPr>
           </a:p>
         </p:txBody>
       </p:sp>
@@ -14441,7 +19850,9 @@
           <a:lstStyle/>
           <a:p>
             <a:pPr algn="ctr"/>
-            <a:endParaRPr lang="zh-CN" altLang="en-US"/>
+            <a:endParaRPr lang="zh-CN" altLang="en-US" dirty="0">
+              <a:ea typeface="微软雅黑" panose="020B0503020204020204" pitchFamily="34" charset="-122"/>
+            </a:endParaRPr>
           </a:p>
         </p:txBody>
       </p:sp>
@@ -14490,7 +19901,9 @@
           <a:lstStyle/>
           <a:p>
             <a:pPr algn="ctr"/>
-            <a:endParaRPr lang="zh-CN" altLang="en-US"/>
+            <a:endParaRPr lang="zh-CN" altLang="en-US" dirty="0">
+              <a:ea typeface="微软雅黑" panose="020B0503020204020204" pitchFamily="34" charset="-122"/>
+            </a:endParaRPr>
           </a:p>
         </p:txBody>
       </p:sp>
@@ -14539,7 +19952,9 @@
           <a:lstStyle/>
           <a:p>
             <a:pPr algn="ctr"/>
-            <a:endParaRPr lang="zh-CN" altLang="en-US"/>
+            <a:endParaRPr lang="zh-CN" altLang="en-US" dirty="0">
+              <a:ea typeface="微软雅黑" panose="020B0503020204020204" pitchFamily="34" charset="-122"/>
+            </a:endParaRPr>
           </a:p>
         </p:txBody>
       </p:sp>
@@ -14588,7 +20003,9 @@
           <a:lstStyle/>
           <a:p>
             <a:pPr algn="ctr"/>
-            <a:endParaRPr lang="zh-CN" altLang="en-US"/>
+            <a:endParaRPr lang="zh-CN" altLang="en-US" dirty="0">
+              <a:ea typeface="微软雅黑" panose="020B0503020204020204" pitchFamily="34" charset="-122"/>
+            </a:endParaRPr>
           </a:p>
         </p:txBody>
       </p:sp>
@@ -14636,7 +20053,9 @@
           <a:lstStyle/>
           <a:p>
             <a:pPr algn="ctr"/>
-            <a:endParaRPr lang="zh-CN" altLang="en-US"/>
+            <a:endParaRPr lang="zh-CN" altLang="en-US" dirty="0">
+              <a:ea typeface="微软雅黑" panose="020B0503020204020204" pitchFamily="34" charset="-122"/>
+            </a:endParaRPr>
           </a:p>
         </p:txBody>
       </p:sp>
@@ -14685,7 +20104,9 @@
           <a:lstStyle/>
           <a:p>
             <a:pPr algn="ctr"/>
-            <a:endParaRPr lang="zh-CN" altLang="en-US"/>
+            <a:endParaRPr lang="zh-CN" altLang="en-US" dirty="0">
+              <a:ea typeface="微软雅黑" panose="020B0503020204020204" pitchFamily="34" charset="-122"/>
+            </a:endParaRPr>
           </a:p>
         </p:txBody>
       </p:sp>
@@ -14734,7 +20155,9 @@
           <a:lstStyle/>
           <a:p>
             <a:pPr algn="ctr"/>
-            <a:endParaRPr lang="zh-CN" altLang="en-US"/>
+            <a:endParaRPr lang="zh-CN" altLang="en-US" dirty="0">
+              <a:ea typeface="微软雅黑" panose="020B0503020204020204" pitchFamily="34" charset="-122"/>
+            </a:endParaRPr>
           </a:p>
         </p:txBody>
       </p:sp>
@@ -14761,7 +20184,7 @@
           <a:lstStyle/>
           <a:p>
             <a:r>
-              <a:rPr lang="en-US" altLang="zh-CN" dirty="0" smtClean="0">
+              <a:rPr lang="zh-CN" altLang="en-US" dirty="0" smtClean="0">
                 <a:solidFill>
                   <a:schemeClr val="bg1">
                     <a:lumMod val="50000"/>
@@ -14770,7 +20193,7 @@
                 <a:latin typeface="微软雅黑" panose="020B0503020204020204" pitchFamily="34" charset="-122"/>
                 <a:ea typeface="微软雅黑" panose="020B0503020204020204" pitchFamily="34" charset="-122"/>
               </a:rPr>
-              <a:t>Hello World!</a:t>
+              <a:t>模板语法</a:t>
             </a:r>
             <a:endParaRPr lang="zh-CN" altLang="en-US" dirty="0">
               <a:solidFill>
@@ -14957,10 +20380,742 @@
           </a:fontRef>
         </p:style>
       </p:cxnSp>
+      <p:sp>
+        <p:nvSpPr>
+          <p:cNvPr id="2" name="TextBox 1"/>
+          <p:cNvSpPr txBox="1"/>
+          <p:nvPr/>
+        </p:nvSpPr>
+        <p:spPr>
+          <a:xfrm>
+            <a:off x="590415" y="917400"/>
+            <a:ext cx="2295890" cy="338554"/>
+          </a:xfrm>
+          <a:prstGeom prst="rect">
+            <a:avLst/>
+          </a:prstGeom>
+          <a:noFill/>
+        </p:spPr>
+        <p:txBody>
+          <a:bodyPr wrap="square" rtlCol="0">
+            <a:spAutoFit/>
+          </a:bodyPr>
+          <a:lstStyle/>
+          <a:p>
+            <a:r>
+              <a:rPr lang="en-US" altLang="zh-CN" sz="1600" dirty="0">
+                <a:solidFill>
+                  <a:schemeClr val="bg2">
+                    <a:lumMod val="50000"/>
+                  </a:schemeClr>
+                </a:solidFill>
+                <a:latin typeface="微软雅黑" panose="020B0503020204020204" pitchFamily="34" charset="-122"/>
+                <a:ea typeface="微软雅黑" panose="020B0503020204020204" pitchFamily="34" charset="-122"/>
+              </a:rPr>
+              <a:t>#</a:t>
+            </a:r>
+            <a:r>
+              <a:rPr lang="en-US" altLang="zh-CN" sz="1600" dirty="0">
+                <a:solidFill>
+                  <a:schemeClr val="tx1">
+                    <a:lumMod val="65000"/>
+                    <a:lumOff val="35000"/>
+                  </a:schemeClr>
+                </a:solidFill>
+                <a:latin typeface="微软雅黑" panose="020B0503020204020204" pitchFamily="34" charset="-122"/>
+                <a:ea typeface="微软雅黑" panose="020B0503020204020204" pitchFamily="34" charset="-122"/>
+              </a:rPr>
+              <a:t> </a:t>
+            </a:r>
+            <a:r>
+              <a:rPr lang="zh-CN" altLang="en-US" sz="1600" dirty="0">
+                <a:solidFill>
+                  <a:schemeClr val="tx1">
+                    <a:lumMod val="65000"/>
+                    <a:lumOff val="35000"/>
+                  </a:schemeClr>
+                </a:solidFill>
+                <a:latin typeface="微软雅黑" panose="020B0503020204020204" pitchFamily="34" charset="-122"/>
+                <a:ea typeface="微软雅黑" panose="020B0503020204020204" pitchFamily="34" charset="-122"/>
+              </a:rPr>
+              <a:t>过滤器</a:t>
+            </a:r>
+            <a:endParaRPr lang="zh-CN" altLang="en-US" sz="1600" dirty="0">
+              <a:solidFill>
+                <a:schemeClr val="tx1">
+                  <a:lumMod val="65000"/>
+                  <a:lumOff val="35000"/>
+                </a:schemeClr>
+              </a:solidFill>
+              <a:latin typeface="微软雅黑" panose="020B0503020204020204" pitchFamily="34" charset="-122"/>
+              <a:ea typeface="微软雅黑" panose="020B0503020204020204" pitchFamily="34" charset="-122"/>
+            </a:endParaRPr>
+          </a:p>
+        </p:txBody>
+      </p:sp>
+      <p:sp>
+        <p:nvSpPr>
+          <p:cNvPr id="36" name="TextBox 35"/>
+          <p:cNvSpPr txBox="1"/>
+          <p:nvPr/>
+        </p:nvSpPr>
+        <p:spPr>
+          <a:xfrm>
+            <a:off x="590415" y="3042543"/>
+            <a:ext cx="5013210" cy="2677656"/>
+          </a:xfrm>
+          <a:prstGeom prst="rect">
+            <a:avLst/>
+          </a:prstGeom>
+          <a:solidFill>
+            <a:schemeClr val="accent6">
+              <a:lumMod val="20000"/>
+              <a:lumOff val="80000"/>
+            </a:schemeClr>
+          </a:solidFill>
+        </p:spPr>
+        <p:txBody>
+          <a:bodyPr wrap="square" rtlCol="0" anchor="ctr">
+            <a:spAutoFit/>
+          </a:bodyPr>
+          <a:lstStyle/>
+          <a:p>
+            <a:r>
+              <a:rPr lang="en-US" altLang="zh-CN" sz="2400" dirty="0">
+                <a:solidFill>
+                  <a:schemeClr val="tx1">
+                    <a:lumMod val="65000"/>
+                    <a:lumOff val="35000"/>
+                  </a:schemeClr>
+                </a:solidFill>
+              </a:rPr>
+              <a:t>&lt;!-- </a:t>
+            </a:r>
+            <a:r>
+              <a:rPr lang="en-US" altLang="zh-CN" sz="2400" dirty="0">
+                <a:solidFill>
+                  <a:schemeClr val="tx1">
+                    <a:lumMod val="65000"/>
+                    <a:lumOff val="35000"/>
+                  </a:schemeClr>
+                </a:solidFill>
+              </a:rPr>
+              <a:t>in mustaches --&gt;</a:t>
+            </a:r>
+          </a:p>
+          <a:p>
+            <a:r>
+              <a:rPr lang="en-US" altLang="zh-CN" sz="2400" dirty="0">
+                <a:solidFill>
+                  <a:schemeClr val="tx1">
+                    <a:lumMod val="65000"/>
+                    <a:lumOff val="35000"/>
+                  </a:schemeClr>
+                </a:solidFill>
+              </a:rPr>
+              <a:t>{{ message | </a:t>
+            </a:r>
+            <a:r>
+              <a:rPr lang="en-US" altLang="zh-CN" sz="2400" dirty="0" err="1">
+                <a:solidFill>
+                  <a:schemeClr val="tx1">
+                    <a:lumMod val="65000"/>
+                    <a:lumOff val="35000"/>
+                  </a:schemeClr>
+                </a:solidFill>
+              </a:rPr>
+              <a:t>filterA</a:t>
+            </a:r>
+            <a:r>
+              <a:rPr lang="en-US" altLang="zh-CN" sz="2400" dirty="0">
+                <a:solidFill>
+                  <a:schemeClr val="tx1">
+                    <a:lumMod val="65000"/>
+                    <a:lumOff val="35000"/>
+                  </a:schemeClr>
+                </a:solidFill>
+              </a:rPr>
+              <a:t> </a:t>
+            </a:r>
+            <a:r>
+              <a:rPr lang="en-US" altLang="zh-CN" sz="2400" dirty="0" smtClean="0">
+                <a:solidFill>
+                  <a:schemeClr val="tx1">
+                    <a:lumMod val="65000"/>
+                    <a:lumOff val="35000"/>
+                  </a:schemeClr>
+                </a:solidFill>
+              </a:rPr>
+              <a:t>}}</a:t>
+            </a:r>
+          </a:p>
+          <a:p>
+            <a:r>
+              <a:rPr lang="en-US" altLang="zh-CN" sz="2400" dirty="0">
+                <a:solidFill>
+                  <a:schemeClr val="tx1">
+                    <a:lumMod val="65000"/>
+                    <a:lumOff val="35000"/>
+                  </a:schemeClr>
+                </a:solidFill>
+              </a:rPr>
+              <a:t>{{ message | </a:t>
+            </a:r>
+            <a:r>
+              <a:rPr lang="en-US" altLang="zh-CN" sz="2400" dirty="0" err="1">
+                <a:solidFill>
+                  <a:schemeClr val="tx1">
+                    <a:lumMod val="65000"/>
+                    <a:lumOff val="35000"/>
+                  </a:schemeClr>
+                </a:solidFill>
+              </a:rPr>
+              <a:t>filterA</a:t>
+            </a:r>
+            <a:r>
+              <a:rPr lang="en-US" altLang="zh-CN" sz="2400" dirty="0">
+                <a:solidFill>
+                  <a:schemeClr val="tx1">
+                    <a:lumMod val="65000"/>
+                    <a:lumOff val="35000"/>
+                  </a:schemeClr>
+                </a:solidFill>
+              </a:rPr>
+              <a:t> | </a:t>
+            </a:r>
+            <a:r>
+              <a:rPr lang="en-US" altLang="zh-CN" sz="2400" dirty="0" err="1">
+                <a:solidFill>
+                  <a:schemeClr val="tx1">
+                    <a:lumMod val="65000"/>
+                    <a:lumOff val="35000"/>
+                  </a:schemeClr>
+                </a:solidFill>
+              </a:rPr>
+              <a:t>filterB</a:t>
+            </a:r>
+            <a:r>
+              <a:rPr lang="en-US" altLang="zh-CN" sz="2400" dirty="0">
+                <a:solidFill>
+                  <a:schemeClr val="tx1">
+                    <a:lumMod val="65000"/>
+                    <a:lumOff val="35000"/>
+                  </a:schemeClr>
+                </a:solidFill>
+              </a:rPr>
+              <a:t> </a:t>
+            </a:r>
+            <a:r>
+              <a:rPr lang="en-US" altLang="zh-CN" sz="2400" dirty="0">
+                <a:solidFill>
+                  <a:schemeClr val="tx1">
+                    <a:lumMod val="65000"/>
+                    <a:lumOff val="35000"/>
+                  </a:schemeClr>
+                </a:solidFill>
+              </a:rPr>
+              <a:t>}}</a:t>
+            </a:r>
+          </a:p>
+          <a:p>
+            <a:r>
+              <a:rPr lang="en-US" altLang="zh-CN" sz="2400" dirty="0">
+                <a:solidFill>
+                  <a:schemeClr val="tx1">
+                    <a:lumMod val="65000"/>
+                    <a:lumOff val="35000"/>
+                  </a:schemeClr>
+                </a:solidFill>
+              </a:rPr>
+              <a:t>{{ message | </a:t>
+            </a:r>
+            <a:r>
+              <a:rPr lang="en-US" altLang="zh-CN" sz="2400" dirty="0" err="1">
+                <a:solidFill>
+                  <a:schemeClr val="tx1">
+                    <a:lumMod val="65000"/>
+                    <a:lumOff val="35000"/>
+                  </a:schemeClr>
+                </a:solidFill>
+              </a:rPr>
+              <a:t>filterA</a:t>
+            </a:r>
+            <a:r>
+              <a:rPr lang="en-US" altLang="zh-CN" sz="2400" dirty="0">
+                <a:solidFill>
+                  <a:schemeClr val="tx1">
+                    <a:lumMod val="65000"/>
+                    <a:lumOff val="35000"/>
+                  </a:schemeClr>
+                </a:solidFill>
+              </a:rPr>
+              <a:t>('arg1', arg2) }}</a:t>
+            </a:r>
+          </a:p>
+          <a:p>
+            <a:r>
+              <a:rPr lang="en-US" altLang="zh-CN" sz="2400" dirty="0">
+                <a:solidFill>
+                  <a:schemeClr val="tx1">
+                    <a:lumMod val="65000"/>
+                    <a:lumOff val="35000"/>
+                  </a:schemeClr>
+                </a:solidFill>
+              </a:rPr>
+              <a:t>&lt;!-- in v-bind --&gt;</a:t>
+            </a:r>
+          </a:p>
+          <a:p>
+            <a:r>
+              <a:rPr lang="en-US" altLang="zh-CN" sz="2400" dirty="0">
+                <a:solidFill>
+                  <a:schemeClr val="tx1">
+                    <a:lumMod val="65000"/>
+                    <a:lumOff val="35000"/>
+                  </a:schemeClr>
+                </a:solidFill>
+              </a:rPr>
+              <a:t>&lt;div </a:t>
+            </a:r>
+            <a:r>
+              <a:rPr lang="en-US" altLang="zh-CN" sz="2400" dirty="0" err="1">
+                <a:solidFill>
+                  <a:schemeClr val="tx1">
+                    <a:lumMod val="65000"/>
+                    <a:lumOff val="35000"/>
+                  </a:schemeClr>
+                </a:solidFill>
+              </a:rPr>
+              <a:t>v-bind:id</a:t>
+            </a:r>
+            <a:r>
+              <a:rPr lang="en-US" altLang="zh-CN" sz="2400" dirty="0">
+                <a:solidFill>
+                  <a:schemeClr val="tx1">
+                    <a:lumMod val="65000"/>
+                    <a:lumOff val="35000"/>
+                  </a:schemeClr>
+                </a:solidFill>
+              </a:rPr>
+              <a:t>="</a:t>
+            </a:r>
+            <a:r>
+              <a:rPr lang="en-US" altLang="zh-CN" sz="2400" dirty="0" err="1">
+                <a:solidFill>
+                  <a:schemeClr val="tx1">
+                    <a:lumMod val="65000"/>
+                    <a:lumOff val="35000"/>
+                  </a:schemeClr>
+                </a:solidFill>
+              </a:rPr>
+              <a:t>rawId</a:t>
+            </a:r>
+            <a:r>
+              <a:rPr lang="en-US" altLang="zh-CN" sz="2400" dirty="0">
+                <a:solidFill>
+                  <a:schemeClr val="tx1">
+                    <a:lumMod val="65000"/>
+                    <a:lumOff val="35000"/>
+                  </a:schemeClr>
+                </a:solidFill>
+              </a:rPr>
+              <a:t> | </a:t>
+            </a:r>
+            <a:r>
+              <a:rPr lang="en-US" altLang="zh-CN" sz="2400" dirty="0" err="1">
+                <a:solidFill>
+                  <a:schemeClr val="tx1">
+                    <a:lumMod val="65000"/>
+                    <a:lumOff val="35000"/>
+                  </a:schemeClr>
+                </a:solidFill>
+              </a:rPr>
+              <a:t>filterA</a:t>
+            </a:r>
+            <a:r>
+              <a:rPr lang="en-US" altLang="zh-CN" sz="2400" dirty="0">
+                <a:solidFill>
+                  <a:schemeClr val="tx1">
+                    <a:lumMod val="65000"/>
+                    <a:lumOff val="35000"/>
+                  </a:schemeClr>
+                </a:solidFill>
+              </a:rPr>
+              <a:t> </a:t>
+            </a:r>
+            <a:r>
+              <a:rPr lang="en-US" altLang="zh-CN" sz="2400" dirty="0" smtClean="0">
+                <a:solidFill>
+                  <a:schemeClr val="tx1">
+                    <a:lumMod val="65000"/>
+                    <a:lumOff val="35000"/>
+                  </a:schemeClr>
+                </a:solidFill>
+              </a:rPr>
+              <a:t>"&gt;&lt;/</a:t>
+            </a:r>
+            <a:r>
+              <a:rPr lang="en-US" altLang="zh-CN" sz="2400" dirty="0">
+                <a:solidFill>
+                  <a:schemeClr val="tx1">
+                    <a:lumMod val="65000"/>
+                    <a:lumOff val="35000"/>
+                  </a:schemeClr>
+                </a:solidFill>
+              </a:rPr>
+              <a:t>div</a:t>
+            </a:r>
+            <a:r>
+              <a:rPr lang="en-US" altLang="zh-CN" sz="2400" dirty="0" smtClean="0">
+                <a:solidFill>
+                  <a:schemeClr val="tx1">
+                    <a:lumMod val="65000"/>
+                    <a:lumOff val="35000"/>
+                  </a:schemeClr>
+                </a:solidFill>
+              </a:rPr>
+              <a:t>&gt;</a:t>
+            </a:r>
+            <a:endParaRPr lang="en-US" altLang="zh-CN" sz="2400" dirty="0">
+              <a:solidFill>
+                <a:schemeClr val="tx1">
+                  <a:lumMod val="65000"/>
+                  <a:lumOff val="35000"/>
+                </a:schemeClr>
+              </a:solidFill>
+            </a:endParaRPr>
+          </a:p>
+        </p:txBody>
+      </p:sp>
+      <p:sp>
+        <p:nvSpPr>
+          <p:cNvPr id="33" name="TextBox 32"/>
+          <p:cNvSpPr txBox="1"/>
+          <p:nvPr/>
+        </p:nvSpPr>
+        <p:spPr>
+          <a:xfrm>
+            <a:off x="544812" y="1377341"/>
+            <a:ext cx="9341058" cy="923330"/>
+          </a:xfrm>
+          <a:prstGeom prst="rect">
+            <a:avLst/>
+          </a:prstGeom>
+          <a:noFill/>
+        </p:spPr>
+        <p:txBody>
+          <a:bodyPr wrap="square" rtlCol="0">
+            <a:spAutoFit/>
+          </a:bodyPr>
+          <a:lstStyle/>
+          <a:p>
+            <a:r>
+              <a:rPr lang="en-US" altLang="zh-CN" dirty="0">
+                <a:solidFill>
+                  <a:schemeClr val="tx1">
+                    <a:lumMod val="65000"/>
+                    <a:lumOff val="35000"/>
+                  </a:schemeClr>
+                </a:solidFill>
+                <a:latin typeface="微软雅黑" panose="020B0503020204020204" pitchFamily="34" charset="-122"/>
+                <a:ea typeface="微软雅黑" panose="020B0503020204020204" pitchFamily="34" charset="-122"/>
+              </a:rPr>
+              <a:t>Vue.js </a:t>
+            </a:r>
+            <a:r>
+              <a:rPr lang="zh-CN" altLang="en-US" dirty="0">
+                <a:solidFill>
+                  <a:schemeClr val="tx1">
+                    <a:lumMod val="65000"/>
+                    <a:lumOff val="35000"/>
+                  </a:schemeClr>
+                </a:solidFill>
+                <a:latin typeface="微软雅黑" panose="020B0503020204020204" pitchFamily="34" charset="-122"/>
+                <a:ea typeface="微软雅黑" panose="020B0503020204020204" pitchFamily="34" charset="-122"/>
+              </a:rPr>
+              <a:t>允许你自定义过滤器，可被用作一些常见的文本格式化。过滤器可以用在两个地方：</a:t>
+            </a:r>
+            <a:r>
+              <a:rPr lang="en-US" altLang="zh-CN" b="1" dirty="0">
+                <a:solidFill>
+                  <a:schemeClr val="tx1">
+                    <a:lumMod val="65000"/>
+                    <a:lumOff val="35000"/>
+                  </a:schemeClr>
+                </a:solidFill>
+                <a:latin typeface="微软雅黑" panose="020B0503020204020204" pitchFamily="34" charset="-122"/>
+                <a:ea typeface="微软雅黑" panose="020B0503020204020204" pitchFamily="34" charset="-122"/>
+              </a:rPr>
+              <a:t>mustache </a:t>
+            </a:r>
+            <a:r>
+              <a:rPr lang="zh-CN" altLang="en-US" b="1" dirty="0">
+                <a:solidFill>
+                  <a:schemeClr val="tx1">
+                    <a:lumMod val="65000"/>
+                    <a:lumOff val="35000"/>
+                  </a:schemeClr>
+                </a:solidFill>
+                <a:latin typeface="微软雅黑" panose="020B0503020204020204" pitchFamily="34" charset="-122"/>
+                <a:ea typeface="微软雅黑" panose="020B0503020204020204" pitchFamily="34" charset="-122"/>
+              </a:rPr>
+              <a:t>插值和 </a:t>
+            </a:r>
+            <a:r>
+              <a:rPr lang="en-US" altLang="zh-CN" b="1" dirty="0">
+                <a:solidFill>
+                  <a:schemeClr val="tx1">
+                    <a:lumMod val="65000"/>
+                    <a:lumOff val="35000"/>
+                  </a:schemeClr>
+                </a:solidFill>
+                <a:latin typeface="微软雅黑" panose="020B0503020204020204" pitchFamily="34" charset="-122"/>
+                <a:ea typeface="微软雅黑" panose="020B0503020204020204" pitchFamily="34" charset="-122"/>
+              </a:rPr>
+              <a:t>v-bind </a:t>
+            </a:r>
+            <a:r>
+              <a:rPr lang="zh-CN" altLang="en-US" b="1" dirty="0">
+                <a:solidFill>
+                  <a:schemeClr val="tx1">
+                    <a:lumMod val="65000"/>
+                    <a:lumOff val="35000"/>
+                  </a:schemeClr>
+                </a:solidFill>
+                <a:latin typeface="微软雅黑" panose="020B0503020204020204" pitchFamily="34" charset="-122"/>
+                <a:ea typeface="微软雅黑" panose="020B0503020204020204" pitchFamily="34" charset="-122"/>
+              </a:rPr>
+              <a:t>表达式</a:t>
+            </a:r>
+            <a:r>
+              <a:rPr lang="zh-CN" altLang="en-US" dirty="0">
+                <a:solidFill>
+                  <a:schemeClr val="tx1">
+                    <a:lumMod val="65000"/>
+                    <a:lumOff val="35000"/>
+                  </a:schemeClr>
+                </a:solidFill>
+                <a:latin typeface="微软雅黑" panose="020B0503020204020204" pitchFamily="34" charset="-122"/>
+                <a:ea typeface="微软雅黑" panose="020B0503020204020204" pitchFamily="34" charset="-122"/>
+              </a:rPr>
+              <a:t>。过滤器应该被添加在 </a:t>
+            </a:r>
+            <a:r>
+              <a:rPr lang="en-US" altLang="zh-CN" dirty="0">
+                <a:solidFill>
+                  <a:schemeClr val="tx1">
+                    <a:lumMod val="65000"/>
+                    <a:lumOff val="35000"/>
+                  </a:schemeClr>
+                </a:solidFill>
+                <a:latin typeface="微软雅黑" panose="020B0503020204020204" pitchFamily="34" charset="-122"/>
+                <a:ea typeface="微软雅黑" panose="020B0503020204020204" pitchFamily="34" charset="-122"/>
+              </a:rPr>
+              <a:t>JavaScript </a:t>
+            </a:r>
+            <a:r>
+              <a:rPr lang="zh-CN" altLang="en-US" dirty="0">
+                <a:solidFill>
+                  <a:schemeClr val="tx1">
+                    <a:lumMod val="65000"/>
+                    <a:lumOff val="35000"/>
+                  </a:schemeClr>
+                </a:solidFill>
+                <a:latin typeface="微软雅黑" panose="020B0503020204020204" pitchFamily="34" charset="-122"/>
+                <a:ea typeface="微软雅黑" panose="020B0503020204020204" pitchFamily="34" charset="-122"/>
+              </a:rPr>
+              <a:t>表达式的尾部，由“管道”符指示：</a:t>
+            </a:r>
+            <a:endParaRPr lang="zh-CN" altLang="en-US" dirty="0">
+              <a:solidFill>
+                <a:schemeClr val="tx1">
+                  <a:lumMod val="65000"/>
+                  <a:lumOff val="35000"/>
+                </a:schemeClr>
+              </a:solidFill>
+              <a:latin typeface="微软雅黑" panose="020B0503020204020204" pitchFamily="34" charset="-122"/>
+              <a:ea typeface="微软雅黑" panose="020B0503020204020204" pitchFamily="34" charset="-122"/>
+            </a:endParaRPr>
+          </a:p>
+        </p:txBody>
+      </p:sp>
+      <p:sp>
+        <p:nvSpPr>
+          <p:cNvPr id="34" name="TextBox 33"/>
+          <p:cNvSpPr txBox="1"/>
+          <p:nvPr/>
+        </p:nvSpPr>
+        <p:spPr>
+          <a:xfrm>
+            <a:off x="6127831" y="2206850"/>
+            <a:ext cx="6410689" cy="3170099"/>
+          </a:xfrm>
+          <a:prstGeom prst="rect">
+            <a:avLst/>
+          </a:prstGeom>
+          <a:solidFill>
+            <a:schemeClr val="accent6">
+              <a:lumMod val="20000"/>
+              <a:lumOff val="80000"/>
+            </a:schemeClr>
+          </a:solidFill>
+        </p:spPr>
+        <p:txBody>
+          <a:bodyPr wrap="square" rtlCol="0" anchor="ctr">
+            <a:spAutoFit/>
+          </a:bodyPr>
+          <a:lstStyle/>
+          <a:p>
+            <a:r>
+              <a:rPr lang="en-US" altLang="zh-CN" sz="2000" dirty="0"/>
+              <a:t>new</a:t>
+            </a:r>
+            <a:r>
+              <a:rPr lang="en-US" altLang="zh-CN" sz="2000" dirty="0"/>
+              <a:t> Vue({</a:t>
+            </a:r>
+          </a:p>
+          <a:p>
+            <a:r>
+              <a:rPr lang="en-US" altLang="zh-CN" sz="2000" dirty="0"/>
+              <a:t>// ...</a:t>
+            </a:r>
+            <a:endParaRPr lang="en-US" altLang="zh-CN" sz="2000" dirty="0"/>
+          </a:p>
+          <a:p>
+            <a:r>
+              <a:rPr lang="en-US" altLang="zh-CN" sz="2000" dirty="0"/>
+              <a:t>filters: {</a:t>
+            </a:r>
+          </a:p>
+          <a:p>
+            <a:r>
+              <a:rPr lang="en-US" altLang="zh-CN" sz="2000" dirty="0"/>
+              <a:t>capitalize: </a:t>
+            </a:r>
+            <a:r>
+              <a:rPr lang="en-US" altLang="zh-CN" sz="2000" dirty="0"/>
+              <a:t>function</a:t>
+            </a:r>
+            <a:r>
+              <a:rPr lang="en-US" altLang="zh-CN" sz="2000" dirty="0"/>
+              <a:t> (value) {</a:t>
+            </a:r>
+          </a:p>
+          <a:p>
+            <a:r>
+              <a:rPr lang="en-US" altLang="zh-CN" sz="2000" dirty="0"/>
+              <a:t>if</a:t>
+            </a:r>
+            <a:r>
+              <a:rPr lang="en-US" altLang="zh-CN" sz="2000" dirty="0"/>
+              <a:t> (!value) </a:t>
+            </a:r>
+            <a:r>
+              <a:rPr lang="en-US" altLang="zh-CN" sz="2000" dirty="0"/>
+              <a:t>return</a:t>
+            </a:r>
+            <a:r>
+              <a:rPr lang="en-US" altLang="zh-CN" sz="2000" dirty="0"/>
+              <a:t> </a:t>
+            </a:r>
+            <a:r>
+              <a:rPr lang="en-US" altLang="zh-CN" sz="2000" dirty="0"/>
+              <a:t>''</a:t>
+            </a:r>
+            <a:endParaRPr lang="en-US" altLang="zh-CN" sz="2000" dirty="0"/>
+          </a:p>
+          <a:p>
+            <a:r>
+              <a:rPr lang="en-US" altLang="zh-CN" sz="2000" dirty="0"/>
+              <a:t>value = </a:t>
+            </a:r>
+            <a:r>
+              <a:rPr lang="en-US" altLang="zh-CN" sz="2000" dirty="0" err="1"/>
+              <a:t>value.toString</a:t>
+            </a:r>
+            <a:r>
+              <a:rPr lang="en-US" altLang="zh-CN" sz="2000" dirty="0"/>
+              <a:t>()</a:t>
+            </a:r>
+          </a:p>
+          <a:p>
+            <a:r>
+              <a:rPr lang="en-US" altLang="zh-CN" sz="2000" dirty="0"/>
+              <a:t>return</a:t>
+            </a:r>
+            <a:r>
+              <a:rPr lang="en-US" altLang="zh-CN" sz="2000" dirty="0"/>
+              <a:t> </a:t>
+            </a:r>
+            <a:r>
+              <a:rPr lang="en-US" altLang="zh-CN" sz="2000" dirty="0" err="1"/>
+              <a:t>value.charAt</a:t>
+            </a:r>
+            <a:r>
+              <a:rPr lang="en-US" altLang="zh-CN" sz="2000" dirty="0"/>
+              <a:t>(</a:t>
+            </a:r>
+            <a:r>
+              <a:rPr lang="en-US" altLang="zh-CN" sz="2000" dirty="0"/>
+              <a:t>0</a:t>
+            </a:r>
+            <a:r>
+              <a:rPr lang="en-US" altLang="zh-CN" sz="2000" dirty="0"/>
+              <a:t>).</a:t>
+            </a:r>
+            <a:r>
+              <a:rPr lang="en-US" altLang="zh-CN" sz="2000" dirty="0" err="1"/>
+              <a:t>toUpperCase</a:t>
+            </a:r>
+            <a:r>
+              <a:rPr lang="en-US" altLang="zh-CN" sz="2000" dirty="0"/>
+              <a:t>() + </a:t>
+            </a:r>
+            <a:r>
+              <a:rPr lang="en-US" altLang="zh-CN" sz="2000" dirty="0" err="1"/>
+              <a:t>value.slice</a:t>
+            </a:r>
+            <a:r>
+              <a:rPr lang="en-US" altLang="zh-CN" sz="2000" dirty="0"/>
+              <a:t>(</a:t>
+            </a:r>
+            <a:r>
+              <a:rPr lang="en-US" altLang="zh-CN" sz="2000" dirty="0"/>
+              <a:t>1</a:t>
+            </a:r>
+            <a:r>
+              <a:rPr lang="en-US" altLang="zh-CN" sz="2000" dirty="0"/>
+              <a:t>)</a:t>
+            </a:r>
+          </a:p>
+          <a:p>
+            <a:r>
+              <a:rPr lang="en-US" altLang="zh-CN" sz="2000" dirty="0"/>
+              <a:t>}</a:t>
+            </a:r>
+          </a:p>
+          <a:p>
+            <a:r>
+              <a:rPr lang="en-US" altLang="zh-CN" sz="2000" dirty="0"/>
+              <a:t>}</a:t>
+            </a:r>
+          </a:p>
+          <a:p>
+            <a:r>
+              <a:rPr lang="en-US" altLang="zh-CN" sz="2000" dirty="0"/>
+              <a:t>})</a:t>
+            </a:r>
+            <a:endParaRPr lang="en-US" altLang="zh-CN" sz="2000" dirty="0">
+              <a:effectLst/>
+            </a:endParaRPr>
+          </a:p>
+        </p:txBody>
+      </p:sp>
     </p:spTree>
     <p:extLst>
       <p:ext uri="{BB962C8B-B14F-4D97-AF65-F5344CB8AC3E}">
-        <p14:creationId xmlns:p14="http://schemas.microsoft.com/office/powerpoint/2010/main" val="3808333112"/>
+        <p14:creationId xmlns:p14="http://schemas.microsoft.com/office/powerpoint/2010/main" val="4056789012"/>
       </p:ext>
     </p:extLst>
   </p:cSld>
@@ -15002,89 +21157,944 @@
           <a:chExt cx="0" cy="0"/>
         </a:xfrm>
       </p:grpSpPr>
+      <p:pic>
+        <p:nvPicPr>
+          <p:cNvPr id="4" name="Picture 2" descr="C:\Users\yepanmeng\Desktop\logo.png"/>
+          <p:cNvPicPr>
+            <a:picLocks noChangeAspect="1" noChangeArrowheads="1"/>
+          </p:cNvPicPr>
+          <p:nvPr/>
+        </p:nvPicPr>
+        <p:blipFill>
+          <a:blip r:embed="rId2" cstate="print">
+            <a:extLst>
+              <a:ext uri="{28A0092B-C50C-407E-A947-70E740481C1C}">
+                <a14:useLocalDpi xmlns:a14="http://schemas.microsoft.com/office/drawing/2010/main" val="0"/>
+              </a:ext>
+            </a:extLst>
+          </a:blip>
+          <a:srcRect/>
+          <a:stretch>
+            <a:fillRect/>
+          </a:stretch>
+        </p:blipFill>
+        <p:spPr bwMode="auto">
+          <a:xfrm rot="16200000">
+            <a:off x="-47617" y="373486"/>
+            <a:ext cx="592429" cy="592429"/>
+          </a:xfrm>
+          <a:prstGeom prst="rect">
+            <a:avLst/>
+          </a:prstGeom>
+          <a:noFill/>
+          <a:extLst>
+            <a:ext uri="{909E8E84-426E-40DD-AFC4-6F175D3DCCD1}">
+              <a14:hiddenFill xmlns:a14="http://schemas.microsoft.com/office/drawing/2010/main">
+                <a:solidFill>
+                  <a:srgbClr val="FFFFFF"/>
+                </a:solidFill>
+              </a14:hiddenFill>
+            </a:ext>
+          </a:extLst>
+        </p:spPr>
+      </p:pic>
+      <p:sp>
+        <p:nvSpPr>
+          <p:cNvPr id="5" name="等腰三角形 4"/>
+          <p:cNvSpPr/>
+          <p:nvPr/>
+        </p:nvSpPr>
+        <p:spPr>
+          <a:xfrm rot="16200000">
+            <a:off x="9600001" y="-320993"/>
+            <a:ext cx="736941" cy="635294"/>
+          </a:xfrm>
+          <a:prstGeom prst="triangle">
+            <a:avLst/>
+          </a:prstGeom>
+          <a:solidFill>
+            <a:schemeClr val="bg2">
+              <a:lumMod val="90000"/>
+              <a:alpha val="50196"/>
+            </a:schemeClr>
+          </a:solidFill>
+          <a:ln>
+            <a:noFill/>
+          </a:ln>
+        </p:spPr>
+        <p:style>
+          <a:lnRef idx="2">
+            <a:schemeClr val="accent1">
+              <a:shade val="50000"/>
+            </a:schemeClr>
+          </a:lnRef>
+          <a:fillRef idx="1">
+            <a:schemeClr val="accent1"/>
+          </a:fillRef>
+          <a:effectRef idx="0">
+            <a:schemeClr val="accent1"/>
+          </a:effectRef>
+          <a:fontRef idx="minor">
+            <a:schemeClr val="lt1"/>
+          </a:fontRef>
+        </p:style>
+        <p:txBody>
+          <a:bodyPr rtlCol="0" anchor="ctr"/>
+          <a:lstStyle/>
+          <a:p>
+            <a:pPr algn="ctr"/>
+            <a:endParaRPr lang="zh-CN" altLang="en-US" dirty="0">
+              <a:ea typeface="微软雅黑" panose="020B0503020204020204" pitchFamily="34" charset="-122"/>
+            </a:endParaRPr>
+          </a:p>
+        </p:txBody>
+      </p:sp>
+      <p:sp>
+        <p:nvSpPr>
+          <p:cNvPr id="6" name="等腰三角形 5"/>
+          <p:cNvSpPr/>
+          <p:nvPr/>
+        </p:nvSpPr>
+        <p:spPr>
+          <a:xfrm rot="5400000">
+            <a:off x="10235294" y="-320993"/>
+            <a:ext cx="736941" cy="635294"/>
+          </a:xfrm>
+          <a:prstGeom prst="triangle">
+            <a:avLst/>
+          </a:prstGeom>
+          <a:solidFill>
+            <a:schemeClr val="bg1">
+              <a:lumMod val="85000"/>
+              <a:alpha val="50196"/>
+            </a:schemeClr>
+          </a:solidFill>
+          <a:ln>
+            <a:noFill/>
+          </a:ln>
+        </p:spPr>
+        <p:style>
+          <a:lnRef idx="2">
+            <a:schemeClr val="accent1">
+              <a:shade val="50000"/>
+            </a:schemeClr>
+          </a:lnRef>
+          <a:fillRef idx="1">
+            <a:schemeClr val="accent1"/>
+          </a:fillRef>
+          <a:effectRef idx="0">
+            <a:schemeClr val="accent1"/>
+          </a:effectRef>
+          <a:fontRef idx="minor">
+            <a:schemeClr val="lt1"/>
+          </a:fontRef>
+        </p:style>
+        <p:txBody>
+          <a:bodyPr rtlCol="0" anchor="ctr"/>
+          <a:lstStyle/>
+          <a:p>
+            <a:pPr algn="ctr"/>
+            <a:endParaRPr lang="zh-CN" altLang="en-US" dirty="0">
+              <a:ea typeface="微软雅黑" panose="020B0503020204020204" pitchFamily="34" charset="-122"/>
+            </a:endParaRPr>
+          </a:p>
+        </p:txBody>
+      </p:sp>
+      <p:sp>
+        <p:nvSpPr>
+          <p:cNvPr id="7" name="等腰三角形 6"/>
+          <p:cNvSpPr/>
+          <p:nvPr/>
+        </p:nvSpPr>
+        <p:spPr>
+          <a:xfrm rot="16200000">
+            <a:off x="10870588" y="-320993"/>
+            <a:ext cx="736941" cy="635294"/>
+          </a:xfrm>
+          <a:prstGeom prst="triangle">
+            <a:avLst/>
+          </a:prstGeom>
+          <a:solidFill>
+            <a:schemeClr val="bg1">
+              <a:lumMod val="95000"/>
+              <a:alpha val="50196"/>
+            </a:schemeClr>
+          </a:solidFill>
+          <a:ln>
+            <a:noFill/>
+          </a:ln>
+        </p:spPr>
+        <p:style>
+          <a:lnRef idx="2">
+            <a:schemeClr val="accent1">
+              <a:shade val="50000"/>
+            </a:schemeClr>
+          </a:lnRef>
+          <a:fillRef idx="1">
+            <a:schemeClr val="accent1"/>
+          </a:fillRef>
+          <a:effectRef idx="0">
+            <a:schemeClr val="accent1"/>
+          </a:effectRef>
+          <a:fontRef idx="minor">
+            <a:schemeClr val="lt1"/>
+          </a:fontRef>
+        </p:style>
+        <p:txBody>
+          <a:bodyPr rtlCol="0" anchor="ctr"/>
+          <a:lstStyle/>
+          <a:p>
+            <a:pPr algn="ctr"/>
+            <a:endParaRPr lang="zh-CN" altLang="en-US" dirty="0">
+              <a:ea typeface="微软雅黑" panose="020B0503020204020204" pitchFamily="34" charset="-122"/>
+            </a:endParaRPr>
+          </a:p>
+        </p:txBody>
+      </p:sp>
+      <p:sp>
+        <p:nvSpPr>
+          <p:cNvPr id="8" name="等腰三角形 7"/>
+          <p:cNvSpPr/>
+          <p:nvPr/>
+        </p:nvSpPr>
+        <p:spPr>
+          <a:xfrm rot="5400000">
+            <a:off x="11505882" y="-320993"/>
+            <a:ext cx="736941" cy="635294"/>
+          </a:xfrm>
+          <a:prstGeom prst="triangle">
+            <a:avLst/>
+          </a:prstGeom>
+          <a:solidFill>
+            <a:schemeClr val="bg2">
+              <a:alpha val="50196"/>
+            </a:schemeClr>
+          </a:solidFill>
+          <a:ln>
+            <a:noFill/>
+          </a:ln>
+        </p:spPr>
+        <p:style>
+          <a:lnRef idx="2">
+            <a:schemeClr val="accent1">
+              <a:shade val="50000"/>
+            </a:schemeClr>
+          </a:lnRef>
+          <a:fillRef idx="1">
+            <a:schemeClr val="accent1"/>
+          </a:fillRef>
+          <a:effectRef idx="0">
+            <a:schemeClr val="accent1"/>
+          </a:effectRef>
+          <a:fontRef idx="minor">
+            <a:schemeClr val="lt1"/>
+          </a:fontRef>
+        </p:style>
+        <p:txBody>
+          <a:bodyPr rtlCol="0" anchor="ctr"/>
+          <a:lstStyle/>
+          <a:p>
+            <a:pPr algn="ctr"/>
+            <a:endParaRPr lang="zh-CN" altLang="en-US" dirty="0">
+              <a:ea typeface="微软雅黑" panose="020B0503020204020204" pitchFamily="34" charset="-122"/>
+            </a:endParaRPr>
+          </a:p>
+        </p:txBody>
+      </p:sp>
+      <p:sp>
+        <p:nvSpPr>
+          <p:cNvPr id="9" name="等腰三角形 8"/>
+          <p:cNvSpPr/>
+          <p:nvPr/>
+        </p:nvSpPr>
+        <p:spPr>
+          <a:xfrm rot="5400000">
+            <a:off x="9600001" y="47478"/>
+            <a:ext cx="736941" cy="635294"/>
+          </a:xfrm>
+          <a:prstGeom prst="triangle">
+            <a:avLst/>
+          </a:prstGeom>
+          <a:solidFill>
+            <a:schemeClr val="bg2">
+              <a:alpha val="50196"/>
+            </a:schemeClr>
+          </a:solidFill>
+          <a:ln>
+            <a:noFill/>
+          </a:ln>
+        </p:spPr>
+        <p:style>
+          <a:lnRef idx="2">
+            <a:schemeClr val="accent1">
+              <a:shade val="50000"/>
+            </a:schemeClr>
+          </a:lnRef>
+          <a:fillRef idx="1">
+            <a:schemeClr val="accent1"/>
+          </a:fillRef>
+          <a:effectRef idx="0">
+            <a:schemeClr val="accent1"/>
+          </a:effectRef>
+          <a:fontRef idx="minor">
+            <a:schemeClr val="lt1"/>
+          </a:fontRef>
+        </p:style>
+        <p:txBody>
+          <a:bodyPr rtlCol="0" anchor="ctr"/>
+          <a:lstStyle/>
+          <a:p>
+            <a:pPr algn="ctr"/>
+            <a:endParaRPr lang="zh-CN" altLang="en-US" dirty="0">
+              <a:ea typeface="微软雅黑" panose="020B0503020204020204" pitchFamily="34" charset="-122"/>
+            </a:endParaRPr>
+          </a:p>
+        </p:txBody>
+      </p:sp>
+      <p:sp>
+        <p:nvSpPr>
+          <p:cNvPr id="10" name="等腰三角形 9"/>
+          <p:cNvSpPr/>
+          <p:nvPr/>
+        </p:nvSpPr>
+        <p:spPr>
+          <a:xfrm rot="16200000">
+            <a:off x="10235294" y="47478"/>
+            <a:ext cx="736941" cy="635294"/>
+          </a:xfrm>
+          <a:prstGeom prst="triangle">
+            <a:avLst/>
+          </a:prstGeom>
+          <a:solidFill>
+            <a:schemeClr val="bg1">
+              <a:lumMod val="95000"/>
+              <a:alpha val="50196"/>
+            </a:schemeClr>
+          </a:solidFill>
+          <a:ln>
+            <a:noFill/>
+          </a:ln>
+        </p:spPr>
+        <p:style>
+          <a:lnRef idx="2">
+            <a:schemeClr val="accent1">
+              <a:shade val="50000"/>
+            </a:schemeClr>
+          </a:lnRef>
+          <a:fillRef idx="1">
+            <a:schemeClr val="accent1"/>
+          </a:fillRef>
+          <a:effectRef idx="0">
+            <a:schemeClr val="accent1"/>
+          </a:effectRef>
+          <a:fontRef idx="minor">
+            <a:schemeClr val="lt1"/>
+          </a:fontRef>
+        </p:style>
+        <p:txBody>
+          <a:bodyPr rtlCol="0" anchor="ctr"/>
+          <a:lstStyle/>
+          <a:p>
+            <a:pPr algn="ctr"/>
+            <a:endParaRPr lang="zh-CN" altLang="en-US" dirty="0">
+              <a:ea typeface="微软雅黑" panose="020B0503020204020204" pitchFamily="34" charset="-122"/>
+            </a:endParaRPr>
+          </a:p>
+        </p:txBody>
+      </p:sp>
+      <p:sp>
+        <p:nvSpPr>
+          <p:cNvPr id="11" name="等腰三角形 10"/>
+          <p:cNvSpPr/>
+          <p:nvPr/>
+        </p:nvSpPr>
+        <p:spPr>
+          <a:xfrm rot="5400000">
+            <a:off x="10870588" y="47478"/>
+            <a:ext cx="736941" cy="635294"/>
+          </a:xfrm>
+          <a:prstGeom prst="triangle">
+            <a:avLst/>
+          </a:prstGeom>
+          <a:solidFill>
+            <a:schemeClr val="bg1">
+              <a:alpha val="50196"/>
+            </a:schemeClr>
+          </a:solidFill>
+          <a:ln>
+            <a:noFill/>
+          </a:ln>
+        </p:spPr>
+        <p:style>
+          <a:lnRef idx="2">
+            <a:schemeClr val="accent1">
+              <a:shade val="50000"/>
+            </a:schemeClr>
+          </a:lnRef>
+          <a:fillRef idx="1">
+            <a:schemeClr val="accent1"/>
+          </a:fillRef>
+          <a:effectRef idx="0">
+            <a:schemeClr val="accent1"/>
+          </a:effectRef>
+          <a:fontRef idx="minor">
+            <a:schemeClr val="lt1"/>
+          </a:fontRef>
+        </p:style>
+        <p:txBody>
+          <a:bodyPr rtlCol="0" anchor="ctr"/>
+          <a:lstStyle/>
+          <a:p>
+            <a:pPr algn="ctr"/>
+            <a:endParaRPr lang="zh-CN" altLang="en-US" dirty="0">
+              <a:ea typeface="微软雅黑" panose="020B0503020204020204" pitchFamily="34" charset="-122"/>
+            </a:endParaRPr>
+          </a:p>
+        </p:txBody>
+      </p:sp>
+      <p:sp>
+        <p:nvSpPr>
+          <p:cNvPr id="12" name="等腰三角形 11"/>
+          <p:cNvSpPr/>
+          <p:nvPr/>
+        </p:nvSpPr>
+        <p:spPr>
+          <a:xfrm rot="12600000">
+            <a:off x="10059450" y="490026"/>
+            <a:ext cx="736941" cy="635294"/>
+          </a:xfrm>
+          <a:prstGeom prst="triangle">
+            <a:avLst/>
+          </a:prstGeom>
+          <a:solidFill>
+            <a:schemeClr val="bg1">
+              <a:lumMod val="85000"/>
+              <a:alpha val="50196"/>
+            </a:schemeClr>
+          </a:solidFill>
+          <a:ln>
+            <a:noFill/>
+          </a:ln>
+        </p:spPr>
+        <p:style>
+          <a:lnRef idx="2">
+            <a:schemeClr val="accent1">
+              <a:shade val="50000"/>
+            </a:schemeClr>
+          </a:lnRef>
+          <a:fillRef idx="1">
+            <a:schemeClr val="accent1"/>
+          </a:fillRef>
+          <a:effectRef idx="0">
+            <a:schemeClr val="accent1"/>
+          </a:effectRef>
+          <a:fontRef idx="minor">
+            <a:schemeClr val="lt1"/>
+          </a:fontRef>
+        </p:style>
+        <p:txBody>
+          <a:bodyPr rtlCol="0" anchor="ctr"/>
+          <a:lstStyle/>
+          <a:p>
+            <a:pPr algn="ctr"/>
+            <a:endParaRPr lang="zh-CN" altLang="en-US" dirty="0">
+              <a:ea typeface="微软雅黑" panose="020B0503020204020204" pitchFamily="34" charset="-122"/>
+            </a:endParaRPr>
+          </a:p>
+        </p:txBody>
+      </p:sp>
+      <p:sp>
+        <p:nvSpPr>
+          <p:cNvPr id="13" name="等腰三角形 12"/>
+          <p:cNvSpPr/>
+          <p:nvPr/>
+        </p:nvSpPr>
+        <p:spPr>
+          <a:xfrm rot="16200000">
+            <a:off x="10870588" y="415948"/>
+            <a:ext cx="736941" cy="635294"/>
+          </a:xfrm>
+          <a:prstGeom prst="triangle">
+            <a:avLst/>
+          </a:prstGeom>
+          <a:solidFill>
+            <a:schemeClr val="bg2">
+              <a:alpha val="50196"/>
+            </a:schemeClr>
+          </a:solidFill>
+          <a:ln>
+            <a:noFill/>
+          </a:ln>
+        </p:spPr>
+        <p:style>
+          <a:lnRef idx="2">
+            <a:schemeClr val="accent1">
+              <a:shade val="50000"/>
+            </a:schemeClr>
+          </a:lnRef>
+          <a:fillRef idx="1">
+            <a:schemeClr val="accent1"/>
+          </a:fillRef>
+          <a:effectRef idx="0">
+            <a:schemeClr val="accent1"/>
+          </a:effectRef>
+          <a:fontRef idx="minor">
+            <a:schemeClr val="lt1"/>
+          </a:fontRef>
+        </p:style>
+        <p:txBody>
+          <a:bodyPr rtlCol="0" anchor="ctr"/>
+          <a:lstStyle/>
+          <a:p>
+            <a:pPr algn="ctr"/>
+            <a:endParaRPr lang="zh-CN" altLang="en-US" dirty="0">
+              <a:ea typeface="微软雅黑" panose="020B0503020204020204" pitchFamily="34" charset="-122"/>
+            </a:endParaRPr>
+          </a:p>
+        </p:txBody>
+      </p:sp>
+      <p:sp>
+        <p:nvSpPr>
+          <p:cNvPr id="14" name="等腰三角形 13"/>
+          <p:cNvSpPr/>
+          <p:nvPr/>
+        </p:nvSpPr>
+        <p:spPr>
+          <a:xfrm rot="5400000">
+            <a:off x="11505882" y="415948"/>
+            <a:ext cx="736941" cy="635294"/>
+          </a:xfrm>
+          <a:prstGeom prst="triangle">
+            <a:avLst/>
+          </a:prstGeom>
+          <a:solidFill>
+            <a:schemeClr val="bg2">
+              <a:lumMod val="90000"/>
+              <a:alpha val="50196"/>
+            </a:schemeClr>
+          </a:solidFill>
+          <a:ln>
+            <a:noFill/>
+          </a:ln>
+        </p:spPr>
+        <p:style>
+          <a:lnRef idx="2">
+            <a:schemeClr val="accent1">
+              <a:shade val="50000"/>
+            </a:schemeClr>
+          </a:lnRef>
+          <a:fillRef idx="1">
+            <a:schemeClr val="accent1"/>
+          </a:fillRef>
+          <a:effectRef idx="0">
+            <a:schemeClr val="accent1"/>
+          </a:effectRef>
+          <a:fontRef idx="minor">
+            <a:schemeClr val="lt1"/>
+          </a:fontRef>
+        </p:style>
+        <p:txBody>
+          <a:bodyPr rtlCol="0" anchor="ctr"/>
+          <a:lstStyle/>
+          <a:p>
+            <a:pPr algn="ctr"/>
+            <a:endParaRPr lang="zh-CN" altLang="en-US" dirty="0">
+              <a:ea typeface="微软雅黑" panose="020B0503020204020204" pitchFamily="34" charset="-122"/>
+            </a:endParaRPr>
+          </a:p>
+        </p:txBody>
+      </p:sp>
+      <p:sp>
+        <p:nvSpPr>
+          <p:cNvPr id="15" name="等腰三角形 14"/>
+          <p:cNvSpPr/>
+          <p:nvPr/>
+        </p:nvSpPr>
+        <p:spPr>
+          <a:xfrm rot="5400000">
+            <a:off x="10870588" y="784418"/>
+            <a:ext cx="736941" cy="635294"/>
+          </a:xfrm>
+          <a:prstGeom prst="triangle">
+            <a:avLst/>
+          </a:prstGeom>
+          <a:solidFill>
+            <a:schemeClr val="bg1">
+              <a:lumMod val="95000"/>
+              <a:alpha val="50196"/>
+            </a:schemeClr>
+          </a:solidFill>
+          <a:ln>
+            <a:noFill/>
+          </a:ln>
+        </p:spPr>
+        <p:style>
+          <a:lnRef idx="2">
+            <a:schemeClr val="accent1">
+              <a:shade val="50000"/>
+            </a:schemeClr>
+          </a:lnRef>
+          <a:fillRef idx="1">
+            <a:schemeClr val="accent1"/>
+          </a:fillRef>
+          <a:effectRef idx="0">
+            <a:schemeClr val="accent1"/>
+          </a:effectRef>
+          <a:fontRef idx="minor">
+            <a:schemeClr val="lt1"/>
+          </a:fontRef>
+        </p:style>
+        <p:txBody>
+          <a:bodyPr rtlCol="0" anchor="ctr"/>
+          <a:lstStyle/>
+          <a:p>
+            <a:pPr algn="ctr"/>
+            <a:endParaRPr lang="zh-CN" altLang="en-US" dirty="0">
+              <a:ea typeface="微软雅黑" panose="020B0503020204020204" pitchFamily="34" charset="-122"/>
+            </a:endParaRPr>
+          </a:p>
+        </p:txBody>
+      </p:sp>
+      <p:sp>
+        <p:nvSpPr>
+          <p:cNvPr id="16" name="等腰三角形 15"/>
+          <p:cNvSpPr/>
+          <p:nvPr/>
+        </p:nvSpPr>
+        <p:spPr>
+          <a:xfrm rot="16200000">
+            <a:off x="11505882" y="784418"/>
+            <a:ext cx="736941" cy="635294"/>
+          </a:xfrm>
+          <a:prstGeom prst="triangle">
+            <a:avLst/>
+          </a:prstGeom>
+          <a:solidFill>
+            <a:schemeClr val="bg1">
+              <a:lumMod val="95000"/>
+              <a:alpha val="50196"/>
+            </a:schemeClr>
+          </a:solidFill>
+          <a:ln>
+            <a:noFill/>
+          </a:ln>
+        </p:spPr>
+        <p:style>
+          <a:lnRef idx="2">
+            <a:schemeClr val="accent1">
+              <a:shade val="50000"/>
+            </a:schemeClr>
+          </a:lnRef>
+          <a:fillRef idx="1">
+            <a:schemeClr val="accent1"/>
+          </a:fillRef>
+          <a:effectRef idx="0">
+            <a:schemeClr val="accent1"/>
+          </a:effectRef>
+          <a:fontRef idx="minor">
+            <a:schemeClr val="lt1"/>
+          </a:fontRef>
+        </p:style>
+        <p:txBody>
+          <a:bodyPr rtlCol="0" anchor="ctr"/>
+          <a:lstStyle/>
+          <a:p>
+            <a:pPr algn="ctr"/>
+            <a:endParaRPr lang="zh-CN" altLang="en-US" dirty="0">
+              <a:ea typeface="微软雅黑" panose="020B0503020204020204" pitchFamily="34" charset="-122"/>
+            </a:endParaRPr>
+          </a:p>
+        </p:txBody>
+      </p:sp>
+      <p:sp>
+        <p:nvSpPr>
+          <p:cNvPr id="17" name="等腰三角形 16"/>
+          <p:cNvSpPr/>
+          <p:nvPr/>
+        </p:nvSpPr>
+        <p:spPr>
+          <a:xfrm rot="16200000">
+            <a:off x="8964706" y="39089"/>
+            <a:ext cx="736941" cy="635294"/>
+          </a:xfrm>
+          <a:prstGeom prst="triangle">
+            <a:avLst/>
+          </a:prstGeom>
+          <a:solidFill>
+            <a:schemeClr val="bg1">
+              <a:lumMod val="95000"/>
+              <a:alpha val="50196"/>
+            </a:schemeClr>
+          </a:solidFill>
+          <a:ln>
+            <a:noFill/>
+          </a:ln>
+        </p:spPr>
+        <p:style>
+          <a:lnRef idx="2">
+            <a:schemeClr val="accent1">
+              <a:shade val="50000"/>
+            </a:schemeClr>
+          </a:lnRef>
+          <a:fillRef idx="1">
+            <a:schemeClr val="accent1"/>
+          </a:fillRef>
+          <a:effectRef idx="0">
+            <a:schemeClr val="accent1"/>
+          </a:effectRef>
+          <a:fontRef idx="minor">
+            <a:schemeClr val="lt1"/>
+          </a:fontRef>
+        </p:style>
+        <p:txBody>
+          <a:bodyPr rtlCol="0" anchor="ctr"/>
+          <a:lstStyle/>
+          <a:p>
+            <a:pPr algn="ctr"/>
+            <a:endParaRPr lang="zh-CN" altLang="en-US" dirty="0">
+              <a:ea typeface="微软雅黑" panose="020B0503020204020204" pitchFamily="34" charset="-122"/>
+            </a:endParaRPr>
+          </a:p>
+        </p:txBody>
+      </p:sp>
+      <p:sp>
+        <p:nvSpPr>
+          <p:cNvPr id="18" name="等腰三角形 17"/>
+          <p:cNvSpPr/>
+          <p:nvPr/>
+        </p:nvSpPr>
+        <p:spPr>
+          <a:xfrm rot="5400000">
+            <a:off x="11505882" y="1152888"/>
+            <a:ext cx="736941" cy="635294"/>
+          </a:xfrm>
+          <a:prstGeom prst="triangle">
+            <a:avLst/>
+          </a:prstGeom>
+          <a:solidFill>
+            <a:schemeClr val="bg2">
+              <a:alpha val="50196"/>
+            </a:schemeClr>
+          </a:solidFill>
+          <a:ln>
+            <a:noFill/>
+          </a:ln>
+        </p:spPr>
+        <p:style>
+          <a:lnRef idx="2">
+            <a:schemeClr val="accent1">
+              <a:shade val="50000"/>
+            </a:schemeClr>
+          </a:lnRef>
+          <a:fillRef idx="1">
+            <a:schemeClr val="accent1"/>
+          </a:fillRef>
+          <a:effectRef idx="0">
+            <a:schemeClr val="accent1"/>
+          </a:effectRef>
+          <a:fontRef idx="minor">
+            <a:schemeClr val="lt1"/>
+          </a:fontRef>
+        </p:style>
+        <p:txBody>
+          <a:bodyPr rtlCol="0" anchor="ctr"/>
+          <a:lstStyle/>
+          <a:p>
+            <a:pPr algn="ctr"/>
+            <a:endParaRPr lang="zh-CN" altLang="en-US" dirty="0">
+              <a:ea typeface="微软雅黑" panose="020B0503020204020204" pitchFamily="34" charset="-122"/>
+            </a:endParaRPr>
+          </a:p>
+        </p:txBody>
+      </p:sp>
+      <p:sp>
+        <p:nvSpPr>
+          <p:cNvPr id="19" name="等腰三角形 18"/>
+          <p:cNvSpPr/>
+          <p:nvPr/>
+        </p:nvSpPr>
+        <p:spPr>
+          <a:xfrm rot="16200000">
+            <a:off x="11505882" y="1521358"/>
+            <a:ext cx="736941" cy="635294"/>
+          </a:xfrm>
+          <a:prstGeom prst="triangle">
+            <a:avLst/>
+          </a:prstGeom>
+          <a:solidFill>
+            <a:schemeClr val="bg1">
+              <a:lumMod val="95000"/>
+              <a:alpha val="50196"/>
+            </a:schemeClr>
+          </a:solidFill>
+          <a:ln>
+            <a:noFill/>
+          </a:ln>
+        </p:spPr>
+        <p:style>
+          <a:lnRef idx="2">
+            <a:schemeClr val="accent1">
+              <a:shade val="50000"/>
+            </a:schemeClr>
+          </a:lnRef>
+          <a:fillRef idx="1">
+            <a:schemeClr val="accent1"/>
+          </a:fillRef>
+          <a:effectRef idx="0">
+            <a:schemeClr val="accent1"/>
+          </a:effectRef>
+          <a:fontRef idx="minor">
+            <a:schemeClr val="lt1"/>
+          </a:fontRef>
+        </p:style>
+        <p:txBody>
+          <a:bodyPr rtlCol="0" anchor="ctr"/>
+          <a:lstStyle/>
+          <a:p>
+            <a:pPr algn="ctr"/>
+            <a:endParaRPr lang="zh-CN" altLang="en-US" dirty="0">
+              <a:ea typeface="微软雅黑" panose="020B0503020204020204" pitchFamily="34" charset="-122"/>
+            </a:endParaRPr>
+          </a:p>
+        </p:txBody>
+      </p:sp>
+      <p:sp>
+        <p:nvSpPr>
+          <p:cNvPr id="20" name="等腰三角形 19"/>
+          <p:cNvSpPr/>
+          <p:nvPr/>
+        </p:nvSpPr>
+        <p:spPr>
+          <a:xfrm rot="16200000">
+            <a:off x="11505883" y="1521356"/>
+            <a:ext cx="736941" cy="635294"/>
+          </a:xfrm>
+          <a:prstGeom prst="triangle">
+            <a:avLst/>
+          </a:prstGeom>
+          <a:solidFill>
+            <a:schemeClr val="bg1">
+              <a:lumMod val="85000"/>
+              <a:alpha val="50196"/>
+            </a:schemeClr>
+          </a:solidFill>
+          <a:ln>
+            <a:noFill/>
+          </a:ln>
+        </p:spPr>
+        <p:style>
+          <a:lnRef idx="2">
+            <a:schemeClr val="accent1">
+              <a:shade val="50000"/>
+            </a:schemeClr>
+          </a:lnRef>
+          <a:fillRef idx="1">
+            <a:schemeClr val="accent1"/>
+          </a:fillRef>
+          <a:effectRef idx="0">
+            <a:schemeClr val="accent1"/>
+          </a:effectRef>
+          <a:fontRef idx="minor">
+            <a:schemeClr val="lt1"/>
+          </a:fontRef>
+        </p:style>
+        <p:txBody>
+          <a:bodyPr rtlCol="0" anchor="ctr"/>
+          <a:lstStyle/>
+          <a:p>
+            <a:pPr algn="ctr"/>
+            <a:endParaRPr lang="zh-CN" altLang="en-US" dirty="0">
+              <a:ea typeface="微软雅黑" panose="020B0503020204020204" pitchFamily="34" charset="-122"/>
+            </a:endParaRPr>
+          </a:p>
+        </p:txBody>
+      </p:sp>
+      <p:sp>
+        <p:nvSpPr>
+          <p:cNvPr id="63" name="TextBox 62"/>
+          <p:cNvSpPr txBox="1"/>
+          <p:nvPr/>
+        </p:nvSpPr>
+        <p:spPr>
+          <a:xfrm>
+            <a:off x="544812" y="300368"/>
+            <a:ext cx="3422709" cy="369332"/>
+          </a:xfrm>
+          <a:prstGeom prst="rect">
+            <a:avLst/>
+          </a:prstGeom>
+          <a:noFill/>
+        </p:spPr>
+        <p:txBody>
+          <a:bodyPr wrap="square" rtlCol="0">
+            <a:spAutoFit/>
+          </a:bodyPr>
+          <a:lstStyle/>
+          <a:p>
+            <a:r>
+              <a:rPr lang="en-US" altLang="zh-CN" dirty="0" smtClean="0">
+                <a:solidFill>
+                  <a:schemeClr val="bg1">
+                    <a:lumMod val="50000"/>
+                  </a:schemeClr>
+                </a:solidFill>
+                <a:latin typeface="微软雅黑" panose="020B0503020204020204" pitchFamily="34" charset="-122"/>
+                <a:ea typeface="微软雅黑" panose="020B0503020204020204" pitchFamily="34" charset="-122"/>
+              </a:rPr>
+              <a:t>Hello World!</a:t>
+            </a:r>
+            <a:endParaRPr lang="zh-CN" altLang="en-US" dirty="0">
+              <a:solidFill>
+                <a:schemeClr val="bg1">
+                  <a:lumMod val="50000"/>
+                </a:schemeClr>
+              </a:solidFill>
+              <a:latin typeface="微软雅黑" panose="020B0503020204020204" pitchFamily="34" charset="-122"/>
+              <a:ea typeface="微软雅黑" panose="020B0503020204020204" pitchFamily="34" charset="-122"/>
+            </a:endParaRPr>
+          </a:p>
+        </p:txBody>
+      </p:sp>
       <p:cxnSp>
         <p:nvCxnSpPr>
-          <p:cNvPr id="9" name="直接连接符 8"/>
+          <p:cNvPr id="65" name="直接连接符 64"/>
           <p:cNvCxnSpPr/>
           <p:nvPr/>
         </p:nvCxnSpPr>
         <p:spPr>
-          <a:xfrm flipH="1">
-            <a:off x="6037943" y="5177164"/>
-            <a:ext cx="6154058" cy="0"/>
+          <a:xfrm>
+            <a:off x="637091" y="669700"/>
+            <a:ext cx="2827562" cy="0"/>
           </a:xfrm>
           <a:prstGeom prst="line">
             <a:avLst/>
           </a:prstGeom>
-          <a:ln w="9525">
+          <a:ln>
             <a:solidFill>
-              <a:schemeClr val="tx1">
-                <a:alpha val="90000"/>
+              <a:schemeClr val="bg1">
+                <a:lumMod val="85000"/>
               </a:schemeClr>
             </a:solidFill>
           </a:ln>
         </p:spPr>
         <p:style>
           <a:lnRef idx="1">
-            <a:schemeClr val="accent1"/>
+            <a:schemeClr val="accent4"/>
           </a:lnRef>
           <a:fillRef idx="0">
-            <a:schemeClr val="accent1"/>
+            <a:schemeClr val="accent4"/>
           </a:fillRef>
           <a:effectRef idx="0">
-            <a:schemeClr val="accent1"/>
+            <a:schemeClr val="accent4"/>
           </a:effectRef>
           <a:fontRef idx="minor">
             <a:schemeClr val="tx1"/>
           </a:fontRef>
         </p:style>
       </p:cxnSp>
-      <p:sp>
-        <p:nvSpPr>
-          <p:cNvPr id="12" name="文本框 11"/>
-          <p:cNvSpPr txBox="1"/>
-          <p:nvPr/>
-        </p:nvSpPr>
-        <p:spPr>
-          <a:xfrm>
-            <a:off x="5933990" y="3994618"/>
-            <a:ext cx="5079596" cy="923330"/>
-          </a:xfrm>
-          <a:prstGeom prst="rect">
-            <a:avLst/>
-          </a:prstGeom>
-          <a:noFill/>
-        </p:spPr>
-        <p:txBody>
-          <a:bodyPr wrap="none" rtlCol="0">
-            <a:spAutoFit/>
-          </a:bodyPr>
-          <a:lstStyle/>
-          <a:p>
-            <a:r>
-              <a:rPr lang="en-US" altLang="zh-CN" sz="5400" b="1" spc="-100" dirty="0" smtClean="0">
-                <a:latin typeface="Microsoft YaHei UI" panose="020B0503020204020204" pitchFamily="34" charset="-122"/>
-                <a:ea typeface="Microsoft YaHei UI" panose="020B0503020204020204" pitchFamily="34" charset="-122"/>
-              </a:rPr>
-              <a:t>THANK YOU</a:t>
-            </a:r>
-            <a:r>
-              <a:rPr lang="zh-CN" altLang="en-US" sz="5400" b="1" spc="-100" dirty="0" smtClean="0">
-                <a:latin typeface="Microsoft YaHei UI" panose="020B0503020204020204" pitchFamily="34" charset="-122"/>
-                <a:ea typeface="Microsoft YaHei UI" panose="020B0503020204020204" pitchFamily="34" charset="-122"/>
-              </a:rPr>
-              <a:t>！</a:t>
-            </a:r>
-            <a:endParaRPr lang="zh-CN" altLang="en-US" sz="5400" b="1" spc="-100" dirty="0">
-              <a:latin typeface="Microsoft YaHei UI" panose="020B0503020204020204" pitchFamily="34" charset="-122"/>
-              <a:ea typeface="Microsoft YaHei UI" panose="020B0503020204020204" pitchFamily="34" charset="-122"/>
-            </a:endParaRPr>
-          </a:p>
-        </p:txBody>
-      </p:sp>
       <p:pic>
         <p:nvPicPr>
-          <p:cNvPr id="4" name="Picture 2" descr="C:\Users\yepanmeng\Desktop\logo.png"/>
+          <p:cNvPr id="66" name="Picture 2" descr="C:\Users\yepanmeng\Desktop\logo.png"/>
           <p:cNvPicPr>
             <a:picLocks noChangeAspect="1" noChangeArrowheads="1"/>
           </p:cNvPicPr>
@@ -15104,9 +22114,9 @@
           </a:stretch>
         </p:blipFill>
         <p:spPr bwMode="auto">
-          <a:xfrm>
-            <a:off x="8676144" y="4135970"/>
-            <a:ext cx="534967" cy="534967"/>
+          <a:xfrm rot="5400000">
+            <a:off x="11853862" y="6367223"/>
+            <a:ext cx="371695" cy="371695"/>
           </a:xfrm>
           <a:prstGeom prst="rect">
             <a:avLst/>
@@ -15123,16 +22133,667 @@
           </a:extLst>
         </p:spPr>
       </p:pic>
+      <p:sp>
+        <p:nvSpPr>
+          <p:cNvPr id="74" name="TextBox 73"/>
+          <p:cNvSpPr txBox="1"/>
+          <p:nvPr/>
+        </p:nvSpPr>
+        <p:spPr>
+          <a:xfrm>
+            <a:off x="11247447" y="6325278"/>
+            <a:ext cx="584961" cy="253916"/>
+          </a:xfrm>
+          <a:prstGeom prst="rect">
+            <a:avLst/>
+          </a:prstGeom>
+          <a:noFill/>
+        </p:spPr>
+        <p:txBody>
+          <a:bodyPr wrap="square" rtlCol="0">
+            <a:spAutoFit/>
+          </a:bodyPr>
+          <a:lstStyle/>
+          <a:p>
+            <a:r>
+              <a:rPr lang="en-US" altLang="zh-CN" sz="1050" dirty="0">
+                <a:solidFill>
+                  <a:schemeClr val="bg1">
+                    <a:lumMod val="50000"/>
+                  </a:schemeClr>
+                </a:solidFill>
+                <a:latin typeface="Microsoft YaHei UI" panose="020B0703020204020201" charset="-122"/>
+                <a:ea typeface="Microsoft YaHei UI" panose="020B0703020204020201" charset="-122"/>
+              </a:rPr>
+              <a:t>3</a:t>
+            </a:r>
+            <a:r>
+              <a:rPr lang="en-US" altLang="zh-CN" sz="1050" dirty="0" smtClean="0">
+                <a:solidFill>
+                  <a:schemeClr val="bg1">
+                    <a:lumMod val="50000"/>
+                  </a:schemeClr>
+                </a:solidFill>
+                <a:latin typeface="Microsoft YaHei UI" panose="020B0703020204020201" charset="-122"/>
+                <a:ea typeface="Microsoft YaHei UI" panose="020B0703020204020201" charset="-122"/>
+              </a:rPr>
+              <a:t> / 11</a:t>
+            </a:r>
+            <a:endParaRPr lang="zh-CN" altLang="en-US" sz="1050" dirty="0">
+              <a:solidFill>
+                <a:schemeClr val="bg1">
+                  <a:lumMod val="50000"/>
+                </a:schemeClr>
+              </a:solidFill>
+              <a:latin typeface="Microsoft YaHei UI" panose="020B0703020204020201" charset="-122"/>
+              <a:ea typeface="Microsoft YaHei UI" panose="020B0703020204020201" charset="-122"/>
+            </a:endParaRPr>
+          </a:p>
+        </p:txBody>
+      </p:sp>
+      <p:cxnSp>
+        <p:nvCxnSpPr>
+          <p:cNvPr id="80" name="直接连接符 79"/>
+          <p:cNvCxnSpPr/>
+          <p:nvPr/>
+        </p:nvCxnSpPr>
+        <p:spPr>
+          <a:xfrm flipH="1" flipV="1">
+            <a:off x="11289392" y="6553071"/>
+            <a:ext cx="480580" cy="1"/>
+          </a:xfrm>
+          <a:prstGeom prst="line">
+            <a:avLst/>
+          </a:prstGeom>
+          <a:ln>
+            <a:solidFill>
+              <a:schemeClr val="bg1">
+                <a:lumMod val="85000"/>
+              </a:schemeClr>
+            </a:solidFill>
+          </a:ln>
+        </p:spPr>
+        <p:style>
+          <a:lnRef idx="1">
+            <a:schemeClr val="accent1"/>
+          </a:lnRef>
+          <a:fillRef idx="0">
+            <a:schemeClr val="accent1"/>
+          </a:fillRef>
+          <a:effectRef idx="0">
+            <a:schemeClr val="accent1"/>
+          </a:effectRef>
+          <a:fontRef idx="minor">
+            <a:schemeClr val="tx1"/>
+          </a:fontRef>
+        </p:style>
+      </p:cxnSp>
+      <p:grpSp>
+        <p:nvGrpSpPr>
+          <p:cNvPr id="39" name="组合 38"/>
+          <p:cNvGrpSpPr/>
+          <p:nvPr/>
+        </p:nvGrpSpPr>
+        <p:grpSpPr>
+          <a:xfrm>
+            <a:off x="637091" y="4260607"/>
+            <a:ext cx="9256527" cy="436598"/>
+            <a:chOff x="753847" y="3259943"/>
+            <a:chExt cx="9256527" cy="436598"/>
+          </a:xfrm>
+        </p:grpSpPr>
+        <p:sp>
+          <p:nvSpPr>
+            <p:cNvPr id="40" name="TextBox 39"/>
+            <p:cNvSpPr txBox="1"/>
+            <p:nvPr/>
+          </p:nvSpPr>
+          <p:spPr>
+            <a:xfrm>
+              <a:off x="1080771" y="3304061"/>
+              <a:ext cx="8929603" cy="369332"/>
+            </a:xfrm>
+            <a:prstGeom prst="rect">
+              <a:avLst/>
+            </a:prstGeom>
+            <a:noFill/>
+          </p:spPr>
+          <p:txBody>
+            <a:bodyPr wrap="square" rtlCol="0">
+              <a:spAutoFit/>
+            </a:bodyPr>
+            <a:lstStyle/>
+            <a:p>
+              <a:r>
+                <a:rPr lang="zh-CN" altLang="en-US" b="1" dirty="0" smtClean="0">
+                  <a:solidFill>
+                    <a:schemeClr val="tx1">
+                      <a:lumMod val="65000"/>
+                      <a:lumOff val="35000"/>
+                    </a:schemeClr>
+                  </a:solidFill>
+                  <a:ea typeface="微软雅黑" panose="020B0503020204020204" pitchFamily="34" charset="-122"/>
+                </a:rPr>
+                <a:t>思考</a:t>
+              </a:r>
+              <a:r>
+                <a:rPr lang="en-US" altLang="zh-CN" b="1" dirty="0" smtClean="0">
+                  <a:solidFill>
+                    <a:schemeClr val="tx1">
+                      <a:lumMod val="65000"/>
+                      <a:lumOff val="35000"/>
+                    </a:schemeClr>
+                  </a:solidFill>
+                  <a:ea typeface="微软雅黑" panose="020B0503020204020204" pitchFamily="34" charset="-122"/>
+                </a:rPr>
+                <a:t>:</a:t>
+              </a:r>
+              <a:r>
+                <a:rPr lang="en-US" altLang="zh-CN" dirty="0" smtClean="0">
+                  <a:solidFill>
+                    <a:schemeClr val="tx1">
+                      <a:lumMod val="65000"/>
+                      <a:lumOff val="35000"/>
+                    </a:schemeClr>
+                  </a:solidFill>
+                  <a:ea typeface="微软雅黑" panose="020B0503020204020204" pitchFamily="34" charset="-122"/>
+                </a:rPr>
+                <a:t>  </a:t>
+              </a:r>
+              <a:r>
+                <a:rPr lang="zh-CN" altLang="en-US" dirty="0" smtClean="0">
+                  <a:solidFill>
+                    <a:schemeClr val="tx1">
+                      <a:lumMod val="65000"/>
+                      <a:lumOff val="35000"/>
+                    </a:schemeClr>
+                  </a:solidFill>
+                  <a:ea typeface="微软雅黑" panose="020B0503020204020204" pitchFamily="34" charset="-122"/>
+                </a:rPr>
+                <a:t>虚拟 </a:t>
+              </a:r>
+              <a:r>
+                <a:rPr lang="en-US" altLang="zh-CN" dirty="0" smtClean="0">
+                  <a:solidFill>
+                    <a:schemeClr val="tx1">
+                      <a:lumMod val="65000"/>
+                      <a:lumOff val="35000"/>
+                    </a:schemeClr>
+                  </a:solidFill>
+                  <a:ea typeface="微软雅黑" panose="020B0503020204020204" pitchFamily="34" charset="-122"/>
+                </a:rPr>
+                <a:t>DOM </a:t>
+              </a:r>
+              <a:r>
+                <a:rPr lang="zh-CN" altLang="en-US" dirty="0" smtClean="0">
+                  <a:solidFill>
+                    <a:schemeClr val="tx1">
+                      <a:lumMod val="65000"/>
+                      <a:lumOff val="35000"/>
+                    </a:schemeClr>
+                  </a:solidFill>
+                  <a:ea typeface="微软雅黑" panose="020B0503020204020204" pitchFamily="34" charset="-122"/>
+                </a:rPr>
+                <a:t>是什么</a:t>
+              </a:r>
+              <a:r>
+                <a:rPr lang="en-US" altLang="zh-CN" dirty="0" smtClean="0">
+                  <a:solidFill>
+                    <a:schemeClr val="tx1">
+                      <a:lumMod val="65000"/>
+                      <a:lumOff val="35000"/>
+                    </a:schemeClr>
+                  </a:solidFill>
+                  <a:ea typeface="微软雅黑" panose="020B0503020204020204" pitchFamily="34" charset="-122"/>
+                </a:rPr>
+                <a:t>? </a:t>
+              </a:r>
+              <a:r>
+                <a:rPr lang="zh-CN" altLang="en-US" dirty="0" smtClean="0">
+                  <a:solidFill>
+                    <a:schemeClr val="tx1">
+                      <a:lumMod val="65000"/>
+                      <a:lumOff val="35000"/>
+                    </a:schemeClr>
+                  </a:solidFill>
+                  <a:ea typeface="微软雅黑" panose="020B0503020204020204" pitchFamily="34" charset="-122"/>
+                </a:rPr>
+                <a:t>如何实现</a:t>
+              </a:r>
+              <a:r>
+                <a:rPr lang="en-US" altLang="zh-CN" dirty="0" smtClean="0">
+                  <a:solidFill>
+                    <a:schemeClr val="tx1">
+                      <a:lumMod val="65000"/>
+                      <a:lumOff val="35000"/>
+                    </a:schemeClr>
+                  </a:solidFill>
+                  <a:ea typeface="微软雅黑" panose="020B0503020204020204" pitchFamily="34" charset="-122"/>
+                </a:rPr>
+                <a:t>? </a:t>
+              </a:r>
+              <a:r>
+                <a:rPr lang="zh-CN" altLang="en-US" dirty="0" smtClean="0">
+                  <a:solidFill>
+                    <a:schemeClr val="tx1">
+                      <a:lumMod val="65000"/>
+                      <a:lumOff val="35000"/>
+                    </a:schemeClr>
+                  </a:solidFill>
+                  <a:ea typeface="微软雅黑" panose="020B0503020204020204" pitchFamily="34" charset="-122"/>
+                </a:rPr>
+                <a:t>有什么优势和劣势</a:t>
+              </a:r>
+              <a:r>
+                <a:rPr lang="en-US" altLang="zh-CN" dirty="0" smtClean="0">
+                  <a:solidFill>
+                    <a:schemeClr val="tx1">
+                      <a:lumMod val="65000"/>
+                      <a:lumOff val="35000"/>
+                    </a:schemeClr>
+                  </a:solidFill>
+                  <a:ea typeface="微软雅黑" panose="020B0503020204020204" pitchFamily="34" charset="-122"/>
+                </a:rPr>
+                <a:t>?</a:t>
+              </a:r>
+              <a:endParaRPr lang="zh-CN" altLang="en-US" dirty="0">
+                <a:solidFill>
+                  <a:schemeClr val="tx1">
+                    <a:lumMod val="65000"/>
+                    <a:lumOff val="35000"/>
+                  </a:schemeClr>
+                </a:solidFill>
+                <a:ea typeface="微软雅黑" panose="020B0503020204020204" pitchFamily="34" charset="-122"/>
+              </a:endParaRPr>
+            </a:p>
+          </p:txBody>
+        </p:sp>
+        <p:pic>
+          <p:nvPicPr>
+            <p:cNvPr id="41" name="Picture 2" descr="C:\Users\yepanmeng\Desktop\logo.png"/>
+            <p:cNvPicPr>
+              <a:picLocks noChangeAspect="1" noChangeArrowheads="1"/>
+            </p:cNvPicPr>
+            <p:nvPr/>
+          </p:nvPicPr>
+          <p:blipFill>
+            <a:blip r:embed="rId4" cstate="print">
+              <a:duotone>
+                <a:schemeClr val="accent2">
+                  <a:shade val="45000"/>
+                  <a:satMod val="135000"/>
+                </a:schemeClr>
+                <a:prstClr val="white"/>
+              </a:duotone>
+              <a:extLst>
+                <a:ext uri="{BEBA8EAE-BF5A-486C-A8C5-ECC9F3942E4B}">
+                  <a14:imgProps xmlns:a14="http://schemas.microsoft.com/office/drawing/2010/main">
+                    <a14:imgLayer r:embed="rId5">
+                      <a14:imgEffect>
+                        <a14:brightnessContrast bright="-20000" contrast="40000"/>
+                      </a14:imgEffect>
+                    </a14:imgLayer>
+                  </a14:imgProps>
+                </a:ext>
+                <a:ext uri="{28A0092B-C50C-407E-A947-70E740481C1C}">
+                  <a14:useLocalDpi xmlns:a14="http://schemas.microsoft.com/office/drawing/2010/main" val="0"/>
+                </a:ext>
+              </a:extLst>
+            </a:blip>
+            <a:srcRect/>
+            <a:stretch>
+              <a:fillRect/>
+            </a:stretch>
+          </p:blipFill>
+          <p:spPr bwMode="auto">
+            <a:xfrm>
+              <a:off x="753847" y="3259943"/>
+              <a:ext cx="436598" cy="436598"/>
+            </a:xfrm>
+            <a:prstGeom prst="rect">
+              <a:avLst/>
+            </a:prstGeom>
+            <a:noFill/>
+            <a:extLst>
+              <a:ext uri="{909E8E84-426E-40DD-AFC4-6F175D3DCCD1}">
+                <a14:hiddenFill xmlns:a14="http://schemas.microsoft.com/office/drawing/2010/main">
+                  <a:solidFill>
+                    <a:srgbClr val="FFFFFF"/>
+                  </a:solidFill>
+                </a14:hiddenFill>
+              </a:ext>
+            </a:extLst>
+          </p:spPr>
+        </p:pic>
+        <p:cxnSp>
+          <p:nvCxnSpPr>
+            <p:cNvPr id="42" name="直接连接符 41"/>
+            <p:cNvCxnSpPr/>
+            <p:nvPr/>
+          </p:nvCxnSpPr>
+          <p:spPr>
+            <a:xfrm>
+              <a:off x="972146" y="3662037"/>
+              <a:ext cx="718631" cy="0"/>
+            </a:xfrm>
+            <a:prstGeom prst="line">
+              <a:avLst/>
+            </a:prstGeom>
+            <a:ln w="12700">
+              <a:solidFill>
+                <a:srgbClr val="FF0000"/>
+              </a:solidFill>
+              <a:prstDash val="lgDash"/>
+            </a:ln>
+          </p:spPr>
+          <p:style>
+            <a:lnRef idx="1">
+              <a:schemeClr val="accent1"/>
+            </a:lnRef>
+            <a:fillRef idx="0">
+              <a:schemeClr val="accent1"/>
+            </a:fillRef>
+            <a:effectRef idx="0">
+              <a:schemeClr val="accent1"/>
+            </a:effectRef>
+            <a:fontRef idx="minor">
+              <a:schemeClr val="tx1"/>
+            </a:fontRef>
+          </p:style>
+        </p:cxnSp>
+      </p:grpSp>
+      <p:grpSp>
+        <p:nvGrpSpPr>
+          <p:cNvPr id="43" name="组合 42"/>
+          <p:cNvGrpSpPr/>
+          <p:nvPr/>
+        </p:nvGrpSpPr>
+        <p:grpSpPr>
+          <a:xfrm>
+            <a:off x="906247" y="3412343"/>
+            <a:ext cx="9256527" cy="436598"/>
+            <a:chOff x="753847" y="3259943"/>
+            <a:chExt cx="9256527" cy="436598"/>
+          </a:xfrm>
+        </p:grpSpPr>
+        <p:sp>
+          <p:nvSpPr>
+            <p:cNvPr id="44" name="TextBox 43"/>
+            <p:cNvSpPr txBox="1"/>
+            <p:nvPr/>
+          </p:nvSpPr>
+          <p:spPr>
+            <a:xfrm>
+              <a:off x="1080771" y="3304061"/>
+              <a:ext cx="8929603" cy="369332"/>
+            </a:xfrm>
+            <a:prstGeom prst="rect">
+              <a:avLst/>
+            </a:prstGeom>
+            <a:noFill/>
+          </p:spPr>
+          <p:txBody>
+            <a:bodyPr wrap="square" rtlCol="0">
+              <a:spAutoFit/>
+            </a:bodyPr>
+            <a:lstStyle/>
+            <a:p>
+              <a:r>
+                <a:rPr lang="zh-CN" altLang="en-US" b="1" dirty="0" smtClean="0">
+                  <a:solidFill>
+                    <a:schemeClr val="tx1">
+                      <a:lumMod val="65000"/>
+                      <a:lumOff val="35000"/>
+                    </a:schemeClr>
+                  </a:solidFill>
+                  <a:ea typeface="微软雅黑" panose="020B0503020204020204" pitchFamily="34" charset="-122"/>
+                </a:rPr>
+                <a:t>思考</a:t>
+              </a:r>
+              <a:r>
+                <a:rPr lang="en-US" altLang="zh-CN" b="1" dirty="0" smtClean="0">
+                  <a:solidFill>
+                    <a:schemeClr val="tx1">
+                      <a:lumMod val="65000"/>
+                      <a:lumOff val="35000"/>
+                    </a:schemeClr>
+                  </a:solidFill>
+                  <a:ea typeface="微软雅黑" panose="020B0503020204020204" pitchFamily="34" charset="-122"/>
+                </a:rPr>
+                <a:t>:</a:t>
+              </a:r>
+              <a:r>
+                <a:rPr lang="en-US" altLang="zh-CN" dirty="0" smtClean="0">
+                  <a:solidFill>
+                    <a:schemeClr val="tx1">
+                      <a:lumMod val="65000"/>
+                      <a:lumOff val="35000"/>
+                    </a:schemeClr>
+                  </a:solidFill>
+                  <a:ea typeface="微软雅黑" panose="020B0503020204020204" pitchFamily="34" charset="-122"/>
+                </a:rPr>
+                <a:t>  </a:t>
+              </a:r>
+              <a:r>
+                <a:rPr lang="zh-CN" altLang="en-US" dirty="0" smtClean="0">
+                  <a:solidFill>
+                    <a:schemeClr val="tx1">
+                      <a:lumMod val="65000"/>
+                      <a:lumOff val="35000"/>
+                    </a:schemeClr>
+                  </a:solidFill>
+                  <a:ea typeface="微软雅黑" panose="020B0503020204020204" pitchFamily="34" charset="-122"/>
+                </a:rPr>
+                <a:t>虚拟 </a:t>
+              </a:r>
+              <a:r>
+                <a:rPr lang="en-US" altLang="zh-CN" dirty="0" smtClean="0">
+                  <a:solidFill>
+                    <a:schemeClr val="tx1">
+                      <a:lumMod val="65000"/>
+                      <a:lumOff val="35000"/>
+                    </a:schemeClr>
+                  </a:solidFill>
+                  <a:ea typeface="微软雅黑" panose="020B0503020204020204" pitchFamily="34" charset="-122"/>
+                </a:rPr>
+                <a:t>DOM </a:t>
+              </a:r>
+              <a:r>
+                <a:rPr lang="zh-CN" altLang="en-US" dirty="0" smtClean="0">
+                  <a:solidFill>
+                    <a:schemeClr val="tx1">
+                      <a:lumMod val="65000"/>
+                      <a:lumOff val="35000"/>
+                    </a:schemeClr>
+                  </a:solidFill>
+                  <a:ea typeface="微软雅黑" panose="020B0503020204020204" pitchFamily="34" charset="-122"/>
+                </a:rPr>
+                <a:t>是什么</a:t>
+              </a:r>
+              <a:r>
+                <a:rPr lang="en-US" altLang="zh-CN" dirty="0" smtClean="0">
+                  <a:solidFill>
+                    <a:schemeClr val="tx1">
+                      <a:lumMod val="65000"/>
+                      <a:lumOff val="35000"/>
+                    </a:schemeClr>
+                  </a:solidFill>
+                  <a:ea typeface="微软雅黑" panose="020B0503020204020204" pitchFamily="34" charset="-122"/>
+                </a:rPr>
+                <a:t>? </a:t>
+              </a:r>
+              <a:r>
+                <a:rPr lang="zh-CN" altLang="en-US" dirty="0" smtClean="0">
+                  <a:solidFill>
+                    <a:schemeClr val="tx1">
+                      <a:lumMod val="65000"/>
+                      <a:lumOff val="35000"/>
+                    </a:schemeClr>
+                  </a:solidFill>
+                  <a:ea typeface="微软雅黑" panose="020B0503020204020204" pitchFamily="34" charset="-122"/>
+                </a:rPr>
+                <a:t>如何实现</a:t>
+              </a:r>
+              <a:r>
+                <a:rPr lang="en-US" altLang="zh-CN" dirty="0" smtClean="0">
+                  <a:solidFill>
+                    <a:schemeClr val="tx1">
+                      <a:lumMod val="65000"/>
+                      <a:lumOff val="35000"/>
+                    </a:schemeClr>
+                  </a:solidFill>
+                  <a:ea typeface="微软雅黑" panose="020B0503020204020204" pitchFamily="34" charset="-122"/>
+                </a:rPr>
+                <a:t>? </a:t>
+              </a:r>
+              <a:r>
+                <a:rPr lang="zh-CN" altLang="en-US" dirty="0" smtClean="0">
+                  <a:solidFill>
+                    <a:schemeClr val="tx1">
+                      <a:lumMod val="65000"/>
+                      <a:lumOff val="35000"/>
+                    </a:schemeClr>
+                  </a:solidFill>
+                  <a:ea typeface="微软雅黑" panose="020B0503020204020204" pitchFamily="34" charset="-122"/>
+                </a:rPr>
+                <a:t>有什么优势和劣势</a:t>
+              </a:r>
+              <a:r>
+                <a:rPr lang="en-US" altLang="zh-CN" dirty="0" smtClean="0">
+                  <a:solidFill>
+                    <a:schemeClr val="tx1">
+                      <a:lumMod val="65000"/>
+                      <a:lumOff val="35000"/>
+                    </a:schemeClr>
+                  </a:solidFill>
+                  <a:ea typeface="微软雅黑" panose="020B0503020204020204" pitchFamily="34" charset="-122"/>
+                </a:rPr>
+                <a:t>?</a:t>
+              </a:r>
+              <a:endParaRPr lang="zh-CN" altLang="en-US" dirty="0">
+                <a:solidFill>
+                  <a:schemeClr val="tx1">
+                    <a:lumMod val="65000"/>
+                    <a:lumOff val="35000"/>
+                  </a:schemeClr>
+                </a:solidFill>
+                <a:ea typeface="微软雅黑" panose="020B0503020204020204" pitchFamily="34" charset="-122"/>
+              </a:endParaRPr>
+            </a:p>
+          </p:txBody>
+        </p:sp>
+        <p:pic>
+          <p:nvPicPr>
+            <p:cNvPr id="45" name="Picture 2" descr="C:\Users\yepanmeng\Desktop\logo.png"/>
+            <p:cNvPicPr>
+              <a:picLocks noChangeAspect="1" noChangeArrowheads="1"/>
+            </p:cNvPicPr>
+            <p:nvPr/>
+          </p:nvPicPr>
+          <p:blipFill>
+            <a:blip r:embed="rId4" cstate="print">
+              <a:duotone>
+                <a:schemeClr val="accent2">
+                  <a:shade val="45000"/>
+                  <a:satMod val="135000"/>
+                </a:schemeClr>
+                <a:prstClr val="white"/>
+              </a:duotone>
+              <a:extLst>
+                <a:ext uri="{BEBA8EAE-BF5A-486C-A8C5-ECC9F3942E4B}">
+                  <a14:imgProps xmlns:a14="http://schemas.microsoft.com/office/drawing/2010/main">
+                    <a14:imgLayer r:embed="rId5">
+                      <a14:imgEffect>
+                        <a14:brightnessContrast bright="-20000" contrast="40000"/>
+                      </a14:imgEffect>
+                    </a14:imgLayer>
+                  </a14:imgProps>
+                </a:ext>
+                <a:ext uri="{28A0092B-C50C-407E-A947-70E740481C1C}">
+                  <a14:useLocalDpi xmlns:a14="http://schemas.microsoft.com/office/drawing/2010/main" val="0"/>
+                </a:ext>
+              </a:extLst>
+            </a:blip>
+            <a:srcRect/>
+            <a:stretch>
+              <a:fillRect/>
+            </a:stretch>
+          </p:blipFill>
+          <p:spPr bwMode="auto">
+            <a:xfrm>
+              <a:off x="753847" y="3259943"/>
+              <a:ext cx="436598" cy="436598"/>
+            </a:xfrm>
+            <a:prstGeom prst="rect">
+              <a:avLst/>
+            </a:prstGeom>
+            <a:noFill/>
+            <a:extLst>
+              <a:ext uri="{909E8E84-426E-40DD-AFC4-6F175D3DCCD1}">
+                <a14:hiddenFill xmlns:a14="http://schemas.microsoft.com/office/drawing/2010/main">
+                  <a:solidFill>
+                    <a:srgbClr val="FFFFFF"/>
+                  </a:solidFill>
+                </a14:hiddenFill>
+              </a:ext>
+            </a:extLst>
+          </p:spPr>
+        </p:pic>
+        <p:cxnSp>
+          <p:nvCxnSpPr>
+            <p:cNvPr id="46" name="直接连接符 45"/>
+            <p:cNvCxnSpPr/>
+            <p:nvPr/>
+          </p:nvCxnSpPr>
+          <p:spPr>
+            <a:xfrm>
+              <a:off x="972146" y="3662037"/>
+              <a:ext cx="718631" cy="0"/>
+            </a:xfrm>
+            <a:prstGeom prst="line">
+              <a:avLst/>
+            </a:prstGeom>
+            <a:ln w="12700">
+              <a:solidFill>
+                <a:srgbClr val="FF0000"/>
+              </a:solidFill>
+              <a:prstDash val="lgDash"/>
+            </a:ln>
+          </p:spPr>
+          <p:style>
+            <a:lnRef idx="1">
+              <a:schemeClr val="accent1"/>
+            </a:lnRef>
+            <a:fillRef idx="0">
+              <a:schemeClr val="accent1"/>
+            </a:fillRef>
+            <a:effectRef idx="0">
+              <a:schemeClr val="accent1"/>
+            </a:effectRef>
+            <a:fontRef idx="minor">
+              <a:schemeClr val="tx1"/>
+            </a:fontRef>
+          </p:style>
+        </p:cxnSp>
+      </p:grpSp>
     </p:spTree>
     <p:extLst>
       <p:ext uri="{BB962C8B-B14F-4D97-AF65-F5344CB8AC3E}">
-        <p14:creationId xmlns:p14="http://schemas.microsoft.com/office/powerpoint/2010/main" val="4210012164"/>
+        <p14:creationId xmlns:p14="http://schemas.microsoft.com/office/powerpoint/2010/main" val="627836459"/>
       </p:ext>
     </p:extLst>
   </p:cSld>
   <p:clrMapOvr>
     <a:masterClrMapping/>
   </p:clrMapOvr>
+  <mc:AlternateContent xmlns:mc="http://schemas.openxmlformats.org/markup-compatibility/2006" xmlns:p14="http://schemas.microsoft.com/office/powerpoint/2010/main">
+    <mc:Choice Requires="p14">
+      <p:transition p14:dur="10"/>
+    </mc:Choice>
+    <mc:Fallback xmlns="">
+      <p:transition/>
+    </mc:Fallback>
+  </mc:AlternateContent>
   <p:timing>
     <p:tnLst>
       <p:par>
@@ -15683,7 +23344,7 @@
   <a:extraClrSchemeLst/>
   <a:extLst>
     <a:ext uri="{05A4C25C-085E-4340-85A3-A5531E510DB2}">
-      <thm15:themeFamily xmlns="" xmlns:thm15="http://schemas.microsoft.com/office/thememl/2012/main" name="Office Theme" id="{62F939B6-93AF-4DB8-9C6B-D6C7DFDC589F}" vid="{4A3C46E8-61CC-4603-A589-7422A47A8E4A}"/>
+      <thm15:themeFamily xmlns:thm15="http://schemas.microsoft.com/office/thememl/2012/main" xmlns="" name="Office Theme" id="{62F939B6-93AF-4DB8-9C6B-D6C7DFDC589F}" vid="{4A3C46E8-61CC-4603-A589-7422A47A8E4A}"/>
     </a:ext>
   </a:extLst>
 </a:theme>
@@ -15944,7 +23605,7 @@
   <a:extraClrSchemeLst/>
   <a:extLst>
     <a:ext uri="{05A4C25C-085E-4340-85A3-A5531E510DB2}">
-      <thm15:themeFamily xmlns="" xmlns:thm15="http://schemas.microsoft.com/office/thememl/2012/main" name="Office Theme" id="{62F939B6-93AF-4DB8-9C6B-D6C7DFDC589F}" vid="{4A3C46E8-61CC-4603-A589-7422A47A8E4A}"/>
+      <thm15:themeFamily xmlns:thm15="http://schemas.microsoft.com/office/thememl/2012/main" xmlns="" name="Office Theme" id="{62F939B6-93AF-4DB8-9C6B-D6C7DFDC589F}" vid="{4A3C46E8-61CC-4603-A589-7422A47A8E4A}"/>
     </a:ext>
   </a:extLst>
 </a:theme>

--- a/Presentation/Vue入门.pptx
+++ b/Presentation/Vue入门.pptx
@@ -1,14 +1,14 @@
 
 <file path=ppt/presentation.xml><?xml version="1.0" encoding="utf-8"?>
-<p:presentation xmlns:a="http://schemas.openxmlformats.org/drawingml/2006/main" xmlns:r="http://schemas.openxmlformats.org/officeDocument/2006/relationships" xmlns:p="http://schemas.openxmlformats.org/presentationml/2006/main" embedTrueTypeFonts="1" saveSubsetFonts="1">
+<p:presentation xmlns:a="http://schemas.openxmlformats.org/drawingml/2006/main" xmlns:r="http://schemas.openxmlformats.org/officeDocument/2006/relationships" xmlns:p="http://schemas.openxmlformats.org/presentationml/2006/main" saveSubsetFonts="1">
   <p:sldMasterIdLst>
     <p:sldMasterId id="2147483780" r:id="rId1"/>
   </p:sldMasterIdLst>
   <p:notesMasterIdLst>
-    <p:notesMasterId r:id="rId14"/>
+    <p:notesMasterId r:id="rId15"/>
   </p:notesMasterIdLst>
   <p:handoutMasterIdLst>
-    <p:handoutMasterId r:id="rId15"/>
+    <p:handoutMasterId r:id="rId16"/>
   </p:handoutMasterIdLst>
   <p:sldIdLst>
     <p:sldId id="257" r:id="rId2"/>
@@ -19,40 +19,14 @@
     <p:sldId id="267" r:id="rId7"/>
     <p:sldId id="268" r:id="rId8"/>
     <p:sldId id="269" r:id="rId9"/>
-    <p:sldId id="266" r:id="rId10"/>
-    <p:sldId id="264" r:id="rId11"/>
-    <p:sldId id="265" r:id="rId12"/>
-    <p:sldId id="259" r:id="rId13"/>
+    <p:sldId id="270" r:id="rId10"/>
+    <p:sldId id="266" r:id="rId11"/>
+    <p:sldId id="264" r:id="rId12"/>
+    <p:sldId id="265" r:id="rId13"/>
+    <p:sldId id="259" r:id="rId14"/>
   </p:sldIdLst>
   <p:sldSz cx="12192000" cy="6858000"/>
   <p:notesSz cx="6858000" cy="9144000"/>
-  <p:embeddedFontLst>
-    <p:embeddedFont>
-      <p:font typeface="方正铁筋隶书简体" panose="03000509000000000000" pitchFamily="65" charset="-122"/>
-      <p:regular r:id="rId16"/>
-    </p:embeddedFont>
-    <p:embeddedFont>
-      <p:font typeface="微软雅黑" panose="020B0503020204020204" pitchFamily="34" charset="-122"/>
-      <p:regular r:id="rId17"/>
-      <p:bold r:id="rId18"/>
-    </p:embeddedFont>
-    <p:embeddedFont>
-      <p:font typeface="Microsoft YaHei UI" panose="020B0703020204020201" charset="-122"/>
-      <p:regular r:id="rId19"/>
-      <p:bold r:id="rId20"/>
-    </p:embeddedFont>
-    <p:embeddedFont>
-      <p:font typeface="方正风雅宋简体" panose="02010600030101010101" charset="-122"/>
-      <p:regular r:id="rId21"/>
-    </p:embeddedFont>
-    <p:embeddedFont>
-      <p:font typeface="Calibri" panose="020F0502020204030204" pitchFamily="34" charset="0"/>
-      <p:regular r:id="rId22"/>
-      <p:bold r:id="rId23"/>
-      <p:italic r:id="rId24"/>
-      <p:boldItalic r:id="rId25"/>
-    </p:embeddedFont>
-  </p:embeddedFontLst>
   <p:defaultTextStyle>
     <a:defPPr>
       <a:defRPr lang="zh-CN"/>
@@ -150,7 +124,7 @@
   </p:defaultTextStyle>
   <p:extLst>
     <p:ext uri="{EFAFB233-063F-42B5-8137-9DF3F51BA10A}">
-      <p15:sldGuideLst xmlns:p15="http://schemas.microsoft.com/office/powerpoint/2012/main" xmlns="">
+      <p15:sldGuideLst xmlns:p15="http://schemas.microsoft.com/office/powerpoint/2012/main">
         <p15:guide id="1" pos="3840" userDrawn="1">
           <p15:clr>
             <a:srgbClr val="A4A3A4"/>
@@ -164,7 +138,7 @@
       </p15:sldGuideLst>
     </p:ext>
     <p:ext uri="{2D200454-40CA-4A62-9FC3-DE9A4176ACB9}">
-      <p15:notesGuideLst xmlns:p15="http://schemas.microsoft.com/office/powerpoint/2012/main" xmlns=""/>
+      <p15:notesGuideLst xmlns:p15="http://schemas.microsoft.com/office/powerpoint/2012/main"/>
     </p:ext>
   </p:extLst>
 </p:presentation>
@@ -256,7 +230,7 @@
               <a:rPr lang="zh-CN" altLang="en-US" smtClean="0">
                 <a:ea typeface="微软雅黑" panose="020B0503020204020204" pitchFamily="34" charset="-122"/>
               </a:rPr>
-              <a:t>2017/7/12</a:t>
+              <a:t>2017/7/13</a:t>
             </a:fld>
             <a:endParaRPr lang="zh-CN" altLang="en-US" dirty="0">
               <a:ea typeface="微软雅黑" panose="020B0503020204020204" pitchFamily="34" charset="-122"/>
@@ -434,7 +408,7 @@
             <a:fld id="{05C67124-AD51-4EAA-B479-FB695B5F6809}" type="datetimeFigureOut">
               <a:rPr lang="zh-CN" altLang="en-US" smtClean="0"/>
               <a:pPr/>
-              <a:t>2017/7/12</a:t>
+              <a:t>2017/7/13</a:t>
             </a:fld>
             <a:endParaRPr lang="zh-CN" altLang="en-US" dirty="0"/>
           </a:p>
@@ -880,7 +854,7 @@
           <a:p>
             <a:fld id="{624A9BF4-B422-4A26-A5B5-57536F7ECFCE}" type="slidenum">
               <a:rPr lang="zh-CN" altLang="en-US" smtClean="0"/>
-              <a:t>12</a:t>
+              <a:t>13</a:t>
             </a:fld>
             <a:endParaRPr lang="zh-CN" altLang="en-US"/>
           </a:p>
@@ -1080,7 +1054,7 @@
           <a:p>
             <a:fld id="{DD8D4CDC-0B6F-49BB-989D-1F44EF11D580}" type="datetimeFigureOut">
               <a:rPr lang="zh-CN" altLang="en-US" smtClean="0"/>
-              <a:t>2017/7/12</a:t>
+              <a:t>2017/7/13</a:t>
             </a:fld>
             <a:endParaRPr lang="zh-CN" altLang="en-US"/>
           </a:p>
@@ -1250,7 +1224,7 @@
           <a:p>
             <a:fld id="{DD8D4CDC-0B6F-49BB-989D-1F44EF11D580}" type="datetimeFigureOut">
               <a:rPr lang="zh-CN" altLang="en-US" smtClean="0"/>
-              <a:t>2017/7/12</a:t>
+              <a:t>2017/7/13</a:t>
             </a:fld>
             <a:endParaRPr lang="zh-CN" altLang="en-US"/>
           </a:p>
@@ -1430,7 +1404,7 @@
           <a:p>
             <a:fld id="{DD8D4CDC-0B6F-49BB-989D-1F44EF11D580}" type="datetimeFigureOut">
               <a:rPr lang="zh-CN" altLang="en-US" smtClean="0"/>
-              <a:t>2017/7/12</a:t>
+              <a:t>2017/7/13</a:t>
             </a:fld>
             <a:endParaRPr lang="zh-CN" altLang="en-US"/>
           </a:p>
@@ -1767,7 +1741,7 @@
           <a:p>
             <a:fld id="{DD8D4CDC-0B6F-49BB-989D-1F44EF11D580}" type="datetimeFigureOut">
               <a:rPr lang="zh-CN" altLang="en-US" smtClean="0"/>
-              <a:t>2017/7/12</a:t>
+              <a:t>2017/7/13</a:t>
             </a:fld>
             <a:endParaRPr lang="zh-CN" altLang="en-US"/>
           </a:p>
@@ -2013,7 +1987,7 @@
           <a:p>
             <a:fld id="{DD8D4CDC-0B6F-49BB-989D-1F44EF11D580}" type="datetimeFigureOut">
               <a:rPr lang="zh-CN" altLang="en-US" smtClean="0"/>
-              <a:t>2017/7/12</a:t>
+              <a:t>2017/7/13</a:t>
             </a:fld>
             <a:endParaRPr lang="zh-CN" altLang="en-US"/>
           </a:p>
@@ -2301,7 +2275,7 @@
           <a:p>
             <a:fld id="{DD8D4CDC-0B6F-49BB-989D-1F44EF11D580}" type="datetimeFigureOut">
               <a:rPr lang="zh-CN" altLang="en-US" smtClean="0"/>
-              <a:t>2017/7/12</a:t>
+              <a:t>2017/7/13</a:t>
             </a:fld>
             <a:endParaRPr lang="zh-CN" altLang="en-US"/>
           </a:p>
@@ -2728,7 +2702,7 @@
           <a:p>
             <a:fld id="{DD8D4CDC-0B6F-49BB-989D-1F44EF11D580}" type="datetimeFigureOut">
               <a:rPr lang="zh-CN" altLang="en-US" smtClean="0"/>
-              <a:t>2017/7/12</a:t>
+              <a:t>2017/7/13</a:t>
             </a:fld>
             <a:endParaRPr lang="zh-CN" altLang="en-US"/>
           </a:p>
@@ -2846,7 +2820,7 @@
           <a:p>
             <a:fld id="{DD8D4CDC-0B6F-49BB-989D-1F44EF11D580}" type="datetimeFigureOut">
               <a:rPr lang="zh-CN" altLang="en-US" smtClean="0"/>
-              <a:t>2017/7/12</a:t>
+              <a:t>2017/7/13</a:t>
             </a:fld>
             <a:endParaRPr lang="zh-CN" altLang="en-US"/>
           </a:p>
@@ -2942,7 +2916,7 @@
             <a:fld id="{AE3EC3ED-7435-49F9-84C8-03CCA2F8DEDB}" type="datetime4">
               <a:rPr lang="en-US" smtClean="0"/>
               <a:pPr/>
-              <a:t>July 12, 2017</a:t>
+              <a:t>July 13, 2017</a:t>
             </a:fld>
             <a:endParaRPr lang="en-US"/>
           </a:p>
@@ -4106,7 +4080,7 @@
           <a:p>
             <a:fld id="{DD8D4CDC-0B6F-49BB-989D-1F44EF11D580}" type="datetimeFigureOut">
               <a:rPr lang="zh-CN" altLang="en-US" smtClean="0"/>
-              <a:t>2017/7/12</a:t>
+              <a:t>2017/7/13</a:t>
             </a:fld>
             <a:endParaRPr lang="zh-CN" altLang="en-US"/>
           </a:p>
@@ -4359,7 +4333,7 @@
           <a:p>
             <a:fld id="{DD8D4CDC-0B6F-49BB-989D-1F44EF11D580}" type="datetimeFigureOut">
               <a:rPr lang="zh-CN" altLang="en-US" smtClean="0"/>
-              <a:t>2017/7/12</a:t>
+              <a:t>2017/7/13</a:t>
             </a:fld>
             <a:endParaRPr lang="zh-CN" altLang="en-US"/>
           </a:p>
@@ -4574,7 +4548,7 @@
             <a:fld id="{DD8D4CDC-0B6F-49BB-989D-1F44EF11D580}" type="datetimeFigureOut">
               <a:rPr lang="zh-CN" altLang="en-US" smtClean="0"/>
               <a:pPr/>
-              <a:t>2017/7/12</a:t>
+              <a:t>2017/7/13</a:t>
             </a:fld>
             <a:endParaRPr lang="zh-CN" altLang="en-US" dirty="0"/>
           </a:p>
@@ -7795,6 +7769,1670 @@
       </p:cxnSp>
       <p:grpSp>
         <p:nvGrpSpPr>
+          <p:cNvPr id="39" name="组合 38"/>
+          <p:cNvGrpSpPr/>
+          <p:nvPr/>
+        </p:nvGrpSpPr>
+        <p:grpSpPr>
+          <a:xfrm>
+            <a:off x="637091" y="4260607"/>
+            <a:ext cx="9256527" cy="436598"/>
+            <a:chOff x="753847" y="3259943"/>
+            <a:chExt cx="9256527" cy="436598"/>
+          </a:xfrm>
+        </p:grpSpPr>
+        <p:sp>
+          <p:nvSpPr>
+            <p:cNvPr id="40" name="TextBox 39"/>
+            <p:cNvSpPr txBox="1"/>
+            <p:nvPr/>
+          </p:nvSpPr>
+          <p:spPr>
+            <a:xfrm>
+              <a:off x="1080771" y="3304061"/>
+              <a:ext cx="8929603" cy="369332"/>
+            </a:xfrm>
+            <a:prstGeom prst="rect">
+              <a:avLst/>
+            </a:prstGeom>
+            <a:noFill/>
+          </p:spPr>
+          <p:txBody>
+            <a:bodyPr wrap="square" rtlCol="0">
+              <a:spAutoFit/>
+            </a:bodyPr>
+            <a:lstStyle/>
+            <a:p>
+              <a:r>
+                <a:rPr lang="zh-CN" altLang="en-US" b="1" dirty="0" smtClean="0">
+                  <a:solidFill>
+                    <a:schemeClr val="tx1">
+                      <a:lumMod val="65000"/>
+                      <a:lumOff val="35000"/>
+                    </a:schemeClr>
+                  </a:solidFill>
+                  <a:ea typeface="微软雅黑" panose="020B0503020204020204" pitchFamily="34" charset="-122"/>
+                </a:rPr>
+                <a:t>思考</a:t>
+              </a:r>
+              <a:r>
+                <a:rPr lang="en-US" altLang="zh-CN" b="1" dirty="0" smtClean="0">
+                  <a:solidFill>
+                    <a:schemeClr val="tx1">
+                      <a:lumMod val="65000"/>
+                      <a:lumOff val="35000"/>
+                    </a:schemeClr>
+                  </a:solidFill>
+                  <a:ea typeface="微软雅黑" panose="020B0503020204020204" pitchFamily="34" charset="-122"/>
+                </a:rPr>
+                <a:t>:</a:t>
+              </a:r>
+              <a:r>
+                <a:rPr lang="en-US" altLang="zh-CN" dirty="0" smtClean="0">
+                  <a:solidFill>
+                    <a:schemeClr val="tx1">
+                      <a:lumMod val="65000"/>
+                      <a:lumOff val="35000"/>
+                    </a:schemeClr>
+                  </a:solidFill>
+                  <a:ea typeface="微软雅黑" panose="020B0503020204020204" pitchFamily="34" charset="-122"/>
+                </a:rPr>
+                <a:t>  </a:t>
+              </a:r>
+              <a:r>
+                <a:rPr lang="zh-CN" altLang="en-US" dirty="0" smtClean="0">
+                  <a:solidFill>
+                    <a:schemeClr val="tx1">
+                      <a:lumMod val="65000"/>
+                      <a:lumOff val="35000"/>
+                    </a:schemeClr>
+                  </a:solidFill>
+                  <a:ea typeface="微软雅黑" panose="020B0503020204020204" pitchFamily="34" charset="-122"/>
+                </a:rPr>
+                <a:t>虚拟 </a:t>
+              </a:r>
+              <a:r>
+                <a:rPr lang="en-US" altLang="zh-CN" dirty="0" smtClean="0">
+                  <a:solidFill>
+                    <a:schemeClr val="tx1">
+                      <a:lumMod val="65000"/>
+                      <a:lumOff val="35000"/>
+                    </a:schemeClr>
+                  </a:solidFill>
+                  <a:ea typeface="微软雅黑" panose="020B0503020204020204" pitchFamily="34" charset="-122"/>
+                </a:rPr>
+                <a:t>DOM </a:t>
+              </a:r>
+              <a:r>
+                <a:rPr lang="zh-CN" altLang="en-US" dirty="0" smtClean="0">
+                  <a:solidFill>
+                    <a:schemeClr val="tx1">
+                      <a:lumMod val="65000"/>
+                      <a:lumOff val="35000"/>
+                    </a:schemeClr>
+                  </a:solidFill>
+                  <a:ea typeface="微软雅黑" panose="020B0503020204020204" pitchFamily="34" charset="-122"/>
+                </a:rPr>
+                <a:t>是什么</a:t>
+              </a:r>
+              <a:r>
+                <a:rPr lang="en-US" altLang="zh-CN" dirty="0" smtClean="0">
+                  <a:solidFill>
+                    <a:schemeClr val="tx1">
+                      <a:lumMod val="65000"/>
+                      <a:lumOff val="35000"/>
+                    </a:schemeClr>
+                  </a:solidFill>
+                  <a:ea typeface="微软雅黑" panose="020B0503020204020204" pitchFamily="34" charset="-122"/>
+                </a:rPr>
+                <a:t>? </a:t>
+              </a:r>
+              <a:r>
+                <a:rPr lang="zh-CN" altLang="en-US" dirty="0" smtClean="0">
+                  <a:solidFill>
+                    <a:schemeClr val="tx1">
+                      <a:lumMod val="65000"/>
+                      <a:lumOff val="35000"/>
+                    </a:schemeClr>
+                  </a:solidFill>
+                  <a:ea typeface="微软雅黑" panose="020B0503020204020204" pitchFamily="34" charset="-122"/>
+                </a:rPr>
+                <a:t>如何实现</a:t>
+              </a:r>
+              <a:r>
+                <a:rPr lang="en-US" altLang="zh-CN" dirty="0" smtClean="0">
+                  <a:solidFill>
+                    <a:schemeClr val="tx1">
+                      <a:lumMod val="65000"/>
+                      <a:lumOff val="35000"/>
+                    </a:schemeClr>
+                  </a:solidFill>
+                  <a:ea typeface="微软雅黑" panose="020B0503020204020204" pitchFamily="34" charset="-122"/>
+                </a:rPr>
+                <a:t>? </a:t>
+              </a:r>
+              <a:r>
+                <a:rPr lang="zh-CN" altLang="en-US" dirty="0" smtClean="0">
+                  <a:solidFill>
+                    <a:schemeClr val="tx1">
+                      <a:lumMod val="65000"/>
+                      <a:lumOff val="35000"/>
+                    </a:schemeClr>
+                  </a:solidFill>
+                  <a:ea typeface="微软雅黑" panose="020B0503020204020204" pitchFamily="34" charset="-122"/>
+                </a:rPr>
+                <a:t>有什么优势和劣势</a:t>
+              </a:r>
+              <a:r>
+                <a:rPr lang="en-US" altLang="zh-CN" dirty="0" smtClean="0">
+                  <a:solidFill>
+                    <a:schemeClr val="tx1">
+                      <a:lumMod val="65000"/>
+                      <a:lumOff val="35000"/>
+                    </a:schemeClr>
+                  </a:solidFill>
+                  <a:ea typeface="微软雅黑" panose="020B0503020204020204" pitchFamily="34" charset="-122"/>
+                </a:rPr>
+                <a:t>?</a:t>
+              </a:r>
+              <a:endParaRPr lang="zh-CN" altLang="en-US" dirty="0">
+                <a:solidFill>
+                  <a:schemeClr val="tx1">
+                    <a:lumMod val="65000"/>
+                    <a:lumOff val="35000"/>
+                  </a:schemeClr>
+                </a:solidFill>
+                <a:ea typeface="微软雅黑" panose="020B0503020204020204" pitchFamily="34" charset="-122"/>
+              </a:endParaRPr>
+            </a:p>
+          </p:txBody>
+        </p:sp>
+        <p:pic>
+          <p:nvPicPr>
+            <p:cNvPr id="41" name="Picture 2" descr="C:\Users\yepanmeng\Desktop\logo.png"/>
+            <p:cNvPicPr>
+              <a:picLocks noChangeAspect="1" noChangeArrowheads="1"/>
+            </p:cNvPicPr>
+            <p:nvPr/>
+          </p:nvPicPr>
+          <p:blipFill>
+            <a:blip r:embed="rId4" cstate="print">
+              <a:duotone>
+                <a:schemeClr val="accent2">
+                  <a:shade val="45000"/>
+                  <a:satMod val="135000"/>
+                </a:schemeClr>
+                <a:prstClr val="white"/>
+              </a:duotone>
+              <a:extLst>
+                <a:ext uri="{BEBA8EAE-BF5A-486C-A8C5-ECC9F3942E4B}">
+                  <a14:imgProps xmlns:a14="http://schemas.microsoft.com/office/drawing/2010/main">
+                    <a14:imgLayer r:embed="rId5">
+                      <a14:imgEffect>
+                        <a14:brightnessContrast bright="-20000" contrast="40000"/>
+                      </a14:imgEffect>
+                    </a14:imgLayer>
+                  </a14:imgProps>
+                </a:ext>
+                <a:ext uri="{28A0092B-C50C-407E-A947-70E740481C1C}">
+                  <a14:useLocalDpi xmlns:a14="http://schemas.microsoft.com/office/drawing/2010/main" val="0"/>
+                </a:ext>
+              </a:extLst>
+            </a:blip>
+            <a:srcRect/>
+            <a:stretch>
+              <a:fillRect/>
+            </a:stretch>
+          </p:blipFill>
+          <p:spPr bwMode="auto">
+            <a:xfrm>
+              <a:off x="753847" y="3259943"/>
+              <a:ext cx="436598" cy="436598"/>
+            </a:xfrm>
+            <a:prstGeom prst="rect">
+              <a:avLst/>
+            </a:prstGeom>
+            <a:noFill/>
+            <a:extLst>
+              <a:ext uri="{909E8E84-426E-40DD-AFC4-6F175D3DCCD1}">
+                <a14:hiddenFill xmlns:a14="http://schemas.microsoft.com/office/drawing/2010/main">
+                  <a:solidFill>
+                    <a:srgbClr val="FFFFFF"/>
+                  </a:solidFill>
+                </a14:hiddenFill>
+              </a:ext>
+            </a:extLst>
+          </p:spPr>
+        </p:pic>
+        <p:cxnSp>
+          <p:nvCxnSpPr>
+            <p:cNvPr id="42" name="直接连接符 41"/>
+            <p:cNvCxnSpPr/>
+            <p:nvPr/>
+          </p:nvCxnSpPr>
+          <p:spPr>
+            <a:xfrm>
+              <a:off x="972146" y="3662037"/>
+              <a:ext cx="718631" cy="0"/>
+            </a:xfrm>
+            <a:prstGeom prst="line">
+              <a:avLst/>
+            </a:prstGeom>
+            <a:ln w="12700">
+              <a:solidFill>
+                <a:srgbClr val="FF0000"/>
+              </a:solidFill>
+              <a:prstDash val="lgDash"/>
+            </a:ln>
+          </p:spPr>
+          <p:style>
+            <a:lnRef idx="1">
+              <a:schemeClr val="accent1"/>
+            </a:lnRef>
+            <a:fillRef idx="0">
+              <a:schemeClr val="accent1"/>
+            </a:fillRef>
+            <a:effectRef idx="0">
+              <a:schemeClr val="accent1"/>
+            </a:effectRef>
+            <a:fontRef idx="minor">
+              <a:schemeClr val="tx1"/>
+            </a:fontRef>
+          </p:style>
+        </p:cxnSp>
+      </p:grpSp>
+      <p:grpSp>
+        <p:nvGrpSpPr>
+          <p:cNvPr id="43" name="组合 42"/>
+          <p:cNvGrpSpPr/>
+          <p:nvPr/>
+        </p:nvGrpSpPr>
+        <p:grpSpPr>
+          <a:xfrm>
+            <a:off x="906247" y="3412343"/>
+            <a:ext cx="9256527" cy="436598"/>
+            <a:chOff x="753847" y="3259943"/>
+            <a:chExt cx="9256527" cy="436598"/>
+          </a:xfrm>
+        </p:grpSpPr>
+        <p:sp>
+          <p:nvSpPr>
+            <p:cNvPr id="44" name="TextBox 43"/>
+            <p:cNvSpPr txBox="1"/>
+            <p:nvPr/>
+          </p:nvSpPr>
+          <p:spPr>
+            <a:xfrm>
+              <a:off x="1080771" y="3304061"/>
+              <a:ext cx="8929603" cy="369332"/>
+            </a:xfrm>
+            <a:prstGeom prst="rect">
+              <a:avLst/>
+            </a:prstGeom>
+            <a:noFill/>
+          </p:spPr>
+          <p:txBody>
+            <a:bodyPr wrap="square" rtlCol="0">
+              <a:spAutoFit/>
+            </a:bodyPr>
+            <a:lstStyle/>
+            <a:p>
+              <a:r>
+                <a:rPr lang="zh-CN" altLang="en-US" b="1" dirty="0" smtClean="0">
+                  <a:solidFill>
+                    <a:schemeClr val="tx1">
+                      <a:lumMod val="65000"/>
+                      <a:lumOff val="35000"/>
+                    </a:schemeClr>
+                  </a:solidFill>
+                  <a:ea typeface="微软雅黑" panose="020B0503020204020204" pitchFamily="34" charset="-122"/>
+                </a:rPr>
+                <a:t>思考</a:t>
+              </a:r>
+              <a:r>
+                <a:rPr lang="en-US" altLang="zh-CN" b="1" dirty="0" smtClean="0">
+                  <a:solidFill>
+                    <a:schemeClr val="tx1">
+                      <a:lumMod val="65000"/>
+                      <a:lumOff val="35000"/>
+                    </a:schemeClr>
+                  </a:solidFill>
+                  <a:ea typeface="微软雅黑" panose="020B0503020204020204" pitchFamily="34" charset="-122"/>
+                </a:rPr>
+                <a:t>:</a:t>
+              </a:r>
+              <a:r>
+                <a:rPr lang="en-US" altLang="zh-CN" dirty="0" smtClean="0">
+                  <a:solidFill>
+                    <a:schemeClr val="tx1">
+                      <a:lumMod val="65000"/>
+                      <a:lumOff val="35000"/>
+                    </a:schemeClr>
+                  </a:solidFill>
+                  <a:ea typeface="微软雅黑" panose="020B0503020204020204" pitchFamily="34" charset="-122"/>
+                </a:rPr>
+                <a:t>  </a:t>
+              </a:r>
+              <a:r>
+                <a:rPr lang="zh-CN" altLang="en-US" dirty="0" smtClean="0">
+                  <a:solidFill>
+                    <a:schemeClr val="tx1">
+                      <a:lumMod val="65000"/>
+                      <a:lumOff val="35000"/>
+                    </a:schemeClr>
+                  </a:solidFill>
+                  <a:ea typeface="微软雅黑" panose="020B0503020204020204" pitchFamily="34" charset="-122"/>
+                </a:rPr>
+                <a:t>虚拟 </a:t>
+              </a:r>
+              <a:r>
+                <a:rPr lang="en-US" altLang="zh-CN" dirty="0" smtClean="0">
+                  <a:solidFill>
+                    <a:schemeClr val="tx1">
+                      <a:lumMod val="65000"/>
+                      <a:lumOff val="35000"/>
+                    </a:schemeClr>
+                  </a:solidFill>
+                  <a:ea typeface="微软雅黑" panose="020B0503020204020204" pitchFamily="34" charset="-122"/>
+                </a:rPr>
+                <a:t>DOM </a:t>
+              </a:r>
+              <a:r>
+                <a:rPr lang="zh-CN" altLang="en-US" dirty="0" smtClean="0">
+                  <a:solidFill>
+                    <a:schemeClr val="tx1">
+                      <a:lumMod val="65000"/>
+                      <a:lumOff val="35000"/>
+                    </a:schemeClr>
+                  </a:solidFill>
+                  <a:ea typeface="微软雅黑" panose="020B0503020204020204" pitchFamily="34" charset="-122"/>
+                </a:rPr>
+                <a:t>是什么</a:t>
+              </a:r>
+              <a:r>
+                <a:rPr lang="en-US" altLang="zh-CN" dirty="0" smtClean="0">
+                  <a:solidFill>
+                    <a:schemeClr val="tx1">
+                      <a:lumMod val="65000"/>
+                      <a:lumOff val="35000"/>
+                    </a:schemeClr>
+                  </a:solidFill>
+                  <a:ea typeface="微软雅黑" panose="020B0503020204020204" pitchFamily="34" charset="-122"/>
+                </a:rPr>
+                <a:t>? </a:t>
+              </a:r>
+              <a:r>
+                <a:rPr lang="zh-CN" altLang="en-US" dirty="0" smtClean="0">
+                  <a:solidFill>
+                    <a:schemeClr val="tx1">
+                      <a:lumMod val="65000"/>
+                      <a:lumOff val="35000"/>
+                    </a:schemeClr>
+                  </a:solidFill>
+                  <a:ea typeface="微软雅黑" panose="020B0503020204020204" pitchFamily="34" charset="-122"/>
+                </a:rPr>
+                <a:t>如何实现</a:t>
+              </a:r>
+              <a:r>
+                <a:rPr lang="en-US" altLang="zh-CN" dirty="0" smtClean="0">
+                  <a:solidFill>
+                    <a:schemeClr val="tx1">
+                      <a:lumMod val="65000"/>
+                      <a:lumOff val="35000"/>
+                    </a:schemeClr>
+                  </a:solidFill>
+                  <a:ea typeface="微软雅黑" panose="020B0503020204020204" pitchFamily="34" charset="-122"/>
+                </a:rPr>
+                <a:t>? </a:t>
+              </a:r>
+              <a:r>
+                <a:rPr lang="zh-CN" altLang="en-US" dirty="0" smtClean="0">
+                  <a:solidFill>
+                    <a:schemeClr val="tx1">
+                      <a:lumMod val="65000"/>
+                      <a:lumOff val="35000"/>
+                    </a:schemeClr>
+                  </a:solidFill>
+                  <a:ea typeface="微软雅黑" panose="020B0503020204020204" pitchFamily="34" charset="-122"/>
+                </a:rPr>
+                <a:t>有什么优势和劣势</a:t>
+              </a:r>
+              <a:r>
+                <a:rPr lang="en-US" altLang="zh-CN" dirty="0" smtClean="0">
+                  <a:solidFill>
+                    <a:schemeClr val="tx1">
+                      <a:lumMod val="65000"/>
+                      <a:lumOff val="35000"/>
+                    </a:schemeClr>
+                  </a:solidFill>
+                  <a:ea typeface="微软雅黑" panose="020B0503020204020204" pitchFamily="34" charset="-122"/>
+                </a:rPr>
+                <a:t>?</a:t>
+              </a:r>
+              <a:endParaRPr lang="zh-CN" altLang="en-US" dirty="0">
+                <a:solidFill>
+                  <a:schemeClr val="tx1">
+                    <a:lumMod val="65000"/>
+                    <a:lumOff val="35000"/>
+                  </a:schemeClr>
+                </a:solidFill>
+                <a:ea typeface="微软雅黑" panose="020B0503020204020204" pitchFamily="34" charset="-122"/>
+              </a:endParaRPr>
+            </a:p>
+          </p:txBody>
+        </p:sp>
+        <p:pic>
+          <p:nvPicPr>
+            <p:cNvPr id="45" name="Picture 2" descr="C:\Users\yepanmeng\Desktop\logo.png"/>
+            <p:cNvPicPr>
+              <a:picLocks noChangeAspect="1" noChangeArrowheads="1"/>
+            </p:cNvPicPr>
+            <p:nvPr/>
+          </p:nvPicPr>
+          <p:blipFill>
+            <a:blip r:embed="rId4" cstate="print">
+              <a:duotone>
+                <a:schemeClr val="accent2">
+                  <a:shade val="45000"/>
+                  <a:satMod val="135000"/>
+                </a:schemeClr>
+                <a:prstClr val="white"/>
+              </a:duotone>
+              <a:extLst>
+                <a:ext uri="{BEBA8EAE-BF5A-486C-A8C5-ECC9F3942E4B}">
+                  <a14:imgProps xmlns:a14="http://schemas.microsoft.com/office/drawing/2010/main">
+                    <a14:imgLayer r:embed="rId5">
+                      <a14:imgEffect>
+                        <a14:brightnessContrast bright="-20000" contrast="40000"/>
+                      </a14:imgEffect>
+                    </a14:imgLayer>
+                  </a14:imgProps>
+                </a:ext>
+                <a:ext uri="{28A0092B-C50C-407E-A947-70E740481C1C}">
+                  <a14:useLocalDpi xmlns:a14="http://schemas.microsoft.com/office/drawing/2010/main" val="0"/>
+                </a:ext>
+              </a:extLst>
+            </a:blip>
+            <a:srcRect/>
+            <a:stretch>
+              <a:fillRect/>
+            </a:stretch>
+          </p:blipFill>
+          <p:spPr bwMode="auto">
+            <a:xfrm>
+              <a:off x="753847" y="3259943"/>
+              <a:ext cx="436598" cy="436598"/>
+            </a:xfrm>
+            <a:prstGeom prst="rect">
+              <a:avLst/>
+            </a:prstGeom>
+            <a:noFill/>
+            <a:extLst>
+              <a:ext uri="{909E8E84-426E-40DD-AFC4-6F175D3DCCD1}">
+                <a14:hiddenFill xmlns:a14="http://schemas.microsoft.com/office/drawing/2010/main">
+                  <a:solidFill>
+                    <a:srgbClr val="FFFFFF"/>
+                  </a:solidFill>
+                </a14:hiddenFill>
+              </a:ext>
+            </a:extLst>
+          </p:spPr>
+        </p:pic>
+        <p:cxnSp>
+          <p:nvCxnSpPr>
+            <p:cNvPr id="46" name="直接连接符 45"/>
+            <p:cNvCxnSpPr/>
+            <p:nvPr/>
+          </p:nvCxnSpPr>
+          <p:spPr>
+            <a:xfrm>
+              <a:off x="972146" y="3662037"/>
+              <a:ext cx="718631" cy="0"/>
+            </a:xfrm>
+            <a:prstGeom prst="line">
+              <a:avLst/>
+            </a:prstGeom>
+            <a:ln w="12700">
+              <a:solidFill>
+                <a:srgbClr val="FF0000"/>
+              </a:solidFill>
+              <a:prstDash val="lgDash"/>
+            </a:ln>
+          </p:spPr>
+          <p:style>
+            <a:lnRef idx="1">
+              <a:schemeClr val="accent1"/>
+            </a:lnRef>
+            <a:fillRef idx="0">
+              <a:schemeClr val="accent1"/>
+            </a:fillRef>
+            <a:effectRef idx="0">
+              <a:schemeClr val="accent1"/>
+            </a:effectRef>
+            <a:fontRef idx="minor">
+              <a:schemeClr val="tx1"/>
+            </a:fontRef>
+          </p:style>
+        </p:cxnSp>
+      </p:grpSp>
+    </p:spTree>
+    <p:extLst>
+      <p:ext uri="{BB962C8B-B14F-4D97-AF65-F5344CB8AC3E}">
+        <p14:creationId xmlns:p14="http://schemas.microsoft.com/office/powerpoint/2010/main" val="627836459"/>
+      </p:ext>
+    </p:extLst>
+  </p:cSld>
+  <p:clrMapOvr>
+    <a:masterClrMapping/>
+  </p:clrMapOvr>
+  <mc:AlternateContent xmlns:mc="http://schemas.openxmlformats.org/markup-compatibility/2006" xmlns:p14="http://schemas.microsoft.com/office/powerpoint/2010/main">
+    <mc:Choice Requires="p14">
+      <p:transition p14:dur="10"/>
+    </mc:Choice>
+    <mc:Fallback xmlns="">
+      <p:transition/>
+    </mc:Fallback>
+  </mc:AlternateContent>
+  <p:timing>
+    <p:tnLst>
+      <p:par>
+        <p:cTn id="1" dur="indefinite" restart="never" nodeType="tmRoot"/>
+      </p:par>
+    </p:tnLst>
+  </p:timing>
+</p:sld>
+</file>
+
+<file path=ppt/slides/slide11.xml><?xml version="1.0" encoding="utf-8"?>
+<p:sld xmlns:a="http://schemas.openxmlformats.org/drawingml/2006/main" xmlns:r="http://schemas.openxmlformats.org/officeDocument/2006/relationships" xmlns:p="http://schemas.openxmlformats.org/presentationml/2006/main">
+  <p:cSld>
+    <p:spTree>
+      <p:nvGrpSpPr>
+        <p:cNvPr id="1" name=""/>
+        <p:cNvGrpSpPr/>
+        <p:nvPr/>
+      </p:nvGrpSpPr>
+      <p:grpSpPr>
+        <a:xfrm>
+          <a:off x="0" y="0"/>
+          <a:ext cx="0" cy="0"/>
+          <a:chOff x="0" y="0"/>
+          <a:chExt cx="0" cy="0"/>
+        </a:xfrm>
+      </p:grpSpPr>
+      <p:pic>
+        <p:nvPicPr>
+          <p:cNvPr id="4" name="Picture 2" descr="C:\Users\yepanmeng\Desktop\logo.png"/>
+          <p:cNvPicPr>
+            <a:picLocks noChangeAspect="1" noChangeArrowheads="1"/>
+          </p:cNvPicPr>
+          <p:nvPr/>
+        </p:nvPicPr>
+        <p:blipFill>
+          <a:blip r:embed="rId2" cstate="print">
+            <a:extLst>
+              <a:ext uri="{28A0092B-C50C-407E-A947-70E740481C1C}">
+                <a14:useLocalDpi xmlns:a14="http://schemas.microsoft.com/office/drawing/2010/main" val="0"/>
+              </a:ext>
+            </a:extLst>
+          </a:blip>
+          <a:srcRect/>
+          <a:stretch>
+            <a:fillRect/>
+          </a:stretch>
+        </p:blipFill>
+        <p:spPr bwMode="auto">
+          <a:xfrm rot="16200000">
+            <a:off x="-47617" y="373486"/>
+            <a:ext cx="592429" cy="592429"/>
+          </a:xfrm>
+          <a:prstGeom prst="rect">
+            <a:avLst/>
+          </a:prstGeom>
+          <a:noFill/>
+          <a:extLst>
+            <a:ext uri="{909E8E84-426E-40DD-AFC4-6F175D3DCCD1}">
+              <a14:hiddenFill xmlns:a14="http://schemas.microsoft.com/office/drawing/2010/main">
+                <a:solidFill>
+                  <a:srgbClr val="FFFFFF"/>
+                </a:solidFill>
+              </a14:hiddenFill>
+            </a:ext>
+          </a:extLst>
+        </p:spPr>
+      </p:pic>
+      <p:sp>
+        <p:nvSpPr>
+          <p:cNvPr id="5" name="等腰三角形 4"/>
+          <p:cNvSpPr/>
+          <p:nvPr/>
+        </p:nvSpPr>
+        <p:spPr>
+          <a:xfrm rot="16200000">
+            <a:off x="9600001" y="-320993"/>
+            <a:ext cx="736941" cy="635294"/>
+          </a:xfrm>
+          <a:prstGeom prst="triangle">
+            <a:avLst/>
+          </a:prstGeom>
+          <a:solidFill>
+            <a:schemeClr val="bg2">
+              <a:lumMod val="90000"/>
+              <a:alpha val="50196"/>
+            </a:schemeClr>
+          </a:solidFill>
+          <a:ln>
+            <a:noFill/>
+          </a:ln>
+        </p:spPr>
+        <p:style>
+          <a:lnRef idx="2">
+            <a:schemeClr val="accent1">
+              <a:shade val="50000"/>
+            </a:schemeClr>
+          </a:lnRef>
+          <a:fillRef idx="1">
+            <a:schemeClr val="accent1"/>
+          </a:fillRef>
+          <a:effectRef idx="0">
+            <a:schemeClr val="accent1"/>
+          </a:effectRef>
+          <a:fontRef idx="minor">
+            <a:schemeClr val="lt1"/>
+          </a:fontRef>
+        </p:style>
+        <p:txBody>
+          <a:bodyPr rtlCol="0" anchor="ctr"/>
+          <a:lstStyle/>
+          <a:p>
+            <a:pPr algn="ctr"/>
+            <a:endParaRPr lang="zh-CN" altLang="en-US" dirty="0">
+              <a:ea typeface="微软雅黑" panose="020B0503020204020204" pitchFamily="34" charset="-122"/>
+            </a:endParaRPr>
+          </a:p>
+        </p:txBody>
+      </p:sp>
+      <p:sp>
+        <p:nvSpPr>
+          <p:cNvPr id="6" name="等腰三角形 5"/>
+          <p:cNvSpPr/>
+          <p:nvPr/>
+        </p:nvSpPr>
+        <p:spPr>
+          <a:xfrm rot="5400000">
+            <a:off x="10235294" y="-320993"/>
+            <a:ext cx="736941" cy="635294"/>
+          </a:xfrm>
+          <a:prstGeom prst="triangle">
+            <a:avLst/>
+          </a:prstGeom>
+          <a:solidFill>
+            <a:schemeClr val="bg1">
+              <a:lumMod val="85000"/>
+              <a:alpha val="50196"/>
+            </a:schemeClr>
+          </a:solidFill>
+          <a:ln>
+            <a:noFill/>
+          </a:ln>
+        </p:spPr>
+        <p:style>
+          <a:lnRef idx="2">
+            <a:schemeClr val="accent1">
+              <a:shade val="50000"/>
+            </a:schemeClr>
+          </a:lnRef>
+          <a:fillRef idx="1">
+            <a:schemeClr val="accent1"/>
+          </a:fillRef>
+          <a:effectRef idx="0">
+            <a:schemeClr val="accent1"/>
+          </a:effectRef>
+          <a:fontRef idx="minor">
+            <a:schemeClr val="lt1"/>
+          </a:fontRef>
+        </p:style>
+        <p:txBody>
+          <a:bodyPr rtlCol="0" anchor="ctr"/>
+          <a:lstStyle/>
+          <a:p>
+            <a:pPr algn="ctr"/>
+            <a:endParaRPr lang="zh-CN" altLang="en-US" dirty="0">
+              <a:ea typeface="微软雅黑" panose="020B0503020204020204" pitchFamily="34" charset="-122"/>
+            </a:endParaRPr>
+          </a:p>
+        </p:txBody>
+      </p:sp>
+      <p:sp>
+        <p:nvSpPr>
+          <p:cNvPr id="7" name="等腰三角形 6"/>
+          <p:cNvSpPr/>
+          <p:nvPr/>
+        </p:nvSpPr>
+        <p:spPr>
+          <a:xfrm rot="16200000">
+            <a:off x="10870588" y="-320993"/>
+            <a:ext cx="736941" cy="635294"/>
+          </a:xfrm>
+          <a:prstGeom prst="triangle">
+            <a:avLst/>
+          </a:prstGeom>
+          <a:solidFill>
+            <a:schemeClr val="bg1">
+              <a:lumMod val="95000"/>
+              <a:alpha val="50196"/>
+            </a:schemeClr>
+          </a:solidFill>
+          <a:ln>
+            <a:noFill/>
+          </a:ln>
+        </p:spPr>
+        <p:style>
+          <a:lnRef idx="2">
+            <a:schemeClr val="accent1">
+              <a:shade val="50000"/>
+            </a:schemeClr>
+          </a:lnRef>
+          <a:fillRef idx="1">
+            <a:schemeClr val="accent1"/>
+          </a:fillRef>
+          <a:effectRef idx="0">
+            <a:schemeClr val="accent1"/>
+          </a:effectRef>
+          <a:fontRef idx="minor">
+            <a:schemeClr val="lt1"/>
+          </a:fontRef>
+        </p:style>
+        <p:txBody>
+          <a:bodyPr rtlCol="0" anchor="ctr"/>
+          <a:lstStyle/>
+          <a:p>
+            <a:pPr algn="ctr"/>
+            <a:endParaRPr lang="zh-CN" altLang="en-US" dirty="0">
+              <a:ea typeface="微软雅黑" panose="020B0503020204020204" pitchFamily="34" charset="-122"/>
+            </a:endParaRPr>
+          </a:p>
+        </p:txBody>
+      </p:sp>
+      <p:sp>
+        <p:nvSpPr>
+          <p:cNvPr id="8" name="等腰三角形 7"/>
+          <p:cNvSpPr/>
+          <p:nvPr/>
+        </p:nvSpPr>
+        <p:spPr>
+          <a:xfrm rot="5400000">
+            <a:off x="11505882" y="-320993"/>
+            <a:ext cx="736941" cy="635294"/>
+          </a:xfrm>
+          <a:prstGeom prst="triangle">
+            <a:avLst/>
+          </a:prstGeom>
+          <a:solidFill>
+            <a:schemeClr val="bg2">
+              <a:alpha val="50196"/>
+            </a:schemeClr>
+          </a:solidFill>
+          <a:ln>
+            <a:noFill/>
+          </a:ln>
+        </p:spPr>
+        <p:style>
+          <a:lnRef idx="2">
+            <a:schemeClr val="accent1">
+              <a:shade val="50000"/>
+            </a:schemeClr>
+          </a:lnRef>
+          <a:fillRef idx="1">
+            <a:schemeClr val="accent1"/>
+          </a:fillRef>
+          <a:effectRef idx="0">
+            <a:schemeClr val="accent1"/>
+          </a:effectRef>
+          <a:fontRef idx="minor">
+            <a:schemeClr val="lt1"/>
+          </a:fontRef>
+        </p:style>
+        <p:txBody>
+          <a:bodyPr rtlCol="0" anchor="ctr"/>
+          <a:lstStyle/>
+          <a:p>
+            <a:pPr algn="ctr"/>
+            <a:endParaRPr lang="zh-CN" altLang="en-US" dirty="0">
+              <a:ea typeface="微软雅黑" panose="020B0503020204020204" pitchFamily="34" charset="-122"/>
+            </a:endParaRPr>
+          </a:p>
+        </p:txBody>
+      </p:sp>
+      <p:sp>
+        <p:nvSpPr>
+          <p:cNvPr id="9" name="等腰三角形 8"/>
+          <p:cNvSpPr/>
+          <p:nvPr/>
+        </p:nvSpPr>
+        <p:spPr>
+          <a:xfrm rot="5400000">
+            <a:off x="9600001" y="47478"/>
+            <a:ext cx="736941" cy="635294"/>
+          </a:xfrm>
+          <a:prstGeom prst="triangle">
+            <a:avLst/>
+          </a:prstGeom>
+          <a:solidFill>
+            <a:schemeClr val="bg2">
+              <a:alpha val="50196"/>
+            </a:schemeClr>
+          </a:solidFill>
+          <a:ln>
+            <a:noFill/>
+          </a:ln>
+        </p:spPr>
+        <p:style>
+          <a:lnRef idx="2">
+            <a:schemeClr val="accent1">
+              <a:shade val="50000"/>
+            </a:schemeClr>
+          </a:lnRef>
+          <a:fillRef idx="1">
+            <a:schemeClr val="accent1"/>
+          </a:fillRef>
+          <a:effectRef idx="0">
+            <a:schemeClr val="accent1"/>
+          </a:effectRef>
+          <a:fontRef idx="minor">
+            <a:schemeClr val="lt1"/>
+          </a:fontRef>
+        </p:style>
+        <p:txBody>
+          <a:bodyPr rtlCol="0" anchor="ctr"/>
+          <a:lstStyle/>
+          <a:p>
+            <a:pPr algn="ctr"/>
+            <a:endParaRPr lang="zh-CN" altLang="en-US" dirty="0">
+              <a:ea typeface="微软雅黑" panose="020B0503020204020204" pitchFamily="34" charset="-122"/>
+            </a:endParaRPr>
+          </a:p>
+        </p:txBody>
+      </p:sp>
+      <p:sp>
+        <p:nvSpPr>
+          <p:cNvPr id="10" name="等腰三角形 9"/>
+          <p:cNvSpPr/>
+          <p:nvPr/>
+        </p:nvSpPr>
+        <p:spPr>
+          <a:xfrm rot="16200000">
+            <a:off x="10235294" y="47478"/>
+            <a:ext cx="736941" cy="635294"/>
+          </a:xfrm>
+          <a:prstGeom prst="triangle">
+            <a:avLst/>
+          </a:prstGeom>
+          <a:solidFill>
+            <a:schemeClr val="bg1">
+              <a:lumMod val="95000"/>
+              <a:alpha val="50196"/>
+            </a:schemeClr>
+          </a:solidFill>
+          <a:ln>
+            <a:noFill/>
+          </a:ln>
+        </p:spPr>
+        <p:style>
+          <a:lnRef idx="2">
+            <a:schemeClr val="accent1">
+              <a:shade val="50000"/>
+            </a:schemeClr>
+          </a:lnRef>
+          <a:fillRef idx="1">
+            <a:schemeClr val="accent1"/>
+          </a:fillRef>
+          <a:effectRef idx="0">
+            <a:schemeClr val="accent1"/>
+          </a:effectRef>
+          <a:fontRef idx="minor">
+            <a:schemeClr val="lt1"/>
+          </a:fontRef>
+        </p:style>
+        <p:txBody>
+          <a:bodyPr rtlCol="0" anchor="ctr"/>
+          <a:lstStyle/>
+          <a:p>
+            <a:pPr algn="ctr"/>
+            <a:endParaRPr lang="zh-CN" altLang="en-US" dirty="0">
+              <a:ea typeface="微软雅黑" panose="020B0503020204020204" pitchFamily="34" charset="-122"/>
+            </a:endParaRPr>
+          </a:p>
+        </p:txBody>
+      </p:sp>
+      <p:sp>
+        <p:nvSpPr>
+          <p:cNvPr id="11" name="等腰三角形 10"/>
+          <p:cNvSpPr/>
+          <p:nvPr/>
+        </p:nvSpPr>
+        <p:spPr>
+          <a:xfrm rot="5400000">
+            <a:off x="10870588" y="47478"/>
+            <a:ext cx="736941" cy="635294"/>
+          </a:xfrm>
+          <a:prstGeom prst="triangle">
+            <a:avLst/>
+          </a:prstGeom>
+          <a:solidFill>
+            <a:schemeClr val="bg1">
+              <a:alpha val="50196"/>
+            </a:schemeClr>
+          </a:solidFill>
+          <a:ln>
+            <a:noFill/>
+          </a:ln>
+        </p:spPr>
+        <p:style>
+          <a:lnRef idx="2">
+            <a:schemeClr val="accent1">
+              <a:shade val="50000"/>
+            </a:schemeClr>
+          </a:lnRef>
+          <a:fillRef idx="1">
+            <a:schemeClr val="accent1"/>
+          </a:fillRef>
+          <a:effectRef idx="0">
+            <a:schemeClr val="accent1"/>
+          </a:effectRef>
+          <a:fontRef idx="minor">
+            <a:schemeClr val="lt1"/>
+          </a:fontRef>
+        </p:style>
+        <p:txBody>
+          <a:bodyPr rtlCol="0" anchor="ctr"/>
+          <a:lstStyle/>
+          <a:p>
+            <a:pPr algn="ctr"/>
+            <a:endParaRPr lang="zh-CN" altLang="en-US" dirty="0">
+              <a:ea typeface="微软雅黑" panose="020B0503020204020204" pitchFamily="34" charset="-122"/>
+            </a:endParaRPr>
+          </a:p>
+        </p:txBody>
+      </p:sp>
+      <p:sp>
+        <p:nvSpPr>
+          <p:cNvPr id="12" name="等腰三角形 11"/>
+          <p:cNvSpPr/>
+          <p:nvPr/>
+        </p:nvSpPr>
+        <p:spPr>
+          <a:xfrm rot="12600000">
+            <a:off x="10059450" y="490026"/>
+            <a:ext cx="736941" cy="635294"/>
+          </a:xfrm>
+          <a:prstGeom prst="triangle">
+            <a:avLst/>
+          </a:prstGeom>
+          <a:solidFill>
+            <a:schemeClr val="bg1">
+              <a:lumMod val="85000"/>
+              <a:alpha val="50196"/>
+            </a:schemeClr>
+          </a:solidFill>
+          <a:ln>
+            <a:noFill/>
+          </a:ln>
+        </p:spPr>
+        <p:style>
+          <a:lnRef idx="2">
+            <a:schemeClr val="accent1">
+              <a:shade val="50000"/>
+            </a:schemeClr>
+          </a:lnRef>
+          <a:fillRef idx="1">
+            <a:schemeClr val="accent1"/>
+          </a:fillRef>
+          <a:effectRef idx="0">
+            <a:schemeClr val="accent1"/>
+          </a:effectRef>
+          <a:fontRef idx="minor">
+            <a:schemeClr val="lt1"/>
+          </a:fontRef>
+        </p:style>
+        <p:txBody>
+          <a:bodyPr rtlCol="0" anchor="ctr"/>
+          <a:lstStyle/>
+          <a:p>
+            <a:pPr algn="ctr"/>
+            <a:endParaRPr lang="zh-CN" altLang="en-US" dirty="0">
+              <a:ea typeface="微软雅黑" panose="020B0503020204020204" pitchFamily="34" charset="-122"/>
+            </a:endParaRPr>
+          </a:p>
+        </p:txBody>
+      </p:sp>
+      <p:sp>
+        <p:nvSpPr>
+          <p:cNvPr id="13" name="等腰三角形 12"/>
+          <p:cNvSpPr/>
+          <p:nvPr/>
+        </p:nvSpPr>
+        <p:spPr>
+          <a:xfrm rot="16200000">
+            <a:off x="10870588" y="415948"/>
+            <a:ext cx="736941" cy="635294"/>
+          </a:xfrm>
+          <a:prstGeom prst="triangle">
+            <a:avLst/>
+          </a:prstGeom>
+          <a:solidFill>
+            <a:schemeClr val="bg2">
+              <a:alpha val="50196"/>
+            </a:schemeClr>
+          </a:solidFill>
+          <a:ln>
+            <a:noFill/>
+          </a:ln>
+        </p:spPr>
+        <p:style>
+          <a:lnRef idx="2">
+            <a:schemeClr val="accent1">
+              <a:shade val="50000"/>
+            </a:schemeClr>
+          </a:lnRef>
+          <a:fillRef idx="1">
+            <a:schemeClr val="accent1"/>
+          </a:fillRef>
+          <a:effectRef idx="0">
+            <a:schemeClr val="accent1"/>
+          </a:effectRef>
+          <a:fontRef idx="minor">
+            <a:schemeClr val="lt1"/>
+          </a:fontRef>
+        </p:style>
+        <p:txBody>
+          <a:bodyPr rtlCol="0" anchor="ctr"/>
+          <a:lstStyle/>
+          <a:p>
+            <a:pPr algn="ctr"/>
+            <a:endParaRPr lang="zh-CN" altLang="en-US" dirty="0">
+              <a:ea typeface="微软雅黑" panose="020B0503020204020204" pitchFamily="34" charset="-122"/>
+            </a:endParaRPr>
+          </a:p>
+        </p:txBody>
+      </p:sp>
+      <p:sp>
+        <p:nvSpPr>
+          <p:cNvPr id="14" name="等腰三角形 13"/>
+          <p:cNvSpPr/>
+          <p:nvPr/>
+        </p:nvSpPr>
+        <p:spPr>
+          <a:xfrm rot="5400000">
+            <a:off x="11505882" y="415948"/>
+            <a:ext cx="736941" cy="635294"/>
+          </a:xfrm>
+          <a:prstGeom prst="triangle">
+            <a:avLst/>
+          </a:prstGeom>
+          <a:solidFill>
+            <a:schemeClr val="bg2">
+              <a:lumMod val="90000"/>
+              <a:alpha val="50196"/>
+            </a:schemeClr>
+          </a:solidFill>
+          <a:ln>
+            <a:noFill/>
+          </a:ln>
+        </p:spPr>
+        <p:style>
+          <a:lnRef idx="2">
+            <a:schemeClr val="accent1">
+              <a:shade val="50000"/>
+            </a:schemeClr>
+          </a:lnRef>
+          <a:fillRef idx="1">
+            <a:schemeClr val="accent1"/>
+          </a:fillRef>
+          <a:effectRef idx="0">
+            <a:schemeClr val="accent1"/>
+          </a:effectRef>
+          <a:fontRef idx="minor">
+            <a:schemeClr val="lt1"/>
+          </a:fontRef>
+        </p:style>
+        <p:txBody>
+          <a:bodyPr rtlCol="0" anchor="ctr"/>
+          <a:lstStyle/>
+          <a:p>
+            <a:pPr algn="ctr"/>
+            <a:endParaRPr lang="zh-CN" altLang="en-US" dirty="0">
+              <a:ea typeface="微软雅黑" panose="020B0503020204020204" pitchFamily="34" charset="-122"/>
+            </a:endParaRPr>
+          </a:p>
+        </p:txBody>
+      </p:sp>
+      <p:sp>
+        <p:nvSpPr>
+          <p:cNvPr id="15" name="等腰三角形 14"/>
+          <p:cNvSpPr/>
+          <p:nvPr/>
+        </p:nvSpPr>
+        <p:spPr>
+          <a:xfrm rot="5400000">
+            <a:off x="10870588" y="784418"/>
+            <a:ext cx="736941" cy="635294"/>
+          </a:xfrm>
+          <a:prstGeom prst="triangle">
+            <a:avLst/>
+          </a:prstGeom>
+          <a:solidFill>
+            <a:schemeClr val="bg1">
+              <a:lumMod val="95000"/>
+              <a:alpha val="50196"/>
+            </a:schemeClr>
+          </a:solidFill>
+          <a:ln>
+            <a:noFill/>
+          </a:ln>
+        </p:spPr>
+        <p:style>
+          <a:lnRef idx="2">
+            <a:schemeClr val="accent1">
+              <a:shade val="50000"/>
+            </a:schemeClr>
+          </a:lnRef>
+          <a:fillRef idx="1">
+            <a:schemeClr val="accent1"/>
+          </a:fillRef>
+          <a:effectRef idx="0">
+            <a:schemeClr val="accent1"/>
+          </a:effectRef>
+          <a:fontRef idx="minor">
+            <a:schemeClr val="lt1"/>
+          </a:fontRef>
+        </p:style>
+        <p:txBody>
+          <a:bodyPr rtlCol="0" anchor="ctr"/>
+          <a:lstStyle/>
+          <a:p>
+            <a:pPr algn="ctr"/>
+            <a:endParaRPr lang="zh-CN" altLang="en-US" dirty="0">
+              <a:ea typeface="微软雅黑" panose="020B0503020204020204" pitchFamily="34" charset="-122"/>
+            </a:endParaRPr>
+          </a:p>
+        </p:txBody>
+      </p:sp>
+      <p:sp>
+        <p:nvSpPr>
+          <p:cNvPr id="16" name="等腰三角形 15"/>
+          <p:cNvSpPr/>
+          <p:nvPr/>
+        </p:nvSpPr>
+        <p:spPr>
+          <a:xfrm rot="16200000">
+            <a:off x="11505882" y="784418"/>
+            <a:ext cx="736941" cy="635294"/>
+          </a:xfrm>
+          <a:prstGeom prst="triangle">
+            <a:avLst/>
+          </a:prstGeom>
+          <a:solidFill>
+            <a:schemeClr val="bg1">
+              <a:lumMod val="95000"/>
+              <a:alpha val="50196"/>
+            </a:schemeClr>
+          </a:solidFill>
+          <a:ln>
+            <a:noFill/>
+          </a:ln>
+        </p:spPr>
+        <p:style>
+          <a:lnRef idx="2">
+            <a:schemeClr val="accent1">
+              <a:shade val="50000"/>
+            </a:schemeClr>
+          </a:lnRef>
+          <a:fillRef idx="1">
+            <a:schemeClr val="accent1"/>
+          </a:fillRef>
+          <a:effectRef idx="0">
+            <a:schemeClr val="accent1"/>
+          </a:effectRef>
+          <a:fontRef idx="minor">
+            <a:schemeClr val="lt1"/>
+          </a:fontRef>
+        </p:style>
+        <p:txBody>
+          <a:bodyPr rtlCol="0" anchor="ctr"/>
+          <a:lstStyle/>
+          <a:p>
+            <a:pPr algn="ctr"/>
+            <a:endParaRPr lang="zh-CN" altLang="en-US" dirty="0">
+              <a:ea typeface="微软雅黑" panose="020B0503020204020204" pitchFamily="34" charset="-122"/>
+            </a:endParaRPr>
+          </a:p>
+        </p:txBody>
+      </p:sp>
+      <p:sp>
+        <p:nvSpPr>
+          <p:cNvPr id="17" name="等腰三角形 16"/>
+          <p:cNvSpPr/>
+          <p:nvPr/>
+        </p:nvSpPr>
+        <p:spPr>
+          <a:xfrm rot="16200000">
+            <a:off x="8964706" y="39089"/>
+            <a:ext cx="736941" cy="635294"/>
+          </a:xfrm>
+          <a:prstGeom prst="triangle">
+            <a:avLst/>
+          </a:prstGeom>
+          <a:solidFill>
+            <a:schemeClr val="bg1">
+              <a:lumMod val="95000"/>
+              <a:alpha val="50196"/>
+            </a:schemeClr>
+          </a:solidFill>
+          <a:ln>
+            <a:noFill/>
+          </a:ln>
+        </p:spPr>
+        <p:style>
+          <a:lnRef idx="2">
+            <a:schemeClr val="accent1">
+              <a:shade val="50000"/>
+            </a:schemeClr>
+          </a:lnRef>
+          <a:fillRef idx="1">
+            <a:schemeClr val="accent1"/>
+          </a:fillRef>
+          <a:effectRef idx="0">
+            <a:schemeClr val="accent1"/>
+          </a:effectRef>
+          <a:fontRef idx="minor">
+            <a:schemeClr val="lt1"/>
+          </a:fontRef>
+        </p:style>
+        <p:txBody>
+          <a:bodyPr rtlCol="0" anchor="ctr"/>
+          <a:lstStyle/>
+          <a:p>
+            <a:pPr algn="ctr"/>
+            <a:endParaRPr lang="zh-CN" altLang="en-US" dirty="0">
+              <a:ea typeface="微软雅黑" panose="020B0503020204020204" pitchFamily="34" charset="-122"/>
+            </a:endParaRPr>
+          </a:p>
+        </p:txBody>
+      </p:sp>
+      <p:sp>
+        <p:nvSpPr>
+          <p:cNvPr id="18" name="等腰三角形 17"/>
+          <p:cNvSpPr/>
+          <p:nvPr/>
+        </p:nvSpPr>
+        <p:spPr>
+          <a:xfrm rot="5400000">
+            <a:off x="11505882" y="1152888"/>
+            <a:ext cx="736941" cy="635294"/>
+          </a:xfrm>
+          <a:prstGeom prst="triangle">
+            <a:avLst/>
+          </a:prstGeom>
+          <a:solidFill>
+            <a:schemeClr val="bg2">
+              <a:alpha val="50196"/>
+            </a:schemeClr>
+          </a:solidFill>
+          <a:ln>
+            <a:noFill/>
+          </a:ln>
+        </p:spPr>
+        <p:style>
+          <a:lnRef idx="2">
+            <a:schemeClr val="accent1">
+              <a:shade val="50000"/>
+            </a:schemeClr>
+          </a:lnRef>
+          <a:fillRef idx="1">
+            <a:schemeClr val="accent1"/>
+          </a:fillRef>
+          <a:effectRef idx="0">
+            <a:schemeClr val="accent1"/>
+          </a:effectRef>
+          <a:fontRef idx="minor">
+            <a:schemeClr val="lt1"/>
+          </a:fontRef>
+        </p:style>
+        <p:txBody>
+          <a:bodyPr rtlCol="0" anchor="ctr"/>
+          <a:lstStyle/>
+          <a:p>
+            <a:pPr algn="ctr"/>
+            <a:endParaRPr lang="zh-CN" altLang="en-US" dirty="0">
+              <a:ea typeface="微软雅黑" panose="020B0503020204020204" pitchFamily="34" charset="-122"/>
+            </a:endParaRPr>
+          </a:p>
+        </p:txBody>
+      </p:sp>
+      <p:sp>
+        <p:nvSpPr>
+          <p:cNvPr id="19" name="等腰三角形 18"/>
+          <p:cNvSpPr/>
+          <p:nvPr/>
+        </p:nvSpPr>
+        <p:spPr>
+          <a:xfrm rot="16200000">
+            <a:off x="11505882" y="1521358"/>
+            <a:ext cx="736941" cy="635294"/>
+          </a:xfrm>
+          <a:prstGeom prst="triangle">
+            <a:avLst/>
+          </a:prstGeom>
+          <a:solidFill>
+            <a:schemeClr val="bg1">
+              <a:lumMod val="95000"/>
+              <a:alpha val="50196"/>
+            </a:schemeClr>
+          </a:solidFill>
+          <a:ln>
+            <a:noFill/>
+          </a:ln>
+        </p:spPr>
+        <p:style>
+          <a:lnRef idx="2">
+            <a:schemeClr val="accent1">
+              <a:shade val="50000"/>
+            </a:schemeClr>
+          </a:lnRef>
+          <a:fillRef idx="1">
+            <a:schemeClr val="accent1"/>
+          </a:fillRef>
+          <a:effectRef idx="0">
+            <a:schemeClr val="accent1"/>
+          </a:effectRef>
+          <a:fontRef idx="minor">
+            <a:schemeClr val="lt1"/>
+          </a:fontRef>
+        </p:style>
+        <p:txBody>
+          <a:bodyPr rtlCol="0" anchor="ctr"/>
+          <a:lstStyle/>
+          <a:p>
+            <a:pPr algn="ctr"/>
+            <a:endParaRPr lang="zh-CN" altLang="en-US" dirty="0">
+              <a:ea typeface="微软雅黑" panose="020B0503020204020204" pitchFamily="34" charset="-122"/>
+            </a:endParaRPr>
+          </a:p>
+        </p:txBody>
+      </p:sp>
+      <p:sp>
+        <p:nvSpPr>
+          <p:cNvPr id="20" name="等腰三角形 19"/>
+          <p:cNvSpPr/>
+          <p:nvPr/>
+        </p:nvSpPr>
+        <p:spPr>
+          <a:xfrm rot="16200000">
+            <a:off x="11505883" y="1521356"/>
+            <a:ext cx="736941" cy="635294"/>
+          </a:xfrm>
+          <a:prstGeom prst="triangle">
+            <a:avLst/>
+          </a:prstGeom>
+          <a:solidFill>
+            <a:schemeClr val="bg1">
+              <a:lumMod val="85000"/>
+              <a:alpha val="50196"/>
+            </a:schemeClr>
+          </a:solidFill>
+          <a:ln>
+            <a:noFill/>
+          </a:ln>
+        </p:spPr>
+        <p:style>
+          <a:lnRef idx="2">
+            <a:schemeClr val="accent1">
+              <a:shade val="50000"/>
+            </a:schemeClr>
+          </a:lnRef>
+          <a:fillRef idx="1">
+            <a:schemeClr val="accent1"/>
+          </a:fillRef>
+          <a:effectRef idx="0">
+            <a:schemeClr val="accent1"/>
+          </a:effectRef>
+          <a:fontRef idx="minor">
+            <a:schemeClr val="lt1"/>
+          </a:fontRef>
+        </p:style>
+        <p:txBody>
+          <a:bodyPr rtlCol="0" anchor="ctr"/>
+          <a:lstStyle/>
+          <a:p>
+            <a:pPr algn="ctr"/>
+            <a:endParaRPr lang="zh-CN" altLang="en-US" dirty="0">
+              <a:ea typeface="微软雅黑" panose="020B0503020204020204" pitchFamily="34" charset="-122"/>
+            </a:endParaRPr>
+          </a:p>
+        </p:txBody>
+      </p:sp>
+      <p:sp>
+        <p:nvSpPr>
+          <p:cNvPr id="63" name="TextBox 62"/>
+          <p:cNvSpPr txBox="1"/>
+          <p:nvPr/>
+        </p:nvSpPr>
+        <p:spPr>
+          <a:xfrm>
+            <a:off x="544812" y="300368"/>
+            <a:ext cx="3422709" cy="369332"/>
+          </a:xfrm>
+          <a:prstGeom prst="rect">
+            <a:avLst/>
+          </a:prstGeom>
+          <a:noFill/>
+        </p:spPr>
+        <p:txBody>
+          <a:bodyPr wrap="square" rtlCol="0">
+            <a:spAutoFit/>
+          </a:bodyPr>
+          <a:lstStyle/>
+          <a:p>
+            <a:r>
+              <a:rPr lang="en-US" altLang="zh-CN" dirty="0" smtClean="0">
+                <a:solidFill>
+                  <a:schemeClr val="bg1">
+                    <a:lumMod val="50000"/>
+                  </a:schemeClr>
+                </a:solidFill>
+                <a:latin typeface="微软雅黑" panose="020B0503020204020204" pitchFamily="34" charset="-122"/>
+                <a:ea typeface="微软雅黑" panose="020B0503020204020204" pitchFamily="34" charset="-122"/>
+              </a:rPr>
+              <a:t>Hello World!</a:t>
+            </a:r>
+            <a:endParaRPr lang="zh-CN" altLang="en-US" dirty="0">
+              <a:solidFill>
+                <a:schemeClr val="bg1">
+                  <a:lumMod val="50000"/>
+                </a:schemeClr>
+              </a:solidFill>
+              <a:latin typeface="微软雅黑" panose="020B0503020204020204" pitchFamily="34" charset="-122"/>
+              <a:ea typeface="微软雅黑" panose="020B0503020204020204" pitchFamily="34" charset="-122"/>
+            </a:endParaRPr>
+          </a:p>
+        </p:txBody>
+      </p:sp>
+      <p:cxnSp>
+        <p:nvCxnSpPr>
+          <p:cNvPr id="65" name="直接连接符 64"/>
+          <p:cNvCxnSpPr/>
+          <p:nvPr/>
+        </p:nvCxnSpPr>
+        <p:spPr>
+          <a:xfrm>
+            <a:off x="637091" y="669700"/>
+            <a:ext cx="2827562" cy="0"/>
+          </a:xfrm>
+          <a:prstGeom prst="line">
+            <a:avLst/>
+          </a:prstGeom>
+          <a:ln>
+            <a:solidFill>
+              <a:schemeClr val="bg1">
+                <a:lumMod val="85000"/>
+              </a:schemeClr>
+            </a:solidFill>
+          </a:ln>
+        </p:spPr>
+        <p:style>
+          <a:lnRef idx="1">
+            <a:schemeClr val="accent4"/>
+          </a:lnRef>
+          <a:fillRef idx="0">
+            <a:schemeClr val="accent4"/>
+          </a:fillRef>
+          <a:effectRef idx="0">
+            <a:schemeClr val="accent4"/>
+          </a:effectRef>
+          <a:fontRef idx="minor">
+            <a:schemeClr val="tx1"/>
+          </a:fontRef>
+        </p:style>
+      </p:cxnSp>
+      <p:pic>
+        <p:nvPicPr>
+          <p:cNvPr id="66" name="Picture 2" descr="C:\Users\yepanmeng\Desktop\logo.png"/>
+          <p:cNvPicPr>
+            <a:picLocks noChangeAspect="1" noChangeArrowheads="1"/>
+          </p:cNvPicPr>
+          <p:nvPr/>
+        </p:nvPicPr>
+        <p:blipFill>
+          <a:blip r:embed="rId3" cstate="print">
+            <a:extLst>
+              <a:ext uri="{28A0092B-C50C-407E-A947-70E740481C1C}">
+                <a14:useLocalDpi xmlns:a14="http://schemas.microsoft.com/office/drawing/2010/main" val="0"/>
+              </a:ext>
+            </a:extLst>
+          </a:blip>
+          <a:srcRect/>
+          <a:stretch>
+            <a:fillRect/>
+          </a:stretch>
+        </p:blipFill>
+        <p:spPr bwMode="auto">
+          <a:xfrm rot="5400000">
+            <a:off x="11853862" y="6367223"/>
+            <a:ext cx="371695" cy="371695"/>
+          </a:xfrm>
+          <a:prstGeom prst="rect">
+            <a:avLst/>
+          </a:prstGeom>
+          <a:noFill/>
+          <a:extLst>
+            <a:ext uri="{909E8E84-426E-40DD-AFC4-6F175D3DCCD1}">
+              <a14:hiddenFill xmlns:a14="http://schemas.microsoft.com/office/drawing/2010/main">
+                <a:solidFill>
+                  <a:srgbClr val="FFFFFF"/>
+                </a:solidFill>
+              </a14:hiddenFill>
+            </a:ext>
+          </a:extLst>
+        </p:spPr>
+      </p:pic>
+      <p:sp>
+        <p:nvSpPr>
+          <p:cNvPr id="74" name="TextBox 73"/>
+          <p:cNvSpPr txBox="1"/>
+          <p:nvPr/>
+        </p:nvSpPr>
+        <p:spPr>
+          <a:xfrm>
+            <a:off x="11247447" y="6325278"/>
+            <a:ext cx="584961" cy="253916"/>
+          </a:xfrm>
+          <a:prstGeom prst="rect">
+            <a:avLst/>
+          </a:prstGeom>
+          <a:noFill/>
+        </p:spPr>
+        <p:txBody>
+          <a:bodyPr wrap="square" rtlCol="0">
+            <a:spAutoFit/>
+          </a:bodyPr>
+          <a:lstStyle/>
+          <a:p>
+            <a:r>
+              <a:rPr lang="en-US" altLang="zh-CN" sz="1050" dirty="0">
+                <a:solidFill>
+                  <a:schemeClr val="bg1">
+                    <a:lumMod val="50000"/>
+                  </a:schemeClr>
+                </a:solidFill>
+                <a:latin typeface="Microsoft YaHei UI" panose="020B0703020204020201" charset="-122"/>
+                <a:ea typeface="Microsoft YaHei UI" panose="020B0703020204020201" charset="-122"/>
+              </a:rPr>
+              <a:t>3</a:t>
+            </a:r>
+            <a:r>
+              <a:rPr lang="en-US" altLang="zh-CN" sz="1050" dirty="0" smtClean="0">
+                <a:solidFill>
+                  <a:schemeClr val="bg1">
+                    <a:lumMod val="50000"/>
+                  </a:schemeClr>
+                </a:solidFill>
+                <a:latin typeface="Microsoft YaHei UI" panose="020B0703020204020201" charset="-122"/>
+                <a:ea typeface="Microsoft YaHei UI" panose="020B0703020204020201" charset="-122"/>
+              </a:rPr>
+              <a:t> / 11</a:t>
+            </a:r>
+            <a:endParaRPr lang="zh-CN" altLang="en-US" sz="1050" dirty="0">
+              <a:solidFill>
+                <a:schemeClr val="bg1">
+                  <a:lumMod val="50000"/>
+                </a:schemeClr>
+              </a:solidFill>
+              <a:latin typeface="Microsoft YaHei UI" panose="020B0703020204020201" charset="-122"/>
+              <a:ea typeface="Microsoft YaHei UI" panose="020B0703020204020201" charset="-122"/>
+            </a:endParaRPr>
+          </a:p>
+        </p:txBody>
+      </p:sp>
+      <p:cxnSp>
+        <p:nvCxnSpPr>
+          <p:cNvPr id="80" name="直接连接符 79"/>
+          <p:cNvCxnSpPr/>
+          <p:nvPr/>
+        </p:nvCxnSpPr>
+        <p:spPr>
+          <a:xfrm flipH="1" flipV="1">
+            <a:off x="11289392" y="6553071"/>
+            <a:ext cx="480580" cy="1"/>
+          </a:xfrm>
+          <a:prstGeom prst="line">
+            <a:avLst/>
+          </a:prstGeom>
+          <a:ln>
+            <a:solidFill>
+              <a:schemeClr val="bg1">
+                <a:lumMod val="85000"/>
+              </a:schemeClr>
+            </a:solidFill>
+          </a:ln>
+        </p:spPr>
+        <p:style>
+          <a:lnRef idx="1">
+            <a:schemeClr val="accent1"/>
+          </a:lnRef>
+          <a:fillRef idx="0">
+            <a:schemeClr val="accent1"/>
+          </a:fillRef>
+          <a:effectRef idx="0">
+            <a:schemeClr val="accent1"/>
+          </a:effectRef>
+          <a:fontRef idx="minor">
+            <a:schemeClr val="tx1"/>
+          </a:fontRef>
+        </p:style>
+      </p:cxnSp>
+      <p:grpSp>
+        <p:nvGrpSpPr>
           <p:cNvPr id="24" name="组合 23"/>
           <p:cNvGrpSpPr/>
           <p:nvPr/>
@@ -7998,7 +9636,7 @@
 </p:sld>
 </file>
 
-<file path=ppt/slides/slide11.xml><?xml version="1.0" encoding="utf-8"?>
+<file path=ppt/slides/slide12.xml><?xml version="1.0" encoding="utf-8"?>
 <p:sld xmlns:a="http://schemas.openxmlformats.org/drawingml/2006/main" xmlns:r="http://schemas.openxmlformats.org/officeDocument/2006/relationships" xmlns:p="http://schemas.openxmlformats.org/presentationml/2006/main">
   <p:cSld>
     <p:spTree>
@@ -9114,7 +10752,7 @@
 </p:sld>
 </file>
 
-<file path=ppt/slides/slide12.xml><?xml version="1.0" encoding="utf-8"?>
+<file path=ppt/slides/slide13.xml><?xml version="1.0" encoding="utf-8"?>
 <p:sld xmlns:a="http://schemas.openxmlformats.org/drawingml/2006/main" xmlns:r="http://schemas.openxmlformats.org/officeDocument/2006/relationships" xmlns:p="http://schemas.openxmlformats.org/presentationml/2006/main">
   <p:cSld>
     <p:spTree>
@@ -14567,16 +16205,6 @@
               </a:rPr>
               <a:t>解析器解析。</a:t>
             </a:r>
-            <a:endParaRPr lang="zh-CN" altLang="en-US" dirty="0">
-              <a:solidFill>
-                <a:schemeClr val="tx1">
-                  <a:lumMod val="65000"/>
-                  <a:lumOff val="35000"/>
-                </a:schemeClr>
-              </a:solidFill>
-              <a:latin typeface="微软雅黑" panose="020B0503020204020204" pitchFamily="34" charset="-122"/>
-              <a:ea typeface="微软雅黑" panose="020B0503020204020204" pitchFamily="34" charset="-122"/>
-            </a:endParaRPr>
           </a:p>
         </p:txBody>
       </p:sp>
@@ -16562,6 +18190,95 @@
               </a:rPr>
               <a:t>文本插值</a:t>
             </a:r>
+          </a:p>
+        </p:txBody>
+      </p:sp>
+      <p:sp>
+        <p:nvSpPr>
+          <p:cNvPr id="32" name="TextBox 31"/>
+          <p:cNvSpPr txBox="1"/>
+          <p:nvPr/>
+        </p:nvSpPr>
+        <p:spPr>
+          <a:xfrm>
+            <a:off x="590415" y="2507161"/>
+            <a:ext cx="2295890" cy="338554"/>
+          </a:xfrm>
+          <a:prstGeom prst="rect">
+            <a:avLst/>
+          </a:prstGeom>
+          <a:noFill/>
+        </p:spPr>
+        <p:txBody>
+          <a:bodyPr wrap="square" rtlCol="0">
+            <a:spAutoFit/>
+          </a:bodyPr>
+          <a:lstStyle/>
+          <a:p>
+            <a:r>
+              <a:rPr lang="en-US" altLang="zh-CN" sz="1600" dirty="0">
+                <a:solidFill>
+                  <a:schemeClr val="bg2">
+                    <a:lumMod val="50000"/>
+                  </a:schemeClr>
+                </a:solidFill>
+                <a:latin typeface="微软雅黑" panose="020B0503020204020204" pitchFamily="34" charset="-122"/>
+                <a:ea typeface="微软雅黑" panose="020B0503020204020204" pitchFamily="34" charset="-122"/>
+              </a:rPr>
+              <a:t>#</a:t>
+            </a:r>
+            <a:r>
+              <a:rPr lang="en-US" altLang="zh-CN" sz="1600" dirty="0">
+                <a:solidFill>
+                  <a:schemeClr val="tx1">
+                    <a:lumMod val="65000"/>
+                    <a:lumOff val="35000"/>
+                  </a:schemeClr>
+                </a:solidFill>
+                <a:latin typeface="微软雅黑" panose="020B0503020204020204" pitchFamily="34" charset="-122"/>
+                <a:ea typeface="微软雅黑" panose="020B0503020204020204" pitchFamily="34" charset="-122"/>
+              </a:rPr>
+              <a:t> </a:t>
+            </a:r>
+            <a:r>
+              <a:rPr lang="zh-CN" altLang="en-US" sz="1600" dirty="0" smtClean="0">
+                <a:solidFill>
+                  <a:schemeClr val="tx1">
+                    <a:lumMod val="65000"/>
+                    <a:lumOff val="35000"/>
+                  </a:schemeClr>
+                </a:solidFill>
+                <a:latin typeface="微软雅黑" panose="020B0503020204020204" pitchFamily="34" charset="-122"/>
+                <a:ea typeface="微软雅黑" panose="020B0503020204020204" pitchFamily="34" charset="-122"/>
+              </a:rPr>
+              <a:t>纯</a:t>
+            </a:r>
+            <a:r>
+              <a:rPr lang="en-US" altLang="zh-CN" sz="1600" dirty="0" smtClean="0">
+                <a:solidFill>
+                  <a:schemeClr val="tx1">
+                    <a:lumMod val="65000"/>
+                    <a:lumOff val="35000"/>
+                  </a:schemeClr>
+                </a:solidFill>
+                <a:latin typeface="微软雅黑" panose="020B0503020204020204" pitchFamily="34" charset="-122"/>
+                <a:ea typeface="微软雅黑" panose="020B0503020204020204" pitchFamily="34" charset="-122"/>
+              </a:rPr>
+              <a:t>HTML </a:t>
+            </a:r>
+            <a:r>
+              <a:rPr lang="zh-CN" altLang="en-US" sz="1600" dirty="0" smtClean="0">
+                <a:solidFill>
+                  <a:schemeClr val="tx1">
+                    <a:lumMod val="65000"/>
+                    <a:lumOff val="35000"/>
+                  </a:schemeClr>
+                </a:solidFill>
+                <a:latin typeface="微软雅黑" panose="020B0503020204020204" pitchFamily="34" charset="-122"/>
+                <a:ea typeface="微软雅黑" panose="020B0503020204020204" pitchFamily="34" charset="-122"/>
+              </a:rPr>
+              <a:t>插值</a:t>
+            </a:r>
             <a:endParaRPr lang="zh-CN" altLang="en-US" sz="1600" dirty="0">
               <a:solidFill>
                 <a:schemeClr val="tx1">
@@ -16577,105 +18294,6 @@
       </p:sp>
       <p:sp>
         <p:nvSpPr>
-          <p:cNvPr id="32" name="TextBox 31"/>
-          <p:cNvSpPr txBox="1"/>
-          <p:nvPr/>
-        </p:nvSpPr>
-        <p:spPr>
-          <a:xfrm>
-            <a:off x="590415" y="2507161"/>
-            <a:ext cx="2295890" cy="338554"/>
-          </a:xfrm>
-          <a:prstGeom prst="rect">
-            <a:avLst/>
-          </a:prstGeom>
-          <a:noFill/>
-        </p:spPr>
-        <p:txBody>
-          <a:bodyPr wrap="square" rtlCol="0">
-            <a:spAutoFit/>
-          </a:bodyPr>
-          <a:lstStyle/>
-          <a:p>
-            <a:r>
-              <a:rPr lang="en-US" altLang="zh-CN" sz="1600" dirty="0">
-                <a:solidFill>
-                  <a:schemeClr val="bg2">
-                    <a:lumMod val="50000"/>
-                  </a:schemeClr>
-                </a:solidFill>
-                <a:latin typeface="微软雅黑" panose="020B0503020204020204" pitchFamily="34" charset="-122"/>
-                <a:ea typeface="微软雅黑" panose="020B0503020204020204" pitchFamily="34" charset="-122"/>
-              </a:rPr>
-              <a:t>#</a:t>
-            </a:r>
-            <a:r>
-              <a:rPr lang="en-US" altLang="zh-CN" sz="1600" dirty="0">
-                <a:solidFill>
-                  <a:schemeClr val="tx1">
-                    <a:lumMod val="65000"/>
-                    <a:lumOff val="35000"/>
-                  </a:schemeClr>
-                </a:solidFill>
-                <a:latin typeface="微软雅黑" panose="020B0503020204020204" pitchFamily="34" charset="-122"/>
-                <a:ea typeface="微软雅黑" panose="020B0503020204020204" pitchFamily="34" charset="-122"/>
-              </a:rPr>
-              <a:t> </a:t>
-            </a:r>
-            <a:r>
-              <a:rPr lang="zh-CN" altLang="en-US" sz="1600" dirty="0" smtClean="0">
-                <a:solidFill>
-                  <a:schemeClr val="tx1">
-                    <a:lumMod val="65000"/>
-                    <a:lumOff val="35000"/>
-                  </a:schemeClr>
-                </a:solidFill>
-                <a:latin typeface="微软雅黑" panose="020B0503020204020204" pitchFamily="34" charset="-122"/>
-                <a:ea typeface="微软雅黑" panose="020B0503020204020204" pitchFamily="34" charset="-122"/>
-              </a:rPr>
-              <a:t>纯</a:t>
-            </a:r>
-            <a:r>
-              <a:rPr lang="en-US" altLang="zh-CN" sz="1600" dirty="0" smtClean="0">
-                <a:solidFill>
-                  <a:schemeClr val="tx1">
-                    <a:lumMod val="65000"/>
-                    <a:lumOff val="35000"/>
-                  </a:schemeClr>
-                </a:solidFill>
-                <a:latin typeface="微软雅黑" panose="020B0503020204020204" pitchFamily="34" charset="-122"/>
-                <a:ea typeface="微软雅黑" panose="020B0503020204020204" pitchFamily="34" charset="-122"/>
-              </a:rPr>
-              <a:t>HTML </a:t>
-            </a:r>
-            <a:r>
-              <a:rPr lang="zh-CN" altLang="en-US" sz="1600" dirty="0" smtClean="0">
-                <a:solidFill>
-                  <a:schemeClr val="tx1">
-                    <a:lumMod val="65000"/>
-                    <a:lumOff val="35000"/>
-                  </a:schemeClr>
-                </a:solidFill>
-                <a:latin typeface="微软雅黑" panose="020B0503020204020204" pitchFamily="34" charset="-122"/>
-                <a:ea typeface="微软雅黑" panose="020B0503020204020204" pitchFamily="34" charset="-122"/>
-              </a:rPr>
-              <a:t>插值</a:t>
-            </a:r>
-            <a:endParaRPr lang="zh-CN" altLang="en-US" sz="1600" dirty="0">
-              <a:solidFill>
-                <a:schemeClr val="tx1">
-                  <a:lumMod val="65000"/>
-                  <a:lumOff val="35000"/>
-                </a:schemeClr>
-              </a:solidFill>
-              <a:latin typeface="微软雅黑" panose="020B0503020204020204" pitchFamily="34" charset="-122"/>
-              <a:ea typeface="微软雅黑" panose="020B0503020204020204" pitchFamily="34" charset="-122"/>
-            </a:endParaRPr>
-          </a:p>
-        </p:txBody>
-      </p:sp>
-      <p:sp>
-        <p:nvSpPr>
           <p:cNvPr id="21" name="TextBox 20"/>
           <p:cNvSpPr txBox="1"/>
           <p:nvPr/>
@@ -16732,18 +18350,7 @@
                   </a:schemeClr>
                 </a:solidFill>
               </a:rPr>
-              <a:t> }}&lt;/span</a:t>
-            </a:r>
-            <a:r>
-              <a:rPr lang="en-US" altLang="zh-CN" sz="2800" dirty="0">
-                <a:solidFill>
-                  <a:schemeClr val="tx1">
-                    <a:lumMod val="65000"/>
-                    <a:lumOff val="35000"/>
-                  </a:schemeClr>
-                </a:solidFill>
-              </a:rPr>
-              <a:t>&gt;</a:t>
+              <a:t> }}&lt;/span&gt;</a:t>
             </a:r>
           </a:p>
           <a:p>
@@ -18310,16 +19917,6 @@
               </a:rPr>
               <a:t>指令</a:t>
             </a:r>
-            <a:endParaRPr lang="zh-CN" altLang="en-US" sz="1600" dirty="0">
-              <a:solidFill>
-                <a:schemeClr val="tx1">
-                  <a:lumMod val="65000"/>
-                  <a:lumOff val="35000"/>
-                </a:schemeClr>
-              </a:solidFill>
-              <a:latin typeface="微软雅黑" panose="020B0503020204020204" pitchFamily="34" charset="-122"/>
-              <a:ea typeface="微软雅黑" panose="020B0503020204020204" pitchFamily="34" charset="-122"/>
-            </a:endParaRPr>
           </a:p>
         </p:txBody>
       </p:sp>
@@ -18359,8 +19956,10 @@
                   </a:schemeClr>
                 </a:solidFill>
               </a:rPr>
-              <a:t>&lt;p v-if</a:t>
-            </a:r>
+              <a:t>&lt;p v-if=“true"&gt;Now you see me.&lt;/p&gt;</a:t>
+            </a:r>
+          </a:p>
+          <a:p>
             <a:r>
               <a:rPr lang="en-US" altLang="zh-CN" sz="2800" dirty="0">
                 <a:solidFill>
@@ -18370,75 +19969,7 @@
                   </a:schemeClr>
                 </a:solidFill>
               </a:rPr>
-              <a:t>=“true"&gt;</a:t>
-            </a:r>
-            <a:r>
-              <a:rPr lang="en-US" altLang="zh-CN" sz="2800" dirty="0">
-                <a:solidFill>
-                  <a:schemeClr val="tx1">
-                    <a:lumMod val="65000"/>
-                    <a:lumOff val="35000"/>
-                  </a:schemeClr>
-                </a:solidFill>
-              </a:rPr>
-              <a:t>Now you see </a:t>
-            </a:r>
-            <a:r>
-              <a:rPr lang="en-US" altLang="zh-CN" sz="2800" dirty="0">
-                <a:solidFill>
-                  <a:schemeClr val="tx1">
-                    <a:lumMod val="65000"/>
-                    <a:lumOff val="35000"/>
-                  </a:schemeClr>
-                </a:solidFill>
-              </a:rPr>
-              <a:t>me.&lt;/</a:t>
-            </a:r>
-            <a:r>
-              <a:rPr lang="en-US" altLang="zh-CN" sz="2800" dirty="0">
-                <a:solidFill>
-                  <a:schemeClr val="tx1">
-                    <a:lumMod val="65000"/>
-                    <a:lumOff val="35000"/>
-                  </a:schemeClr>
-                </a:solidFill>
-              </a:rPr>
-              <a:t>p</a:t>
-            </a:r>
-            <a:r>
-              <a:rPr lang="en-US" altLang="zh-CN" sz="2800" dirty="0">
-                <a:solidFill>
-                  <a:schemeClr val="tx1">
-                    <a:lumMod val="65000"/>
-                    <a:lumOff val="35000"/>
-                  </a:schemeClr>
-                </a:solidFill>
-              </a:rPr>
-              <a:t>&gt;</a:t>
-            </a:r>
-          </a:p>
-          <a:p>
-            <a:r>
-              <a:rPr lang="en-US" altLang="zh-CN" sz="2800" dirty="0">
-                <a:solidFill>
-                  <a:schemeClr val="tx1">
-                    <a:lumMod val="65000"/>
-                    <a:lumOff val="35000"/>
-                  </a:schemeClr>
-                </a:solidFill>
-              </a:rPr>
-              <a:t>&lt;p </a:t>
-            </a:r>
-            <a:r>
-              <a:rPr lang="en-US" altLang="zh-CN" sz="2800" dirty="0">
-                <a:solidFill>
-                  <a:schemeClr val="tx1">
-                    <a:lumMod val="65000"/>
-                    <a:lumOff val="35000"/>
-                  </a:schemeClr>
-                </a:solidFill>
-              </a:rPr>
-              <a:t>v-else&gt;there is else.&lt;/p&gt;</a:t>
+              <a:t>&lt;p v-else&gt;there is else.&lt;/p&gt;</a:t>
             </a:r>
             <a:endParaRPr lang="zh-CN" altLang="en-US" sz="2800" dirty="0">
               <a:solidFill>
@@ -18560,10 +20091,10 @@
                   </a:schemeClr>
                 </a:solidFill>
               </a:rPr>
-              <a:t>&lt;li v-for="item in items</a:t>
-            </a:r>
-            <a:r>
-              <a:rPr lang="en-US" altLang="zh-CN" sz="2800" dirty="0">
+              <a:t>&lt;li v-for="item in items"&gt;{{ </a:t>
+            </a:r>
+            <a:r>
+              <a:rPr lang="en-US" altLang="zh-CN" sz="2800" dirty="0" err="1">
                 <a:solidFill>
                   <a:schemeClr val="tx1">
                     <a:lumMod val="65000"/>
@@ -18571,10 +20102,10 @@
                   </a:schemeClr>
                 </a:solidFill>
               </a:rPr>
-              <a:t>"&gt;{{ </a:t>
-            </a:r>
-            <a:r>
-              <a:rPr lang="en-US" altLang="zh-CN" sz="2800" dirty="0" err="1">
+              <a:t>item.message</a:t>
+            </a:r>
+            <a:r>
+              <a:rPr lang="en-US" altLang="zh-CN" sz="2800" dirty="0">
                 <a:solidFill>
                   <a:schemeClr val="tx1">
                     <a:lumMod val="65000"/>
@@ -18582,40 +20113,7 @@
                   </a:schemeClr>
                 </a:solidFill>
               </a:rPr>
-              <a:t>item.message</a:t>
-            </a:r>
-            <a:r>
-              <a:rPr lang="en-US" altLang="zh-CN" sz="2800" dirty="0">
-                <a:solidFill>
-                  <a:schemeClr val="tx1">
-                    <a:lumMod val="65000"/>
-                    <a:lumOff val="35000"/>
-                  </a:schemeClr>
-                </a:solidFill>
-              </a:rPr>
-              <a:t> </a:t>
-            </a:r>
-            <a:r>
-              <a:rPr lang="en-US" altLang="zh-CN" sz="2800" dirty="0">
-                <a:solidFill>
-                  <a:schemeClr val="tx1">
-                    <a:lumMod val="65000"/>
-                    <a:lumOff val="35000"/>
-                  </a:schemeClr>
-                </a:solidFill>
-              </a:rPr>
-              <a:t>}}&lt;/</a:t>
-            </a:r>
-            <a:r>
-              <a:rPr lang="en-US" altLang="zh-CN" sz="2800" dirty="0">
-                <a:solidFill>
-                  <a:schemeClr val="tx1">
-                    <a:lumMod val="65000"/>
-                    <a:lumOff val="35000"/>
-                  </a:schemeClr>
-                </a:solidFill>
-              </a:rPr>
-              <a:t>li&gt;</a:t>
+              <a:t> }}&lt;/li&gt;</a:t>
             </a:r>
           </a:p>
         </p:txBody>
@@ -18773,10 +20271,10 @@
                   </a:schemeClr>
                 </a:solidFill>
               </a:rPr>
-              <a:t>"&gt;&lt;/a</a:t>
-            </a:r>
-            <a:r>
-              <a:rPr lang="en-US" altLang="zh-CN" sz="2800" dirty="0">
+              <a:t>"&gt;&lt;/a&gt; </a:t>
+            </a:r>
+            <a:r>
+              <a:rPr lang="en-US" altLang="zh-CN" sz="2800" dirty="0" smtClean="0">
                 <a:solidFill>
                   <a:schemeClr val="tx1">
                     <a:lumMod val="65000"/>
@@ -18784,10 +20282,10 @@
                   </a:schemeClr>
                 </a:solidFill>
               </a:rPr>
-              <a:t>&gt; </a:t>
-            </a:r>
-            <a:r>
-              <a:rPr lang="en-US" altLang="zh-CN" sz="2800" dirty="0" smtClean="0">
+              <a:t> &lt;</a:t>
+            </a:r>
+            <a:r>
+              <a:rPr lang="en-US" altLang="zh-CN" sz="2800" dirty="0">
                 <a:solidFill>
                   <a:schemeClr val="tx1">
                     <a:lumMod val="65000"/>
@@ -18795,10 +20293,10 @@
                   </a:schemeClr>
                 </a:solidFill>
               </a:rPr>
-              <a:t> &lt;</a:t>
-            </a:r>
-            <a:r>
-              <a:rPr lang="en-US" altLang="zh-CN" sz="2800" dirty="0">
+              <a:t>a :</a:t>
+            </a:r>
+            <a:r>
+              <a:rPr lang="en-US" altLang="zh-CN" sz="2800" dirty="0" err="1">
                 <a:solidFill>
                   <a:schemeClr val="tx1">
                     <a:lumMod val="65000"/>
@@ -18806,7 +20304,7 @@
                   </a:schemeClr>
                 </a:solidFill>
               </a:rPr>
-              <a:t>a </a:t>
+              <a:t>href</a:t>
             </a:r>
             <a:r>
               <a:rPr lang="en-US" altLang="zh-CN" sz="2800" dirty="0">
@@ -18817,7 +20315,7 @@
                   </a:schemeClr>
                 </a:solidFill>
               </a:rPr>
-              <a:t>:</a:t>
+              <a:t>="</a:t>
             </a:r>
             <a:r>
               <a:rPr lang="en-US" altLang="zh-CN" sz="2800" dirty="0" err="1">
@@ -18828,7 +20326,7 @@
                   </a:schemeClr>
                 </a:solidFill>
               </a:rPr>
-              <a:t>href</a:t>
+              <a:t>url</a:t>
             </a:r>
             <a:r>
               <a:rPr lang="en-US" altLang="zh-CN" sz="2800" dirty="0">
@@ -18839,40 +20337,7 @@
                   </a:schemeClr>
                 </a:solidFill>
               </a:rPr>
-              <a:t>="</a:t>
-            </a:r>
-            <a:r>
-              <a:rPr lang="en-US" altLang="zh-CN" sz="2800" dirty="0" err="1">
-                <a:solidFill>
-                  <a:schemeClr val="tx1">
-                    <a:lumMod val="65000"/>
-                    <a:lumOff val="35000"/>
-                  </a:schemeClr>
-                </a:solidFill>
-              </a:rPr>
-              <a:t>url</a:t>
-            </a:r>
-            <a:r>
-              <a:rPr lang="en-US" altLang="zh-CN" sz="2800" dirty="0">
-                <a:solidFill>
-                  <a:schemeClr val="tx1">
-                    <a:lumMod val="65000"/>
-                    <a:lumOff val="35000"/>
-                  </a:schemeClr>
-                </a:solidFill>
-              </a:rPr>
-              <a:t>"&gt;&lt;/a</a:t>
-            </a:r>
-            <a:r>
-              <a:rPr lang="en-US" altLang="zh-CN" sz="2800" dirty="0">
-                <a:solidFill>
-                  <a:schemeClr val="tx1">
-                    <a:lumMod val="65000"/>
-                    <a:lumOff val="35000"/>
-                  </a:schemeClr>
-                </a:solidFill>
-              </a:rPr>
-              <a:t>&gt;</a:t>
+              <a:t>"&gt;&lt;/a&gt;</a:t>
             </a:r>
             <a:endParaRPr lang="zh-CN" altLang="en-US" sz="2800" dirty="0">
               <a:solidFill>
@@ -19038,10 +20503,10 @@
                   </a:schemeClr>
                 </a:solidFill>
               </a:rPr>
-              <a:t>"&gt;&lt;/</a:t>
-            </a:r>
-            <a:r>
-              <a:rPr lang="en-US" altLang="zh-CN" sz="2800" dirty="0">
+              <a:t>"&gt;&lt;/a</a:t>
+            </a:r>
+            <a:r>
+              <a:rPr lang="en-US" altLang="zh-CN" sz="2800" dirty="0" smtClean="0">
                 <a:solidFill>
                   <a:schemeClr val="tx1">
                     <a:lumMod val="65000"/>
@@ -19049,10 +20514,10 @@
                   </a:schemeClr>
                 </a:solidFill>
               </a:rPr>
-              <a:t>a</a:t>
-            </a:r>
-            <a:r>
-              <a:rPr lang="en-US" altLang="zh-CN" sz="2800" dirty="0" smtClean="0">
+              <a:t>&gt;  &lt;</a:t>
+            </a:r>
+            <a:r>
+              <a:rPr lang="en-US" altLang="zh-CN" sz="2800" dirty="0">
                 <a:solidFill>
                   <a:schemeClr val="tx1">
                     <a:lumMod val="65000"/>
@@ -19060,10 +20525,10 @@
                   </a:schemeClr>
                 </a:solidFill>
               </a:rPr>
-              <a:t>&gt;  &lt;</a:t>
-            </a:r>
-            <a:r>
-              <a:rPr lang="en-US" altLang="zh-CN" sz="2800" dirty="0">
+              <a:t>a </a:t>
+            </a:r>
+            <a:r>
+              <a:rPr lang="en-US" altLang="zh-CN" sz="2800" dirty="0" smtClean="0">
                 <a:solidFill>
                   <a:schemeClr val="tx1">
                     <a:lumMod val="65000"/>
@@ -19071,10 +20536,10 @@
                   </a:schemeClr>
                 </a:solidFill>
               </a:rPr>
-              <a:t>a </a:t>
-            </a:r>
-            <a:r>
-              <a:rPr lang="en-US" altLang="zh-CN" sz="2800" dirty="0" smtClean="0">
+              <a:t>@click</a:t>
+            </a:r>
+            <a:r>
+              <a:rPr lang="en-US" altLang="zh-CN" sz="2800" dirty="0">
                 <a:solidFill>
                   <a:schemeClr val="tx1">
                     <a:lumMod val="65000"/>
@@ -19082,10 +20547,10 @@
                   </a:schemeClr>
                 </a:solidFill>
               </a:rPr>
-              <a:t>@click</a:t>
-            </a:r>
-            <a:r>
-              <a:rPr lang="en-US" altLang="zh-CN" sz="2800" dirty="0">
+              <a:t>="</a:t>
+            </a:r>
+            <a:r>
+              <a:rPr lang="en-US" altLang="zh-CN" sz="2800" dirty="0" err="1">
                 <a:solidFill>
                   <a:schemeClr val="tx1">
                     <a:lumMod val="65000"/>
@@ -19093,10 +20558,10 @@
                   </a:schemeClr>
                 </a:solidFill>
               </a:rPr>
-              <a:t>="</a:t>
-            </a:r>
-            <a:r>
-              <a:rPr lang="en-US" altLang="zh-CN" sz="2800" dirty="0" err="1">
+              <a:t>doSth</a:t>
+            </a:r>
+            <a:r>
+              <a:rPr lang="en-US" altLang="zh-CN" sz="2800" dirty="0">
                 <a:solidFill>
                   <a:schemeClr val="tx1">
                     <a:lumMod val="65000"/>
@@ -19104,29 +20569,7 @@
                   </a:schemeClr>
                 </a:solidFill>
               </a:rPr>
-              <a:t>doSth</a:t>
-            </a:r>
-            <a:r>
-              <a:rPr lang="en-US" altLang="zh-CN" sz="2800" dirty="0">
-                <a:solidFill>
-                  <a:schemeClr val="tx1">
-                    <a:lumMod val="65000"/>
-                    <a:lumOff val="35000"/>
-                  </a:schemeClr>
-                </a:solidFill>
-              </a:rPr>
-              <a:t>"&gt;&lt;/</a:t>
-            </a:r>
-            <a:r>
-              <a:rPr lang="en-US" altLang="zh-CN" sz="2800" dirty="0">
-                <a:solidFill>
-                  <a:schemeClr val="tx1">
-                    <a:lumMod val="65000"/>
-                    <a:lumOff val="35000"/>
-                  </a:schemeClr>
-                </a:solidFill>
-              </a:rPr>
-              <a:t>a&gt;</a:t>
+              <a:t>"&gt;&lt;/a&gt;</a:t>
             </a:r>
             <a:endParaRPr lang="zh-CN" altLang="en-US" sz="2800" dirty="0">
               <a:solidFill>
@@ -20440,16 +21883,6 @@
               </a:rPr>
               <a:t>过滤器</a:t>
             </a:r>
-            <a:endParaRPr lang="zh-CN" altLang="en-US" sz="1600" dirty="0">
-              <a:solidFill>
-                <a:schemeClr val="tx1">
-                  <a:lumMod val="65000"/>
-                  <a:lumOff val="35000"/>
-                </a:schemeClr>
-              </a:solidFill>
-              <a:latin typeface="微软雅黑" panose="020B0503020204020204" pitchFamily="34" charset="-122"/>
-              <a:ea typeface="微软雅黑" panose="020B0503020204020204" pitchFamily="34" charset="-122"/>
-            </a:endParaRPr>
           </a:p>
         </p:txBody>
       </p:sp>
@@ -20461,7 +21894,7 @@
         </p:nvSpPr>
         <p:spPr>
           <a:xfrm>
-            <a:off x="590415" y="3042543"/>
+            <a:off x="248597" y="3275908"/>
             <a:ext cx="5013210" cy="2677656"/>
           </a:xfrm>
           <a:prstGeom prst="rect">
@@ -20489,8 +21922,10 @@
                   </a:schemeClr>
                 </a:solidFill>
               </a:rPr>
-              <a:t>&lt;!-- </a:t>
-            </a:r>
+              <a:t>&lt;!-- in mustaches --&gt;</a:t>
+            </a:r>
+          </a:p>
+          <a:p>
             <a:r>
               <a:rPr lang="en-US" altLang="zh-CN" sz="2400" dirty="0">
                 <a:solidFill>
@@ -20500,12 +21935,10 @@
                   </a:schemeClr>
                 </a:solidFill>
               </a:rPr>
-              <a:t>in mustaches --&gt;</a:t>
-            </a:r>
-          </a:p>
-          <a:p>
-            <a:r>
-              <a:rPr lang="en-US" altLang="zh-CN" sz="2400" dirty="0">
+              <a:t>{{ message | </a:t>
+            </a:r>
+            <a:r>
+              <a:rPr lang="en-US" altLang="zh-CN" sz="2400" dirty="0" err="1">
                 <a:solidFill>
                   <a:schemeClr val="tx1">
                     <a:lumMod val="65000"/>
@@ -20513,10 +21946,10 @@
                   </a:schemeClr>
                 </a:solidFill>
               </a:rPr>
-              <a:t>{{ message | </a:t>
-            </a:r>
-            <a:r>
-              <a:rPr lang="en-US" altLang="zh-CN" sz="2400" dirty="0" err="1">
+              <a:t>filterA</a:t>
+            </a:r>
+            <a:r>
+              <a:rPr lang="en-US" altLang="zh-CN" sz="2400" dirty="0">
                 <a:solidFill>
                   <a:schemeClr val="tx1">
                     <a:lumMod val="65000"/>
@@ -20524,10 +21957,10 @@
                   </a:schemeClr>
                 </a:solidFill>
               </a:rPr>
-              <a:t>filterA</a:t>
-            </a:r>
-            <a:r>
-              <a:rPr lang="en-US" altLang="zh-CN" sz="2400" dirty="0">
+              <a:t> </a:t>
+            </a:r>
+            <a:r>
+              <a:rPr lang="en-US" altLang="zh-CN" sz="2400" dirty="0" smtClean="0">
                 <a:solidFill>
                   <a:schemeClr val="tx1">
                     <a:lumMod val="65000"/>
@@ -20535,10 +21968,12 @@
                   </a:schemeClr>
                 </a:solidFill>
               </a:rPr>
-              <a:t> </a:t>
-            </a:r>
-            <a:r>
-              <a:rPr lang="en-US" altLang="zh-CN" sz="2400" dirty="0" smtClean="0">
+              <a:t>}}</a:t>
+            </a:r>
+          </a:p>
+          <a:p>
+            <a:r>
+              <a:rPr lang="en-US" altLang="zh-CN" sz="2400" dirty="0">
                 <a:solidFill>
                   <a:schemeClr val="tx1">
                     <a:lumMod val="65000"/>
@@ -20546,12 +21981,10 @@
                   </a:schemeClr>
                 </a:solidFill>
               </a:rPr>
-              <a:t>}}</a:t>
-            </a:r>
-          </a:p>
-          <a:p>
-            <a:r>
-              <a:rPr lang="en-US" altLang="zh-CN" sz="2400" dirty="0">
+              <a:t>{{ message | </a:t>
+            </a:r>
+            <a:r>
+              <a:rPr lang="en-US" altLang="zh-CN" sz="2400" dirty="0" err="1">
                 <a:solidFill>
                   <a:schemeClr val="tx1">
                     <a:lumMod val="65000"/>
@@ -20559,10 +21992,10 @@
                   </a:schemeClr>
                 </a:solidFill>
               </a:rPr>
-              <a:t>{{ message | </a:t>
-            </a:r>
-            <a:r>
-              <a:rPr lang="en-US" altLang="zh-CN" sz="2400" dirty="0" err="1">
+              <a:t>filterA</a:t>
+            </a:r>
+            <a:r>
+              <a:rPr lang="en-US" altLang="zh-CN" sz="2400" dirty="0">
                 <a:solidFill>
                   <a:schemeClr val="tx1">
                     <a:lumMod val="65000"/>
@@ -20570,10 +22003,10 @@
                   </a:schemeClr>
                 </a:solidFill>
               </a:rPr>
-              <a:t>filterA</a:t>
-            </a:r>
-            <a:r>
-              <a:rPr lang="en-US" altLang="zh-CN" sz="2400" dirty="0">
+              <a:t> | </a:t>
+            </a:r>
+            <a:r>
+              <a:rPr lang="en-US" altLang="zh-CN" sz="2400" dirty="0" err="1">
                 <a:solidFill>
                   <a:schemeClr val="tx1">
                     <a:lumMod val="65000"/>
@@ -20581,10 +22014,10 @@
                   </a:schemeClr>
                 </a:solidFill>
               </a:rPr>
-              <a:t> | </a:t>
-            </a:r>
-            <a:r>
-              <a:rPr lang="en-US" altLang="zh-CN" sz="2400" dirty="0" err="1">
+              <a:t>filterB</a:t>
+            </a:r>
+            <a:r>
+              <a:rPr lang="en-US" altLang="zh-CN" sz="2400" dirty="0">
                 <a:solidFill>
                   <a:schemeClr val="tx1">
                     <a:lumMod val="65000"/>
@@ -20592,29 +22025,7 @@
                   </a:schemeClr>
                 </a:solidFill>
               </a:rPr>
-              <a:t>filterB</a:t>
-            </a:r>
-            <a:r>
-              <a:rPr lang="en-US" altLang="zh-CN" sz="2400" dirty="0">
-                <a:solidFill>
-                  <a:schemeClr val="tx1">
-                    <a:lumMod val="65000"/>
-                    <a:lumOff val="35000"/>
-                  </a:schemeClr>
-                </a:solidFill>
-              </a:rPr>
-              <a:t> </a:t>
-            </a:r>
-            <a:r>
-              <a:rPr lang="en-US" altLang="zh-CN" sz="2400" dirty="0">
-                <a:solidFill>
-                  <a:schemeClr val="tx1">
-                    <a:lumMod val="65000"/>
-                    <a:lumOff val="35000"/>
-                  </a:schemeClr>
-                </a:solidFill>
-              </a:rPr>
-              <a:t>}}</a:t>
+              <a:t> }}</a:t>
             </a:r>
           </a:p>
           <a:p>
@@ -20926,189 +22337,384 @@
               </a:rPr>
               <a:t>表达式的尾部，由“管道”符指示：</a:t>
             </a:r>
-            <a:endParaRPr lang="zh-CN" altLang="en-US" dirty="0">
+          </a:p>
+        </p:txBody>
+      </p:sp>
+      <p:sp>
+        <p:nvSpPr>
+          <p:cNvPr id="34" name="TextBox 33"/>
+          <p:cNvSpPr txBox="1"/>
+          <p:nvPr/>
+        </p:nvSpPr>
+        <p:spPr>
+          <a:xfrm>
+            <a:off x="5463663" y="2537244"/>
+            <a:ext cx="6410689" cy="3416320"/>
+          </a:xfrm>
+          <a:prstGeom prst="rect">
+            <a:avLst/>
+          </a:prstGeom>
+          <a:solidFill>
+            <a:schemeClr val="accent6">
+              <a:lumMod val="20000"/>
+              <a:lumOff val="80000"/>
+            </a:schemeClr>
+          </a:solidFill>
+        </p:spPr>
+        <p:txBody>
+          <a:bodyPr wrap="square" rtlCol="0" anchor="ctr">
+            <a:spAutoFit/>
+          </a:bodyPr>
+          <a:lstStyle/>
+          <a:p>
+            <a:r>
+              <a:rPr lang="en-US" altLang="zh-CN" sz="2400" dirty="0">
+                <a:solidFill>
+                  <a:schemeClr val="tx1">
+                    <a:lumMod val="65000"/>
+                    <a:lumOff val="35000"/>
+                  </a:schemeClr>
+                </a:solidFill>
+              </a:rPr>
+              <a:t>new </a:t>
+            </a:r>
+            <a:r>
+              <a:rPr lang="en-US" altLang="zh-CN" sz="2400" dirty="0" err="1">
+                <a:solidFill>
+                  <a:schemeClr val="tx1">
+                    <a:lumMod val="65000"/>
+                    <a:lumOff val="35000"/>
+                  </a:schemeClr>
+                </a:solidFill>
+              </a:rPr>
+              <a:t>Vue</a:t>
+            </a:r>
+            <a:r>
+              <a:rPr lang="en-US" altLang="zh-CN" sz="2400" dirty="0" smtClean="0">
+                <a:solidFill>
+                  <a:schemeClr val="tx1">
+                    <a:lumMod val="65000"/>
+                    <a:lumOff val="35000"/>
+                  </a:schemeClr>
+                </a:solidFill>
+              </a:rPr>
+              <a:t>({</a:t>
+            </a:r>
+            <a:endParaRPr lang="en-US" altLang="zh-CN" sz="2400" dirty="0">
               <a:solidFill>
                 <a:schemeClr val="tx1">
                   <a:lumMod val="65000"/>
                   <a:lumOff val="35000"/>
                 </a:schemeClr>
               </a:solidFill>
-              <a:latin typeface="微软雅黑" panose="020B0503020204020204" pitchFamily="34" charset="-122"/>
-              <a:ea typeface="微软雅黑" panose="020B0503020204020204" pitchFamily="34" charset="-122"/>
             </a:endParaRPr>
           </a:p>
-        </p:txBody>
-      </p:sp>
-      <p:sp>
-        <p:nvSpPr>
-          <p:cNvPr id="34" name="TextBox 33"/>
-          <p:cNvSpPr txBox="1"/>
-          <p:nvPr/>
-        </p:nvSpPr>
-        <p:spPr>
-          <a:xfrm>
-            <a:off x="6127831" y="2206850"/>
-            <a:ext cx="6410689" cy="3170099"/>
-          </a:xfrm>
-          <a:prstGeom prst="rect">
-            <a:avLst/>
-          </a:prstGeom>
-          <a:solidFill>
-            <a:schemeClr val="accent6">
-              <a:lumMod val="20000"/>
-              <a:lumOff val="80000"/>
-            </a:schemeClr>
-          </a:solidFill>
-        </p:spPr>
-        <p:txBody>
-          <a:bodyPr wrap="square" rtlCol="0" anchor="ctr">
-            <a:spAutoFit/>
-          </a:bodyPr>
-          <a:lstStyle/>
-          <a:p>
-            <a:r>
-              <a:rPr lang="en-US" altLang="zh-CN" sz="2000" dirty="0"/>
-              <a:t>new</a:t>
-            </a:r>
-            <a:r>
-              <a:rPr lang="en-US" altLang="zh-CN" sz="2000" dirty="0"/>
-              <a:t> Vue({</a:t>
-            </a:r>
-          </a:p>
-          <a:p>
-            <a:r>
-              <a:rPr lang="en-US" altLang="zh-CN" sz="2000" dirty="0"/>
-              <a:t>// ...</a:t>
-            </a:r>
-            <a:endParaRPr lang="en-US" altLang="zh-CN" sz="2000" dirty="0"/>
-          </a:p>
-          <a:p>
-            <a:r>
-              <a:rPr lang="en-US" altLang="zh-CN" sz="2000" dirty="0"/>
-              <a:t>filters: {</a:t>
-            </a:r>
-          </a:p>
-          <a:p>
-            <a:r>
-              <a:rPr lang="en-US" altLang="zh-CN" sz="2000" dirty="0"/>
-              <a:t>capitalize: </a:t>
-            </a:r>
-            <a:r>
-              <a:rPr lang="en-US" altLang="zh-CN" sz="2000" dirty="0"/>
-              <a:t>function</a:t>
-            </a:r>
-            <a:r>
-              <a:rPr lang="en-US" altLang="zh-CN" sz="2000" dirty="0"/>
-              <a:t> (value) {</a:t>
-            </a:r>
-          </a:p>
-          <a:p>
-            <a:r>
-              <a:rPr lang="en-US" altLang="zh-CN" sz="2000" dirty="0"/>
-              <a:t>if</a:t>
-            </a:r>
-            <a:r>
-              <a:rPr lang="en-US" altLang="zh-CN" sz="2000" dirty="0"/>
-              <a:t> (!value) </a:t>
-            </a:r>
-            <a:r>
-              <a:rPr lang="en-US" altLang="zh-CN" sz="2000" dirty="0"/>
-              <a:t>return</a:t>
-            </a:r>
-            <a:r>
-              <a:rPr lang="en-US" altLang="zh-CN" sz="2000" dirty="0"/>
+          <a:p>
+            <a:r>
+              <a:rPr lang="zh-CN" altLang="en-US" sz="2400" dirty="0">
+                <a:solidFill>
+                  <a:schemeClr val="tx1">
+                    <a:lumMod val="65000"/>
+                    <a:lumOff val="35000"/>
+                  </a:schemeClr>
+                </a:solidFill>
+              </a:rPr>
               <a:t> </a:t>
             </a:r>
             <a:r>
-              <a:rPr lang="en-US" altLang="zh-CN" sz="2000" dirty="0"/>
-              <a:t>''</a:t>
-            </a:r>
-            <a:endParaRPr lang="en-US" altLang="zh-CN" sz="2000" dirty="0"/>
-          </a:p>
-          <a:p>
-            <a:r>
-              <a:rPr lang="en-US" altLang="zh-CN" sz="2000" dirty="0"/>
-              <a:t>value = </a:t>
-            </a:r>
-            <a:r>
-              <a:rPr lang="en-US" altLang="zh-CN" sz="2000" dirty="0" err="1"/>
+              <a:rPr lang="zh-CN" altLang="en-US" sz="2400" dirty="0" smtClean="0">
+                <a:solidFill>
+                  <a:schemeClr val="tx1">
+                    <a:lumMod val="65000"/>
+                    <a:lumOff val="35000"/>
+                  </a:schemeClr>
+                </a:solidFill>
+              </a:rPr>
+              <a:t>   </a:t>
+            </a:r>
+            <a:r>
+              <a:rPr lang="en-US" altLang="zh-CN" sz="2400" dirty="0" smtClean="0">
+                <a:solidFill>
+                  <a:schemeClr val="tx1">
+                    <a:lumMod val="65000"/>
+                    <a:lumOff val="35000"/>
+                  </a:schemeClr>
+                </a:solidFill>
+              </a:rPr>
+              <a:t>filters</a:t>
+            </a:r>
+            <a:r>
+              <a:rPr lang="en-US" altLang="zh-CN" sz="2400" dirty="0">
+                <a:solidFill>
+                  <a:schemeClr val="tx1">
+                    <a:lumMod val="65000"/>
+                    <a:lumOff val="35000"/>
+                  </a:schemeClr>
+                </a:solidFill>
+              </a:rPr>
+              <a:t>: {</a:t>
+            </a:r>
+          </a:p>
+          <a:p>
+            <a:r>
+              <a:rPr lang="zh-CN" altLang="en-US" sz="2400" dirty="0">
+                <a:solidFill>
+                  <a:schemeClr val="tx1">
+                    <a:lumMod val="65000"/>
+                    <a:lumOff val="35000"/>
+                  </a:schemeClr>
+                </a:solidFill>
+              </a:rPr>
+              <a:t> </a:t>
+            </a:r>
+            <a:r>
+              <a:rPr lang="zh-CN" altLang="en-US" sz="2400" dirty="0" smtClean="0">
+                <a:solidFill>
+                  <a:schemeClr val="tx1">
+                    <a:lumMod val="65000"/>
+                    <a:lumOff val="35000"/>
+                  </a:schemeClr>
+                </a:solidFill>
+              </a:rPr>
+              <a:t>       </a:t>
+            </a:r>
+            <a:r>
+              <a:rPr lang="en-US" altLang="zh-CN" sz="2400" dirty="0" err="1" smtClean="0">
+                <a:solidFill>
+                  <a:schemeClr val="tx1">
+                    <a:lumMod val="65000"/>
+                    <a:lumOff val="35000"/>
+                  </a:schemeClr>
+                </a:solidFill>
+              </a:rPr>
+              <a:t>filterA</a:t>
+            </a:r>
+            <a:r>
+              <a:rPr lang="en-US" altLang="zh-CN" sz="2400" dirty="0" smtClean="0">
+                <a:solidFill>
+                  <a:schemeClr val="tx1">
+                    <a:lumMod val="65000"/>
+                    <a:lumOff val="35000"/>
+                  </a:schemeClr>
+                </a:solidFill>
+              </a:rPr>
+              <a:t> : </a:t>
+            </a:r>
+            <a:r>
+              <a:rPr lang="en-US" altLang="zh-CN" sz="2400" dirty="0">
+                <a:solidFill>
+                  <a:schemeClr val="tx1">
+                    <a:lumMod val="65000"/>
+                    <a:lumOff val="35000"/>
+                  </a:schemeClr>
+                </a:solidFill>
+              </a:rPr>
+              <a:t>function (value) {</a:t>
+            </a:r>
+          </a:p>
+          <a:p>
+            <a:r>
+              <a:rPr lang="en-US" altLang="zh-CN" sz="2400" dirty="0" smtClean="0">
+                <a:solidFill>
+                  <a:schemeClr val="tx1">
+                    <a:lumMod val="65000"/>
+                    <a:lumOff val="35000"/>
+                  </a:schemeClr>
+                </a:solidFill>
+              </a:rPr>
+              <a:t>	if </a:t>
+            </a:r>
+            <a:r>
+              <a:rPr lang="en-US" altLang="zh-CN" sz="2400" dirty="0">
+                <a:solidFill>
+                  <a:schemeClr val="tx1">
+                    <a:lumMod val="65000"/>
+                    <a:lumOff val="35000"/>
+                  </a:schemeClr>
+                </a:solidFill>
+              </a:rPr>
+              <a:t>(!value) return </a:t>
+            </a:r>
+            <a:r>
+              <a:rPr lang="en-US" altLang="zh-CN" sz="2400" dirty="0" smtClean="0">
+                <a:solidFill>
+                  <a:schemeClr val="tx1">
+                    <a:lumMod val="65000"/>
+                    <a:lumOff val="35000"/>
+                  </a:schemeClr>
+                </a:solidFill>
+              </a:rPr>
+              <a:t>‘</a:t>
+            </a:r>
+            <a:r>
+              <a:rPr lang="zh-CN" altLang="en-US" sz="2400" dirty="0" smtClean="0">
+                <a:solidFill>
+                  <a:schemeClr val="tx1">
+                    <a:lumMod val="65000"/>
+                    <a:lumOff val="35000"/>
+                  </a:schemeClr>
+                </a:solidFill>
+              </a:rPr>
+              <a:t> </a:t>
+            </a:r>
+            <a:r>
+              <a:rPr lang="en-US" altLang="zh-CN" sz="2400" dirty="0" smtClean="0">
+                <a:solidFill>
+                  <a:schemeClr val="tx1">
+                    <a:lumMod val="65000"/>
+                    <a:lumOff val="35000"/>
+                  </a:schemeClr>
+                </a:solidFill>
+              </a:rPr>
+              <a:t>'</a:t>
+            </a:r>
+            <a:endParaRPr lang="en-US" altLang="zh-CN" sz="2400" dirty="0">
+              <a:solidFill>
+                <a:schemeClr val="tx1">
+                  <a:lumMod val="65000"/>
+                  <a:lumOff val="35000"/>
+                </a:schemeClr>
+              </a:solidFill>
+            </a:endParaRPr>
+          </a:p>
+          <a:p>
+            <a:r>
+              <a:rPr lang="en-US" altLang="zh-CN" sz="2400" dirty="0" smtClean="0">
+                <a:solidFill>
+                  <a:schemeClr val="tx1">
+                    <a:lumMod val="65000"/>
+                    <a:lumOff val="35000"/>
+                  </a:schemeClr>
+                </a:solidFill>
+              </a:rPr>
+              <a:t>	value </a:t>
+            </a:r>
+            <a:r>
+              <a:rPr lang="en-US" altLang="zh-CN" sz="2400" dirty="0">
+                <a:solidFill>
+                  <a:schemeClr val="tx1">
+                    <a:lumMod val="65000"/>
+                    <a:lumOff val="35000"/>
+                  </a:schemeClr>
+                </a:solidFill>
+              </a:rPr>
+              <a:t>= </a:t>
+            </a:r>
+            <a:r>
+              <a:rPr lang="en-US" altLang="zh-CN" sz="2400" dirty="0" err="1">
+                <a:solidFill>
+                  <a:schemeClr val="tx1">
+                    <a:lumMod val="65000"/>
+                    <a:lumOff val="35000"/>
+                  </a:schemeClr>
+                </a:solidFill>
+              </a:rPr>
               <a:t>value.toString</a:t>
             </a:r>
             <a:r>
-              <a:rPr lang="en-US" altLang="zh-CN" sz="2000" dirty="0"/>
+              <a:rPr lang="en-US" altLang="zh-CN" sz="2400" dirty="0">
+                <a:solidFill>
+                  <a:schemeClr val="tx1">
+                    <a:lumMod val="65000"/>
+                    <a:lumOff val="35000"/>
+                  </a:schemeClr>
+                </a:solidFill>
+              </a:rPr>
               <a:t>()</a:t>
             </a:r>
           </a:p>
           <a:p>
             <a:r>
-              <a:rPr lang="en-US" altLang="zh-CN" sz="2000" dirty="0"/>
-              <a:t>return</a:t>
-            </a:r>
-            <a:r>
-              <a:rPr lang="en-US" altLang="zh-CN" sz="2000" dirty="0"/>
-              <a:t> </a:t>
-            </a:r>
-            <a:r>
-              <a:rPr lang="en-US" altLang="zh-CN" sz="2000" dirty="0" err="1"/>
-              <a:t>value.charAt</a:t>
-            </a:r>
-            <a:r>
-              <a:rPr lang="en-US" altLang="zh-CN" sz="2000" dirty="0"/>
-              <a:t>(</a:t>
-            </a:r>
-            <a:r>
-              <a:rPr lang="en-US" altLang="zh-CN" sz="2000" dirty="0"/>
-              <a:t>0</a:t>
-            </a:r>
-            <a:r>
-              <a:rPr lang="en-US" altLang="zh-CN" sz="2000" dirty="0"/>
-              <a:t>).</a:t>
-            </a:r>
-            <a:r>
-              <a:rPr lang="en-US" altLang="zh-CN" sz="2000" dirty="0" err="1"/>
-              <a:t>toUpperCase</a:t>
-            </a:r>
-            <a:r>
-              <a:rPr lang="en-US" altLang="zh-CN" sz="2000" dirty="0"/>
-              <a:t>() + </a:t>
-            </a:r>
-            <a:r>
-              <a:rPr lang="en-US" altLang="zh-CN" sz="2000" dirty="0" err="1"/>
-              <a:t>value.slice</a:t>
-            </a:r>
-            <a:r>
-              <a:rPr lang="en-US" altLang="zh-CN" sz="2000" dirty="0"/>
-              <a:t>(</a:t>
-            </a:r>
-            <a:r>
-              <a:rPr lang="en-US" altLang="zh-CN" sz="2000" dirty="0"/>
-              <a:t>1</a:t>
-            </a:r>
-            <a:r>
-              <a:rPr lang="en-US" altLang="zh-CN" sz="2000" dirty="0"/>
-              <a:t>)</a:t>
-            </a:r>
-          </a:p>
-          <a:p>
-            <a:r>
-              <a:rPr lang="en-US" altLang="zh-CN" sz="2000" dirty="0"/>
+              <a:rPr lang="en-US" altLang="zh-CN" sz="2400" dirty="0" smtClean="0">
+                <a:solidFill>
+                  <a:schemeClr val="tx1">
+                    <a:lumMod val="65000"/>
+                    <a:lumOff val="35000"/>
+                  </a:schemeClr>
+                </a:solidFill>
+              </a:rPr>
+              <a:t>	return </a:t>
+            </a:r>
+            <a:r>
+              <a:rPr lang="en-US" altLang="zh-CN" sz="2400" dirty="0">
+                <a:solidFill>
+                  <a:schemeClr val="tx1">
+                    <a:lumMod val="65000"/>
+                    <a:lumOff val="35000"/>
+                  </a:schemeClr>
+                </a:solidFill>
+              </a:rPr>
+              <a:t>value. split(‘’).reverse().join(‘’)</a:t>
+            </a:r>
+          </a:p>
+          <a:p>
+            <a:r>
+              <a:rPr lang="zh-CN" altLang="en-US" sz="2400" dirty="0" smtClean="0">
+                <a:solidFill>
+                  <a:schemeClr val="tx1">
+                    <a:lumMod val="65000"/>
+                    <a:lumOff val="35000"/>
+                  </a:schemeClr>
+                </a:solidFill>
+              </a:rPr>
+              <a:t>        </a:t>
+            </a:r>
+            <a:r>
+              <a:rPr lang="en-US" altLang="zh-CN" sz="2400" dirty="0" smtClean="0">
+                <a:solidFill>
+                  <a:schemeClr val="tx1">
+                    <a:lumMod val="65000"/>
+                    <a:lumOff val="35000"/>
+                  </a:schemeClr>
+                </a:solidFill>
+              </a:rPr>
               <a:t>}</a:t>
             </a:r>
           </a:p>
           <a:p>
             <a:r>
-              <a:rPr lang="en-US" altLang="zh-CN" sz="2000" dirty="0"/>
+              <a:rPr lang="zh-CN" altLang="en-US" sz="2400" dirty="0" smtClean="0">
+                <a:solidFill>
+                  <a:schemeClr val="tx1">
+                    <a:lumMod val="65000"/>
+                    <a:lumOff val="35000"/>
+                  </a:schemeClr>
+                </a:solidFill>
+              </a:rPr>
+              <a:t>    </a:t>
+            </a:r>
+            <a:r>
+              <a:rPr lang="en-US" altLang="zh-CN" sz="2400" dirty="0" smtClean="0">
+                <a:solidFill>
+                  <a:schemeClr val="tx1">
+                    <a:lumMod val="65000"/>
+                    <a:lumOff val="35000"/>
+                  </a:schemeClr>
+                </a:solidFill>
+              </a:rPr>
               <a:t>}</a:t>
             </a:r>
-          </a:p>
-          <a:p>
-            <a:r>
-              <a:rPr lang="en-US" altLang="zh-CN" sz="2000" dirty="0"/>
+            <a:endParaRPr lang="en-US" altLang="zh-CN" sz="2400" dirty="0">
+              <a:solidFill>
+                <a:schemeClr val="tx1">
+                  <a:lumMod val="65000"/>
+                  <a:lumOff val="35000"/>
+                </a:schemeClr>
+              </a:solidFill>
+            </a:endParaRPr>
+          </a:p>
+          <a:p>
+            <a:r>
+              <a:rPr lang="en-US" altLang="zh-CN" sz="2400" dirty="0">
+                <a:solidFill>
+                  <a:schemeClr val="tx1">
+                    <a:lumMod val="65000"/>
+                    <a:lumOff val="35000"/>
+                  </a:schemeClr>
+                </a:solidFill>
+              </a:rPr>
               <a:t>})</a:t>
             </a:r>
-            <a:endParaRPr lang="en-US" altLang="zh-CN" sz="2000" dirty="0">
-              <a:effectLst/>
-            </a:endParaRPr>
           </a:p>
         </p:txBody>
       </p:sp>
@@ -22032,7 +23638,7 @@
           <a:lstStyle/>
           <a:p>
             <a:r>
-              <a:rPr lang="en-US" altLang="zh-CN" dirty="0" smtClean="0">
+              <a:rPr lang="zh-CN" altLang="en-US" dirty="0" smtClean="0">
                 <a:solidFill>
                   <a:schemeClr val="bg1">
                     <a:lumMod val="50000"/>
@@ -22041,7 +23647,7 @@
                 <a:latin typeface="微软雅黑" panose="020B0503020204020204" pitchFamily="34" charset="-122"/>
                 <a:ea typeface="微软雅黑" panose="020B0503020204020204" pitchFamily="34" charset="-122"/>
               </a:rPr>
-              <a:t>Hello World!</a:t>
+              <a:t>计算属性</a:t>
             </a:r>
             <a:endParaRPr lang="zh-CN" altLang="en-US" dirty="0">
               <a:solidFill>
@@ -22228,558 +23834,775 @@
           </a:fontRef>
         </p:style>
       </p:cxnSp>
-      <p:grpSp>
-        <p:nvGrpSpPr>
-          <p:cNvPr id="39" name="组合 38"/>
-          <p:cNvGrpSpPr/>
-          <p:nvPr/>
-        </p:nvGrpSpPr>
-        <p:grpSpPr>
+      <p:sp>
+        <p:nvSpPr>
+          <p:cNvPr id="36" name="TextBox 35"/>
+          <p:cNvSpPr txBox="1"/>
+          <p:nvPr/>
+        </p:nvSpPr>
+        <p:spPr>
           <a:xfrm>
-            <a:off x="637091" y="4260607"/>
-            <a:ext cx="9256527" cy="436598"/>
-            <a:chOff x="753847" y="3259943"/>
-            <a:chExt cx="9256527" cy="436598"/>
-          </a:xfrm>
-        </p:grpSpPr>
-        <p:sp>
-          <p:nvSpPr>
-            <p:cNvPr id="40" name="TextBox 39"/>
-            <p:cNvSpPr txBox="1"/>
-            <p:nvPr/>
-          </p:nvSpPr>
-          <p:spPr>
-            <a:xfrm>
-              <a:off x="1080771" y="3304061"/>
-              <a:ext cx="8929603" cy="369332"/>
-            </a:xfrm>
-            <a:prstGeom prst="rect">
-              <a:avLst/>
-            </a:prstGeom>
-            <a:noFill/>
-          </p:spPr>
-          <p:txBody>
-            <a:bodyPr wrap="square" rtlCol="0">
-              <a:spAutoFit/>
-            </a:bodyPr>
-            <a:lstStyle/>
-            <a:p>
-              <a:r>
-                <a:rPr lang="zh-CN" altLang="en-US" b="1" dirty="0" smtClean="0">
-                  <a:solidFill>
-                    <a:schemeClr val="tx1">
-                      <a:lumMod val="65000"/>
-                      <a:lumOff val="35000"/>
-                    </a:schemeClr>
-                  </a:solidFill>
-                  <a:ea typeface="微软雅黑" panose="020B0503020204020204" pitchFamily="34" charset="-122"/>
-                </a:rPr>
-                <a:t>思考</a:t>
-              </a:r>
-              <a:r>
-                <a:rPr lang="en-US" altLang="zh-CN" b="1" dirty="0" smtClean="0">
-                  <a:solidFill>
-                    <a:schemeClr val="tx1">
-                      <a:lumMod val="65000"/>
-                      <a:lumOff val="35000"/>
-                    </a:schemeClr>
-                  </a:solidFill>
-                  <a:ea typeface="微软雅黑" panose="020B0503020204020204" pitchFamily="34" charset="-122"/>
-                </a:rPr>
-                <a:t>:</a:t>
-              </a:r>
-              <a:r>
-                <a:rPr lang="en-US" altLang="zh-CN" dirty="0" smtClean="0">
-                  <a:solidFill>
-                    <a:schemeClr val="tx1">
-                      <a:lumMod val="65000"/>
-                      <a:lumOff val="35000"/>
-                    </a:schemeClr>
-                  </a:solidFill>
-                  <a:ea typeface="微软雅黑" panose="020B0503020204020204" pitchFamily="34" charset="-122"/>
-                </a:rPr>
-                <a:t>  </a:t>
-              </a:r>
-              <a:r>
-                <a:rPr lang="zh-CN" altLang="en-US" dirty="0" smtClean="0">
-                  <a:solidFill>
-                    <a:schemeClr val="tx1">
-                      <a:lumMod val="65000"/>
-                      <a:lumOff val="35000"/>
-                    </a:schemeClr>
-                  </a:solidFill>
-                  <a:ea typeface="微软雅黑" panose="020B0503020204020204" pitchFamily="34" charset="-122"/>
-                </a:rPr>
-                <a:t>虚拟 </a:t>
-              </a:r>
-              <a:r>
-                <a:rPr lang="en-US" altLang="zh-CN" dirty="0" smtClean="0">
-                  <a:solidFill>
-                    <a:schemeClr val="tx1">
-                      <a:lumMod val="65000"/>
-                      <a:lumOff val="35000"/>
-                    </a:schemeClr>
-                  </a:solidFill>
-                  <a:ea typeface="微软雅黑" panose="020B0503020204020204" pitchFamily="34" charset="-122"/>
-                </a:rPr>
-                <a:t>DOM </a:t>
-              </a:r>
-              <a:r>
-                <a:rPr lang="zh-CN" altLang="en-US" dirty="0" smtClean="0">
-                  <a:solidFill>
-                    <a:schemeClr val="tx1">
-                      <a:lumMod val="65000"/>
-                      <a:lumOff val="35000"/>
-                    </a:schemeClr>
-                  </a:solidFill>
-                  <a:ea typeface="微软雅黑" panose="020B0503020204020204" pitchFamily="34" charset="-122"/>
-                </a:rPr>
-                <a:t>是什么</a:t>
-              </a:r>
-              <a:r>
-                <a:rPr lang="en-US" altLang="zh-CN" dirty="0" smtClean="0">
-                  <a:solidFill>
-                    <a:schemeClr val="tx1">
-                      <a:lumMod val="65000"/>
-                      <a:lumOff val="35000"/>
-                    </a:schemeClr>
-                  </a:solidFill>
-                  <a:ea typeface="微软雅黑" panose="020B0503020204020204" pitchFamily="34" charset="-122"/>
-                </a:rPr>
-                <a:t>? </a:t>
-              </a:r>
-              <a:r>
-                <a:rPr lang="zh-CN" altLang="en-US" dirty="0" smtClean="0">
-                  <a:solidFill>
-                    <a:schemeClr val="tx1">
-                      <a:lumMod val="65000"/>
-                      <a:lumOff val="35000"/>
-                    </a:schemeClr>
-                  </a:solidFill>
-                  <a:ea typeface="微软雅黑" panose="020B0503020204020204" pitchFamily="34" charset="-122"/>
-                </a:rPr>
-                <a:t>如何实现</a:t>
-              </a:r>
-              <a:r>
-                <a:rPr lang="en-US" altLang="zh-CN" dirty="0" smtClean="0">
-                  <a:solidFill>
-                    <a:schemeClr val="tx1">
-                      <a:lumMod val="65000"/>
-                      <a:lumOff val="35000"/>
-                    </a:schemeClr>
-                  </a:solidFill>
-                  <a:ea typeface="微软雅黑" panose="020B0503020204020204" pitchFamily="34" charset="-122"/>
-                </a:rPr>
-                <a:t>? </a:t>
-              </a:r>
-              <a:r>
-                <a:rPr lang="zh-CN" altLang="en-US" dirty="0" smtClean="0">
-                  <a:solidFill>
-                    <a:schemeClr val="tx1">
-                      <a:lumMod val="65000"/>
-                      <a:lumOff val="35000"/>
-                    </a:schemeClr>
-                  </a:solidFill>
-                  <a:ea typeface="微软雅黑" panose="020B0503020204020204" pitchFamily="34" charset="-122"/>
-                </a:rPr>
-                <a:t>有什么优势和劣势</a:t>
-              </a:r>
-              <a:r>
-                <a:rPr lang="en-US" altLang="zh-CN" dirty="0" smtClean="0">
-                  <a:solidFill>
-                    <a:schemeClr val="tx1">
-                      <a:lumMod val="65000"/>
-                      <a:lumOff val="35000"/>
-                    </a:schemeClr>
-                  </a:solidFill>
-                  <a:ea typeface="微软雅黑" panose="020B0503020204020204" pitchFamily="34" charset="-122"/>
-                </a:rPr>
-                <a:t>?</a:t>
-              </a:r>
-              <a:endParaRPr lang="zh-CN" altLang="en-US" dirty="0">
+            <a:off x="637091" y="1102064"/>
+            <a:ext cx="9649026" cy="1323439"/>
+          </a:xfrm>
+          <a:prstGeom prst="rect">
+            <a:avLst/>
+          </a:prstGeom>
+          <a:solidFill>
+            <a:schemeClr val="accent6">
+              <a:lumMod val="20000"/>
+              <a:lumOff val="80000"/>
+            </a:schemeClr>
+          </a:solidFill>
+        </p:spPr>
+        <p:txBody>
+          <a:bodyPr wrap="square" rtlCol="0" anchor="ctr">
+            <a:spAutoFit/>
+          </a:bodyPr>
+          <a:lstStyle/>
+          <a:p>
+            <a:r>
+              <a:rPr lang="en-US" altLang="zh-CN" sz="2000" dirty="0">
                 <a:solidFill>
                   <a:schemeClr val="tx1">
                     <a:lumMod val="65000"/>
                     <a:lumOff val="35000"/>
                   </a:schemeClr>
                 </a:solidFill>
-                <a:ea typeface="微软雅黑" panose="020B0503020204020204" pitchFamily="34" charset="-122"/>
-              </a:endParaRPr>
-            </a:p>
-          </p:txBody>
-        </p:sp>
-        <p:pic>
-          <p:nvPicPr>
-            <p:cNvPr id="41" name="Picture 2" descr="C:\Users\yepanmeng\Desktop\logo.png"/>
-            <p:cNvPicPr>
-              <a:picLocks noChangeAspect="1" noChangeArrowheads="1"/>
-            </p:cNvPicPr>
-            <p:nvPr/>
-          </p:nvPicPr>
-          <p:blipFill>
-            <a:blip r:embed="rId4" cstate="print">
-              <a:duotone>
-                <a:schemeClr val="accent2">
-                  <a:shade val="45000"/>
-                  <a:satMod val="135000"/>
-                </a:schemeClr>
-                <a:prstClr val="white"/>
-              </a:duotone>
-              <a:extLst>
-                <a:ext uri="{BEBA8EAE-BF5A-486C-A8C5-ECC9F3942E4B}">
-                  <a14:imgProps xmlns:a14="http://schemas.microsoft.com/office/drawing/2010/main">
-                    <a14:imgLayer r:embed="rId5">
-                      <a14:imgEffect>
-                        <a14:brightnessContrast bright="-20000" contrast="40000"/>
-                      </a14:imgEffect>
-                    </a14:imgLayer>
-                  </a14:imgProps>
-                </a:ext>
-                <a:ext uri="{28A0092B-C50C-407E-A947-70E740481C1C}">
-                  <a14:useLocalDpi xmlns:a14="http://schemas.microsoft.com/office/drawing/2010/main" val="0"/>
-                </a:ext>
-              </a:extLst>
-            </a:blip>
-            <a:srcRect/>
-            <a:stretch>
-              <a:fillRect/>
-            </a:stretch>
-          </p:blipFill>
-          <p:spPr bwMode="auto">
-            <a:xfrm>
-              <a:off x="753847" y="3259943"/>
-              <a:ext cx="436598" cy="436598"/>
-            </a:xfrm>
-            <a:prstGeom prst="rect">
-              <a:avLst/>
-            </a:prstGeom>
-            <a:noFill/>
-            <a:extLst>
-              <a:ext uri="{909E8E84-426E-40DD-AFC4-6F175D3DCCD1}">
-                <a14:hiddenFill xmlns:a14="http://schemas.microsoft.com/office/drawing/2010/main">
-                  <a:solidFill>
-                    <a:srgbClr val="FFFFFF"/>
-                  </a:solidFill>
-                </a14:hiddenFill>
-              </a:ext>
-            </a:extLst>
-          </p:spPr>
-        </p:pic>
-        <p:cxnSp>
-          <p:nvCxnSpPr>
-            <p:cNvPr id="42" name="直接连接符 41"/>
-            <p:cNvCxnSpPr/>
-            <p:nvPr/>
-          </p:nvCxnSpPr>
-          <p:spPr>
-            <a:xfrm>
-              <a:off x="972146" y="3662037"/>
-              <a:ext cx="718631" cy="0"/>
-            </a:xfrm>
-            <a:prstGeom prst="line">
-              <a:avLst/>
-            </a:prstGeom>
-            <a:ln w="12700">
-              <a:solidFill>
-                <a:srgbClr val="FF0000"/>
-              </a:solidFill>
-              <a:prstDash val="lgDash"/>
-            </a:ln>
-          </p:spPr>
-          <p:style>
-            <a:lnRef idx="1">
-              <a:schemeClr val="accent1"/>
-            </a:lnRef>
-            <a:fillRef idx="0">
-              <a:schemeClr val="accent1"/>
-            </a:fillRef>
-            <a:effectRef idx="0">
-              <a:schemeClr val="accent1"/>
-            </a:effectRef>
-            <a:fontRef idx="minor">
-              <a:schemeClr val="tx1"/>
-            </a:fontRef>
-          </p:style>
-        </p:cxnSp>
-      </p:grpSp>
-      <p:grpSp>
-        <p:nvGrpSpPr>
-          <p:cNvPr id="43" name="组合 42"/>
-          <p:cNvGrpSpPr/>
-          <p:nvPr/>
-        </p:nvGrpSpPr>
-        <p:grpSpPr>
-          <a:xfrm>
-            <a:off x="906247" y="3412343"/>
-            <a:ext cx="9256527" cy="436598"/>
-            <a:chOff x="753847" y="3259943"/>
-            <a:chExt cx="9256527" cy="436598"/>
-          </a:xfrm>
-        </p:grpSpPr>
-        <p:sp>
-          <p:nvSpPr>
-            <p:cNvPr id="44" name="TextBox 43"/>
-            <p:cNvSpPr txBox="1"/>
-            <p:nvPr/>
-          </p:nvSpPr>
-          <p:spPr>
-            <a:xfrm>
-              <a:off x="1080771" y="3304061"/>
-              <a:ext cx="8929603" cy="369332"/>
-            </a:xfrm>
-            <a:prstGeom prst="rect">
-              <a:avLst/>
-            </a:prstGeom>
-            <a:noFill/>
-          </p:spPr>
-          <p:txBody>
-            <a:bodyPr wrap="square" rtlCol="0">
-              <a:spAutoFit/>
-            </a:bodyPr>
-            <a:lstStyle/>
-            <a:p>
-              <a:r>
-                <a:rPr lang="zh-CN" altLang="en-US" b="1" dirty="0" smtClean="0">
-                  <a:solidFill>
-                    <a:schemeClr val="tx1">
-                      <a:lumMod val="65000"/>
-                      <a:lumOff val="35000"/>
-                    </a:schemeClr>
-                  </a:solidFill>
-                  <a:ea typeface="微软雅黑" panose="020B0503020204020204" pitchFamily="34" charset="-122"/>
-                </a:rPr>
-                <a:t>思考</a:t>
-              </a:r>
-              <a:r>
-                <a:rPr lang="en-US" altLang="zh-CN" b="1" dirty="0" smtClean="0">
-                  <a:solidFill>
-                    <a:schemeClr val="tx1">
-                      <a:lumMod val="65000"/>
-                      <a:lumOff val="35000"/>
-                    </a:schemeClr>
-                  </a:solidFill>
-                  <a:ea typeface="微软雅黑" panose="020B0503020204020204" pitchFamily="34" charset="-122"/>
-                </a:rPr>
-                <a:t>:</a:t>
-              </a:r>
-              <a:r>
-                <a:rPr lang="en-US" altLang="zh-CN" dirty="0" smtClean="0">
-                  <a:solidFill>
-                    <a:schemeClr val="tx1">
-                      <a:lumMod val="65000"/>
-                      <a:lumOff val="35000"/>
-                    </a:schemeClr>
-                  </a:solidFill>
-                  <a:ea typeface="微软雅黑" panose="020B0503020204020204" pitchFamily="34" charset="-122"/>
-                </a:rPr>
-                <a:t>  </a:t>
-              </a:r>
-              <a:r>
-                <a:rPr lang="zh-CN" altLang="en-US" dirty="0" smtClean="0">
-                  <a:solidFill>
-                    <a:schemeClr val="tx1">
-                      <a:lumMod val="65000"/>
-                      <a:lumOff val="35000"/>
-                    </a:schemeClr>
-                  </a:solidFill>
-                  <a:ea typeface="微软雅黑" panose="020B0503020204020204" pitchFamily="34" charset="-122"/>
-                </a:rPr>
-                <a:t>虚拟 </a:t>
-              </a:r>
-              <a:r>
-                <a:rPr lang="en-US" altLang="zh-CN" dirty="0" smtClean="0">
-                  <a:solidFill>
-                    <a:schemeClr val="tx1">
-                      <a:lumMod val="65000"/>
-                      <a:lumOff val="35000"/>
-                    </a:schemeClr>
-                  </a:solidFill>
-                  <a:ea typeface="微软雅黑" panose="020B0503020204020204" pitchFamily="34" charset="-122"/>
-                </a:rPr>
-                <a:t>DOM </a:t>
-              </a:r>
-              <a:r>
-                <a:rPr lang="zh-CN" altLang="en-US" dirty="0" smtClean="0">
-                  <a:solidFill>
-                    <a:schemeClr val="tx1">
-                      <a:lumMod val="65000"/>
-                      <a:lumOff val="35000"/>
-                    </a:schemeClr>
-                  </a:solidFill>
-                  <a:ea typeface="微软雅黑" panose="020B0503020204020204" pitchFamily="34" charset="-122"/>
-                </a:rPr>
-                <a:t>是什么</a:t>
-              </a:r>
-              <a:r>
-                <a:rPr lang="en-US" altLang="zh-CN" dirty="0" smtClean="0">
-                  <a:solidFill>
-                    <a:schemeClr val="tx1">
-                      <a:lumMod val="65000"/>
-                      <a:lumOff val="35000"/>
-                    </a:schemeClr>
-                  </a:solidFill>
-                  <a:ea typeface="微软雅黑" panose="020B0503020204020204" pitchFamily="34" charset="-122"/>
-                </a:rPr>
-                <a:t>? </a:t>
-              </a:r>
-              <a:r>
-                <a:rPr lang="zh-CN" altLang="en-US" dirty="0" smtClean="0">
-                  <a:solidFill>
-                    <a:schemeClr val="tx1">
-                      <a:lumMod val="65000"/>
-                      <a:lumOff val="35000"/>
-                    </a:schemeClr>
-                  </a:solidFill>
-                  <a:ea typeface="微软雅黑" panose="020B0503020204020204" pitchFamily="34" charset="-122"/>
-                </a:rPr>
-                <a:t>如何实现</a:t>
-              </a:r>
-              <a:r>
-                <a:rPr lang="en-US" altLang="zh-CN" dirty="0" smtClean="0">
-                  <a:solidFill>
-                    <a:schemeClr val="tx1">
-                      <a:lumMod val="65000"/>
-                      <a:lumOff val="35000"/>
-                    </a:schemeClr>
-                  </a:solidFill>
-                  <a:ea typeface="微软雅黑" panose="020B0503020204020204" pitchFamily="34" charset="-122"/>
-                </a:rPr>
-                <a:t>? </a:t>
-              </a:r>
-              <a:r>
-                <a:rPr lang="zh-CN" altLang="en-US" dirty="0" smtClean="0">
-                  <a:solidFill>
-                    <a:schemeClr val="tx1">
-                      <a:lumMod val="65000"/>
-                      <a:lumOff val="35000"/>
-                    </a:schemeClr>
-                  </a:solidFill>
-                  <a:ea typeface="微软雅黑" panose="020B0503020204020204" pitchFamily="34" charset="-122"/>
-                </a:rPr>
-                <a:t>有什么优势和劣势</a:t>
-              </a:r>
-              <a:r>
-                <a:rPr lang="en-US" altLang="zh-CN" dirty="0" smtClean="0">
-                  <a:solidFill>
-                    <a:schemeClr val="tx1">
-                      <a:lumMod val="65000"/>
-                      <a:lumOff val="35000"/>
-                    </a:schemeClr>
-                  </a:solidFill>
-                  <a:ea typeface="微软雅黑" panose="020B0503020204020204" pitchFamily="34" charset="-122"/>
-                </a:rPr>
-                <a:t>?</a:t>
-              </a:r>
-              <a:endParaRPr lang="zh-CN" altLang="en-US" dirty="0">
+              </a:rPr>
+              <a:t>&lt;div id="example"&gt;</a:t>
+            </a:r>
+          </a:p>
+          <a:p>
+            <a:r>
+              <a:rPr lang="en-US" altLang="zh-CN" sz="2000" dirty="0" smtClean="0">
                 <a:solidFill>
                   <a:schemeClr val="tx1">
                     <a:lumMod val="65000"/>
                     <a:lumOff val="35000"/>
                   </a:schemeClr>
                 </a:solidFill>
-                <a:ea typeface="微软雅黑" panose="020B0503020204020204" pitchFamily="34" charset="-122"/>
-              </a:endParaRPr>
-            </a:p>
-          </p:txBody>
-        </p:sp>
-        <p:pic>
-          <p:nvPicPr>
-            <p:cNvPr id="45" name="Picture 2" descr="C:\Users\yepanmeng\Desktop\logo.png"/>
-            <p:cNvPicPr>
-              <a:picLocks noChangeAspect="1" noChangeArrowheads="1"/>
-            </p:cNvPicPr>
-            <p:nvPr/>
-          </p:nvPicPr>
-          <p:blipFill>
-            <a:blip r:embed="rId4" cstate="print">
-              <a:duotone>
-                <a:schemeClr val="accent2">
-                  <a:shade val="45000"/>
-                  <a:satMod val="135000"/>
+              </a:rPr>
+              <a:t>	&lt;</a:t>
+            </a:r>
+            <a:r>
+              <a:rPr lang="en-US" altLang="zh-CN" sz="2000" dirty="0">
+                <a:solidFill>
+                  <a:schemeClr val="tx1">
+                    <a:lumMod val="65000"/>
+                    <a:lumOff val="35000"/>
+                  </a:schemeClr>
+                </a:solidFill>
+              </a:rPr>
+              <a:t>p&gt;Original message: "{{ message }}"&lt;/p&gt;</a:t>
+            </a:r>
+          </a:p>
+          <a:p>
+            <a:r>
+              <a:rPr lang="en-US" altLang="zh-CN" sz="2000" dirty="0" smtClean="0">
+                <a:solidFill>
+                  <a:schemeClr val="tx1">
+                    <a:lumMod val="65000"/>
+                    <a:lumOff val="35000"/>
+                  </a:schemeClr>
+                </a:solidFill>
+              </a:rPr>
+              <a:t>	&lt;</a:t>
+            </a:r>
+            <a:r>
+              <a:rPr lang="en-US" altLang="zh-CN" sz="2000" dirty="0">
+                <a:solidFill>
+                  <a:schemeClr val="tx1">
+                    <a:lumMod val="65000"/>
+                    <a:lumOff val="35000"/>
+                  </a:schemeClr>
+                </a:solidFill>
+              </a:rPr>
+              <a:t>p&gt;Computed reversed message: "{{ </a:t>
+            </a:r>
+            <a:r>
+              <a:rPr lang="en-US" altLang="zh-CN" sz="2000" dirty="0" err="1">
+                <a:solidFill>
+                  <a:schemeClr val="tx1">
+                    <a:lumMod val="65000"/>
+                    <a:lumOff val="35000"/>
+                  </a:schemeClr>
+                </a:solidFill>
+              </a:rPr>
+              <a:t>reversedMessage</a:t>
+            </a:r>
+            <a:r>
+              <a:rPr lang="en-US" altLang="zh-CN" sz="2000" dirty="0">
+                <a:solidFill>
+                  <a:schemeClr val="tx1">
+                    <a:lumMod val="65000"/>
+                    <a:lumOff val="35000"/>
+                  </a:schemeClr>
+                </a:solidFill>
+              </a:rPr>
+              <a:t> }}"&lt;/p&gt;</a:t>
+            </a:r>
+          </a:p>
+          <a:p>
+            <a:r>
+              <a:rPr lang="en-US" altLang="zh-CN" sz="2000" dirty="0">
+                <a:solidFill>
+                  <a:schemeClr val="tx1">
+                    <a:lumMod val="65000"/>
+                    <a:lumOff val="35000"/>
+                  </a:schemeClr>
+                </a:solidFill>
+              </a:rPr>
+              <a:t>&lt;/div&gt;</a:t>
+            </a:r>
+            <a:endParaRPr lang="en-US" altLang="zh-CN" sz="2000" dirty="0">
+              <a:solidFill>
+                <a:schemeClr val="tx1">
+                  <a:lumMod val="65000"/>
+                  <a:lumOff val="35000"/>
                 </a:schemeClr>
-                <a:prstClr val="white"/>
-              </a:duotone>
-              <a:extLst>
-                <a:ext uri="{BEBA8EAE-BF5A-486C-A8C5-ECC9F3942E4B}">
-                  <a14:imgProps xmlns:a14="http://schemas.microsoft.com/office/drawing/2010/main">
-                    <a14:imgLayer r:embed="rId5">
-                      <a14:imgEffect>
-                        <a14:brightnessContrast bright="-20000" contrast="40000"/>
-                      </a14:imgEffect>
-                    </a14:imgLayer>
-                  </a14:imgProps>
-                </a:ext>
-                <a:ext uri="{28A0092B-C50C-407E-A947-70E740481C1C}">
-                  <a14:useLocalDpi xmlns:a14="http://schemas.microsoft.com/office/drawing/2010/main" val="0"/>
-                </a:ext>
-              </a:extLst>
-            </a:blip>
-            <a:srcRect/>
-            <a:stretch>
-              <a:fillRect/>
-            </a:stretch>
-          </p:blipFill>
-          <p:spPr bwMode="auto">
-            <a:xfrm>
-              <a:off x="753847" y="3259943"/>
-              <a:ext cx="436598" cy="436598"/>
-            </a:xfrm>
-            <a:prstGeom prst="rect">
-              <a:avLst/>
-            </a:prstGeom>
-            <a:noFill/>
-            <a:extLst>
-              <a:ext uri="{909E8E84-426E-40DD-AFC4-6F175D3DCCD1}">
-                <a14:hiddenFill xmlns:a14="http://schemas.microsoft.com/office/drawing/2010/main">
-                  <a:solidFill>
-                    <a:srgbClr val="FFFFFF"/>
-                  </a:solidFill>
-                </a14:hiddenFill>
-              </a:ext>
-            </a:extLst>
-          </p:spPr>
-        </p:pic>
-        <p:cxnSp>
-          <p:nvCxnSpPr>
-            <p:cNvPr id="46" name="直接连接符 45"/>
-            <p:cNvCxnSpPr/>
-            <p:nvPr/>
-          </p:nvCxnSpPr>
-          <p:spPr>
-            <a:xfrm>
-              <a:off x="972146" y="3662037"/>
-              <a:ext cx="718631" cy="0"/>
-            </a:xfrm>
-            <a:prstGeom prst="line">
-              <a:avLst/>
-            </a:prstGeom>
-            <a:ln w="12700">
+              </a:solidFill>
+              <a:effectLst/>
+            </a:endParaRPr>
+          </a:p>
+        </p:txBody>
+      </p:sp>
+      <p:sp>
+        <p:nvSpPr>
+          <p:cNvPr id="34" name="TextBox 33"/>
+          <p:cNvSpPr txBox="1"/>
+          <p:nvPr/>
+        </p:nvSpPr>
+        <p:spPr>
+          <a:xfrm>
+            <a:off x="637091" y="2847403"/>
+            <a:ext cx="6724408" cy="3477875"/>
+          </a:xfrm>
+          <a:prstGeom prst="rect">
+            <a:avLst/>
+          </a:prstGeom>
+          <a:solidFill>
+            <a:schemeClr val="accent6">
+              <a:lumMod val="20000"/>
+              <a:lumOff val="80000"/>
+            </a:schemeClr>
+          </a:solidFill>
+        </p:spPr>
+        <p:txBody>
+          <a:bodyPr wrap="square" rtlCol="0" anchor="ctr">
+            <a:spAutoFit/>
+          </a:bodyPr>
+          <a:lstStyle/>
+          <a:p>
+            <a:r>
+              <a:rPr lang="en-US" altLang="zh-CN" sz="2000" dirty="0" smtClean="0">
+                <a:solidFill>
+                  <a:schemeClr val="tx1">
+                    <a:lumMod val="65000"/>
+                    <a:lumOff val="35000"/>
+                  </a:schemeClr>
+                </a:solidFill>
+              </a:rPr>
+              <a:t>new </a:t>
+            </a:r>
+            <a:r>
+              <a:rPr lang="en-US" altLang="zh-CN" sz="2000" dirty="0" err="1">
+                <a:solidFill>
+                  <a:schemeClr val="tx1">
+                    <a:lumMod val="65000"/>
+                    <a:lumOff val="35000"/>
+                  </a:schemeClr>
+                </a:solidFill>
+              </a:rPr>
+              <a:t>Vue</a:t>
+            </a:r>
+            <a:r>
+              <a:rPr lang="en-US" altLang="zh-CN" sz="2000" dirty="0">
+                <a:solidFill>
+                  <a:schemeClr val="tx1">
+                    <a:lumMod val="65000"/>
+                    <a:lumOff val="35000"/>
+                  </a:schemeClr>
+                </a:solidFill>
+              </a:rPr>
+              <a:t>({</a:t>
+            </a:r>
+          </a:p>
+          <a:p>
+            <a:pPr lvl="1"/>
+            <a:r>
+              <a:rPr lang="en-US" altLang="zh-CN" sz="2000" dirty="0">
+                <a:solidFill>
+                  <a:schemeClr val="tx1">
+                    <a:lumMod val="65000"/>
+                    <a:lumOff val="35000"/>
+                  </a:schemeClr>
+                </a:solidFill>
+              </a:rPr>
+              <a:t>el: '#example',</a:t>
+            </a:r>
+          </a:p>
+          <a:p>
+            <a:pPr lvl="1"/>
+            <a:r>
+              <a:rPr lang="en-US" altLang="zh-CN" sz="2000" dirty="0">
+                <a:solidFill>
+                  <a:schemeClr val="tx1">
+                    <a:lumMod val="65000"/>
+                    <a:lumOff val="35000"/>
+                  </a:schemeClr>
+                </a:solidFill>
+              </a:rPr>
+              <a:t>data: {</a:t>
+            </a:r>
+          </a:p>
+          <a:p>
+            <a:pPr lvl="1"/>
+            <a:r>
+              <a:rPr lang="en-US" altLang="zh-CN" sz="2000" dirty="0" smtClean="0">
+                <a:solidFill>
+                  <a:schemeClr val="tx1">
+                    <a:lumMod val="65000"/>
+                    <a:lumOff val="35000"/>
+                  </a:schemeClr>
+                </a:solidFill>
+              </a:rPr>
+              <a:t>	message</a:t>
+            </a:r>
+            <a:r>
+              <a:rPr lang="en-US" altLang="zh-CN" sz="2000" dirty="0">
+                <a:solidFill>
+                  <a:schemeClr val="tx1">
+                    <a:lumMod val="65000"/>
+                    <a:lumOff val="35000"/>
+                  </a:schemeClr>
+                </a:solidFill>
+              </a:rPr>
+              <a:t>: 'Hello'</a:t>
+            </a:r>
+          </a:p>
+          <a:p>
+            <a:pPr lvl="1"/>
+            <a:r>
+              <a:rPr lang="en-US" altLang="zh-CN" sz="2000" dirty="0">
+                <a:solidFill>
+                  <a:schemeClr val="tx1">
+                    <a:lumMod val="65000"/>
+                    <a:lumOff val="35000"/>
+                  </a:schemeClr>
+                </a:solidFill>
+              </a:rPr>
+              <a:t>},</a:t>
+            </a:r>
+          </a:p>
+          <a:p>
+            <a:pPr lvl="1"/>
+            <a:r>
+              <a:rPr lang="en-US" altLang="zh-CN" sz="2000" dirty="0">
+                <a:solidFill>
+                  <a:schemeClr val="tx1">
+                    <a:lumMod val="65000"/>
+                    <a:lumOff val="35000"/>
+                  </a:schemeClr>
+                </a:solidFill>
+              </a:rPr>
+              <a:t>computed: {</a:t>
+            </a:r>
+          </a:p>
+          <a:p>
+            <a:pPr lvl="1"/>
+            <a:r>
+              <a:rPr lang="en-US" altLang="zh-CN" sz="2000" dirty="0" smtClean="0">
+                <a:solidFill>
+                  <a:schemeClr val="tx1">
+                    <a:lumMod val="65000"/>
+                    <a:lumOff val="35000"/>
+                  </a:schemeClr>
+                </a:solidFill>
+              </a:rPr>
+              <a:t>	</a:t>
+            </a:r>
+            <a:r>
+              <a:rPr lang="en-US" altLang="zh-CN" sz="2000" dirty="0" err="1" smtClean="0">
+                <a:solidFill>
+                  <a:schemeClr val="tx1">
+                    <a:lumMod val="65000"/>
+                    <a:lumOff val="35000"/>
+                  </a:schemeClr>
+                </a:solidFill>
+              </a:rPr>
+              <a:t>reversedMessage</a:t>
+            </a:r>
+            <a:r>
+              <a:rPr lang="en-US" altLang="zh-CN" sz="2000" dirty="0">
+                <a:solidFill>
+                  <a:schemeClr val="tx1">
+                    <a:lumMod val="65000"/>
+                    <a:lumOff val="35000"/>
+                  </a:schemeClr>
+                </a:solidFill>
+              </a:rPr>
+              <a:t>: function () {</a:t>
+            </a:r>
+          </a:p>
+          <a:p>
+            <a:pPr lvl="1"/>
+            <a:r>
+              <a:rPr lang="en-US" altLang="zh-CN" sz="2000" dirty="0" smtClean="0">
+                <a:solidFill>
+                  <a:schemeClr val="tx1">
+                    <a:lumMod val="65000"/>
+                    <a:lumOff val="35000"/>
+                  </a:schemeClr>
+                </a:solidFill>
+              </a:rPr>
+              <a:t>		return </a:t>
+            </a:r>
+            <a:r>
+              <a:rPr lang="en-US" altLang="zh-CN" sz="2000" dirty="0" err="1">
+                <a:solidFill>
+                  <a:schemeClr val="tx1">
+                    <a:lumMod val="65000"/>
+                    <a:lumOff val="35000"/>
+                  </a:schemeClr>
+                </a:solidFill>
+              </a:rPr>
+              <a:t>this.message.split</a:t>
+            </a:r>
+            <a:r>
+              <a:rPr lang="en-US" altLang="zh-CN" sz="2000" dirty="0">
+                <a:solidFill>
+                  <a:schemeClr val="tx1">
+                    <a:lumMod val="65000"/>
+                    <a:lumOff val="35000"/>
+                  </a:schemeClr>
+                </a:solidFill>
+              </a:rPr>
+              <a:t>('').reverse().join('')</a:t>
+            </a:r>
+          </a:p>
+          <a:p>
+            <a:pPr lvl="1"/>
+            <a:r>
+              <a:rPr lang="en-US" altLang="zh-CN" sz="2000" dirty="0" smtClean="0">
+                <a:solidFill>
+                  <a:schemeClr val="tx1">
+                    <a:lumMod val="65000"/>
+                    <a:lumOff val="35000"/>
+                  </a:schemeClr>
+                </a:solidFill>
+              </a:rPr>
+              <a:t>	}</a:t>
+            </a:r>
+            <a:endParaRPr lang="en-US" altLang="zh-CN" sz="2000" dirty="0">
               <a:solidFill>
-                <a:srgbClr val="FF0000"/>
+                <a:schemeClr val="tx1">
+                  <a:lumMod val="65000"/>
+                  <a:lumOff val="35000"/>
+                </a:schemeClr>
               </a:solidFill>
-              <a:prstDash val="lgDash"/>
-            </a:ln>
-          </p:spPr>
-          <p:style>
-            <a:lnRef idx="1">
-              <a:schemeClr val="accent1"/>
-            </a:lnRef>
-            <a:fillRef idx="0">
-              <a:schemeClr val="accent1"/>
-            </a:fillRef>
-            <a:effectRef idx="0">
-              <a:schemeClr val="accent1"/>
-            </a:effectRef>
-            <a:fontRef idx="minor">
-              <a:schemeClr val="tx1"/>
-            </a:fontRef>
-          </p:style>
-        </p:cxnSp>
-      </p:grpSp>
+            </a:endParaRPr>
+          </a:p>
+          <a:p>
+            <a:pPr lvl="1"/>
+            <a:r>
+              <a:rPr lang="en-US" altLang="zh-CN" sz="2000" dirty="0">
+                <a:solidFill>
+                  <a:schemeClr val="tx1">
+                    <a:lumMod val="65000"/>
+                    <a:lumOff val="35000"/>
+                  </a:schemeClr>
+                </a:solidFill>
+              </a:rPr>
+              <a:t>}</a:t>
+            </a:r>
+          </a:p>
+          <a:p>
+            <a:r>
+              <a:rPr lang="en-US" altLang="zh-CN" sz="2000" dirty="0">
+                <a:solidFill>
+                  <a:schemeClr val="tx1">
+                    <a:lumMod val="65000"/>
+                    <a:lumOff val="35000"/>
+                  </a:schemeClr>
+                </a:solidFill>
+              </a:rPr>
+              <a:t>})</a:t>
+            </a:r>
+            <a:endParaRPr lang="en-US" altLang="zh-CN" sz="2000" dirty="0">
+              <a:solidFill>
+                <a:schemeClr val="tx1">
+                  <a:lumMod val="65000"/>
+                  <a:lumOff val="35000"/>
+                </a:schemeClr>
+              </a:solidFill>
+              <a:effectLst/>
+            </a:endParaRPr>
+          </a:p>
+        </p:txBody>
+      </p:sp>
+      <p:cxnSp>
+        <p:nvCxnSpPr>
+          <p:cNvPr id="3" name="直线箭头连接符 2"/>
+          <p:cNvCxnSpPr/>
+          <p:nvPr/>
+        </p:nvCxnSpPr>
+        <p:spPr>
+          <a:xfrm flipV="1">
+            <a:off x="3148314" y="2207474"/>
+            <a:ext cx="2777924" cy="2561296"/>
+          </a:xfrm>
+          <a:prstGeom prst="straightConnector1">
+            <a:avLst/>
+          </a:prstGeom>
+          <a:ln>
+            <a:solidFill>
+              <a:srgbClr val="FF0000"/>
+            </a:solidFill>
+            <a:headEnd type="triangle"/>
+            <a:tailEnd type="triangle"/>
+          </a:ln>
+        </p:spPr>
+        <p:style>
+          <a:lnRef idx="2">
+            <a:schemeClr val="dk1"/>
+          </a:lnRef>
+          <a:fillRef idx="0">
+            <a:schemeClr val="dk1"/>
+          </a:fillRef>
+          <a:effectRef idx="1">
+            <a:schemeClr val="dk1"/>
+          </a:effectRef>
+          <a:fontRef idx="minor">
+            <a:schemeClr val="tx1"/>
+          </a:fontRef>
+        </p:style>
+      </p:cxnSp>
+      <p:sp>
+        <p:nvSpPr>
+          <p:cNvPr id="21" name="矩形 20"/>
+          <p:cNvSpPr/>
+          <p:nvPr/>
+        </p:nvSpPr>
+        <p:spPr>
+          <a:xfrm>
+            <a:off x="7361499" y="3185957"/>
+            <a:ext cx="4114185" cy="3139321"/>
+          </a:xfrm>
+          <a:prstGeom prst="rect">
+            <a:avLst/>
+          </a:prstGeom>
+        </p:spPr>
+        <p:txBody>
+          <a:bodyPr wrap="square">
+            <a:spAutoFit/>
+          </a:bodyPr>
+          <a:lstStyle/>
+          <a:p>
+            <a:pPr marL="285750" indent="-285750">
+              <a:buFontTx/>
+              <a:buChar char="-"/>
+            </a:pPr>
+            <a:r>
+              <a:rPr lang="zh-CN" altLang="en-US" dirty="0" smtClean="0">
+                <a:solidFill>
+                  <a:srgbClr val="34495E"/>
+                </a:solidFill>
+                <a:latin typeface="Microsoft YaHei" charset="-122"/>
+                <a:ea typeface="Microsoft YaHei" charset="-122"/>
+                <a:cs typeface="Microsoft YaHei" charset="-122"/>
+              </a:rPr>
+              <a:t>可以像</a:t>
+            </a:r>
+            <a:r>
+              <a:rPr lang="zh-CN" altLang="en-US" dirty="0">
+                <a:solidFill>
+                  <a:srgbClr val="34495E"/>
+                </a:solidFill>
+                <a:latin typeface="Microsoft YaHei" charset="-122"/>
+                <a:ea typeface="Microsoft YaHei" charset="-122"/>
+                <a:cs typeface="Microsoft YaHei" charset="-122"/>
+              </a:rPr>
+              <a:t>绑定普通属性一样在模板中绑定计算属性。 </a:t>
+            </a:r>
+            <a:endParaRPr lang="en-US" altLang="zh-CN" dirty="0" smtClean="0">
+              <a:solidFill>
+                <a:srgbClr val="34495E"/>
+              </a:solidFill>
+              <a:latin typeface="Microsoft YaHei" charset="-122"/>
+              <a:ea typeface="Microsoft YaHei" charset="-122"/>
+              <a:cs typeface="Microsoft YaHei" charset="-122"/>
+            </a:endParaRPr>
+          </a:p>
+          <a:p>
+            <a:pPr marL="285750" indent="-285750">
+              <a:buFontTx/>
+              <a:buChar char="-"/>
+            </a:pPr>
+            <a:r>
+              <a:rPr lang="zh-CN" altLang="en-US" dirty="0" smtClean="0">
+                <a:solidFill>
+                  <a:srgbClr val="34495E"/>
+                </a:solidFill>
+                <a:latin typeface="Microsoft YaHei" charset="-122"/>
+                <a:ea typeface="Microsoft YaHei" charset="-122"/>
+                <a:cs typeface="Microsoft YaHei" charset="-122"/>
+              </a:rPr>
+              <a:t> </a:t>
+            </a:r>
+            <a:r>
+              <a:rPr lang="en-US" altLang="zh-CN" dirty="0" err="1" smtClean="0">
+                <a:solidFill>
+                  <a:schemeClr val="bg2">
+                    <a:lumMod val="50000"/>
+                  </a:schemeClr>
+                </a:solidFill>
+                <a:latin typeface="Microsoft YaHei" charset="-122"/>
+                <a:ea typeface="Microsoft YaHei" charset="-122"/>
+                <a:cs typeface="Microsoft YaHei" charset="-122"/>
+              </a:rPr>
+              <a:t>vm.reversedMessage</a:t>
+            </a:r>
+            <a:r>
+              <a:rPr lang="zh-CN" altLang="en-US" dirty="0">
+                <a:solidFill>
+                  <a:srgbClr val="34495E"/>
+                </a:solidFill>
+                <a:latin typeface="Microsoft YaHei" charset="-122"/>
+                <a:ea typeface="Microsoft YaHei" charset="-122"/>
+                <a:cs typeface="Microsoft YaHei" charset="-122"/>
+              </a:rPr>
+              <a:t> 依赖于 </a:t>
+            </a:r>
+            <a:r>
+              <a:rPr lang="en-US" altLang="zh-CN" dirty="0" err="1">
+                <a:solidFill>
+                  <a:schemeClr val="bg2">
+                    <a:lumMod val="50000"/>
+                  </a:schemeClr>
+                </a:solidFill>
+                <a:latin typeface="Microsoft YaHei" charset="-122"/>
+                <a:ea typeface="Microsoft YaHei" charset="-122"/>
+                <a:cs typeface="Microsoft YaHei" charset="-122"/>
+              </a:rPr>
+              <a:t>vm.message</a:t>
+            </a:r>
+            <a:r>
+              <a:rPr lang="zh-CN" altLang="en-US" dirty="0">
+                <a:solidFill>
+                  <a:srgbClr val="34495E"/>
+                </a:solidFill>
+                <a:latin typeface="Microsoft YaHei" charset="-122"/>
+                <a:ea typeface="Microsoft YaHei" charset="-122"/>
+                <a:cs typeface="Microsoft YaHei" charset="-122"/>
+              </a:rPr>
+              <a:t> ，因此当 </a:t>
+            </a:r>
+            <a:r>
+              <a:rPr lang="en-US" altLang="zh-CN" dirty="0" err="1">
+                <a:solidFill>
+                  <a:schemeClr val="bg2">
+                    <a:lumMod val="50000"/>
+                  </a:schemeClr>
+                </a:solidFill>
+                <a:latin typeface="Microsoft YaHei" charset="-122"/>
+                <a:ea typeface="Microsoft YaHei" charset="-122"/>
+                <a:cs typeface="Microsoft YaHei" charset="-122"/>
+              </a:rPr>
+              <a:t>vm.message</a:t>
+            </a:r>
+            <a:r>
+              <a:rPr lang="zh-CN" altLang="en-US" dirty="0">
+                <a:solidFill>
+                  <a:srgbClr val="34495E"/>
+                </a:solidFill>
+                <a:latin typeface="Microsoft YaHei" charset="-122"/>
+                <a:ea typeface="Microsoft YaHei" charset="-122"/>
+                <a:cs typeface="Microsoft YaHei" charset="-122"/>
+              </a:rPr>
+              <a:t> 发生改变时，所有依赖于 </a:t>
+            </a:r>
+            <a:r>
+              <a:rPr lang="en-US" altLang="zh-CN" dirty="0" err="1">
+                <a:solidFill>
+                  <a:schemeClr val="bg2">
+                    <a:lumMod val="50000"/>
+                  </a:schemeClr>
+                </a:solidFill>
+                <a:latin typeface="Microsoft YaHei" charset="-122"/>
+                <a:ea typeface="Microsoft YaHei" charset="-122"/>
+                <a:cs typeface="Microsoft YaHei" charset="-122"/>
+              </a:rPr>
+              <a:t>vm.reversedMessage</a:t>
+            </a:r>
+            <a:r>
+              <a:rPr lang="zh-CN" altLang="en-US" dirty="0">
+                <a:solidFill>
+                  <a:srgbClr val="34495E"/>
+                </a:solidFill>
+                <a:latin typeface="Microsoft YaHei" charset="-122"/>
+                <a:ea typeface="Microsoft YaHei" charset="-122"/>
+                <a:cs typeface="Microsoft YaHei" charset="-122"/>
+              </a:rPr>
+              <a:t> 的绑定也会更新</a:t>
+            </a:r>
+            <a:r>
+              <a:rPr lang="zh-CN" altLang="en-US" dirty="0" smtClean="0">
+                <a:solidFill>
+                  <a:srgbClr val="34495E"/>
+                </a:solidFill>
+                <a:latin typeface="Microsoft YaHei" charset="-122"/>
+                <a:ea typeface="Microsoft YaHei" charset="-122"/>
+                <a:cs typeface="Microsoft YaHei" charset="-122"/>
+              </a:rPr>
+              <a:t>。</a:t>
+            </a:r>
+            <a:endParaRPr lang="en-US" altLang="zh-CN" dirty="0">
+              <a:solidFill>
+                <a:srgbClr val="34495E"/>
+              </a:solidFill>
+              <a:latin typeface="Microsoft YaHei" charset="-122"/>
+              <a:ea typeface="Microsoft YaHei" charset="-122"/>
+              <a:cs typeface="Microsoft YaHei" charset="-122"/>
+            </a:endParaRPr>
+          </a:p>
+          <a:p>
+            <a:pPr marL="285750" indent="-285750">
+              <a:buFontTx/>
+              <a:buChar char="-"/>
+            </a:pPr>
+            <a:r>
+              <a:rPr lang="zh-CN" altLang="en-US" dirty="0">
+                <a:solidFill>
+                  <a:srgbClr val="34495E"/>
+                </a:solidFill>
+                <a:latin typeface="Microsoft YaHei" charset="-122"/>
+                <a:ea typeface="Microsoft YaHei" charset="-122"/>
+                <a:cs typeface="Microsoft YaHei" charset="-122"/>
+              </a:rPr>
+              <a:t>计算</a:t>
+            </a:r>
+            <a:r>
+              <a:rPr lang="zh-CN" altLang="en-US" dirty="0">
+                <a:solidFill>
+                  <a:srgbClr val="34495E"/>
+                </a:solidFill>
+                <a:latin typeface="Microsoft YaHei" charset="-122"/>
+                <a:ea typeface="Microsoft YaHei" charset="-122"/>
+                <a:cs typeface="Microsoft YaHei" charset="-122"/>
+              </a:rPr>
+              <a:t>属性 </a:t>
+            </a:r>
+            <a:r>
+              <a:rPr lang="en-US" altLang="zh-CN" dirty="0">
+                <a:solidFill>
+                  <a:srgbClr val="34495E"/>
+                </a:solidFill>
+                <a:latin typeface="Microsoft YaHei" charset="-122"/>
+                <a:ea typeface="Microsoft YaHei" charset="-122"/>
+                <a:cs typeface="Microsoft YaHei" charset="-122"/>
+              </a:rPr>
+              <a:t>vs </a:t>
+            </a:r>
+            <a:r>
+              <a:rPr lang="en-US" altLang="zh-CN" dirty="0">
+                <a:solidFill>
+                  <a:srgbClr val="34495E"/>
+                </a:solidFill>
+                <a:latin typeface="Microsoft YaHei" charset="-122"/>
+                <a:ea typeface="Microsoft YaHei" charset="-122"/>
+                <a:cs typeface="Microsoft YaHei" charset="-122"/>
+              </a:rPr>
+              <a:t>Methods</a:t>
+            </a:r>
+            <a:endParaRPr lang="en-US" altLang="zh-CN" dirty="0">
+              <a:solidFill>
+                <a:srgbClr val="34495E"/>
+              </a:solidFill>
+              <a:latin typeface="Microsoft YaHei" charset="-122"/>
+              <a:ea typeface="Microsoft YaHei" charset="-122"/>
+              <a:cs typeface="Microsoft YaHei" charset="-122"/>
+            </a:endParaRPr>
+          </a:p>
+          <a:p>
+            <a:pPr marL="285750" indent="-285750">
+              <a:buFontTx/>
+              <a:buChar char="-"/>
+            </a:pPr>
+            <a:r>
+              <a:rPr lang="en-US" altLang="zh-CN" dirty="0">
+                <a:solidFill>
+                  <a:srgbClr val="34495E"/>
+                </a:solidFill>
+                <a:latin typeface="Microsoft YaHei" charset="-122"/>
+                <a:ea typeface="Microsoft YaHei" charset="-122"/>
+                <a:cs typeface="Microsoft YaHei" charset="-122"/>
+              </a:rPr>
+              <a:t>Computed </a:t>
+            </a:r>
+            <a:r>
+              <a:rPr lang="zh-CN" altLang="en-US" dirty="0">
+                <a:solidFill>
+                  <a:srgbClr val="34495E"/>
+                </a:solidFill>
+                <a:latin typeface="Microsoft YaHei" charset="-122"/>
+                <a:ea typeface="Microsoft YaHei" charset="-122"/>
+                <a:cs typeface="Microsoft YaHei" charset="-122"/>
+              </a:rPr>
+              <a:t>属性 </a:t>
+            </a:r>
+            <a:r>
+              <a:rPr lang="en-US" altLang="zh-CN" dirty="0">
+                <a:solidFill>
+                  <a:srgbClr val="34495E"/>
+                </a:solidFill>
+                <a:latin typeface="Microsoft YaHei" charset="-122"/>
+                <a:ea typeface="Microsoft YaHei" charset="-122"/>
+                <a:cs typeface="Microsoft YaHei" charset="-122"/>
+              </a:rPr>
+              <a:t>vs Watched </a:t>
+            </a:r>
+            <a:r>
+              <a:rPr lang="zh-CN" altLang="en-US" dirty="0">
+                <a:solidFill>
+                  <a:srgbClr val="34495E"/>
+                </a:solidFill>
+                <a:latin typeface="Microsoft YaHei" charset="-122"/>
+                <a:ea typeface="Microsoft YaHei" charset="-122"/>
+                <a:cs typeface="Microsoft YaHei" charset="-122"/>
+              </a:rPr>
+              <a:t>属性</a:t>
+            </a:r>
+            <a:endParaRPr lang="en-US" altLang="zh-CN" dirty="0">
+              <a:solidFill>
+                <a:srgbClr val="34495E"/>
+              </a:solidFill>
+              <a:latin typeface="Microsoft YaHei" charset="-122"/>
+              <a:ea typeface="Microsoft YaHei" charset="-122"/>
+              <a:cs typeface="Microsoft YaHei" charset="-122"/>
+              <a:hlinkClick r:id="rId4"/>
+            </a:endParaRPr>
+          </a:p>
+          <a:p>
+            <a:r>
+              <a:rPr lang="en-US" altLang="zh-CN" dirty="0"/>
+              <a:t/>
+            </a:r>
+            <a:br>
+              <a:rPr lang="en-US" altLang="zh-CN" dirty="0"/>
+            </a:br>
+            <a:endParaRPr lang="zh-CN" altLang="en-US" dirty="0">
+              <a:latin typeface="Microsoft YaHei" charset="-122"/>
+              <a:ea typeface="Microsoft YaHei" charset="-122"/>
+              <a:cs typeface="Microsoft YaHei" charset="-122"/>
+            </a:endParaRPr>
+          </a:p>
+        </p:txBody>
+      </p:sp>
     </p:spTree>
     <p:extLst>
       <p:ext uri="{BB962C8B-B14F-4D97-AF65-F5344CB8AC3E}">
-        <p14:creationId xmlns:p14="http://schemas.microsoft.com/office/powerpoint/2010/main" val="627836459"/>
+        <p14:creationId xmlns:p14="http://schemas.microsoft.com/office/powerpoint/2010/main" val="348532032"/>
       </p:ext>
     </p:extLst>
   </p:cSld>
@@ -23344,7 +25167,7 @@
   <a:extraClrSchemeLst/>
   <a:extLst>
     <a:ext uri="{05A4C25C-085E-4340-85A3-A5531E510DB2}">
-      <thm15:themeFamily xmlns:thm15="http://schemas.microsoft.com/office/thememl/2012/main" xmlns="" name="Office Theme" id="{62F939B6-93AF-4DB8-9C6B-D6C7DFDC589F}" vid="{4A3C46E8-61CC-4603-A589-7422A47A8E4A}"/>
+      <thm15:themeFamily xmlns:thm15="http://schemas.microsoft.com/office/thememl/2012/main" name="Office Theme" id="{62F939B6-93AF-4DB8-9C6B-D6C7DFDC589F}" vid="{4A3C46E8-61CC-4603-A589-7422A47A8E4A}"/>
     </a:ext>
   </a:extLst>
 </a:theme>
@@ -23605,7 +25428,7 @@
   <a:extraClrSchemeLst/>
   <a:extLst>
     <a:ext uri="{05A4C25C-085E-4340-85A3-A5531E510DB2}">
-      <thm15:themeFamily xmlns:thm15="http://schemas.microsoft.com/office/thememl/2012/main" xmlns="" name="Office Theme" id="{62F939B6-93AF-4DB8-9C6B-D6C7DFDC589F}" vid="{4A3C46E8-61CC-4603-A589-7422A47A8E4A}"/>
+      <thm15:themeFamily xmlns:thm15="http://schemas.microsoft.com/office/thememl/2012/main" name="Office Theme" id="{62F939B6-93AF-4DB8-9C6B-D6C7DFDC589F}" vid="{4A3C46E8-61CC-4603-A589-7422A47A8E4A}"/>
     </a:ext>
   </a:extLst>
 </a:theme>
